--- a/P3_future_OddBall_ToT.pptx
+++ b/P3_future_OddBall_ToT.pptx
@@ -7105,20 +7105,9 @@
           <a:lstStyle/>
           <a:p>
             <a:r>
-              <a:rPr lang="en-US" dirty="0"/>
-              <a:t>Spotting anomalies in large graphs:</a:t>
-            </a:r>
-            <a:br>
-              <a:rPr lang="en-US" dirty="0"/>
-            </a:br>
-            <a:r>
-              <a:rPr lang="en-US" dirty="0"/>
-              <a:t>Ten years later.</a:t>
-            </a:r>
-            <a:endParaRPr lang="en-US" dirty="0">
-              <a:ea typeface="ＭＳ Ｐゴシック" charset="-128"/>
-              <a:cs typeface="ＭＳ Ｐゴシック" charset="-128"/>
-            </a:endParaRPr>
+              <a:rPr lang="en-US"/>
+              <a:t>Anomaly detection in graphs - past, present and future.</a:t>
+            </a:r>
           </a:p>
         </p:txBody>
       </p:sp>
@@ -7347,14 +7336,14 @@
           </a:ln>
           <a:extLst>
             <a:ext uri="{909E8E84-426E-40dd-AFC4-6F175D3DCCD1}">
-              <a14:hiddenFill xmlns="" xmlns:a14="http://schemas.microsoft.com/office/drawing/2010/main">
+              <a14:hiddenFill xmlns:a14="http://schemas.microsoft.com/office/drawing/2010/main" xmlns="">
                 <a:solidFill>
                   <a:srgbClr val="FFFFFF"/>
                 </a:solidFill>
               </a14:hiddenFill>
             </a:ext>
             <a:ext uri="{91240B29-F687-4f45-9708-019B960494DF}">
-              <a14:hiddenLine xmlns="" xmlns:a14="http://schemas.microsoft.com/office/drawing/2010/main" w="9525">
+              <a14:hiddenLine xmlns:a14="http://schemas.microsoft.com/office/drawing/2010/main" xmlns="" w="9525">
                 <a:solidFill>
                   <a:srgbClr val="000000"/>
                 </a:solidFill>
@@ -7428,14 +7417,14 @@
           </a:ln>
           <a:extLst>
             <a:ext uri="{909E8E84-426E-40dd-AFC4-6F175D3DCCD1}">
-              <a14:hiddenFill xmlns="" xmlns:a14="http://schemas.microsoft.com/office/drawing/2010/main">
+              <a14:hiddenFill xmlns:a14="http://schemas.microsoft.com/office/drawing/2010/main" xmlns="">
                 <a:solidFill>
                   <a:srgbClr val="FFFFFF"/>
                 </a:solidFill>
               </a14:hiddenFill>
             </a:ext>
             <a:ext uri="{91240B29-F687-4f45-9708-019B960494DF}">
-              <a14:hiddenLine xmlns="" xmlns:a14="http://schemas.microsoft.com/office/drawing/2010/main" w="9525">
+              <a14:hiddenLine xmlns:a14="http://schemas.microsoft.com/office/drawing/2010/main" xmlns="" w="9525">
                 <a:solidFill>
                   <a:srgbClr val="000000"/>
                 </a:solidFill>
@@ -7482,14 +7471,14 @@
           </a:ln>
           <a:extLst>
             <a:ext uri="{909E8E84-426E-40dd-AFC4-6F175D3DCCD1}">
-              <a14:hiddenFill xmlns="" xmlns:a14="http://schemas.microsoft.com/office/drawing/2010/main">
+              <a14:hiddenFill xmlns:a14="http://schemas.microsoft.com/office/drawing/2010/main" xmlns="">
                 <a:solidFill>
                   <a:srgbClr val="FFFFFF"/>
                 </a:solidFill>
               </a14:hiddenFill>
             </a:ext>
             <a:ext uri="{91240B29-F687-4f45-9708-019B960494DF}">
-              <a14:hiddenLine xmlns="" xmlns:a14="http://schemas.microsoft.com/office/drawing/2010/main" w="9525">
+              <a14:hiddenLine xmlns:a14="http://schemas.microsoft.com/office/drawing/2010/main" xmlns="" w="9525">
                 <a:solidFill>
                   <a:srgbClr val="000000"/>
                 </a:solidFill>
@@ -8155,14 +8144,14 @@
           </a:ln>
           <a:extLst>
             <a:ext uri="{909E8E84-426E-40dd-AFC4-6F175D3DCCD1}">
-              <a14:hiddenFill xmlns="" xmlns:a14="http://schemas.microsoft.com/office/drawing/2010/main">
+              <a14:hiddenFill xmlns:a14="http://schemas.microsoft.com/office/drawing/2010/main" xmlns="">
                 <a:solidFill>
                   <a:srgbClr val="FFFFFF"/>
                 </a:solidFill>
               </a14:hiddenFill>
             </a:ext>
             <a:ext uri="{91240B29-F687-4f45-9708-019B960494DF}">
-              <a14:hiddenLine xmlns="" xmlns:a14="http://schemas.microsoft.com/office/drawing/2010/main" w="9525">
+              <a14:hiddenLine xmlns:a14="http://schemas.microsoft.com/office/drawing/2010/main" xmlns="" w="9525">
                 <a:solidFill>
                   <a:srgbClr val="000000"/>
                 </a:solidFill>
@@ -8236,14 +8225,14 @@
           </a:ln>
           <a:extLst>
             <a:ext uri="{909E8E84-426E-40dd-AFC4-6F175D3DCCD1}">
-              <a14:hiddenFill xmlns="" xmlns:a14="http://schemas.microsoft.com/office/drawing/2010/main">
+              <a14:hiddenFill xmlns:a14="http://schemas.microsoft.com/office/drawing/2010/main" xmlns="">
                 <a:solidFill>
                   <a:srgbClr val="FFFFFF"/>
                 </a:solidFill>
               </a14:hiddenFill>
             </a:ext>
             <a:ext uri="{91240B29-F687-4f45-9708-019B960494DF}">
-              <a14:hiddenLine xmlns="" xmlns:a14="http://schemas.microsoft.com/office/drawing/2010/main" w="9525">
+              <a14:hiddenLine xmlns:a14="http://schemas.microsoft.com/office/drawing/2010/main" xmlns="" w="9525">
                 <a:solidFill>
                   <a:srgbClr val="000000"/>
                 </a:solidFill>
@@ -8290,14 +8279,14 @@
           </a:ln>
           <a:extLst>
             <a:ext uri="{909E8E84-426E-40dd-AFC4-6F175D3DCCD1}">
-              <a14:hiddenFill xmlns="" xmlns:a14="http://schemas.microsoft.com/office/drawing/2010/main">
+              <a14:hiddenFill xmlns:a14="http://schemas.microsoft.com/office/drawing/2010/main" xmlns="">
                 <a:solidFill>
                   <a:srgbClr val="FFFFFF"/>
                 </a:solidFill>
               </a14:hiddenFill>
             </a:ext>
             <a:ext uri="{91240B29-F687-4f45-9708-019B960494DF}">
-              <a14:hiddenLine xmlns="" xmlns:a14="http://schemas.microsoft.com/office/drawing/2010/main" w="9525">
+              <a14:hiddenLine xmlns:a14="http://schemas.microsoft.com/office/drawing/2010/main" xmlns="" w="9525">
                 <a:solidFill>
                   <a:srgbClr val="000000"/>
                 </a:solidFill>
@@ -9522,14 +9511,14 @@
           </a:ln>
           <a:extLst>
             <a:ext uri="{909E8E84-426E-40dd-AFC4-6F175D3DCCD1}">
-              <a14:hiddenFill xmlns="" xmlns:a14="http://schemas.microsoft.com/office/drawing/2010/main">
+              <a14:hiddenFill xmlns:a14="http://schemas.microsoft.com/office/drawing/2010/main" xmlns="">
                 <a:solidFill>
                   <a:srgbClr val="FFFFFF"/>
                 </a:solidFill>
               </a14:hiddenFill>
             </a:ext>
             <a:ext uri="{91240B29-F687-4f45-9708-019B960494DF}">
-              <a14:hiddenLine xmlns="" xmlns:a14="http://schemas.microsoft.com/office/drawing/2010/main" w="9525">
+              <a14:hiddenLine xmlns:a14="http://schemas.microsoft.com/office/drawing/2010/main" xmlns="" w="9525">
                 <a:solidFill>
                   <a:srgbClr val="000000"/>
                 </a:solidFill>
@@ -10914,14 +10903,14 @@
             </a:ln>
             <a:extLst>
               <a:ext uri="{909E8E84-426E-40dd-AFC4-6F175D3DCCD1}">
-                <a14:hiddenFill xmlns="" xmlns:a14="http://schemas.microsoft.com/office/drawing/2010/main">
+                <a14:hiddenFill xmlns:a14="http://schemas.microsoft.com/office/drawing/2010/main" xmlns="">
                   <a:solidFill>
                     <a:srgbClr val="FFFFFF"/>
                   </a:solidFill>
                 </a14:hiddenFill>
               </a:ext>
               <a:ext uri="{91240B29-F687-4f45-9708-019B960494DF}">
-                <a14:hiddenLine xmlns="" xmlns:a14="http://schemas.microsoft.com/office/drawing/2010/main" w="9525">
+                <a14:hiddenLine xmlns:a14="http://schemas.microsoft.com/office/drawing/2010/main" xmlns="" w="9525">
                   <a:solidFill>
                     <a:srgbClr val="000000"/>
                   </a:solidFill>
@@ -10968,14 +10957,14 @@
             </a:ln>
             <a:extLst>
               <a:ext uri="{909E8E84-426E-40dd-AFC4-6F175D3DCCD1}">
-                <a14:hiddenFill xmlns="" xmlns:a14="http://schemas.microsoft.com/office/drawing/2010/main">
+                <a14:hiddenFill xmlns:a14="http://schemas.microsoft.com/office/drawing/2010/main" xmlns="">
                   <a:solidFill>
                     <a:srgbClr val="FFFFFF"/>
                   </a:solidFill>
                 </a14:hiddenFill>
               </a:ext>
               <a:ext uri="{91240B29-F687-4f45-9708-019B960494DF}">
-                <a14:hiddenLine xmlns="" xmlns:a14="http://schemas.microsoft.com/office/drawing/2010/main" w="9525">
+                <a14:hiddenLine xmlns:a14="http://schemas.microsoft.com/office/drawing/2010/main" xmlns="" w="9525">
                   <a:solidFill>
                     <a:srgbClr val="000000"/>
                   </a:solidFill>
@@ -11022,14 +11011,14 @@
             </a:ln>
             <a:extLst>
               <a:ext uri="{909E8E84-426E-40dd-AFC4-6F175D3DCCD1}">
-                <a14:hiddenFill xmlns="" xmlns:a14="http://schemas.microsoft.com/office/drawing/2010/main">
+                <a14:hiddenFill xmlns:a14="http://schemas.microsoft.com/office/drawing/2010/main" xmlns="">
                   <a:solidFill>
                     <a:srgbClr val="FFFFFF"/>
                   </a:solidFill>
                 </a14:hiddenFill>
               </a:ext>
               <a:ext uri="{91240B29-F687-4f45-9708-019B960494DF}">
-                <a14:hiddenLine xmlns="" xmlns:a14="http://schemas.microsoft.com/office/drawing/2010/main" w="9525">
+                <a14:hiddenLine xmlns:a14="http://schemas.microsoft.com/office/drawing/2010/main" xmlns="" w="9525">
                   <a:solidFill>
                     <a:srgbClr val="000000"/>
                   </a:solidFill>
@@ -11076,14 +11065,14 @@
             </a:ln>
             <a:extLst>
               <a:ext uri="{909E8E84-426E-40dd-AFC4-6F175D3DCCD1}">
-                <a14:hiddenFill xmlns="" xmlns:a14="http://schemas.microsoft.com/office/drawing/2010/main">
+                <a14:hiddenFill xmlns:a14="http://schemas.microsoft.com/office/drawing/2010/main" xmlns="">
                   <a:solidFill>
                     <a:srgbClr val="FFFFFF"/>
                   </a:solidFill>
                 </a14:hiddenFill>
               </a:ext>
               <a:ext uri="{91240B29-F687-4f45-9708-019B960494DF}">
-                <a14:hiddenLine xmlns="" xmlns:a14="http://schemas.microsoft.com/office/drawing/2010/main" w="9525">
+                <a14:hiddenLine xmlns:a14="http://schemas.microsoft.com/office/drawing/2010/main" xmlns="" w="9525">
                   <a:solidFill>
                     <a:srgbClr val="000000"/>
                   </a:solidFill>
@@ -11130,14 +11119,14 @@
             </a:ln>
             <a:extLst>
               <a:ext uri="{909E8E84-426E-40dd-AFC4-6F175D3DCCD1}">
-                <a14:hiddenFill xmlns="" xmlns:a14="http://schemas.microsoft.com/office/drawing/2010/main">
+                <a14:hiddenFill xmlns:a14="http://schemas.microsoft.com/office/drawing/2010/main" xmlns="">
                   <a:solidFill>
                     <a:srgbClr val="FFFFFF"/>
                   </a:solidFill>
                 </a14:hiddenFill>
               </a:ext>
               <a:ext uri="{91240B29-F687-4f45-9708-019B960494DF}">
-                <a14:hiddenLine xmlns="" xmlns:a14="http://schemas.microsoft.com/office/drawing/2010/main" w="9525">
+                <a14:hiddenLine xmlns:a14="http://schemas.microsoft.com/office/drawing/2010/main" xmlns="" w="9525">
                   <a:solidFill>
                     <a:srgbClr val="000000"/>
                   </a:solidFill>
@@ -11184,14 +11173,14 @@
             </a:ln>
             <a:extLst>
               <a:ext uri="{909E8E84-426E-40dd-AFC4-6F175D3DCCD1}">
-                <a14:hiddenFill xmlns="" xmlns:a14="http://schemas.microsoft.com/office/drawing/2010/main">
+                <a14:hiddenFill xmlns:a14="http://schemas.microsoft.com/office/drawing/2010/main" xmlns="">
                   <a:solidFill>
                     <a:srgbClr val="FFFFFF"/>
                   </a:solidFill>
                 </a14:hiddenFill>
               </a:ext>
               <a:ext uri="{91240B29-F687-4f45-9708-019B960494DF}">
-                <a14:hiddenLine xmlns="" xmlns:a14="http://schemas.microsoft.com/office/drawing/2010/main" w="9525">
+                <a14:hiddenLine xmlns:a14="http://schemas.microsoft.com/office/drawing/2010/main" xmlns="" w="9525">
                   <a:solidFill>
                     <a:srgbClr val="000000"/>
                   </a:solidFill>
@@ -11238,14 +11227,14 @@
             </a:ln>
             <a:extLst>
               <a:ext uri="{909E8E84-426E-40dd-AFC4-6F175D3DCCD1}">
-                <a14:hiddenFill xmlns="" xmlns:a14="http://schemas.microsoft.com/office/drawing/2010/main">
+                <a14:hiddenFill xmlns:a14="http://schemas.microsoft.com/office/drawing/2010/main" xmlns="">
                   <a:solidFill>
                     <a:srgbClr val="FFFFFF"/>
                   </a:solidFill>
                 </a14:hiddenFill>
               </a:ext>
               <a:ext uri="{91240B29-F687-4f45-9708-019B960494DF}">
-                <a14:hiddenLine xmlns="" xmlns:a14="http://schemas.microsoft.com/office/drawing/2010/main" w="9525">
+                <a14:hiddenLine xmlns:a14="http://schemas.microsoft.com/office/drawing/2010/main" xmlns="" w="9525">
                   <a:solidFill>
                     <a:srgbClr val="000000"/>
                   </a:solidFill>
@@ -11292,14 +11281,14 @@
             </a:ln>
             <a:extLst>
               <a:ext uri="{909E8E84-426E-40dd-AFC4-6F175D3DCCD1}">
-                <a14:hiddenFill xmlns="" xmlns:a14="http://schemas.microsoft.com/office/drawing/2010/main">
+                <a14:hiddenFill xmlns:a14="http://schemas.microsoft.com/office/drawing/2010/main" xmlns="">
                   <a:solidFill>
                     <a:srgbClr val="FFFFFF"/>
                   </a:solidFill>
                 </a14:hiddenFill>
               </a:ext>
               <a:ext uri="{91240B29-F687-4f45-9708-019B960494DF}">
-                <a14:hiddenLine xmlns="" xmlns:a14="http://schemas.microsoft.com/office/drawing/2010/main" w="9525">
+                <a14:hiddenLine xmlns:a14="http://schemas.microsoft.com/office/drawing/2010/main" xmlns="" w="9525">
                   <a:solidFill>
                     <a:srgbClr val="000000"/>
                   </a:solidFill>
@@ -11858,14 +11847,14 @@
           </a:ln>
           <a:extLst>
             <a:ext uri="{909E8E84-426E-40dd-AFC4-6F175D3DCCD1}">
-              <a14:hiddenFill xmlns="" xmlns:a14="http://schemas.microsoft.com/office/drawing/2010/main">
+              <a14:hiddenFill xmlns:a14="http://schemas.microsoft.com/office/drawing/2010/main" xmlns="">
                 <a:solidFill>
                   <a:srgbClr val="FFFFFF"/>
                 </a:solidFill>
               </a14:hiddenFill>
             </a:ext>
             <a:ext uri="{91240B29-F687-4f45-9708-019B960494DF}">
-              <a14:hiddenLine xmlns="" xmlns:a14="http://schemas.microsoft.com/office/drawing/2010/main" w="9525">
+              <a14:hiddenLine xmlns:a14="http://schemas.microsoft.com/office/drawing/2010/main" xmlns="" w="9525">
                 <a:solidFill>
                   <a:srgbClr val="000000"/>
                 </a:solidFill>
@@ -12291,14 +12280,14 @@
           </a:ln>
           <a:extLst>
             <a:ext uri="{909E8E84-426E-40dd-AFC4-6F175D3DCCD1}">
-              <a14:hiddenFill xmlns="" xmlns:a14="http://schemas.microsoft.com/office/drawing/2010/main">
+              <a14:hiddenFill xmlns:a14="http://schemas.microsoft.com/office/drawing/2010/main" xmlns="">
                 <a:solidFill>
                   <a:srgbClr val="FFFFFF"/>
                 </a:solidFill>
               </a14:hiddenFill>
             </a:ext>
             <a:ext uri="{91240B29-F687-4f45-9708-019B960494DF}">
-              <a14:hiddenLine xmlns="" xmlns:a14="http://schemas.microsoft.com/office/drawing/2010/main" w="9525">
+              <a14:hiddenLine xmlns:a14="http://schemas.microsoft.com/office/drawing/2010/main" xmlns="" w="9525">
                 <a:solidFill>
                   <a:srgbClr val="000000"/>
                 </a:solidFill>
@@ -12345,14 +12334,14 @@
           </a:ln>
           <a:extLst>
             <a:ext uri="{909E8E84-426E-40dd-AFC4-6F175D3DCCD1}">
-              <a14:hiddenFill xmlns="" xmlns:a14="http://schemas.microsoft.com/office/drawing/2010/main">
+              <a14:hiddenFill xmlns:a14="http://schemas.microsoft.com/office/drawing/2010/main" xmlns="">
                 <a:solidFill>
                   <a:srgbClr val="FFFFFF"/>
                 </a:solidFill>
               </a14:hiddenFill>
             </a:ext>
             <a:ext uri="{91240B29-F687-4f45-9708-019B960494DF}">
-              <a14:hiddenLine xmlns="" xmlns:a14="http://schemas.microsoft.com/office/drawing/2010/main" w="9525">
+              <a14:hiddenLine xmlns:a14="http://schemas.microsoft.com/office/drawing/2010/main" xmlns="" w="9525">
                 <a:solidFill>
                   <a:srgbClr val="000000"/>
                 </a:solidFill>
@@ -12399,14 +12388,14 @@
           </a:ln>
           <a:extLst>
             <a:ext uri="{909E8E84-426E-40dd-AFC4-6F175D3DCCD1}">
-              <a14:hiddenFill xmlns="" xmlns:a14="http://schemas.microsoft.com/office/drawing/2010/main">
+              <a14:hiddenFill xmlns:a14="http://schemas.microsoft.com/office/drawing/2010/main" xmlns="">
                 <a:solidFill>
                   <a:srgbClr val="FFFFFF"/>
                 </a:solidFill>
               </a14:hiddenFill>
             </a:ext>
             <a:ext uri="{91240B29-F687-4f45-9708-019B960494DF}">
-              <a14:hiddenLine xmlns="" xmlns:a14="http://schemas.microsoft.com/office/drawing/2010/main" w="9525">
+              <a14:hiddenLine xmlns:a14="http://schemas.microsoft.com/office/drawing/2010/main" xmlns="" w="9525">
                 <a:solidFill>
                   <a:srgbClr val="000000"/>
                 </a:solidFill>
@@ -12453,14 +12442,14 @@
           </a:ln>
           <a:extLst>
             <a:ext uri="{909E8E84-426E-40dd-AFC4-6F175D3DCCD1}">
-              <a14:hiddenFill xmlns="" xmlns:a14="http://schemas.microsoft.com/office/drawing/2010/main">
+              <a14:hiddenFill xmlns:a14="http://schemas.microsoft.com/office/drawing/2010/main" xmlns="">
                 <a:solidFill>
                   <a:srgbClr val="FFFFFF"/>
                 </a:solidFill>
               </a14:hiddenFill>
             </a:ext>
             <a:ext uri="{91240B29-F687-4f45-9708-019B960494DF}">
-              <a14:hiddenLine xmlns="" xmlns:a14="http://schemas.microsoft.com/office/drawing/2010/main" w="9525">
+              <a14:hiddenLine xmlns:a14="http://schemas.microsoft.com/office/drawing/2010/main" xmlns="" w="9525">
                 <a:solidFill>
                   <a:srgbClr val="000000"/>
                 </a:solidFill>
@@ -12507,14 +12496,14 @@
           </a:ln>
           <a:extLst>
             <a:ext uri="{909E8E84-426E-40dd-AFC4-6F175D3DCCD1}">
-              <a14:hiddenFill xmlns="" xmlns:a14="http://schemas.microsoft.com/office/drawing/2010/main">
+              <a14:hiddenFill xmlns:a14="http://schemas.microsoft.com/office/drawing/2010/main" xmlns="">
                 <a:solidFill>
                   <a:srgbClr val="FFFFFF"/>
                 </a:solidFill>
               </a14:hiddenFill>
             </a:ext>
             <a:ext uri="{91240B29-F687-4f45-9708-019B960494DF}">
-              <a14:hiddenLine xmlns="" xmlns:a14="http://schemas.microsoft.com/office/drawing/2010/main" w="9525">
+              <a14:hiddenLine xmlns:a14="http://schemas.microsoft.com/office/drawing/2010/main" xmlns="" w="9525">
                 <a:solidFill>
                   <a:srgbClr val="000000"/>
                 </a:solidFill>

--- a/P3_future_OddBall_ToT.pptx
+++ b/P3_future_OddBall_ToT.pptx
@@ -5,26 +5,31 @@
     <p:sldMasterId id="2147483656" r:id="rId1"/>
   </p:sldMasterIdLst>
   <p:notesMasterIdLst>
-    <p:notesMasterId r:id="rId16"/>
+    <p:notesMasterId r:id="rId21"/>
   </p:notesMasterIdLst>
   <p:handoutMasterIdLst>
-    <p:handoutMasterId r:id="rId17"/>
+    <p:handoutMasterId r:id="rId22"/>
   </p:handoutMasterIdLst>
   <p:sldIdLst>
     <p:sldId id="1334" r:id="rId2"/>
     <p:sldId id="2993" r:id="rId3"/>
-    <p:sldId id="2577" r:id="rId4"/>
-    <p:sldId id="3397" r:id="rId5"/>
-    <p:sldId id="3343" r:id="rId6"/>
-    <p:sldId id="3344" r:id="rId7"/>
-    <p:sldId id="2811" r:id="rId8"/>
-    <p:sldId id="3214" r:id="rId9"/>
-    <p:sldId id="2813" r:id="rId10"/>
-    <p:sldId id="2814" r:id="rId11"/>
-    <p:sldId id="3396" r:id="rId12"/>
-    <p:sldId id="3398" r:id="rId13"/>
-    <p:sldId id="3399" r:id="rId14"/>
-    <p:sldId id="2994" r:id="rId15"/>
+    <p:sldId id="3400" r:id="rId4"/>
+    <p:sldId id="3411" r:id="rId5"/>
+    <p:sldId id="3401" r:id="rId6"/>
+    <p:sldId id="3410" r:id="rId7"/>
+    <p:sldId id="3402" r:id="rId8"/>
+    <p:sldId id="3403" r:id="rId9"/>
+    <p:sldId id="3404" r:id="rId10"/>
+    <p:sldId id="3405" r:id="rId11"/>
+    <p:sldId id="3406" r:id="rId12"/>
+    <p:sldId id="3407" r:id="rId13"/>
+    <p:sldId id="3408" r:id="rId14"/>
+    <p:sldId id="3409" r:id="rId15"/>
+    <p:sldId id="3397" r:id="rId16"/>
+    <p:sldId id="2577" r:id="rId17"/>
+    <p:sldId id="3343" r:id="rId18"/>
+    <p:sldId id="3344" r:id="rId19"/>
+    <p:sldId id="2994" r:id="rId20"/>
   </p:sldIdLst>
   <p:sldSz cx="9144000" cy="6858000" type="screen4x3"/>
   <p:notesSz cx="7315200" cy="9601200"/>
@@ -1219,7 +1224,7 @@
               <a:pPr>
                 <a:defRPr/>
               </a:pPr>
-              <a:t>3</a:t>
+              <a:t>16</a:t>
             </a:fld>
             <a:endParaRPr lang="en-US"/>
           </a:p>
@@ -1334,7 +1339,7 @@
               <a:pPr>
                 <a:defRPr/>
               </a:pPr>
-              <a:t>14</a:t>
+              <a:t>19</a:t>
             </a:fld>
             <a:endParaRPr lang="en-US"/>
           </a:p>
@@ -7203,603 +7208,64 @@
       </p:grpSpPr>
       <p:sp>
         <p:nvSpPr>
-          <p:cNvPr id="4" name="Slide Number Placeholder 3"/>
+          <p:cNvPr id="2" name="Title 1">
+            <a:extLst>
+              <a:ext uri="{FF2B5EF4-FFF2-40B4-BE49-F238E27FC236}">
+                <a16:creationId xmlns:a16="http://schemas.microsoft.com/office/drawing/2014/main" id="{EA1728A7-C5CE-8A42-BCD5-0A579261496C}"/>
+              </a:ext>
+            </a:extLst>
+          </p:cNvPr>
           <p:cNvSpPr>
             <a:spLocks noGrp="1"/>
           </p:cNvSpPr>
           <p:nvPr>
-            <p:ph type="sldNum" sz="quarter" idx="12"/>
-          </p:nvPr>
-        </p:nvSpPr>
-        <p:spPr/>
-        <p:txBody>
-          <a:bodyPr/>
-          <a:lstStyle/>
-          <a:p>
-            <a:fld id="{9EFA7B99-FC7E-AC43-B41E-A99A9A519522}" type="slidenum">
-              <a:rPr lang="en-US" smtClean="0"/>
-              <a:t>10</a:t>
-            </a:fld>
+            <p:ph type="title"/>
+          </p:nvPr>
+        </p:nvSpPr>
+        <p:spPr/>
+        <p:txBody>
+          <a:bodyPr/>
+          <a:lstStyle/>
+          <a:p>
             <a:endParaRPr lang="en-US"/>
-          </a:p>
-        </p:txBody>
-      </p:sp>
-      <p:sp>
-        <p:nvSpPr>
-          <p:cNvPr id="6" name="TextBox 5"/>
-          <p:cNvSpPr txBox="1"/>
-          <p:nvPr/>
-        </p:nvSpPr>
-        <p:spPr>
-          <a:xfrm>
-            <a:off x="-48790" y="5750004"/>
-            <a:ext cx="7148354" cy="1200328"/>
-          </a:xfrm>
-          <a:prstGeom prst="rect">
-            <a:avLst/>
-          </a:prstGeom>
-          <a:noFill/>
-        </p:spPr>
-        <p:txBody>
-          <a:bodyPr wrap="square" rtlCol="0">
-            <a:spAutoFit/>
-          </a:bodyPr>
-          <a:lstStyle/>
-          <a:p>
-            <a:r>
-              <a:rPr lang="en-US" sz="2400" dirty="0">
-                <a:solidFill>
-                  <a:srgbClr val="FFFFFF"/>
-                </a:solidFill>
-              </a:rPr>
-              <a:t>Oddball: Spotting anomalies in weighted graphs</a:t>
-            </a:r>
-          </a:p>
-          <a:p>
-            <a:r>
-              <a:rPr lang="en-US" sz="2400" dirty="0">
-                <a:solidFill>
-                  <a:srgbClr val="FFFFFF"/>
-                </a:solidFill>
-              </a:rPr>
-              <a:t>Leman Akoglu, Mary </a:t>
-            </a:r>
-            <a:r>
-              <a:rPr lang="en-US" sz="2400" dirty="0" err="1">
-                <a:solidFill>
-                  <a:srgbClr val="FFFFFF"/>
-                </a:solidFill>
-              </a:rPr>
-              <a:t>McGlohon</a:t>
-            </a:r>
-            <a:r>
-              <a:rPr lang="en-US" sz="2400" dirty="0">
-                <a:solidFill>
-                  <a:srgbClr val="FFFFFF"/>
-                </a:solidFill>
-              </a:rPr>
-              <a:t>, Christos Faloutsos</a:t>
-            </a:r>
-          </a:p>
-          <a:p>
-            <a:r>
-              <a:rPr lang="en-US" sz="2400" i="1" dirty="0">
-                <a:solidFill>
-                  <a:srgbClr val="FFFFFF"/>
-                </a:solidFill>
-              </a:rPr>
-              <a:t>PAKDD</a:t>
-            </a:r>
-            <a:r>
-              <a:rPr lang="en-US" sz="2400" dirty="0">
-                <a:solidFill>
-                  <a:srgbClr val="FFFFFF"/>
-                </a:solidFill>
-              </a:rPr>
-              <a:t> 2010</a:t>
-            </a:r>
           </a:p>
         </p:txBody>
       </p:sp>
       <p:pic>
         <p:nvPicPr>
-          <p:cNvPr id="28" name="Picture 27" descr="obs12.png"/>
+          <p:cNvPr id="8" name="Content Placeholder 7" descr="Text&#10;&#10;Description automatically generated">
+            <a:extLst>
+              <a:ext uri="{FF2B5EF4-FFF2-40B4-BE49-F238E27FC236}">
+                <a16:creationId xmlns:a16="http://schemas.microsoft.com/office/drawing/2014/main" id="{F6BDE426-DAC0-9E4E-A229-CB116BC1CF74}"/>
+              </a:ext>
+            </a:extLst>
+          </p:cNvPr>
           <p:cNvPicPr>
-            <a:picLocks noChangeAspect="1"/>
+            <a:picLocks noGrp="1" noChangeAspect="1"/>
           </p:cNvPicPr>
-          <p:nvPr/>
+          <p:nvPr>
+            <p:ph idx="1"/>
+          </p:nvPr>
         </p:nvPicPr>
         <p:blipFill>
-          <a:blip r:embed="rId2">
-            <a:extLst>
-              <a:ext uri="{28A0092B-C50C-407E-A947-70E740481C1C}">
-                <a14:useLocalDpi xmlns:a14="http://schemas.microsoft.com/office/drawing/2010/main"/>
-              </a:ext>
-            </a:extLst>
-          </a:blip>
-          <a:srcRect/>
+          <a:blip r:embed="rId2"/>
           <a:stretch>
             <a:fillRect/>
           </a:stretch>
         </p:blipFill>
-        <p:spPr bwMode="auto">
+        <p:spPr>
           <a:xfrm>
-            <a:off x="363538" y="835104"/>
-            <a:ext cx="6418262" cy="4914900"/>
+            <a:off x="825500" y="2451100"/>
+            <a:ext cx="7493000" cy="2641600"/>
           </a:xfrm>
-          <a:prstGeom prst="rect">
-            <a:avLst/>
-          </a:prstGeom>
-          <a:noFill/>
-          <a:ln>
-            <a:noFill/>
-          </a:ln>
-          <a:extLst>
-            <a:ext uri="{909E8E84-426E-40dd-AFC4-6F175D3DCCD1}">
-              <a14:hiddenFill xmlns:a14="http://schemas.microsoft.com/office/drawing/2010/main" xmlns="">
-                <a:solidFill>
-                  <a:srgbClr val="FFFFFF"/>
-                </a:solidFill>
-              </a14:hiddenFill>
-            </a:ext>
-            <a:ext uri="{91240B29-F687-4f45-9708-019B960494DF}">
-              <a14:hiddenLine xmlns:a14="http://schemas.microsoft.com/office/drawing/2010/main" xmlns="" w="9525">
-                <a:solidFill>
-                  <a:srgbClr val="000000"/>
-                </a:solidFill>
-                <a:miter lim="800000"/>
-                <a:headEnd/>
-                <a:tailEnd/>
-              </a14:hiddenLine>
-            </a:ext>
-          </a:extLst>
         </p:spPr>
       </p:pic>
       <p:sp>
         <p:nvSpPr>
-          <p:cNvPr id="2" name="Title 1"/>
-          <p:cNvSpPr>
-            <a:spLocks noGrp="1"/>
-          </p:cNvSpPr>
-          <p:nvPr>
-            <p:ph type="title"/>
-          </p:nvPr>
-        </p:nvSpPr>
-        <p:spPr>
-          <a:xfrm>
-            <a:off x="457200" y="154458"/>
-            <a:ext cx="8229600" cy="990600"/>
-          </a:xfrm>
-        </p:spPr>
-        <p:txBody>
-          <a:bodyPr/>
-          <a:lstStyle/>
-          <a:p>
-            <a:r>
-              <a:rPr lang="en-US" dirty="0"/>
-              <a:t>Pattern: Ego-net Power Law Density</a:t>
-            </a:r>
-          </a:p>
-        </p:txBody>
-      </p:sp>
-      <p:pic>
-        <p:nvPicPr>
-          <p:cNvPr id="31" name="Picture 6"/>
-          <p:cNvPicPr>
-            <a:picLocks noChangeAspect="1" noChangeArrowheads="1"/>
-          </p:cNvPicPr>
-          <p:nvPr/>
-        </p:nvPicPr>
-        <p:blipFill>
-          <a:blip r:embed="rId3" cstate="screen">
-            <a:extLst>
-              <a:ext uri="{28A0092B-C50C-407E-A947-70E740481C1C}">
-                <a14:useLocalDpi xmlns:a14="http://schemas.microsoft.com/office/drawing/2010/main"/>
-              </a:ext>
-            </a:extLst>
-          </a:blip>
-          <a:srcRect/>
-          <a:stretch>
-            <a:fillRect/>
-          </a:stretch>
-        </p:blipFill>
-        <p:spPr bwMode="auto">
-          <a:xfrm>
-            <a:off x="1887537" y="2438400"/>
-            <a:ext cx="855663" cy="762000"/>
-          </a:xfrm>
-          <a:prstGeom prst="rect">
-            <a:avLst/>
-          </a:prstGeom>
-          <a:noFill/>
-          <a:ln>
-            <a:noFill/>
-          </a:ln>
-          <a:extLst>
-            <a:ext uri="{909E8E84-426E-40dd-AFC4-6F175D3DCCD1}">
-              <a14:hiddenFill xmlns:a14="http://schemas.microsoft.com/office/drawing/2010/main" xmlns="">
-                <a:solidFill>
-                  <a:srgbClr val="FFFFFF"/>
-                </a:solidFill>
-              </a14:hiddenFill>
-            </a:ext>
-            <a:ext uri="{91240B29-F687-4f45-9708-019B960494DF}">
-              <a14:hiddenLine xmlns:a14="http://schemas.microsoft.com/office/drawing/2010/main" xmlns="" w="9525">
-                <a:solidFill>
-                  <a:srgbClr val="000000"/>
-                </a:solidFill>
-                <a:miter lim="800000"/>
-                <a:headEnd/>
-                <a:tailEnd/>
-              </a14:hiddenLine>
-            </a:ext>
-          </a:extLst>
-        </p:spPr>
-      </p:pic>
-      <p:pic>
-        <p:nvPicPr>
-          <p:cNvPr id="32" name="Picture 2"/>
-          <p:cNvPicPr>
-            <a:picLocks noChangeAspect="1" noChangeArrowheads="1"/>
-          </p:cNvPicPr>
-          <p:nvPr/>
-        </p:nvPicPr>
-        <p:blipFill>
-          <a:blip r:embed="rId4" cstate="screen">
-            <a:extLst>
-              <a:ext uri="{28A0092B-C50C-407E-A947-70E740481C1C}">
-                <a14:useLocalDpi xmlns:a14="http://schemas.microsoft.com/office/drawing/2010/main"/>
-              </a:ext>
-            </a:extLst>
-          </a:blip>
-          <a:srcRect/>
-          <a:stretch>
-            <a:fillRect/>
-          </a:stretch>
-        </p:blipFill>
-        <p:spPr bwMode="auto">
-          <a:xfrm>
-            <a:off x="4097337" y="4038600"/>
-            <a:ext cx="892175" cy="838200"/>
-          </a:xfrm>
-          <a:prstGeom prst="rect">
-            <a:avLst/>
-          </a:prstGeom>
-          <a:noFill/>
-          <a:ln>
-            <a:noFill/>
-          </a:ln>
-          <a:extLst>
-            <a:ext uri="{909E8E84-426E-40dd-AFC4-6F175D3DCCD1}">
-              <a14:hiddenFill xmlns:a14="http://schemas.microsoft.com/office/drawing/2010/main" xmlns="">
-                <a:solidFill>
-                  <a:srgbClr val="FFFFFF"/>
-                </a:solidFill>
-              </a14:hiddenFill>
-            </a:ext>
-            <a:ext uri="{91240B29-F687-4f45-9708-019B960494DF}">
-              <a14:hiddenLine xmlns:a14="http://schemas.microsoft.com/office/drawing/2010/main" xmlns="" w="9525">
-                <a:solidFill>
-                  <a:srgbClr val="000000"/>
-                </a:solidFill>
-                <a:miter lim="800000"/>
-                <a:headEnd/>
-                <a:tailEnd/>
-              </a14:hiddenLine>
-            </a:ext>
-          </a:extLst>
-        </p:spPr>
-      </p:pic>
-      <p:cxnSp>
-        <p:nvCxnSpPr>
-          <p:cNvPr id="33" name="Straight Arrow Connector 32"/>
-          <p:cNvCxnSpPr/>
-          <p:nvPr/>
-        </p:nvCxnSpPr>
-        <p:spPr bwMode="auto">
-          <a:xfrm rot="16200000" flipV="1">
-            <a:off x="4015581" y="3891756"/>
-            <a:ext cx="304800" cy="293688"/>
-          </a:xfrm>
-          <a:prstGeom prst="straightConnector1">
-            <a:avLst/>
-          </a:prstGeom>
-          <a:ln>
-            <a:headEnd type="none" w="med" len="med"/>
-            <a:tailEnd type="arrow"/>
-          </a:ln>
-        </p:spPr>
-        <p:style>
-          <a:lnRef idx="1">
-            <a:schemeClr val="dk1"/>
-          </a:lnRef>
-          <a:fillRef idx="0">
-            <a:schemeClr val="dk1"/>
-          </a:fillRef>
-          <a:effectRef idx="0">
-            <a:schemeClr val="dk1"/>
-          </a:effectRef>
-          <a:fontRef idx="minor">
-            <a:schemeClr val="tx1"/>
-          </a:fontRef>
-        </p:style>
-      </p:cxnSp>
-      <p:cxnSp>
-        <p:nvCxnSpPr>
-          <p:cNvPr id="34" name="Straight Arrow Connector 33"/>
-          <p:cNvCxnSpPr/>
-          <p:nvPr/>
-        </p:nvCxnSpPr>
-        <p:spPr bwMode="auto">
-          <a:xfrm rot="16200000" flipH="1">
-            <a:off x="2725737" y="3048000"/>
-            <a:ext cx="304800" cy="304800"/>
-          </a:xfrm>
-          <a:prstGeom prst="straightConnector1">
-            <a:avLst/>
-          </a:prstGeom>
-          <a:ln>
-            <a:headEnd type="none" w="med" len="med"/>
-            <a:tailEnd type="arrow"/>
-          </a:ln>
-        </p:spPr>
-        <p:style>
-          <a:lnRef idx="1">
-            <a:schemeClr val="dk1"/>
-          </a:lnRef>
-          <a:fillRef idx="0">
-            <a:schemeClr val="dk1"/>
-          </a:fillRef>
-          <a:effectRef idx="0">
-            <a:schemeClr val="dk1"/>
-          </a:effectRef>
-          <a:fontRef idx="minor">
-            <a:schemeClr val="tx1"/>
-          </a:fontRef>
-        </p:style>
-      </p:cxnSp>
-      <p:sp>
-        <p:nvSpPr>
-          <p:cNvPr id="35" name="Text Box 4"/>
-          <p:cNvSpPr txBox="1">
-            <a:spLocks noChangeArrowheads="1"/>
-          </p:cNvSpPr>
-          <p:nvPr/>
-        </p:nvSpPr>
-        <p:spPr bwMode="auto">
-          <a:xfrm>
-            <a:off x="6553200" y="1752600"/>
-            <a:ext cx="2057400" cy="1077218"/>
-          </a:xfrm>
-          <a:prstGeom prst="rect">
-            <a:avLst/>
-          </a:prstGeom>
-          <a:solidFill>
-            <a:schemeClr val="tx2"/>
-          </a:solidFill>
-          <a:ln w="9525">
-            <a:noFill/>
-            <a:miter lim="800000"/>
-            <a:headEnd/>
-            <a:tailEnd/>
-          </a:ln>
-        </p:spPr>
-        <p:txBody>
-          <a:bodyPr>
-            <a:spAutoFit/>
-          </a:bodyPr>
-          <a:lstStyle>
-            <a:lvl1pPr eaLnBrk="0" hangingPunct="0">
-              <a:defRPr sz="3200">
-                <a:solidFill>
-                  <a:schemeClr val="tx1"/>
-                </a:solidFill>
-                <a:latin typeface="Arial" charset="0"/>
-                <a:ea typeface="ＭＳ Ｐゴシック" charset="0"/>
-                <a:cs typeface="Arial" charset="0"/>
-              </a:defRPr>
-            </a:lvl1pPr>
-            <a:lvl2pPr marL="742950" indent="-285750" eaLnBrk="0" hangingPunct="0">
-              <a:defRPr sz="3200">
-                <a:solidFill>
-                  <a:schemeClr val="tx1"/>
-                </a:solidFill>
-                <a:latin typeface="Arial" charset="0"/>
-                <a:ea typeface="Arial" charset="0"/>
-                <a:cs typeface="Arial" charset="0"/>
-              </a:defRPr>
-            </a:lvl2pPr>
-            <a:lvl3pPr marL="1143000" indent="-228600" eaLnBrk="0" hangingPunct="0">
-              <a:defRPr sz="3200">
-                <a:solidFill>
-                  <a:schemeClr val="tx1"/>
-                </a:solidFill>
-                <a:latin typeface="Arial" charset="0"/>
-                <a:ea typeface="Arial" charset="0"/>
-                <a:cs typeface="Arial" charset="0"/>
-              </a:defRPr>
-            </a:lvl3pPr>
-            <a:lvl4pPr marL="1600200" indent="-228600" eaLnBrk="0" hangingPunct="0">
-              <a:defRPr sz="3200">
-                <a:solidFill>
-                  <a:schemeClr val="tx1"/>
-                </a:solidFill>
-                <a:latin typeface="Arial" charset="0"/>
-                <a:ea typeface="Arial" charset="0"/>
-                <a:cs typeface="Arial" charset="0"/>
-              </a:defRPr>
-            </a:lvl4pPr>
-            <a:lvl5pPr marL="2057400" indent="-228600" eaLnBrk="0" hangingPunct="0">
-              <a:defRPr sz="3200">
-                <a:solidFill>
-                  <a:schemeClr val="tx1"/>
-                </a:solidFill>
-                <a:latin typeface="Arial" charset="0"/>
-                <a:ea typeface="Arial" charset="0"/>
-                <a:cs typeface="Arial" charset="0"/>
-              </a:defRPr>
-            </a:lvl5pPr>
-            <a:lvl6pPr marL="2514600" indent="-228600" eaLnBrk="0" fontAlgn="base" hangingPunct="0">
-              <a:spcBef>
-                <a:spcPct val="20000"/>
-              </a:spcBef>
-              <a:spcAft>
-                <a:spcPct val="0"/>
-              </a:spcAft>
-              <a:buClr>
-                <a:schemeClr val="bg2"/>
-              </a:buClr>
-              <a:buSzPct val="90000"/>
-              <a:buFont typeface="Times New Roman" charset="0"/>
-              <a:buChar char="n"/>
-              <a:defRPr sz="3200">
-                <a:solidFill>
-                  <a:schemeClr val="tx1"/>
-                </a:solidFill>
-                <a:latin typeface="Arial" charset="0"/>
-                <a:ea typeface="Arial" charset="0"/>
-                <a:cs typeface="Arial" charset="0"/>
-              </a:defRPr>
-            </a:lvl6pPr>
-            <a:lvl7pPr marL="2971800" indent="-228600" eaLnBrk="0" fontAlgn="base" hangingPunct="0">
-              <a:spcBef>
-                <a:spcPct val="20000"/>
-              </a:spcBef>
-              <a:spcAft>
-                <a:spcPct val="0"/>
-              </a:spcAft>
-              <a:buClr>
-                <a:schemeClr val="bg2"/>
-              </a:buClr>
-              <a:buSzPct val="90000"/>
-              <a:buFont typeface="Times New Roman" charset="0"/>
-              <a:buChar char="n"/>
-              <a:defRPr sz="3200">
-                <a:solidFill>
-                  <a:schemeClr val="tx1"/>
-                </a:solidFill>
-                <a:latin typeface="Arial" charset="0"/>
-                <a:ea typeface="Arial" charset="0"/>
-                <a:cs typeface="Arial" charset="0"/>
-              </a:defRPr>
-            </a:lvl7pPr>
-            <a:lvl8pPr marL="3429000" indent="-228600" eaLnBrk="0" fontAlgn="base" hangingPunct="0">
-              <a:spcBef>
-                <a:spcPct val="20000"/>
-              </a:spcBef>
-              <a:spcAft>
-                <a:spcPct val="0"/>
-              </a:spcAft>
-              <a:buClr>
-                <a:schemeClr val="bg2"/>
-              </a:buClr>
-              <a:buSzPct val="90000"/>
-              <a:buFont typeface="Times New Roman" charset="0"/>
-              <a:buChar char="n"/>
-              <a:defRPr sz="3200">
-                <a:solidFill>
-                  <a:schemeClr val="tx1"/>
-                </a:solidFill>
-                <a:latin typeface="Arial" charset="0"/>
-                <a:ea typeface="Arial" charset="0"/>
-                <a:cs typeface="Arial" charset="0"/>
-              </a:defRPr>
-            </a:lvl8pPr>
-            <a:lvl9pPr marL="3886200" indent="-228600" eaLnBrk="0" fontAlgn="base" hangingPunct="0">
-              <a:spcBef>
-                <a:spcPct val="20000"/>
-              </a:spcBef>
-              <a:spcAft>
-                <a:spcPct val="0"/>
-              </a:spcAft>
-              <a:buClr>
-                <a:schemeClr val="bg2"/>
-              </a:buClr>
-              <a:buSzPct val="90000"/>
-              <a:buFont typeface="Times New Roman" charset="0"/>
-              <a:buChar char="n"/>
-              <a:defRPr sz="3200">
-                <a:solidFill>
-                  <a:schemeClr val="tx1"/>
-                </a:solidFill>
-                <a:latin typeface="Arial" charset="0"/>
-                <a:ea typeface="Arial" charset="0"/>
-                <a:cs typeface="Arial" charset="0"/>
-              </a:defRPr>
-            </a:lvl9pPr>
-          </a:lstStyle>
-          <a:p>
-            <a:pPr algn="ctr" eaLnBrk="1" hangingPunct="1">
-              <a:buClrTx/>
-              <a:buSzTx/>
-              <a:buFont typeface="Wingdings" charset="0"/>
-              <a:buNone/>
-            </a:pPr>
-            <a:r>
-              <a:rPr lang="en-US" b="1" dirty="0" err="1">
-                <a:solidFill>
-                  <a:schemeClr val="bg1"/>
-                </a:solidFill>
-              </a:rPr>
-              <a:t>E</a:t>
-            </a:r>
-            <a:r>
-              <a:rPr lang="en-US" b="1" baseline="-25000" dirty="0" err="1">
-                <a:solidFill>
-                  <a:schemeClr val="bg1"/>
-                </a:solidFill>
-              </a:rPr>
-              <a:t>i</a:t>
-            </a:r>
-            <a:r>
-              <a:rPr lang="en-US" b="1" dirty="0">
-                <a:solidFill>
-                  <a:schemeClr val="bg1"/>
-                </a:solidFill>
-              </a:rPr>
-              <a:t> ∝ N</a:t>
-            </a:r>
-            <a:r>
-              <a:rPr lang="en-US" b="1" baseline="-25000" dirty="0">
-                <a:solidFill>
-                  <a:schemeClr val="bg1"/>
-                </a:solidFill>
-              </a:rPr>
-              <a:t>i</a:t>
-            </a:r>
-            <a:r>
-              <a:rPr lang="en-US" b="1" baseline="50000" dirty="0">
-                <a:solidFill>
-                  <a:schemeClr val="bg1"/>
-                </a:solidFill>
-              </a:rPr>
-              <a:t>α</a:t>
-            </a:r>
-          </a:p>
-          <a:p>
-            <a:pPr algn="ctr" eaLnBrk="1" hangingPunct="1">
-              <a:buClrTx/>
-              <a:buSzTx/>
-              <a:buFont typeface="Wingdings" charset="0"/>
-              <a:buNone/>
-            </a:pPr>
-            <a:r>
-              <a:rPr lang="en-US" b="1" dirty="0">
-                <a:solidFill>
-                  <a:schemeClr val="bg1"/>
-                </a:solidFill>
-              </a:rPr>
-              <a:t>1 ≤ α ≤ 2</a:t>
-            </a:r>
-          </a:p>
-        </p:txBody>
-      </p:sp>
-      <p:sp>
-        <p:nvSpPr>
-          <p:cNvPr id="3" name="Date Placeholder 2">
+          <p:cNvPr id="4" name="Date Placeholder 3">
             <a:extLst>
               <a:ext uri="{FF2B5EF4-FFF2-40B4-BE49-F238E27FC236}">
-                <a16:creationId xmlns:a16="http://schemas.microsoft.com/office/drawing/2014/main" id="{F64A7620-714D-CD4D-957A-21D092C16980}"/>
+                <a16:creationId xmlns:a16="http://schemas.microsoft.com/office/drawing/2014/main" id="{B279E37B-4B32-EB48-9557-DA84FDF97AB9}"/>
               </a:ext>
             </a:extLst>
           </p:cNvPr>
@@ -7819,18 +7285,18 @@
               <a:defRPr/>
             </a:pPr>
             <a:r>
-              <a:rPr lang="en-US" dirty="0"/>
-              <a:t>WWW'2021  Tutorial</a:t>
-            </a:r>
-          </a:p>
-        </p:txBody>
-      </p:sp>
-      <p:sp>
-        <p:nvSpPr>
-          <p:cNvPr id="7" name="Footer Placeholder 6">
+              <a:rPr lang="en-US"/>
+              <a:t>PAKDD 2021</a:t>
+            </a:r>
+          </a:p>
+        </p:txBody>
+      </p:sp>
+      <p:sp>
+        <p:nvSpPr>
+          <p:cNvPr id="5" name="Footer Placeholder 4">
             <a:extLst>
               <a:ext uri="{FF2B5EF4-FFF2-40B4-BE49-F238E27FC236}">
-                <a16:creationId xmlns:a16="http://schemas.microsoft.com/office/drawing/2014/main" id="{6F8FE4CB-F286-3D4F-A812-226A2517E14C}"/>
+                <a16:creationId xmlns:a16="http://schemas.microsoft.com/office/drawing/2014/main" id="{E2C3D51B-5605-9448-B380-F7059D51C048}"/>
               </a:ext>
             </a:extLst>
           </p:cNvPr>
@@ -7850,131 +7316,44 @@
               <a:defRPr/>
             </a:pPr>
             <a:r>
-              <a:rPr lang="en-US"/>
-              <a:t>S. Fakhraei and  C. Faloutsos</a:t>
-            </a:r>
-          </a:p>
-        </p:txBody>
-      </p:sp>
-      <p:sp>
-        <p:nvSpPr>
-          <p:cNvPr id="14" name="TextBox 13">
+              <a:rPr lang="fi-FI"/>
+              <a:t>L. Akoglu, M. McGlohon, C. Faloutsos</a:t>
+            </a:r>
+            <a:endParaRPr lang="en-US"/>
+          </a:p>
+        </p:txBody>
+      </p:sp>
+      <p:sp>
+        <p:nvSpPr>
+          <p:cNvPr id="6" name="Slide Number Placeholder 5">
             <a:extLst>
               <a:ext uri="{FF2B5EF4-FFF2-40B4-BE49-F238E27FC236}">
-                <a16:creationId xmlns:a16="http://schemas.microsoft.com/office/drawing/2014/main" id="{09D21DA9-DC06-4A46-93B5-0CE6D94B8210}"/>
+                <a16:creationId xmlns:a16="http://schemas.microsoft.com/office/drawing/2014/main" id="{57A5578B-AD69-5C4C-9B9C-6703CD532736}"/>
               </a:ext>
             </a:extLst>
           </p:cNvPr>
-          <p:cNvSpPr txBox="1"/>
-          <p:nvPr/>
-        </p:nvSpPr>
-        <p:spPr>
-          <a:xfrm>
-            <a:off x="28575" y="6034002"/>
-            <a:ext cx="9092107" cy="830997"/>
-          </a:xfrm>
-          <a:prstGeom prst="rect">
-            <a:avLst/>
-          </a:prstGeom>
-          <a:solidFill>
-            <a:srgbClr val="FF8000"/>
-          </a:solidFill>
-        </p:spPr>
-        <p:txBody>
-          <a:bodyPr wrap="square" rtlCol="0">
-            <a:spAutoFit/>
-          </a:bodyPr>
-          <a:lstStyle/>
-          <a:p>
-            <a:pPr algn="just"/>
-            <a:r>
-              <a:rPr lang="en-US" sz="2400" b="1" i="1" dirty="0">
-                <a:solidFill>
-                  <a:srgbClr val="FFFFFF"/>
-                </a:solidFill>
-              </a:rPr>
-              <a:t>Oddball: Spotting anomalies in weighted graphs</a:t>
-            </a:r>
-            <a:r>
-              <a:rPr lang="en-US" sz="2400" b="1" dirty="0">
-                <a:solidFill>
-                  <a:srgbClr val="FFFFFF"/>
-                </a:solidFill>
-              </a:rPr>
-              <a:t>, Leman Akoglu, Mary </a:t>
-            </a:r>
-            <a:r>
-              <a:rPr lang="en-US" sz="2400" b="1" dirty="0" err="1">
-                <a:solidFill>
-                  <a:srgbClr val="FFFFFF"/>
-                </a:solidFill>
-              </a:rPr>
-              <a:t>McGlohon</a:t>
-            </a:r>
-            <a:r>
-              <a:rPr lang="en-US" sz="2400" b="1" dirty="0">
-                <a:solidFill>
-                  <a:srgbClr val="FFFFFF"/>
-                </a:solidFill>
-              </a:rPr>
-              <a:t>, Christos Faloutsos, </a:t>
-            </a:r>
-            <a:r>
-              <a:rPr lang="en-US" sz="2400" b="1" i="1" dirty="0">
-                <a:solidFill>
-                  <a:srgbClr val="FFFFFF"/>
-                </a:solidFill>
-              </a:rPr>
-              <a:t>PAKDD</a:t>
-            </a:r>
-            <a:r>
-              <a:rPr lang="en-US" sz="2400" b="1" dirty="0">
-                <a:solidFill>
-                  <a:srgbClr val="FFFFFF"/>
-                </a:solidFill>
-              </a:rPr>
-              <a:t> 2010</a:t>
-            </a:r>
-          </a:p>
-        </p:txBody>
-      </p:sp>
-      <p:sp>
-        <p:nvSpPr>
-          <p:cNvPr id="5" name="Oval 4">
-            <a:extLst>
-              <a:ext uri="{FF2B5EF4-FFF2-40B4-BE49-F238E27FC236}">
-                <a16:creationId xmlns:a16="http://schemas.microsoft.com/office/drawing/2014/main" id="{3F257027-6D27-B745-9AA1-2CE90BA38612}"/>
-              </a:ext>
-            </a:extLst>
-          </p:cNvPr>
-          <p:cNvSpPr/>
-          <p:nvPr/>
-        </p:nvSpPr>
-        <p:spPr bwMode="auto">
-          <a:xfrm>
-            <a:off x="4929178" y="2829818"/>
-            <a:ext cx="328612" cy="370582"/>
-          </a:xfrm>
-          <a:prstGeom prst="ellipse">
-            <a:avLst/>
-          </a:prstGeom>
-          <a:noFill/>
-          <a:ln w="28575" cap="flat" cmpd="sng" algn="ctr">
-            <a:solidFill>
-              <a:schemeClr val="tx2"/>
-            </a:solidFill>
-            <a:prstDash val="solid"/>
-            <a:round/>
-            <a:headEnd type="none" w="sm" len="sm"/>
-            <a:tailEnd type="none" w="med" len="med"/>
-          </a:ln>
-          <a:effectLst/>
-        </p:spPr>
-        <p:txBody>
-          <a:bodyPr rtlCol="0" anchor="ctr"/>
-          <a:lstStyle/>
-          <a:p>
-            <a:pPr algn="ctr"/>
+          <p:cNvSpPr>
+            <a:spLocks noGrp="1"/>
+          </p:cNvSpPr>
+          <p:nvPr>
+            <p:ph type="sldNum" sz="quarter" idx="12"/>
+          </p:nvPr>
+        </p:nvSpPr>
+        <p:spPr/>
+        <p:txBody>
+          <a:bodyPr/>
+          <a:lstStyle/>
+          <a:p>
+            <a:pPr>
+              <a:defRPr/>
+            </a:pPr>
+            <a:fld id="{F9B43987-7F84-BB4A-8611-CDF75B6A737D}" type="slidenum">
+              <a:rPr lang="en-US" smtClean="0"/>
+              <a:pPr>
+                <a:defRPr/>
+              </a:pPr>
+              <a:t>10</a:t>
+            </a:fld>
             <a:endParaRPr lang="en-US"/>
           </a:p>
         </p:txBody>
@@ -7982,13 +7361,14 @@
     </p:spTree>
     <p:extLst>
       <p:ext uri="{BB962C8B-B14F-4D97-AF65-F5344CB8AC3E}">
-        <p14:creationId xmlns:p14="http://schemas.microsoft.com/office/powerpoint/2010/main" val="2356720360"/>
+        <p14:creationId xmlns:p14="http://schemas.microsoft.com/office/powerpoint/2010/main" val="4151371070"/>
       </p:ext>
     </p:extLst>
   </p:cSld>
   <p:clrMapOvr>
     <a:masterClrMapping/>
   </p:clrMapOvr>
+  <p:transition/>
 </p:sld>
 </file>
 
@@ -8011,603 +7391,64 @@
       </p:grpSpPr>
       <p:sp>
         <p:nvSpPr>
-          <p:cNvPr id="4" name="Slide Number Placeholder 3"/>
+          <p:cNvPr id="2" name="Title 1">
+            <a:extLst>
+              <a:ext uri="{FF2B5EF4-FFF2-40B4-BE49-F238E27FC236}">
+                <a16:creationId xmlns:a16="http://schemas.microsoft.com/office/drawing/2014/main" id="{8C587667-F75D-1E40-86CC-AE2C938F49C7}"/>
+              </a:ext>
+            </a:extLst>
+          </p:cNvPr>
           <p:cNvSpPr>
             <a:spLocks noGrp="1"/>
           </p:cNvSpPr>
           <p:nvPr>
-            <p:ph type="sldNum" sz="quarter" idx="12"/>
-          </p:nvPr>
-        </p:nvSpPr>
-        <p:spPr/>
-        <p:txBody>
-          <a:bodyPr/>
-          <a:lstStyle/>
-          <a:p>
-            <a:fld id="{9EFA7B99-FC7E-AC43-B41E-A99A9A519522}" type="slidenum">
-              <a:rPr lang="en-US" smtClean="0"/>
-              <a:t>11</a:t>
-            </a:fld>
+            <p:ph type="title"/>
+          </p:nvPr>
+        </p:nvSpPr>
+        <p:spPr/>
+        <p:txBody>
+          <a:bodyPr/>
+          <a:lstStyle/>
+          <a:p>
             <a:endParaRPr lang="en-US"/>
-          </a:p>
-        </p:txBody>
-      </p:sp>
-      <p:sp>
-        <p:nvSpPr>
-          <p:cNvPr id="6" name="TextBox 5"/>
-          <p:cNvSpPr txBox="1"/>
-          <p:nvPr/>
-        </p:nvSpPr>
-        <p:spPr>
-          <a:xfrm>
-            <a:off x="-48790" y="5750004"/>
-            <a:ext cx="7148354" cy="1200328"/>
-          </a:xfrm>
-          <a:prstGeom prst="rect">
-            <a:avLst/>
-          </a:prstGeom>
-          <a:noFill/>
-        </p:spPr>
-        <p:txBody>
-          <a:bodyPr wrap="square" rtlCol="0">
-            <a:spAutoFit/>
-          </a:bodyPr>
-          <a:lstStyle/>
-          <a:p>
-            <a:r>
-              <a:rPr lang="en-US" sz="2400" dirty="0">
-                <a:solidFill>
-                  <a:srgbClr val="FFFFFF"/>
-                </a:solidFill>
-              </a:rPr>
-              <a:t>Oddball: Spotting anomalies in weighted graphs</a:t>
-            </a:r>
-          </a:p>
-          <a:p>
-            <a:r>
-              <a:rPr lang="en-US" sz="2400" dirty="0">
-                <a:solidFill>
-                  <a:srgbClr val="FFFFFF"/>
-                </a:solidFill>
-              </a:rPr>
-              <a:t>Leman Akoglu, Mary </a:t>
-            </a:r>
-            <a:r>
-              <a:rPr lang="en-US" sz="2400" dirty="0" err="1">
-                <a:solidFill>
-                  <a:srgbClr val="FFFFFF"/>
-                </a:solidFill>
-              </a:rPr>
-              <a:t>McGlohon</a:t>
-            </a:r>
-            <a:r>
-              <a:rPr lang="en-US" sz="2400" dirty="0">
-                <a:solidFill>
-                  <a:srgbClr val="FFFFFF"/>
-                </a:solidFill>
-              </a:rPr>
-              <a:t>, Christos Faloutsos</a:t>
-            </a:r>
-          </a:p>
-          <a:p>
-            <a:r>
-              <a:rPr lang="en-US" sz="2400" i="1" dirty="0">
-                <a:solidFill>
-                  <a:srgbClr val="FFFFFF"/>
-                </a:solidFill>
-              </a:rPr>
-              <a:t>PAKDD</a:t>
-            </a:r>
-            <a:r>
-              <a:rPr lang="en-US" sz="2400" dirty="0">
-                <a:solidFill>
-                  <a:srgbClr val="FFFFFF"/>
-                </a:solidFill>
-              </a:rPr>
-              <a:t> 2010</a:t>
-            </a:r>
           </a:p>
         </p:txBody>
       </p:sp>
       <p:pic>
         <p:nvPicPr>
-          <p:cNvPr id="28" name="Picture 27" descr="obs12.png"/>
+          <p:cNvPr id="8" name="Content Placeholder 7" descr="A picture containing text, person&#10;&#10;Description automatically generated">
+            <a:extLst>
+              <a:ext uri="{FF2B5EF4-FFF2-40B4-BE49-F238E27FC236}">
+                <a16:creationId xmlns:a16="http://schemas.microsoft.com/office/drawing/2014/main" id="{3DCDC92E-011F-6743-89C5-E3EE64CB4501}"/>
+              </a:ext>
+            </a:extLst>
+          </p:cNvPr>
           <p:cNvPicPr>
-            <a:picLocks noChangeAspect="1"/>
+            <a:picLocks noGrp="1" noChangeAspect="1"/>
           </p:cNvPicPr>
-          <p:nvPr/>
+          <p:nvPr>
+            <p:ph idx="1"/>
+          </p:nvPr>
         </p:nvPicPr>
         <p:blipFill>
-          <a:blip r:embed="rId2">
-            <a:extLst>
-              <a:ext uri="{28A0092B-C50C-407E-A947-70E740481C1C}">
-                <a14:useLocalDpi xmlns:a14="http://schemas.microsoft.com/office/drawing/2010/main"/>
-              </a:ext>
-            </a:extLst>
-          </a:blip>
-          <a:srcRect/>
+          <a:blip r:embed="rId2"/>
           <a:stretch>
             <a:fillRect/>
           </a:stretch>
         </p:blipFill>
-        <p:spPr bwMode="auto">
+        <p:spPr>
           <a:xfrm>
-            <a:off x="363538" y="835104"/>
-            <a:ext cx="6418262" cy="4914900"/>
+            <a:off x="825500" y="2343150"/>
+            <a:ext cx="7493000" cy="2857500"/>
           </a:xfrm>
-          <a:prstGeom prst="rect">
-            <a:avLst/>
-          </a:prstGeom>
-          <a:noFill/>
-          <a:ln>
-            <a:noFill/>
-          </a:ln>
-          <a:extLst>
-            <a:ext uri="{909E8E84-426E-40dd-AFC4-6F175D3DCCD1}">
-              <a14:hiddenFill xmlns:a14="http://schemas.microsoft.com/office/drawing/2010/main" xmlns="">
-                <a:solidFill>
-                  <a:srgbClr val="FFFFFF"/>
-                </a:solidFill>
-              </a14:hiddenFill>
-            </a:ext>
-            <a:ext uri="{91240B29-F687-4f45-9708-019B960494DF}">
-              <a14:hiddenLine xmlns:a14="http://schemas.microsoft.com/office/drawing/2010/main" xmlns="" w="9525">
-                <a:solidFill>
-                  <a:srgbClr val="000000"/>
-                </a:solidFill>
-                <a:miter lim="800000"/>
-                <a:headEnd/>
-                <a:tailEnd/>
-              </a14:hiddenLine>
-            </a:ext>
-          </a:extLst>
         </p:spPr>
       </p:pic>
       <p:sp>
         <p:nvSpPr>
-          <p:cNvPr id="2" name="Title 1"/>
-          <p:cNvSpPr>
-            <a:spLocks noGrp="1"/>
-          </p:cNvSpPr>
-          <p:nvPr>
-            <p:ph type="title"/>
-          </p:nvPr>
-        </p:nvSpPr>
-        <p:spPr>
-          <a:xfrm>
-            <a:off x="457200" y="154458"/>
-            <a:ext cx="8229600" cy="990600"/>
-          </a:xfrm>
-        </p:spPr>
-        <p:txBody>
-          <a:bodyPr/>
-          <a:lstStyle/>
-          <a:p>
-            <a:r>
-              <a:rPr lang="en-US" dirty="0"/>
-              <a:t>Pattern: Ego-net Power Law Density</a:t>
-            </a:r>
-          </a:p>
-        </p:txBody>
-      </p:sp>
-      <p:pic>
-        <p:nvPicPr>
-          <p:cNvPr id="31" name="Picture 6"/>
-          <p:cNvPicPr>
-            <a:picLocks noChangeAspect="1" noChangeArrowheads="1"/>
-          </p:cNvPicPr>
-          <p:nvPr/>
-        </p:nvPicPr>
-        <p:blipFill>
-          <a:blip r:embed="rId3" cstate="screen">
-            <a:extLst>
-              <a:ext uri="{28A0092B-C50C-407E-A947-70E740481C1C}">
-                <a14:useLocalDpi xmlns:a14="http://schemas.microsoft.com/office/drawing/2010/main"/>
-              </a:ext>
-            </a:extLst>
-          </a:blip>
-          <a:srcRect/>
-          <a:stretch>
-            <a:fillRect/>
-          </a:stretch>
-        </p:blipFill>
-        <p:spPr bwMode="auto">
-          <a:xfrm>
-            <a:off x="1887537" y="2438400"/>
-            <a:ext cx="855663" cy="762000"/>
-          </a:xfrm>
-          <a:prstGeom prst="rect">
-            <a:avLst/>
-          </a:prstGeom>
-          <a:noFill/>
-          <a:ln>
-            <a:noFill/>
-          </a:ln>
-          <a:extLst>
-            <a:ext uri="{909E8E84-426E-40dd-AFC4-6F175D3DCCD1}">
-              <a14:hiddenFill xmlns:a14="http://schemas.microsoft.com/office/drawing/2010/main" xmlns="">
-                <a:solidFill>
-                  <a:srgbClr val="FFFFFF"/>
-                </a:solidFill>
-              </a14:hiddenFill>
-            </a:ext>
-            <a:ext uri="{91240B29-F687-4f45-9708-019B960494DF}">
-              <a14:hiddenLine xmlns:a14="http://schemas.microsoft.com/office/drawing/2010/main" xmlns="" w="9525">
-                <a:solidFill>
-                  <a:srgbClr val="000000"/>
-                </a:solidFill>
-                <a:miter lim="800000"/>
-                <a:headEnd/>
-                <a:tailEnd/>
-              </a14:hiddenLine>
-            </a:ext>
-          </a:extLst>
-        </p:spPr>
-      </p:pic>
-      <p:pic>
-        <p:nvPicPr>
-          <p:cNvPr id="32" name="Picture 2"/>
-          <p:cNvPicPr>
-            <a:picLocks noChangeAspect="1" noChangeArrowheads="1"/>
-          </p:cNvPicPr>
-          <p:nvPr/>
-        </p:nvPicPr>
-        <p:blipFill>
-          <a:blip r:embed="rId4" cstate="screen">
-            <a:extLst>
-              <a:ext uri="{28A0092B-C50C-407E-A947-70E740481C1C}">
-                <a14:useLocalDpi xmlns:a14="http://schemas.microsoft.com/office/drawing/2010/main"/>
-              </a:ext>
-            </a:extLst>
-          </a:blip>
-          <a:srcRect/>
-          <a:stretch>
-            <a:fillRect/>
-          </a:stretch>
-        </p:blipFill>
-        <p:spPr bwMode="auto">
-          <a:xfrm>
-            <a:off x="4097337" y="4038600"/>
-            <a:ext cx="892175" cy="838200"/>
-          </a:xfrm>
-          <a:prstGeom prst="rect">
-            <a:avLst/>
-          </a:prstGeom>
-          <a:noFill/>
-          <a:ln>
-            <a:noFill/>
-          </a:ln>
-          <a:extLst>
-            <a:ext uri="{909E8E84-426E-40dd-AFC4-6F175D3DCCD1}">
-              <a14:hiddenFill xmlns:a14="http://schemas.microsoft.com/office/drawing/2010/main" xmlns="">
-                <a:solidFill>
-                  <a:srgbClr val="FFFFFF"/>
-                </a:solidFill>
-              </a14:hiddenFill>
-            </a:ext>
-            <a:ext uri="{91240B29-F687-4f45-9708-019B960494DF}">
-              <a14:hiddenLine xmlns:a14="http://schemas.microsoft.com/office/drawing/2010/main" xmlns="" w="9525">
-                <a:solidFill>
-                  <a:srgbClr val="000000"/>
-                </a:solidFill>
-                <a:miter lim="800000"/>
-                <a:headEnd/>
-                <a:tailEnd/>
-              </a14:hiddenLine>
-            </a:ext>
-          </a:extLst>
-        </p:spPr>
-      </p:pic>
-      <p:cxnSp>
-        <p:nvCxnSpPr>
-          <p:cNvPr id="33" name="Straight Arrow Connector 32"/>
-          <p:cNvCxnSpPr/>
-          <p:nvPr/>
-        </p:nvCxnSpPr>
-        <p:spPr bwMode="auto">
-          <a:xfrm rot="16200000" flipV="1">
-            <a:off x="4015581" y="3891756"/>
-            <a:ext cx="304800" cy="293688"/>
-          </a:xfrm>
-          <a:prstGeom prst="straightConnector1">
-            <a:avLst/>
-          </a:prstGeom>
-          <a:ln>
-            <a:headEnd type="none" w="med" len="med"/>
-            <a:tailEnd type="arrow"/>
-          </a:ln>
-        </p:spPr>
-        <p:style>
-          <a:lnRef idx="1">
-            <a:schemeClr val="dk1"/>
-          </a:lnRef>
-          <a:fillRef idx="0">
-            <a:schemeClr val="dk1"/>
-          </a:fillRef>
-          <a:effectRef idx="0">
-            <a:schemeClr val="dk1"/>
-          </a:effectRef>
-          <a:fontRef idx="minor">
-            <a:schemeClr val="tx1"/>
-          </a:fontRef>
-        </p:style>
-      </p:cxnSp>
-      <p:cxnSp>
-        <p:nvCxnSpPr>
-          <p:cNvPr id="34" name="Straight Arrow Connector 33"/>
-          <p:cNvCxnSpPr/>
-          <p:nvPr/>
-        </p:nvCxnSpPr>
-        <p:spPr bwMode="auto">
-          <a:xfrm rot="16200000" flipH="1">
-            <a:off x="2725737" y="3048000"/>
-            <a:ext cx="304800" cy="304800"/>
-          </a:xfrm>
-          <a:prstGeom prst="straightConnector1">
-            <a:avLst/>
-          </a:prstGeom>
-          <a:ln>
-            <a:headEnd type="none" w="med" len="med"/>
-            <a:tailEnd type="arrow"/>
-          </a:ln>
-        </p:spPr>
-        <p:style>
-          <a:lnRef idx="1">
-            <a:schemeClr val="dk1"/>
-          </a:lnRef>
-          <a:fillRef idx="0">
-            <a:schemeClr val="dk1"/>
-          </a:fillRef>
-          <a:effectRef idx="0">
-            <a:schemeClr val="dk1"/>
-          </a:effectRef>
-          <a:fontRef idx="minor">
-            <a:schemeClr val="tx1"/>
-          </a:fontRef>
-        </p:style>
-      </p:cxnSp>
-      <p:sp>
-        <p:nvSpPr>
-          <p:cNvPr id="35" name="Text Box 4"/>
-          <p:cNvSpPr txBox="1">
-            <a:spLocks noChangeArrowheads="1"/>
-          </p:cNvSpPr>
-          <p:nvPr/>
-        </p:nvSpPr>
-        <p:spPr bwMode="auto">
-          <a:xfrm>
-            <a:off x="6553200" y="1752600"/>
-            <a:ext cx="2057400" cy="1077218"/>
-          </a:xfrm>
-          <a:prstGeom prst="rect">
-            <a:avLst/>
-          </a:prstGeom>
-          <a:solidFill>
-            <a:schemeClr val="tx2"/>
-          </a:solidFill>
-          <a:ln w="9525">
-            <a:noFill/>
-            <a:miter lim="800000"/>
-            <a:headEnd/>
-            <a:tailEnd/>
-          </a:ln>
-        </p:spPr>
-        <p:txBody>
-          <a:bodyPr>
-            <a:spAutoFit/>
-          </a:bodyPr>
-          <a:lstStyle>
-            <a:lvl1pPr eaLnBrk="0" hangingPunct="0">
-              <a:defRPr sz="3200">
-                <a:solidFill>
-                  <a:schemeClr val="tx1"/>
-                </a:solidFill>
-                <a:latin typeface="Arial" charset="0"/>
-                <a:ea typeface="ＭＳ Ｐゴシック" charset="0"/>
-                <a:cs typeface="Arial" charset="0"/>
-              </a:defRPr>
-            </a:lvl1pPr>
-            <a:lvl2pPr marL="742950" indent="-285750" eaLnBrk="0" hangingPunct="0">
-              <a:defRPr sz="3200">
-                <a:solidFill>
-                  <a:schemeClr val="tx1"/>
-                </a:solidFill>
-                <a:latin typeface="Arial" charset="0"/>
-                <a:ea typeface="Arial" charset="0"/>
-                <a:cs typeface="Arial" charset="0"/>
-              </a:defRPr>
-            </a:lvl2pPr>
-            <a:lvl3pPr marL="1143000" indent="-228600" eaLnBrk="0" hangingPunct="0">
-              <a:defRPr sz="3200">
-                <a:solidFill>
-                  <a:schemeClr val="tx1"/>
-                </a:solidFill>
-                <a:latin typeface="Arial" charset="0"/>
-                <a:ea typeface="Arial" charset="0"/>
-                <a:cs typeface="Arial" charset="0"/>
-              </a:defRPr>
-            </a:lvl3pPr>
-            <a:lvl4pPr marL="1600200" indent="-228600" eaLnBrk="0" hangingPunct="0">
-              <a:defRPr sz="3200">
-                <a:solidFill>
-                  <a:schemeClr val="tx1"/>
-                </a:solidFill>
-                <a:latin typeface="Arial" charset="0"/>
-                <a:ea typeface="Arial" charset="0"/>
-                <a:cs typeface="Arial" charset="0"/>
-              </a:defRPr>
-            </a:lvl4pPr>
-            <a:lvl5pPr marL="2057400" indent="-228600" eaLnBrk="0" hangingPunct="0">
-              <a:defRPr sz="3200">
-                <a:solidFill>
-                  <a:schemeClr val="tx1"/>
-                </a:solidFill>
-                <a:latin typeface="Arial" charset="0"/>
-                <a:ea typeface="Arial" charset="0"/>
-                <a:cs typeface="Arial" charset="0"/>
-              </a:defRPr>
-            </a:lvl5pPr>
-            <a:lvl6pPr marL="2514600" indent="-228600" eaLnBrk="0" fontAlgn="base" hangingPunct="0">
-              <a:spcBef>
-                <a:spcPct val="20000"/>
-              </a:spcBef>
-              <a:spcAft>
-                <a:spcPct val="0"/>
-              </a:spcAft>
-              <a:buClr>
-                <a:schemeClr val="bg2"/>
-              </a:buClr>
-              <a:buSzPct val="90000"/>
-              <a:buFont typeface="Times New Roman" charset="0"/>
-              <a:buChar char="n"/>
-              <a:defRPr sz="3200">
-                <a:solidFill>
-                  <a:schemeClr val="tx1"/>
-                </a:solidFill>
-                <a:latin typeface="Arial" charset="0"/>
-                <a:ea typeface="Arial" charset="0"/>
-                <a:cs typeface="Arial" charset="0"/>
-              </a:defRPr>
-            </a:lvl6pPr>
-            <a:lvl7pPr marL="2971800" indent="-228600" eaLnBrk="0" fontAlgn="base" hangingPunct="0">
-              <a:spcBef>
-                <a:spcPct val="20000"/>
-              </a:spcBef>
-              <a:spcAft>
-                <a:spcPct val="0"/>
-              </a:spcAft>
-              <a:buClr>
-                <a:schemeClr val="bg2"/>
-              </a:buClr>
-              <a:buSzPct val="90000"/>
-              <a:buFont typeface="Times New Roman" charset="0"/>
-              <a:buChar char="n"/>
-              <a:defRPr sz="3200">
-                <a:solidFill>
-                  <a:schemeClr val="tx1"/>
-                </a:solidFill>
-                <a:latin typeface="Arial" charset="0"/>
-                <a:ea typeface="Arial" charset="0"/>
-                <a:cs typeface="Arial" charset="0"/>
-              </a:defRPr>
-            </a:lvl7pPr>
-            <a:lvl8pPr marL="3429000" indent="-228600" eaLnBrk="0" fontAlgn="base" hangingPunct="0">
-              <a:spcBef>
-                <a:spcPct val="20000"/>
-              </a:spcBef>
-              <a:spcAft>
-                <a:spcPct val="0"/>
-              </a:spcAft>
-              <a:buClr>
-                <a:schemeClr val="bg2"/>
-              </a:buClr>
-              <a:buSzPct val="90000"/>
-              <a:buFont typeface="Times New Roman" charset="0"/>
-              <a:buChar char="n"/>
-              <a:defRPr sz="3200">
-                <a:solidFill>
-                  <a:schemeClr val="tx1"/>
-                </a:solidFill>
-                <a:latin typeface="Arial" charset="0"/>
-                <a:ea typeface="Arial" charset="0"/>
-                <a:cs typeface="Arial" charset="0"/>
-              </a:defRPr>
-            </a:lvl8pPr>
-            <a:lvl9pPr marL="3886200" indent="-228600" eaLnBrk="0" fontAlgn="base" hangingPunct="0">
-              <a:spcBef>
-                <a:spcPct val="20000"/>
-              </a:spcBef>
-              <a:spcAft>
-                <a:spcPct val="0"/>
-              </a:spcAft>
-              <a:buClr>
-                <a:schemeClr val="bg2"/>
-              </a:buClr>
-              <a:buSzPct val="90000"/>
-              <a:buFont typeface="Times New Roman" charset="0"/>
-              <a:buChar char="n"/>
-              <a:defRPr sz="3200">
-                <a:solidFill>
-                  <a:schemeClr val="tx1"/>
-                </a:solidFill>
-                <a:latin typeface="Arial" charset="0"/>
-                <a:ea typeface="Arial" charset="0"/>
-                <a:cs typeface="Arial" charset="0"/>
-              </a:defRPr>
-            </a:lvl9pPr>
-          </a:lstStyle>
-          <a:p>
-            <a:pPr algn="ctr" eaLnBrk="1" hangingPunct="1">
-              <a:buClrTx/>
-              <a:buSzTx/>
-              <a:buFont typeface="Wingdings" charset="0"/>
-              <a:buNone/>
-            </a:pPr>
-            <a:r>
-              <a:rPr lang="en-US" b="1" dirty="0" err="1">
-                <a:solidFill>
-                  <a:schemeClr val="bg1"/>
-                </a:solidFill>
-              </a:rPr>
-              <a:t>E</a:t>
-            </a:r>
-            <a:r>
-              <a:rPr lang="en-US" b="1" baseline="-25000" dirty="0" err="1">
-                <a:solidFill>
-                  <a:schemeClr val="bg1"/>
-                </a:solidFill>
-              </a:rPr>
-              <a:t>i</a:t>
-            </a:r>
-            <a:r>
-              <a:rPr lang="en-US" b="1" dirty="0">
-                <a:solidFill>
-                  <a:schemeClr val="bg1"/>
-                </a:solidFill>
-              </a:rPr>
-              <a:t> ∝ N</a:t>
-            </a:r>
-            <a:r>
-              <a:rPr lang="en-US" b="1" baseline="-25000" dirty="0">
-                <a:solidFill>
-                  <a:schemeClr val="bg1"/>
-                </a:solidFill>
-              </a:rPr>
-              <a:t>i</a:t>
-            </a:r>
-            <a:r>
-              <a:rPr lang="en-US" b="1" baseline="50000" dirty="0">
-                <a:solidFill>
-                  <a:schemeClr val="bg1"/>
-                </a:solidFill>
-              </a:rPr>
-              <a:t>α</a:t>
-            </a:r>
-          </a:p>
-          <a:p>
-            <a:pPr algn="ctr" eaLnBrk="1" hangingPunct="1">
-              <a:buClrTx/>
-              <a:buSzTx/>
-              <a:buFont typeface="Wingdings" charset="0"/>
-              <a:buNone/>
-            </a:pPr>
-            <a:r>
-              <a:rPr lang="en-US" b="1" dirty="0">
-                <a:solidFill>
-                  <a:schemeClr val="bg1"/>
-                </a:solidFill>
-              </a:rPr>
-              <a:t>1 ≤ α ≤ 2</a:t>
-            </a:r>
-          </a:p>
-        </p:txBody>
-      </p:sp>
-      <p:sp>
-        <p:nvSpPr>
-          <p:cNvPr id="3" name="Date Placeholder 2">
+          <p:cNvPr id="4" name="Date Placeholder 3">
             <a:extLst>
               <a:ext uri="{FF2B5EF4-FFF2-40B4-BE49-F238E27FC236}">
-                <a16:creationId xmlns:a16="http://schemas.microsoft.com/office/drawing/2014/main" id="{F64A7620-714D-CD4D-957A-21D092C16980}"/>
+                <a16:creationId xmlns:a16="http://schemas.microsoft.com/office/drawing/2014/main" id="{1AF763B3-B5F8-7049-9DA4-50D17E402FFB}"/>
               </a:ext>
             </a:extLst>
           </p:cNvPr>
@@ -8627,18 +7468,18 @@
               <a:defRPr/>
             </a:pPr>
             <a:r>
-              <a:rPr lang="en-US" dirty="0"/>
-              <a:t>WWW'2021  Tutorial</a:t>
-            </a:r>
-          </a:p>
-        </p:txBody>
-      </p:sp>
-      <p:sp>
-        <p:nvSpPr>
-          <p:cNvPr id="7" name="Footer Placeholder 6">
+              <a:rPr lang="en-US"/>
+              <a:t>PAKDD 2021</a:t>
+            </a:r>
+          </a:p>
+        </p:txBody>
+      </p:sp>
+      <p:sp>
+        <p:nvSpPr>
+          <p:cNvPr id="5" name="Footer Placeholder 4">
             <a:extLst>
               <a:ext uri="{FF2B5EF4-FFF2-40B4-BE49-F238E27FC236}">
-                <a16:creationId xmlns:a16="http://schemas.microsoft.com/office/drawing/2014/main" id="{6F8FE4CB-F286-3D4F-A812-226A2517E14C}"/>
+                <a16:creationId xmlns:a16="http://schemas.microsoft.com/office/drawing/2014/main" id="{6F156DB5-207F-084E-BB6E-1BD8A5E0EF31}"/>
               </a:ext>
             </a:extLst>
           </p:cNvPr>
@@ -8658,185 +7499,59 @@
               <a:defRPr/>
             </a:pPr>
             <a:r>
-              <a:rPr lang="en-US"/>
-              <a:t>S. Fakhraei and  C. Faloutsos</a:t>
-            </a:r>
-          </a:p>
-        </p:txBody>
-      </p:sp>
-      <p:sp>
-        <p:nvSpPr>
-          <p:cNvPr id="14" name="TextBox 13">
+              <a:rPr lang="fi-FI"/>
+              <a:t>L. Akoglu, M. McGlohon, C. Faloutsos</a:t>
+            </a:r>
+            <a:endParaRPr lang="en-US"/>
+          </a:p>
+        </p:txBody>
+      </p:sp>
+      <p:sp>
+        <p:nvSpPr>
+          <p:cNvPr id="6" name="Slide Number Placeholder 5">
             <a:extLst>
               <a:ext uri="{FF2B5EF4-FFF2-40B4-BE49-F238E27FC236}">
-                <a16:creationId xmlns:a16="http://schemas.microsoft.com/office/drawing/2014/main" id="{09D21DA9-DC06-4A46-93B5-0CE6D94B8210}"/>
+                <a16:creationId xmlns:a16="http://schemas.microsoft.com/office/drawing/2014/main" id="{665D87A8-733D-CB43-94B4-D8CD64E72BE7}"/>
               </a:ext>
             </a:extLst>
           </p:cNvPr>
-          <p:cNvSpPr txBox="1"/>
-          <p:nvPr/>
-        </p:nvSpPr>
-        <p:spPr>
-          <a:xfrm>
-            <a:off x="28575" y="6034002"/>
-            <a:ext cx="9092107" cy="830997"/>
-          </a:xfrm>
-          <a:prstGeom prst="rect">
-            <a:avLst/>
-          </a:prstGeom>
-          <a:solidFill>
-            <a:srgbClr val="FF8000"/>
-          </a:solidFill>
-        </p:spPr>
-        <p:txBody>
-          <a:bodyPr wrap="square" rtlCol="0">
-            <a:spAutoFit/>
-          </a:bodyPr>
-          <a:lstStyle/>
-          <a:p>
-            <a:pPr algn="just"/>
-            <a:r>
-              <a:rPr lang="en-US" sz="2400" b="1" i="1" dirty="0">
-                <a:solidFill>
-                  <a:srgbClr val="FFFFFF"/>
-                </a:solidFill>
-              </a:rPr>
-              <a:t>Oddball: Spotting anomalies in weighted graphs</a:t>
-            </a:r>
-            <a:r>
-              <a:rPr lang="en-US" sz="2400" b="1" dirty="0">
-                <a:solidFill>
-                  <a:srgbClr val="FFFFFF"/>
-                </a:solidFill>
-              </a:rPr>
-              <a:t>, Leman Akoglu, Mary </a:t>
-            </a:r>
-            <a:r>
-              <a:rPr lang="en-US" sz="2400" b="1" dirty="0" err="1">
-                <a:solidFill>
-                  <a:srgbClr val="FFFFFF"/>
-                </a:solidFill>
-              </a:rPr>
-              <a:t>McGlohon</a:t>
-            </a:r>
-            <a:r>
-              <a:rPr lang="en-US" sz="2400" b="1" dirty="0">
-                <a:solidFill>
-                  <a:srgbClr val="FFFFFF"/>
-                </a:solidFill>
-              </a:rPr>
-              <a:t>, Christos Faloutsos, </a:t>
-            </a:r>
-            <a:r>
-              <a:rPr lang="en-US" sz="2400" b="1" i="1" dirty="0">
-                <a:solidFill>
-                  <a:srgbClr val="FFFFFF"/>
-                </a:solidFill>
-              </a:rPr>
-              <a:t>PAKDD</a:t>
-            </a:r>
-            <a:r>
-              <a:rPr lang="en-US" sz="2400" b="1" dirty="0">
-                <a:solidFill>
-                  <a:srgbClr val="FFFFFF"/>
-                </a:solidFill>
-              </a:rPr>
-              <a:t> 2010</a:t>
-            </a:r>
-          </a:p>
-        </p:txBody>
-      </p:sp>
-      <p:sp>
-        <p:nvSpPr>
-          <p:cNvPr id="5" name="Oval 4">
-            <a:extLst>
-              <a:ext uri="{FF2B5EF4-FFF2-40B4-BE49-F238E27FC236}">
-                <a16:creationId xmlns:a16="http://schemas.microsoft.com/office/drawing/2014/main" id="{3F257027-6D27-B745-9AA1-2CE90BA38612}"/>
-              </a:ext>
-            </a:extLst>
-          </p:cNvPr>
-          <p:cNvSpPr/>
-          <p:nvPr/>
-        </p:nvSpPr>
-        <p:spPr bwMode="auto">
-          <a:xfrm>
-            <a:off x="4929178" y="2829818"/>
-            <a:ext cx="328612" cy="370582"/>
-          </a:xfrm>
-          <a:prstGeom prst="ellipse">
-            <a:avLst/>
-          </a:prstGeom>
-          <a:noFill/>
-          <a:ln w="28575" cap="flat" cmpd="sng" algn="ctr">
-            <a:solidFill>
-              <a:schemeClr val="tx2"/>
-            </a:solidFill>
-            <a:prstDash val="solid"/>
-            <a:round/>
-            <a:headEnd type="none" w="sm" len="sm"/>
-            <a:tailEnd type="none" w="med" len="med"/>
-          </a:ln>
-          <a:effectLst/>
-        </p:spPr>
-        <p:txBody>
-          <a:bodyPr rtlCol="0" anchor="ctr"/>
-          <a:lstStyle/>
-          <a:p>
-            <a:pPr algn="ctr"/>
+          <p:cNvSpPr>
+            <a:spLocks noGrp="1"/>
+          </p:cNvSpPr>
+          <p:nvPr>
+            <p:ph type="sldNum" sz="quarter" idx="12"/>
+          </p:nvPr>
+        </p:nvSpPr>
+        <p:spPr/>
+        <p:txBody>
+          <a:bodyPr/>
+          <a:lstStyle/>
+          <a:p>
+            <a:pPr>
+              <a:defRPr/>
+            </a:pPr>
+            <a:fld id="{F9B43987-7F84-BB4A-8611-CDF75B6A737D}" type="slidenum">
+              <a:rPr lang="en-US" smtClean="0"/>
+              <a:pPr>
+                <a:defRPr/>
+              </a:pPr>
+              <a:t>11</a:t>
+            </a:fld>
             <a:endParaRPr lang="en-US"/>
-          </a:p>
-        </p:txBody>
-      </p:sp>
-      <p:sp>
-        <p:nvSpPr>
-          <p:cNvPr id="8" name="TextBox 7">
-            <a:extLst>
-              <a:ext uri="{FF2B5EF4-FFF2-40B4-BE49-F238E27FC236}">
-                <a16:creationId xmlns:a16="http://schemas.microsoft.com/office/drawing/2014/main" id="{ACE03702-E3B2-654C-98F0-399E58996BFD}"/>
-              </a:ext>
-            </a:extLst>
-          </p:cNvPr>
-          <p:cNvSpPr txBox="1"/>
-          <p:nvPr/>
-        </p:nvSpPr>
-        <p:spPr>
-          <a:xfrm>
-            <a:off x="5403156" y="3048977"/>
-            <a:ext cx="1871026" cy="523220"/>
-          </a:xfrm>
-          <a:prstGeom prst="rect">
-            <a:avLst/>
-          </a:prstGeom>
-          <a:noFill/>
-        </p:spPr>
-        <p:txBody>
-          <a:bodyPr wrap="none" rtlCol="0">
-            <a:spAutoFit/>
-          </a:bodyPr>
-          <a:lstStyle/>
-          <a:p>
-            <a:r>
-              <a:rPr lang="en-US" sz="2800" dirty="0">
-                <a:solidFill>
-                  <a:schemeClr val="tx2"/>
-                </a:solidFill>
-                <a:latin typeface="+mn-lt"/>
-              </a:rPr>
-              <a:t>Enron CEO</a:t>
-            </a:r>
           </a:p>
         </p:txBody>
       </p:sp>
     </p:spTree>
     <p:extLst>
       <p:ext uri="{BB962C8B-B14F-4D97-AF65-F5344CB8AC3E}">
-        <p14:creationId xmlns:p14="http://schemas.microsoft.com/office/powerpoint/2010/main" val="1863616105"/>
+        <p14:creationId xmlns:p14="http://schemas.microsoft.com/office/powerpoint/2010/main" val="2609801144"/>
       </p:ext>
     </p:extLst>
   </p:cSld>
   <p:clrMapOvr>
     <a:masterClrMapping/>
   </p:clrMapOvr>
+  <p:transition/>
 </p:sld>
 </file>
 
@@ -8862,7 +7577,7 @@
           <p:cNvPr id="2" name="Title 1">
             <a:extLst>
               <a:ext uri="{FF2B5EF4-FFF2-40B4-BE49-F238E27FC236}">
-                <a16:creationId xmlns:a16="http://schemas.microsoft.com/office/drawing/2014/main" id="{73B7C5C5-1DB8-F74C-B24F-5BD97BE15399}"/>
+                <a16:creationId xmlns:a16="http://schemas.microsoft.com/office/drawing/2014/main" id="{5DEF2526-8074-8844-AFFA-D0A999AC4CE6}"/>
               </a:ext>
             </a:extLst>
           </p:cNvPr>
@@ -8882,37 +7597,41 @@
           </a:p>
         </p:txBody>
       </p:sp>
-      <p:sp>
-        <p:nvSpPr>
-          <p:cNvPr id="3" name="Content Placeholder 2">
+      <p:pic>
+        <p:nvPicPr>
+          <p:cNvPr id="8" name="Content Placeholder 7" descr="Text&#10;&#10;Description automatically generated">
             <a:extLst>
               <a:ext uri="{FF2B5EF4-FFF2-40B4-BE49-F238E27FC236}">
-                <a16:creationId xmlns:a16="http://schemas.microsoft.com/office/drawing/2014/main" id="{0AC8C7D2-D407-E845-B46E-7AE467BD3C31}"/>
+                <a16:creationId xmlns:a16="http://schemas.microsoft.com/office/drawing/2014/main" id="{4ABD0D0A-D125-6A4C-9BA9-CF9C5872F9BD}"/>
               </a:ext>
             </a:extLst>
           </p:cNvPr>
-          <p:cNvSpPr>
-            <a:spLocks noGrp="1"/>
-          </p:cNvSpPr>
+          <p:cNvPicPr>
+            <a:picLocks noGrp="1" noChangeAspect="1"/>
+          </p:cNvPicPr>
           <p:nvPr>
             <p:ph idx="1"/>
           </p:nvPr>
-        </p:nvSpPr>
-        <p:spPr/>
-        <p:txBody>
-          <a:bodyPr/>
-          <a:lstStyle/>
-          <a:p>
-            <a:endParaRPr lang="en-US"/>
-          </a:p>
-        </p:txBody>
-      </p:sp>
+        </p:nvPicPr>
+        <p:blipFill>
+          <a:blip r:embed="rId2"/>
+          <a:stretch>
+            <a:fillRect/>
+          </a:stretch>
+        </p:blipFill>
+        <p:spPr>
+          <a:xfrm>
+            <a:off x="1688219" y="1447800"/>
+            <a:ext cx="5767562" cy="4648200"/>
+          </a:xfrm>
+        </p:spPr>
+      </p:pic>
       <p:sp>
         <p:nvSpPr>
           <p:cNvPr id="4" name="Date Placeholder 3">
             <a:extLst>
               <a:ext uri="{FF2B5EF4-FFF2-40B4-BE49-F238E27FC236}">
-                <a16:creationId xmlns:a16="http://schemas.microsoft.com/office/drawing/2014/main" id="{86D77B73-DE0B-CE4C-B495-E89EFCE54422}"/>
+                <a16:creationId xmlns:a16="http://schemas.microsoft.com/office/drawing/2014/main" id="{B7E89EC7-29F3-9A44-AED1-5B7D4C936388}"/>
               </a:ext>
             </a:extLst>
           </p:cNvPr>
@@ -8943,7 +7662,7 @@
           <p:cNvPr id="5" name="Footer Placeholder 4">
             <a:extLst>
               <a:ext uri="{FF2B5EF4-FFF2-40B4-BE49-F238E27FC236}">
-                <a16:creationId xmlns:a16="http://schemas.microsoft.com/office/drawing/2014/main" id="{99BBAF31-59DE-B24B-A8EB-85E50ECF0F96}"/>
+                <a16:creationId xmlns:a16="http://schemas.microsoft.com/office/drawing/2014/main" id="{B08AEEC2-7764-9E4B-B723-D77E803105EE}"/>
               </a:ext>
             </a:extLst>
           </p:cNvPr>
@@ -8975,7 +7694,7 @@
           <p:cNvPr id="6" name="Slide Number Placeholder 5">
             <a:extLst>
               <a:ext uri="{FF2B5EF4-FFF2-40B4-BE49-F238E27FC236}">
-                <a16:creationId xmlns:a16="http://schemas.microsoft.com/office/drawing/2014/main" id="{FFF1C959-FDC1-964E-A40E-B9241F8C8C86}"/>
+                <a16:creationId xmlns:a16="http://schemas.microsoft.com/office/drawing/2014/main" id="{AAEE4CE4-C844-B749-ACDE-555B0A870700}"/>
               </a:ext>
             </a:extLst>
           </p:cNvPr>
@@ -9008,7 +7727,7 @@
     </p:spTree>
     <p:extLst>
       <p:ext uri="{BB962C8B-B14F-4D97-AF65-F5344CB8AC3E}">
-        <p14:creationId xmlns:p14="http://schemas.microsoft.com/office/powerpoint/2010/main" val="4106785854"/>
+        <p14:creationId xmlns:p14="http://schemas.microsoft.com/office/powerpoint/2010/main" val="198717125"/>
       </p:ext>
     </p:extLst>
   </p:cSld>
@@ -9041,7 +7760,7 @@
           <p:cNvPr id="2" name="Title 1">
             <a:extLst>
               <a:ext uri="{FF2B5EF4-FFF2-40B4-BE49-F238E27FC236}">
-                <a16:creationId xmlns:a16="http://schemas.microsoft.com/office/drawing/2014/main" id="{73B7C5C5-1DB8-F74C-B24F-5BD97BE15399}"/>
+                <a16:creationId xmlns:a16="http://schemas.microsoft.com/office/drawing/2014/main" id="{4FFF780A-4AC0-E947-9E60-C651A93EFC53}"/>
               </a:ext>
             </a:extLst>
           </p:cNvPr>
@@ -9061,37 +7780,41 @@
           </a:p>
         </p:txBody>
       </p:sp>
-      <p:sp>
-        <p:nvSpPr>
-          <p:cNvPr id="3" name="Content Placeholder 2">
+      <p:pic>
+        <p:nvPicPr>
+          <p:cNvPr id="8" name="Content Placeholder 7" descr="Text&#10;&#10;Description automatically generated">
             <a:extLst>
               <a:ext uri="{FF2B5EF4-FFF2-40B4-BE49-F238E27FC236}">
-                <a16:creationId xmlns:a16="http://schemas.microsoft.com/office/drawing/2014/main" id="{0AC8C7D2-D407-E845-B46E-7AE467BD3C31}"/>
+                <a16:creationId xmlns:a16="http://schemas.microsoft.com/office/drawing/2014/main" id="{EA46362B-79B6-BC45-B817-6D187BCD94BC}"/>
               </a:ext>
             </a:extLst>
           </p:cNvPr>
-          <p:cNvSpPr>
-            <a:spLocks noGrp="1"/>
-          </p:cNvSpPr>
+          <p:cNvPicPr>
+            <a:picLocks noGrp="1" noChangeAspect="1"/>
+          </p:cNvPicPr>
           <p:nvPr>
             <p:ph idx="1"/>
           </p:nvPr>
-        </p:nvSpPr>
-        <p:spPr/>
-        <p:txBody>
-          <a:bodyPr/>
-          <a:lstStyle/>
-          <a:p>
-            <a:endParaRPr lang="en-US"/>
-          </a:p>
-        </p:txBody>
-      </p:sp>
+        </p:nvPicPr>
+        <p:blipFill>
+          <a:blip r:embed="rId2"/>
+          <a:stretch>
+            <a:fillRect/>
+          </a:stretch>
+        </p:blipFill>
+        <p:spPr>
+          <a:xfrm>
+            <a:off x="685800" y="1920168"/>
+            <a:ext cx="7772400" cy="3703463"/>
+          </a:xfrm>
+        </p:spPr>
+      </p:pic>
       <p:sp>
         <p:nvSpPr>
           <p:cNvPr id="4" name="Date Placeholder 3">
             <a:extLst>
               <a:ext uri="{FF2B5EF4-FFF2-40B4-BE49-F238E27FC236}">
-                <a16:creationId xmlns:a16="http://schemas.microsoft.com/office/drawing/2014/main" id="{86D77B73-DE0B-CE4C-B495-E89EFCE54422}"/>
+                <a16:creationId xmlns:a16="http://schemas.microsoft.com/office/drawing/2014/main" id="{184406FC-1EBE-C643-896C-C61F4BA7160A}"/>
               </a:ext>
             </a:extLst>
           </p:cNvPr>
@@ -9122,7 +7845,7 @@
           <p:cNvPr id="5" name="Footer Placeholder 4">
             <a:extLst>
               <a:ext uri="{FF2B5EF4-FFF2-40B4-BE49-F238E27FC236}">
-                <a16:creationId xmlns:a16="http://schemas.microsoft.com/office/drawing/2014/main" id="{99BBAF31-59DE-B24B-A8EB-85E50ECF0F96}"/>
+                <a16:creationId xmlns:a16="http://schemas.microsoft.com/office/drawing/2014/main" id="{858F08FC-69BA-A044-B568-2D5259DB1102}"/>
               </a:ext>
             </a:extLst>
           </p:cNvPr>
@@ -9154,7 +7877,7 @@
           <p:cNvPr id="6" name="Slide Number Placeholder 5">
             <a:extLst>
               <a:ext uri="{FF2B5EF4-FFF2-40B4-BE49-F238E27FC236}">
-                <a16:creationId xmlns:a16="http://schemas.microsoft.com/office/drawing/2014/main" id="{FFF1C959-FDC1-964E-A40E-B9241F8C8C86}"/>
+                <a16:creationId xmlns:a16="http://schemas.microsoft.com/office/drawing/2014/main" id="{B0A39F98-FAD7-F443-84E7-BAD1EDADA6C8}"/>
               </a:ext>
             </a:extLst>
           </p:cNvPr>
@@ -9187,7 +7910,7 @@
     </p:spTree>
     <p:extLst>
       <p:ext uri="{BB962C8B-B14F-4D97-AF65-F5344CB8AC3E}">
-        <p14:creationId xmlns:p14="http://schemas.microsoft.com/office/powerpoint/2010/main" val="2021128071"/>
+        <p14:creationId xmlns:p14="http://schemas.microsoft.com/office/powerpoint/2010/main" val="3459234371"/>
       </p:ext>
     </p:extLst>
   </p:cSld>
@@ -9217,6 +7940,372 @@
       </p:grpSpPr>
       <p:sp>
         <p:nvSpPr>
+          <p:cNvPr id="2" name="Title 1">
+            <a:extLst>
+              <a:ext uri="{FF2B5EF4-FFF2-40B4-BE49-F238E27FC236}">
+                <a16:creationId xmlns:a16="http://schemas.microsoft.com/office/drawing/2014/main" id="{25A51FB6-B358-5C41-8F7C-08F590AA4415}"/>
+              </a:ext>
+            </a:extLst>
+          </p:cNvPr>
+          <p:cNvSpPr>
+            <a:spLocks noGrp="1"/>
+          </p:cNvSpPr>
+          <p:nvPr>
+            <p:ph type="title"/>
+          </p:nvPr>
+        </p:nvSpPr>
+        <p:spPr/>
+        <p:txBody>
+          <a:bodyPr/>
+          <a:lstStyle/>
+          <a:p>
+            <a:endParaRPr lang="en-US"/>
+          </a:p>
+        </p:txBody>
+      </p:sp>
+      <p:pic>
+        <p:nvPicPr>
+          <p:cNvPr id="8" name="Content Placeholder 7" descr="Text&#10;&#10;Description automatically generated">
+            <a:extLst>
+              <a:ext uri="{FF2B5EF4-FFF2-40B4-BE49-F238E27FC236}">
+                <a16:creationId xmlns:a16="http://schemas.microsoft.com/office/drawing/2014/main" id="{97E76F1E-F1C7-1B41-861B-A85B9ABC17DE}"/>
+              </a:ext>
+            </a:extLst>
+          </p:cNvPr>
+          <p:cNvPicPr>
+            <a:picLocks noGrp="1" noChangeAspect="1"/>
+          </p:cNvPicPr>
+          <p:nvPr>
+            <p:ph idx="1"/>
+          </p:nvPr>
+        </p:nvPicPr>
+        <p:blipFill>
+          <a:blip r:embed="rId2"/>
+          <a:stretch>
+            <a:fillRect/>
+          </a:stretch>
+        </p:blipFill>
+        <p:spPr>
+          <a:xfrm>
+            <a:off x="825500" y="2749550"/>
+            <a:ext cx="7493000" cy="2044700"/>
+          </a:xfrm>
+        </p:spPr>
+      </p:pic>
+      <p:sp>
+        <p:nvSpPr>
+          <p:cNvPr id="4" name="Date Placeholder 3">
+            <a:extLst>
+              <a:ext uri="{FF2B5EF4-FFF2-40B4-BE49-F238E27FC236}">
+                <a16:creationId xmlns:a16="http://schemas.microsoft.com/office/drawing/2014/main" id="{57F24B75-C8BA-7147-968C-4A95653678FD}"/>
+              </a:ext>
+            </a:extLst>
+          </p:cNvPr>
+          <p:cNvSpPr>
+            <a:spLocks noGrp="1"/>
+          </p:cNvSpPr>
+          <p:nvPr>
+            <p:ph type="dt" sz="half" idx="10"/>
+          </p:nvPr>
+        </p:nvSpPr>
+        <p:spPr/>
+        <p:txBody>
+          <a:bodyPr/>
+          <a:lstStyle/>
+          <a:p>
+            <a:pPr>
+              <a:defRPr/>
+            </a:pPr>
+            <a:r>
+              <a:rPr lang="en-US"/>
+              <a:t>PAKDD 2021</a:t>
+            </a:r>
+          </a:p>
+        </p:txBody>
+      </p:sp>
+      <p:sp>
+        <p:nvSpPr>
+          <p:cNvPr id="5" name="Footer Placeholder 4">
+            <a:extLst>
+              <a:ext uri="{FF2B5EF4-FFF2-40B4-BE49-F238E27FC236}">
+                <a16:creationId xmlns:a16="http://schemas.microsoft.com/office/drawing/2014/main" id="{DC80738B-7A1F-5242-A96D-9B825C2C4DFA}"/>
+              </a:ext>
+            </a:extLst>
+          </p:cNvPr>
+          <p:cNvSpPr>
+            <a:spLocks noGrp="1"/>
+          </p:cNvSpPr>
+          <p:nvPr>
+            <p:ph type="ftr" sz="quarter" idx="11"/>
+          </p:nvPr>
+        </p:nvSpPr>
+        <p:spPr/>
+        <p:txBody>
+          <a:bodyPr/>
+          <a:lstStyle/>
+          <a:p>
+            <a:pPr>
+              <a:defRPr/>
+            </a:pPr>
+            <a:r>
+              <a:rPr lang="fi-FI"/>
+              <a:t>L. Akoglu, M. McGlohon, C. Faloutsos</a:t>
+            </a:r>
+            <a:endParaRPr lang="en-US"/>
+          </a:p>
+        </p:txBody>
+      </p:sp>
+      <p:sp>
+        <p:nvSpPr>
+          <p:cNvPr id="6" name="Slide Number Placeholder 5">
+            <a:extLst>
+              <a:ext uri="{FF2B5EF4-FFF2-40B4-BE49-F238E27FC236}">
+                <a16:creationId xmlns:a16="http://schemas.microsoft.com/office/drawing/2014/main" id="{5596DFF8-CB65-2646-88C2-B83DB247E07D}"/>
+              </a:ext>
+            </a:extLst>
+          </p:cNvPr>
+          <p:cNvSpPr>
+            <a:spLocks noGrp="1"/>
+          </p:cNvSpPr>
+          <p:nvPr>
+            <p:ph type="sldNum" sz="quarter" idx="12"/>
+          </p:nvPr>
+        </p:nvSpPr>
+        <p:spPr/>
+        <p:txBody>
+          <a:bodyPr/>
+          <a:lstStyle/>
+          <a:p>
+            <a:pPr>
+              <a:defRPr/>
+            </a:pPr>
+            <a:fld id="{F9B43987-7F84-BB4A-8611-CDF75B6A737D}" type="slidenum">
+              <a:rPr lang="en-US" smtClean="0"/>
+              <a:pPr>
+                <a:defRPr/>
+              </a:pPr>
+              <a:t>14</a:t>
+            </a:fld>
+            <a:endParaRPr lang="en-US"/>
+          </a:p>
+        </p:txBody>
+      </p:sp>
+    </p:spTree>
+    <p:extLst>
+      <p:ext uri="{BB962C8B-B14F-4D97-AF65-F5344CB8AC3E}">
+        <p14:creationId xmlns:p14="http://schemas.microsoft.com/office/powerpoint/2010/main" val="4020253643"/>
+      </p:ext>
+    </p:extLst>
+  </p:cSld>
+  <p:clrMapOvr>
+    <a:masterClrMapping/>
+  </p:clrMapOvr>
+  <p:transition/>
+</p:sld>
+</file>
+
+<file path=ppt/slides/slide15.xml><?xml version="1.0" encoding="utf-8"?>
+<p:sld xmlns:a="http://schemas.openxmlformats.org/drawingml/2006/main" xmlns:r="http://schemas.openxmlformats.org/officeDocument/2006/relationships" xmlns:p="http://schemas.openxmlformats.org/presentationml/2006/main">
+  <p:cSld>
+    <p:spTree>
+      <p:nvGrpSpPr>
+        <p:cNvPr id="1" name=""/>
+        <p:cNvGrpSpPr/>
+        <p:nvPr/>
+      </p:nvGrpSpPr>
+      <p:grpSpPr>
+        <a:xfrm>
+          <a:off x="0" y="0"/>
+          <a:ext cx="0" cy="0"/>
+          <a:chOff x="0" y="0"/>
+          <a:chExt cx="0" cy="0"/>
+        </a:xfrm>
+      </p:grpSpPr>
+      <p:sp>
+        <p:nvSpPr>
+          <p:cNvPr id="2" name="Title 1">
+            <a:extLst>
+              <a:ext uri="{FF2B5EF4-FFF2-40B4-BE49-F238E27FC236}">
+                <a16:creationId xmlns:a16="http://schemas.microsoft.com/office/drawing/2014/main" id="{73B7C5C5-1DB8-F74C-B24F-5BD97BE15399}"/>
+              </a:ext>
+            </a:extLst>
+          </p:cNvPr>
+          <p:cNvSpPr>
+            <a:spLocks noGrp="1"/>
+          </p:cNvSpPr>
+          <p:nvPr>
+            <p:ph type="title"/>
+          </p:nvPr>
+        </p:nvSpPr>
+        <p:spPr/>
+        <p:txBody>
+          <a:bodyPr/>
+          <a:lstStyle/>
+          <a:p>
+            <a:endParaRPr lang="en-US"/>
+          </a:p>
+        </p:txBody>
+      </p:sp>
+      <p:pic>
+        <p:nvPicPr>
+          <p:cNvPr id="8" name="Content Placeholder 7" descr="Text&#10;&#10;Description automatically generated">
+            <a:extLst>
+              <a:ext uri="{FF2B5EF4-FFF2-40B4-BE49-F238E27FC236}">
+                <a16:creationId xmlns:a16="http://schemas.microsoft.com/office/drawing/2014/main" id="{A6E73A43-D0DA-3244-B66D-B650E8B6FA6B}"/>
+              </a:ext>
+            </a:extLst>
+          </p:cNvPr>
+          <p:cNvPicPr>
+            <a:picLocks noGrp="1" noChangeAspect="1"/>
+          </p:cNvPicPr>
+          <p:nvPr>
+            <p:ph idx="1"/>
+          </p:nvPr>
+        </p:nvPicPr>
+        <p:blipFill>
+          <a:blip r:embed="rId2"/>
+          <a:stretch>
+            <a:fillRect/>
+          </a:stretch>
+        </p:blipFill>
+        <p:spPr>
+          <a:xfrm>
+            <a:off x="1587500" y="2336800"/>
+            <a:ext cx="5969000" cy="2870200"/>
+          </a:xfrm>
+        </p:spPr>
+      </p:pic>
+      <p:sp>
+        <p:nvSpPr>
+          <p:cNvPr id="4" name="Date Placeholder 3">
+            <a:extLst>
+              <a:ext uri="{FF2B5EF4-FFF2-40B4-BE49-F238E27FC236}">
+                <a16:creationId xmlns:a16="http://schemas.microsoft.com/office/drawing/2014/main" id="{86D77B73-DE0B-CE4C-B495-E89EFCE54422}"/>
+              </a:ext>
+            </a:extLst>
+          </p:cNvPr>
+          <p:cNvSpPr>
+            <a:spLocks noGrp="1"/>
+          </p:cNvSpPr>
+          <p:nvPr>
+            <p:ph type="dt" sz="half" idx="10"/>
+          </p:nvPr>
+        </p:nvSpPr>
+        <p:spPr/>
+        <p:txBody>
+          <a:bodyPr/>
+          <a:lstStyle/>
+          <a:p>
+            <a:pPr>
+              <a:defRPr/>
+            </a:pPr>
+            <a:r>
+              <a:rPr lang="en-US"/>
+              <a:t>PAKDD 2021</a:t>
+            </a:r>
+          </a:p>
+        </p:txBody>
+      </p:sp>
+      <p:sp>
+        <p:nvSpPr>
+          <p:cNvPr id="5" name="Footer Placeholder 4">
+            <a:extLst>
+              <a:ext uri="{FF2B5EF4-FFF2-40B4-BE49-F238E27FC236}">
+                <a16:creationId xmlns:a16="http://schemas.microsoft.com/office/drawing/2014/main" id="{99BBAF31-59DE-B24B-A8EB-85E50ECF0F96}"/>
+              </a:ext>
+            </a:extLst>
+          </p:cNvPr>
+          <p:cNvSpPr>
+            <a:spLocks noGrp="1"/>
+          </p:cNvSpPr>
+          <p:nvPr>
+            <p:ph type="ftr" sz="quarter" idx="11"/>
+          </p:nvPr>
+        </p:nvSpPr>
+        <p:spPr/>
+        <p:txBody>
+          <a:bodyPr/>
+          <a:lstStyle/>
+          <a:p>
+            <a:pPr>
+              <a:defRPr/>
+            </a:pPr>
+            <a:r>
+              <a:rPr lang="fi-FI"/>
+              <a:t>L. Akoglu, M. McGlohon, C. Faloutsos</a:t>
+            </a:r>
+            <a:endParaRPr lang="en-US"/>
+          </a:p>
+        </p:txBody>
+      </p:sp>
+      <p:sp>
+        <p:nvSpPr>
+          <p:cNvPr id="6" name="Slide Number Placeholder 5">
+            <a:extLst>
+              <a:ext uri="{FF2B5EF4-FFF2-40B4-BE49-F238E27FC236}">
+                <a16:creationId xmlns:a16="http://schemas.microsoft.com/office/drawing/2014/main" id="{FFF1C959-FDC1-964E-A40E-B9241F8C8C86}"/>
+              </a:ext>
+            </a:extLst>
+          </p:cNvPr>
+          <p:cNvSpPr>
+            <a:spLocks noGrp="1"/>
+          </p:cNvSpPr>
+          <p:nvPr>
+            <p:ph type="sldNum" sz="quarter" idx="12"/>
+          </p:nvPr>
+        </p:nvSpPr>
+        <p:spPr/>
+        <p:txBody>
+          <a:bodyPr/>
+          <a:lstStyle/>
+          <a:p>
+            <a:pPr>
+              <a:defRPr/>
+            </a:pPr>
+            <a:fld id="{F9B43987-7F84-BB4A-8611-CDF75B6A737D}" type="slidenum">
+              <a:rPr lang="en-US" smtClean="0"/>
+              <a:pPr>
+                <a:defRPr/>
+              </a:pPr>
+              <a:t>15</a:t>
+            </a:fld>
+            <a:endParaRPr lang="en-US"/>
+          </a:p>
+        </p:txBody>
+      </p:sp>
+    </p:spTree>
+    <p:extLst>
+      <p:ext uri="{BB962C8B-B14F-4D97-AF65-F5344CB8AC3E}">
+        <p14:creationId xmlns:p14="http://schemas.microsoft.com/office/powerpoint/2010/main" val="1645652329"/>
+      </p:ext>
+    </p:extLst>
+  </p:cSld>
+  <p:clrMapOvr>
+    <a:masterClrMapping/>
+  </p:clrMapOvr>
+  <p:transition/>
+</p:sld>
+</file>
+
+<file path=ppt/slides/slide16.xml><?xml version="1.0" encoding="utf-8"?>
+<p:sld xmlns:a="http://schemas.openxmlformats.org/drawingml/2006/main" xmlns:r="http://schemas.openxmlformats.org/officeDocument/2006/relationships" xmlns:p="http://schemas.openxmlformats.org/presentationml/2006/main">
+  <p:cSld>
+    <p:spTree>
+      <p:nvGrpSpPr>
+        <p:cNvPr id="1" name=""/>
+        <p:cNvGrpSpPr/>
+        <p:nvPr/>
+      </p:nvGrpSpPr>
+      <p:grpSpPr>
+        <a:xfrm>
+          <a:off x="0" y="0"/>
+          <a:ext cx="0" cy="0"/>
+          <a:chOff x="0" y="0"/>
+          <a:chExt cx="0" cy="0"/>
+        </a:xfrm>
+      </p:grpSpPr>
+      <p:sp>
+        <p:nvSpPr>
           <p:cNvPr id="22530" name="Footer Placeholder 4"/>
           <p:cNvSpPr>
             <a:spLocks noGrp="1"/>
@@ -9260,7 +8349,737 @@
             <a:fld id="{CA9CF61F-D18B-5946-9F36-FA97BCA712E8}" type="slidenum">
               <a:rPr lang="en-US" smtClean="0"/>
               <a:pPr/>
-              <a:t>14</a:t>
+              <a:t>16</a:t>
+            </a:fld>
+            <a:endParaRPr lang="en-US"/>
+          </a:p>
+        </p:txBody>
+      </p:sp>
+      <p:sp>
+        <p:nvSpPr>
+          <p:cNvPr id="22532" name="Rectangle 2"/>
+          <p:cNvSpPr>
+            <a:spLocks noGrp="1" noChangeArrowheads="1"/>
+          </p:cNvSpPr>
+          <p:nvPr>
+            <p:ph type="title"/>
+          </p:nvPr>
+        </p:nvSpPr>
+        <p:spPr/>
+        <p:txBody>
+          <a:bodyPr/>
+          <a:lstStyle/>
+          <a:p>
+            <a:r>
+              <a:rPr lang="en-US" sz="3600" dirty="0">
+                <a:ea typeface="ＭＳ Ｐゴシック" charset="-128"/>
+                <a:cs typeface="ＭＳ Ｐゴシック" charset="-128"/>
+              </a:rPr>
+              <a:t>Roadmap</a:t>
+            </a:r>
+          </a:p>
+        </p:txBody>
+      </p:sp>
+      <p:sp>
+        <p:nvSpPr>
+          <p:cNvPr id="22533" name="Rectangle 3"/>
+          <p:cNvSpPr>
+            <a:spLocks noGrp="1" noChangeArrowheads="1"/>
+          </p:cNvSpPr>
+          <p:nvPr>
+            <p:ph type="body" idx="1"/>
+          </p:nvPr>
+        </p:nvSpPr>
+        <p:spPr/>
+        <p:txBody>
+          <a:bodyPr/>
+          <a:lstStyle/>
+          <a:p>
+            <a:r>
+              <a:rPr lang="en-US" dirty="0">
+                <a:ea typeface="ＭＳ Ｐゴシック" charset="-128"/>
+                <a:cs typeface="ＭＳ Ｐゴシック" charset="-128"/>
+              </a:rPr>
+              <a:t>Introduction – Motivation</a:t>
+            </a:r>
+          </a:p>
+          <a:p>
+            <a:pPr lvl="1"/>
+            <a:r>
+              <a:rPr lang="en-US" dirty="0">
+                <a:ea typeface="ＭＳ Ｐゴシック" charset="-128"/>
+                <a:cs typeface="ＭＳ Ｐゴシック" charset="-128"/>
+              </a:rPr>
+              <a:t>Why study anomalies?</a:t>
+            </a:r>
+          </a:p>
+          <a:p>
+            <a:r>
+              <a:rPr lang="en-US" dirty="0">
+                <a:ea typeface="ＭＳ Ｐゴシック" charset="-128"/>
+                <a:cs typeface="ＭＳ Ｐゴシック" charset="-128"/>
+              </a:rPr>
+              <a:t>Past</a:t>
+            </a:r>
+          </a:p>
+          <a:p>
+            <a:r>
+              <a:rPr lang="en-US" dirty="0">
+                <a:ea typeface="ＭＳ Ｐゴシック" charset="-128"/>
+                <a:cs typeface="ＭＳ Ｐゴシック" charset="-128"/>
+              </a:rPr>
+              <a:t>Present</a:t>
+            </a:r>
+          </a:p>
+          <a:p>
+            <a:r>
+              <a:rPr lang="en-US" dirty="0">
+                <a:ea typeface="ＭＳ Ｐゴシック" charset="-128"/>
+                <a:cs typeface="ＭＳ Ｐゴシック" charset="-128"/>
+              </a:rPr>
+              <a:t>Future</a:t>
+            </a:r>
+          </a:p>
+        </p:txBody>
+      </p:sp>
+      <p:sp>
+        <p:nvSpPr>
+          <p:cNvPr id="22534" name="AutoShape 4"/>
+          <p:cNvSpPr>
+            <a:spLocks noChangeArrowheads="1"/>
+          </p:cNvSpPr>
+          <p:nvPr/>
+        </p:nvSpPr>
+        <p:spPr bwMode="auto">
+          <a:xfrm>
+            <a:off x="201613" y="1641475"/>
+            <a:ext cx="377825" cy="290513"/>
+          </a:xfrm>
+          <a:prstGeom prst="rightArrow">
+            <a:avLst>
+              <a:gd name="adj1" fmla="val 50000"/>
+              <a:gd name="adj2" fmla="val 32514"/>
+            </a:avLst>
+          </a:prstGeom>
+          <a:solidFill>
+            <a:schemeClr val="tx2"/>
+          </a:solidFill>
+          <a:ln w="28575">
+            <a:solidFill>
+              <a:schemeClr val="tx2"/>
+            </a:solidFill>
+            <a:miter lim="800000"/>
+            <a:headEnd type="none" w="sm" len="sm"/>
+            <a:tailEnd/>
+          </a:ln>
+        </p:spPr>
+        <p:txBody>
+          <a:bodyPr wrap="none" anchor="ctr">
+            <a:prstTxWarp prst="textNoShape">
+              <a:avLst/>
+            </a:prstTxWarp>
+          </a:bodyPr>
+          <a:lstStyle/>
+          <a:p>
+            <a:endParaRPr lang="en-US"/>
+          </a:p>
+        </p:txBody>
+      </p:sp>
+      <p:sp>
+        <p:nvSpPr>
+          <p:cNvPr id="22535" name="Date Placeholder 7"/>
+          <p:cNvSpPr>
+            <a:spLocks noGrp="1"/>
+          </p:cNvSpPr>
+          <p:nvPr>
+            <p:ph type="dt" sz="quarter" idx="10"/>
+          </p:nvPr>
+        </p:nvSpPr>
+        <p:spPr>
+          <a:noFill/>
+        </p:spPr>
+        <p:txBody>
+          <a:bodyPr/>
+          <a:lstStyle/>
+          <a:p>
+            <a:r>
+              <a:rPr lang="en-US"/>
+              <a:t>PAKDD 2021</a:t>
+            </a:r>
+          </a:p>
+        </p:txBody>
+      </p:sp>
+      <p:pic>
+        <p:nvPicPr>
+          <p:cNvPr id="8" name="Picture 7" descr="energygen-roads.jpg"/>
+          <p:cNvPicPr>
+            <a:picLocks noChangeAspect="1"/>
+          </p:cNvPicPr>
+          <p:nvPr/>
+        </p:nvPicPr>
+        <p:blipFill>
+          <a:blip r:embed="rId3" cstate="screen">
+            <a:extLst>
+              <a:ext uri="{28A0092B-C50C-407E-A947-70E740481C1C}">
+                <a14:useLocalDpi xmlns:a14="http://schemas.microsoft.com/office/drawing/2010/main"/>
+              </a:ext>
+            </a:extLst>
+          </a:blip>
+          <a:srcRect/>
+          <a:stretch>
+            <a:fillRect/>
+          </a:stretch>
+        </p:blipFill>
+        <p:spPr bwMode="auto">
+          <a:xfrm>
+            <a:off x="6267450" y="1371600"/>
+            <a:ext cx="2457450" cy="1212850"/>
+          </a:xfrm>
+          <a:prstGeom prst="rect">
+            <a:avLst/>
+          </a:prstGeom>
+          <a:noFill/>
+          <a:ln w="9525">
+            <a:noFill/>
+            <a:miter lim="800000"/>
+            <a:headEnd/>
+            <a:tailEnd/>
+          </a:ln>
+        </p:spPr>
+      </p:pic>
+    </p:spTree>
+  </p:cSld>
+  <p:clrMapOvr>
+    <a:masterClrMapping/>
+  </p:clrMapOvr>
+  <p:transition/>
+</p:sld>
+</file>
+
+<file path=ppt/slides/slide17.xml><?xml version="1.0" encoding="utf-8"?>
+<p:sld xmlns:a="http://schemas.openxmlformats.org/drawingml/2006/main" xmlns:r="http://schemas.openxmlformats.org/officeDocument/2006/relationships" xmlns:p="http://schemas.openxmlformats.org/presentationml/2006/main">
+  <p:cSld>
+    <p:spTree>
+      <p:nvGrpSpPr>
+        <p:cNvPr id="1" name=""/>
+        <p:cNvGrpSpPr/>
+        <p:nvPr/>
+      </p:nvGrpSpPr>
+      <p:grpSpPr>
+        <a:xfrm>
+          <a:off x="0" y="0"/>
+          <a:ext cx="0" cy="0"/>
+          <a:chOff x="0" y="0"/>
+          <a:chExt cx="0" cy="0"/>
+        </a:xfrm>
+      </p:grpSpPr>
+      <p:sp>
+        <p:nvSpPr>
+          <p:cNvPr id="2" name="Title 1">
+            <a:extLst>
+              <a:ext uri="{FF2B5EF4-FFF2-40B4-BE49-F238E27FC236}">
+                <a16:creationId xmlns:a16="http://schemas.microsoft.com/office/drawing/2014/main" id="{DAF0DF69-948A-8149-A676-8D6EA2D37C94}"/>
+              </a:ext>
+            </a:extLst>
+          </p:cNvPr>
+          <p:cNvSpPr>
+            <a:spLocks noGrp="1"/>
+          </p:cNvSpPr>
+          <p:nvPr>
+            <p:ph type="title"/>
+          </p:nvPr>
+        </p:nvSpPr>
+        <p:spPr/>
+        <p:txBody>
+          <a:bodyPr/>
+          <a:lstStyle/>
+          <a:p>
+            <a:r>
+              <a:rPr lang="en-US" dirty="0"/>
+              <a:t>P1.3.1. Outliers</a:t>
+            </a:r>
+          </a:p>
+        </p:txBody>
+      </p:sp>
+      <p:sp>
+        <p:nvSpPr>
+          <p:cNvPr id="3" name="Content Placeholder 2">
+            <a:extLst>
+              <a:ext uri="{FF2B5EF4-FFF2-40B4-BE49-F238E27FC236}">
+                <a16:creationId xmlns:a16="http://schemas.microsoft.com/office/drawing/2014/main" id="{AF6D0B97-71DF-3147-9690-794FC3B99AF9}"/>
+              </a:ext>
+            </a:extLst>
+          </p:cNvPr>
+          <p:cNvSpPr>
+            <a:spLocks noGrp="1"/>
+          </p:cNvSpPr>
+          <p:nvPr>
+            <p:ph idx="1"/>
+          </p:nvPr>
+        </p:nvSpPr>
+        <p:spPr/>
+        <p:txBody>
+          <a:bodyPr/>
+          <a:lstStyle/>
+          <a:p>
+            <a:r>
+              <a:rPr lang="en-US" dirty="0"/>
+              <a:t>Which node(s) are strange?</a:t>
+            </a:r>
+          </a:p>
+          <a:p>
+            <a:pPr lvl="1"/>
+            <a:r>
+              <a:rPr lang="en-US" dirty="0"/>
+              <a:t>Q: How to start?</a:t>
+            </a:r>
+          </a:p>
+        </p:txBody>
+      </p:sp>
+      <p:sp>
+        <p:nvSpPr>
+          <p:cNvPr id="4" name="Date Placeholder 3">
+            <a:extLst>
+              <a:ext uri="{FF2B5EF4-FFF2-40B4-BE49-F238E27FC236}">
+                <a16:creationId xmlns:a16="http://schemas.microsoft.com/office/drawing/2014/main" id="{E4B24557-0ACD-5B41-9409-91BD3BE2A412}"/>
+              </a:ext>
+            </a:extLst>
+          </p:cNvPr>
+          <p:cNvSpPr>
+            <a:spLocks noGrp="1"/>
+          </p:cNvSpPr>
+          <p:nvPr>
+            <p:ph type="dt" sz="half" idx="10"/>
+          </p:nvPr>
+        </p:nvSpPr>
+        <p:spPr/>
+        <p:txBody>
+          <a:bodyPr/>
+          <a:lstStyle/>
+          <a:p>
+            <a:pPr>
+              <a:defRPr/>
+            </a:pPr>
+            <a:r>
+              <a:rPr lang="en-US" dirty="0"/>
+              <a:t>WWW'2021  Tutorial</a:t>
+            </a:r>
+          </a:p>
+        </p:txBody>
+      </p:sp>
+      <p:sp>
+        <p:nvSpPr>
+          <p:cNvPr id="5" name="Footer Placeholder 4">
+            <a:extLst>
+              <a:ext uri="{FF2B5EF4-FFF2-40B4-BE49-F238E27FC236}">
+                <a16:creationId xmlns:a16="http://schemas.microsoft.com/office/drawing/2014/main" id="{B2DBD683-4CC7-8F4F-97C0-75C45EBA1C66}"/>
+              </a:ext>
+            </a:extLst>
+          </p:cNvPr>
+          <p:cNvSpPr>
+            <a:spLocks noGrp="1"/>
+          </p:cNvSpPr>
+          <p:nvPr>
+            <p:ph type="ftr" sz="quarter" idx="11"/>
+          </p:nvPr>
+        </p:nvSpPr>
+        <p:spPr/>
+        <p:txBody>
+          <a:bodyPr/>
+          <a:lstStyle/>
+          <a:p>
+            <a:pPr>
+              <a:defRPr/>
+            </a:pPr>
+            <a:r>
+              <a:rPr lang="en-US"/>
+              <a:t>S. Fakhraei and  C. Faloutsos</a:t>
+            </a:r>
+          </a:p>
+        </p:txBody>
+      </p:sp>
+      <p:sp>
+        <p:nvSpPr>
+          <p:cNvPr id="6" name="Slide Number Placeholder 5">
+            <a:extLst>
+              <a:ext uri="{FF2B5EF4-FFF2-40B4-BE49-F238E27FC236}">
+                <a16:creationId xmlns:a16="http://schemas.microsoft.com/office/drawing/2014/main" id="{67C115BD-69E7-6348-814E-C851F3955C7C}"/>
+              </a:ext>
+            </a:extLst>
+          </p:cNvPr>
+          <p:cNvSpPr>
+            <a:spLocks noGrp="1"/>
+          </p:cNvSpPr>
+          <p:nvPr>
+            <p:ph type="sldNum" sz="quarter" idx="12"/>
+          </p:nvPr>
+        </p:nvSpPr>
+        <p:spPr/>
+        <p:txBody>
+          <a:bodyPr/>
+          <a:lstStyle/>
+          <a:p>
+            <a:pPr>
+              <a:defRPr/>
+            </a:pPr>
+            <a:fld id="{F9B43987-7F84-BB4A-8611-CDF75B6A737D}" type="slidenum">
+              <a:rPr lang="en-US" smtClean="0"/>
+              <a:pPr>
+                <a:defRPr/>
+              </a:pPr>
+              <a:t>17</a:t>
+            </a:fld>
+            <a:endParaRPr lang="en-US"/>
+          </a:p>
+        </p:txBody>
+      </p:sp>
+      <p:pic>
+        <p:nvPicPr>
+          <p:cNvPr id="9" name="Picture 8">
+            <a:extLst>
+              <a:ext uri="{FF2B5EF4-FFF2-40B4-BE49-F238E27FC236}">
+                <a16:creationId xmlns:a16="http://schemas.microsoft.com/office/drawing/2014/main" id="{BC404E6B-12D2-0E48-B0C4-910DA2DB02A2}"/>
+              </a:ext>
+            </a:extLst>
+          </p:cNvPr>
+          <p:cNvPicPr>
+            <a:picLocks noChangeAspect="1"/>
+          </p:cNvPicPr>
+          <p:nvPr/>
+        </p:nvPicPr>
+        <p:blipFill>
+          <a:blip r:embed="rId2" cstate="screen">
+            <a:extLst>
+              <a:ext uri="{28A0092B-C50C-407E-A947-70E740481C1C}">
+                <a14:useLocalDpi xmlns:a14="http://schemas.microsoft.com/office/drawing/2010/main"/>
+              </a:ext>
+            </a:extLst>
+          </a:blip>
+          <a:stretch>
+            <a:fillRect/>
+          </a:stretch>
+        </p:blipFill>
+        <p:spPr>
+          <a:xfrm>
+            <a:off x="573656" y="3571197"/>
+            <a:ext cx="2292836" cy="1715864"/>
+          </a:xfrm>
+          <a:prstGeom prst="rect">
+            <a:avLst/>
+          </a:prstGeom>
+        </p:spPr>
+      </p:pic>
+    </p:spTree>
+    <p:extLst>
+      <p:ext uri="{BB962C8B-B14F-4D97-AF65-F5344CB8AC3E}">
+        <p14:creationId xmlns:p14="http://schemas.microsoft.com/office/powerpoint/2010/main" val="2469548725"/>
+      </p:ext>
+    </p:extLst>
+  </p:cSld>
+  <p:clrMapOvr>
+    <a:masterClrMapping/>
+  </p:clrMapOvr>
+  <p:transition/>
+</p:sld>
+</file>
+
+<file path=ppt/slides/slide18.xml><?xml version="1.0" encoding="utf-8"?>
+<p:sld xmlns:a="http://schemas.openxmlformats.org/drawingml/2006/main" xmlns:r="http://schemas.openxmlformats.org/officeDocument/2006/relationships" xmlns:p="http://schemas.openxmlformats.org/presentationml/2006/main">
+  <p:cSld>
+    <p:spTree>
+      <p:nvGrpSpPr>
+        <p:cNvPr id="1" name=""/>
+        <p:cNvGrpSpPr/>
+        <p:nvPr/>
+      </p:nvGrpSpPr>
+      <p:grpSpPr>
+        <a:xfrm>
+          <a:off x="0" y="0"/>
+          <a:ext cx="0" cy="0"/>
+          <a:chOff x="0" y="0"/>
+          <a:chExt cx="0" cy="0"/>
+        </a:xfrm>
+      </p:grpSpPr>
+      <p:sp>
+        <p:nvSpPr>
+          <p:cNvPr id="2" name="Title 1">
+            <a:extLst>
+              <a:ext uri="{FF2B5EF4-FFF2-40B4-BE49-F238E27FC236}">
+                <a16:creationId xmlns:a16="http://schemas.microsoft.com/office/drawing/2014/main" id="{DAF0DF69-948A-8149-A676-8D6EA2D37C94}"/>
+              </a:ext>
+            </a:extLst>
+          </p:cNvPr>
+          <p:cNvSpPr>
+            <a:spLocks noGrp="1"/>
+          </p:cNvSpPr>
+          <p:nvPr>
+            <p:ph type="title"/>
+          </p:nvPr>
+        </p:nvSpPr>
+        <p:spPr/>
+        <p:txBody>
+          <a:bodyPr/>
+          <a:lstStyle/>
+          <a:p>
+            <a:r>
+              <a:rPr lang="en-US" dirty="0"/>
+              <a:t>P1.3.1. Outliers</a:t>
+            </a:r>
+          </a:p>
+        </p:txBody>
+      </p:sp>
+      <p:sp>
+        <p:nvSpPr>
+          <p:cNvPr id="3" name="Content Placeholder 2">
+            <a:extLst>
+              <a:ext uri="{FF2B5EF4-FFF2-40B4-BE49-F238E27FC236}">
+                <a16:creationId xmlns:a16="http://schemas.microsoft.com/office/drawing/2014/main" id="{AF6D0B97-71DF-3147-9690-794FC3B99AF9}"/>
+              </a:ext>
+            </a:extLst>
+          </p:cNvPr>
+          <p:cNvSpPr>
+            <a:spLocks noGrp="1"/>
+          </p:cNvSpPr>
+          <p:nvPr>
+            <p:ph idx="1"/>
+          </p:nvPr>
+        </p:nvSpPr>
+        <p:spPr/>
+        <p:txBody>
+          <a:bodyPr/>
+          <a:lstStyle/>
+          <a:p>
+            <a:r>
+              <a:rPr lang="en-US" dirty="0"/>
+              <a:t>Which node(s) are strange?</a:t>
+            </a:r>
+          </a:p>
+          <a:p>
+            <a:pPr lvl="1"/>
+            <a:r>
+              <a:rPr lang="en-US" dirty="0"/>
+              <a:t>Q: How to start?</a:t>
+            </a:r>
+          </a:p>
+          <a:p>
+            <a:pPr lvl="1"/>
+            <a:r>
+              <a:rPr lang="en-US" dirty="0"/>
+              <a:t>A1: egonet; and extract node features</a:t>
+            </a:r>
+          </a:p>
+        </p:txBody>
+      </p:sp>
+      <p:sp>
+        <p:nvSpPr>
+          <p:cNvPr id="4" name="Date Placeholder 3">
+            <a:extLst>
+              <a:ext uri="{FF2B5EF4-FFF2-40B4-BE49-F238E27FC236}">
+                <a16:creationId xmlns:a16="http://schemas.microsoft.com/office/drawing/2014/main" id="{E4B24557-0ACD-5B41-9409-91BD3BE2A412}"/>
+              </a:ext>
+            </a:extLst>
+          </p:cNvPr>
+          <p:cNvSpPr>
+            <a:spLocks noGrp="1"/>
+          </p:cNvSpPr>
+          <p:nvPr>
+            <p:ph type="dt" sz="half" idx="10"/>
+          </p:nvPr>
+        </p:nvSpPr>
+        <p:spPr/>
+        <p:txBody>
+          <a:bodyPr/>
+          <a:lstStyle/>
+          <a:p>
+            <a:pPr>
+              <a:defRPr/>
+            </a:pPr>
+            <a:r>
+              <a:rPr lang="en-US" dirty="0"/>
+              <a:t>WWW'2021  Tutorial</a:t>
+            </a:r>
+          </a:p>
+        </p:txBody>
+      </p:sp>
+      <p:sp>
+        <p:nvSpPr>
+          <p:cNvPr id="5" name="Footer Placeholder 4">
+            <a:extLst>
+              <a:ext uri="{FF2B5EF4-FFF2-40B4-BE49-F238E27FC236}">
+                <a16:creationId xmlns:a16="http://schemas.microsoft.com/office/drawing/2014/main" id="{B2DBD683-4CC7-8F4F-97C0-75C45EBA1C66}"/>
+              </a:ext>
+            </a:extLst>
+          </p:cNvPr>
+          <p:cNvSpPr>
+            <a:spLocks noGrp="1"/>
+          </p:cNvSpPr>
+          <p:nvPr>
+            <p:ph type="ftr" sz="quarter" idx="11"/>
+          </p:nvPr>
+        </p:nvSpPr>
+        <p:spPr/>
+        <p:txBody>
+          <a:bodyPr/>
+          <a:lstStyle/>
+          <a:p>
+            <a:pPr>
+              <a:defRPr/>
+            </a:pPr>
+            <a:r>
+              <a:rPr lang="en-US"/>
+              <a:t>S. Fakhraei and  C. Faloutsos</a:t>
+            </a:r>
+          </a:p>
+        </p:txBody>
+      </p:sp>
+      <p:sp>
+        <p:nvSpPr>
+          <p:cNvPr id="6" name="Slide Number Placeholder 5">
+            <a:extLst>
+              <a:ext uri="{FF2B5EF4-FFF2-40B4-BE49-F238E27FC236}">
+                <a16:creationId xmlns:a16="http://schemas.microsoft.com/office/drawing/2014/main" id="{67C115BD-69E7-6348-814E-C851F3955C7C}"/>
+              </a:ext>
+            </a:extLst>
+          </p:cNvPr>
+          <p:cNvSpPr>
+            <a:spLocks noGrp="1"/>
+          </p:cNvSpPr>
+          <p:nvPr>
+            <p:ph type="sldNum" sz="quarter" idx="12"/>
+          </p:nvPr>
+        </p:nvSpPr>
+        <p:spPr/>
+        <p:txBody>
+          <a:bodyPr/>
+          <a:lstStyle/>
+          <a:p>
+            <a:pPr>
+              <a:defRPr/>
+            </a:pPr>
+            <a:fld id="{F9B43987-7F84-BB4A-8611-CDF75B6A737D}" type="slidenum">
+              <a:rPr lang="en-US" smtClean="0"/>
+              <a:pPr>
+                <a:defRPr/>
+              </a:pPr>
+              <a:t>18</a:t>
+            </a:fld>
+            <a:endParaRPr lang="en-US"/>
+          </a:p>
+        </p:txBody>
+      </p:sp>
+      <p:pic>
+        <p:nvPicPr>
+          <p:cNvPr id="8" name="Picture 7">
+            <a:extLst>
+              <a:ext uri="{FF2B5EF4-FFF2-40B4-BE49-F238E27FC236}">
+                <a16:creationId xmlns:a16="http://schemas.microsoft.com/office/drawing/2014/main" id="{EFE2B29E-80CF-2F48-AC14-B5251FDF98CD}"/>
+              </a:ext>
+            </a:extLst>
+          </p:cNvPr>
+          <p:cNvPicPr>
+            <a:picLocks noChangeAspect="1"/>
+          </p:cNvPicPr>
+          <p:nvPr/>
+        </p:nvPicPr>
+        <p:blipFill>
+          <a:blip r:embed="rId2" cstate="screen">
+            <a:extLst>
+              <a:ext uri="{28A0092B-C50C-407E-A947-70E740481C1C}">
+                <a14:useLocalDpi xmlns:a14="http://schemas.microsoft.com/office/drawing/2010/main"/>
+              </a:ext>
+            </a:extLst>
+          </a:blip>
+          <a:stretch>
+            <a:fillRect/>
+          </a:stretch>
+        </p:blipFill>
+        <p:spPr>
+          <a:xfrm>
+            <a:off x="573656" y="3571197"/>
+            <a:ext cx="2292836" cy="1715864"/>
+          </a:xfrm>
+          <a:prstGeom prst="rect">
+            <a:avLst/>
+          </a:prstGeom>
+        </p:spPr>
+      </p:pic>
+    </p:spTree>
+    <p:extLst>
+      <p:ext uri="{BB962C8B-B14F-4D97-AF65-F5344CB8AC3E}">
+        <p14:creationId xmlns:p14="http://schemas.microsoft.com/office/powerpoint/2010/main" val="684378947"/>
+      </p:ext>
+    </p:extLst>
+  </p:cSld>
+  <p:clrMapOvr>
+    <a:masterClrMapping/>
+  </p:clrMapOvr>
+  <p:transition/>
+</p:sld>
+</file>
+
+<file path=ppt/slides/slide19.xml><?xml version="1.0" encoding="utf-8"?>
+<p:sld xmlns:a="http://schemas.openxmlformats.org/drawingml/2006/main" xmlns:r="http://schemas.openxmlformats.org/officeDocument/2006/relationships" xmlns:p="http://schemas.openxmlformats.org/presentationml/2006/main">
+  <p:cSld>
+    <p:spTree>
+      <p:nvGrpSpPr>
+        <p:cNvPr id="1" name=""/>
+        <p:cNvGrpSpPr/>
+        <p:nvPr/>
+      </p:nvGrpSpPr>
+      <p:grpSpPr>
+        <a:xfrm>
+          <a:off x="0" y="0"/>
+          <a:ext cx="0" cy="0"/>
+          <a:chOff x="0" y="0"/>
+          <a:chExt cx="0" cy="0"/>
+        </a:xfrm>
+      </p:grpSpPr>
+      <p:sp>
+        <p:nvSpPr>
+          <p:cNvPr id="22530" name="Footer Placeholder 4"/>
+          <p:cNvSpPr>
+            <a:spLocks noGrp="1"/>
+          </p:cNvSpPr>
+          <p:nvPr>
+            <p:ph type="ftr" sz="quarter" idx="11"/>
+          </p:nvPr>
+        </p:nvSpPr>
+        <p:spPr>
+          <a:noFill/>
+        </p:spPr>
+        <p:txBody>
+          <a:bodyPr/>
+          <a:lstStyle/>
+          <a:p>
+            <a:r>
+              <a:rPr lang="fi-FI"/>
+              <a:t>L. Akoglu, M. McGlohon, C. Faloutsos</a:t>
+            </a:r>
+            <a:endParaRPr lang="en-US"/>
+          </a:p>
+        </p:txBody>
+      </p:sp>
+      <p:sp>
+        <p:nvSpPr>
+          <p:cNvPr id="22531" name="Slide Number Placeholder 5"/>
+          <p:cNvSpPr>
+            <a:spLocks noGrp="1"/>
+          </p:cNvSpPr>
+          <p:nvPr>
+            <p:ph type="sldNum" sz="quarter" idx="12"/>
+          </p:nvPr>
+        </p:nvSpPr>
+        <p:spPr>
+          <a:noFill/>
+        </p:spPr>
+        <p:txBody>
+          <a:bodyPr/>
+          <a:lstStyle/>
+          <a:p>
+            <a:fld id="{CA9CF61F-D18B-5946-9F36-FA97BCA712E8}" type="slidenum">
+              <a:rPr lang="en-US" smtClean="0"/>
+              <a:pPr/>
+              <a:t>19</a:t>
             </a:fld>
             <a:endParaRPr lang="en-US"/>
           </a:p>
@@ -9511,14 +9330,14 @@
           </a:ln>
           <a:extLst>
             <a:ext uri="{909E8E84-426E-40dd-AFC4-6F175D3DCCD1}">
-              <a14:hiddenFill xmlns:a14="http://schemas.microsoft.com/office/drawing/2010/main" xmlns="">
+              <a14:hiddenFill xmlns="" xmlns:a14="http://schemas.microsoft.com/office/drawing/2010/main">
                 <a:solidFill>
                   <a:srgbClr val="FFFFFF"/>
                 </a:solidFill>
               </a14:hiddenFill>
             </a:ext>
             <a:ext uri="{91240B29-F687-4f45-9708-019B960494DF}">
-              <a14:hiddenLine xmlns:a14="http://schemas.microsoft.com/office/drawing/2010/main" xmlns="" w="9525">
+              <a14:hiddenLine xmlns="" xmlns:a14="http://schemas.microsoft.com/office/drawing/2010/main" w="9525">
                 <a:solidFill>
                   <a:srgbClr val="000000"/>
                 </a:solidFill>
@@ -9786,21 +9605,135 @@
       </p:grpSpPr>
       <p:sp>
         <p:nvSpPr>
-          <p:cNvPr id="22530" name="Footer Placeholder 4"/>
+          <p:cNvPr id="2" name="Title 1">
+            <a:extLst>
+              <a:ext uri="{FF2B5EF4-FFF2-40B4-BE49-F238E27FC236}">
+                <a16:creationId xmlns:a16="http://schemas.microsoft.com/office/drawing/2014/main" id="{52729D5A-C24D-0241-9EC8-1083802393AB}"/>
+              </a:ext>
+            </a:extLst>
+          </p:cNvPr>
           <p:cNvSpPr>
             <a:spLocks noGrp="1"/>
           </p:cNvSpPr>
           <p:nvPr>
+            <p:ph type="title"/>
+          </p:nvPr>
+        </p:nvSpPr>
+        <p:spPr/>
+        <p:txBody>
+          <a:bodyPr/>
+          <a:lstStyle/>
+          <a:p>
+            <a:endParaRPr lang="en-US" dirty="0"/>
+          </a:p>
+        </p:txBody>
+      </p:sp>
+      <p:sp>
+        <p:nvSpPr>
+          <p:cNvPr id="3" name="Content Placeholder 2">
+            <a:extLst>
+              <a:ext uri="{FF2B5EF4-FFF2-40B4-BE49-F238E27FC236}">
+                <a16:creationId xmlns:a16="http://schemas.microsoft.com/office/drawing/2014/main" id="{91EFB7D1-9146-A549-AFD1-53F570958FF2}"/>
+              </a:ext>
+            </a:extLst>
+          </p:cNvPr>
+          <p:cNvSpPr>
+            <a:spLocks noGrp="1"/>
+          </p:cNvSpPr>
+          <p:nvPr>
+            <p:ph idx="1"/>
+          </p:nvPr>
+        </p:nvSpPr>
+        <p:spPr/>
+        <p:txBody>
+          <a:bodyPr/>
+          <a:lstStyle/>
+          <a:p>
+            <a:r>
+              <a:rPr lang="en-US" dirty="0"/>
+              <a:t>Q1) Definition of anomaly?</a:t>
+            </a:r>
+          </a:p>
+          <a:p>
+            <a:pPr lvl="1"/>
+            <a:r>
+              <a:rPr lang="en-US" dirty="0"/>
+              <a:t>A) “… strange/remote/unlikely, wrt our biases/priors”</a:t>
+            </a:r>
+          </a:p>
+          <a:p>
+            <a:r>
+              <a:rPr lang="en-US" dirty="0"/>
+              <a:t>Q2) can we automate it?</a:t>
+            </a:r>
+          </a:p>
+          <a:p>
+            <a:pPr lvl="1"/>
+            <a:r>
+              <a:rPr lang="en-US" dirty="0"/>
+              <a:t>A) no, but better models/biases/priors, help</a:t>
+            </a:r>
+          </a:p>
+          <a:p>
+            <a:endParaRPr lang="en-US" dirty="0"/>
+          </a:p>
+        </p:txBody>
+      </p:sp>
+      <p:sp>
+        <p:nvSpPr>
+          <p:cNvPr id="4" name="Date Placeholder 3">
+            <a:extLst>
+              <a:ext uri="{FF2B5EF4-FFF2-40B4-BE49-F238E27FC236}">
+                <a16:creationId xmlns:a16="http://schemas.microsoft.com/office/drawing/2014/main" id="{C0DC2081-D347-504E-9134-C57D5AF1AA7F}"/>
+              </a:ext>
+            </a:extLst>
+          </p:cNvPr>
+          <p:cNvSpPr>
+            <a:spLocks noGrp="1"/>
+          </p:cNvSpPr>
+          <p:nvPr>
+            <p:ph type="dt" sz="half" idx="10"/>
+          </p:nvPr>
+        </p:nvSpPr>
+        <p:spPr/>
+        <p:txBody>
+          <a:bodyPr/>
+          <a:lstStyle/>
+          <a:p>
+            <a:pPr>
+              <a:defRPr/>
+            </a:pPr>
+            <a:r>
+              <a:rPr lang="en-US"/>
+              <a:t>PAKDD 2021</a:t>
+            </a:r>
+          </a:p>
+        </p:txBody>
+      </p:sp>
+      <p:sp>
+        <p:nvSpPr>
+          <p:cNvPr id="5" name="Footer Placeholder 4">
+            <a:extLst>
+              <a:ext uri="{FF2B5EF4-FFF2-40B4-BE49-F238E27FC236}">
+                <a16:creationId xmlns:a16="http://schemas.microsoft.com/office/drawing/2014/main" id="{96FB4C7F-0868-014A-9CA6-ED869B9232C7}"/>
+              </a:ext>
+            </a:extLst>
+          </p:cNvPr>
+          <p:cNvSpPr>
+            <a:spLocks noGrp="1"/>
+          </p:cNvSpPr>
+          <p:nvPr>
             <p:ph type="ftr" sz="quarter" idx="11"/>
           </p:nvPr>
         </p:nvSpPr>
-        <p:spPr>
-          <a:noFill/>
-        </p:spPr>
-        <p:txBody>
-          <a:bodyPr/>
-          <a:lstStyle/>
-          <a:p>
+        <p:spPr/>
+        <p:txBody>
+          <a:bodyPr/>
+          <a:lstStyle/>
+          <a:p>
+            <a:pPr>
+              <a:defRPr/>
+            </a:pPr>
             <a:r>
               <a:rPr lang="fi-FI"/>
               <a:t>L. Akoglu, M. McGlohon, C. Faloutsos</a:t>
@@ -9811,7 +9744,13 @@
       </p:sp>
       <p:sp>
         <p:nvSpPr>
-          <p:cNvPr id="22531" name="Slide Number Placeholder 5"/>
+          <p:cNvPr id="6" name="Slide Number Placeholder 5">
+            <a:extLst>
+              <a:ext uri="{FF2B5EF4-FFF2-40B4-BE49-F238E27FC236}">
+                <a16:creationId xmlns:a16="http://schemas.microsoft.com/office/drawing/2014/main" id="{D347F471-BAD4-8A40-B5A2-0BC63D11E51F}"/>
+              </a:ext>
+            </a:extLst>
+          </p:cNvPr>
           <p:cNvSpPr>
             <a:spLocks noGrp="1"/>
           </p:cNvSpPr>
@@ -9819,215 +9758,31 @@
             <p:ph type="sldNum" sz="quarter" idx="12"/>
           </p:nvPr>
         </p:nvSpPr>
-        <p:spPr>
-          <a:noFill/>
-        </p:spPr>
-        <p:txBody>
-          <a:bodyPr/>
-          <a:lstStyle/>
-          <a:p>
-            <a:fld id="{CA9CF61F-D18B-5946-9F36-FA97BCA712E8}" type="slidenum">
+        <p:spPr/>
+        <p:txBody>
+          <a:bodyPr/>
+          <a:lstStyle/>
+          <a:p>
+            <a:pPr>
+              <a:defRPr/>
+            </a:pPr>
+            <a:fld id="{F9B43987-7F84-BB4A-8611-CDF75B6A737D}" type="slidenum">
               <a:rPr lang="en-US" smtClean="0"/>
-              <a:pPr/>
+              <a:pPr>
+                <a:defRPr/>
+              </a:pPr>
               <a:t>3</a:t>
             </a:fld>
             <a:endParaRPr lang="en-US"/>
           </a:p>
         </p:txBody>
       </p:sp>
-      <p:sp>
-        <p:nvSpPr>
-          <p:cNvPr id="22532" name="Rectangle 2"/>
-          <p:cNvSpPr>
-            <a:spLocks noGrp="1" noChangeArrowheads="1"/>
-          </p:cNvSpPr>
-          <p:nvPr>
-            <p:ph type="title"/>
-          </p:nvPr>
-        </p:nvSpPr>
-        <p:spPr/>
-        <p:txBody>
-          <a:bodyPr/>
-          <a:lstStyle/>
-          <a:p>
-            <a:r>
-              <a:rPr lang="en-US" sz="3600" dirty="0">
-                <a:ea typeface="ＭＳ Ｐゴシック" charset="-128"/>
-                <a:cs typeface="ＭＳ Ｐゴシック" charset="-128"/>
-              </a:rPr>
-              <a:t>Roadmap</a:t>
-            </a:r>
-          </a:p>
-        </p:txBody>
-      </p:sp>
-      <p:sp>
-        <p:nvSpPr>
-          <p:cNvPr id="22533" name="Rectangle 3"/>
-          <p:cNvSpPr>
-            <a:spLocks noGrp="1" noChangeArrowheads="1"/>
-          </p:cNvSpPr>
-          <p:nvPr>
-            <p:ph type="body" idx="1"/>
-          </p:nvPr>
-        </p:nvSpPr>
-        <p:spPr/>
-        <p:txBody>
-          <a:bodyPr/>
-          <a:lstStyle/>
-          <a:p>
-            <a:r>
-              <a:rPr lang="en-US" dirty="0">
-                <a:ea typeface="ＭＳ Ｐゴシック" charset="-128"/>
-                <a:cs typeface="ＭＳ Ｐゴシック" charset="-128"/>
-              </a:rPr>
-              <a:t>Introduction – Motivation</a:t>
-            </a:r>
-          </a:p>
-          <a:p>
-            <a:pPr lvl="1"/>
-            <a:r>
-              <a:rPr lang="en-US" dirty="0">
-                <a:ea typeface="ＭＳ Ｐゴシック" charset="-128"/>
-                <a:cs typeface="ＭＳ Ｐゴシック" charset="-128"/>
-              </a:rPr>
-              <a:t>Why study anomalies?</a:t>
-            </a:r>
-          </a:p>
-          <a:p>
-            <a:r>
-              <a:rPr lang="en-US" dirty="0">
-                <a:ea typeface="ＭＳ Ｐゴシック" charset="-128"/>
-                <a:cs typeface="ＭＳ Ｐゴシック" charset="-128"/>
-              </a:rPr>
-              <a:t>Past</a:t>
-            </a:r>
-          </a:p>
-          <a:p>
-            <a:r>
-              <a:rPr lang="en-US" dirty="0">
-                <a:ea typeface="ＭＳ Ｐゴシック" charset="-128"/>
-                <a:cs typeface="ＭＳ Ｐゴシック" charset="-128"/>
-              </a:rPr>
-              <a:t>Present</a:t>
-            </a:r>
-          </a:p>
-          <a:p>
-            <a:r>
-              <a:rPr lang="en-US" dirty="0">
-                <a:ea typeface="ＭＳ Ｐゴシック" charset="-128"/>
-                <a:cs typeface="ＭＳ Ｐゴシック" charset="-128"/>
-              </a:rPr>
-              <a:t>Future</a:t>
-            </a:r>
-          </a:p>
-        </p:txBody>
-      </p:sp>
-      <p:sp>
-        <p:nvSpPr>
-          <p:cNvPr id="22534" name="AutoShape 4"/>
-          <p:cNvSpPr>
-            <a:spLocks noChangeArrowheads="1"/>
-          </p:cNvSpPr>
-          <p:nvPr/>
-        </p:nvSpPr>
-        <p:spPr bwMode="auto">
-          <a:xfrm>
-            <a:off x="201613" y="1641475"/>
-            <a:ext cx="377825" cy="290513"/>
-          </a:xfrm>
-          <a:prstGeom prst="rightArrow">
-            <a:avLst>
-              <a:gd name="adj1" fmla="val 50000"/>
-              <a:gd name="adj2" fmla="val 32514"/>
-            </a:avLst>
-          </a:prstGeom>
-          <a:solidFill>
-            <a:schemeClr val="tx2"/>
-          </a:solidFill>
-          <a:ln w="28575">
-            <a:solidFill>
-              <a:schemeClr val="tx2"/>
-            </a:solidFill>
-            <a:miter lim="800000"/>
-            <a:headEnd type="none" w="sm" len="sm"/>
-            <a:tailEnd/>
-          </a:ln>
-        </p:spPr>
-        <p:txBody>
-          <a:bodyPr wrap="none" anchor="ctr">
-            <a:prstTxWarp prst="textNoShape">
-              <a:avLst/>
-            </a:prstTxWarp>
-          </a:bodyPr>
-          <a:lstStyle/>
-          <a:p>
-            <a:endParaRPr lang="en-US"/>
-          </a:p>
-        </p:txBody>
-      </p:sp>
-      <p:sp>
-        <p:nvSpPr>
-          <p:cNvPr id="22535" name="Date Placeholder 7"/>
-          <p:cNvSpPr>
-            <a:spLocks noGrp="1"/>
-          </p:cNvSpPr>
-          <p:nvPr>
-            <p:ph type="dt" sz="quarter" idx="10"/>
-          </p:nvPr>
-        </p:nvSpPr>
-        <p:spPr>
-          <a:noFill/>
-        </p:spPr>
-        <p:txBody>
-          <a:bodyPr/>
-          <a:lstStyle/>
-          <a:p>
-            <a:r>
-              <a:rPr lang="en-US"/>
-              <a:t>PAKDD 2021</a:t>
-            </a:r>
-          </a:p>
-        </p:txBody>
-      </p:sp>
-      <p:pic>
-        <p:nvPicPr>
-          <p:cNvPr id="8" name="Picture 7" descr="energygen-roads.jpg"/>
-          <p:cNvPicPr>
-            <a:picLocks noChangeAspect="1"/>
-          </p:cNvPicPr>
-          <p:nvPr/>
-        </p:nvPicPr>
-        <p:blipFill>
-          <a:blip r:embed="rId3" cstate="screen">
-            <a:extLst>
-              <a:ext uri="{28A0092B-C50C-407E-A947-70E740481C1C}">
-                <a14:useLocalDpi xmlns:a14="http://schemas.microsoft.com/office/drawing/2010/main"/>
-              </a:ext>
-            </a:extLst>
-          </a:blip>
-          <a:srcRect/>
-          <a:stretch>
-            <a:fillRect/>
-          </a:stretch>
-        </p:blipFill>
-        <p:spPr bwMode="auto">
-          <a:xfrm>
-            <a:off x="6267450" y="1371600"/>
-            <a:ext cx="2457450" cy="1212850"/>
-          </a:xfrm>
-          <a:prstGeom prst="rect">
-            <a:avLst/>
-          </a:prstGeom>
-          <a:noFill/>
-          <a:ln w="9525">
-            <a:noFill/>
-            <a:miter lim="800000"/>
-            <a:headEnd/>
-            <a:tailEnd/>
-          </a:ln>
-        </p:spPr>
-      </p:pic>
     </p:spTree>
+    <p:extLst>
+      <p:ext uri="{BB962C8B-B14F-4D97-AF65-F5344CB8AC3E}">
+        <p14:creationId xmlns:p14="http://schemas.microsoft.com/office/powerpoint/2010/main" val="1355618789"/>
+      </p:ext>
+    </p:extLst>
   </p:cSld>
   <p:clrMapOvr>
     <a:masterClrMapping/>
@@ -10058,7 +9813,7 @@
           <p:cNvPr id="2" name="Title 1">
             <a:extLst>
               <a:ext uri="{FF2B5EF4-FFF2-40B4-BE49-F238E27FC236}">
-                <a16:creationId xmlns:a16="http://schemas.microsoft.com/office/drawing/2014/main" id="{73B7C5C5-1DB8-F74C-B24F-5BD97BE15399}"/>
+                <a16:creationId xmlns:a16="http://schemas.microsoft.com/office/drawing/2014/main" id="{540B0215-4E57-AC49-BBF2-049D9965E57A}"/>
               </a:ext>
             </a:extLst>
           </p:cNvPr>
@@ -10074,7 +9829,10 @@
           <a:bodyPr/>
           <a:lstStyle/>
           <a:p>
-            <a:endParaRPr lang="en-US"/>
+            <a:r>
+              <a:rPr lang="en-US" dirty="0"/>
+              <a:t>Q1) definition</a:t>
+            </a:r>
           </a:p>
         </p:txBody>
       </p:sp>
@@ -10083,7 +9841,7 @@
           <p:cNvPr id="3" name="Content Placeholder 2">
             <a:extLst>
               <a:ext uri="{FF2B5EF4-FFF2-40B4-BE49-F238E27FC236}">
-                <a16:creationId xmlns:a16="http://schemas.microsoft.com/office/drawing/2014/main" id="{0AC8C7D2-D407-E845-B46E-7AE467BD3C31}"/>
+                <a16:creationId xmlns:a16="http://schemas.microsoft.com/office/drawing/2014/main" id="{38399C24-119E-B646-BC9C-1C7988DF4724}"/>
               </a:ext>
             </a:extLst>
           </p:cNvPr>
@@ -10099,7 +9857,37 @@
           <a:bodyPr/>
           <a:lstStyle/>
           <a:p>
-            <a:endParaRPr lang="en-US"/>
+            <a:pPr marL="0" indent="0">
+              <a:buNone/>
+            </a:pPr>
+            <a:r>
+              <a:rPr lang="en-US" dirty="0"/>
+              <a:t>‘deviation from the common rule’</a:t>
+            </a:r>
+          </a:p>
+          <a:p>
+            <a:pPr marL="0" indent="0">
+              <a:buNone/>
+            </a:pPr>
+            <a:r>
+              <a:rPr lang="en-US" sz="2400" dirty="0">
+                <a:hlinkClick r:id="rId2"/>
+              </a:rPr>
+              <a:t>https://</a:t>
+            </a:r>
+            <a:r>
+              <a:rPr lang="en-US" sz="2400" dirty="0" err="1">
+                <a:hlinkClick r:id="rId2"/>
+              </a:rPr>
+              <a:t>www.merriam-webster.com</a:t>
+            </a:r>
+            <a:r>
+              <a:rPr lang="en-US" sz="2400" dirty="0">
+                <a:hlinkClick r:id="rId2"/>
+              </a:rPr>
+              <a:t>/dictionary/anomaly</a:t>
+            </a:r>
+            <a:endParaRPr lang="en-US" sz="2400" dirty="0"/>
           </a:p>
         </p:txBody>
       </p:sp>
@@ -10108,7 +9896,7 @@
           <p:cNvPr id="4" name="Date Placeholder 3">
             <a:extLst>
               <a:ext uri="{FF2B5EF4-FFF2-40B4-BE49-F238E27FC236}">
-                <a16:creationId xmlns:a16="http://schemas.microsoft.com/office/drawing/2014/main" id="{86D77B73-DE0B-CE4C-B495-E89EFCE54422}"/>
+                <a16:creationId xmlns:a16="http://schemas.microsoft.com/office/drawing/2014/main" id="{62C017FA-0DFA-E44D-B6C1-0739D1661257}"/>
               </a:ext>
             </a:extLst>
           </p:cNvPr>
@@ -10139,7 +9927,7 @@
           <p:cNvPr id="5" name="Footer Placeholder 4">
             <a:extLst>
               <a:ext uri="{FF2B5EF4-FFF2-40B4-BE49-F238E27FC236}">
-                <a16:creationId xmlns:a16="http://schemas.microsoft.com/office/drawing/2014/main" id="{99BBAF31-59DE-B24B-A8EB-85E50ECF0F96}"/>
+                <a16:creationId xmlns:a16="http://schemas.microsoft.com/office/drawing/2014/main" id="{9AD9F948-0593-B94B-B4F1-6D24DA7653DA}"/>
               </a:ext>
             </a:extLst>
           </p:cNvPr>
@@ -10171,7 +9959,7 @@
           <p:cNvPr id="6" name="Slide Number Placeholder 5">
             <a:extLst>
               <a:ext uri="{FF2B5EF4-FFF2-40B4-BE49-F238E27FC236}">
-                <a16:creationId xmlns:a16="http://schemas.microsoft.com/office/drawing/2014/main" id="{FFF1C959-FDC1-964E-A40E-B9241F8C8C86}"/>
+                <a16:creationId xmlns:a16="http://schemas.microsoft.com/office/drawing/2014/main" id="{F72C9912-8DA4-1141-9386-E74EBE44F78B}"/>
               </a:ext>
             </a:extLst>
           </p:cNvPr>
@@ -10204,7 +9992,7 @@
     </p:spTree>
     <p:extLst>
       <p:ext uri="{BB962C8B-B14F-4D97-AF65-F5344CB8AC3E}">
-        <p14:creationId xmlns:p14="http://schemas.microsoft.com/office/powerpoint/2010/main" val="1645652329"/>
+        <p14:creationId xmlns:p14="http://schemas.microsoft.com/office/powerpoint/2010/main" val="869446707"/>
       </p:ext>
     </p:extLst>
   </p:cSld>
@@ -10237,7 +10025,7 @@
           <p:cNvPr id="2" name="Title 1">
             <a:extLst>
               <a:ext uri="{FF2B5EF4-FFF2-40B4-BE49-F238E27FC236}">
-                <a16:creationId xmlns:a16="http://schemas.microsoft.com/office/drawing/2014/main" id="{DAF0DF69-948A-8149-A676-8D6EA2D37C94}"/>
+                <a16:creationId xmlns:a16="http://schemas.microsoft.com/office/drawing/2014/main" id="{E01A42D3-F021-504A-AD0C-CEFF8556E1BE}"/>
               </a:ext>
             </a:extLst>
           </p:cNvPr>
@@ -10255,52 +10043,46 @@
           <a:p>
             <a:r>
               <a:rPr lang="en-US" dirty="0"/>
-              <a:t>P1.3.1. Outliers</a:t>
-            </a:r>
-          </a:p>
-        </p:txBody>
-      </p:sp>
-      <p:sp>
-        <p:nvSpPr>
-          <p:cNvPr id="3" name="Content Placeholder 2">
+              <a:t>Q1) definition</a:t>
+            </a:r>
+          </a:p>
+        </p:txBody>
+      </p:sp>
+      <p:pic>
+        <p:nvPicPr>
+          <p:cNvPr id="8" name="Content Placeholder 7" descr="Text&#10;&#10;Description automatically generated">
             <a:extLst>
               <a:ext uri="{FF2B5EF4-FFF2-40B4-BE49-F238E27FC236}">
-                <a16:creationId xmlns:a16="http://schemas.microsoft.com/office/drawing/2014/main" id="{AF6D0B97-71DF-3147-9690-794FC3B99AF9}"/>
+                <a16:creationId xmlns:a16="http://schemas.microsoft.com/office/drawing/2014/main" id="{4D859538-3B13-984C-BD84-5A3D14DBDBA2}"/>
               </a:ext>
             </a:extLst>
           </p:cNvPr>
-          <p:cNvSpPr>
-            <a:spLocks noGrp="1"/>
-          </p:cNvSpPr>
+          <p:cNvPicPr>
+            <a:picLocks noGrp="1" noChangeAspect="1"/>
+          </p:cNvPicPr>
           <p:nvPr>
             <p:ph idx="1"/>
           </p:nvPr>
-        </p:nvSpPr>
-        <p:spPr/>
-        <p:txBody>
-          <a:bodyPr/>
-          <a:lstStyle/>
-          <a:p>
-            <a:r>
-              <a:rPr lang="en-US" dirty="0"/>
-              <a:t>Which node(s) are strange?</a:t>
-            </a:r>
-          </a:p>
-          <a:p>
-            <a:pPr lvl="1"/>
-            <a:r>
-              <a:rPr lang="en-US" dirty="0"/>
-              <a:t>Q: How to start?</a:t>
-            </a:r>
-          </a:p>
-        </p:txBody>
-      </p:sp>
+        </p:nvPicPr>
+        <p:blipFill>
+          <a:blip r:embed="rId2"/>
+          <a:stretch>
+            <a:fillRect/>
+          </a:stretch>
+        </p:blipFill>
+        <p:spPr>
+          <a:xfrm>
+            <a:off x="1587500" y="2336800"/>
+            <a:ext cx="5969000" cy="2870200"/>
+          </a:xfrm>
+        </p:spPr>
+      </p:pic>
       <p:sp>
         <p:nvSpPr>
           <p:cNvPr id="4" name="Date Placeholder 3">
             <a:extLst>
               <a:ext uri="{FF2B5EF4-FFF2-40B4-BE49-F238E27FC236}">
-                <a16:creationId xmlns:a16="http://schemas.microsoft.com/office/drawing/2014/main" id="{E4B24557-0ACD-5B41-9409-91BD3BE2A412}"/>
+                <a16:creationId xmlns:a16="http://schemas.microsoft.com/office/drawing/2014/main" id="{43EB9C2E-66B4-7545-9210-39250A3A4DB2}"/>
               </a:ext>
             </a:extLst>
           </p:cNvPr>
@@ -10320,8 +10102,8 @@
               <a:defRPr/>
             </a:pPr>
             <a:r>
-              <a:rPr lang="en-US" dirty="0"/>
-              <a:t>WWW'2021  Tutorial</a:t>
+              <a:rPr lang="en-US"/>
+              <a:t>PAKDD 2021</a:t>
             </a:r>
           </a:p>
         </p:txBody>
@@ -10331,7 +10113,7 @@
           <p:cNvPr id="5" name="Footer Placeholder 4">
             <a:extLst>
               <a:ext uri="{FF2B5EF4-FFF2-40B4-BE49-F238E27FC236}">
-                <a16:creationId xmlns:a16="http://schemas.microsoft.com/office/drawing/2014/main" id="{B2DBD683-4CC7-8F4F-97C0-75C45EBA1C66}"/>
+                <a16:creationId xmlns:a16="http://schemas.microsoft.com/office/drawing/2014/main" id="{A041DBB9-5671-BF42-A0F7-B8737074E15C}"/>
               </a:ext>
             </a:extLst>
           </p:cNvPr>
@@ -10351,9 +10133,10 @@
               <a:defRPr/>
             </a:pPr>
             <a:r>
-              <a:rPr lang="en-US"/>
-              <a:t>S. Fakhraei and  C. Faloutsos</a:t>
-            </a:r>
+              <a:rPr lang="fi-FI"/>
+              <a:t>L. Akoglu, M. McGlohon, C. Faloutsos</a:t>
+            </a:r>
+            <a:endParaRPr lang="en-US"/>
           </a:p>
         </p:txBody>
       </p:sp>
@@ -10362,7 +10145,7 @@
           <p:cNvPr id="6" name="Slide Number Placeholder 5">
             <a:extLst>
               <a:ext uri="{FF2B5EF4-FFF2-40B4-BE49-F238E27FC236}">
-                <a16:creationId xmlns:a16="http://schemas.microsoft.com/office/drawing/2014/main" id="{67C115BD-69E7-6348-814E-C851F3955C7C}"/>
+                <a16:creationId xmlns:a16="http://schemas.microsoft.com/office/drawing/2014/main" id="{B9FD5DFC-22AF-8E43-A8BC-FFE2BFBBD203}"/>
               </a:ext>
             </a:extLst>
           </p:cNvPr>
@@ -10392,46 +10175,10 @@
           </a:p>
         </p:txBody>
       </p:sp>
-      <p:pic>
-        <p:nvPicPr>
-          <p:cNvPr id="9" name="Picture 8">
-            <a:extLst>
-              <a:ext uri="{FF2B5EF4-FFF2-40B4-BE49-F238E27FC236}">
-                <a16:creationId xmlns:a16="http://schemas.microsoft.com/office/drawing/2014/main" id="{BC404E6B-12D2-0E48-B0C4-910DA2DB02A2}"/>
-              </a:ext>
-            </a:extLst>
-          </p:cNvPr>
-          <p:cNvPicPr>
-            <a:picLocks noChangeAspect="1"/>
-          </p:cNvPicPr>
-          <p:nvPr/>
-        </p:nvPicPr>
-        <p:blipFill>
-          <a:blip r:embed="rId2" cstate="screen">
-            <a:extLst>
-              <a:ext uri="{28A0092B-C50C-407E-A947-70E740481C1C}">
-                <a14:useLocalDpi xmlns:a14="http://schemas.microsoft.com/office/drawing/2010/main"/>
-              </a:ext>
-            </a:extLst>
-          </a:blip>
-          <a:stretch>
-            <a:fillRect/>
-          </a:stretch>
-        </p:blipFill>
-        <p:spPr>
-          <a:xfrm>
-            <a:off x="573656" y="3571197"/>
-            <a:ext cx="2292836" cy="1715864"/>
-          </a:xfrm>
-          <a:prstGeom prst="rect">
-            <a:avLst/>
-          </a:prstGeom>
-        </p:spPr>
-      </p:pic>
     </p:spTree>
     <p:extLst>
       <p:ext uri="{BB962C8B-B14F-4D97-AF65-F5344CB8AC3E}">
-        <p14:creationId xmlns:p14="http://schemas.microsoft.com/office/powerpoint/2010/main" val="2469548725"/>
+        <p14:creationId xmlns:p14="http://schemas.microsoft.com/office/powerpoint/2010/main" val="4287531387"/>
       </p:ext>
     </p:extLst>
   </p:cSld>
@@ -10464,7 +10211,7 @@
           <p:cNvPr id="2" name="Title 1">
             <a:extLst>
               <a:ext uri="{FF2B5EF4-FFF2-40B4-BE49-F238E27FC236}">
-                <a16:creationId xmlns:a16="http://schemas.microsoft.com/office/drawing/2014/main" id="{DAF0DF69-948A-8149-A676-8D6EA2D37C94}"/>
+                <a16:creationId xmlns:a16="http://schemas.microsoft.com/office/drawing/2014/main" id="{73B7C5C5-1DB8-F74C-B24F-5BD97BE15399}"/>
               </a:ext>
             </a:extLst>
           </p:cNvPr>
@@ -10480,61 +10227,45 @@
           <a:bodyPr/>
           <a:lstStyle/>
           <a:p>
-            <a:r>
-              <a:rPr lang="en-US" dirty="0"/>
-              <a:t>P1.3.1. Outliers</a:t>
-            </a:r>
-          </a:p>
-        </p:txBody>
-      </p:sp>
-      <p:sp>
-        <p:nvSpPr>
-          <p:cNvPr id="3" name="Content Placeholder 2">
+            <a:endParaRPr lang="en-US"/>
+          </a:p>
+        </p:txBody>
+      </p:sp>
+      <p:pic>
+        <p:nvPicPr>
+          <p:cNvPr id="8" name="Content Placeholder 7" descr="Text&#10;&#10;Description automatically generated">
             <a:extLst>
               <a:ext uri="{FF2B5EF4-FFF2-40B4-BE49-F238E27FC236}">
-                <a16:creationId xmlns:a16="http://schemas.microsoft.com/office/drawing/2014/main" id="{AF6D0B97-71DF-3147-9690-794FC3B99AF9}"/>
+                <a16:creationId xmlns:a16="http://schemas.microsoft.com/office/drawing/2014/main" id="{5225C6C2-2195-C048-A777-D0024756A0B1}"/>
               </a:ext>
             </a:extLst>
           </p:cNvPr>
-          <p:cNvSpPr>
-            <a:spLocks noGrp="1"/>
-          </p:cNvSpPr>
+          <p:cNvPicPr>
+            <a:picLocks noGrp="1" noChangeAspect="1"/>
+          </p:cNvPicPr>
           <p:nvPr>
             <p:ph idx="1"/>
           </p:nvPr>
-        </p:nvSpPr>
-        <p:spPr/>
-        <p:txBody>
-          <a:bodyPr/>
-          <a:lstStyle/>
-          <a:p>
-            <a:r>
-              <a:rPr lang="en-US" dirty="0"/>
-              <a:t>Which node(s) are strange?</a:t>
-            </a:r>
-          </a:p>
-          <a:p>
-            <a:pPr lvl="1"/>
-            <a:r>
-              <a:rPr lang="en-US" dirty="0"/>
-              <a:t>Q: How to start?</a:t>
-            </a:r>
-          </a:p>
-          <a:p>
-            <a:pPr lvl="1"/>
-            <a:r>
-              <a:rPr lang="en-US" dirty="0"/>
-              <a:t>A1: egonet; and extract node features</a:t>
-            </a:r>
-          </a:p>
-        </p:txBody>
-      </p:sp>
+        </p:nvPicPr>
+        <p:blipFill>
+          <a:blip r:embed="rId2"/>
+          <a:stretch>
+            <a:fillRect/>
+          </a:stretch>
+        </p:blipFill>
+        <p:spPr>
+          <a:xfrm>
+            <a:off x="825500" y="2749550"/>
+            <a:ext cx="7493000" cy="2044700"/>
+          </a:xfrm>
+        </p:spPr>
+      </p:pic>
       <p:sp>
         <p:nvSpPr>
           <p:cNvPr id="4" name="Date Placeholder 3">
             <a:extLst>
               <a:ext uri="{FF2B5EF4-FFF2-40B4-BE49-F238E27FC236}">
-                <a16:creationId xmlns:a16="http://schemas.microsoft.com/office/drawing/2014/main" id="{E4B24557-0ACD-5B41-9409-91BD3BE2A412}"/>
+                <a16:creationId xmlns:a16="http://schemas.microsoft.com/office/drawing/2014/main" id="{86D77B73-DE0B-CE4C-B495-E89EFCE54422}"/>
               </a:ext>
             </a:extLst>
           </p:cNvPr>
@@ -10554,8 +10285,8 @@
               <a:defRPr/>
             </a:pPr>
             <a:r>
-              <a:rPr lang="en-US" dirty="0"/>
-              <a:t>WWW'2021  Tutorial</a:t>
+              <a:rPr lang="en-US"/>
+              <a:t>PAKDD 2021</a:t>
             </a:r>
           </a:p>
         </p:txBody>
@@ -10565,7 +10296,7 @@
           <p:cNvPr id="5" name="Footer Placeholder 4">
             <a:extLst>
               <a:ext uri="{FF2B5EF4-FFF2-40B4-BE49-F238E27FC236}">
-                <a16:creationId xmlns:a16="http://schemas.microsoft.com/office/drawing/2014/main" id="{B2DBD683-4CC7-8F4F-97C0-75C45EBA1C66}"/>
+                <a16:creationId xmlns:a16="http://schemas.microsoft.com/office/drawing/2014/main" id="{99BBAF31-59DE-B24B-A8EB-85E50ECF0F96}"/>
               </a:ext>
             </a:extLst>
           </p:cNvPr>
@@ -10585,9 +10316,10 @@
               <a:defRPr/>
             </a:pPr>
             <a:r>
-              <a:rPr lang="en-US"/>
-              <a:t>S. Fakhraei and  C. Faloutsos</a:t>
-            </a:r>
+              <a:rPr lang="fi-FI"/>
+              <a:t>L. Akoglu, M. McGlohon, C. Faloutsos</a:t>
+            </a:r>
+            <a:endParaRPr lang="en-US"/>
           </a:p>
         </p:txBody>
       </p:sp>
@@ -10596,7 +10328,7 @@
           <p:cNvPr id="6" name="Slide Number Placeholder 5">
             <a:extLst>
               <a:ext uri="{FF2B5EF4-FFF2-40B4-BE49-F238E27FC236}">
-                <a16:creationId xmlns:a16="http://schemas.microsoft.com/office/drawing/2014/main" id="{67C115BD-69E7-6348-814E-C851F3955C7C}"/>
+                <a16:creationId xmlns:a16="http://schemas.microsoft.com/office/drawing/2014/main" id="{FFF1C959-FDC1-964E-A40E-B9241F8C8C86}"/>
               </a:ext>
             </a:extLst>
           </p:cNvPr>
@@ -10626,46 +10358,10 @@
           </a:p>
         </p:txBody>
       </p:sp>
-      <p:pic>
-        <p:nvPicPr>
-          <p:cNvPr id="8" name="Picture 7">
-            <a:extLst>
-              <a:ext uri="{FF2B5EF4-FFF2-40B4-BE49-F238E27FC236}">
-                <a16:creationId xmlns:a16="http://schemas.microsoft.com/office/drawing/2014/main" id="{EFE2B29E-80CF-2F48-AC14-B5251FDF98CD}"/>
-              </a:ext>
-            </a:extLst>
-          </p:cNvPr>
-          <p:cNvPicPr>
-            <a:picLocks noChangeAspect="1"/>
-          </p:cNvPicPr>
-          <p:nvPr/>
-        </p:nvPicPr>
-        <p:blipFill>
-          <a:blip r:embed="rId2" cstate="screen">
-            <a:extLst>
-              <a:ext uri="{28A0092B-C50C-407E-A947-70E740481C1C}">
-                <a14:useLocalDpi xmlns:a14="http://schemas.microsoft.com/office/drawing/2010/main"/>
-              </a:ext>
-            </a:extLst>
-          </a:blip>
-          <a:stretch>
-            <a:fillRect/>
-          </a:stretch>
-        </p:blipFill>
-        <p:spPr>
-          <a:xfrm>
-            <a:off x="573656" y="3571197"/>
-            <a:ext cx="2292836" cy="1715864"/>
-          </a:xfrm>
-          <a:prstGeom prst="rect">
-            <a:avLst/>
-          </a:prstGeom>
-        </p:spPr>
-      </p:pic>
     </p:spTree>
     <p:extLst>
       <p:ext uri="{BB962C8B-B14F-4D97-AF65-F5344CB8AC3E}">
-        <p14:creationId xmlns:p14="http://schemas.microsoft.com/office/powerpoint/2010/main" val="684378947"/>
+        <p14:creationId xmlns:p14="http://schemas.microsoft.com/office/powerpoint/2010/main" val="434287321"/>
       </p:ext>
     </p:extLst>
   </p:cSld>
@@ -10695,7 +10391,13 @@
       </p:grpSpPr>
       <p:sp>
         <p:nvSpPr>
-          <p:cNvPr id="2" name="Title 1"/>
+          <p:cNvPr id="2" name="Title 1">
+            <a:extLst>
+              <a:ext uri="{FF2B5EF4-FFF2-40B4-BE49-F238E27FC236}">
+                <a16:creationId xmlns:a16="http://schemas.microsoft.com/office/drawing/2014/main" id="{C8B244A8-199A-3549-A4F9-C1D2EBFB42FD}"/>
+              </a:ext>
+            </a:extLst>
+          </p:cNvPr>
           <p:cNvSpPr>
             <a:spLocks noGrp="1"/>
           </p:cNvSpPr>
@@ -10708,605 +10410,76 @@
           <a:bodyPr/>
           <a:lstStyle/>
           <a:p>
-            <a:r>
-              <a:rPr lang="en-US" dirty="0"/>
-              <a:t>Ego-net Patterns: Which is strange?</a:t>
-            </a:r>
-          </a:p>
-        </p:txBody>
-      </p:sp>
-      <p:sp>
-        <p:nvSpPr>
-          <p:cNvPr id="4" name="Slide Number Placeholder 3"/>
-          <p:cNvSpPr>
-            <a:spLocks noGrp="1"/>
-          </p:cNvSpPr>
-          <p:nvPr>
-            <p:ph type="sldNum" sz="quarter" idx="12"/>
-          </p:nvPr>
-        </p:nvSpPr>
-        <p:spPr/>
-        <p:txBody>
-          <a:bodyPr/>
-          <a:lstStyle/>
-          <a:p>
-            <a:fld id="{9EFA7B99-FC7E-AC43-B41E-A99A9A519522}" type="slidenum">
-              <a:rPr lang="en-US" smtClean="0"/>
-              <a:t>7</a:t>
-            </a:fld>
             <a:endParaRPr lang="en-US"/>
           </a:p>
         </p:txBody>
       </p:sp>
       <p:pic>
         <p:nvPicPr>
-          <p:cNvPr id="8" name="Picture 13" descr="photo"/>
+          <p:cNvPr id="8" name="Content Placeholder 7" descr="Chart&#10;&#10;Description automatically generated with medium confidence">
+            <a:extLst>
+              <a:ext uri="{FF2B5EF4-FFF2-40B4-BE49-F238E27FC236}">
+                <a16:creationId xmlns:a16="http://schemas.microsoft.com/office/drawing/2014/main" id="{6BC27F11-3F73-4D41-8D35-36943EF56758}"/>
+              </a:ext>
+            </a:extLst>
+          </p:cNvPr>
           <p:cNvPicPr>
-            <a:picLocks noChangeAspect="1" noChangeArrowheads="1"/>
+            <a:picLocks noGrp="1" noChangeAspect="1"/>
           </p:cNvPicPr>
-          <p:nvPr/>
+          <p:nvPr>
+            <p:ph idx="1"/>
+          </p:nvPr>
         </p:nvPicPr>
         <p:blipFill>
-          <a:blip r:embed="rId2" cstate="screen">
-            <a:extLst>
-              <a:ext uri="{28A0092B-C50C-407E-A947-70E740481C1C}">
-                <a14:useLocalDpi xmlns:a14="http://schemas.microsoft.com/office/drawing/2010/main"/>
-              </a:ext>
-            </a:extLst>
-          </a:blip>
-          <a:srcRect/>
-          <a:stretch>
-            <a:fillRect/>
-          </a:stretch>
-        </p:blipFill>
-        <p:spPr bwMode="auto">
-          <a:xfrm>
-            <a:off x="8450262" y="5144469"/>
-            <a:ext cx="641845" cy="862738"/>
-          </a:xfrm>
-          <a:prstGeom prst="rect">
-            <a:avLst/>
-          </a:prstGeom>
-          <a:noFill/>
-          <a:ln w="6350">
-            <a:solidFill>
-              <a:schemeClr val="bg1"/>
-            </a:solidFill>
-          </a:ln>
-          <a:effectLst/>
-        </p:spPr>
-      </p:pic>
-      <p:pic>
-        <p:nvPicPr>
-          <p:cNvPr id="10" name="Picture 9"/>
-          <p:cNvPicPr>
-            <a:picLocks noChangeAspect="1"/>
-          </p:cNvPicPr>
-          <p:nvPr/>
-        </p:nvPicPr>
-        <p:blipFill>
-          <a:blip r:embed="rId3" cstate="screen">
-            <a:extLst>
-              <a:ext uri="{28A0092B-C50C-407E-A947-70E740481C1C}">
-                <a14:useLocalDpi xmlns:a14="http://schemas.microsoft.com/office/drawing/2010/main"/>
-              </a:ext>
-            </a:extLst>
-          </a:blip>
+          <a:blip r:embed="rId2"/>
           <a:stretch>
             <a:fillRect/>
           </a:stretch>
         </p:blipFill>
         <p:spPr>
           <a:xfrm>
-            <a:off x="7505700" y="5141899"/>
-            <a:ext cx="667520" cy="862737"/>
+            <a:off x="939800" y="2768600"/>
+            <a:ext cx="7264400" cy="2006600"/>
           </a:xfrm>
-          <a:prstGeom prst="rect">
-            <a:avLst/>
-          </a:prstGeom>
-          <a:ln w="6350">
-            <a:solidFill>
-              <a:schemeClr val="bg1"/>
-            </a:solidFill>
-          </a:ln>
-          <a:effectLst/>
         </p:spPr>
       </p:pic>
-      <p:pic>
-        <p:nvPicPr>
-          <p:cNvPr id="11" name="Picture 10"/>
-          <p:cNvPicPr>
-            <a:picLocks noChangeAspect="1"/>
-          </p:cNvPicPr>
-          <p:nvPr/>
-        </p:nvPicPr>
-        <p:blipFill>
-          <a:blip r:embed="rId4" cstate="screen">
-            <a:extLst>
-              <a:ext uri="{28A0092B-C50C-407E-A947-70E740481C1C}">
-                <a14:useLocalDpi xmlns:a14="http://schemas.microsoft.com/office/drawing/2010/main"/>
-              </a:ext>
-            </a:extLst>
-          </a:blip>
-          <a:stretch>
-            <a:fillRect/>
-          </a:stretch>
-        </p:blipFill>
-        <p:spPr>
-          <a:xfrm>
-            <a:off x="6560037" y="5141899"/>
-            <a:ext cx="668621" cy="862737"/>
-          </a:xfrm>
-          <a:prstGeom prst="rect">
-            <a:avLst/>
-          </a:prstGeom>
-          <a:ln w="6350">
-            <a:solidFill>
-              <a:schemeClr val="bg1"/>
-            </a:solidFill>
-          </a:ln>
-          <a:effectLst/>
-        </p:spPr>
-      </p:pic>
-      <p:grpSp>
-        <p:nvGrpSpPr>
-          <p:cNvPr id="9" name="Group 8">
+      <p:sp>
+        <p:nvSpPr>
+          <p:cNvPr id="4" name="Date Placeholder 3">
             <a:extLst>
               <a:ext uri="{FF2B5EF4-FFF2-40B4-BE49-F238E27FC236}">
-                <a16:creationId xmlns:a16="http://schemas.microsoft.com/office/drawing/2014/main" id="{224AC085-12A9-CE40-919C-F8B33AB17C43}"/>
+                <a16:creationId xmlns:a16="http://schemas.microsoft.com/office/drawing/2014/main" id="{5EFA08A9-06B6-8547-A9A2-10B24806F635}"/>
               </a:ext>
             </a:extLst>
           </p:cNvPr>
-          <p:cNvGrpSpPr/>
-          <p:nvPr/>
-        </p:nvGrpSpPr>
-        <p:grpSpPr>
-          <a:xfrm>
-            <a:off x="744538" y="1773237"/>
-            <a:ext cx="7729536" cy="3113010"/>
-            <a:chOff x="744538" y="1587493"/>
-            <a:chExt cx="7729536" cy="3113010"/>
-          </a:xfrm>
-        </p:grpSpPr>
-        <p:pic>
-          <p:nvPicPr>
-            <p:cNvPr id="13" name="Picture 2"/>
-            <p:cNvPicPr>
-              <a:picLocks noChangeAspect="1" noChangeArrowheads="1"/>
-            </p:cNvPicPr>
-            <p:nvPr/>
-          </p:nvPicPr>
-          <p:blipFill>
-            <a:blip r:embed="rId5" cstate="screen">
-              <a:extLst>
-                <a:ext uri="{28A0092B-C50C-407E-A947-70E740481C1C}">
-                  <a14:useLocalDpi xmlns:a14="http://schemas.microsoft.com/office/drawing/2010/main"/>
-                </a:ext>
-              </a:extLst>
-            </a:blip>
-            <a:srcRect/>
-            <a:stretch>
-              <a:fillRect/>
-            </a:stretch>
-          </p:blipFill>
-          <p:spPr bwMode="auto">
-            <a:xfrm>
-              <a:off x="744538" y="1587493"/>
-              <a:ext cx="1565275" cy="1470025"/>
-            </a:xfrm>
-            <a:prstGeom prst="rect">
-              <a:avLst/>
-            </a:prstGeom>
-            <a:noFill/>
-            <a:ln>
-              <a:noFill/>
-            </a:ln>
-            <a:extLst>
-              <a:ext uri="{909E8E84-426E-40dd-AFC4-6F175D3DCCD1}">
-                <a14:hiddenFill xmlns:a14="http://schemas.microsoft.com/office/drawing/2010/main" xmlns="">
-                  <a:solidFill>
-                    <a:srgbClr val="FFFFFF"/>
-                  </a:solidFill>
-                </a14:hiddenFill>
-              </a:ext>
-              <a:ext uri="{91240B29-F687-4f45-9708-019B960494DF}">
-                <a14:hiddenLine xmlns:a14="http://schemas.microsoft.com/office/drawing/2010/main" xmlns="" w="9525">
-                  <a:solidFill>
-                    <a:srgbClr val="000000"/>
-                  </a:solidFill>
-                  <a:miter lim="800000"/>
-                  <a:headEnd/>
-                  <a:tailEnd/>
-                </a14:hiddenLine>
-              </a:ext>
-            </a:extLst>
-          </p:spPr>
-        </p:pic>
-        <p:pic>
-          <p:nvPicPr>
-            <p:cNvPr id="14" name="Picture 3"/>
-            <p:cNvPicPr>
-              <a:picLocks noChangeAspect="1" noChangeArrowheads="1"/>
-            </p:cNvPicPr>
-            <p:nvPr/>
-          </p:nvPicPr>
-          <p:blipFill>
-            <a:blip r:embed="rId6" cstate="screen">
-              <a:extLst>
-                <a:ext uri="{28A0092B-C50C-407E-A947-70E740481C1C}">
-                  <a14:useLocalDpi xmlns:a14="http://schemas.microsoft.com/office/drawing/2010/main"/>
-                </a:ext>
-              </a:extLst>
-            </a:blip>
-            <a:srcRect/>
-            <a:stretch>
-              <a:fillRect/>
-            </a:stretch>
-          </p:blipFill>
-          <p:spPr bwMode="auto">
-            <a:xfrm>
-              <a:off x="2705100" y="1587493"/>
-              <a:ext cx="1724025" cy="1470025"/>
-            </a:xfrm>
-            <a:prstGeom prst="rect">
-              <a:avLst/>
-            </a:prstGeom>
-            <a:noFill/>
-            <a:ln>
-              <a:noFill/>
-            </a:ln>
-            <a:extLst>
-              <a:ext uri="{909E8E84-426E-40dd-AFC4-6F175D3DCCD1}">
-                <a14:hiddenFill xmlns:a14="http://schemas.microsoft.com/office/drawing/2010/main" xmlns="">
-                  <a:solidFill>
-                    <a:srgbClr val="FFFFFF"/>
-                  </a:solidFill>
-                </a14:hiddenFill>
-              </a:ext>
-              <a:ext uri="{91240B29-F687-4f45-9708-019B960494DF}">
-                <a14:hiddenLine xmlns:a14="http://schemas.microsoft.com/office/drawing/2010/main" xmlns="" w="9525">
-                  <a:solidFill>
-                    <a:srgbClr val="000000"/>
-                  </a:solidFill>
-                  <a:miter lim="800000"/>
-                  <a:headEnd/>
-                  <a:tailEnd/>
-                </a14:hiddenLine>
-              </a:ext>
-            </a:extLst>
-          </p:spPr>
-        </p:pic>
-        <p:pic>
-          <p:nvPicPr>
-            <p:cNvPr id="15" name="Picture 4"/>
-            <p:cNvPicPr>
-              <a:picLocks noChangeAspect="1" noChangeArrowheads="1"/>
-            </p:cNvPicPr>
-            <p:nvPr/>
-          </p:nvPicPr>
-          <p:blipFill>
-            <a:blip r:embed="rId7" cstate="screen">
-              <a:extLst>
-                <a:ext uri="{28A0092B-C50C-407E-A947-70E740481C1C}">
-                  <a14:useLocalDpi xmlns:a14="http://schemas.microsoft.com/office/drawing/2010/main"/>
-                </a:ext>
-              </a:extLst>
-            </a:blip>
-            <a:srcRect/>
-            <a:stretch>
-              <a:fillRect/>
-            </a:stretch>
-          </p:blipFill>
-          <p:spPr bwMode="auto">
-            <a:xfrm>
-              <a:off x="4824412" y="1587493"/>
-              <a:ext cx="1663700" cy="1470025"/>
-            </a:xfrm>
-            <a:prstGeom prst="rect">
-              <a:avLst/>
-            </a:prstGeom>
-            <a:noFill/>
-            <a:ln>
-              <a:noFill/>
-            </a:ln>
-            <a:extLst>
-              <a:ext uri="{909E8E84-426E-40dd-AFC4-6F175D3DCCD1}">
-                <a14:hiddenFill xmlns:a14="http://schemas.microsoft.com/office/drawing/2010/main" xmlns="">
-                  <a:solidFill>
-                    <a:srgbClr val="FFFFFF"/>
-                  </a:solidFill>
-                </a14:hiddenFill>
-              </a:ext>
-              <a:ext uri="{91240B29-F687-4f45-9708-019B960494DF}">
-                <a14:hiddenLine xmlns:a14="http://schemas.microsoft.com/office/drawing/2010/main" xmlns="" w="9525">
-                  <a:solidFill>
-                    <a:srgbClr val="000000"/>
-                  </a:solidFill>
-                  <a:miter lim="800000"/>
-                  <a:headEnd/>
-                  <a:tailEnd/>
-                </a14:hiddenLine>
-              </a:ext>
-            </a:extLst>
-          </p:spPr>
-        </p:pic>
-        <p:pic>
-          <p:nvPicPr>
-            <p:cNvPr id="16" name="Picture 5"/>
-            <p:cNvPicPr>
-              <a:picLocks noChangeAspect="1" noChangeArrowheads="1"/>
-            </p:cNvPicPr>
-            <p:nvPr/>
-          </p:nvPicPr>
-          <p:blipFill>
-            <a:blip r:embed="rId8" cstate="screen">
-              <a:extLst>
-                <a:ext uri="{28A0092B-C50C-407E-A947-70E740481C1C}">
-                  <a14:useLocalDpi xmlns:a14="http://schemas.microsoft.com/office/drawing/2010/main"/>
-                </a:ext>
-              </a:extLst>
-            </a:blip>
-            <a:srcRect/>
-            <a:stretch>
-              <a:fillRect/>
-            </a:stretch>
-          </p:blipFill>
-          <p:spPr bwMode="auto">
-            <a:xfrm>
-              <a:off x="6883399" y="1587493"/>
-              <a:ext cx="1566863" cy="1470025"/>
-            </a:xfrm>
-            <a:prstGeom prst="rect">
-              <a:avLst/>
-            </a:prstGeom>
-            <a:noFill/>
-            <a:ln>
-              <a:noFill/>
-            </a:ln>
-            <a:extLst>
-              <a:ext uri="{909E8E84-426E-40dd-AFC4-6F175D3DCCD1}">
-                <a14:hiddenFill xmlns:a14="http://schemas.microsoft.com/office/drawing/2010/main" xmlns="">
-                  <a:solidFill>
-                    <a:srgbClr val="FFFFFF"/>
-                  </a:solidFill>
-                </a14:hiddenFill>
-              </a:ext>
-              <a:ext uri="{91240B29-F687-4f45-9708-019B960494DF}">
-                <a14:hiddenLine xmlns:a14="http://schemas.microsoft.com/office/drawing/2010/main" xmlns="" w="9525">
-                  <a:solidFill>
-                    <a:srgbClr val="000000"/>
-                  </a:solidFill>
-                  <a:miter lim="800000"/>
-                  <a:headEnd/>
-                  <a:tailEnd/>
-                </a14:hiddenLine>
-              </a:ext>
-            </a:extLst>
-          </p:spPr>
-        </p:pic>
-        <p:pic>
-          <p:nvPicPr>
-            <p:cNvPr id="17" name="Picture 6"/>
-            <p:cNvPicPr>
-              <a:picLocks noChangeAspect="1" noChangeArrowheads="1"/>
-            </p:cNvPicPr>
-            <p:nvPr/>
-          </p:nvPicPr>
-          <p:blipFill>
-            <a:blip r:embed="rId9" cstate="screen">
-              <a:extLst>
-                <a:ext uri="{28A0092B-C50C-407E-A947-70E740481C1C}">
-                  <a14:useLocalDpi xmlns:a14="http://schemas.microsoft.com/office/drawing/2010/main"/>
-                </a:ext>
-              </a:extLst>
-            </a:blip>
-            <a:srcRect/>
-            <a:stretch>
-              <a:fillRect/>
-            </a:stretch>
-          </p:blipFill>
-          <p:spPr bwMode="auto">
-            <a:xfrm>
-              <a:off x="748506" y="3120149"/>
-              <a:ext cx="1557337" cy="1531938"/>
-            </a:xfrm>
-            <a:prstGeom prst="rect">
-              <a:avLst/>
-            </a:prstGeom>
-            <a:noFill/>
-            <a:ln>
-              <a:noFill/>
-            </a:ln>
-            <a:extLst>
-              <a:ext uri="{909E8E84-426E-40dd-AFC4-6F175D3DCCD1}">
-                <a14:hiddenFill xmlns:a14="http://schemas.microsoft.com/office/drawing/2010/main" xmlns="">
-                  <a:solidFill>
-                    <a:srgbClr val="FFFFFF"/>
-                  </a:solidFill>
-                </a14:hiddenFill>
-              </a:ext>
-              <a:ext uri="{91240B29-F687-4f45-9708-019B960494DF}">
-                <a14:hiddenLine xmlns:a14="http://schemas.microsoft.com/office/drawing/2010/main" xmlns="" w="9525">
-                  <a:solidFill>
-                    <a:srgbClr val="000000"/>
-                  </a:solidFill>
-                  <a:miter lim="800000"/>
-                  <a:headEnd/>
-                  <a:tailEnd/>
-                </a14:hiddenLine>
-              </a:ext>
-            </a:extLst>
-          </p:spPr>
-        </p:pic>
-        <p:pic>
-          <p:nvPicPr>
-            <p:cNvPr id="18" name="Picture 7"/>
-            <p:cNvPicPr>
-              <a:picLocks noChangeAspect="1" noChangeArrowheads="1"/>
-            </p:cNvPicPr>
-            <p:nvPr/>
-          </p:nvPicPr>
-          <p:blipFill>
-            <a:blip r:embed="rId10" cstate="screen">
-              <a:extLst>
-                <a:ext uri="{28A0092B-C50C-407E-A947-70E740481C1C}">
-                  <a14:useLocalDpi xmlns:a14="http://schemas.microsoft.com/office/drawing/2010/main"/>
-                </a:ext>
-              </a:extLst>
-            </a:blip>
-            <a:srcRect/>
-            <a:stretch>
-              <a:fillRect/>
-            </a:stretch>
-          </p:blipFill>
-          <p:spPr bwMode="auto">
-            <a:xfrm>
-              <a:off x="2809478" y="3157453"/>
-              <a:ext cx="1654175" cy="1543050"/>
-            </a:xfrm>
-            <a:prstGeom prst="rect">
-              <a:avLst/>
-            </a:prstGeom>
-            <a:noFill/>
-            <a:ln>
-              <a:noFill/>
-            </a:ln>
-            <a:extLst>
-              <a:ext uri="{909E8E84-426E-40dd-AFC4-6F175D3DCCD1}">
-                <a14:hiddenFill xmlns:a14="http://schemas.microsoft.com/office/drawing/2010/main" xmlns="">
-                  <a:solidFill>
-                    <a:srgbClr val="FFFFFF"/>
-                  </a:solidFill>
-                </a14:hiddenFill>
-              </a:ext>
-              <a:ext uri="{91240B29-F687-4f45-9708-019B960494DF}">
-                <a14:hiddenLine xmlns:a14="http://schemas.microsoft.com/office/drawing/2010/main" xmlns="" w="9525">
-                  <a:solidFill>
-                    <a:srgbClr val="000000"/>
-                  </a:solidFill>
-                  <a:miter lim="800000"/>
-                  <a:headEnd/>
-                  <a:tailEnd/>
-                </a14:hiddenLine>
-              </a:ext>
-            </a:extLst>
-          </p:spPr>
-        </p:pic>
-        <p:pic>
-          <p:nvPicPr>
-            <p:cNvPr id="19" name="Picture 8"/>
-            <p:cNvPicPr>
-              <a:picLocks noChangeAspect="1" noChangeArrowheads="1"/>
-            </p:cNvPicPr>
-            <p:nvPr/>
-          </p:nvPicPr>
-          <p:blipFill>
-            <a:blip r:embed="rId11" cstate="screen">
-              <a:extLst>
-                <a:ext uri="{28A0092B-C50C-407E-A947-70E740481C1C}">
-                  <a14:useLocalDpi xmlns:a14="http://schemas.microsoft.com/office/drawing/2010/main"/>
-                </a:ext>
-              </a:extLst>
-            </a:blip>
-            <a:srcRect/>
-            <a:stretch>
-              <a:fillRect/>
-            </a:stretch>
-          </p:blipFill>
-          <p:spPr bwMode="auto">
-            <a:xfrm>
-              <a:off x="4930775" y="3149503"/>
-              <a:ext cx="1622425" cy="1425575"/>
-            </a:xfrm>
-            <a:prstGeom prst="rect">
-              <a:avLst/>
-            </a:prstGeom>
-            <a:noFill/>
-            <a:ln>
-              <a:noFill/>
-            </a:ln>
-            <a:extLst>
-              <a:ext uri="{909E8E84-426E-40dd-AFC4-6F175D3DCCD1}">
-                <a14:hiddenFill xmlns:a14="http://schemas.microsoft.com/office/drawing/2010/main" xmlns="">
-                  <a:solidFill>
-                    <a:srgbClr val="FFFFFF"/>
-                  </a:solidFill>
-                </a14:hiddenFill>
-              </a:ext>
-              <a:ext uri="{91240B29-F687-4f45-9708-019B960494DF}">
-                <a14:hiddenLine xmlns:a14="http://schemas.microsoft.com/office/drawing/2010/main" xmlns="" w="9525">
-                  <a:solidFill>
-                    <a:srgbClr val="000000"/>
-                  </a:solidFill>
-                  <a:miter lim="800000"/>
-                  <a:headEnd/>
-                  <a:tailEnd/>
-                </a14:hiddenLine>
-              </a:ext>
-            </a:extLst>
-          </p:spPr>
-        </p:pic>
-        <p:pic>
-          <p:nvPicPr>
-            <p:cNvPr id="20" name="Picture 9"/>
-            <p:cNvPicPr>
-              <a:picLocks noChangeAspect="1" noChangeArrowheads="1"/>
-            </p:cNvPicPr>
-            <p:nvPr/>
-          </p:nvPicPr>
-          <p:blipFill>
-            <a:blip r:embed="rId12" cstate="screen">
-              <a:extLst>
-                <a:ext uri="{28A0092B-C50C-407E-A947-70E740481C1C}">
-                  <a14:useLocalDpi xmlns:a14="http://schemas.microsoft.com/office/drawing/2010/main"/>
-                </a:ext>
-              </a:extLst>
-            </a:blip>
-            <a:srcRect/>
-            <a:stretch>
-              <a:fillRect/>
-            </a:stretch>
-          </p:blipFill>
-          <p:spPr bwMode="auto">
-            <a:xfrm>
-              <a:off x="6883399" y="3157453"/>
-              <a:ext cx="1590675" cy="1409700"/>
-            </a:xfrm>
-            <a:prstGeom prst="rect">
-              <a:avLst/>
-            </a:prstGeom>
-            <a:noFill/>
-            <a:ln>
-              <a:noFill/>
-            </a:ln>
-            <a:extLst>
-              <a:ext uri="{909E8E84-426E-40dd-AFC4-6F175D3DCCD1}">
-                <a14:hiddenFill xmlns:a14="http://schemas.microsoft.com/office/drawing/2010/main" xmlns="">
-                  <a:solidFill>
-                    <a:srgbClr val="FFFFFF"/>
-                  </a:solidFill>
-                </a14:hiddenFill>
-              </a:ext>
-              <a:ext uri="{91240B29-F687-4f45-9708-019B960494DF}">
-                <a14:hiddenLine xmlns:a14="http://schemas.microsoft.com/office/drawing/2010/main" xmlns="" w="9525">
-                  <a:solidFill>
-                    <a:srgbClr val="000000"/>
-                  </a:solidFill>
-                  <a:miter lim="800000"/>
-                  <a:headEnd/>
-                  <a:tailEnd/>
-                </a14:hiddenLine>
-              </a:ext>
-            </a:extLst>
-          </p:spPr>
-        </p:pic>
-      </p:grpSp>
-      <p:sp>
-        <p:nvSpPr>
-          <p:cNvPr id="3" name="Date Placeholder 2">
+          <p:cNvSpPr>
+            <a:spLocks noGrp="1"/>
+          </p:cNvSpPr>
+          <p:nvPr>
+            <p:ph type="dt" sz="half" idx="10"/>
+          </p:nvPr>
+        </p:nvSpPr>
+        <p:spPr/>
+        <p:txBody>
+          <a:bodyPr/>
+          <a:lstStyle/>
+          <a:p>
+            <a:pPr>
+              <a:defRPr/>
+            </a:pPr>
+            <a:r>
+              <a:rPr lang="en-US"/>
+              <a:t>PAKDD 2021</a:t>
+            </a:r>
+          </a:p>
+        </p:txBody>
+      </p:sp>
+      <p:sp>
+        <p:nvSpPr>
+          <p:cNvPr id="5" name="Footer Placeholder 4">
             <a:extLst>
               <a:ext uri="{FF2B5EF4-FFF2-40B4-BE49-F238E27FC236}">
-                <a16:creationId xmlns:a16="http://schemas.microsoft.com/office/drawing/2014/main" id="{2F73BFAF-D4DF-634A-8D0C-1D351BFA632D}"/>
+                <a16:creationId xmlns:a16="http://schemas.microsoft.com/office/drawing/2014/main" id="{66FD98B2-EDCA-BE4E-8565-93AE8D15716C}"/>
               </a:ext>
             </a:extLst>
           </p:cNvPr>
@@ -11314,7 +10487,7 @@
             <a:spLocks noGrp="1"/>
           </p:cNvSpPr>
           <p:nvPr>
-            <p:ph type="dt" sz="half" idx="10"/>
+            <p:ph type="ftr" sz="quarter" idx="11"/>
           </p:nvPr>
         </p:nvSpPr>
         <p:spPr/>
@@ -11326,18 +10499,19 @@
               <a:defRPr/>
             </a:pPr>
             <a:r>
-              <a:rPr lang="en-US" dirty="0"/>
-              <a:t>WWW'2021  Tutorial</a:t>
-            </a:r>
-          </a:p>
-        </p:txBody>
-      </p:sp>
-      <p:sp>
-        <p:nvSpPr>
-          <p:cNvPr id="7" name="Footer Placeholder 6">
+              <a:rPr lang="fi-FI"/>
+              <a:t>L. Akoglu, M. McGlohon, C. Faloutsos</a:t>
+            </a:r>
+            <a:endParaRPr lang="en-US"/>
+          </a:p>
+        </p:txBody>
+      </p:sp>
+      <p:sp>
+        <p:nvSpPr>
+          <p:cNvPr id="6" name="Slide Number Placeholder 5">
             <a:extLst>
               <a:ext uri="{FF2B5EF4-FFF2-40B4-BE49-F238E27FC236}">
-                <a16:creationId xmlns:a16="http://schemas.microsoft.com/office/drawing/2014/main" id="{744B01E4-C5E2-9443-84CC-962B7E92D6A4}"/>
+                <a16:creationId xmlns:a16="http://schemas.microsoft.com/office/drawing/2014/main" id="{26E2CBF9-A6F2-2547-A0DD-41936837FC1C}"/>
               </a:ext>
             </a:extLst>
           </p:cNvPr>
@@ -11345,7 +10519,7 @@
             <a:spLocks noGrp="1"/>
           </p:cNvSpPr>
           <p:nvPr>
-            <p:ph type="ftr" sz="quarter" idx="11"/>
+            <p:ph type="sldNum" sz="quarter" idx="12"/>
           </p:nvPr>
         </p:nvSpPr>
         <p:spPr/>
@@ -11356,126 +10530,13 @@
             <a:pPr>
               <a:defRPr/>
             </a:pPr>
-            <a:r>
-              <a:rPr lang="en-US"/>
-              <a:t>S. Fakhraei and  C. Faloutsos</a:t>
-            </a:r>
-          </a:p>
-        </p:txBody>
-      </p:sp>
-      <p:sp>
-        <p:nvSpPr>
-          <p:cNvPr id="6" name="TextBox 5"/>
-          <p:cNvSpPr txBox="1"/>
-          <p:nvPr/>
-        </p:nvSpPr>
-        <p:spPr>
-          <a:xfrm>
-            <a:off x="28575" y="6034002"/>
-            <a:ext cx="9092107" cy="830997"/>
-          </a:xfrm>
-          <a:prstGeom prst="rect">
-            <a:avLst/>
-          </a:prstGeom>
-          <a:solidFill>
-            <a:srgbClr val="FF8000"/>
-          </a:solidFill>
-        </p:spPr>
-        <p:txBody>
-          <a:bodyPr wrap="square" rtlCol="0">
-            <a:spAutoFit/>
-          </a:bodyPr>
-          <a:lstStyle/>
-          <a:p>
-            <a:pPr algn="just"/>
-            <a:r>
-              <a:rPr lang="en-US" sz="2400" b="1" i="1" dirty="0">
-                <a:solidFill>
-                  <a:srgbClr val="FFFFFF"/>
-                </a:solidFill>
-              </a:rPr>
-              <a:t>Oddball: Spotting anomalies in weighted graphs</a:t>
-            </a:r>
-            <a:r>
-              <a:rPr lang="en-US" sz="2400" b="1" dirty="0">
-                <a:solidFill>
-                  <a:srgbClr val="FFFFFF"/>
-                </a:solidFill>
-              </a:rPr>
-              <a:t>, Leman Akoglu, Mary </a:t>
-            </a:r>
-            <a:r>
-              <a:rPr lang="en-US" sz="2400" b="1" dirty="0" err="1">
-                <a:solidFill>
-                  <a:srgbClr val="FFFFFF"/>
-                </a:solidFill>
-              </a:rPr>
-              <a:t>McGlohon</a:t>
-            </a:r>
-            <a:r>
-              <a:rPr lang="en-US" sz="2400" b="1" dirty="0">
-                <a:solidFill>
-                  <a:srgbClr val="FFFFFF"/>
-                </a:solidFill>
-              </a:rPr>
-              <a:t>, Christos Faloutsos, </a:t>
-            </a:r>
-            <a:r>
-              <a:rPr lang="en-US" sz="2400" b="1" i="1" dirty="0">
-                <a:solidFill>
-                  <a:srgbClr val="FFFFFF"/>
-                </a:solidFill>
-              </a:rPr>
-              <a:t>PAKDD</a:t>
-            </a:r>
-            <a:r>
-              <a:rPr lang="en-US" sz="2400" b="1" dirty="0">
-                <a:solidFill>
-                  <a:srgbClr val="FFFFFF"/>
-                </a:solidFill>
-              </a:rPr>
-              <a:t> 2010</a:t>
-            </a:r>
-          </a:p>
-        </p:txBody>
-      </p:sp>
-      <p:sp>
-        <p:nvSpPr>
-          <p:cNvPr id="5" name="Rounded Rectangle 4">
-            <a:extLst>
-              <a:ext uri="{FF2B5EF4-FFF2-40B4-BE49-F238E27FC236}">
-                <a16:creationId xmlns:a16="http://schemas.microsoft.com/office/drawing/2014/main" id="{5E7DE574-D37B-1542-9211-12132D8AF845}"/>
-              </a:ext>
-            </a:extLst>
-          </p:cNvPr>
-          <p:cNvSpPr/>
-          <p:nvPr/>
-        </p:nvSpPr>
-        <p:spPr bwMode="auto">
-          <a:xfrm>
-            <a:off x="404261" y="3305893"/>
-            <a:ext cx="8489482" cy="1836006"/>
-          </a:xfrm>
-          <a:prstGeom prst="roundRect">
-            <a:avLst/>
-          </a:prstGeom>
-          <a:solidFill>
-            <a:schemeClr val="bg1"/>
-          </a:solidFill>
-          <a:ln w="25400" cap="flat" cmpd="sng" algn="ctr">
-            <a:noFill/>
-            <a:prstDash val="solid"/>
-            <a:round/>
-            <a:headEnd type="none" w="sm" len="sm"/>
-            <a:tailEnd type="triangle" w="lg" len="lg"/>
-          </a:ln>
-          <a:effectLst/>
-        </p:spPr>
-        <p:txBody>
-          <a:bodyPr rtlCol="0" anchor="ctr"/>
-          <a:lstStyle/>
-          <a:p>
-            <a:pPr algn="ctr"/>
+            <a:fld id="{F9B43987-7F84-BB4A-8611-CDF75B6A737D}" type="slidenum">
+              <a:rPr lang="en-US" smtClean="0"/>
+              <a:pPr>
+                <a:defRPr/>
+              </a:pPr>
+              <a:t>7</a:t>
+            </a:fld>
             <a:endParaRPr lang="en-US"/>
           </a:p>
         </p:txBody>
@@ -11483,13 +10544,14 @@
     </p:spTree>
     <p:extLst>
       <p:ext uri="{BB962C8B-B14F-4D97-AF65-F5344CB8AC3E}">
-        <p14:creationId xmlns:p14="http://schemas.microsoft.com/office/powerpoint/2010/main" val="3995162087"/>
+        <p14:creationId xmlns:p14="http://schemas.microsoft.com/office/powerpoint/2010/main" val="1983870279"/>
       </p:ext>
     </p:extLst>
   </p:cSld>
   <p:clrMapOvr>
     <a:masterClrMapping/>
   </p:clrMapOvr>
+  <p:transition/>
 </p:sld>
 </file>
 
@@ -11515,7 +10577,7 @@
           <p:cNvPr id="2" name="Title 1">
             <a:extLst>
               <a:ext uri="{FF2B5EF4-FFF2-40B4-BE49-F238E27FC236}">
-                <a16:creationId xmlns:a16="http://schemas.microsoft.com/office/drawing/2014/main" id="{DAF0DF69-948A-8149-A676-8D6EA2D37C94}"/>
+                <a16:creationId xmlns:a16="http://schemas.microsoft.com/office/drawing/2014/main" id="{5D7DDBE1-1E7A-E24F-AB5E-8960C93510EE}"/>
               </a:ext>
             </a:extLst>
           </p:cNvPr>
@@ -11531,75 +10593,45 @@
           <a:bodyPr/>
           <a:lstStyle/>
           <a:p>
-            <a:r>
-              <a:rPr lang="en-US" dirty="0"/>
-              <a:t>P1.3.1. Outliers</a:t>
-            </a:r>
-          </a:p>
-        </p:txBody>
-      </p:sp>
-      <p:sp>
-        <p:nvSpPr>
-          <p:cNvPr id="3" name="Content Placeholder 2">
+            <a:endParaRPr lang="en-US"/>
+          </a:p>
+        </p:txBody>
+      </p:sp>
+      <p:pic>
+        <p:nvPicPr>
+          <p:cNvPr id="8" name="Content Placeholder 7" descr="Graphical user interface, application&#10;&#10;Description automatically generated">
             <a:extLst>
               <a:ext uri="{FF2B5EF4-FFF2-40B4-BE49-F238E27FC236}">
-                <a16:creationId xmlns:a16="http://schemas.microsoft.com/office/drawing/2014/main" id="{AF6D0B97-71DF-3147-9690-794FC3B99AF9}"/>
+                <a16:creationId xmlns:a16="http://schemas.microsoft.com/office/drawing/2014/main" id="{2868651C-064D-CE40-A67A-52A8E24D28E9}"/>
               </a:ext>
             </a:extLst>
           </p:cNvPr>
-          <p:cNvSpPr>
-            <a:spLocks noGrp="1"/>
-          </p:cNvSpPr>
+          <p:cNvPicPr>
+            <a:picLocks noGrp="1" noChangeAspect="1"/>
+          </p:cNvPicPr>
           <p:nvPr>
             <p:ph idx="1"/>
           </p:nvPr>
-        </p:nvSpPr>
-        <p:spPr/>
-        <p:txBody>
-          <a:bodyPr/>
-          <a:lstStyle/>
-          <a:p>
-            <a:r>
-              <a:rPr lang="en-US" dirty="0"/>
-              <a:t>Which node(s) are strange?</a:t>
-            </a:r>
-          </a:p>
-          <a:p>
-            <a:pPr lvl="1"/>
-            <a:r>
-              <a:rPr lang="en-US" dirty="0"/>
-              <a:t>Q: How to start?</a:t>
-            </a:r>
-          </a:p>
-          <a:p>
-            <a:pPr lvl="1"/>
-            <a:r>
-              <a:rPr lang="en-US" dirty="0"/>
-              <a:t>A: egonet; and extract node features</a:t>
-            </a:r>
-          </a:p>
-          <a:p>
-            <a:pPr lvl="1"/>
-            <a:r>
-              <a:rPr lang="en-US" dirty="0"/>
-              <a:t>Q’: which features?</a:t>
-            </a:r>
-          </a:p>
-          <a:p>
-            <a:pPr lvl="1"/>
-            <a:r>
-              <a:rPr lang="en-US" dirty="0"/>
-              <a:t>A’: ART! Infinite! Pick a few, e.g.:</a:t>
-            </a:r>
-          </a:p>
-        </p:txBody>
-      </p:sp>
+        </p:nvPicPr>
+        <p:blipFill>
+          <a:blip r:embed="rId2"/>
+          <a:stretch>
+            <a:fillRect/>
+          </a:stretch>
+        </p:blipFill>
+        <p:spPr>
+          <a:xfrm>
+            <a:off x="1250950" y="2813050"/>
+            <a:ext cx="6642100" cy="1917700"/>
+          </a:xfrm>
+        </p:spPr>
+      </p:pic>
       <p:sp>
         <p:nvSpPr>
           <p:cNvPr id="4" name="Date Placeholder 3">
             <a:extLst>
               <a:ext uri="{FF2B5EF4-FFF2-40B4-BE49-F238E27FC236}">
-                <a16:creationId xmlns:a16="http://schemas.microsoft.com/office/drawing/2014/main" id="{E4B24557-0ACD-5B41-9409-91BD3BE2A412}"/>
+                <a16:creationId xmlns:a16="http://schemas.microsoft.com/office/drawing/2014/main" id="{466486AD-A7A7-6241-8809-8974D84F31D2}"/>
               </a:ext>
             </a:extLst>
           </p:cNvPr>
@@ -11619,8 +10651,8 @@
               <a:defRPr/>
             </a:pPr>
             <a:r>
-              <a:rPr lang="en-US" dirty="0"/>
-              <a:t>WWW'2021  Tutorial</a:t>
+              <a:rPr lang="en-US"/>
+              <a:t>PAKDD 2021</a:t>
             </a:r>
           </a:p>
         </p:txBody>
@@ -11630,7 +10662,7 @@
           <p:cNvPr id="5" name="Footer Placeholder 4">
             <a:extLst>
               <a:ext uri="{FF2B5EF4-FFF2-40B4-BE49-F238E27FC236}">
-                <a16:creationId xmlns:a16="http://schemas.microsoft.com/office/drawing/2014/main" id="{B2DBD683-4CC7-8F4F-97C0-75C45EBA1C66}"/>
+                <a16:creationId xmlns:a16="http://schemas.microsoft.com/office/drawing/2014/main" id="{F398E5F7-3D25-CD47-80BD-A864D9A73436}"/>
               </a:ext>
             </a:extLst>
           </p:cNvPr>
@@ -11650,9 +10682,10 @@
               <a:defRPr/>
             </a:pPr>
             <a:r>
-              <a:rPr lang="en-US"/>
-              <a:t>S. Fakhraei and  C. Faloutsos</a:t>
-            </a:r>
+              <a:rPr lang="fi-FI"/>
+              <a:t>L. Akoglu, M. McGlohon, C. Faloutsos</a:t>
+            </a:r>
+            <a:endParaRPr lang="en-US"/>
           </a:p>
         </p:txBody>
       </p:sp>
@@ -11661,7 +10694,7 @@
           <p:cNvPr id="6" name="Slide Number Placeholder 5">
             <a:extLst>
               <a:ext uri="{FF2B5EF4-FFF2-40B4-BE49-F238E27FC236}">
-                <a16:creationId xmlns:a16="http://schemas.microsoft.com/office/drawing/2014/main" id="{67C115BD-69E7-6348-814E-C851F3955C7C}"/>
+                <a16:creationId xmlns:a16="http://schemas.microsoft.com/office/drawing/2014/main" id="{64514D71-7FD5-3F4D-AB73-1E2A43CF4716}"/>
               </a:ext>
             </a:extLst>
           </p:cNvPr>
@@ -11691,113 +10724,10 @@
           </a:p>
         </p:txBody>
       </p:sp>
-      <p:sp>
-        <p:nvSpPr>
-          <p:cNvPr id="9" name="Rounded Rectangle 8">
-            <a:extLst>
-              <a:ext uri="{FF2B5EF4-FFF2-40B4-BE49-F238E27FC236}">
-                <a16:creationId xmlns:a16="http://schemas.microsoft.com/office/drawing/2014/main" id="{69C818D1-577F-7D4C-A348-20DBD95EB833}"/>
-              </a:ext>
-            </a:extLst>
-          </p:cNvPr>
-          <p:cNvSpPr/>
-          <p:nvPr/>
-        </p:nvSpPr>
-        <p:spPr bwMode="auto">
-          <a:xfrm rot="21227751">
-            <a:off x="2459179" y="4675794"/>
-            <a:ext cx="5685182" cy="1192696"/>
-          </a:xfrm>
-          <a:prstGeom prst="roundRect">
-            <a:avLst/>
-          </a:prstGeom>
-          <a:noFill/>
-          <a:ln w="41275" cap="flat" cmpd="sng" algn="ctr">
-            <a:solidFill>
-              <a:srgbClr val="C00000"/>
-            </a:solidFill>
-            <a:prstDash val="solid"/>
-            <a:round/>
-            <a:headEnd type="none" w="sm" len="sm"/>
-            <a:tailEnd type="triangle" w="lg" len="lg"/>
-          </a:ln>
-          <a:effectLst/>
-        </p:spPr>
-        <p:txBody>
-          <a:bodyPr rtlCol="0" anchor="ctr"/>
-          <a:lstStyle/>
-          <a:p>
-            <a:pPr algn="l"/>
-            <a:r>
-              <a:rPr lang="en-US" dirty="0">
-                <a:latin typeface="+mn-lt"/>
-              </a:rPr>
-              <a:t>KDD2020 ADS Panel: In ML </a:t>
-            </a:r>
-          </a:p>
-          <a:p>
-            <a:pPr algn="l"/>
-            <a:r>
-              <a:rPr lang="en-US" dirty="0">
-                <a:latin typeface="+mn-lt"/>
-              </a:rPr>
-              <a:t>‘</a:t>
-            </a:r>
-            <a:r>
-              <a:rPr lang="en-US" i="1" dirty="0">
-                <a:latin typeface="+mn-lt"/>
-              </a:rPr>
-              <a:t>feature engineering is the hardest part</a:t>
-            </a:r>
-            <a:r>
-              <a:rPr lang="en-US" dirty="0">
-                <a:latin typeface="+mn-lt"/>
-              </a:rPr>
-              <a:t>’</a:t>
-            </a:r>
-          </a:p>
-        </p:txBody>
-      </p:sp>
-      <p:pic>
-        <p:nvPicPr>
-          <p:cNvPr id="10" name="Picture 9">
-            <a:extLst>
-              <a:ext uri="{FF2B5EF4-FFF2-40B4-BE49-F238E27FC236}">
-                <a16:creationId xmlns:a16="http://schemas.microsoft.com/office/drawing/2014/main" id="{16872DD0-8618-2D43-A091-CDB0C0B4C468}"/>
-              </a:ext>
-            </a:extLst>
-          </p:cNvPr>
-          <p:cNvPicPr>
-            <a:picLocks noChangeAspect="1"/>
-          </p:cNvPicPr>
-          <p:nvPr/>
-        </p:nvPicPr>
-        <p:blipFill>
-          <a:blip r:embed="rId2" cstate="screen">
-            <a:extLst>
-              <a:ext uri="{28A0092B-C50C-407E-A947-70E740481C1C}">
-                <a14:useLocalDpi xmlns:a14="http://schemas.microsoft.com/office/drawing/2010/main"/>
-              </a:ext>
-            </a:extLst>
-          </a:blip>
-          <a:stretch>
-            <a:fillRect/>
-          </a:stretch>
-        </p:blipFill>
-        <p:spPr>
-          <a:xfrm>
-            <a:off x="551884" y="4517571"/>
-            <a:ext cx="1377343" cy="1030747"/>
-          </a:xfrm>
-          <a:prstGeom prst="rect">
-            <a:avLst/>
-          </a:prstGeom>
-        </p:spPr>
-      </p:pic>
     </p:spTree>
     <p:extLst>
       <p:ext uri="{BB962C8B-B14F-4D97-AF65-F5344CB8AC3E}">
-        <p14:creationId xmlns:p14="http://schemas.microsoft.com/office/powerpoint/2010/main" val="1710706544"/>
+        <p14:creationId xmlns:p14="http://schemas.microsoft.com/office/powerpoint/2010/main" val="743589915"/>
       </p:ext>
     </p:extLst>
   </p:cSld>
@@ -11827,700 +10757,64 @@
       </p:grpSpPr>
       <p:sp>
         <p:nvSpPr>
-          <p:cNvPr id="30" name="Rectangle 3"/>
-          <p:cNvSpPr>
-            <a:spLocks noChangeArrowheads="1"/>
-          </p:cNvSpPr>
-          <p:nvPr/>
-        </p:nvSpPr>
-        <p:spPr bwMode="auto">
-          <a:xfrm>
-            <a:off x="304800" y="1496392"/>
-            <a:ext cx="8610600" cy="4371388"/>
-          </a:xfrm>
-          <a:prstGeom prst="rect">
-            <a:avLst/>
-          </a:prstGeom>
-          <a:noFill/>
-          <a:ln>
-            <a:noFill/>
-          </a:ln>
-          <a:extLst>
-            <a:ext uri="{909E8E84-426E-40dd-AFC4-6F175D3DCCD1}">
-              <a14:hiddenFill xmlns:a14="http://schemas.microsoft.com/office/drawing/2010/main" xmlns="">
-                <a:solidFill>
-                  <a:srgbClr val="FFFFFF"/>
-                </a:solidFill>
-              </a14:hiddenFill>
-            </a:ext>
-            <a:ext uri="{91240B29-F687-4f45-9708-019B960494DF}">
-              <a14:hiddenLine xmlns:a14="http://schemas.microsoft.com/office/drawing/2010/main" xmlns="" w="9525">
-                <a:solidFill>
-                  <a:srgbClr val="000000"/>
-                </a:solidFill>
-                <a:miter lim="800000"/>
-                <a:headEnd/>
-                <a:tailEnd/>
-              </a14:hiddenLine>
-            </a:ext>
-          </a:extLst>
-        </p:spPr>
-        <p:txBody>
-          <a:bodyPr/>
-          <a:lstStyle/>
-          <a:p>
-            <a:pPr marL="514350" indent="-514350" algn="l">
-              <a:buFont typeface="Wingdings" charset="0"/>
-              <a:buChar char="§"/>
-            </a:pPr>
-            <a:r>
-              <a:rPr lang="en-US" sz="2800" i="1" dirty="0">
-                <a:solidFill>
-                  <a:srgbClr val="A53926"/>
-                </a:solidFill>
-                <a:latin typeface="Georgia" charset="0"/>
-              </a:rPr>
-              <a:t>N</a:t>
-            </a:r>
-            <a:r>
-              <a:rPr lang="en-US" sz="2800" i="1" baseline="-25000" dirty="0">
-                <a:solidFill>
-                  <a:srgbClr val="A53926"/>
-                </a:solidFill>
-                <a:latin typeface="Georgia" charset="0"/>
-              </a:rPr>
-              <a:t>i</a:t>
-            </a:r>
-            <a:r>
-              <a:rPr lang="en-US" sz="2800" dirty="0">
-                <a:solidFill>
-                  <a:srgbClr val="A53926"/>
-                </a:solidFill>
-              </a:rPr>
-              <a:t>: </a:t>
-            </a:r>
-            <a:r>
-              <a:rPr lang="en-US" sz="2800" dirty="0"/>
-              <a:t>number of neighbors (degree) of ego </a:t>
-            </a:r>
-            <a:r>
-              <a:rPr lang="en-US" sz="2800" i="1" dirty="0" err="1">
-                <a:latin typeface="Georgia" charset="0"/>
-              </a:rPr>
-              <a:t>i</a:t>
-            </a:r>
-            <a:endParaRPr lang="en-US" sz="2800" i="1" dirty="0">
-              <a:latin typeface="Georgia" charset="0"/>
-            </a:endParaRPr>
-          </a:p>
-          <a:p>
-            <a:pPr marL="514350" indent="-514350" algn="l">
-              <a:buFont typeface="Wingdings" charset="0"/>
-              <a:buChar char="§"/>
-            </a:pPr>
-            <a:r>
-              <a:rPr lang="en-US" sz="2800" i="1" dirty="0" err="1">
-                <a:solidFill>
-                  <a:srgbClr val="A53926"/>
-                </a:solidFill>
-                <a:latin typeface="Georgia" charset="0"/>
-              </a:rPr>
-              <a:t>E</a:t>
-            </a:r>
-            <a:r>
-              <a:rPr lang="en-US" sz="2800" i="1" baseline="-25000" dirty="0" err="1">
-                <a:solidFill>
-                  <a:srgbClr val="A53926"/>
-                </a:solidFill>
-                <a:latin typeface="Georgia" charset="0"/>
-              </a:rPr>
-              <a:t>i</a:t>
-            </a:r>
-            <a:r>
-              <a:rPr lang="en-US" sz="2800" dirty="0">
-                <a:solidFill>
-                  <a:srgbClr val="A53926"/>
-                </a:solidFill>
-              </a:rPr>
-              <a:t>: </a:t>
-            </a:r>
-            <a:r>
-              <a:rPr lang="en-US" sz="2800" dirty="0"/>
-              <a:t>number of edges in </a:t>
-            </a:r>
-            <a:r>
-              <a:rPr lang="en-US" sz="2800" dirty="0" err="1"/>
-              <a:t>egonet</a:t>
-            </a:r>
-            <a:r>
-              <a:rPr lang="en-US" sz="2800" dirty="0"/>
-              <a:t> </a:t>
-            </a:r>
-            <a:r>
-              <a:rPr lang="en-US" sz="2800" i="1" dirty="0" err="1">
-                <a:latin typeface="Georgia" charset="0"/>
-              </a:rPr>
-              <a:t>i</a:t>
-            </a:r>
-            <a:endParaRPr lang="en-US" sz="2800" i="1" dirty="0">
-              <a:latin typeface="Georgia" charset="0"/>
-            </a:endParaRPr>
-          </a:p>
-          <a:p>
-            <a:pPr marL="514350" indent="-514350" algn="l">
-              <a:buFont typeface="Wingdings" charset="0"/>
-              <a:buChar char="§"/>
-            </a:pPr>
-            <a:endParaRPr lang="en-US" sz="2800" i="1" dirty="0">
-              <a:latin typeface="Georgia" charset="0"/>
-            </a:endParaRPr>
-          </a:p>
-          <a:p>
-            <a:pPr marL="514350" indent="-514350" algn="l">
-              <a:buFont typeface="Wingdings" charset="0"/>
-              <a:buChar char="§"/>
-            </a:pPr>
-            <a:endParaRPr lang="en-US" sz="2800" dirty="0"/>
-          </a:p>
-          <a:p>
-            <a:pPr marL="514350" indent="-514350" algn="l">
-              <a:buFont typeface="Wingdings" charset="0"/>
-              <a:buChar char="§"/>
-            </a:pPr>
-            <a:r>
-              <a:rPr lang="en-US" sz="2800" i="1" dirty="0">
-                <a:solidFill>
-                  <a:srgbClr val="A53926"/>
-                </a:solidFill>
-                <a:latin typeface="Georgia" charset="0"/>
-              </a:rPr>
-              <a:t>W</a:t>
-            </a:r>
-            <a:r>
-              <a:rPr lang="en-US" sz="2800" i="1" baseline="-25000" dirty="0">
-                <a:solidFill>
-                  <a:srgbClr val="A53926"/>
-                </a:solidFill>
-                <a:latin typeface="Georgia" charset="0"/>
-              </a:rPr>
-              <a:t>i</a:t>
-            </a:r>
-            <a:r>
-              <a:rPr lang="en-US" sz="2800" dirty="0">
-                <a:solidFill>
-                  <a:srgbClr val="A53926"/>
-                </a:solidFill>
-              </a:rPr>
-              <a:t>: </a:t>
-            </a:r>
-            <a:r>
-              <a:rPr lang="en-US" sz="2800" dirty="0"/>
-              <a:t>total weight of </a:t>
-            </a:r>
-            <a:r>
-              <a:rPr lang="en-US" sz="2800" dirty="0" err="1"/>
-              <a:t>egonet</a:t>
-            </a:r>
-            <a:r>
-              <a:rPr lang="en-US" sz="2800" dirty="0"/>
-              <a:t> </a:t>
-            </a:r>
-            <a:r>
-              <a:rPr lang="en-US" sz="2800" i="1" dirty="0" err="1">
-                <a:latin typeface="Georgia" charset="0"/>
-              </a:rPr>
-              <a:t>i</a:t>
-            </a:r>
-            <a:endParaRPr lang="en-US" sz="2800" dirty="0"/>
-          </a:p>
-          <a:p>
-            <a:pPr marL="514350" indent="-514350" algn="l">
-              <a:buFont typeface="Wingdings" charset="0"/>
-              <a:buChar char="§"/>
-            </a:pPr>
-            <a:r>
-              <a:rPr lang="el-GR" sz="2800" i="1" dirty="0">
-                <a:solidFill>
-                  <a:schemeClr val="tx2">
-                    <a:lumMod val="75000"/>
-                  </a:schemeClr>
-                </a:solidFill>
-                <a:latin typeface="Georgia" charset="0"/>
-              </a:rPr>
-              <a:t>λ</a:t>
-            </a:r>
-            <a:r>
-              <a:rPr lang="en-US" sz="2800" i="1" baseline="-25000" dirty="0" err="1">
-                <a:solidFill>
-                  <a:schemeClr val="tx2">
-                    <a:lumMod val="75000"/>
-                  </a:schemeClr>
-                </a:solidFill>
-                <a:latin typeface="Georgia" charset="0"/>
-              </a:rPr>
-              <a:t>w,i</a:t>
-            </a:r>
-            <a:r>
-              <a:rPr lang="en-US" sz="2800" dirty="0">
-                <a:solidFill>
-                  <a:schemeClr val="tx2">
-                    <a:lumMod val="75000"/>
-                  </a:schemeClr>
-                </a:solidFill>
-              </a:rPr>
-              <a:t>: </a:t>
-            </a:r>
-            <a:r>
-              <a:rPr lang="en-US" sz="2800" dirty="0"/>
-              <a:t>principal eigenvalue of the </a:t>
-            </a:r>
-            <a:r>
-              <a:rPr lang="en-US" sz="2800" dirty="0">
-                <a:solidFill>
-                  <a:srgbClr val="A53926"/>
-                </a:solidFill>
-              </a:rPr>
-              <a:t>weighted</a:t>
-            </a:r>
-            <a:r>
-              <a:rPr lang="en-US" sz="2800" dirty="0">
-                <a:solidFill>
-                  <a:schemeClr val="bg2"/>
-                </a:solidFill>
-              </a:rPr>
-              <a:t> 		   	   </a:t>
-            </a:r>
-            <a:r>
-              <a:rPr lang="en-US" sz="2800" dirty="0"/>
-              <a:t>adjacency matrix of </a:t>
-            </a:r>
-            <a:r>
-              <a:rPr lang="en-US" sz="2800" dirty="0" err="1"/>
-              <a:t>egonet</a:t>
-            </a:r>
-            <a:r>
-              <a:rPr lang="en-US" sz="2800" dirty="0"/>
-              <a:t> </a:t>
-            </a:r>
-            <a:r>
-              <a:rPr lang="en-US" sz="2800" i="1" dirty="0" err="1">
-                <a:latin typeface="Georgia" charset="0"/>
-              </a:rPr>
-              <a:t>i</a:t>
-            </a:r>
-            <a:endParaRPr lang="en-US" sz="2800" i="1" dirty="0">
-              <a:latin typeface="Georgia" charset="0"/>
-            </a:endParaRPr>
-          </a:p>
-          <a:p>
-            <a:pPr marL="514350" indent="-514350">
-              <a:buFont typeface="Times New Roman" charset="0"/>
-              <a:buNone/>
-            </a:pPr>
-            <a:endParaRPr lang="en-US" sz="2800" i="1" dirty="0">
-              <a:latin typeface="Georgia" charset="0"/>
-            </a:endParaRPr>
-          </a:p>
-        </p:txBody>
-      </p:sp>
-      <p:sp>
-        <p:nvSpPr>
-          <p:cNvPr id="4" name="Slide Number Placeholder 3"/>
+          <p:cNvPr id="2" name="Title 1">
+            <a:extLst>
+              <a:ext uri="{FF2B5EF4-FFF2-40B4-BE49-F238E27FC236}">
+                <a16:creationId xmlns:a16="http://schemas.microsoft.com/office/drawing/2014/main" id="{E2149C67-550A-4144-9A30-035578B52DD8}"/>
+              </a:ext>
+            </a:extLst>
+          </p:cNvPr>
           <p:cNvSpPr>
             <a:spLocks noGrp="1"/>
           </p:cNvSpPr>
           <p:nvPr>
-            <p:ph type="sldNum" sz="quarter" idx="12"/>
-          </p:nvPr>
-        </p:nvSpPr>
-        <p:spPr/>
-        <p:txBody>
-          <a:bodyPr/>
-          <a:lstStyle/>
-          <a:p>
-            <a:fld id="{9EFA7B99-FC7E-AC43-B41E-A99A9A519522}" type="slidenum">
-              <a:rPr lang="en-US" smtClean="0"/>
-              <a:t>9</a:t>
-            </a:fld>
+            <p:ph type="title"/>
+          </p:nvPr>
+        </p:nvSpPr>
+        <p:spPr/>
+        <p:txBody>
+          <a:bodyPr/>
+          <a:lstStyle/>
+          <a:p>
             <a:endParaRPr lang="en-US"/>
-          </a:p>
-        </p:txBody>
-      </p:sp>
-      <p:sp>
-        <p:nvSpPr>
-          <p:cNvPr id="6" name="TextBox 5"/>
-          <p:cNvSpPr txBox="1"/>
-          <p:nvPr/>
-        </p:nvSpPr>
-        <p:spPr>
-          <a:xfrm>
-            <a:off x="-48790" y="5750004"/>
-            <a:ext cx="7148354" cy="1200328"/>
-          </a:xfrm>
-          <a:prstGeom prst="rect">
-            <a:avLst/>
-          </a:prstGeom>
-          <a:noFill/>
-        </p:spPr>
-        <p:txBody>
-          <a:bodyPr wrap="square" rtlCol="0">
-            <a:spAutoFit/>
-          </a:bodyPr>
-          <a:lstStyle/>
-          <a:p>
-            <a:r>
-              <a:rPr lang="en-US" sz="2400" dirty="0">
-                <a:solidFill>
-                  <a:srgbClr val="FFFFFF"/>
-                </a:solidFill>
-              </a:rPr>
-              <a:t>Oddball: Spotting anomalies in weighted graphs</a:t>
-            </a:r>
-          </a:p>
-          <a:p>
-            <a:r>
-              <a:rPr lang="en-US" sz="2400" dirty="0">
-                <a:solidFill>
-                  <a:srgbClr val="FFFFFF"/>
-                </a:solidFill>
-              </a:rPr>
-              <a:t>Leman Akoglu, Mary </a:t>
-            </a:r>
-            <a:r>
-              <a:rPr lang="en-US" sz="2400" dirty="0" err="1">
-                <a:solidFill>
-                  <a:srgbClr val="FFFFFF"/>
-                </a:solidFill>
-              </a:rPr>
-              <a:t>McGlohon</a:t>
-            </a:r>
-            <a:r>
-              <a:rPr lang="en-US" sz="2400" dirty="0">
-                <a:solidFill>
-                  <a:srgbClr val="FFFFFF"/>
-                </a:solidFill>
-              </a:rPr>
-              <a:t>, Christos Faloutsos</a:t>
-            </a:r>
-          </a:p>
-          <a:p>
-            <a:r>
-              <a:rPr lang="en-US" sz="2400" i="1" dirty="0">
-                <a:solidFill>
-                  <a:srgbClr val="FFFFFF"/>
-                </a:solidFill>
-              </a:rPr>
-              <a:t>PAKDD</a:t>
-            </a:r>
-            <a:r>
-              <a:rPr lang="en-US" sz="2400" dirty="0">
-                <a:solidFill>
-                  <a:srgbClr val="FFFFFF"/>
-                </a:solidFill>
-              </a:rPr>
-              <a:t> 2010</a:t>
-            </a:r>
-          </a:p>
-        </p:txBody>
-      </p:sp>
-      <p:sp>
-        <p:nvSpPr>
-          <p:cNvPr id="2" name="Title 1"/>
-          <p:cNvSpPr>
-            <a:spLocks noGrp="1"/>
-          </p:cNvSpPr>
-          <p:nvPr>
-            <p:ph type="title"/>
-          </p:nvPr>
-        </p:nvSpPr>
-        <p:spPr/>
-        <p:txBody>
-          <a:bodyPr/>
-          <a:lstStyle/>
-          <a:p>
-            <a:r>
-              <a:rPr lang="en-US" dirty="0"/>
-              <a:t>Ego-net Patterns </a:t>
-            </a:r>
           </a:p>
         </p:txBody>
       </p:sp>
       <p:pic>
         <p:nvPicPr>
-          <p:cNvPr id="17" name="Picture 7"/>
+          <p:cNvPr id="8" name="Content Placeholder 7" descr="Graphical user interface&#10;&#10;Description automatically generated with medium confidence">
+            <a:extLst>
+              <a:ext uri="{FF2B5EF4-FFF2-40B4-BE49-F238E27FC236}">
+                <a16:creationId xmlns:a16="http://schemas.microsoft.com/office/drawing/2014/main" id="{11ADE989-89D5-4541-8C3A-B6AFED55138D}"/>
+              </a:ext>
+            </a:extLst>
+          </p:cNvPr>
           <p:cNvPicPr>
-            <a:picLocks noChangeAspect="1" noChangeArrowheads="1"/>
+            <a:picLocks noGrp="1" noChangeAspect="1"/>
           </p:cNvPicPr>
-          <p:nvPr/>
+          <p:nvPr>
+            <p:ph idx="1"/>
+          </p:nvPr>
         </p:nvPicPr>
         <p:blipFill>
-          <a:blip r:embed="rId2" cstate="screen">
-            <a:extLst>
-              <a:ext uri="{28A0092B-C50C-407E-A947-70E740481C1C}">
-                <a14:useLocalDpi xmlns:a14="http://schemas.microsoft.com/office/drawing/2010/main"/>
-              </a:ext>
-            </a:extLst>
-          </a:blip>
-          <a:srcRect/>
+          <a:blip r:embed="rId2"/>
           <a:stretch>
             <a:fillRect/>
           </a:stretch>
         </p:blipFill>
-        <p:spPr bwMode="auto">
+        <p:spPr>
           <a:xfrm>
-            <a:off x="5337101" y="2934335"/>
-            <a:ext cx="823111" cy="766964"/>
+            <a:off x="717550" y="2527300"/>
+            <a:ext cx="7708900" cy="2489200"/>
           </a:xfrm>
-          <a:prstGeom prst="rect">
-            <a:avLst/>
-          </a:prstGeom>
-          <a:noFill/>
-          <a:ln>
-            <a:noFill/>
-          </a:ln>
-          <a:extLst>
-            <a:ext uri="{909E8E84-426E-40dd-AFC4-6F175D3DCCD1}">
-              <a14:hiddenFill xmlns:a14="http://schemas.microsoft.com/office/drawing/2010/main" xmlns="">
-                <a:solidFill>
-                  <a:srgbClr val="FFFFFF"/>
-                </a:solidFill>
-              </a14:hiddenFill>
-            </a:ext>
-            <a:ext uri="{91240B29-F687-4f45-9708-019B960494DF}">
-              <a14:hiddenLine xmlns:a14="http://schemas.microsoft.com/office/drawing/2010/main" xmlns="" w="9525">
-                <a:solidFill>
-                  <a:srgbClr val="000000"/>
-                </a:solidFill>
-                <a:miter lim="800000"/>
-                <a:headEnd/>
-                <a:tailEnd/>
-              </a14:hiddenLine>
-            </a:ext>
-          </a:extLst>
         </p:spPr>
       </p:pic>
-      <p:pic>
-        <p:nvPicPr>
-          <p:cNvPr id="18" name="Picture 8"/>
-          <p:cNvPicPr>
-            <a:picLocks noChangeAspect="1" noChangeArrowheads="1"/>
-          </p:cNvPicPr>
-          <p:nvPr/>
-        </p:nvPicPr>
-        <p:blipFill>
-          <a:blip r:embed="rId3" cstate="screen">
-            <a:extLst>
-              <a:ext uri="{28A0092B-C50C-407E-A947-70E740481C1C}">
-                <a14:useLocalDpi xmlns:a14="http://schemas.microsoft.com/office/drawing/2010/main"/>
-              </a:ext>
-            </a:extLst>
-          </a:blip>
-          <a:srcRect/>
-          <a:stretch>
-            <a:fillRect/>
-          </a:stretch>
-        </p:blipFill>
-        <p:spPr bwMode="auto">
-          <a:xfrm>
-            <a:off x="2286000" y="4653963"/>
-            <a:ext cx="1143000" cy="1003300"/>
-          </a:xfrm>
-          <a:prstGeom prst="rect">
-            <a:avLst/>
-          </a:prstGeom>
-          <a:noFill/>
-          <a:ln>
-            <a:noFill/>
-          </a:ln>
-          <a:extLst>
-            <a:ext uri="{909E8E84-426E-40dd-AFC4-6F175D3DCCD1}">
-              <a14:hiddenFill xmlns:a14="http://schemas.microsoft.com/office/drawing/2010/main" xmlns="">
-                <a:solidFill>
-                  <a:srgbClr val="FFFFFF"/>
-                </a:solidFill>
-              </a14:hiddenFill>
-            </a:ext>
-            <a:ext uri="{91240B29-F687-4f45-9708-019B960494DF}">
-              <a14:hiddenLine xmlns:a14="http://schemas.microsoft.com/office/drawing/2010/main" xmlns="" w="9525">
-                <a:solidFill>
-                  <a:srgbClr val="000000"/>
-                </a:solidFill>
-                <a:miter lim="800000"/>
-                <a:headEnd/>
-                <a:tailEnd/>
-              </a14:hiddenLine>
-            </a:ext>
-          </a:extLst>
-        </p:spPr>
-      </p:pic>
-      <p:pic>
-        <p:nvPicPr>
-          <p:cNvPr id="19" name="Picture 9"/>
-          <p:cNvPicPr>
-            <a:picLocks noChangeAspect="1" noChangeArrowheads="1"/>
-          </p:cNvPicPr>
-          <p:nvPr/>
-        </p:nvPicPr>
-        <p:blipFill>
-          <a:blip r:embed="rId4" cstate="screen">
-            <a:extLst>
-              <a:ext uri="{28A0092B-C50C-407E-A947-70E740481C1C}">
-                <a14:useLocalDpi xmlns:a14="http://schemas.microsoft.com/office/drawing/2010/main"/>
-              </a:ext>
-            </a:extLst>
-          </a:blip>
-          <a:srcRect/>
-          <a:stretch>
-            <a:fillRect/>
-          </a:stretch>
-        </p:blipFill>
-        <p:spPr bwMode="auto">
-          <a:xfrm>
-            <a:off x="3505200" y="4653963"/>
-            <a:ext cx="1143000" cy="1012825"/>
-          </a:xfrm>
-          <a:prstGeom prst="rect">
-            <a:avLst/>
-          </a:prstGeom>
-          <a:noFill/>
-          <a:ln>
-            <a:noFill/>
-          </a:ln>
-          <a:extLst>
-            <a:ext uri="{909E8E84-426E-40dd-AFC4-6F175D3DCCD1}">
-              <a14:hiddenFill xmlns:a14="http://schemas.microsoft.com/office/drawing/2010/main" xmlns="">
-                <a:solidFill>
-                  <a:srgbClr val="FFFFFF"/>
-                </a:solidFill>
-              </a14:hiddenFill>
-            </a:ext>
-            <a:ext uri="{91240B29-F687-4f45-9708-019B960494DF}">
-              <a14:hiddenLine xmlns:a14="http://schemas.microsoft.com/office/drawing/2010/main" xmlns="" w="9525">
-                <a:solidFill>
-                  <a:srgbClr val="000000"/>
-                </a:solidFill>
-                <a:miter lim="800000"/>
-                <a:headEnd/>
-                <a:tailEnd/>
-              </a14:hiddenLine>
-            </a:ext>
-          </a:extLst>
-        </p:spPr>
-      </p:pic>
-      <p:pic>
-        <p:nvPicPr>
-          <p:cNvPr id="20" name="Picture 3"/>
-          <p:cNvPicPr>
-            <a:picLocks noChangeAspect="1" noChangeArrowheads="1"/>
-          </p:cNvPicPr>
-          <p:nvPr/>
-        </p:nvPicPr>
-        <p:blipFill>
-          <a:blip r:embed="rId5" cstate="screen">
-            <a:extLst>
-              <a:ext uri="{28A0092B-C50C-407E-A947-70E740481C1C}">
-                <a14:useLocalDpi xmlns:a14="http://schemas.microsoft.com/office/drawing/2010/main"/>
-              </a:ext>
-            </a:extLst>
-          </a:blip>
-          <a:srcRect/>
-          <a:stretch>
-            <a:fillRect/>
-          </a:stretch>
-        </p:blipFill>
-        <p:spPr bwMode="auto">
-          <a:xfrm>
-            <a:off x="3328492" y="2427288"/>
-            <a:ext cx="969463" cy="826820"/>
-          </a:xfrm>
-          <a:prstGeom prst="rect">
-            <a:avLst/>
-          </a:prstGeom>
-          <a:noFill/>
-          <a:ln>
-            <a:noFill/>
-          </a:ln>
-          <a:extLst>
-            <a:ext uri="{909E8E84-426E-40dd-AFC4-6F175D3DCCD1}">
-              <a14:hiddenFill xmlns:a14="http://schemas.microsoft.com/office/drawing/2010/main" xmlns="">
-                <a:solidFill>
-                  <a:srgbClr val="FFFFFF"/>
-                </a:solidFill>
-              </a14:hiddenFill>
-            </a:ext>
-            <a:ext uri="{91240B29-F687-4f45-9708-019B960494DF}">
-              <a14:hiddenLine xmlns:a14="http://schemas.microsoft.com/office/drawing/2010/main" xmlns="" w="9525">
-                <a:solidFill>
-                  <a:srgbClr val="000000"/>
-                </a:solidFill>
-                <a:miter lim="800000"/>
-                <a:headEnd/>
-                <a:tailEnd/>
-              </a14:hiddenLine>
-            </a:ext>
-          </a:extLst>
-        </p:spPr>
-      </p:pic>
-      <p:pic>
-        <p:nvPicPr>
-          <p:cNvPr id="29" name="Picture 5"/>
-          <p:cNvPicPr>
-            <a:picLocks noChangeAspect="1" noChangeArrowheads="1"/>
-          </p:cNvPicPr>
-          <p:nvPr/>
-        </p:nvPicPr>
-        <p:blipFill>
-          <a:blip r:embed="rId6" cstate="screen">
-            <a:extLst>
-              <a:ext uri="{28A0092B-C50C-407E-A947-70E740481C1C}">
-                <a14:useLocalDpi xmlns:a14="http://schemas.microsoft.com/office/drawing/2010/main"/>
-              </a:ext>
-            </a:extLst>
-          </a:blip>
-          <a:srcRect/>
-          <a:stretch>
-            <a:fillRect/>
-          </a:stretch>
-        </p:blipFill>
-        <p:spPr bwMode="auto">
-          <a:xfrm>
-            <a:off x="2400954" y="2383161"/>
-            <a:ext cx="927538" cy="870947"/>
-          </a:xfrm>
-          <a:prstGeom prst="rect">
-            <a:avLst/>
-          </a:prstGeom>
-          <a:noFill/>
-          <a:ln>
-            <a:noFill/>
-          </a:ln>
-          <a:extLst>
-            <a:ext uri="{909E8E84-426E-40dd-AFC4-6F175D3DCCD1}">
-              <a14:hiddenFill xmlns:a14="http://schemas.microsoft.com/office/drawing/2010/main" xmlns="">
-                <a:solidFill>
-                  <a:srgbClr val="FFFFFF"/>
-                </a:solidFill>
-              </a14:hiddenFill>
-            </a:ext>
-            <a:ext uri="{91240B29-F687-4f45-9708-019B960494DF}">
-              <a14:hiddenLine xmlns:a14="http://schemas.microsoft.com/office/drawing/2010/main" xmlns="" w="9525">
-                <a:solidFill>
-                  <a:srgbClr val="000000"/>
-                </a:solidFill>
-                <a:miter lim="800000"/>
-                <a:headEnd/>
-                <a:tailEnd/>
-              </a14:hiddenLine>
-            </a:ext>
-          </a:extLst>
-        </p:spPr>
-      </p:pic>
-      <p:sp>
-        <p:nvSpPr>
-          <p:cNvPr id="3" name="Date Placeholder 2">
+      <p:sp>
+        <p:nvSpPr>
+          <p:cNvPr id="4" name="Date Placeholder 3">
             <a:extLst>
               <a:ext uri="{FF2B5EF4-FFF2-40B4-BE49-F238E27FC236}">
-                <a16:creationId xmlns:a16="http://schemas.microsoft.com/office/drawing/2014/main" id="{5795FB81-E4F1-BF40-AA3D-35C7209A1E0C}"/>
+                <a16:creationId xmlns:a16="http://schemas.microsoft.com/office/drawing/2014/main" id="{A3F63495-E49F-DB4F-AADE-A964D43E4571}"/>
               </a:ext>
             </a:extLst>
           </p:cNvPr>
@@ -12540,18 +10834,18 @@
               <a:defRPr/>
             </a:pPr>
             <a:r>
-              <a:rPr lang="en-US" dirty="0"/>
-              <a:t>WWW'2021  Tutorial</a:t>
-            </a:r>
-          </a:p>
-        </p:txBody>
-      </p:sp>
-      <p:sp>
-        <p:nvSpPr>
-          <p:cNvPr id="7" name="Footer Placeholder 6">
+              <a:rPr lang="en-US"/>
+              <a:t>PAKDD 2021</a:t>
+            </a:r>
+          </a:p>
+        </p:txBody>
+      </p:sp>
+      <p:sp>
+        <p:nvSpPr>
+          <p:cNvPr id="5" name="Footer Placeholder 4">
             <a:extLst>
               <a:ext uri="{FF2B5EF4-FFF2-40B4-BE49-F238E27FC236}">
-                <a16:creationId xmlns:a16="http://schemas.microsoft.com/office/drawing/2014/main" id="{D5A02CFA-6770-7D45-B651-7B995F8F3A4A}"/>
+                <a16:creationId xmlns:a16="http://schemas.microsoft.com/office/drawing/2014/main" id="{758A5FF7-7C3E-AF4B-9779-2F800BB2EE35}"/>
               </a:ext>
             </a:extLst>
           </p:cNvPr>
@@ -12571,133 +10865,44 @@
               <a:defRPr/>
             </a:pPr>
             <a:r>
-              <a:rPr lang="en-US"/>
-              <a:t>S. Fakhraei and  C. Faloutsos</a:t>
-            </a:r>
-          </a:p>
-        </p:txBody>
-      </p:sp>
-      <p:sp>
-        <p:nvSpPr>
-          <p:cNvPr id="14" name="TextBox 13">
+              <a:rPr lang="fi-FI"/>
+              <a:t>L. Akoglu, M. McGlohon, C. Faloutsos</a:t>
+            </a:r>
+            <a:endParaRPr lang="en-US"/>
+          </a:p>
+        </p:txBody>
+      </p:sp>
+      <p:sp>
+        <p:nvSpPr>
+          <p:cNvPr id="6" name="Slide Number Placeholder 5">
             <a:extLst>
               <a:ext uri="{FF2B5EF4-FFF2-40B4-BE49-F238E27FC236}">
-                <a16:creationId xmlns:a16="http://schemas.microsoft.com/office/drawing/2014/main" id="{9B7CFFF0-828B-0E4C-9C42-53166DF8317B}"/>
+                <a16:creationId xmlns:a16="http://schemas.microsoft.com/office/drawing/2014/main" id="{6C0EDE0D-8938-074C-8031-72E7C2277367}"/>
               </a:ext>
             </a:extLst>
           </p:cNvPr>
-          <p:cNvSpPr txBox="1"/>
-          <p:nvPr/>
-        </p:nvSpPr>
-        <p:spPr>
-          <a:xfrm>
-            <a:off x="28575" y="6034002"/>
-            <a:ext cx="9092107" cy="830997"/>
-          </a:xfrm>
-          <a:prstGeom prst="rect">
-            <a:avLst/>
-          </a:prstGeom>
-          <a:solidFill>
-            <a:srgbClr val="FF8000"/>
-          </a:solidFill>
-        </p:spPr>
-        <p:txBody>
-          <a:bodyPr wrap="square" rtlCol="0">
-            <a:spAutoFit/>
-          </a:bodyPr>
-          <a:lstStyle/>
-          <a:p>
-            <a:pPr algn="just"/>
-            <a:r>
-              <a:rPr lang="en-US" sz="2400" b="1" i="1" dirty="0">
-                <a:solidFill>
-                  <a:srgbClr val="FFFFFF"/>
-                </a:solidFill>
-              </a:rPr>
-              <a:t>Oddball: Spotting anomalies in weighted graphs</a:t>
-            </a:r>
-            <a:r>
-              <a:rPr lang="en-US" sz="2400" b="1" dirty="0">
-                <a:solidFill>
-                  <a:srgbClr val="FFFFFF"/>
-                </a:solidFill>
-              </a:rPr>
-              <a:t>, Leman Akoglu, Mary </a:t>
-            </a:r>
-            <a:r>
-              <a:rPr lang="en-US" sz="2400" b="1" dirty="0" err="1">
-                <a:solidFill>
-                  <a:srgbClr val="FFFFFF"/>
-                </a:solidFill>
-              </a:rPr>
-              <a:t>McGlohon</a:t>
-            </a:r>
-            <a:r>
-              <a:rPr lang="en-US" sz="2400" b="1" dirty="0">
-                <a:solidFill>
-                  <a:srgbClr val="FFFFFF"/>
-                </a:solidFill>
-              </a:rPr>
-              <a:t>, Christos Faloutsos, </a:t>
-            </a:r>
-            <a:r>
-              <a:rPr lang="en-US" sz="2400" b="1" i="1" dirty="0">
-                <a:solidFill>
-                  <a:srgbClr val="FFFFFF"/>
-                </a:solidFill>
-              </a:rPr>
-              <a:t>PAKDD</a:t>
-            </a:r>
-            <a:r>
-              <a:rPr lang="en-US" sz="2400" b="1" dirty="0">
-                <a:solidFill>
-                  <a:srgbClr val="FFFFFF"/>
-                </a:solidFill>
-              </a:rPr>
-              <a:t> 2010</a:t>
-            </a:r>
-          </a:p>
-        </p:txBody>
-      </p:sp>
-      <p:sp>
-        <p:nvSpPr>
-          <p:cNvPr id="5" name="Rounded Rectangle 4">
-            <a:extLst>
-              <a:ext uri="{FF2B5EF4-FFF2-40B4-BE49-F238E27FC236}">
-                <a16:creationId xmlns:a16="http://schemas.microsoft.com/office/drawing/2014/main" id="{1A9937F3-1303-D342-8532-0CEE9E73D85C}"/>
-              </a:ext>
-            </a:extLst>
-          </p:cNvPr>
-          <p:cNvSpPr/>
-          <p:nvPr/>
-        </p:nvSpPr>
-        <p:spPr bwMode="auto">
-          <a:xfrm>
-            <a:off x="142875" y="3143250"/>
-            <a:ext cx="8529638" cy="2606754"/>
-          </a:xfrm>
-          <a:prstGeom prst="roundRect">
-            <a:avLst/>
-          </a:prstGeom>
-          <a:solidFill>
-            <a:schemeClr val="bg1">
-              <a:alpha val="80000"/>
-            </a:schemeClr>
-          </a:solidFill>
-          <a:ln w="3175" cap="flat" cmpd="sng" algn="ctr">
-            <a:noFill/>
-            <a:prstDash val="solid"/>
-            <a:round/>
-            <a:headEnd type="none" w="sm" len="sm"/>
-            <a:tailEnd type="none" w="med" len="med"/>
-          </a:ln>
-          <a:effectLst/>
-        </p:spPr>
-        <p:txBody>
-          <a:bodyPr rtlCol="0" anchor="ctr"/>
-          <a:lstStyle/>
-          <a:p>
-            <a:pPr algn="ctr"/>
+          <p:cNvSpPr>
+            <a:spLocks noGrp="1"/>
+          </p:cNvSpPr>
+          <p:nvPr>
+            <p:ph type="sldNum" sz="quarter" idx="12"/>
+          </p:nvPr>
+        </p:nvSpPr>
+        <p:spPr/>
+        <p:txBody>
+          <a:bodyPr/>
+          <a:lstStyle/>
+          <a:p>
+            <a:pPr>
+              <a:defRPr/>
+            </a:pPr>
+            <a:fld id="{F9B43987-7F84-BB4A-8611-CDF75B6A737D}" type="slidenum">
+              <a:rPr lang="en-US" smtClean="0"/>
+              <a:pPr>
+                <a:defRPr/>
+              </a:pPr>
+              <a:t>9</a:t>
+            </a:fld>
             <a:endParaRPr lang="en-US"/>
           </a:p>
         </p:txBody>
@@ -12705,13 +10910,14 @@
     </p:spTree>
     <p:extLst>
       <p:ext uri="{BB962C8B-B14F-4D97-AF65-F5344CB8AC3E}">
-        <p14:creationId xmlns:p14="http://schemas.microsoft.com/office/powerpoint/2010/main" val="2375523590"/>
+        <p14:creationId xmlns:p14="http://schemas.microsoft.com/office/powerpoint/2010/main" val="1545109968"/>
       </p:ext>
     </p:extLst>
   </p:cSld>
   <p:clrMapOvr>
     <a:masterClrMapping/>
   </p:clrMapOvr>
+  <p:transition/>
 </p:sld>
 </file>
 

--- a/P3_future_OddBall_ToT.pptx
+++ b/P3_future_OddBall_ToT.pptx
@@ -5,31 +5,32 @@
     <p:sldMasterId id="2147483656" r:id="rId1"/>
   </p:sldMasterIdLst>
   <p:notesMasterIdLst>
-    <p:notesMasterId r:id="rId21"/>
+    <p:notesMasterId r:id="rId22"/>
   </p:notesMasterIdLst>
   <p:handoutMasterIdLst>
-    <p:handoutMasterId r:id="rId22"/>
+    <p:handoutMasterId r:id="rId23"/>
   </p:handoutMasterIdLst>
   <p:sldIdLst>
     <p:sldId id="1334" r:id="rId2"/>
-    <p:sldId id="2993" r:id="rId3"/>
-    <p:sldId id="3400" r:id="rId4"/>
-    <p:sldId id="3411" r:id="rId5"/>
-    <p:sldId id="3401" r:id="rId6"/>
-    <p:sldId id="3410" r:id="rId7"/>
-    <p:sldId id="3402" r:id="rId8"/>
-    <p:sldId id="3403" r:id="rId9"/>
-    <p:sldId id="3404" r:id="rId10"/>
-    <p:sldId id="3405" r:id="rId11"/>
-    <p:sldId id="3406" r:id="rId12"/>
-    <p:sldId id="3407" r:id="rId13"/>
-    <p:sldId id="3408" r:id="rId14"/>
-    <p:sldId id="3409" r:id="rId15"/>
-    <p:sldId id="3397" r:id="rId16"/>
-    <p:sldId id="2577" r:id="rId17"/>
-    <p:sldId id="3343" r:id="rId18"/>
-    <p:sldId id="3344" r:id="rId19"/>
-    <p:sldId id="2994" r:id="rId20"/>
+    <p:sldId id="3412" r:id="rId3"/>
+    <p:sldId id="3413" r:id="rId4"/>
+    <p:sldId id="3400" r:id="rId5"/>
+    <p:sldId id="3411" r:id="rId6"/>
+    <p:sldId id="3401" r:id="rId7"/>
+    <p:sldId id="3410" r:id="rId8"/>
+    <p:sldId id="3402" r:id="rId9"/>
+    <p:sldId id="3403" r:id="rId10"/>
+    <p:sldId id="3404" r:id="rId11"/>
+    <p:sldId id="3405" r:id="rId12"/>
+    <p:sldId id="3406" r:id="rId13"/>
+    <p:sldId id="3407" r:id="rId14"/>
+    <p:sldId id="3408" r:id="rId15"/>
+    <p:sldId id="3409" r:id="rId16"/>
+    <p:sldId id="3397" r:id="rId17"/>
+    <p:sldId id="2577" r:id="rId18"/>
+    <p:sldId id="3343" r:id="rId19"/>
+    <p:sldId id="3344" r:id="rId20"/>
+    <p:sldId id="2994" r:id="rId21"/>
   </p:sldIdLst>
   <p:sldSz cx="9144000" cy="6858000" type="screen4x3"/>
   <p:notesSz cx="7315200" cy="9601200"/>
@@ -1118,7 +1119,7 @@
     </p:spTree>
     <p:extLst>
       <p:ext uri="{BB962C8B-B14F-4D97-AF65-F5344CB8AC3E}">
-        <p14:creationId xmlns:p14="http://schemas.microsoft.com/office/powerpoint/2010/main" val="591522274"/>
+        <p14:creationId xmlns:p14="http://schemas.microsoft.com/office/powerpoint/2010/main" val="1157519960"/>
       </p:ext>
     </p:extLst>
   </p:cSld>
@@ -1224,7 +1225,7 @@
               <a:pPr>
                 <a:defRPr/>
               </a:pPr>
-              <a:t>16</a:t>
+              <a:t>3</a:t>
             </a:fld>
             <a:endParaRPr lang="en-US"/>
           </a:p>
@@ -1233,7 +1234,7 @@
     </p:spTree>
     <p:extLst>
       <p:ext uri="{BB962C8B-B14F-4D97-AF65-F5344CB8AC3E}">
-        <p14:creationId xmlns:p14="http://schemas.microsoft.com/office/powerpoint/2010/main" val="1157519960"/>
+        <p14:creationId xmlns:p14="http://schemas.microsoft.com/office/powerpoint/2010/main" val="591628135"/>
       </p:ext>
     </p:extLst>
   </p:cSld>
@@ -1339,7 +1340,122 @@
               <a:pPr>
                 <a:defRPr/>
               </a:pPr>
-              <a:t>19</a:t>
+              <a:t>17</a:t>
+            </a:fld>
+            <a:endParaRPr lang="en-US"/>
+          </a:p>
+        </p:txBody>
+      </p:sp>
+    </p:spTree>
+    <p:extLst>
+      <p:ext uri="{BB962C8B-B14F-4D97-AF65-F5344CB8AC3E}">
+        <p14:creationId xmlns:p14="http://schemas.microsoft.com/office/powerpoint/2010/main" val="1157519960"/>
+      </p:ext>
+    </p:extLst>
+  </p:cSld>
+  <p:clrMapOvr>
+    <a:masterClrMapping/>
+  </p:clrMapOvr>
+</p:notes>
+</file>
+
+<file path=ppt/notesSlides/notesSlide5.xml><?xml version="1.0" encoding="utf-8"?>
+<p:notes xmlns:a="http://schemas.openxmlformats.org/drawingml/2006/main" xmlns:r="http://schemas.openxmlformats.org/officeDocument/2006/relationships" xmlns:p="http://schemas.openxmlformats.org/presentationml/2006/main">
+  <p:cSld>
+    <p:spTree>
+      <p:nvGrpSpPr>
+        <p:cNvPr id="1" name=""/>
+        <p:cNvGrpSpPr/>
+        <p:nvPr/>
+      </p:nvGrpSpPr>
+      <p:grpSpPr>
+        <a:xfrm>
+          <a:off x="0" y="0"/>
+          <a:ext cx="0" cy="0"/>
+          <a:chOff x="0" y="0"/>
+          <a:chExt cx="0" cy="0"/>
+        </a:xfrm>
+      </p:grpSpPr>
+      <p:sp>
+        <p:nvSpPr>
+          <p:cNvPr id="2" name="Slide Image Placeholder 1"/>
+          <p:cNvSpPr>
+            <a:spLocks noGrp="1" noRot="1" noChangeAspect="1"/>
+          </p:cNvSpPr>
+          <p:nvPr>
+            <p:ph type="sldImg"/>
+          </p:nvPr>
+        </p:nvSpPr>
+        <p:spPr/>
+      </p:sp>
+      <p:sp>
+        <p:nvSpPr>
+          <p:cNvPr id="3" name="Notes Placeholder 2"/>
+          <p:cNvSpPr>
+            <a:spLocks noGrp="1"/>
+          </p:cNvSpPr>
+          <p:nvPr>
+            <p:ph type="body" idx="1"/>
+          </p:nvPr>
+        </p:nvSpPr>
+        <p:spPr/>
+        <p:txBody>
+          <a:bodyPr/>
+          <a:lstStyle/>
+          <a:p>
+            <a:endParaRPr lang="en-US"/>
+          </a:p>
+        </p:txBody>
+      </p:sp>
+      <p:sp>
+        <p:nvSpPr>
+          <p:cNvPr id="4" name="Header Placeholder 3"/>
+          <p:cNvSpPr>
+            <a:spLocks noGrp="1"/>
+          </p:cNvSpPr>
+          <p:nvPr>
+            <p:ph type="hdr" sz="quarter" idx="10"/>
+          </p:nvPr>
+        </p:nvSpPr>
+        <p:spPr/>
+        <p:txBody>
+          <a:bodyPr/>
+          <a:lstStyle/>
+          <a:p>
+            <a:pPr>
+              <a:defRPr/>
+            </a:pPr>
+            <a:r>
+              <a:rPr lang="en-US"/>
+              <a:t>Faloutsos</a:t>
+            </a:r>
+          </a:p>
+        </p:txBody>
+      </p:sp>
+      <p:sp>
+        <p:nvSpPr>
+          <p:cNvPr id="5" name="Slide Number Placeholder 4"/>
+          <p:cNvSpPr>
+            <a:spLocks noGrp="1"/>
+          </p:cNvSpPr>
+          <p:nvPr>
+            <p:ph type="sldNum" sz="quarter" idx="11"/>
+          </p:nvPr>
+        </p:nvSpPr>
+        <p:spPr/>
+        <p:txBody>
+          <a:bodyPr/>
+          <a:lstStyle/>
+          <a:p>
+            <a:pPr>
+              <a:defRPr/>
+            </a:pPr>
+            <a:fld id="{D7FAE81C-20DD-D146-AEB1-DC28910AACE1}" type="slidenum">
+              <a:rPr lang="en-US" smtClean="0"/>
+              <a:pPr>
+                <a:defRPr/>
+              </a:pPr>
+              <a:t>20</a:t>
             </a:fld>
             <a:endParaRPr lang="en-US"/>
           </a:p>
@@ -7211,7 +7327,7 @@
           <p:cNvPr id="2" name="Title 1">
             <a:extLst>
               <a:ext uri="{FF2B5EF4-FFF2-40B4-BE49-F238E27FC236}">
-                <a16:creationId xmlns:a16="http://schemas.microsoft.com/office/drawing/2014/main" id="{EA1728A7-C5CE-8A42-BCD5-0A579261496C}"/>
+                <a16:creationId xmlns:a16="http://schemas.microsoft.com/office/drawing/2014/main" id="{E2149C67-550A-4144-9A30-035578B52DD8}"/>
               </a:ext>
             </a:extLst>
           </p:cNvPr>
@@ -7233,10 +7349,10 @@
       </p:sp>
       <p:pic>
         <p:nvPicPr>
-          <p:cNvPr id="8" name="Content Placeholder 7" descr="Text&#10;&#10;Description automatically generated">
+          <p:cNvPr id="8" name="Content Placeholder 7" descr="Graphical user interface&#10;&#10;Description automatically generated with medium confidence">
             <a:extLst>
               <a:ext uri="{FF2B5EF4-FFF2-40B4-BE49-F238E27FC236}">
-                <a16:creationId xmlns:a16="http://schemas.microsoft.com/office/drawing/2014/main" id="{F6BDE426-DAC0-9E4E-A229-CB116BC1CF74}"/>
+                <a16:creationId xmlns:a16="http://schemas.microsoft.com/office/drawing/2014/main" id="{11ADE989-89D5-4541-8C3A-B6AFED55138D}"/>
               </a:ext>
             </a:extLst>
           </p:cNvPr>
@@ -7255,8 +7371,8 @@
         </p:blipFill>
         <p:spPr>
           <a:xfrm>
-            <a:off x="825500" y="2451100"/>
-            <a:ext cx="7493000" cy="2641600"/>
+            <a:off x="717550" y="2527300"/>
+            <a:ext cx="7708900" cy="2489200"/>
           </a:xfrm>
         </p:spPr>
       </p:pic>
@@ -7265,7 +7381,7 @@
           <p:cNvPr id="4" name="Date Placeholder 3">
             <a:extLst>
               <a:ext uri="{FF2B5EF4-FFF2-40B4-BE49-F238E27FC236}">
-                <a16:creationId xmlns:a16="http://schemas.microsoft.com/office/drawing/2014/main" id="{B279E37B-4B32-EB48-9557-DA84FDF97AB9}"/>
+                <a16:creationId xmlns:a16="http://schemas.microsoft.com/office/drawing/2014/main" id="{A3F63495-E49F-DB4F-AADE-A964D43E4571}"/>
               </a:ext>
             </a:extLst>
           </p:cNvPr>
@@ -7296,7 +7412,7 @@
           <p:cNvPr id="5" name="Footer Placeholder 4">
             <a:extLst>
               <a:ext uri="{FF2B5EF4-FFF2-40B4-BE49-F238E27FC236}">
-                <a16:creationId xmlns:a16="http://schemas.microsoft.com/office/drawing/2014/main" id="{E2C3D51B-5605-9448-B380-F7059D51C048}"/>
+                <a16:creationId xmlns:a16="http://schemas.microsoft.com/office/drawing/2014/main" id="{758A5FF7-7C3E-AF4B-9779-2F800BB2EE35}"/>
               </a:ext>
             </a:extLst>
           </p:cNvPr>
@@ -7328,7 +7444,7 @@
           <p:cNvPr id="6" name="Slide Number Placeholder 5">
             <a:extLst>
               <a:ext uri="{FF2B5EF4-FFF2-40B4-BE49-F238E27FC236}">
-                <a16:creationId xmlns:a16="http://schemas.microsoft.com/office/drawing/2014/main" id="{57A5578B-AD69-5C4C-9B9C-6703CD532736}"/>
+                <a16:creationId xmlns:a16="http://schemas.microsoft.com/office/drawing/2014/main" id="{6C0EDE0D-8938-074C-8031-72E7C2277367}"/>
               </a:ext>
             </a:extLst>
           </p:cNvPr>
@@ -7361,7 +7477,7 @@
     </p:spTree>
     <p:extLst>
       <p:ext uri="{BB962C8B-B14F-4D97-AF65-F5344CB8AC3E}">
-        <p14:creationId xmlns:p14="http://schemas.microsoft.com/office/powerpoint/2010/main" val="4151371070"/>
+        <p14:creationId xmlns:p14="http://schemas.microsoft.com/office/powerpoint/2010/main" val="1545109968"/>
       </p:ext>
     </p:extLst>
   </p:cSld>
@@ -7394,7 +7510,7 @@
           <p:cNvPr id="2" name="Title 1">
             <a:extLst>
               <a:ext uri="{FF2B5EF4-FFF2-40B4-BE49-F238E27FC236}">
-                <a16:creationId xmlns:a16="http://schemas.microsoft.com/office/drawing/2014/main" id="{8C587667-F75D-1E40-86CC-AE2C938F49C7}"/>
+                <a16:creationId xmlns:a16="http://schemas.microsoft.com/office/drawing/2014/main" id="{EA1728A7-C5CE-8A42-BCD5-0A579261496C}"/>
               </a:ext>
             </a:extLst>
           </p:cNvPr>
@@ -7416,10 +7532,10 @@
       </p:sp>
       <p:pic>
         <p:nvPicPr>
-          <p:cNvPr id="8" name="Content Placeholder 7" descr="A picture containing text, person&#10;&#10;Description automatically generated">
+          <p:cNvPr id="8" name="Content Placeholder 7" descr="Text&#10;&#10;Description automatically generated">
             <a:extLst>
               <a:ext uri="{FF2B5EF4-FFF2-40B4-BE49-F238E27FC236}">
-                <a16:creationId xmlns:a16="http://schemas.microsoft.com/office/drawing/2014/main" id="{3DCDC92E-011F-6743-89C5-E3EE64CB4501}"/>
+                <a16:creationId xmlns:a16="http://schemas.microsoft.com/office/drawing/2014/main" id="{F6BDE426-DAC0-9E4E-A229-CB116BC1CF74}"/>
               </a:ext>
             </a:extLst>
           </p:cNvPr>
@@ -7438,8 +7554,8 @@
         </p:blipFill>
         <p:spPr>
           <a:xfrm>
-            <a:off x="825500" y="2343150"/>
-            <a:ext cx="7493000" cy="2857500"/>
+            <a:off x="825500" y="2451100"/>
+            <a:ext cx="7493000" cy="2641600"/>
           </a:xfrm>
         </p:spPr>
       </p:pic>
@@ -7448,7 +7564,7 @@
           <p:cNvPr id="4" name="Date Placeholder 3">
             <a:extLst>
               <a:ext uri="{FF2B5EF4-FFF2-40B4-BE49-F238E27FC236}">
-                <a16:creationId xmlns:a16="http://schemas.microsoft.com/office/drawing/2014/main" id="{1AF763B3-B5F8-7049-9DA4-50D17E402FFB}"/>
+                <a16:creationId xmlns:a16="http://schemas.microsoft.com/office/drawing/2014/main" id="{B279E37B-4B32-EB48-9557-DA84FDF97AB9}"/>
               </a:ext>
             </a:extLst>
           </p:cNvPr>
@@ -7479,7 +7595,7 @@
           <p:cNvPr id="5" name="Footer Placeholder 4">
             <a:extLst>
               <a:ext uri="{FF2B5EF4-FFF2-40B4-BE49-F238E27FC236}">
-                <a16:creationId xmlns:a16="http://schemas.microsoft.com/office/drawing/2014/main" id="{6F156DB5-207F-084E-BB6E-1BD8A5E0EF31}"/>
+                <a16:creationId xmlns:a16="http://schemas.microsoft.com/office/drawing/2014/main" id="{E2C3D51B-5605-9448-B380-F7059D51C048}"/>
               </a:ext>
             </a:extLst>
           </p:cNvPr>
@@ -7511,7 +7627,7 @@
           <p:cNvPr id="6" name="Slide Number Placeholder 5">
             <a:extLst>
               <a:ext uri="{FF2B5EF4-FFF2-40B4-BE49-F238E27FC236}">
-                <a16:creationId xmlns:a16="http://schemas.microsoft.com/office/drawing/2014/main" id="{665D87A8-733D-CB43-94B4-D8CD64E72BE7}"/>
+                <a16:creationId xmlns:a16="http://schemas.microsoft.com/office/drawing/2014/main" id="{57A5578B-AD69-5C4C-9B9C-6703CD532736}"/>
               </a:ext>
             </a:extLst>
           </p:cNvPr>
@@ -7544,7 +7660,7 @@
     </p:spTree>
     <p:extLst>
       <p:ext uri="{BB962C8B-B14F-4D97-AF65-F5344CB8AC3E}">
-        <p14:creationId xmlns:p14="http://schemas.microsoft.com/office/powerpoint/2010/main" val="2609801144"/>
+        <p14:creationId xmlns:p14="http://schemas.microsoft.com/office/powerpoint/2010/main" val="4151371070"/>
       </p:ext>
     </p:extLst>
   </p:cSld>
@@ -7577,7 +7693,7 @@
           <p:cNvPr id="2" name="Title 1">
             <a:extLst>
               <a:ext uri="{FF2B5EF4-FFF2-40B4-BE49-F238E27FC236}">
-                <a16:creationId xmlns:a16="http://schemas.microsoft.com/office/drawing/2014/main" id="{5DEF2526-8074-8844-AFFA-D0A999AC4CE6}"/>
+                <a16:creationId xmlns:a16="http://schemas.microsoft.com/office/drawing/2014/main" id="{8C587667-F75D-1E40-86CC-AE2C938F49C7}"/>
               </a:ext>
             </a:extLst>
           </p:cNvPr>
@@ -7599,10 +7715,10 @@
       </p:sp>
       <p:pic>
         <p:nvPicPr>
-          <p:cNvPr id="8" name="Content Placeholder 7" descr="Text&#10;&#10;Description automatically generated">
+          <p:cNvPr id="8" name="Content Placeholder 7" descr="A picture containing text, person&#10;&#10;Description automatically generated">
             <a:extLst>
               <a:ext uri="{FF2B5EF4-FFF2-40B4-BE49-F238E27FC236}">
-                <a16:creationId xmlns:a16="http://schemas.microsoft.com/office/drawing/2014/main" id="{4ABD0D0A-D125-6A4C-9BA9-CF9C5872F9BD}"/>
+                <a16:creationId xmlns:a16="http://schemas.microsoft.com/office/drawing/2014/main" id="{3DCDC92E-011F-6743-89C5-E3EE64CB4501}"/>
               </a:ext>
             </a:extLst>
           </p:cNvPr>
@@ -7621,8 +7737,8 @@
         </p:blipFill>
         <p:spPr>
           <a:xfrm>
-            <a:off x="1688219" y="1447800"/>
-            <a:ext cx="5767562" cy="4648200"/>
+            <a:off x="825500" y="2343150"/>
+            <a:ext cx="7493000" cy="2857500"/>
           </a:xfrm>
         </p:spPr>
       </p:pic>
@@ -7631,7 +7747,7 @@
           <p:cNvPr id="4" name="Date Placeholder 3">
             <a:extLst>
               <a:ext uri="{FF2B5EF4-FFF2-40B4-BE49-F238E27FC236}">
-                <a16:creationId xmlns:a16="http://schemas.microsoft.com/office/drawing/2014/main" id="{B7E89EC7-29F3-9A44-AED1-5B7D4C936388}"/>
+                <a16:creationId xmlns:a16="http://schemas.microsoft.com/office/drawing/2014/main" id="{1AF763B3-B5F8-7049-9DA4-50D17E402FFB}"/>
               </a:ext>
             </a:extLst>
           </p:cNvPr>
@@ -7662,7 +7778,7 @@
           <p:cNvPr id="5" name="Footer Placeholder 4">
             <a:extLst>
               <a:ext uri="{FF2B5EF4-FFF2-40B4-BE49-F238E27FC236}">
-                <a16:creationId xmlns:a16="http://schemas.microsoft.com/office/drawing/2014/main" id="{B08AEEC2-7764-9E4B-B723-D77E803105EE}"/>
+                <a16:creationId xmlns:a16="http://schemas.microsoft.com/office/drawing/2014/main" id="{6F156DB5-207F-084E-BB6E-1BD8A5E0EF31}"/>
               </a:ext>
             </a:extLst>
           </p:cNvPr>
@@ -7694,7 +7810,7 @@
           <p:cNvPr id="6" name="Slide Number Placeholder 5">
             <a:extLst>
               <a:ext uri="{FF2B5EF4-FFF2-40B4-BE49-F238E27FC236}">
-                <a16:creationId xmlns:a16="http://schemas.microsoft.com/office/drawing/2014/main" id="{AAEE4CE4-C844-B749-ACDE-555B0A870700}"/>
+                <a16:creationId xmlns:a16="http://schemas.microsoft.com/office/drawing/2014/main" id="{665D87A8-733D-CB43-94B4-D8CD64E72BE7}"/>
               </a:ext>
             </a:extLst>
           </p:cNvPr>
@@ -7727,7 +7843,7 @@
     </p:spTree>
     <p:extLst>
       <p:ext uri="{BB962C8B-B14F-4D97-AF65-F5344CB8AC3E}">
-        <p14:creationId xmlns:p14="http://schemas.microsoft.com/office/powerpoint/2010/main" val="198717125"/>
+        <p14:creationId xmlns:p14="http://schemas.microsoft.com/office/powerpoint/2010/main" val="2609801144"/>
       </p:ext>
     </p:extLst>
   </p:cSld>
@@ -7760,7 +7876,7 @@
           <p:cNvPr id="2" name="Title 1">
             <a:extLst>
               <a:ext uri="{FF2B5EF4-FFF2-40B4-BE49-F238E27FC236}">
-                <a16:creationId xmlns:a16="http://schemas.microsoft.com/office/drawing/2014/main" id="{4FFF780A-4AC0-E947-9E60-C651A93EFC53}"/>
+                <a16:creationId xmlns:a16="http://schemas.microsoft.com/office/drawing/2014/main" id="{5DEF2526-8074-8844-AFFA-D0A999AC4CE6}"/>
               </a:ext>
             </a:extLst>
           </p:cNvPr>
@@ -7785,7 +7901,7 @@
           <p:cNvPr id="8" name="Content Placeholder 7" descr="Text&#10;&#10;Description automatically generated">
             <a:extLst>
               <a:ext uri="{FF2B5EF4-FFF2-40B4-BE49-F238E27FC236}">
-                <a16:creationId xmlns:a16="http://schemas.microsoft.com/office/drawing/2014/main" id="{EA46362B-79B6-BC45-B817-6D187BCD94BC}"/>
+                <a16:creationId xmlns:a16="http://schemas.microsoft.com/office/drawing/2014/main" id="{4ABD0D0A-D125-6A4C-9BA9-CF9C5872F9BD}"/>
               </a:ext>
             </a:extLst>
           </p:cNvPr>
@@ -7804,8 +7920,8 @@
         </p:blipFill>
         <p:spPr>
           <a:xfrm>
-            <a:off x="685800" y="1920168"/>
-            <a:ext cx="7772400" cy="3703463"/>
+            <a:off x="1688219" y="1447800"/>
+            <a:ext cx="5767562" cy="4648200"/>
           </a:xfrm>
         </p:spPr>
       </p:pic>
@@ -7814,7 +7930,7 @@
           <p:cNvPr id="4" name="Date Placeholder 3">
             <a:extLst>
               <a:ext uri="{FF2B5EF4-FFF2-40B4-BE49-F238E27FC236}">
-                <a16:creationId xmlns:a16="http://schemas.microsoft.com/office/drawing/2014/main" id="{184406FC-1EBE-C643-896C-C61F4BA7160A}"/>
+                <a16:creationId xmlns:a16="http://schemas.microsoft.com/office/drawing/2014/main" id="{B7E89EC7-29F3-9A44-AED1-5B7D4C936388}"/>
               </a:ext>
             </a:extLst>
           </p:cNvPr>
@@ -7845,7 +7961,7 @@
           <p:cNvPr id="5" name="Footer Placeholder 4">
             <a:extLst>
               <a:ext uri="{FF2B5EF4-FFF2-40B4-BE49-F238E27FC236}">
-                <a16:creationId xmlns:a16="http://schemas.microsoft.com/office/drawing/2014/main" id="{858F08FC-69BA-A044-B568-2D5259DB1102}"/>
+                <a16:creationId xmlns:a16="http://schemas.microsoft.com/office/drawing/2014/main" id="{B08AEEC2-7764-9E4B-B723-D77E803105EE}"/>
               </a:ext>
             </a:extLst>
           </p:cNvPr>
@@ -7877,7 +7993,7 @@
           <p:cNvPr id="6" name="Slide Number Placeholder 5">
             <a:extLst>
               <a:ext uri="{FF2B5EF4-FFF2-40B4-BE49-F238E27FC236}">
-                <a16:creationId xmlns:a16="http://schemas.microsoft.com/office/drawing/2014/main" id="{B0A39F98-FAD7-F443-84E7-BAD1EDADA6C8}"/>
+                <a16:creationId xmlns:a16="http://schemas.microsoft.com/office/drawing/2014/main" id="{AAEE4CE4-C844-B749-ACDE-555B0A870700}"/>
               </a:ext>
             </a:extLst>
           </p:cNvPr>
@@ -7910,7 +8026,7 @@
     </p:spTree>
     <p:extLst>
       <p:ext uri="{BB962C8B-B14F-4D97-AF65-F5344CB8AC3E}">
-        <p14:creationId xmlns:p14="http://schemas.microsoft.com/office/powerpoint/2010/main" val="3459234371"/>
+        <p14:creationId xmlns:p14="http://schemas.microsoft.com/office/powerpoint/2010/main" val="198717125"/>
       </p:ext>
     </p:extLst>
   </p:cSld>
@@ -7943,7 +8059,7 @@
           <p:cNvPr id="2" name="Title 1">
             <a:extLst>
               <a:ext uri="{FF2B5EF4-FFF2-40B4-BE49-F238E27FC236}">
-                <a16:creationId xmlns:a16="http://schemas.microsoft.com/office/drawing/2014/main" id="{25A51FB6-B358-5C41-8F7C-08F590AA4415}"/>
+                <a16:creationId xmlns:a16="http://schemas.microsoft.com/office/drawing/2014/main" id="{4FFF780A-4AC0-E947-9E60-C651A93EFC53}"/>
               </a:ext>
             </a:extLst>
           </p:cNvPr>
@@ -7968,7 +8084,7 @@
           <p:cNvPr id="8" name="Content Placeholder 7" descr="Text&#10;&#10;Description automatically generated">
             <a:extLst>
               <a:ext uri="{FF2B5EF4-FFF2-40B4-BE49-F238E27FC236}">
-                <a16:creationId xmlns:a16="http://schemas.microsoft.com/office/drawing/2014/main" id="{97E76F1E-F1C7-1B41-861B-A85B9ABC17DE}"/>
+                <a16:creationId xmlns:a16="http://schemas.microsoft.com/office/drawing/2014/main" id="{EA46362B-79B6-BC45-B817-6D187BCD94BC}"/>
               </a:ext>
             </a:extLst>
           </p:cNvPr>
@@ -7987,8 +8103,8 @@
         </p:blipFill>
         <p:spPr>
           <a:xfrm>
-            <a:off x="825500" y="2749550"/>
-            <a:ext cx="7493000" cy="2044700"/>
+            <a:off x="685800" y="1920168"/>
+            <a:ext cx="7772400" cy="3703463"/>
           </a:xfrm>
         </p:spPr>
       </p:pic>
@@ -7997,7 +8113,7 @@
           <p:cNvPr id="4" name="Date Placeholder 3">
             <a:extLst>
               <a:ext uri="{FF2B5EF4-FFF2-40B4-BE49-F238E27FC236}">
-                <a16:creationId xmlns:a16="http://schemas.microsoft.com/office/drawing/2014/main" id="{57F24B75-C8BA-7147-968C-4A95653678FD}"/>
+                <a16:creationId xmlns:a16="http://schemas.microsoft.com/office/drawing/2014/main" id="{184406FC-1EBE-C643-896C-C61F4BA7160A}"/>
               </a:ext>
             </a:extLst>
           </p:cNvPr>
@@ -8028,7 +8144,7 @@
           <p:cNvPr id="5" name="Footer Placeholder 4">
             <a:extLst>
               <a:ext uri="{FF2B5EF4-FFF2-40B4-BE49-F238E27FC236}">
-                <a16:creationId xmlns:a16="http://schemas.microsoft.com/office/drawing/2014/main" id="{DC80738B-7A1F-5242-A96D-9B825C2C4DFA}"/>
+                <a16:creationId xmlns:a16="http://schemas.microsoft.com/office/drawing/2014/main" id="{858F08FC-69BA-A044-B568-2D5259DB1102}"/>
               </a:ext>
             </a:extLst>
           </p:cNvPr>
@@ -8060,7 +8176,7 @@
           <p:cNvPr id="6" name="Slide Number Placeholder 5">
             <a:extLst>
               <a:ext uri="{FF2B5EF4-FFF2-40B4-BE49-F238E27FC236}">
-                <a16:creationId xmlns:a16="http://schemas.microsoft.com/office/drawing/2014/main" id="{5596DFF8-CB65-2646-88C2-B83DB247E07D}"/>
+                <a16:creationId xmlns:a16="http://schemas.microsoft.com/office/drawing/2014/main" id="{B0A39F98-FAD7-F443-84E7-BAD1EDADA6C8}"/>
               </a:ext>
             </a:extLst>
           </p:cNvPr>
@@ -8093,7 +8209,7 @@
     </p:spTree>
     <p:extLst>
       <p:ext uri="{BB962C8B-B14F-4D97-AF65-F5344CB8AC3E}">
-        <p14:creationId xmlns:p14="http://schemas.microsoft.com/office/powerpoint/2010/main" val="4020253643"/>
+        <p14:creationId xmlns:p14="http://schemas.microsoft.com/office/powerpoint/2010/main" val="3459234371"/>
       </p:ext>
     </p:extLst>
   </p:cSld>
@@ -8126,7 +8242,7 @@
           <p:cNvPr id="2" name="Title 1">
             <a:extLst>
               <a:ext uri="{FF2B5EF4-FFF2-40B4-BE49-F238E27FC236}">
-                <a16:creationId xmlns:a16="http://schemas.microsoft.com/office/drawing/2014/main" id="{73B7C5C5-1DB8-F74C-B24F-5BD97BE15399}"/>
+                <a16:creationId xmlns:a16="http://schemas.microsoft.com/office/drawing/2014/main" id="{25A51FB6-B358-5C41-8F7C-08F590AA4415}"/>
               </a:ext>
             </a:extLst>
           </p:cNvPr>
@@ -8151,7 +8267,7 @@
           <p:cNvPr id="8" name="Content Placeholder 7" descr="Text&#10;&#10;Description automatically generated">
             <a:extLst>
               <a:ext uri="{FF2B5EF4-FFF2-40B4-BE49-F238E27FC236}">
-                <a16:creationId xmlns:a16="http://schemas.microsoft.com/office/drawing/2014/main" id="{A6E73A43-D0DA-3244-B66D-B650E8B6FA6B}"/>
+                <a16:creationId xmlns:a16="http://schemas.microsoft.com/office/drawing/2014/main" id="{97E76F1E-F1C7-1B41-861B-A85B9ABC17DE}"/>
               </a:ext>
             </a:extLst>
           </p:cNvPr>
@@ -8170,8 +8286,8 @@
         </p:blipFill>
         <p:spPr>
           <a:xfrm>
-            <a:off x="1587500" y="2336800"/>
-            <a:ext cx="5969000" cy="2870200"/>
+            <a:off x="825500" y="2749550"/>
+            <a:ext cx="7493000" cy="2044700"/>
           </a:xfrm>
         </p:spPr>
       </p:pic>
@@ -8180,7 +8296,7 @@
           <p:cNvPr id="4" name="Date Placeholder 3">
             <a:extLst>
               <a:ext uri="{FF2B5EF4-FFF2-40B4-BE49-F238E27FC236}">
-                <a16:creationId xmlns:a16="http://schemas.microsoft.com/office/drawing/2014/main" id="{86D77B73-DE0B-CE4C-B495-E89EFCE54422}"/>
+                <a16:creationId xmlns:a16="http://schemas.microsoft.com/office/drawing/2014/main" id="{57F24B75-C8BA-7147-968C-4A95653678FD}"/>
               </a:ext>
             </a:extLst>
           </p:cNvPr>
@@ -8211,7 +8327,7 @@
           <p:cNvPr id="5" name="Footer Placeholder 4">
             <a:extLst>
               <a:ext uri="{FF2B5EF4-FFF2-40B4-BE49-F238E27FC236}">
-                <a16:creationId xmlns:a16="http://schemas.microsoft.com/office/drawing/2014/main" id="{99BBAF31-59DE-B24B-A8EB-85E50ECF0F96}"/>
+                <a16:creationId xmlns:a16="http://schemas.microsoft.com/office/drawing/2014/main" id="{DC80738B-7A1F-5242-A96D-9B825C2C4DFA}"/>
               </a:ext>
             </a:extLst>
           </p:cNvPr>
@@ -8243,7 +8359,7 @@
           <p:cNvPr id="6" name="Slide Number Placeholder 5">
             <a:extLst>
               <a:ext uri="{FF2B5EF4-FFF2-40B4-BE49-F238E27FC236}">
-                <a16:creationId xmlns:a16="http://schemas.microsoft.com/office/drawing/2014/main" id="{FFF1C959-FDC1-964E-A40E-B9241F8C8C86}"/>
+                <a16:creationId xmlns:a16="http://schemas.microsoft.com/office/drawing/2014/main" id="{5596DFF8-CB65-2646-88C2-B83DB247E07D}"/>
               </a:ext>
             </a:extLst>
           </p:cNvPr>
@@ -8276,7 +8392,7 @@
     </p:spTree>
     <p:extLst>
       <p:ext uri="{BB962C8B-B14F-4D97-AF65-F5344CB8AC3E}">
-        <p14:creationId xmlns:p14="http://schemas.microsoft.com/office/powerpoint/2010/main" val="1645652329"/>
+        <p14:creationId xmlns:p14="http://schemas.microsoft.com/office/powerpoint/2010/main" val="4020253643"/>
       </p:ext>
     </p:extLst>
   </p:cSld>
@@ -8306,6 +8422,189 @@
       </p:grpSpPr>
       <p:sp>
         <p:nvSpPr>
+          <p:cNvPr id="2" name="Title 1">
+            <a:extLst>
+              <a:ext uri="{FF2B5EF4-FFF2-40B4-BE49-F238E27FC236}">
+                <a16:creationId xmlns:a16="http://schemas.microsoft.com/office/drawing/2014/main" id="{73B7C5C5-1DB8-F74C-B24F-5BD97BE15399}"/>
+              </a:ext>
+            </a:extLst>
+          </p:cNvPr>
+          <p:cNvSpPr>
+            <a:spLocks noGrp="1"/>
+          </p:cNvSpPr>
+          <p:nvPr>
+            <p:ph type="title"/>
+          </p:nvPr>
+        </p:nvSpPr>
+        <p:spPr/>
+        <p:txBody>
+          <a:bodyPr/>
+          <a:lstStyle/>
+          <a:p>
+            <a:endParaRPr lang="en-US"/>
+          </a:p>
+        </p:txBody>
+      </p:sp>
+      <p:pic>
+        <p:nvPicPr>
+          <p:cNvPr id="8" name="Content Placeholder 7" descr="Text&#10;&#10;Description automatically generated">
+            <a:extLst>
+              <a:ext uri="{FF2B5EF4-FFF2-40B4-BE49-F238E27FC236}">
+                <a16:creationId xmlns:a16="http://schemas.microsoft.com/office/drawing/2014/main" id="{A6E73A43-D0DA-3244-B66D-B650E8B6FA6B}"/>
+              </a:ext>
+            </a:extLst>
+          </p:cNvPr>
+          <p:cNvPicPr>
+            <a:picLocks noGrp="1" noChangeAspect="1"/>
+          </p:cNvPicPr>
+          <p:nvPr>
+            <p:ph idx="1"/>
+          </p:nvPr>
+        </p:nvPicPr>
+        <p:blipFill>
+          <a:blip r:embed="rId2"/>
+          <a:stretch>
+            <a:fillRect/>
+          </a:stretch>
+        </p:blipFill>
+        <p:spPr>
+          <a:xfrm>
+            <a:off x="1587500" y="2336800"/>
+            <a:ext cx="5969000" cy="2870200"/>
+          </a:xfrm>
+        </p:spPr>
+      </p:pic>
+      <p:sp>
+        <p:nvSpPr>
+          <p:cNvPr id="4" name="Date Placeholder 3">
+            <a:extLst>
+              <a:ext uri="{FF2B5EF4-FFF2-40B4-BE49-F238E27FC236}">
+                <a16:creationId xmlns:a16="http://schemas.microsoft.com/office/drawing/2014/main" id="{86D77B73-DE0B-CE4C-B495-E89EFCE54422}"/>
+              </a:ext>
+            </a:extLst>
+          </p:cNvPr>
+          <p:cNvSpPr>
+            <a:spLocks noGrp="1"/>
+          </p:cNvSpPr>
+          <p:nvPr>
+            <p:ph type="dt" sz="half" idx="10"/>
+          </p:nvPr>
+        </p:nvSpPr>
+        <p:spPr/>
+        <p:txBody>
+          <a:bodyPr/>
+          <a:lstStyle/>
+          <a:p>
+            <a:pPr>
+              <a:defRPr/>
+            </a:pPr>
+            <a:r>
+              <a:rPr lang="en-US"/>
+              <a:t>PAKDD 2021</a:t>
+            </a:r>
+          </a:p>
+        </p:txBody>
+      </p:sp>
+      <p:sp>
+        <p:nvSpPr>
+          <p:cNvPr id="5" name="Footer Placeholder 4">
+            <a:extLst>
+              <a:ext uri="{FF2B5EF4-FFF2-40B4-BE49-F238E27FC236}">
+                <a16:creationId xmlns:a16="http://schemas.microsoft.com/office/drawing/2014/main" id="{99BBAF31-59DE-B24B-A8EB-85E50ECF0F96}"/>
+              </a:ext>
+            </a:extLst>
+          </p:cNvPr>
+          <p:cNvSpPr>
+            <a:spLocks noGrp="1"/>
+          </p:cNvSpPr>
+          <p:nvPr>
+            <p:ph type="ftr" sz="quarter" idx="11"/>
+          </p:nvPr>
+        </p:nvSpPr>
+        <p:spPr/>
+        <p:txBody>
+          <a:bodyPr/>
+          <a:lstStyle/>
+          <a:p>
+            <a:pPr>
+              <a:defRPr/>
+            </a:pPr>
+            <a:r>
+              <a:rPr lang="fi-FI"/>
+              <a:t>L. Akoglu, M. McGlohon, C. Faloutsos</a:t>
+            </a:r>
+            <a:endParaRPr lang="en-US"/>
+          </a:p>
+        </p:txBody>
+      </p:sp>
+      <p:sp>
+        <p:nvSpPr>
+          <p:cNvPr id="6" name="Slide Number Placeholder 5">
+            <a:extLst>
+              <a:ext uri="{FF2B5EF4-FFF2-40B4-BE49-F238E27FC236}">
+                <a16:creationId xmlns:a16="http://schemas.microsoft.com/office/drawing/2014/main" id="{FFF1C959-FDC1-964E-A40E-B9241F8C8C86}"/>
+              </a:ext>
+            </a:extLst>
+          </p:cNvPr>
+          <p:cNvSpPr>
+            <a:spLocks noGrp="1"/>
+          </p:cNvSpPr>
+          <p:nvPr>
+            <p:ph type="sldNum" sz="quarter" idx="12"/>
+          </p:nvPr>
+        </p:nvSpPr>
+        <p:spPr/>
+        <p:txBody>
+          <a:bodyPr/>
+          <a:lstStyle/>
+          <a:p>
+            <a:pPr>
+              <a:defRPr/>
+            </a:pPr>
+            <a:fld id="{F9B43987-7F84-BB4A-8611-CDF75B6A737D}" type="slidenum">
+              <a:rPr lang="en-US" smtClean="0"/>
+              <a:pPr>
+                <a:defRPr/>
+              </a:pPr>
+              <a:t>16</a:t>
+            </a:fld>
+            <a:endParaRPr lang="en-US"/>
+          </a:p>
+        </p:txBody>
+      </p:sp>
+    </p:spTree>
+    <p:extLst>
+      <p:ext uri="{BB962C8B-B14F-4D97-AF65-F5344CB8AC3E}">
+        <p14:creationId xmlns:p14="http://schemas.microsoft.com/office/powerpoint/2010/main" val="1645652329"/>
+      </p:ext>
+    </p:extLst>
+  </p:cSld>
+  <p:clrMapOvr>
+    <a:masterClrMapping/>
+  </p:clrMapOvr>
+  <p:transition/>
+</p:sld>
+</file>
+
+<file path=ppt/slides/slide17.xml><?xml version="1.0" encoding="utf-8"?>
+<p:sld xmlns:a="http://schemas.openxmlformats.org/drawingml/2006/main" xmlns:r="http://schemas.openxmlformats.org/officeDocument/2006/relationships" xmlns:p="http://schemas.openxmlformats.org/presentationml/2006/main">
+  <p:cSld>
+    <p:spTree>
+      <p:nvGrpSpPr>
+        <p:cNvPr id="1" name=""/>
+        <p:cNvGrpSpPr/>
+        <p:nvPr/>
+      </p:nvGrpSpPr>
+      <p:grpSpPr>
+        <a:xfrm>
+          <a:off x="0" y="0"/>
+          <a:ext cx="0" cy="0"/>
+          <a:chOff x="0" y="0"/>
+          <a:chExt cx="0" cy="0"/>
+        </a:xfrm>
+      </p:grpSpPr>
+      <p:sp>
+        <p:nvSpPr>
           <p:cNvPr id="22530" name="Footer Placeholder 4"/>
           <p:cNvSpPr>
             <a:spLocks noGrp="1"/>
@@ -8349,7 +8648,7 @@
             <a:fld id="{CA9CF61F-D18B-5946-9F36-FA97BCA712E8}" type="slidenum">
               <a:rPr lang="en-US" smtClean="0"/>
               <a:pPr/>
-              <a:t>16</a:t>
+              <a:t>17</a:t>
             </a:fld>
             <a:endParaRPr lang="en-US"/>
           </a:p>
@@ -8556,7 +8855,7 @@
 </p:sld>
 </file>
 
-<file path=ppt/slides/slide17.xml><?xml version="1.0" encoding="utf-8"?>
+<file path=ppt/slides/slide18.xml><?xml version="1.0" encoding="utf-8"?>
 <p:sld xmlns:a="http://schemas.openxmlformats.org/drawingml/2006/main" xmlns:r="http://schemas.openxmlformats.org/officeDocument/2006/relationships" xmlns:p="http://schemas.openxmlformats.org/presentationml/2006/main">
   <p:cSld>
     <p:spTree>
@@ -8727,7 +9026,7 @@
               <a:pPr>
                 <a:defRPr/>
               </a:pPr>
-              <a:t>17</a:t>
+              <a:t>18</a:t>
             </a:fld>
             <a:endParaRPr lang="en-US"/>
           </a:p>
@@ -8783,7 +9082,7 @@
 </p:sld>
 </file>
 
-<file path=ppt/slides/slide18.xml><?xml version="1.0" encoding="utf-8"?>
+<file path=ppt/slides/slide19.xml><?xml version="1.0" encoding="utf-8"?>
 <p:sld xmlns:a="http://schemas.openxmlformats.org/drawingml/2006/main" xmlns:r="http://schemas.openxmlformats.org/officeDocument/2006/relationships" xmlns:p="http://schemas.openxmlformats.org/presentationml/2006/main">
   <p:cSld>
     <p:spTree>
@@ -8961,7 +9260,7 @@
               <a:pPr>
                 <a:defRPr/>
               </a:pPr>
-              <a:t>18</a:t>
+              <a:t>19</a:t>
             </a:fld>
             <a:endParaRPr lang="en-US"/>
           </a:p>
@@ -9017,7 +9316,7 @@
 </p:sld>
 </file>
 
-<file path=ppt/slides/slide19.xml><?xml version="1.0" encoding="utf-8"?>
+<file path=ppt/slides/slide2.xml><?xml version="1.0" encoding="utf-8"?>
 <p:sld xmlns:a="http://schemas.openxmlformats.org/drawingml/2006/main" xmlns:r="http://schemas.openxmlformats.org/officeDocument/2006/relationships" xmlns:p="http://schemas.openxmlformats.org/presentationml/2006/main">
   <p:cSld>
     <p:spTree>
@@ -9079,7 +9378,266 @@
             <a:fld id="{CA9CF61F-D18B-5946-9F36-FA97BCA712E8}" type="slidenum">
               <a:rPr lang="en-US" smtClean="0"/>
               <a:pPr/>
-              <a:t>19</a:t>
+              <a:t>2</a:t>
+            </a:fld>
+            <a:endParaRPr lang="en-US"/>
+          </a:p>
+        </p:txBody>
+      </p:sp>
+      <p:sp>
+        <p:nvSpPr>
+          <p:cNvPr id="22532" name="Rectangle 2"/>
+          <p:cNvSpPr>
+            <a:spLocks noGrp="1" noChangeArrowheads="1"/>
+          </p:cNvSpPr>
+          <p:nvPr>
+            <p:ph type="title"/>
+          </p:nvPr>
+        </p:nvSpPr>
+        <p:spPr/>
+        <p:txBody>
+          <a:bodyPr/>
+          <a:lstStyle/>
+          <a:p>
+            <a:r>
+              <a:rPr lang="en-US" sz="3600" dirty="0">
+                <a:ea typeface="ＭＳ Ｐゴシック" charset="-128"/>
+                <a:cs typeface="ＭＳ Ｐゴシック" charset="-128"/>
+              </a:rPr>
+              <a:t>Roadmap</a:t>
+            </a:r>
+          </a:p>
+        </p:txBody>
+      </p:sp>
+      <p:sp>
+        <p:nvSpPr>
+          <p:cNvPr id="22533" name="Rectangle 3"/>
+          <p:cNvSpPr>
+            <a:spLocks noGrp="1" noChangeArrowheads="1"/>
+          </p:cNvSpPr>
+          <p:nvPr>
+            <p:ph type="body" idx="1"/>
+          </p:nvPr>
+        </p:nvSpPr>
+        <p:spPr/>
+        <p:txBody>
+          <a:bodyPr/>
+          <a:lstStyle/>
+          <a:p>
+            <a:r>
+              <a:rPr lang="en-US" dirty="0">
+                <a:ea typeface="ＭＳ Ｐゴシック" charset="-128"/>
+                <a:cs typeface="ＭＳ Ｐゴシック" charset="-128"/>
+              </a:rPr>
+              <a:t>Introduction – Motivation</a:t>
+            </a:r>
+          </a:p>
+          <a:p>
+            <a:r>
+              <a:rPr lang="en-US" dirty="0">
+                <a:ea typeface="ＭＳ Ｐゴシック" charset="-128"/>
+                <a:cs typeface="ＭＳ Ｐゴシック" charset="-128"/>
+              </a:rPr>
+              <a:t>Past</a:t>
+            </a:r>
+          </a:p>
+          <a:p>
+            <a:r>
+              <a:rPr lang="en-US" dirty="0">
+                <a:ea typeface="ＭＳ Ｐゴシック" charset="-128"/>
+                <a:cs typeface="ＭＳ Ｐゴシック" charset="-128"/>
+              </a:rPr>
+              <a:t>Present</a:t>
+            </a:r>
+          </a:p>
+          <a:p>
+            <a:r>
+              <a:rPr lang="en-US" dirty="0">
+                <a:ea typeface="ＭＳ Ｐゴシック" charset="-128"/>
+                <a:cs typeface="ＭＳ Ｐゴシック" charset="-128"/>
+              </a:rPr>
+              <a:t>Future</a:t>
+            </a:r>
+          </a:p>
+        </p:txBody>
+      </p:sp>
+      <p:sp>
+        <p:nvSpPr>
+          <p:cNvPr id="22534" name="AutoShape 4"/>
+          <p:cNvSpPr>
+            <a:spLocks noChangeArrowheads="1"/>
+          </p:cNvSpPr>
+          <p:nvPr/>
+        </p:nvSpPr>
+        <p:spPr bwMode="auto">
+          <a:xfrm>
+            <a:off x="230187" y="3355430"/>
+            <a:ext cx="377825" cy="290513"/>
+          </a:xfrm>
+          <a:prstGeom prst="rightArrow">
+            <a:avLst>
+              <a:gd name="adj1" fmla="val 50000"/>
+              <a:gd name="adj2" fmla="val 32514"/>
+            </a:avLst>
+          </a:prstGeom>
+          <a:solidFill>
+            <a:schemeClr val="tx2"/>
+          </a:solidFill>
+          <a:ln w="28575">
+            <a:solidFill>
+              <a:schemeClr val="tx2"/>
+            </a:solidFill>
+            <a:miter lim="800000"/>
+            <a:headEnd type="none" w="sm" len="sm"/>
+            <a:tailEnd/>
+          </a:ln>
+        </p:spPr>
+        <p:txBody>
+          <a:bodyPr wrap="none" anchor="ctr">
+            <a:prstTxWarp prst="textNoShape">
+              <a:avLst/>
+            </a:prstTxWarp>
+          </a:bodyPr>
+          <a:lstStyle/>
+          <a:p>
+            <a:endParaRPr lang="en-US"/>
+          </a:p>
+        </p:txBody>
+      </p:sp>
+      <p:sp>
+        <p:nvSpPr>
+          <p:cNvPr id="22535" name="Date Placeholder 7"/>
+          <p:cNvSpPr>
+            <a:spLocks noGrp="1"/>
+          </p:cNvSpPr>
+          <p:nvPr>
+            <p:ph type="dt" sz="quarter" idx="10"/>
+          </p:nvPr>
+        </p:nvSpPr>
+        <p:spPr>
+          <a:noFill/>
+        </p:spPr>
+        <p:txBody>
+          <a:bodyPr/>
+          <a:lstStyle/>
+          <a:p>
+            <a:r>
+              <a:rPr lang="en-US"/>
+              <a:t>PAKDD 2021</a:t>
+            </a:r>
+          </a:p>
+        </p:txBody>
+      </p:sp>
+      <p:pic>
+        <p:nvPicPr>
+          <p:cNvPr id="8" name="Picture 7" descr="energygen-roads.jpg"/>
+          <p:cNvPicPr>
+            <a:picLocks noChangeAspect="1"/>
+          </p:cNvPicPr>
+          <p:nvPr/>
+        </p:nvPicPr>
+        <p:blipFill>
+          <a:blip r:embed="rId3" cstate="screen">
+            <a:extLst>
+              <a:ext uri="{28A0092B-C50C-407E-A947-70E740481C1C}">
+                <a14:useLocalDpi xmlns:a14="http://schemas.microsoft.com/office/drawing/2010/main"/>
+              </a:ext>
+            </a:extLst>
+          </a:blip>
+          <a:srcRect/>
+          <a:stretch>
+            <a:fillRect/>
+          </a:stretch>
+        </p:blipFill>
+        <p:spPr bwMode="auto">
+          <a:xfrm>
+            <a:off x="6267450" y="1371600"/>
+            <a:ext cx="2457450" cy="1212850"/>
+          </a:xfrm>
+          <a:prstGeom prst="rect">
+            <a:avLst/>
+          </a:prstGeom>
+          <a:noFill/>
+          <a:ln w="9525">
+            <a:noFill/>
+            <a:miter lim="800000"/>
+            <a:headEnd/>
+            <a:tailEnd/>
+          </a:ln>
+        </p:spPr>
+      </p:pic>
+    </p:spTree>
+  </p:cSld>
+  <p:clrMapOvr>
+    <a:masterClrMapping/>
+  </p:clrMapOvr>
+  <p:transition/>
+</p:sld>
+</file>
+
+<file path=ppt/slides/slide20.xml><?xml version="1.0" encoding="utf-8"?>
+<p:sld xmlns:a="http://schemas.openxmlformats.org/drawingml/2006/main" xmlns:r="http://schemas.openxmlformats.org/officeDocument/2006/relationships" xmlns:p="http://schemas.openxmlformats.org/presentationml/2006/main">
+  <p:cSld>
+    <p:spTree>
+      <p:nvGrpSpPr>
+        <p:cNvPr id="1" name=""/>
+        <p:cNvGrpSpPr/>
+        <p:nvPr/>
+      </p:nvGrpSpPr>
+      <p:grpSpPr>
+        <a:xfrm>
+          <a:off x="0" y="0"/>
+          <a:ext cx="0" cy="0"/>
+          <a:chOff x="0" y="0"/>
+          <a:chExt cx="0" cy="0"/>
+        </a:xfrm>
+      </p:grpSpPr>
+      <p:sp>
+        <p:nvSpPr>
+          <p:cNvPr id="22530" name="Footer Placeholder 4"/>
+          <p:cNvSpPr>
+            <a:spLocks noGrp="1"/>
+          </p:cNvSpPr>
+          <p:nvPr>
+            <p:ph type="ftr" sz="quarter" idx="11"/>
+          </p:nvPr>
+        </p:nvSpPr>
+        <p:spPr>
+          <a:noFill/>
+        </p:spPr>
+        <p:txBody>
+          <a:bodyPr/>
+          <a:lstStyle/>
+          <a:p>
+            <a:r>
+              <a:rPr lang="fi-FI"/>
+              <a:t>L. Akoglu, M. McGlohon, C. Faloutsos</a:t>
+            </a:r>
+            <a:endParaRPr lang="en-US"/>
+          </a:p>
+        </p:txBody>
+      </p:sp>
+      <p:sp>
+        <p:nvSpPr>
+          <p:cNvPr id="22531" name="Slide Number Placeholder 5"/>
+          <p:cNvSpPr>
+            <a:spLocks noGrp="1"/>
+          </p:cNvSpPr>
+          <p:nvPr>
+            <p:ph type="sldNum" sz="quarter" idx="12"/>
+          </p:nvPr>
+        </p:nvSpPr>
+        <p:spPr>
+          <a:noFill/>
+        </p:spPr>
+        <p:txBody>
+          <a:bodyPr/>
+          <a:lstStyle/>
+          <a:p>
+            <a:fld id="{CA9CF61F-D18B-5946-9F36-FA97BCA712E8}" type="slidenum">
+              <a:rPr lang="en-US" smtClean="0"/>
+              <a:pPr/>
+              <a:t>20</a:t>
             </a:fld>
             <a:endParaRPr lang="en-US"/>
           </a:p>
@@ -9363,229 +9921,6 @@
 </p:sld>
 </file>
 
-<file path=ppt/slides/slide2.xml><?xml version="1.0" encoding="utf-8"?>
-<p:sld xmlns:a="http://schemas.openxmlformats.org/drawingml/2006/main" xmlns:r="http://schemas.openxmlformats.org/officeDocument/2006/relationships" xmlns:p="http://schemas.openxmlformats.org/presentationml/2006/main">
-  <p:cSld>
-    <p:spTree>
-      <p:nvGrpSpPr>
-        <p:cNvPr id="1" name=""/>
-        <p:cNvGrpSpPr/>
-        <p:nvPr/>
-      </p:nvGrpSpPr>
-      <p:grpSpPr>
-        <a:xfrm>
-          <a:off x="0" y="0"/>
-          <a:ext cx="0" cy="0"/>
-          <a:chOff x="0" y="0"/>
-          <a:chExt cx="0" cy="0"/>
-        </a:xfrm>
-      </p:grpSpPr>
-      <p:sp>
-        <p:nvSpPr>
-          <p:cNvPr id="7" name="Rounded Rectangle 6">
-            <a:extLst>
-              <a:ext uri="{FF2B5EF4-FFF2-40B4-BE49-F238E27FC236}">
-                <a16:creationId xmlns:a16="http://schemas.microsoft.com/office/drawing/2014/main" id="{1E1C1DA4-49D4-F341-9933-920C100EEC6D}"/>
-              </a:ext>
-            </a:extLst>
-          </p:cNvPr>
-          <p:cNvSpPr/>
-          <p:nvPr/>
-        </p:nvSpPr>
-        <p:spPr bwMode="auto">
-          <a:xfrm>
-            <a:off x="567559" y="472966"/>
-            <a:ext cx="8208579" cy="4950372"/>
-          </a:xfrm>
-          <a:prstGeom prst="roundRect">
-            <a:avLst/>
-          </a:prstGeom>
-          <a:solidFill>
-            <a:schemeClr val="accent1"/>
-          </a:solidFill>
-          <a:ln w="3175" cap="flat" cmpd="sng" algn="ctr">
-            <a:solidFill>
-              <a:schemeClr val="tx1"/>
-            </a:solidFill>
-            <a:prstDash val="solid"/>
-            <a:round/>
-            <a:headEnd type="none" w="sm" len="sm"/>
-            <a:tailEnd type="none" w="med" len="med"/>
-          </a:ln>
-          <a:effectLst/>
-        </p:spPr>
-        <p:txBody>
-          <a:bodyPr rtlCol="0" anchor="ctr"/>
-          <a:lstStyle/>
-          <a:p>
-            <a:pPr algn="ctr"/>
-            <a:endParaRPr lang="en-US"/>
-          </a:p>
-        </p:txBody>
-      </p:sp>
-      <p:sp>
-        <p:nvSpPr>
-          <p:cNvPr id="2" name="Title 1"/>
-          <p:cNvSpPr>
-            <a:spLocks noGrp="1"/>
-          </p:cNvSpPr>
-          <p:nvPr>
-            <p:ph type="title"/>
-          </p:nvPr>
-        </p:nvSpPr>
-        <p:spPr/>
-        <p:txBody>
-          <a:bodyPr/>
-          <a:lstStyle/>
-          <a:p>
-            <a:r>
-              <a:rPr lang="en-US" dirty="0"/>
-              <a:t>Thank you!</a:t>
-            </a:r>
-          </a:p>
-        </p:txBody>
-      </p:sp>
-      <p:sp>
-        <p:nvSpPr>
-          <p:cNvPr id="3" name="Content Placeholder 2"/>
-          <p:cNvSpPr>
-            <a:spLocks noGrp="1"/>
-          </p:cNvSpPr>
-          <p:nvPr>
-            <p:ph idx="1"/>
-          </p:nvPr>
-        </p:nvSpPr>
-        <p:spPr>
-          <a:xfrm>
-            <a:off x="2438399" y="1524000"/>
-            <a:ext cx="6201103" cy="4648200"/>
-          </a:xfrm>
-        </p:spPr>
-        <p:txBody>
-          <a:bodyPr/>
-          <a:lstStyle/>
-          <a:p>
-            <a:endParaRPr lang="en-US" dirty="0"/>
-          </a:p>
-          <a:p>
-            <a:r>
-              <a:rPr lang="en-US" dirty="0"/>
-              <a:t>Prof. Reddy</a:t>
-            </a:r>
-          </a:p>
-          <a:p>
-            <a:r>
-              <a:rPr lang="en-US" dirty="0" err="1"/>
-              <a:t>Etc</a:t>
-            </a:r>
-            <a:endParaRPr lang="en-US" dirty="0"/>
-          </a:p>
-          <a:p>
-            <a:r>
-              <a:rPr lang="en-US" dirty="0" err="1"/>
-              <a:t>etc</a:t>
-            </a:r>
-            <a:endParaRPr lang="en-US" dirty="0"/>
-          </a:p>
-          <a:p>
-            <a:endParaRPr lang="en-US" dirty="0"/>
-          </a:p>
-        </p:txBody>
-      </p:sp>
-      <p:sp>
-        <p:nvSpPr>
-          <p:cNvPr id="4" name="Date Placeholder 3"/>
-          <p:cNvSpPr>
-            <a:spLocks noGrp="1"/>
-          </p:cNvSpPr>
-          <p:nvPr>
-            <p:ph type="dt" sz="half" idx="10"/>
-          </p:nvPr>
-        </p:nvSpPr>
-        <p:spPr/>
-        <p:txBody>
-          <a:bodyPr/>
-          <a:lstStyle/>
-          <a:p>
-            <a:pPr>
-              <a:defRPr/>
-            </a:pPr>
-            <a:r>
-              <a:rPr lang="en-US"/>
-              <a:t>PAKDD 2021</a:t>
-            </a:r>
-          </a:p>
-        </p:txBody>
-      </p:sp>
-      <p:sp>
-        <p:nvSpPr>
-          <p:cNvPr id="5" name="Footer Placeholder 4"/>
-          <p:cNvSpPr>
-            <a:spLocks noGrp="1"/>
-          </p:cNvSpPr>
-          <p:nvPr>
-            <p:ph type="ftr" sz="quarter" idx="11"/>
-          </p:nvPr>
-        </p:nvSpPr>
-        <p:spPr/>
-        <p:txBody>
-          <a:bodyPr/>
-          <a:lstStyle/>
-          <a:p>
-            <a:pPr>
-              <a:defRPr/>
-            </a:pPr>
-            <a:r>
-              <a:rPr lang="fi-FI"/>
-              <a:t>L. Akoglu, M. McGlohon, C. Faloutsos</a:t>
-            </a:r>
-            <a:endParaRPr lang="en-US" dirty="0"/>
-          </a:p>
-        </p:txBody>
-      </p:sp>
-      <p:sp>
-        <p:nvSpPr>
-          <p:cNvPr id="6" name="Slide Number Placeholder 5"/>
-          <p:cNvSpPr>
-            <a:spLocks noGrp="1"/>
-          </p:cNvSpPr>
-          <p:nvPr>
-            <p:ph type="sldNum" sz="quarter" idx="12"/>
-          </p:nvPr>
-        </p:nvSpPr>
-        <p:spPr/>
-        <p:txBody>
-          <a:bodyPr/>
-          <a:lstStyle/>
-          <a:p>
-            <a:pPr>
-              <a:defRPr/>
-            </a:pPr>
-            <a:fld id="{F9B43987-7F84-BB4A-8611-CDF75B6A737D}" type="slidenum">
-              <a:rPr lang="en-US" smtClean="0"/>
-              <a:pPr>
-                <a:defRPr/>
-              </a:pPr>
-              <a:t>2</a:t>
-            </a:fld>
-            <a:endParaRPr lang="en-US"/>
-          </a:p>
-        </p:txBody>
-      </p:sp>
-    </p:spTree>
-    <p:extLst>
-      <p:ext uri="{BB962C8B-B14F-4D97-AF65-F5344CB8AC3E}">
-        <p14:creationId xmlns:p14="http://schemas.microsoft.com/office/powerpoint/2010/main" val="124848649"/>
-      </p:ext>
-    </p:extLst>
-  </p:cSld>
-  <p:clrMapOvr>
-    <a:masterClrMapping/>
-  </p:clrMapOvr>
-  <p:transition/>
-</p:sld>
-</file>
-
 <file path=ppt/slides/slide3.xml><?xml version="1.0" encoding="utf-8"?>
 <p:sld xmlns:a="http://schemas.openxmlformats.org/drawingml/2006/main" xmlns:r="http://schemas.openxmlformats.org/officeDocument/2006/relationships" xmlns:p="http://schemas.openxmlformats.org/presentationml/2006/main">
   <p:cSld>
@@ -9605,135 +9940,21 @@
       </p:grpSpPr>
       <p:sp>
         <p:nvSpPr>
-          <p:cNvPr id="2" name="Title 1">
-            <a:extLst>
-              <a:ext uri="{FF2B5EF4-FFF2-40B4-BE49-F238E27FC236}">
-                <a16:creationId xmlns:a16="http://schemas.microsoft.com/office/drawing/2014/main" id="{52729D5A-C24D-0241-9EC8-1083802393AB}"/>
-              </a:ext>
-            </a:extLst>
-          </p:cNvPr>
+          <p:cNvPr id="22530" name="Footer Placeholder 4"/>
           <p:cNvSpPr>
             <a:spLocks noGrp="1"/>
           </p:cNvSpPr>
           <p:nvPr>
-            <p:ph type="title"/>
-          </p:nvPr>
-        </p:nvSpPr>
-        <p:spPr/>
-        <p:txBody>
-          <a:bodyPr/>
-          <a:lstStyle/>
-          <a:p>
-            <a:endParaRPr lang="en-US" dirty="0"/>
-          </a:p>
-        </p:txBody>
-      </p:sp>
-      <p:sp>
-        <p:nvSpPr>
-          <p:cNvPr id="3" name="Content Placeholder 2">
-            <a:extLst>
-              <a:ext uri="{FF2B5EF4-FFF2-40B4-BE49-F238E27FC236}">
-                <a16:creationId xmlns:a16="http://schemas.microsoft.com/office/drawing/2014/main" id="{91EFB7D1-9146-A549-AFD1-53F570958FF2}"/>
-              </a:ext>
-            </a:extLst>
-          </p:cNvPr>
-          <p:cNvSpPr>
-            <a:spLocks noGrp="1"/>
-          </p:cNvSpPr>
-          <p:nvPr>
-            <p:ph idx="1"/>
-          </p:nvPr>
-        </p:nvSpPr>
-        <p:spPr/>
-        <p:txBody>
-          <a:bodyPr/>
-          <a:lstStyle/>
-          <a:p>
-            <a:r>
-              <a:rPr lang="en-US" dirty="0"/>
-              <a:t>Q1) Definition of anomaly?</a:t>
-            </a:r>
-          </a:p>
-          <a:p>
-            <a:pPr lvl="1"/>
-            <a:r>
-              <a:rPr lang="en-US" dirty="0"/>
-              <a:t>A) “… strange/remote/unlikely, wrt our biases/priors”</a:t>
-            </a:r>
-          </a:p>
-          <a:p>
-            <a:r>
-              <a:rPr lang="en-US" dirty="0"/>
-              <a:t>Q2) can we automate it?</a:t>
-            </a:r>
-          </a:p>
-          <a:p>
-            <a:pPr lvl="1"/>
-            <a:r>
-              <a:rPr lang="en-US" dirty="0"/>
-              <a:t>A) no, but better models/biases/priors, help</a:t>
-            </a:r>
-          </a:p>
-          <a:p>
-            <a:endParaRPr lang="en-US" dirty="0"/>
-          </a:p>
-        </p:txBody>
-      </p:sp>
-      <p:sp>
-        <p:nvSpPr>
-          <p:cNvPr id="4" name="Date Placeholder 3">
-            <a:extLst>
-              <a:ext uri="{FF2B5EF4-FFF2-40B4-BE49-F238E27FC236}">
-                <a16:creationId xmlns:a16="http://schemas.microsoft.com/office/drawing/2014/main" id="{C0DC2081-D347-504E-9134-C57D5AF1AA7F}"/>
-              </a:ext>
-            </a:extLst>
-          </p:cNvPr>
-          <p:cNvSpPr>
-            <a:spLocks noGrp="1"/>
-          </p:cNvSpPr>
-          <p:nvPr>
-            <p:ph type="dt" sz="half" idx="10"/>
-          </p:nvPr>
-        </p:nvSpPr>
-        <p:spPr/>
-        <p:txBody>
-          <a:bodyPr/>
-          <a:lstStyle/>
-          <a:p>
-            <a:pPr>
-              <a:defRPr/>
-            </a:pPr>
-            <a:r>
-              <a:rPr lang="en-US"/>
-              <a:t>PAKDD 2021</a:t>
-            </a:r>
-          </a:p>
-        </p:txBody>
-      </p:sp>
-      <p:sp>
-        <p:nvSpPr>
-          <p:cNvPr id="5" name="Footer Placeholder 4">
-            <a:extLst>
-              <a:ext uri="{FF2B5EF4-FFF2-40B4-BE49-F238E27FC236}">
-                <a16:creationId xmlns:a16="http://schemas.microsoft.com/office/drawing/2014/main" id="{96FB4C7F-0868-014A-9CA6-ED869B9232C7}"/>
-              </a:ext>
-            </a:extLst>
-          </p:cNvPr>
-          <p:cNvSpPr>
-            <a:spLocks noGrp="1"/>
-          </p:cNvSpPr>
-          <p:nvPr>
             <p:ph type="ftr" sz="quarter" idx="11"/>
           </p:nvPr>
         </p:nvSpPr>
-        <p:spPr/>
-        <p:txBody>
-          <a:bodyPr/>
-          <a:lstStyle/>
-          <a:p>
-            <a:pPr>
-              <a:defRPr/>
-            </a:pPr>
+        <p:spPr>
+          <a:noFill/>
+        </p:spPr>
+        <p:txBody>
+          <a:bodyPr/>
+          <a:lstStyle/>
+          <a:p>
             <a:r>
               <a:rPr lang="fi-FI"/>
               <a:t>L. Akoglu, M. McGlohon, C. Faloutsos</a:t>
@@ -9744,13 +9965,7 @@
       </p:sp>
       <p:sp>
         <p:nvSpPr>
-          <p:cNvPr id="6" name="Slide Number Placeholder 5">
-            <a:extLst>
-              <a:ext uri="{FF2B5EF4-FFF2-40B4-BE49-F238E27FC236}">
-                <a16:creationId xmlns:a16="http://schemas.microsoft.com/office/drawing/2014/main" id="{D347F471-BAD4-8A40-B5A2-0BC63D11E51F}"/>
-              </a:ext>
-            </a:extLst>
-          </p:cNvPr>
+          <p:cNvPr id="22531" name="Slide Number Placeholder 5"/>
           <p:cNvSpPr>
             <a:spLocks noGrp="1"/>
           </p:cNvSpPr>
@@ -9758,29 +9973,228 @@
             <p:ph type="sldNum" sz="quarter" idx="12"/>
           </p:nvPr>
         </p:nvSpPr>
-        <p:spPr/>
-        <p:txBody>
-          <a:bodyPr/>
-          <a:lstStyle/>
-          <a:p>
-            <a:pPr>
-              <a:defRPr/>
-            </a:pPr>
-            <a:fld id="{F9B43987-7F84-BB4A-8611-CDF75B6A737D}" type="slidenum">
+        <p:spPr>
+          <a:noFill/>
+        </p:spPr>
+        <p:txBody>
+          <a:bodyPr/>
+          <a:lstStyle/>
+          <a:p>
+            <a:fld id="{CA9CF61F-D18B-5946-9F36-FA97BCA712E8}" type="slidenum">
               <a:rPr lang="en-US" smtClean="0"/>
-              <a:pPr>
-                <a:defRPr/>
-              </a:pPr>
+              <a:pPr/>
               <a:t>3</a:t>
             </a:fld>
             <a:endParaRPr lang="en-US"/>
           </a:p>
         </p:txBody>
       </p:sp>
+      <p:sp>
+        <p:nvSpPr>
+          <p:cNvPr id="22532" name="Rectangle 2"/>
+          <p:cNvSpPr>
+            <a:spLocks noGrp="1" noChangeArrowheads="1"/>
+          </p:cNvSpPr>
+          <p:nvPr>
+            <p:ph type="title"/>
+          </p:nvPr>
+        </p:nvSpPr>
+        <p:spPr/>
+        <p:txBody>
+          <a:bodyPr/>
+          <a:lstStyle/>
+          <a:p>
+            <a:r>
+              <a:rPr lang="en-US" sz="3600" dirty="0">
+                <a:ea typeface="ＭＳ Ｐゴシック" charset="-128"/>
+                <a:cs typeface="ＭＳ Ｐゴシック" charset="-128"/>
+              </a:rPr>
+              <a:t>Roadmap</a:t>
+            </a:r>
+          </a:p>
+        </p:txBody>
+      </p:sp>
+      <p:sp>
+        <p:nvSpPr>
+          <p:cNvPr id="22533" name="Rectangle 3"/>
+          <p:cNvSpPr>
+            <a:spLocks noGrp="1" noChangeArrowheads="1"/>
+          </p:cNvSpPr>
+          <p:nvPr>
+            <p:ph type="body" idx="1"/>
+          </p:nvPr>
+        </p:nvSpPr>
+        <p:spPr/>
+        <p:txBody>
+          <a:bodyPr/>
+          <a:lstStyle/>
+          <a:p>
+            <a:r>
+              <a:rPr lang="en-US" dirty="0">
+                <a:ea typeface="ＭＳ Ｐゴシック" charset="-128"/>
+                <a:cs typeface="ＭＳ Ｐゴシック" charset="-128"/>
+              </a:rPr>
+              <a:t>Introduction – Motivation</a:t>
+            </a:r>
+          </a:p>
+          <a:p>
+            <a:r>
+              <a:rPr lang="en-US" dirty="0">
+                <a:ea typeface="ＭＳ Ｐゴシック" charset="-128"/>
+                <a:cs typeface="ＭＳ Ｐゴシック" charset="-128"/>
+              </a:rPr>
+              <a:t>Past</a:t>
+            </a:r>
+          </a:p>
+          <a:p>
+            <a:r>
+              <a:rPr lang="en-US" dirty="0">
+                <a:ea typeface="ＭＳ Ｐゴシック" charset="-128"/>
+                <a:cs typeface="ＭＳ Ｐゴシック" charset="-128"/>
+              </a:rPr>
+              <a:t>Present</a:t>
+            </a:r>
+          </a:p>
+          <a:p>
+            <a:r>
+              <a:rPr lang="en-US" dirty="0">
+                <a:ea typeface="ＭＳ Ｐゴシック" charset="-128"/>
+                <a:cs typeface="ＭＳ Ｐゴシック" charset="-128"/>
+              </a:rPr>
+              <a:t>Future</a:t>
+            </a:r>
+          </a:p>
+          <a:p>
+            <a:pPr lvl="1"/>
+            <a:r>
+              <a:rPr lang="en-US" dirty="0">
+                <a:ea typeface="ＭＳ Ｐゴシック" charset="-128"/>
+                <a:cs typeface="ＭＳ Ｐゴシック" charset="-128"/>
+              </a:rPr>
+              <a:t>Q1) definition?</a:t>
+            </a:r>
+          </a:p>
+          <a:p>
+            <a:pPr lvl="1"/>
+            <a:r>
+              <a:rPr lang="en-US" dirty="0">
+                <a:ea typeface="ＭＳ Ｐゴシック" charset="-128"/>
+                <a:cs typeface="ＭＳ Ｐゴシック" charset="-128"/>
+              </a:rPr>
+              <a:t>Q2) automation?</a:t>
+            </a:r>
+          </a:p>
+        </p:txBody>
+      </p:sp>
+      <p:sp>
+        <p:nvSpPr>
+          <p:cNvPr id="22534" name="AutoShape 4"/>
+          <p:cNvSpPr>
+            <a:spLocks noChangeArrowheads="1"/>
+          </p:cNvSpPr>
+          <p:nvPr/>
+        </p:nvSpPr>
+        <p:spPr bwMode="auto">
+          <a:xfrm>
+            <a:off x="230187" y="3355430"/>
+            <a:ext cx="377825" cy="290513"/>
+          </a:xfrm>
+          <a:prstGeom prst="rightArrow">
+            <a:avLst>
+              <a:gd name="adj1" fmla="val 50000"/>
+              <a:gd name="adj2" fmla="val 32514"/>
+            </a:avLst>
+          </a:prstGeom>
+          <a:solidFill>
+            <a:schemeClr val="tx2"/>
+          </a:solidFill>
+          <a:ln w="28575">
+            <a:solidFill>
+              <a:schemeClr val="tx2"/>
+            </a:solidFill>
+            <a:miter lim="800000"/>
+            <a:headEnd type="none" w="sm" len="sm"/>
+            <a:tailEnd/>
+          </a:ln>
+        </p:spPr>
+        <p:txBody>
+          <a:bodyPr wrap="none" anchor="ctr">
+            <a:prstTxWarp prst="textNoShape">
+              <a:avLst/>
+            </a:prstTxWarp>
+          </a:bodyPr>
+          <a:lstStyle/>
+          <a:p>
+            <a:endParaRPr lang="en-US"/>
+          </a:p>
+        </p:txBody>
+      </p:sp>
+      <p:sp>
+        <p:nvSpPr>
+          <p:cNvPr id="22535" name="Date Placeholder 7"/>
+          <p:cNvSpPr>
+            <a:spLocks noGrp="1"/>
+          </p:cNvSpPr>
+          <p:nvPr>
+            <p:ph type="dt" sz="quarter" idx="10"/>
+          </p:nvPr>
+        </p:nvSpPr>
+        <p:spPr>
+          <a:noFill/>
+        </p:spPr>
+        <p:txBody>
+          <a:bodyPr/>
+          <a:lstStyle/>
+          <a:p>
+            <a:r>
+              <a:rPr lang="en-US"/>
+              <a:t>PAKDD 2021</a:t>
+            </a:r>
+          </a:p>
+        </p:txBody>
+      </p:sp>
+      <p:pic>
+        <p:nvPicPr>
+          <p:cNvPr id="8" name="Picture 7" descr="energygen-roads.jpg"/>
+          <p:cNvPicPr>
+            <a:picLocks noChangeAspect="1"/>
+          </p:cNvPicPr>
+          <p:nvPr/>
+        </p:nvPicPr>
+        <p:blipFill>
+          <a:blip r:embed="rId3" cstate="screen">
+            <a:extLst>
+              <a:ext uri="{28A0092B-C50C-407E-A947-70E740481C1C}">
+                <a14:useLocalDpi xmlns:a14="http://schemas.microsoft.com/office/drawing/2010/main"/>
+              </a:ext>
+            </a:extLst>
+          </a:blip>
+          <a:srcRect/>
+          <a:stretch>
+            <a:fillRect/>
+          </a:stretch>
+        </p:blipFill>
+        <p:spPr bwMode="auto">
+          <a:xfrm>
+            <a:off x="6267450" y="1371600"/>
+            <a:ext cx="2457450" cy="1212850"/>
+          </a:xfrm>
+          <a:prstGeom prst="rect">
+            <a:avLst/>
+          </a:prstGeom>
+          <a:noFill/>
+          <a:ln w="9525">
+            <a:noFill/>
+            <a:miter lim="800000"/>
+            <a:headEnd/>
+            <a:tailEnd/>
+          </a:ln>
+        </p:spPr>
+      </p:pic>
     </p:spTree>
     <p:extLst>
       <p:ext uri="{BB962C8B-B14F-4D97-AF65-F5344CB8AC3E}">
-        <p14:creationId xmlns:p14="http://schemas.microsoft.com/office/powerpoint/2010/main" val="1355618789"/>
+        <p14:creationId xmlns:p14="http://schemas.microsoft.com/office/powerpoint/2010/main" val="3377690832"/>
       </p:ext>
     </p:extLst>
   </p:cSld>
@@ -9813,7 +10227,7 @@
           <p:cNvPr id="2" name="Title 1">
             <a:extLst>
               <a:ext uri="{FF2B5EF4-FFF2-40B4-BE49-F238E27FC236}">
-                <a16:creationId xmlns:a16="http://schemas.microsoft.com/office/drawing/2014/main" id="{540B0215-4E57-AC49-BBF2-049D9965E57A}"/>
+                <a16:creationId xmlns:a16="http://schemas.microsoft.com/office/drawing/2014/main" id="{52729D5A-C24D-0241-9EC8-1083802393AB}"/>
               </a:ext>
             </a:extLst>
           </p:cNvPr>
@@ -9831,7 +10245,7 @@
           <a:p>
             <a:r>
               <a:rPr lang="en-US" dirty="0"/>
-              <a:t>Q1) definition</a:t>
+              <a:t>Future – parting thoughts</a:t>
             </a:r>
           </a:p>
         </p:txBody>
@@ -9841,7 +10255,7 @@
           <p:cNvPr id="3" name="Content Placeholder 2">
             <a:extLst>
               <a:ext uri="{FF2B5EF4-FFF2-40B4-BE49-F238E27FC236}">
-                <a16:creationId xmlns:a16="http://schemas.microsoft.com/office/drawing/2014/main" id="{38399C24-119E-B646-BC9C-1C7988DF4724}"/>
+                <a16:creationId xmlns:a16="http://schemas.microsoft.com/office/drawing/2014/main" id="{91EFB7D1-9146-A549-AFD1-53F570958FF2}"/>
               </a:ext>
             </a:extLst>
           </p:cNvPr>
@@ -9857,37 +10271,41 @@
           <a:bodyPr/>
           <a:lstStyle/>
           <a:p>
-            <a:pPr marL="0" indent="0">
-              <a:buNone/>
-            </a:pPr>
             <a:r>
               <a:rPr lang="en-US" dirty="0"/>
-              <a:t>‘deviation from the common rule’</a:t>
-            </a:r>
-          </a:p>
-          <a:p>
-            <a:pPr marL="0" indent="0">
-              <a:buNone/>
-            </a:pPr>
-            <a:r>
-              <a:rPr lang="en-US" sz="2400" dirty="0">
-                <a:hlinkClick r:id="rId2"/>
-              </a:rPr>
-              <a:t>https://</a:t>
-            </a:r>
-            <a:r>
-              <a:rPr lang="en-US" sz="2400" dirty="0" err="1">
-                <a:hlinkClick r:id="rId2"/>
-              </a:rPr>
-              <a:t>www.merriam-webster.com</a:t>
-            </a:r>
-            <a:r>
-              <a:rPr lang="en-US" sz="2400" dirty="0">
-                <a:hlinkClick r:id="rId2"/>
-              </a:rPr>
-              <a:t>/dictionary/anomaly</a:t>
-            </a:r>
-            <a:endParaRPr lang="en-US" sz="2400" dirty="0"/>
+              <a:t>Q1) Definition of anomaly?</a:t>
+            </a:r>
+          </a:p>
+          <a:p>
+            <a:pPr lvl="1"/>
+            <a:r>
+              <a:rPr lang="en-US" dirty="0"/>
+              <a:t>A) “… strange/remote/unlikely, </a:t>
+            </a:r>
+            <a:r>
+              <a:rPr lang="en-US" b="1" dirty="0"/>
+              <a:t>wrt our biases/priors</a:t>
+            </a:r>
+            <a:r>
+              <a:rPr lang="en-US" dirty="0"/>
+              <a:t>”</a:t>
+            </a:r>
+          </a:p>
+          <a:p>
+            <a:r>
+              <a:rPr lang="en-US" dirty="0"/>
+              <a:t>Q2) can we automate it?</a:t>
+            </a:r>
+          </a:p>
+          <a:p>
+            <a:pPr lvl="1"/>
+            <a:r>
+              <a:rPr lang="en-US" dirty="0"/>
+              <a:t>A) no, but: look for better models/biases/priors</a:t>
+            </a:r>
+          </a:p>
+          <a:p>
+            <a:endParaRPr lang="en-US" dirty="0"/>
           </a:p>
         </p:txBody>
       </p:sp>
@@ -9896,7 +10314,7 @@
           <p:cNvPr id="4" name="Date Placeholder 3">
             <a:extLst>
               <a:ext uri="{FF2B5EF4-FFF2-40B4-BE49-F238E27FC236}">
-                <a16:creationId xmlns:a16="http://schemas.microsoft.com/office/drawing/2014/main" id="{62C017FA-0DFA-E44D-B6C1-0739D1661257}"/>
+                <a16:creationId xmlns:a16="http://schemas.microsoft.com/office/drawing/2014/main" id="{C0DC2081-D347-504E-9134-C57D5AF1AA7F}"/>
               </a:ext>
             </a:extLst>
           </p:cNvPr>
@@ -9927,7 +10345,7 @@
           <p:cNvPr id="5" name="Footer Placeholder 4">
             <a:extLst>
               <a:ext uri="{FF2B5EF4-FFF2-40B4-BE49-F238E27FC236}">
-                <a16:creationId xmlns:a16="http://schemas.microsoft.com/office/drawing/2014/main" id="{9AD9F948-0593-B94B-B4F1-6D24DA7653DA}"/>
+                <a16:creationId xmlns:a16="http://schemas.microsoft.com/office/drawing/2014/main" id="{96FB4C7F-0868-014A-9CA6-ED869B9232C7}"/>
               </a:ext>
             </a:extLst>
           </p:cNvPr>
@@ -9959,7 +10377,7 @@
           <p:cNvPr id="6" name="Slide Number Placeholder 5">
             <a:extLst>
               <a:ext uri="{FF2B5EF4-FFF2-40B4-BE49-F238E27FC236}">
-                <a16:creationId xmlns:a16="http://schemas.microsoft.com/office/drawing/2014/main" id="{F72C9912-8DA4-1141-9386-E74EBE44F78B}"/>
+                <a16:creationId xmlns:a16="http://schemas.microsoft.com/office/drawing/2014/main" id="{D347F471-BAD4-8A40-B5A2-0BC63D11E51F}"/>
               </a:ext>
             </a:extLst>
           </p:cNvPr>
@@ -9992,7 +10410,7 @@
     </p:spTree>
     <p:extLst>
       <p:ext uri="{BB962C8B-B14F-4D97-AF65-F5344CB8AC3E}">
-        <p14:creationId xmlns:p14="http://schemas.microsoft.com/office/powerpoint/2010/main" val="869446707"/>
+        <p14:creationId xmlns:p14="http://schemas.microsoft.com/office/powerpoint/2010/main" val="1355618789"/>
       </p:ext>
     </p:extLst>
   </p:cSld>
@@ -10025,7 +10443,7 @@
           <p:cNvPr id="2" name="Title 1">
             <a:extLst>
               <a:ext uri="{FF2B5EF4-FFF2-40B4-BE49-F238E27FC236}">
-                <a16:creationId xmlns:a16="http://schemas.microsoft.com/office/drawing/2014/main" id="{E01A42D3-F021-504A-AD0C-CEFF8556E1BE}"/>
+                <a16:creationId xmlns:a16="http://schemas.microsoft.com/office/drawing/2014/main" id="{540B0215-4E57-AC49-BBF2-049D9965E57A}"/>
               </a:ext>
             </a:extLst>
           </p:cNvPr>
@@ -10048,41 +10466,67 @@
           </a:p>
         </p:txBody>
       </p:sp>
-      <p:pic>
-        <p:nvPicPr>
-          <p:cNvPr id="8" name="Content Placeholder 7" descr="Text&#10;&#10;Description automatically generated">
+      <p:sp>
+        <p:nvSpPr>
+          <p:cNvPr id="3" name="Content Placeholder 2">
             <a:extLst>
               <a:ext uri="{FF2B5EF4-FFF2-40B4-BE49-F238E27FC236}">
-                <a16:creationId xmlns:a16="http://schemas.microsoft.com/office/drawing/2014/main" id="{4D859538-3B13-984C-BD84-5A3D14DBDBA2}"/>
+                <a16:creationId xmlns:a16="http://schemas.microsoft.com/office/drawing/2014/main" id="{38399C24-119E-B646-BC9C-1C7988DF4724}"/>
               </a:ext>
             </a:extLst>
           </p:cNvPr>
-          <p:cNvPicPr>
-            <a:picLocks noGrp="1" noChangeAspect="1"/>
-          </p:cNvPicPr>
+          <p:cNvSpPr>
+            <a:spLocks noGrp="1"/>
+          </p:cNvSpPr>
           <p:nvPr>
             <p:ph idx="1"/>
           </p:nvPr>
-        </p:nvPicPr>
-        <p:blipFill>
-          <a:blip r:embed="rId2"/>
-          <a:stretch>
-            <a:fillRect/>
-          </a:stretch>
-        </p:blipFill>
-        <p:spPr>
-          <a:xfrm>
-            <a:off x="1587500" y="2336800"/>
-            <a:ext cx="5969000" cy="2870200"/>
-          </a:xfrm>
-        </p:spPr>
-      </p:pic>
+        </p:nvSpPr>
+        <p:spPr/>
+        <p:txBody>
+          <a:bodyPr/>
+          <a:lstStyle/>
+          <a:p>
+            <a:pPr marL="0" indent="0">
+              <a:buNone/>
+            </a:pPr>
+            <a:r>
+              <a:rPr lang="en-US" dirty="0"/>
+              <a:t>‘deviation from the common rule’</a:t>
+            </a:r>
+          </a:p>
+          <a:p>
+            <a:pPr marL="0" indent="0">
+              <a:buNone/>
+            </a:pPr>
+            <a:r>
+              <a:rPr lang="en-US" sz="2400" dirty="0">
+                <a:hlinkClick r:id="rId2"/>
+              </a:rPr>
+              <a:t>https://</a:t>
+            </a:r>
+            <a:r>
+              <a:rPr lang="en-US" sz="2400" dirty="0" err="1">
+                <a:hlinkClick r:id="rId2"/>
+              </a:rPr>
+              <a:t>www.merriam-webster.com</a:t>
+            </a:r>
+            <a:r>
+              <a:rPr lang="en-US" sz="2400" dirty="0">
+                <a:hlinkClick r:id="rId2"/>
+              </a:rPr>
+              <a:t>/dictionary/anomaly</a:t>
+            </a:r>
+            <a:endParaRPr lang="en-US" sz="2400" dirty="0"/>
+          </a:p>
+        </p:txBody>
+      </p:sp>
       <p:sp>
         <p:nvSpPr>
           <p:cNvPr id="4" name="Date Placeholder 3">
             <a:extLst>
               <a:ext uri="{FF2B5EF4-FFF2-40B4-BE49-F238E27FC236}">
-                <a16:creationId xmlns:a16="http://schemas.microsoft.com/office/drawing/2014/main" id="{43EB9C2E-66B4-7545-9210-39250A3A4DB2}"/>
+                <a16:creationId xmlns:a16="http://schemas.microsoft.com/office/drawing/2014/main" id="{62C017FA-0DFA-E44D-B6C1-0739D1661257}"/>
               </a:ext>
             </a:extLst>
           </p:cNvPr>
@@ -10113,7 +10557,7 @@
           <p:cNvPr id="5" name="Footer Placeholder 4">
             <a:extLst>
               <a:ext uri="{FF2B5EF4-FFF2-40B4-BE49-F238E27FC236}">
-                <a16:creationId xmlns:a16="http://schemas.microsoft.com/office/drawing/2014/main" id="{A041DBB9-5671-BF42-A0F7-B8737074E15C}"/>
+                <a16:creationId xmlns:a16="http://schemas.microsoft.com/office/drawing/2014/main" id="{9AD9F948-0593-B94B-B4F1-6D24DA7653DA}"/>
               </a:ext>
             </a:extLst>
           </p:cNvPr>
@@ -10145,7 +10589,7 @@
           <p:cNvPr id="6" name="Slide Number Placeholder 5">
             <a:extLst>
               <a:ext uri="{FF2B5EF4-FFF2-40B4-BE49-F238E27FC236}">
-                <a16:creationId xmlns:a16="http://schemas.microsoft.com/office/drawing/2014/main" id="{B9FD5DFC-22AF-8E43-A8BC-FFE2BFBBD203}"/>
+                <a16:creationId xmlns:a16="http://schemas.microsoft.com/office/drawing/2014/main" id="{F72C9912-8DA4-1141-9386-E74EBE44F78B}"/>
               </a:ext>
             </a:extLst>
           </p:cNvPr>
@@ -10175,10 +10619,928 @@
           </a:p>
         </p:txBody>
       </p:sp>
+      <p:sp>
+        <p:nvSpPr>
+          <p:cNvPr id="7" name="Freeform 6">
+            <a:extLst>
+              <a:ext uri="{FF2B5EF4-FFF2-40B4-BE49-F238E27FC236}">
+                <a16:creationId xmlns:a16="http://schemas.microsoft.com/office/drawing/2014/main" id="{3BC7F353-2ECC-DA4C-BB92-BFA19569E9FC}"/>
+              </a:ext>
+            </a:extLst>
+          </p:cNvPr>
+          <p:cNvSpPr/>
+          <p:nvPr/>
+        </p:nvSpPr>
+        <p:spPr bwMode="auto">
+          <a:xfrm>
+            <a:off x="3920359" y="4214648"/>
+            <a:ext cx="693682" cy="430924"/>
+          </a:xfrm>
+          <a:custGeom>
+            <a:avLst/>
+            <a:gdLst>
+              <a:gd name="connsiteX0" fmla="*/ 567558 w 693682"/>
+              <a:gd name="connsiteY0" fmla="*/ 0 h 430924"/>
+              <a:gd name="connsiteX1" fmla="*/ 441434 w 693682"/>
+              <a:gd name="connsiteY1" fmla="*/ 21021 h 430924"/>
+              <a:gd name="connsiteX2" fmla="*/ 399393 w 693682"/>
+              <a:gd name="connsiteY2" fmla="*/ 31531 h 430924"/>
+              <a:gd name="connsiteX3" fmla="*/ 189186 w 693682"/>
+              <a:gd name="connsiteY3" fmla="*/ 126124 h 430924"/>
+              <a:gd name="connsiteX4" fmla="*/ 84082 w 693682"/>
+              <a:gd name="connsiteY4" fmla="*/ 189186 h 430924"/>
+              <a:gd name="connsiteX5" fmla="*/ 42041 w 693682"/>
+              <a:gd name="connsiteY5" fmla="*/ 241738 h 430924"/>
+              <a:gd name="connsiteX6" fmla="*/ 10510 w 693682"/>
+              <a:gd name="connsiteY6" fmla="*/ 273269 h 430924"/>
+              <a:gd name="connsiteX7" fmla="*/ 0 w 693682"/>
+              <a:gd name="connsiteY7" fmla="*/ 315311 h 430924"/>
+              <a:gd name="connsiteX8" fmla="*/ 10510 w 693682"/>
+              <a:gd name="connsiteY8" fmla="*/ 367862 h 430924"/>
+              <a:gd name="connsiteX9" fmla="*/ 63062 w 693682"/>
+              <a:gd name="connsiteY9" fmla="*/ 420414 h 430924"/>
+              <a:gd name="connsiteX10" fmla="*/ 115613 w 693682"/>
+              <a:gd name="connsiteY10" fmla="*/ 430924 h 430924"/>
+              <a:gd name="connsiteX11" fmla="*/ 252248 w 693682"/>
+              <a:gd name="connsiteY11" fmla="*/ 420414 h 430924"/>
+              <a:gd name="connsiteX12" fmla="*/ 315310 w 693682"/>
+              <a:gd name="connsiteY12" fmla="*/ 388883 h 430924"/>
+              <a:gd name="connsiteX13" fmla="*/ 388882 w 693682"/>
+              <a:gd name="connsiteY13" fmla="*/ 367862 h 430924"/>
+              <a:gd name="connsiteX14" fmla="*/ 462455 w 693682"/>
+              <a:gd name="connsiteY14" fmla="*/ 325821 h 430924"/>
+              <a:gd name="connsiteX15" fmla="*/ 515007 w 693682"/>
+              <a:gd name="connsiteY15" fmla="*/ 294290 h 430924"/>
+              <a:gd name="connsiteX16" fmla="*/ 599089 w 693682"/>
+              <a:gd name="connsiteY16" fmla="*/ 210207 h 430924"/>
+              <a:gd name="connsiteX17" fmla="*/ 630620 w 693682"/>
+              <a:gd name="connsiteY17" fmla="*/ 178676 h 430924"/>
+              <a:gd name="connsiteX18" fmla="*/ 651641 w 693682"/>
+              <a:gd name="connsiteY18" fmla="*/ 147145 h 430924"/>
+              <a:gd name="connsiteX19" fmla="*/ 693682 w 693682"/>
+              <a:gd name="connsiteY19" fmla="*/ 115614 h 430924"/>
+              <a:gd name="connsiteX20" fmla="*/ 683172 w 693682"/>
+              <a:gd name="connsiteY20" fmla="*/ 84083 h 430924"/>
+              <a:gd name="connsiteX21" fmla="*/ 609600 w 693682"/>
+              <a:gd name="connsiteY21" fmla="*/ 52552 h 430924"/>
+              <a:gd name="connsiteX22" fmla="*/ 378372 w 693682"/>
+              <a:gd name="connsiteY22" fmla="*/ 42042 h 430924"/>
+            </a:gdLst>
+            <a:ahLst/>
+            <a:cxnLst>
+              <a:cxn ang="0">
+                <a:pos x="connsiteX0" y="connsiteY0"/>
+              </a:cxn>
+              <a:cxn ang="0">
+                <a:pos x="connsiteX1" y="connsiteY1"/>
+              </a:cxn>
+              <a:cxn ang="0">
+                <a:pos x="connsiteX2" y="connsiteY2"/>
+              </a:cxn>
+              <a:cxn ang="0">
+                <a:pos x="connsiteX3" y="connsiteY3"/>
+              </a:cxn>
+              <a:cxn ang="0">
+                <a:pos x="connsiteX4" y="connsiteY4"/>
+              </a:cxn>
+              <a:cxn ang="0">
+                <a:pos x="connsiteX5" y="connsiteY5"/>
+              </a:cxn>
+              <a:cxn ang="0">
+                <a:pos x="connsiteX6" y="connsiteY6"/>
+              </a:cxn>
+              <a:cxn ang="0">
+                <a:pos x="connsiteX7" y="connsiteY7"/>
+              </a:cxn>
+              <a:cxn ang="0">
+                <a:pos x="connsiteX8" y="connsiteY8"/>
+              </a:cxn>
+              <a:cxn ang="0">
+                <a:pos x="connsiteX9" y="connsiteY9"/>
+              </a:cxn>
+              <a:cxn ang="0">
+                <a:pos x="connsiteX10" y="connsiteY10"/>
+              </a:cxn>
+              <a:cxn ang="0">
+                <a:pos x="connsiteX11" y="connsiteY11"/>
+              </a:cxn>
+              <a:cxn ang="0">
+                <a:pos x="connsiteX12" y="connsiteY12"/>
+              </a:cxn>
+              <a:cxn ang="0">
+                <a:pos x="connsiteX13" y="connsiteY13"/>
+              </a:cxn>
+              <a:cxn ang="0">
+                <a:pos x="connsiteX14" y="connsiteY14"/>
+              </a:cxn>
+              <a:cxn ang="0">
+                <a:pos x="connsiteX15" y="connsiteY15"/>
+              </a:cxn>
+              <a:cxn ang="0">
+                <a:pos x="connsiteX16" y="connsiteY16"/>
+              </a:cxn>
+              <a:cxn ang="0">
+                <a:pos x="connsiteX17" y="connsiteY17"/>
+              </a:cxn>
+              <a:cxn ang="0">
+                <a:pos x="connsiteX18" y="connsiteY18"/>
+              </a:cxn>
+              <a:cxn ang="0">
+                <a:pos x="connsiteX19" y="connsiteY19"/>
+              </a:cxn>
+              <a:cxn ang="0">
+                <a:pos x="connsiteX20" y="connsiteY20"/>
+              </a:cxn>
+              <a:cxn ang="0">
+                <a:pos x="connsiteX21" y="connsiteY21"/>
+              </a:cxn>
+              <a:cxn ang="0">
+                <a:pos x="connsiteX22" y="connsiteY22"/>
+              </a:cxn>
+            </a:cxnLst>
+            <a:rect l="l" t="t" r="r" b="b"/>
+            <a:pathLst>
+              <a:path w="693682" h="430924">
+                <a:moveTo>
+                  <a:pt x="567558" y="0"/>
+                </a:moveTo>
+                <a:cubicBezTo>
+                  <a:pt x="506146" y="8774"/>
+                  <a:pt x="496757" y="8727"/>
+                  <a:pt x="441434" y="21021"/>
+                </a:cubicBezTo>
+                <a:cubicBezTo>
+                  <a:pt x="427333" y="24154"/>
+                  <a:pt x="412727" y="25975"/>
+                  <a:pt x="399393" y="31531"/>
+                </a:cubicBezTo>
+                <a:cubicBezTo>
+                  <a:pt x="328467" y="61083"/>
+                  <a:pt x="255073" y="86592"/>
+                  <a:pt x="189186" y="126124"/>
+                </a:cubicBezTo>
+                <a:lnTo>
+                  <a:pt x="84082" y="189186"/>
+                </a:lnTo>
+                <a:cubicBezTo>
+                  <a:pt x="70068" y="206703"/>
+                  <a:pt x="56813" y="224855"/>
+                  <a:pt x="42041" y="241738"/>
+                </a:cubicBezTo>
+                <a:cubicBezTo>
+                  <a:pt x="32253" y="252924"/>
+                  <a:pt x="17884" y="260364"/>
+                  <a:pt x="10510" y="273269"/>
+                </a:cubicBezTo>
+                <a:cubicBezTo>
+                  <a:pt x="3343" y="285811"/>
+                  <a:pt x="3503" y="301297"/>
+                  <a:pt x="0" y="315311"/>
+                </a:cubicBezTo>
+                <a:cubicBezTo>
+                  <a:pt x="3503" y="332828"/>
+                  <a:pt x="4238" y="351136"/>
+                  <a:pt x="10510" y="367862"/>
+                </a:cubicBezTo>
+                <a:cubicBezTo>
+                  <a:pt x="18918" y="390283"/>
+                  <a:pt x="40641" y="412006"/>
+                  <a:pt x="63062" y="420414"/>
+                </a:cubicBezTo>
+                <a:cubicBezTo>
+                  <a:pt x="79788" y="426686"/>
+                  <a:pt x="98096" y="427421"/>
+                  <a:pt x="115613" y="430924"/>
+                </a:cubicBezTo>
+                <a:cubicBezTo>
+                  <a:pt x="161158" y="427421"/>
+                  <a:pt x="207548" y="429824"/>
+                  <a:pt x="252248" y="420414"/>
+                </a:cubicBezTo>
+                <a:cubicBezTo>
+                  <a:pt x="275246" y="415572"/>
+                  <a:pt x="293489" y="397611"/>
+                  <a:pt x="315310" y="388883"/>
+                </a:cubicBezTo>
+                <a:cubicBezTo>
+                  <a:pt x="448714" y="335521"/>
+                  <a:pt x="281817" y="413746"/>
+                  <a:pt x="388882" y="367862"/>
+                </a:cubicBezTo>
+                <a:cubicBezTo>
+                  <a:pt x="434560" y="348286"/>
+                  <a:pt x="424065" y="349815"/>
+                  <a:pt x="462455" y="325821"/>
+                </a:cubicBezTo>
+                <a:cubicBezTo>
+                  <a:pt x="479778" y="314994"/>
+                  <a:pt x="499412" y="307486"/>
+                  <a:pt x="515007" y="294290"/>
+                </a:cubicBezTo>
+                <a:cubicBezTo>
+                  <a:pt x="545265" y="268687"/>
+                  <a:pt x="571062" y="238235"/>
+                  <a:pt x="599089" y="210207"/>
+                </a:cubicBezTo>
+                <a:cubicBezTo>
+                  <a:pt x="609599" y="199697"/>
+                  <a:pt x="622375" y="191043"/>
+                  <a:pt x="630620" y="178676"/>
+                </a:cubicBezTo>
+                <a:cubicBezTo>
+                  <a:pt x="637627" y="168166"/>
+                  <a:pt x="642709" y="156077"/>
+                  <a:pt x="651641" y="147145"/>
+                </a:cubicBezTo>
+                <a:cubicBezTo>
+                  <a:pt x="664027" y="134759"/>
+                  <a:pt x="679668" y="126124"/>
+                  <a:pt x="693682" y="115614"/>
+                </a:cubicBezTo>
+                <a:cubicBezTo>
+                  <a:pt x="690179" y="105104"/>
+                  <a:pt x="690093" y="92734"/>
+                  <a:pt x="683172" y="84083"/>
+                </a:cubicBezTo>
+                <a:cubicBezTo>
+                  <a:pt x="666077" y="62714"/>
+                  <a:pt x="633644" y="57361"/>
+                  <a:pt x="609600" y="52552"/>
+                </a:cubicBezTo>
+                <a:cubicBezTo>
+                  <a:pt x="510971" y="32827"/>
+                  <a:pt x="515961" y="42042"/>
+                  <a:pt x="378372" y="42042"/>
+                </a:cubicBezTo>
+              </a:path>
+            </a:pathLst>
+          </a:custGeom>
+          <a:noFill/>
+          <a:ln w="3175" cap="flat" cmpd="sng" algn="ctr">
+            <a:solidFill>
+              <a:schemeClr val="tx1"/>
+            </a:solidFill>
+            <a:prstDash val="solid"/>
+            <a:round/>
+            <a:headEnd type="none" w="sm" len="sm"/>
+            <a:tailEnd type="none" w="med" len="med"/>
+          </a:ln>
+          <a:effectLst/>
+        </p:spPr>
+        <p:txBody>
+          <a:bodyPr rtlCol="0" anchor="ctr"/>
+          <a:lstStyle/>
+          <a:p>
+            <a:pPr algn="ctr"/>
+            <a:endParaRPr lang="en-US"/>
+          </a:p>
+        </p:txBody>
+      </p:sp>
+      <p:sp>
+        <p:nvSpPr>
+          <p:cNvPr id="8" name="Freeform 7">
+            <a:extLst>
+              <a:ext uri="{FF2B5EF4-FFF2-40B4-BE49-F238E27FC236}">
+                <a16:creationId xmlns:a16="http://schemas.microsoft.com/office/drawing/2014/main" id="{4C2F2039-DC67-7C4B-98F0-4BAB2A1571AA}"/>
+              </a:ext>
+            </a:extLst>
+          </p:cNvPr>
+          <p:cNvSpPr/>
+          <p:nvPr/>
+        </p:nvSpPr>
+        <p:spPr bwMode="auto">
+          <a:xfrm>
+            <a:off x="3195145" y="3678621"/>
+            <a:ext cx="1996965" cy="1534510"/>
+          </a:xfrm>
+          <a:custGeom>
+            <a:avLst/>
+            <a:gdLst>
+              <a:gd name="connsiteX0" fmla="*/ 1187669 w 1996965"/>
+              <a:gd name="connsiteY0" fmla="*/ 115613 h 1534510"/>
+              <a:gd name="connsiteX1" fmla="*/ 599089 w 1996965"/>
+              <a:gd name="connsiteY1" fmla="*/ 147145 h 1534510"/>
+              <a:gd name="connsiteX2" fmla="*/ 294289 w 1996965"/>
+              <a:gd name="connsiteY2" fmla="*/ 210207 h 1534510"/>
+              <a:gd name="connsiteX3" fmla="*/ 241738 w 1996965"/>
+              <a:gd name="connsiteY3" fmla="*/ 241738 h 1534510"/>
+              <a:gd name="connsiteX4" fmla="*/ 136634 w 1996965"/>
+              <a:gd name="connsiteY4" fmla="*/ 336331 h 1534510"/>
+              <a:gd name="connsiteX5" fmla="*/ 84083 w 1996965"/>
+              <a:gd name="connsiteY5" fmla="*/ 409903 h 1534510"/>
+              <a:gd name="connsiteX6" fmla="*/ 42041 w 1996965"/>
+              <a:gd name="connsiteY6" fmla="*/ 493986 h 1534510"/>
+              <a:gd name="connsiteX7" fmla="*/ 10510 w 1996965"/>
+              <a:gd name="connsiteY7" fmla="*/ 588579 h 1534510"/>
+              <a:gd name="connsiteX8" fmla="*/ 0 w 1996965"/>
+              <a:gd name="connsiteY8" fmla="*/ 672662 h 1534510"/>
+              <a:gd name="connsiteX9" fmla="*/ 21021 w 1996965"/>
+              <a:gd name="connsiteY9" fmla="*/ 819807 h 1534510"/>
+              <a:gd name="connsiteX10" fmla="*/ 42041 w 1996965"/>
+              <a:gd name="connsiteY10" fmla="*/ 851338 h 1534510"/>
+              <a:gd name="connsiteX11" fmla="*/ 63062 w 1996965"/>
+              <a:gd name="connsiteY11" fmla="*/ 903889 h 1534510"/>
+              <a:gd name="connsiteX12" fmla="*/ 73572 w 1996965"/>
+              <a:gd name="connsiteY12" fmla="*/ 935420 h 1534510"/>
+              <a:gd name="connsiteX13" fmla="*/ 105103 w 1996965"/>
+              <a:gd name="connsiteY13" fmla="*/ 977462 h 1534510"/>
+              <a:gd name="connsiteX14" fmla="*/ 126124 w 1996965"/>
+              <a:gd name="connsiteY14" fmla="*/ 1019503 h 1534510"/>
+              <a:gd name="connsiteX15" fmla="*/ 210207 w 1996965"/>
+              <a:gd name="connsiteY15" fmla="*/ 1145627 h 1534510"/>
+              <a:gd name="connsiteX16" fmla="*/ 294289 w 1996965"/>
+              <a:gd name="connsiteY16" fmla="*/ 1229710 h 1534510"/>
+              <a:gd name="connsiteX17" fmla="*/ 399393 w 1996965"/>
+              <a:gd name="connsiteY17" fmla="*/ 1313793 h 1534510"/>
+              <a:gd name="connsiteX18" fmla="*/ 451945 w 1996965"/>
+              <a:gd name="connsiteY18" fmla="*/ 1366345 h 1534510"/>
+              <a:gd name="connsiteX19" fmla="*/ 746234 w 1996965"/>
+              <a:gd name="connsiteY19" fmla="*/ 1502979 h 1534510"/>
+              <a:gd name="connsiteX20" fmla="*/ 777765 w 1996965"/>
+              <a:gd name="connsiteY20" fmla="*/ 1513489 h 1534510"/>
+              <a:gd name="connsiteX21" fmla="*/ 830317 w 1996965"/>
+              <a:gd name="connsiteY21" fmla="*/ 1534510 h 1534510"/>
+              <a:gd name="connsiteX22" fmla="*/ 1030014 w 1996965"/>
+              <a:gd name="connsiteY22" fmla="*/ 1524000 h 1534510"/>
+              <a:gd name="connsiteX23" fmla="*/ 1177158 w 1996965"/>
+              <a:gd name="connsiteY23" fmla="*/ 1471448 h 1534510"/>
+              <a:gd name="connsiteX24" fmla="*/ 1250731 w 1996965"/>
+              <a:gd name="connsiteY24" fmla="*/ 1450427 h 1534510"/>
+              <a:gd name="connsiteX25" fmla="*/ 1366345 w 1996965"/>
+              <a:gd name="connsiteY25" fmla="*/ 1408386 h 1534510"/>
+              <a:gd name="connsiteX26" fmla="*/ 1439917 w 1996965"/>
+              <a:gd name="connsiteY26" fmla="*/ 1366345 h 1534510"/>
+              <a:gd name="connsiteX27" fmla="*/ 1524000 w 1996965"/>
+              <a:gd name="connsiteY27" fmla="*/ 1334813 h 1534510"/>
+              <a:gd name="connsiteX28" fmla="*/ 1555531 w 1996965"/>
+              <a:gd name="connsiteY28" fmla="*/ 1324303 h 1534510"/>
+              <a:gd name="connsiteX29" fmla="*/ 1639614 w 1996965"/>
+              <a:gd name="connsiteY29" fmla="*/ 1282262 h 1534510"/>
+              <a:gd name="connsiteX30" fmla="*/ 1744717 w 1996965"/>
+              <a:gd name="connsiteY30" fmla="*/ 1229710 h 1534510"/>
+              <a:gd name="connsiteX31" fmla="*/ 1786758 w 1996965"/>
+              <a:gd name="connsiteY31" fmla="*/ 1187669 h 1534510"/>
+              <a:gd name="connsiteX32" fmla="*/ 1828800 w 1996965"/>
+              <a:gd name="connsiteY32" fmla="*/ 1156138 h 1534510"/>
+              <a:gd name="connsiteX33" fmla="*/ 1860331 w 1996965"/>
+              <a:gd name="connsiteY33" fmla="*/ 1114096 h 1534510"/>
+              <a:gd name="connsiteX34" fmla="*/ 1902372 w 1996965"/>
+              <a:gd name="connsiteY34" fmla="*/ 1051034 h 1534510"/>
+              <a:gd name="connsiteX35" fmla="*/ 1933903 w 1996965"/>
+              <a:gd name="connsiteY35" fmla="*/ 966951 h 1534510"/>
+              <a:gd name="connsiteX36" fmla="*/ 1986455 w 1996965"/>
+              <a:gd name="connsiteY36" fmla="*/ 819807 h 1534510"/>
+              <a:gd name="connsiteX37" fmla="*/ 1996965 w 1996965"/>
+              <a:gd name="connsiteY37" fmla="*/ 672662 h 1534510"/>
+              <a:gd name="connsiteX38" fmla="*/ 1965434 w 1996965"/>
+              <a:gd name="connsiteY38" fmla="*/ 430924 h 1534510"/>
+              <a:gd name="connsiteX39" fmla="*/ 1923393 w 1996965"/>
+              <a:gd name="connsiteY39" fmla="*/ 315310 h 1534510"/>
+              <a:gd name="connsiteX40" fmla="*/ 1723696 w 1996965"/>
+              <a:gd name="connsiteY40" fmla="*/ 126124 h 1534510"/>
+              <a:gd name="connsiteX41" fmla="*/ 1608083 w 1996965"/>
+              <a:gd name="connsiteY41" fmla="*/ 52551 h 1534510"/>
+              <a:gd name="connsiteX42" fmla="*/ 1566041 w 1996965"/>
+              <a:gd name="connsiteY42" fmla="*/ 42041 h 1534510"/>
+              <a:gd name="connsiteX43" fmla="*/ 1355834 w 1996965"/>
+              <a:gd name="connsiteY43" fmla="*/ 0 h 1534510"/>
+              <a:gd name="connsiteX44" fmla="*/ 861848 w 1996965"/>
+              <a:gd name="connsiteY44" fmla="*/ 10510 h 1534510"/>
+              <a:gd name="connsiteX45" fmla="*/ 777765 w 1996965"/>
+              <a:gd name="connsiteY45" fmla="*/ 21020 h 1534510"/>
+              <a:gd name="connsiteX46" fmla="*/ 704193 w 1996965"/>
+              <a:gd name="connsiteY46" fmla="*/ 31531 h 1534510"/>
+            </a:gdLst>
+            <a:ahLst/>
+            <a:cxnLst>
+              <a:cxn ang="0">
+                <a:pos x="connsiteX0" y="connsiteY0"/>
+              </a:cxn>
+              <a:cxn ang="0">
+                <a:pos x="connsiteX1" y="connsiteY1"/>
+              </a:cxn>
+              <a:cxn ang="0">
+                <a:pos x="connsiteX2" y="connsiteY2"/>
+              </a:cxn>
+              <a:cxn ang="0">
+                <a:pos x="connsiteX3" y="connsiteY3"/>
+              </a:cxn>
+              <a:cxn ang="0">
+                <a:pos x="connsiteX4" y="connsiteY4"/>
+              </a:cxn>
+              <a:cxn ang="0">
+                <a:pos x="connsiteX5" y="connsiteY5"/>
+              </a:cxn>
+              <a:cxn ang="0">
+                <a:pos x="connsiteX6" y="connsiteY6"/>
+              </a:cxn>
+              <a:cxn ang="0">
+                <a:pos x="connsiteX7" y="connsiteY7"/>
+              </a:cxn>
+              <a:cxn ang="0">
+                <a:pos x="connsiteX8" y="connsiteY8"/>
+              </a:cxn>
+              <a:cxn ang="0">
+                <a:pos x="connsiteX9" y="connsiteY9"/>
+              </a:cxn>
+              <a:cxn ang="0">
+                <a:pos x="connsiteX10" y="connsiteY10"/>
+              </a:cxn>
+              <a:cxn ang="0">
+                <a:pos x="connsiteX11" y="connsiteY11"/>
+              </a:cxn>
+              <a:cxn ang="0">
+                <a:pos x="connsiteX12" y="connsiteY12"/>
+              </a:cxn>
+              <a:cxn ang="0">
+                <a:pos x="connsiteX13" y="connsiteY13"/>
+              </a:cxn>
+              <a:cxn ang="0">
+                <a:pos x="connsiteX14" y="connsiteY14"/>
+              </a:cxn>
+              <a:cxn ang="0">
+                <a:pos x="connsiteX15" y="connsiteY15"/>
+              </a:cxn>
+              <a:cxn ang="0">
+                <a:pos x="connsiteX16" y="connsiteY16"/>
+              </a:cxn>
+              <a:cxn ang="0">
+                <a:pos x="connsiteX17" y="connsiteY17"/>
+              </a:cxn>
+              <a:cxn ang="0">
+                <a:pos x="connsiteX18" y="connsiteY18"/>
+              </a:cxn>
+              <a:cxn ang="0">
+                <a:pos x="connsiteX19" y="connsiteY19"/>
+              </a:cxn>
+              <a:cxn ang="0">
+                <a:pos x="connsiteX20" y="connsiteY20"/>
+              </a:cxn>
+              <a:cxn ang="0">
+                <a:pos x="connsiteX21" y="connsiteY21"/>
+              </a:cxn>
+              <a:cxn ang="0">
+                <a:pos x="connsiteX22" y="connsiteY22"/>
+              </a:cxn>
+              <a:cxn ang="0">
+                <a:pos x="connsiteX23" y="connsiteY23"/>
+              </a:cxn>
+              <a:cxn ang="0">
+                <a:pos x="connsiteX24" y="connsiteY24"/>
+              </a:cxn>
+              <a:cxn ang="0">
+                <a:pos x="connsiteX25" y="connsiteY25"/>
+              </a:cxn>
+              <a:cxn ang="0">
+                <a:pos x="connsiteX26" y="connsiteY26"/>
+              </a:cxn>
+              <a:cxn ang="0">
+                <a:pos x="connsiteX27" y="connsiteY27"/>
+              </a:cxn>
+              <a:cxn ang="0">
+                <a:pos x="connsiteX28" y="connsiteY28"/>
+              </a:cxn>
+              <a:cxn ang="0">
+                <a:pos x="connsiteX29" y="connsiteY29"/>
+              </a:cxn>
+              <a:cxn ang="0">
+                <a:pos x="connsiteX30" y="connsiteY30"/>
+              </a:cxn>
+              <a:cxn ang="0">
+                <a:pos x="connsiteX31" y="connsiteY31"/>
+              </a:cxn>
+              <a:cxn ang="0">
+                <a:pos x="connsiteX32" y="connsiteY32"/>
+              </a:cxn>
+              <a:cxn ang="0">
+                <a:pos x="connsiteX33" y="connsiteY33"/>
+              </a:cxn>
+              <a:cxn ang="0">
+                <a:pos x="connsiteX34" y="connsiteY34"/>
+              </a:cxn>
+              <a:cxn ang="0">
+                <a:pos x="connsiteX35" y="connsiteY35"/>
+              </a:cxn>
+              <a:cxn ang="0">
+                <a:pos x="connsiteX36" y="connsiteY36"/>
+              </a:cxn>
+              <a:cxn ang="0">
+                <a:pos x="connsiteX37" y="connsiteY37"/>
+              </a:cxn>
+              <a:cxn ang="0">
+                <a:pos x="connsiteX38" y="connsiteY38"/>
+              </a:cxn>
+              <a:cxn ang="0">
+                <a:pos x="connsiteX39" y="connsiteY39"/>
+              </a:cxn>
+              <a:cxn ang="0">
+                <a:pos x="connsiteX40" y="connsiteY40"/>
+              </a:cxn>
+              <a:cxn ang="0">
+                <a:pos x="connsiteX41" y="connsiteY41"/>
+              </a:cxn>
+              <a:cxn ang="0">
+                <a:pos x="connsiteX42" y="connsiteY42"/>
+              </a:cxn>
+              <a:cxn ang="0">
+                <a:pos x="connsiteX43" y="connsiteY43"/>
+              </a:cxn>
+              <a:cxn ang="0">
+                <a:pos x="connsiteX44" y="connsiteY44"/>
+              </a:cxn>
+              <a:cxn ang="0">
+                <a:pos x="connsiteX45" y="connsiteY45"/>
+              </a:cxn>
+              <a:cxn ang="0">
+                <a:pos x="connsiteX46" y="connsiteY46"/>
+              </a:cxn>
+            </a:cxnLst>
+            <a:rect l="l" t="t" r="r" b="b"/>
+            <a:pathLst>
+              <a:path w="1996965" h="1534510">
+                <a:moveTo>
+                  <a:pt x="1187669" y="115613"/>
+                </a:moveTo>
+                <a:cubicBezTo>
+                  <a:pt x="991476" y="126124"/>
+                  <a:pt x="794471" y="126457"/>
+                  <a:pt x="599089" y="147145"/>
+                </a:cubicBezTo>
+                <a:cubicBezTo>
+                  <a:pt x="495914" y="158070"/>
+                  <a:pt x="294289" y="210207"/>
+                  <a:pt x="294289" y="210207"/>
+                </a:cubicBezTo>
+                <a:cubicBezTo>
+                  <a:pt x="276772" y="220717"/>
+                  <a:pt x="258473" y="230023"/>
+                  <a:pt x="241738" y="241738"/>
+                </a:cubicBezTo>
+                <a:cubicBezTo>
+                  <a:pt x="209000" y="264655"/>
+                  <a:pt x="161805" y="306126"/>
+                  <a:pt x="136634" y="336331"/>
+                </a:cubicBezTo>
+                <a:cubicBezTo>
+                  <a:pt x="117340" y="359483"/>
+                  <a:pt x="101600" y="385379"/>
+                  <a:pt x="84083" y="409903"/>
+                </a:cubicBezTo>
+                <a:cubicBezTo>
+                  <a:pt x="54254" y="529214"/>
+                  <a:pt x="100513" y="367297"/>
+                  <a:pt x="42041" y="493986"/>
+                </a:cubicBezTo>
+                <a:cubicBezTo>
+                  <a:pt x="28113" y="524163"/>
+                  <a:pt x="10510" y="588579"/>
+                  <a:pt x="10510" y="588579"/>
+                </a:cubicBezTo>
+                <a:cubicBezTo>
+                  <a:pt x="7007" y="616607"/>
+                  <a:pt x="0" y="644416"/>
+                  <a:pt x="0" y="672662"/>
+                </a:cubicBezTo>
+                <a:cubicBezTo>
+                  <a:pt x="0" y="686880"/>
+                  <a:pt x="6872" y="786792"/>
+                  <a:pt x="21021" y="819807"/>
+                </a:cubicBezTo>
+                <a:cubicBezTo>
+                  <a:pt x="25997" y="831417"/>
+                  <a:pt x="36392" y="840040"/>
+                  <a:pt x="42041" y="851338"/>
+                </a:cubicBezTo>
+                <a:cubicBezTo>
+                  <a:pt x="50478" y="868213"/>
+                  <a:pt x="56437" y="886224"/>
+                  <a:pt x="63062" y="903889"/>
+                </a:cubicBezTo>
+                <a:cubicBezTo>
+                  <a:pt x="66952" y="914262"/>
+                  <a:pt x="68075" y="925801"/>
+                  <a:pt x="73572" y="935420"/>
+                </a:cubicBezTo>
+                <a:cubicBezTo>
+                  <a:pt x="82263" y="950629"/>
+                  <a:pt x="95819" y="962607"/>
+                  <a:pt x="105103" y="977462"/>
+                </a:cubicBezTo>
+                <a:cubicBezTo>
+                  <a:pt x="113407" y="990748"/>
+                  <a:pt x="118621" y="1005748"/>
+                  <a:pt x="126124" y="1019503"/>
+                </a:cubicBezTo>
+                <a:cubicBezTo>
+                  <a:pt x="156691" y="1075543"/>
+                  <a:pt x="168471" y="1100414"/>
+                  <a:pt x="210207" y="1145627"/>
+                </a:cubicBezTo>
+                <a:cubicBezTo>
+                  <a:pt x="237092" y="1174752"/>
+                  <a:pt x="266261" y="1201682"/>
+                  <a:pt x="294289" y="1229710"/>
+                </a:cubicBezTo>
+                <a:cubicBezTo>
+                  <a:pt x="375694" y="1311115"/>
+                  <a:pt x="334960" y="1292314"/>
+                  <a:pt x="399393" y="1313793"/>
+                </a:cubicBezTo>
+                <a:cubicBezTo>
+                  <a:pt x="416910" y="1331310"/>
+                  <a:pt x="430881" y="1353306"/>
+                  <a:pt x="451945" y="1366345"/>
+                </a:cubicBezTo>
+                <a:cubicBezTo>
+                  <a:pt x="528046" y="1413455"/>
+                  <a:pt x="658769" y="1467993"/>
+                  <a:pt x="746234" y="1502979"/>
+                </a:cubicBezTo>
+                <a:cubicBezTo>
+                  <a:pt x="756520" y="1507094"/>
+                  <a:pt x="767392" y="1509599"/>
+                  <a:pt x="777765" y="1513489"/>
+                </a:cubicBezTo>
+                <a:cubicBezTo>
+                  <a:pt x="795431" y="1520114"/>
+                  <a:pt x="812800" y="1527503"/>
+                  <a:pt x="830317" y="1534510"/>
+                </a:cubicBezTo>
+                <a:cubicBezTo>
+                  <a:pt x="896883" y="1531007"/>
+                  <a:pt x="963796" y="1531641"/>
+                  <a:pt x="1030014" y="1524000"/>
+                </a:cubicBezTo>
+                <a:cubicBezTo>
+                  <a:pt x="1086729" y="1517456"/>
+                  <a:pt x="1124614" y="1490214"/>
+                  <a:pt x="1177158" y="1471448"/>
+                </a:cubicBezTo>
+                <a:cubicBezTo>
+                  <a:pt x="1201178" y="1462869"/>
+                  <a:pt x="1226301" y="1457756"/>
+                  <a:pt x="1250731" y="1450427"/>
+                </a:cubicBezTo>
+                <a:cubicBezTo>
+                  <a:pt x="1279449" y="1441812"/>
+                  <a:pt x="1356215" y="1413113"/>
+                  <a:pt x="1366345" y="1408386"/>
+                </a:cubicBezTo>
+                <a:cubicBezTo>
+                  <a:pt x="1391941" y="1396441"/>
+                  <a:pt x="1414321" y="1378290"/>
+                  <a:pt x="1439917" y="1366345"/>
+                </a:cubicBezTo>
+                <a:cubicBezTo>
+                  <a:pt x="1467042" y="1353686"/>
+                  <a:pt x="1495869" y="1345043"/>
+                  <a:pt x="1524000" y="1334813"/>
+                </a:cubicBezTo>
+                <a:cubicBezTo>
+                  <a:pt x="1534412" y="1331027"/>
+                  <a:pt x="1545445" y="1328887"/>
+                  <a:pt x="1555531" y="1324303"/>
+                </a:cubicBezTo>
+                <a:cubicBezTo>
+                  <a:pt x="1584058" y="1311336"/>
+                  <a:pt x="1611087" y="1295229"/>
+                  <a:pt x="1639614" y="1282262"/>
+                </a:cubicBezTo>
+                <a:cubicBezTo>
+                  <a:pt x="1705214" y="1252444"/>
+                  <a:pt x="1642984" y="1303698"/>
+                  <a:pt x="1744717" y="1229710"/>
+                </a:cubicBezTo>
+                <a:cubicBezTo>
+                  <a:pt x="1760745" y="1218053"/>
+                  <a:pt x="1771843" y="1200719"/>
+                  <a:pt x="1786758" y="1187669"/>
+                </a:cubicBezTo>
+                <a:cubicBezTo>
+                  <a:pt x="1799941" y="1176134"/>
+                  <a:pt x="1816413" y="1168525"/>
+                  <a:pt x="1828800" y="1156138"/>
+                </a:cubicBezTo>
+                <a:cubicBezTo>
+                  <a:pt x="1841187" y="1143751"/>
+                  <a:pt x="1850286" y="1128447"/>
+                  <a:pt x="1860331" y="1114096"/>
+                </a:cubicBezTo>
+                <a:cubicBezTo>
+                  <a:pt x="1874819" y="1093399"/>
+                  <a:pt x="1891074" y="1073631"/>
+                  <a:pt x="1902372" y="1051034"/>
+                </a:cubicBezTo>
+                <a:cubicBezTo>
+                  <a:pt x="1915759" y="1024261"/>
+                  <a:pt x="1923835" y="995141"/>
+                  <a:pt x="1933903" y="966951"/>
+                </a:cubicBezTo>
+                <a:cubicBezTo>
+                  <a:pt x="2010109" y="753576"/>
+                  <a:pt x="1885382" y="1089333"/>
+                  <a:pt x="1986455" y="819807"/>
+                </a:cubicBezTo>
+                <a:cubicBezTo>
+                  <a:pt x="1989958" y="770759"/>
+                  <a:pt x="1996965" y="721835"/>
+                  <a:pt x="1996965" y="672662"/>
+                </a:cubicBezTo>
+                <a:cubicBezTo>
+                  <a:pt x="1996965" y="560492"/>
+                  <a:pt x="1992410" y="525341"/>
+                  <a:pt x="1965434" y="430924"/>
+                </a:cubicBezTo>
+                <a:cubicBezTo>
+                  <a:pt x="1963673" y="424760"/>
+                  <a:pt x="1931165" y="324747"/>
+                  <a:pt x="1923393" y="315310"/>
+                </a:cubicBezTo>
+                <a:cubicBezTo>
+                  <a:pt x="1876506" y="258376"/>
+                  <a:pt x="1786956" y="177882"/>
+                  <a:pt x="1723696" y="126124"/>
+                </a:cubicBezTo>
+                <a:cubicBezTo>
+                  <a:pt x="1688876" y="97635"/>
+                  <a:pt x="1648784" y="71052"/>
+                  <a:pt x="1608083" y="52551"/>
+                </a:cubicBezTo>
+                <a:cubicBezTo>
+                  <a:pt x="1594933" y="46573"/>
+                  <a:pt x="1580183" y="44987"/>
+                  <a:pt x="1566041" y="42041"/>
+                </a:cubicBezTo>
+                <a:lnTo>
+                  <a:pt x="1355834" y="0"/>
+                </a:lnTo>
+                <a:lnTo>
+                  <a:pt x="861848" y="10510"/>
+                </a:lnTo>
+                <a:cubicBezTo>
+                  <a:pt x="833621" y="11536"/>
+                  <a:pt x="805727" y="17025"/>
+                  <a:pt x="777765" y="21020"/>
+                </a:cubicBezTo>
+                <a:cubicBezTo>
+                  <a:pt x="700157" y="32107"/>
+                  <a:pt x="737837" y="31531"/>
+                  <a:pt x="704193" y="31531"/>
+                </a:cubicBezTo>
+              </a:path>
+            </a:pathLst>
+          </a:custGeom>
+          <a:noFill/>
+          <a:ln w="3175" cap="flat" cmpd="sng" algn="ctr">
+            <a:solidFill>
+              <a:schemeClr val="tx1"/>
+            </a:solidFill>
+            <a:prstDash val="solid"/>
+            <a:round/>
+            <a:headEnd type="none" w="sm" len="sm"/>
+            <a:tailEnd type="none" w="med" len="med"/>
+          </a:ln>
+          <a:effectLst/>
+        </p:spPr>
+        <p:txBody>
+          <a:bodyPr rtlCol="0" anchor="ctr"/>
+          <a:lstStyle/>
+          <a:p>
+            <a:pPr algn="ctr"/>
+            <a:endParaRPr lang="en-US"/>
+          </a:p>
+        </p:txBody>
+      </p:sp>
+      <p:sp>
+        <p:nvSpPr>
+          <p:cNvPr id="9" name="Freeform 8">
+            <a:extLst>
+              <a:ext uri="{FF2B5EF4-FFF2-40B4-BE49-F238E27FC236}">
+                <a16:creationId xmlns:a16="http://schemas.microsoft.com/office/drawing/2014/main" id="{B82A1DF6-876C-A146-BA55-98D7AB71A44B}"/>
+              </a:ext>
+            </a:extLst>
+          </p:cNvPr>
+          <p:cNvSpPr/>
+          <p:nvPr/>
+        </p:nvSpPr>
+        <p:spPr bwMode="auto">
+          <a:xfrm>
+            <a:off x="6253655" y="3972910"/>
+            <a:ext cx="106453" cy="94889"/>
+          </a:xfrm>
+          <a:custGeom>
+            <a:avLst/>
+            <a:gdLst>
+              <a:gd name="connsiteX0" fmla="*/ 63062 w 106453"/>
+              <a:gd name="connsiteY0" fmla="*/ 0 h 94889"/>
+              <a:gd name="connsiteX1" fmla="*/ 21021 w 106453"/>
+              <a:gd name="connsiteY1" fmla="*/ 73573 h 94889"/>
+              <a:gd name="connsiteX2" fmla="*/ 52552 w 106453"/>
+              <a:gd name="connsiteY2" fmla="*/ 94593 h 94889"/>
+              <a:gd name="connsiteX3" fmla="*/ 94593 w 106453"/>
+              <a:gd name="connsiteY3" fmla="*/ 84083 h 94889"/>
+              <a:gd name="connsiteX4" fmla="*/ 94593 w 106453"/>
+              <a:gd name="connsiteY4" fmla="*/ 21021 h 94889"/>
+              <a:gd name="connsiteX5" fmla="*/ 10511 w 106453"/>
+              <a:gd name="connsiteY5" fmla="*/ 42042 h 94889"/>
+              <a:gd name="connsiteX6" fmla="*/ 0 w 106453"/>
+              <a:gd name="connsiteY6" fmla="*/ 52552 h 94889"/>
+            </a:gdLst>
+            <a:ahLst/>
+            <a:cxnLst>
+              <a:cxn ang="0">
+                <a:pos x="connsiteX0" y="connsiteY0"/>
+              </a:cxn>
+              <a:cxn ang="0">
+                <a:pos x="connsiteX1" y="connsiteY1"/>
+              </a:cxn>
+              <a:cxn ang="0">
+                <a:pos x="connsiteX2" y="connsiteY2"/>
+              </a:cxn>
+              <a:cxn ang="0">
+                <a:pos x="connsiteX3" y="connsiteY3"/>
+              </a:cxn>
+              <a:cxn ang="0">
+                <a:pos x="connsiteX4" y="connsiteY4"/>
+              </a:cxn>
+              <a:cxn ang="0">
+                <a:pos x="connsiteX5" y="connsiteY5"/>
+              </a:cxn>
+              <a:cxn ang="0">
+                <a:pos x="connsiteX6" y="connsiteY6"/>
+              </a:cxn>
+            </a:cxnLst>
+            <a:rect l="l" t="t" r="r" b="b"/>
+            <a:pathLst>
+              <a:path w="106453" h="94889">
+                <a:moveTo>
+                  <a:pt x="63062" y="0"/>
+                </a:moveTo>
+                <a:cubicBezTo>
+                  <a:pt x="49048" y="24524"/>
+                  <a:pt x="24140" y="45500"/>
+                  <a:pt x="21021" y="73573"/>
+                </a:cubicBezTo>
+                <a:cubicBezTo>
+                  <a:pt x="19626" y="86127"/>
+                  <a:pt x="40047" y="92807"/>
+                  <a:pt x="52552" y="94593"/>
+                </a:cubicBezTo>
+                <a:cubicBezTo>
+                  <a:pt x="66852" y="96636"/>
+                  <a:pt x="80579" y="87586"/>
+                  <a:pt x="94593" y="84083"/>
+                </a:cubicBezTo>
+                <a:cubicBezTo>
+                  <a:pt x="97396" y="75674"/>
+                  <a:pt x="119819" y="29430"/>
+                  <a:pt x="94593" y="21021"/>
+                </a:cubicBezTo>
+                <a:cubicBezTo>
+                  <a:pt x="87395" y="18622"/>
+                  <a:pt x="24124" y="35235"/>
+                  <a:pt x="10511" y="42042"/>
+                </a:cubicBezTo>
+                <a:cubicBezTo>
+                  <a:pt x="6079" y="44258"/>
+                  <a:pt x="3504" y="49049"/>
+                  <a:pt x="0" y="52552"/>
+                </a:cubicBezTo>
+              </a:path>
+            </a:pathLst>
+          </a:custGeom>
+          <a:ln>
+            <a:headEnd type="none" w="sm" len="sm"/>
+            <a:tailEnd type="none" w="med" len="med"/>
+          </a:ln>
+        </p:spPr>
+        <p:style>
+          <a:lnRef idx="1">
+            <a:schemeClr val="accent2"/>
+          </a:lnRef>
+          <a:fillRef idx="0">
+            <a:schemeClr val="accent2"/>
+          </a:fillRef>
+          <a:effectRef idx="0">
+            <a:schemeClr val="accent2"/>
+          </a:effectRef>
+          <a:fontRef idx="minor">
+            <a:schemeClr val="tx1"/>
+          </a:fontRef>
+        </p:style>
+        <p:txBody>
+          <a:bodyPr rtlCol="0" anchor="ctr"/>
+          <a:lstStyle/>
+          <a:p>
+            <a:pPr algn="ctr"/>
+            <a:endParaRPr lang="en-US"/>
+          </a:p>
+        </p:txBody>
+      </p:sp>
     </p:spTree>
     <p:extLst>
       <p:ext uri="{BB962C8B-B14F-4D97-AF65-F5344CB8AC3E}">
-        <p14:creationId xmlns:p14="http://schemas.microsoft.com/office/powerpoint/2010/main" val="4287531387"/>
+        <p14:creationId xmlns:p14="http://schemas.microsoft.com/office/powerpoint/2010/main" val="869446707"/>
       </p:ext>
     </p:extLst>
   </p:cSld>
@@ -10211,7 +11573,7 @@
           <p:cNvPr id="2" name="Title 1">
             <a:extLst>
               <a:ext uri="{FF2B5EF4-FFF2-40B4-BE49-F238E27FC236}">
-                <a16:creationId xmlns:a16="http://schemas.microsoft.com/office/drawing/2014/main" id="{73B7C5C5-1DB8-F74C-B24F-5BD97BE15399}"/>
+                <a16:creationId xmlns:a16="http://schemas.microsoft.com/office/drawing/2014/main" id="{E01A42D3-F021-504A-AD0C-CEFF8556E1BE}"/>
               </a:ext>
             </a:extLst>
           </p:cNvPr>
@@ -10227,7 +11589,10 @@
           <a:bodyPr/>
           <a:lstStyle/>
           <a:p>
-            <a:endParaRPr lang="en-US"/>
+            <a:r>
+              <a:rPr lang="en-US" dirty="0"/>
+              <a:t>Q1) definition</a:t>
+            </a:r>
           </a:p>
         </p:txBody>
       </p:sp>
@@ -10236,7 +11601,7 @@
           <p:cNvPr id="8" name="Content Placeholder 7" descr="Text&#10;&#10;Description automatically generated">
             <a:extLst>
               <a:ext uri="{FF2B5EF4-FFF2-40B4-BE49-F238E27FC236}">
-                <a16:creationId xmlns:a16="http://schemas.microsoft.com/office/drawing/2014/main" id="{5225C6C2-2195-C048-A777-D0024756A0B1}"/>
+                <a16:creationId xmlns:a16="http://schemas.microsoft.com/office/drawing/2014/main" id="{4D859538-3B13-984C-BD84-5A3D14DBDBA2}"/>
               </a:ext>
             </a:extLst>
           </p:cNvPr>
@@ -10255,8 +11620,8 @@
         </p:blipFill>
         <p:spPr>
           <a:xfrm>
-            <a:off x="825500" y="2749550"/>
-            <a:ext cx="7493000" cy="2044700"/>
+            <a:off x="1587500" y="2336800"/>
+            <a:ext cx="5969000" cy="2870200"/>
           </a:xfrm>
         </p:spPr>
       </p:pic>
@@ -10265,7 +11630,7 @@
           <p:cNvPr id="4" name="Date Placeholder 3">
             <a:extLst>
               <a:ext uri="{FF2B5EF4-FFF2-40B4-BE49-F238E27FC236}">
-                <a16:creationId xmlns:a16="http://schemas.microsoft.com/office/drawing/2014/main" id="{86D77B73-DE0B-CE4C-B495-E89EFCE54422}"/>
+                <a16:creationId xmlns:a16="http://schemas.microsoft.com/office/drawing/2014/main" id="{43EB9C2E-66B4-7545-9210-39250A3A4DB2}"/>
               </a:ext>
             </a:extLst>
           </p:cNvPr>
@@ -10296,7 +11661,7 @@
           <p:cNvPr id="5" name="Footer Placeholder 4">
             <a:extLst>
               <a:ext uri="{FF2B5EF4-FFF2-40B4-BE49-F238E27FC236}">
-                <a16:creationId xmlns:a16="http://schemas.microsoft.com/office/drawing/2014/main" id="{99BBAF31-59DE-B24B-A8EB-85E50ECF0F96}"/>
+                <a16:creationId xmlns:a16="http://schemas.microsoft.com/office/drawing/2014/main" id="{A041DBB9-5671-BF42-A0F7-B8737074E15C}"/>
               </a:ext>
             </a:extLst>
           </p:cNvPr>
@@ -10328,7 +11693,7 @@
           <p:cNvPr id="6" name="Slide Number Placeholder 5">
             <a:extLst>
               <a:ext uri="{FF2B5EF4-FFF2-40B4-BE49-F238E27FC236}">
-                <a16:creationId xmlns:a16="http://schemas.microsoft.com/office/drawing/2014/main" id="{FFF1C959-FDC1-964E-A40E-B9241F8C8C86}"/>
+                <a16:creationId xmlns:a16="http://schemas.microsoft.com/office/drawing/2014/main" id="{B9FD5DFC-22AF-8E43-A8BC-FFE2BFBBD203}"/>
               </a:ext>
             </a:extLst>
           </p:cNvPr>
@@ -10361,7 +11726,7 @@
     </p:spTree>
     <p:extLst>
       <p:ext uri="{BB962C8B-B14F-4D97-AF65-F5344CB8AC3E}">
-        <p14:creationId xmlns:p14="http://schemas.microsoft.com/office/powerpoint/2010/main" val="434287321"/>
+        <p14:creationId xmlns:p14="http://schemas.microsoft.com/office/powerpoint/2010/main" val="4287531387"/>
       </p:ext>
     </p:extLst>
   </p:cSld>
@@ -10394,7 +11759,7 @@
           <p:cNvPr id="2" name="Title 1">
             <a:extLst>
               <a:ext uri="{FF2B5EF4-FFF2-40B4-BE49-F238E27FC236}">
-                <a16:creationId xmlns:a16="http://schemas.microsoft.com/office/drawing/2014/main" id="{C8B244A8-199A-3549-A4F9-C1D2EBFB42FD}"/>
+                <a16:creationId xmlns:a16="http://schemas.microsoft.com/office/drawing/2014/main" id="{73B7C5C5-1DB8-F74C-B24F-5BD97BE15399}"/>
               </a:ext>
             </a:extLst>
           </p:cNvPr>
@@ -10416,10 +11781,10 @@
       </p:sp>
       <p:pic>
         <p:nvPicPr>
-          <p:cNvPr id="8" name="Content Placeholder 7" descr="Chart&#10;&#10;Description automatically generated with medium confidence">
+          <p:cNvPr id="8" name="Content Placeholder 7" descr="Text&#10;&#10;Description automatically generated">
             <a:extLst>
               <a:ext uri="{FF2B5EF4-FFF2-40B4-BE49-F238E27FC236}">
-                <a16:creationId xmlns:a16="http://schemas.microsoft.com/office/drawing/2014/main" id="{6BC27F11-3F73-4D41-8D35-36943EF56758}"/>
+                <a16:creationId xmlns:a16="http://schemas.microsoft.com/office/drawing/2014/main" id="{5225C6C2-2195-C048-A777-D0024756A0B1}"/>
               </a:ext>
             </a:extLst>
           </p:cNvPr>
@@ -10438,8 +11803,8 @@
         </p:blipFill>
         <p:spPr>
           <a:xfrm>
-            <a:off x="939800" y="2768600"/>
-            <a:ext cx="7264400" cy="2006600"/>
+            <a:off x="825500" y="2749550"/>
+            <a:ext cx="7493000" cy="2044700"/>
           </a:xfrm>
         </p:spPr>
       </p:pic>
@@ -10448,7 +11813,7 @@
           <p:cNvPr id="4" name="Date Placeholder 3">
             <a:extLst>
               <a:ext uri="{FF2B5EF4-FFF2-40B4-BE49-F238E27FC236}">
-                <a16:creationId xmlns:a16="http://schemas.microsoft.com/office/drawing/2014/main" id="{5EFA08A9-06B6-8547-A9A2-10B24806F635}"/>
+                <a16:creationId xmlns:a16="http://schemas.microsoft.com/office/drawing/2014/main" id="{86D77B73-DE0B-CE4C-B495-E89EFCE54422}"/>
               </a:ext>
             </a:extLst>
           </p:cNvPr>
@@ -10479,7 +11844,7 @@
           <p:cNvPr id="5" name="Footer Placeholder 4">
             <a:extLst>
               <a:ext uri="{FF2B5EF4-FFF2-40B4-BE49-F238E27FC236}">
-                <a16:creationId xmlns:a16="http://schemas.microsoft.com/office/drawing/2014/main" id="{66FD98B2-EDCA-BE4E-8565-93AE8D15716C}"/>
+                <a16:creationId xmlns:a16="http://schemas.microsoft.com/office/drawing/2014/main" id="{99BBAF31-59DE-B24B-A8EB-85E50ECF0F96}"/>
               </a:ext>
             </a:extLst>
           </p:cNvPr>
@@ -10511,7 +11876,7 @@
           <p:cNvPr id="6" name="Slide Number Placeholder 5">
             <a:extLst>
               <a:ext uri="{FF2B5EF4-FFF2-40B4-BE49-F238E27FC236}">
-                <a16:creationId xmlns:a16="http://schemas.microsoft.com/office/drawing/2014/main" id="{26E2CBF9-A6F2-2547-A0DD-41936837FC1C}"/>
+                <a16:creationId xmlns:a16="http://schemas.microsoft.com/office/drawing/2014/main" id="{FFF1C959-FDC1-964E-A40E-B9241F8C8C86}"/>
               </a:ext>
             </a:extLst>
           </p:cNvPr>
@@ -10544,7 +11909,7 @@
     </p:spTree>
     <p:extLst>
       <p:ext uri="{BB962C8B-B14F-4D97-AF65-F5344CB8AC3E}">
-        <p14:creationId xmlns:p14="http://schemas.microsoft.com/office/powerpoint/2010/main" val="1983870279"/>
+        <p14:creationId xmlns:p14="http://schemas.microsoft.com/office/powerpoint/2010/main" val="434287321"/>
       </p:ext>
     </p:extLst>
   </p:cSld>
@@ -10577,7 +11942,7 @@
           <p:cNvPr id="2" name="Title 1">
             <a:extLst>
               <a:ext uri="{FF2B5EF4-FFF2-40B4-BE49-F238E27FC236}">
-                <a16:creationId xmlns:a16="http://schemas.microsoft.com/office/drawing/2014/main" id="{5D7DDBE1-1E7A-E24F-AB5E-8960C93510EE}"/>
+                <a16:creationId xmlns:a16="http://schemas.microsoft.com/office/drawing/2014/main" id="{C8B244A8-199A-3549-A4F9-C1D2EBFB42FD}"/>
               </a:ext>
             </a:extLst>
           </p:cNvPr>
@@ -10599,10 +11964,10 @@
       </p:sp>
       <p:pic>
         <p:nvPicPr>
-          <p:cNvPr id="8" name="Content Placeholder 7" descr="Graphical user interface, application&#10;&#10;Description automatically generated">
+          <p:cNvPr id="8" name="Content Placeholder 7" descr="Chart&#10;&#10;Description automatically generated with medium confidence">
             <a:extLst>
               <a:ext uri="{FF2B5EF4-FFF2-40B4-BE49-F238E27FC236}">
-                <a16:creationId xmlns:a16="http://schemas.microsoft.com/office/drawing/2014/main" id="{2868651C-064D-CE40-A67A-52A8E24D28E9}"/>
+                <a16:creationId xmlns:a16="http://schemas.microsoft.com/office/drawing/2014/main" id="{6BC27F11-3F73-4D41-8D35-36943EF56758}"/>
               </a:ext>
             </a:extLst>
           </p:cNvPr>
@@ -10621,8 +11986,8 @@
         </p:blipFill>
         <p:spPr>
           <a:xfrm>
-            <a:off x="1250950" y="2813050"/>
-            <a:ext cx="6642100" cy="1917700"/>
+            <a:off x="939800" y="2768600"/>
+            <a:ext cx="7264400" cy="2006600"/>
           </a:xfrm>
         </p:spPr>
       </p:pic>
@@ -10631,7 +11996,7 @@
           <p:cNvPr id="4" name="Date Placeholder 3">
             <a:extLst>
               <a:ext uri="{FF2B5EF4-FFF2-40B4-BE49-F238E27FC236}">
-                <a16:creationId xmlns:a16="http://schemas.microsoft.com/office/drawing/2014/main" id="{466486AD-A7A7-6241-8809-8974D84F31D2}"/>
+                <a16:creationId xmlns:a16="http://schemas.microsoft.com/office/drawing/2014/main" id="{5EFA08A9-06B6-8547-A9A2-10B24806F635}"/>
               </a:ext>
             </a:extLst>
           </p:cNvPr>
@@ -10662,7 +12027,7 @@
           <p:cNvPr id="5" name="Footer Placeholder 4">
             <a:extLst>
               <a:ext uri="{FF2B5EF4-FFF2-40B4-BE49-F238E27FC236}">
-                <a16:creationId xmlns:a16="http://schemas.microsoft.com/office/drawing/2014/main" id="{F398E5F7-3D25-CD47-80BD-A864D9A73436}"/>
+                <a16:creationId xmlns:a16="http://schemas.microsoft.com/office/drawing/2014/main" id="{66FD98B2-EDCA-BE4E-8565-93AE8D15716C}"/>
               </a:ext>
             </a:extLst>
           </p:cNvPr>
@@ -10694,7 +12059,7 @@
           <p:cNvPr id="6" name="Slide Number Placeholder 5">
             <a:extLst>
               <a:ext uri="{FF2B5EF4-FFF2-40B4-BE49-F238E27FC236}">
-                <a16:creationId xmlns:a16="http://schemas.microsoft.com/office/drawing/2014/main" id="{64514D71-7FD5-3F4D-AB73-1E2A43CF4716}"/>
+                <a16:creationId xmlns:a16="http://schemas.microsoft.com/office/drawing/2014/main" id="{26E2CBF9-A6F2-2547-A0DD-41936837FC1C}"/>
               </a:ext>
             </a:extLst>
           </p:cNvPr>
@@ -10727,7 +12092,7 @@
     </p:spTree>
     <p:extLst>
       <p:ext uri="{BB962C8B-B14F-4D97-AF65-F5344CB8AC3E}">
-        <p14:creationId xmlns:p14="http://schemas.microsoft.com/office/powerpoint/2010/main" val="743589915"/>
+        <p14:creationId xmlns:p14="http://schemas.microsoft.com/office/powerpoint/2010/main" val="1983870279"/>
       </p:ext>
     </p:extLst>
   </p:cSld>
@@ -10760,7 +12125,7 @@
           <p:cNvPr id="2" name="Title 1">
             <a:extLst>
               <a:ext uri="{FF2B5EF4-FFF2-40B4-BE49-F238E27FC236}">
-                <a16:creationId xmlns:a16="http://schemas.microsoft.com/office/drawing/2014/main" id="{E2149C67-550A-4144-9A30-035578B52DD8}"/>
+                <a16:creationId xmlns:a16="http://schemas.microsoft.com/office/drawing/2014/main" id="{5D7DDBE1-1E7A-E24F-AB5E-8960C93510EE}"/>
               </a:ext>
             </a:extLst>
           </p:cNvPr>
@@ -10782,10 +12147,10 @@
       </p:sp>
       <p:pic>
         <p:nvPicPr>
-          <p:cNvPr id="8" name="Content Placeholder 7" descr="Graphical user interface&#10;&#10;Description automatically generated with medium confidence">
+          <p:cNvPr id="8" name="Content Placeholder 7" descr="Graphical user interface, application&#10;&#10;Description automatically generated">
             <a:extLst>
               <a:ext uri="{FF2B5EF4-FFF2-40B4-BE49-F238E27FC236}">
-                <a16:creationId xmlns:a16="http://schemas.microsoft.com/office/drawing/2014/main" id="{11ADE989-89D5-4541-8C3A-B6AFED55138D}"/>
+                <a16:creationId xmlns:a16="http://schemas.microsoft.com/office/drawing/2014/main" id="{2868651C-064D-CE40-A67A-52A8E24D28E9}"/>
               </a:ext>
             </a:extLst>
           </p:cNvPr>
@@ -10804,8 +12169,8 @@
         </p:blipFill>
         <p:spPr>
           <a:xfrm>
-            <a:off x="717550" y="2527300"/>
-            <a:ext cx="7708900" cy="2489200"/>
+            <a:off x="1250950" y="2813050"/>
+            <a:ext cx="6642100" cy="1917700"/>
           </a:xfrm>
         </p:spPr>
       </p:pic>
@@ -10814,7 +12179,7 @@
           <p:cNvPr id="4" name="Date Placeholder 3">
             <a:extLst>
               <a:ext uri="{FF2B5EF4-FFF2-40B4-BE49-F238E27FC236}">
-                <a16:creationId xmlns:a16="http://schemas.microsoft.com/office/drawing/2014/main" id="{A3F63495-E49F-DB4F-AADE-A964D43E4571}"/>
+                <a16:creationId xmlns:a16="http://schemas.microsoft.com/office/drawing/2014/main" id="{466486AD-A7A7-6241-8809-8974D84F31D2}"/>
               </a:ext>
             </a:extLst>
           </p:cNvPr>
@@ -10845,7 +12210,7 @@
           <p:cNvPr id="5" name="Footer Placeholder 4">
             <a:extLst>
               <a:ext uri="{FF2B5EF4-FFF2-40B4-BE49-F238E27FC236}">
-                <a16:creationId xmlns:a16="http://schemas.microsoft.com/office/drawing/2014/main" id="{758A5FF7-7C3E-AF4B-9779-2F800BB2EE35}"/>
+                <a16:creationId xmlns:a16="http://schemas.microsoft.com/office/drawing/2014/main" id="{F398E5F7-3D25-CD47-80BD-A864D9A73436}"/>
               </a:ext>
             </a:extLst>
           </p:cNvPr>
@@ -10877,7 +12242,7 @@
           <p:cNvPr id="6" name="Slide Number Placeholder 5">
             <a:extLst>
               <a:ext uri="{FF2B5EF4-FFF2-40B4-BE49-F238E27FC236}">
-                <a16:creationId xmlns:a16="http://schemas.microsoft.com/office/drawing/2014/main" id="{6C0EDE0D-8938-074C-8031-72E7C2277367}"/>
+                <a16:creationId xmlns:a16="http://schemas.microsoft.com/office/drawing/2014/main" id="{64514D71-7FD5-3F4D-AB73-1E2A43CF4716}"/>
               </a:ext>
             </a:extLst>
           </p:cNvPr>
@@ -10910,7 +12275,7 @@
     </p:spTree>
     <p:extLst>
       <p:ext uri="{BB962C8B-B14F-4D97-AF65-F5344CB8AC3E}">
-        <p14:creationId xmlns:p14="http://schemas.microsoft.com/office/powerpoint/2010/main" val="1545109968"/>
+        <p14:creationId xmlns:p14="http://schemas.microsoft.com/office/powerpoint/2010/main" val="743589915"/>
       </p:ext>
     </p:extLst>
   </p:cSld>

--- a/P3_future_OddBall_ToT.pptx
+++ b/P3_future_OddBall_ToT.pptx
@@ -5,10 +5,10 @@
     <p:sldMasterId id="2147483656" r:id="rId1"/>
   </p:sldMasterIdLst>
   <p:notesMasterIdLst>
-    <p:notesMasterId r:id="rId22"/>
+    <p:notesMasterId r:id="rId20"/>
   </p:notesMasterIdLst>
   <p:handoutMasterIdLst>
-    <p:handoutMasterId r:id="rId23"/>
+    <p:handoutMasterId r:id="rId21"/>
   </p:handoutMasterIdLst>
   <p:sldIdLst>
     <p:sldId id="1334" r:id="rId2"/>
@@ -17,20 +17,18 @@
     <p:sldId id="3400" r:id="rId5"/>
     <p:sldId id="3411" r:id="rId6"/>
     <p:sldId id="3401" r:id="rId7"/>
-    <p:sldId id="3410" r:id="rId8"/>
-    <p:sldId id="3402" r:id="rId9"/>
-    <p:sldId id="3403" r:id="rId10"/>
-    <p:sldId id="3404" r:id="rId11"/>
-    <p:sldId id="3405" r:id="rId12"/>
-    <p:sldId id="3406" r:id="rId13"/>
-    <p:sldId id="3407" r:id="rId14"/>
-    <p:sldId id="3408" r:id="rId15"/>
-    <p:sldId id="3409" r:id="rId16"/>
-    <p:sldId id="3397" r:id="rId17"/>
-    <p:sldId id="2577" r:id="rId18"/>
-    <p:sldId id="3343" r:id="rId19"/>
-    <p:sldId id="3344" r:id="rId20"/>
-    <p:sldId id="2994" r:id="rId21"/>
+    <p:sldId id="3415" r:id="rId8"/>
+    <p:sldId id="3410" r:id="rId9"/>
+    <p:sldId id="3402" r:id="rId10"/>
+    <p:sldId id="3403" r:id="rId11"/>
+    <p:sldId id="3404" r:id="rId12"/>
+    <p:sldId id="3405" r:id="rId13"/>
+    <p:sldId id="3406" r:id="rId14"/>
+    <p:sldId id="3407" r:id="rId15"/>
+    <p:sldId id="3416" r:id="rId16"/>
+    <p:sldId id="3408" r:id="rId17"/>
+    <p:sldId id="3414" r:id="rId18"/>
+    <p:sldId id="2994" r:id="rId19"/>
   </p:sldIdLst>
   <p:sldSz cx="9144000" cy="6858000" type="screen4x3"/>
   <p:notesSz cx="7315200" cy="9601200"/>
@@ -1340,7 +1338,7 @@
               <a:pPr>
                 <a:defRPr/>
               </a:pPr>
-              <a:t>17</a:t>
+              <a:t>7</a:t>
             </a:fld>
             <a:endParaRPr lang="en-US"/>
           </a:p>
@@ -1349,7 +1347,7 @@
     </p:spTree>
     <p:extLst>
       <p:ext uri="{BB962C8B-B14F-4D97-AF65-F5344CB8AC3E}">
-        <p14:creationId xmlns:p14="http://schemas.microsoft.com/office/powerpoint/2010/main" val="1157519960"/>
+        <p14:creationId xmlns:p14="http://schemas.microsoft.com/office/powerpoint/2010/main" val="687686332"/>
       </p:ext>
     </p:extLst>
   </p:cSld>
@@ -1455,7 +1453,122 @@
               <a:pPr>
                 <a:defRPr/>
               </a:pPr>
-              <a:t>20</a:t>
+              <a:t>15</a:t>
+            </a:fld>
+            <a:endParaRPr lang="en-US"/>
+          </a:p>
+        </p:txBody>
+      </p:sp>
+    </p:spTree>
+    <p:extLst>
+      <p:ext uri="{BB962C8B-B14F-4D97-AF65-F5344CB8AC3E}">
+        <p14:creationId xmlns:p14="http://schemas.microsoft.com/office/powerpoint/2010/main" val="3344630131"/>
+      </p:ext>
+    </p:extLst>
+  </p:cSld>
+  <p:clrMapOvr>
+    <a:masterClrMapping/>
+  </p:clrMapOvr>
+</p:notes>
+</file>
+
+<file path=ppt/notesSlides/notesSlide6.xml><?xml version="1.0" encoding="utf-8"?>
+<p:notes xmlns:a="http://schemas.openxmlformats.org/drawingml/2006/main" xmlns:r="http://schemas.openxmlformats.org/officeDocument/2006/relationships" xmlns:p="http://schemas.openxmlformats.org/presentationml/2006/main">
+  <p:cSld>
+    <p:spTree>
+      <p:nvGrpSpPr>
+        <p:cNvPr id="1" name=""/>
+        <p:cNvGrpSpPr/>
+        <p:nvPr/>
+      </p:nvGrpSpPr>
+      <p:grpSpPr>
+        <a:xfrm>
+          <a:off x="0" y="0"/>
+          <a:ext cx="0" cy="0"/>
+          <a:chOff x="0" y="0"/>
+          <a:chExt cx="0" cy="0"/>
+        </a:xfrm>
+      </p:grpSpPr>
+      <p:sp>
+        <p:nvSpPr>
+          <p:cNvPr id="2" name="Slide Image Placeholder 1"/>
+          <p:cNvSpPr>
+            <a:spLocks noGrp="1" noRot="1" noChangeAspect="1"/>
+          </p:cNvSpPr>
+          <p:nvPr>
+            <p:ph type="sldImg"/>
+          </p:nvPr>
+        </p:nvSpPr>
+        <p:spPr/>
+      </p:sp>
+      <p:sp>
+        <p:nvSpPr>
+          <p:cNvPr id="3" name="Notes Placeholder 2"/>
+          <p:cNvSpPr>
+            <a:spLocks noGrp="1"/>
+          </p:cNvSpPr>
+          <p:nvPr>
+            <p:ph type="body" idx="1"/>
+          </p:nvPr>
+        </p:nvSpPr>
+        <p:spPr/>
+        <p:txBody>
+          <a:bodyPr/>
+          <a:lstStyle/>
+          <a:p>
+            <a:endParaRPr lang="en-US"/>
+          </a:p>
+        </p:txBody>
+      </p:sp>
+      <p:sp>
+        <p:nvSpPr>
+          <p:cNvPr id="4" name="Header Placeholder 3"/>
+          <p:cNvSpPr>
+            <a:spLocks noGrp="1"/>
+          </p:cNvSpPr>
+          <p:nvPr>
+            <p:ph type="hdr" sz="quarter" idx="10"/>
+          </p:nvPr>
+        </p:nvSpPr>
+        <p:spPr/>
+        <p:txBody>
+          <a:bodyPr/>
+          <a:lstStyle/>
+          <a:p>
+            <a:pPr>
+              <a:defRPr/>
+            </a:pPr>
+            <a:r>
+              <a:rPr lang="en-US"/>
+              <a:t>Faloutsos</a:t>
+            </a:r>
+          </a:p>
+        </p:txBody>
+      </p:sp>
+      <p:sp>
+        <p:nvSpPr>
+          <p:cNvPr id="5" name="Slide Number Placeholder 4"/>
+          <p:cNvSpPr>
+            <a:spLocks noGrp="1"/>
+          </p:cNvSpPr>
+          <p:nvPr>
+            <p:ph type="sldNum" sz="quarter" idx="11"/>
+          </p:nvPr>
+        </p:nvSpPr>
+        <p:spPr/>
+        <p:txBody>
+          <a:bodyPr/>
+          <a:lstStyle/>
+          <a:p>
+            <a:pPr>
+              <a:defRPr/>
+            </a:pPr>
+            <a:fld id="{D7FAE81C-20DD-D146-AEB1-DC28910AACE1}" type="slidenum">
+              <a:rPr lang="en-US" smtClean="0"/>
+              <a:pPr>
+                <a:defRPr/>
+              </a:pPr>
+              <a:t>18</a:t>
             </a:fld>
             <a:endParaRPr lang="en-US"/>
           </a:p>
@@ -7327,7 +7440,7 @@
           <p:cNvPr id="2" name="Title 1">
             <a:extLst>
               <a:ext uri="{FF2B5EF4-FFF2-40B4-BE49-F238E27FC236}">
-                <a16:creationId xmlns:a16="http://schemas.microsoft.com/office/drawing/2014/main" id="{E2149C67-550A-4144-9A30-035578B52DD8}"/>
+                <a16:creationId xmlns:a16="http://schemas.microsoft.com/office/drawing/2014/main" id="{5D7DDBE1-1E7A-E24F-AB5E-8960C93510EE}"/>
               </a:ext>
             </a:extLst>
           </p:cNvPr>
@@ -7349,10 +7462,10 @@
       </p:sp>
       <p:pic>
         <p:nvPicPr>
-          <p:cNvPr id="8" name="Content Placeholder 7" descr="Graphical user interface&#10;&#10;Description automatically generated with medium confidence">
+          <p:cNvPr id="8" name="Content Placeholder 7" descr="Graphical user interface, application&#10;&#10;Description automatically generated">
             <a:extLst>
               <a:ext uri="{FF2B5EF4-FFF2-40B4-BE49-F238E27FC236}">
-                <a16:creationId xmlns:a16="http://schemas.microsoft.com/office/drawing/2014/main" id="{11ADE989-89D5-4541-8C3A-B6AFED55138D}"/>
+                <a16:creationId xmlns:a16="http://schemas.microsoft.com/office/drawing/2014/main" id="{2868651C-064D-CE40-A67A-52A8E24D28E9}"/>
               </a:ext>
             </a:extLst>
           </p:cNvPr>
@@ -7371,8 +7484,8 @@
         </p:blipFill>
         <p:spPr>
           <a:xfrm>
-            <a:off x="717550" y="2527300"/>
-            <a:ext cx="7708900" cy="2489200"/>
+            <a:off x="792392" y="2364828"/>
+            <a:ext cx="8230957" cy="2376433"/>
           </a:xfrm>
         </p:spPr>
       </p:pic>
@@ -7381,7 +7494,7 @@
           <p:cNvPr id="4" name="Date Placeholder 3">
             <a:extLst>
               <a:ext uri="{FF2B5EF4-FFF2-40B4-BE49-F238E27FC236}">
-                <a16:creationId xmlns:a16="http://schemas.microsoft.com/office/drawing/2014/main" id="{A3F63495-E49F-DB4F-AADE-A964D43E4571}"/>
+                <a16:creationId xmlns:a16="http://schemas.microsoft.com/office/drawing/2014/main" id="{466486AD-A7A7-6241-8809-8974D84F31D2}"/>
               </a:ext>
             </a:extLst>
           </p:cNvPr>
@@ -7412,7 +7525,7 @@
           <p:cNvPr id="5" name="Footer Placeholder 4">
             <a:extLst>
               <a:ext uri="{FF2B5EF4-FFF2-40B4-BE49-F238E27FC236}">
-                <a16:creationId xmlns:a16="http://schemas.microsoft.com/office/drawing/2014/main" id="{758A5FF7-7C3E-AF4B-9779-2F800BB2EE35}"/>
+                <a16:creationId xmlns:a16="http://schemas.microsoft.com/office/drawing/2014/main" id="{F398E5F7-3D25-CD47-80BD-A864D9A73436}"/>
               </a:ext>
             </a:extLst>
           </p:cNvPr>
@@ -7444,7 +7557,7 @@
           <p:cNvPr id="6" name="Slide Number Placeholder 5">
             <a:extLst>
               <a:ext uri="{FF2B5EF4-FFF2-40B4-BE49-F238E27FC236}">
-                <a16:creationId xmlns:a16="http://schemas.microsoft.com/office/drawing/2014/main" id="{6C0EDE0D-8938-074C-8031-72E7C2277367}"/>
+                <a16:creationId xmlns:a16="http://schemas.microsoft.com/office/drawing/2014/main" id="{64514D71-7FD5-3F4D-AB73-1E2A43CF4716}"/>
               </a:ext>
             </a:extLst>
           </p:cNvPr>
@@ -7477,7 +7590,7 @@
     </p:spTree>
     <p:extLst>
       <p:ext uri="{BB962C8B-B14F-4D97-AF65-F5344CB8AC3E}">
-        <p14:creationId xmlns:p14="http://schemas.microsoft.com/office/powerpoint/2010/main" val="1545109968"/>
+        <p14:creationId xmlns:p14="http://schemas.microsoft.com/office/powerpoint/2010/main" val="743589915"/>
       </p:ext>
     </p:extLst>
   </p:cSld>
@@ -7510,7 +7623,7 @@
           <p:cNvPr id="2" name="Title 1">
             <a:extLst>
               <a:ext uri="{FF2B5EF4-FFF2-40B4-BE49-F238E27FC236}">
-                <a16:creationId xmlns:a16="http://schemas.microsoft.com/office/drawing/2014/main" id="{EA1728A7-C5CE-8A42-BCD5-0A579261496C}"/>
+                <a16:creationId xmlns:a16="http://schemas.microsoft.com/office/drawing/2014/main" id="{E2149C67-550A-4144-9A30-035578B52DD8}"/>
               </a:ext>
             </a:extLst>
           </p:cNvPr>
@@ -7532,10 +7645,10 @@
       </p:sp>
       <p:pic>
         <p:nvPicPr>
-          <p:cNvPr id="8" name="Content Placeholder 7" descr="Text&#10;&#10;Description automatically generated">
+          <p:cNvPr id="8" name="Content Placeholder 7" descr="Graphical user interface&#10;&#10;Description automatically generated with medium confidence">
             <a:extLst>
               <a:ext uri="{FF2B5EF4-FFF2-40B4-BE49-F238E27FC236}">
-                <a16:creationId xmlns:a16="http://schemas.microsoft.com/office/drawing/2014/main" id="{F6BDE426-DAC0-9E4E-A229-CB116BC1CF74}"/>
+                <a16:creationId xmlns:a16="http://schemas.microsoft.com/office/drawing/2014/main" id="{11ADE989-89D5-4541-8C3A-B6AFED55138D}"/>
               </a:ext>
             </a:extLst>
           </p:cNvPr>
@@ -7554,8 +7667,8 @@
         </p:blipFill>
         <p:spPr>
           <a:xfrm>
-            <a:off x="825500" y="2451100"/>
-            <a:ext cx="7493000" cy="2641600"/>
+            <a:off x="252786" y="2280744"/>
+            <a:ext cx="8342267" cy="2693714"/>
           </a:xfrm>
         </p:spPr>
       </p:pic>
@@ -7564,7 +7677,7 @@
           <p:cNvPr id="4" name="Date Placeholder 3">
             <a:extLst>
               <a:ext uri="{FF2B5EF4-FFF2-40B4-BE49-F238E27FC236}">
-                <a16:creationId xmlns:a16="http://schemas.microsoft.com/office/drawing/2014/main" id="{B279E37B-4B32-EB48-9557-DA84FDF97AB9}"/>
+                <a16:creationId xmlns:a16="http://schemas.microsoft.com/office/drawing/2014/main" id="{A3F63495-E49F-DB4F-AADE-A964D43E4571}"/>
               </a:ext>
             </a:extLst>
           </p:cNvPr>
@@ -7595,7 +7708,7 @@
           <p:cNvPr id="5" name="Footer Placeholder 4">
             <a:extLst>
               <a:ext uri="{FF2B5EF4-FFF2-40B4-BE49-F238E27FC236}">
-                <a16:creationId xmlns:a16="http://schemas.microsoft.com/office/drawing/2014/main" id="{E2C3D51B-5605-9448-B380-F7059D51C048}"/>
+                <a16:creationId xmlns:a16="http://schemas.microsoft.com/office/drawing/2014/main" id="{758A5FF7-7C3E-AF4B-9779-2F800BB2EE35}"/>
               </a:ext>
             </a:extLst>
           </p:cNvPr>
@@ -7627,7 +7740,7 @@
           <p:cNvPr id="6" name="Slide Number Placeholder 5">
             <a:extLst>
               <a:ext uri="{FF2B5EF4-FFF2-40B4-BE49-F238E27FC236}">
-                <a16:creationId xmlns:a16="http://schemas.microsoft.com/office/drawing/2014/main" id="{57A5578B-AD69-5C4C-9B9C-6703CD532736}"/>
+                <a16:creationId xmlns:a16="http://schemas.microsoft.com/office/drawing/2014/main" id="{6C0EDE0D-8938-074C-8031-72E7C2277367}"/>
               </a:ext>
             </a:extLst>
           </p:cNvPr>
@@ -7660,7 +7773,7 @@
     </p:spTree>
     <p:extLst>
       <p:ext uri="{BB962C8B-B14F-4D97-AF65-F5344CB8AC3E}">
-        <p14:creationId xmlns:p14="http://schemas.microsoft.com/office/powerpoint/2010/main" val="4151371070"/>
+        <p14:creationId xmlns:p14="http://schemas.microsoft.com/office/powerpoint/2010/main" val="1545109968"/>
       </p:ext>
     </p:extLst>
   </p:cSld>
@@ -7693,7 +7806,7 @@
           <p:cNvPr id="2" name="Title 1">
             <a:extLst>
               <a:ext uri="{FF2B5EF4-FFF2-40B4-BE49-F238E27FC236}">
-                <a16:creationId xmlns:a16="http://schemas.microsoft.com/office/drawing/2014/main" id="{8C587667-F75D-1E40-86CC-AE2C938F49C7}"/>
+                <a16:creationId xmlns:a16="http://schemas.microsoft.com/office/drawing/2014/main" id="{EA1728A7-C5CE-8A42-BCD5-0A579261496C}"/>
               </a:ext>
             </a:extLst>
           </p:cNvPr>
@@ -7715,10 +7828,10 @@
       </p:sp>
       <p:pic>
         <p:nvPicPr>
-          <p:cNvPr id="8" name="Content Placeholder 7" descr="A picture containing text, person&#10;&#10;Description automatically generated">
+          <p:cNvPr id="8" name="Content Placeholder 7" descr="Text&#10;&#10;Description automatically generated">
             <a:extLst>
               <a:ext uri="{FF2B5EF4-FFF2-40B4-BE49-F238E27FC236}">
-                <a16:creationId xmlns:a16="http://schemas.microsoft.com/office/drawing/2014/main" id="{3DCDC92E-011F-6743-89C5-E3EE64CB4501}"/>
+                <a16:creationId xmlns:a16="http://schemas.microsoft.com/office/drawing/2014/main" id="{F6BDE426-DAC0-9E4E-A229-CB116BC1CF74}"/>
               </a:ext>
             </a:extLst>
           </p:cNvPr>
@@ -7737,8 +7850,8 @@
         </p:blipFill>
         <p:spPr>
           <a:xfrm>
-            <a:off x="825500" y="2343150"/>
-            <a:ext cx="7493000" cy="2857500"/>
+            <a:off x="825500" y="2451100"/>
+            <a:ext cx="7493000" cy="2641600"/>
           </a:xfrm>
         </p:spPr>
       </p:pic>
@@ -7747,7 +7860,7 @@
           <p:cNvPr id="4" name="Date Placeholder 3">
             <a:extLst>
               <a:ext uri="{FF2B5EF4-FFF2-40B4-BE49-F238E27FC236}">
-                <a16:creationId xmlns:a16="http://schemas.microsoft.com/office/drawing/2014/main" id="{1AF763B3-B5F8-7049-9DA4-50D17E402FFB}"/>
+                <a16:creationId xmlns:a16="http://schemas.microsoft.com/office/drawing/2014/main" id="{B279E37B-4B32-EB48-9557-DA84FDF97AB9}"/>
               </a:ext>
             </a:extLst>
           </p:cNvPr>
@@ -7778,7 +7891,7 @@
           <p:cNvPr id="5" name="Footer Placeholder 4">
             <a:extLst>
               <a:ext uri="{FF2B5EF4-FFF2-40B4-BE49-F238E27FC236}">
-                <a16:creationId xmlns:a16="http://schemas.microsoft.com/office/drawing/2014/main" id="{6F156DB5-207F-084E-BB6E-1BD8A5E0EF31}"/>
+                <a16:creationId xmlns:a16="http://schemas.microsoft.com/office/drawing/2014/main" id="{E2C3D51B-5605-9448-B380-F7059D51C048}"/>
               </a:ext>
             </a:extLst>
           </p:cNvPr>
@@ -7810,7 +7923,7 @@
           <p:cNvPr id="6" name="Slide Number Placeholder 5">
             <a:extLst>
               <a:ext uri="{FF2B5EF4-FFF2-40B4-BE49-F238E27FC236}">
-                <a16:creationId xmlns:a16="http://schemas.microsoft.com/office/drawing/2014/main" id="{665D87A8-733D-CB43-94B4-D8CD64E72BE7}"/>
+                <a16:creationId xmlns:a16="http://schemas.microsoft.com/office/drawing/2014/main" id="{57A5578B-AD69-5C4C-9B9C-6703CD532736}"/>
               </a:ext>
             </a:extLst>
           </p:cNvPr>
@@ -7843,7 +7956,7 @@
     </p:spTree>
     <p:extLst>
       <p:ext uri="{BB962C8B-B14F-4D97-AF65-F5344CB8AC3E}">
-        <p14:creationId xmlns:p14="http://schemas.microsoft.com/office/powerpoint/2010/main" val="2609801144"/>
+        <p14:creationId xmlns:p14="http://schemas.microsoft.com/office/powerpoint/2010/main" val="4151371070"/>
       </p:ext>
     </p:extLst>
   </p:cSld>
@@ -7876,7 +7989,7 @@
           <p:cNvPr id="2" name="Title 1">
             <a:extLst>
               <a:ext uri="{FF2B5EF4-FFF2-40B4-BE49-F238E27FC236}">
-                <a16:creationId xmlns:a16="http://schemas.microsoft.com/office/drawing/2014/main" id="{5DEF2526-8074-8844-AFFA-D0A999AC4CE6}"/>
+                <a16:creationId xmlns:a16="http://schemas.microsoft.com/office/drawing/2014/main" id="{8C587667-F75D-1E40-86CC-AE2C938F49C7}"/>
               </a:ext>
             </a:extLst>
           </p:cNvPr>
@@ -7898,10 +8011,10 @@
       </p:sp>
       <p:pic>
         <p:nvPicPr>
-          <p:cNvPr id="8" name="Content Placeholder 7" descr="Text&#10;&#10;Description automatically generated">
+          <p:cNvPr id="8" name="Content Placeholder 7" descr="A picture containing text, person&#10;&#10;Description automatically generated">
             <a:extLst>
               <a:ext uri="{FF2B5EF4-FFF2-40B4-BE49-F238E27FC236}">
-                <a16:creationId xmlns:a16="http://schemas.microsoft.com/office/drawing/2014/main" id="{4ABD0D0A-D125-6A4C-9BA9-CF9C5872F9BD}"/>
+                <a16:creationId xmlns:a16="http://schemas.microsoft.com/office/drawing/2014/main" id="{3DCDC92E-011F-6743-89C5-E3EE64CB4501}"/>
               </a:ext>
             </a:extLst>
           </p:cNvPr>
@@ -7920,8 +8033,8 @@
         </p:blipFill>
         <p:spPr>
           <a:xfrm>
-            <a:off x="1688219" y="1447800"/>
-            <a:ext cx="5767562" cy="4648200"/>
+            <a:off x="825500" y="2343150"/>
+            <a:ext cx="7493000" cy="2857500"/>
           </a:xfrm>
         </p:spPr>
       </p:pic>
@@ -7930,7 +8043,7 @@
           <p:cNvPr id="4" name="Date Placeholder 3">
             <a:extLst>
               <a:ext uri="{FF2B5EF4-FFF2-40B4-BE49-F238E27FC236}">
-                <a16:creationId xmlns:a16="http://schemas.microsoft.com/office/drawing/2014/main" id="{B7E89EC7-29F3-9A44-AED1-5B7D4C936388}"/>
+                <a16:creationId xmlns:a16="http://schemas.microsoft.com/office/drawing/2014/main" id="{1AF763B3-B5F8-7049-9DA4-50D17E402FFB}"/>
               </a:ext>
             </a:extLst>
           </p:cNvPr>
@@ -7961,7 +8074,7 @@
           <p:cNvPr id="5" name="Footer Placeholder 4">
             <a:extLst>
               <a:ext uri="{FF2B5EF4-FFF2-40B4-BE49-F238E27FC236}">
-                <a16:creationId xmlns:a16="http://schemas.microsoft.com/office/drawing/2014/main" id="{B08AEEC2-7764-9E4B-B723-D77E803105EE}"/>
+                <a16:creationId xmlns:a16="http://schemas.microsoft.com/office/drawing/2014/main" id="{6F156DB5-207F-084E-BB6E-1BD8A5E0EF31}"/>
               </a:ext>
             </a:extLst>
           </p:cNvPr>
@@ -7993,7 +8106,7 @@
           <p:cNvPr id="6" name="Slide Number Placeholder 5">
             <a:extLst>
               <a:ext uri="{FF2B5EF4-FFF2-40B4-BE49-F238E27FC236}">
-                <a16:creationId xmlns:a16="http://schemas.microsoft.com/office/drawing/2014/main" id="{AAEE4CE4-C844-B749-ACDE-555B0A870700}"/>
+                <a16:creationId xmlns:a16="http://schemas.microsoft.com/office/drawing/2014/main" id="{665D87A8-733D-CB43-94B4-D8CD64E72BE7}"/>
               </a:ext>
             </a:extLst>
           </p:cNvPr>
@@ -8026,7 +8139,7 @@
     </p:spTree>
     <p:extLst>
       <p:ext uri="{BB962C8B-B14F-4D97-AF65-F5344CB8AC3E}">
-        <p14:creationId xmlns:p14="http://schemas.microsoft.com/office/powerpoint/2010/main" val="198717125"/>
+        <p14:creationId xmlns:p14="http://schemas.microsoft.com/office/powerpoint/2010/main" val="2609801144"/>
       </p:ext>
     </p:extLst>
   </p:cSld>
@@ -8059,7 +8172,7 @@
           <p:cNvPr id="2" name="Title 1">
             <a:extLst>
               <a:ext uri="{FF2B5EF4-FFF2-40B4-BE49-F238E27FC236}">
-                <a16:creationId xmlns:a16="http://schemas.microsoft.com/office/drawing/2014/main" id="{4FFF780A-4AC0-E947-9E60-C651A93EFC53}"/>
+                <a16:creationId xmlns:a16="http://schemas.microsoft.com/office/drawing/2014/main" id="{5DEF2526-8074-8844-AFFA-D0A999AC4CE6}"/>
               </a:ext>
             </a:extLst>
           </p:cNvPr>
@@ -8084,7 +8197,7 @@
           <p:cNvPr id="8" name="Content Placeholder 7" descr="Text&#10;&#10;Description automatically generated">
             <a:extLst>
               <a:ext uri="{FF2B5EF4-FFF2-40B4-BE49-F238E27FC236}">
-                <a16:creationId xmlns:a16="http://schemas.microsoft.com/office/drawing/2014/main" id="{EA46362B-79B6-BC45-B817-6D187BCD94BC}"/>
+                <a16:creationId xmlns:a16="http://schemas.microsoft.com/office/drawing/2014/main" id="{4ABD0D0A-D125-6A4C-9BA9-CF9C5872F9BD}"/>
               </a:ext>
             </a:extLst>
           </p:cNvPr>
@@ -8103,8 +8216,8 @@
         </p:blipFill>
         <p:spPr>
           <a:xfrm>
-            <a:off x="685800" y="1920168"/>
-            <a:ext cx="7772400" cy="3703463"/>
+            <a:off x="1688219" y="1447800"/>
+            <a:ext cx="5767562" cy="4648200"/>
           </a:xfrm>
         </p:spPr>
       </p:pic>
@@ -8113,7 +8226,7 @@
           <p:cNvPr id="4" name="Date Placeholder 3">
             <a:extLst>
               <a:ext uri="{FF2B5EF4-FFF2-40B4-BE49-F238E27FC236}">
-                <a16:creationId xmlns:a16="http://schemas.microsoft.com/office/drawing/2014/main" id="{184406FC-1EBE-C643-896C-C61F4BA7160A}"/>
+                <a16:creationId xmlns:a16="http://schemas.microsoft.com/office/drawing/2014/main" id="{B7E89EC7-29F3-9A44-AED1-5B7D4C936388}"/>
               </a:ext>
             </a:extLst>
           </p:cNvPr>
@@ -8144,7 +8257,7 @@
           <p:cNvPr id="5" name="Footer Placeholder 4">
             <a:extLst>
               <a:ext uri="{FF2B5EF4-FFF2-40B4-BE49-F238E27FC236}">
-                <a16:creationId xmlns:a16="http://schemas.microsoft.com/office/drawing/2014/main" id="{858F08FC-69BA-A044-B568-2D5259DB1102}"/>
+                <a16:creationId xmlns:a16="http://schemas.microsoft.com/office/drawing/2014/main" id="{B08AEEC2-7764-9E4B-B723-D77E803105EE}"/>
               </a:ext>
             </a:extLst>
           </p:cNvPr>
@@ -8176,7 +8289,7 @@
           <p:cNvPr id="6" name="Slide Number Placeholder 5">
             <a:extLst>
               <a:ext uri="{FF2B5EF4-FFF2-40B4-BE49-F238E27FC236}">
-                <a16:creationId xmlns:a16="http://schemas.microsoft.com/office/drawing/2014/main" id="{B0A39F98-FAD7-F443-84E7-BAD1EDADA6C8}"/>
+                <a16:creationId xmlns:a16="http://schemas.microsoft.com/office/drawing/2014/main" id="{AAEE4CE4-C844-B749-ACDE-555B0A870700}"/>
               </a:ext>
             </a:extLst>
           </p:cNvPr>
@@ -8209,7 +8322,7 @@
     </p:spTree>
     <p:extLst>
       <p:ext uri="{BB962C8B-B14F-4D97-AF65-F5344CB8AC3E}">
-        <p14:creationId xmlns:p14="http://schemas.microsoft.com/office/powerpoint/2010/main" val="3459234371"/>
+        <p14:creationId xmlns:p14="http://schemas.microsoft.com/office/powerpoint/2010/main" val="198717125"/>
       </p:ext>
     </p:extLst>
   </p:cSld>
@@ -8239,372 +8352,6 @@
       </p:grpSpPr>
       <p:sp>
         <p:nvSpPr>
-          <p:cNvPr id="2" name="Title 1">
-            <a:extLst>
-              <a:ext uri="{FF2B5EF4-FFF2-40B4-BE49-F238E27FC236}">
-                <a16:creationId xmlns:a16="http://schemas.microsoft.com/office/drawing/2014/main" id="{25A51FB6-B358-5C41-8F7C-08F590AA4415}"/>
-              </a:ext>
-            </a:extLst>
-          </p:cNvPr>
-          <p:cNvSpPr>
-            <a:spLocks noGrp="1"/>
-          </p:cNvSpPr>
-          <p:nvPr>
-            <p:ph type="title"/>
-          </p:nvPr>
-        </p:nvSpPr>
-        <p:spPr/>
-        <p:txBody>
-          <a:bodyPr/>
-          <a:lstStyle/>
-          <a:p>
-            <a:endParaRPr lang="en-US"/>
-          </a:p>
-        </p:txBody>
-      </p:sp>
-      <p:pic>
-        <p:nvPicPr>
-          <p:cNvPr id="8" name="Content Placeholder 7" descr="Text&#10;&#10;Description automatically generated">
-            <a:extLst>
-              <a:ext uri="{FF2B5EF4-FFF2-40B4-BE49-F238E27FC236}">
-                <a16:creationId xmlns:a16="http://schemas.microsoft.com/office/drawing/2014/main" id="{97E76F1E-F1C7-1B41-861B-A85B9ABC17DE}"/>
-              </a:ext>
-            </a:extLst>
-          </p:cNvPr>
-          <p:cNvPicPr>
-            <a:picLocks noGrp="1" noChangeAspect="1"/>
-          </p:cNvPicPr>
-          <p:nvPr>
-            <p:ph idx="1"/>
-          </p:nvPr>
-        </p:nvPicPr>
-        <p:blipFill>
-          <a:blip r:embed="rId2"/>
-          <a:stretch>
-            <a:fillRect/>
-          </a:stretch>
-        </p:blipFill>
-        <p:spPr>
-          <a:xfrm>
-            <a:off x="825500" y="2749550"/>
-            <a:ext cx="7493000" cy="2044700"/>
-          </a:xfrm>
-        </p:spPr>
-      </p:pic>
-      <p:sp>
-        <p:nvSpPr>
-          <p:cNvPr id="4" name="Date Placeholder 3">
-            <a:extLst>
-              <a:ext uri="{FF2B5EF4-FFF2-40B4-BE49-F238E27FC236}">
-                <a16:creationId xmlns:a16="http://schemas.microsoft.com/office/drawing/2014/main" id="{57F24B75-C8BA-7147-968C-4A95653678FD}"/>
-              </a:ext>
-            </a:extLst>
-          </p:cNvPr>
-          <p:cNvSpPr>
-            <a:spLocks noGrp="1"/>
-          </p:cNvSpPr>
-          <p:nvPr>
-            <p:ph type="dt" sz="half" idx="10"/>
-          </p:nvPr>
-        </p:nvSpPr>
-        <p:spPr/>
-        <p:txBody>
-          <a:bodyPr/>
-          <a:lstStyle/>
-          <a:p>
-            <a:pPr>
-              <a:defRPr/>
-            </a:pPr>
-            <a:r>
-              <a:rPr lang="en-US"/>
-              <a:t>PAKDD 2021</a:t>
-            </a:r>
-          </a:p>
-        </p:txBody>
-      </p:sp>
-      <p:sp>
-        <p:nvSpPr>
-          <p:cNvPr id="5" name="Footer Placeholder 4">
-            <a:extLst>
-              <a:ext uri="{FF2B5EF4-FFF2-40B4-BE49-F238E27FC236}">
-                <a16:creationId xmlns:a16="http://schemas.microsoft.com/office/drawing/2014/main" id="{DC80738B-7A1F-5242-A96D-9B825C2C4DFA}"/>
-              </a:ext>
-            </a:extLst>
-          </p:cNvPr>
-          <p:cNvSpPr>
-            <a:spLocks noGrp="1"/>
-          </p:cNvSpPr>
-          <p:nvPr>
-            <p:ph type="ftr" sz="quarter" idx="11"/>
-          </p:nvPr>
-        </p:nvSpPr>
-        <p:spPr/>
-        <p:txBody>
-          <a:bodyPr/>
-          <a:lstStyle/>
-          <a:p>
-            <a:pPr>
-              <a:defRPr/>
-            </a:pPr>
-            <a:r>
-              <a:rPr lang="fi-FI"/>
-              <a:t>L. Akoglu, M. McGlohon, C. Faloutsos</a:t>
-            </a:r>
-            <a:endParaRPr lang="en-US"/>
-          </a:p>
-        </p:txBody>
-      </p:sp>
-      <p:sp>
-        <p:nvSpPr>
-          <p:cNvPr id="6" name="Slide Number Placeholder 5">
-            <a:extLst>
-              <a:ext uri="{FF2B5EF4-FFF2-40B4-BE49-F238E27FC236}">
-                <a16:creationId xmlns:a16="http://schemas.microsoft.com/office/drawing/2014/main" id="{5596DFF8-CB65-2646-88C2-B83DB247E07D}"/>
-              </a:ext>
-            </a:extLst>
-          </p:cNvPr>
-          <p:cNvSpPr>
-            <a:spLocks noGrp="1"/>
-          </p:cNvSpPr>
-          <p:nvPr>
-            <p:ph type="sldNum" sz="quarter" idx="12"/>
-          </p:nvPr>
-        </p:nvSpPr>
-        <p:spPr/>
-        <p:txBody>
-          <a:bodyPr/>
-          <a:lstStyle/>
-          <a:p>
-            <a:pPr>
-              <a:defRPr/>
-            </a:pPr>
-            <a:fld id="{F9B43987-7F84-BB4A-8611-CDF75B6A737D}" type="slidenum">
-              <a:rPr lang="en-US" smtClean="0"/>
-              <a:pPr>
-                <a:defRPr/>
-              </a:pPr>
-              <a:t>15</a:t>
-            </a:fld>
-            <a:endParaRPr lang="en-US"/>
-          </a:p>
-        </p:txBody>
-      </p:sp>
-    </p:spTree>
-    <p:extLst>
-      <p:ext uri="{BB962C8B-B14F-4D97-AF65-F5344CB8AC3E}">
-        <p14:creationId xmlns:p14="http://schemas.microsoft.com/office/powerpoint/2010/main" val="4020253643"/>
-      </p:ext>
-    </p:extLst>
-  </p:cSld>
-  <p:clrMapOvr>
-    <a:masterClrMapping/>
-  </p:clrMapOvr>
-  <p:transition/>
-</p:sld>
-</file>
-
-<file path=ppt/slides/slide16.xml><?xml version="1.0" encoding="utf-8"?>
-<p:sld xmlns:a="http://schemas.openxmlformats.org/drawingml/2006/main" xmlns:r="http://schemas.openxmlformats.org/officeDocument/2006/relationships" xmlns:p="http://schemas.openxmlformats.org/presentationml/2006/main">
-  <p:cSld>
-    <p:spTree>
-      <p:nvGrpSpPr>
-        <p:cNvPr id="1" name=""/>
-        <p:cNvGrpSpPr/>
-        <p:nvPr/>
-      </p:nvGrpSpPr>
-      <p:grpSpPr>
-        <a:xfrm>
-          <a:off x="0" y="0"/>
-          <a:ext cx="0" cy="0"/>
-          <a:chOff x="0" y="0"/>
-          <a:chExt cx="0" cy="0"/>
-        </a:xfrm>
-      </p:grpSpPr>
-      <p:sp>
-        <p:nvSpPr>
-          <p:cNvPr id="2" name="Title 1">
-            <a:extLst>
-              <a:ext uri="{FF2B5EF4-FFF2-40B4-BE49-F238E27FC236}">
-                <a16:creationId xmlns:a16="http://schemas.microsoft.com/office/drawing/2014/main" id="{73B7C5C5-1DB8-F74C-B24F-5BD97BE15399}"/>
-              </a:ext>
-            </a:extLst>
-          </p:cNvPr>
-          <p:cNvSpPr>
-            <a:spLocks noGrp="1"/>
-          </p:cNvSpPr>
-          <p:nvPr>
-            <p:ph type="title"/>
-          </p:nvPr>
-        </p:nvSpPr>
-        <p:spPr/>
-        <p:txBody>
-          <a:bodyPr/>
-          <a:lstStyle/>
-          <a:p>
-            <a:endParaRPr lang="en-US"/>
-          </a:p>
-        </p:txBody>
-      </p:sp>
-      <p:pic>
-        <p:nvPicPr>
-          <p:cNvPr id="8" name="Content Placeholder 7" descr="Text&#10;&#10;Description automatically generated">
-            <a:extLst>
-              <a:ext uri="{FF2B5EF4-FFF2-40B4-BE49-F238E27FC236}">
-                <a16:creationId xmlns:a16="http://schemas.microsoft.com/office/drawing/2014/main" id="{A6E73A43-D0DA-3244-B66D-B650E8B6FA6B}"/>
-              </a:ext>
-            </a:extLst>
-          </p:cNvPr>
-          <p:cNvPicPr>
-            <a:picLocks noGrp="1" noChangeAspect="1"/>
-          </p:cNvPicPr>
-          <p:nvPr>
-            <p:ph idx="1"/>
-          </p:nvPr>
-        </p:nvPicPr>
-        <p:blipFill>
-          <a:blip r:embed="rId2"/>
-          <a:stretch>
-            <a:fillRect/>
-          </a:stretch>
-        </p:blipFill>
-        <p:spPr>
-          <a:xfrm>
-            <a:off x="1587500" y="2336800"/>
-            <a:ext cx="5969000" cy="2870200"/>
-          </a:xfrm>
-        </p:spPr>
-      </p:pic>
-      <p:sp>
-        <p:nvSpPr>
-          <p:cNvPr id="4" name="Date Placeholder 3">
-            <a:extLst>
-              <a:ext uri="{FF2B5EF4-FFF2-40B4-BE49-F238E27FC236}">
-                <a16:creationId xmlns:a16="http://schemas.microsoft.com/office/drawing/2014/main" id="{86D77B73-DE0B-CE4C-B495-E89EFCE54422}"/>
-              </a:ext>
-            </a:extLst>
-          </p:cNvPr>
-          <p:cNvSpPr>
-            <a:spLocks noGrp="1"/>
-          </p:cNvSpPr>
-          <p:nvPr>
-            <p:ph type="dt" sz="half" idx="10"/>
-          </p:nvPr>
-        </p:nvSpPr>
-        <p:spPr/>
-        <p:txBody>
-          <a:bodyPr/>
-          <a:lstStyle/>
-          <a:p>
-            <a:pPr>
-              <a:defRPr/>
-            </a:pPr>
-            <a:r>
-              <a:rPr lang="en-US"/>
-              <a:t>PAKDD 2021</a:t>
-            </a:r>
-          </a:p>
-        </p:txBody>
-      </p:sp>
-      <p:sp>
-        <p:nvSpPr>
-          <p:cNvPr id="5" name="Footer Placeholder 4">
-            <a:extLst>
-              <a:ext uri="{FF2B5EF4-FFF2-40B4-BE49-F238E27FC236}">
-                <a16:creationId xmlns:a16="http://schemas.microsoft.com/office/drawing/2014/main" id="{99BBAF31-59DE-B24B-A8EB-85E50ECF0F96}"/>
-              </a:ext>
-            </a:extLst>
-          </p:cNvPr>
-          <p:cNvSpPr>
-            <a:spLocks noGrp="1"/>
-          </p:cNvSpPr>
-          <p:nvPr>
-            <p:ph type="ftr" sz="quarter" idx="11"/>
-          </p:nvPr>
-        </p:nvSpPr>
-        <p:spPr/>
-        <p:txBody>
-          <a:bodyPr/>
-          <a:lstStyle/>
-          <a:p>
-            <a:pPr>
-              <a:defRPr/>
-            </a:pPr>
-            <a:r>
-              <a:rPr lang="fi-FI"/>
-              <a:t>L. Akoglu, M. McGlohon, C. Faloutsos</a:t>
-            </a:r>
-            <a:endParaRPr lang="en-US"/>
-          </a:p>
-        </p:txBody>
-      </p:sp>
-      <p:sp>
-        <p:nvSpPr>
-          <p:cNvPr id="6" name="Slide Number Placeholder 5">
-            <a:extLst>
-              <a:ext uri="{FF2B5EF4-FFF2-40B4-BE49-F238E27FC236}">
-                <a16:creationId xmlns:a16="http://schemas.microsoft.com/office/drawing/2014/main" id="{FFF1C959-FDC1-964E-A40E-B9241F8C8C86}"/>
-              </a:ext>
-            </a:extLst>
-          </p:cNvPr>
-          <p:cNvSpPr>
-            <a:spLocks noGrp="1"/>
-          </p:cNvSpPr>
-          <p:nvPr>
-            <p:ph type="sldNum" sz="quarter" idx="12"/>
-          </p:nvPr>
-        </p:nvSpPr>
-        <p:spPr/>
-        <p:txBody>
-          <a:bodyPr/>
-          <a:lstStyle/>
-          <a:p>
-            <a:pPr>
-              <a:defRPr/>
-            </a:pPr>
-            <a:fld id="{F9B43987-7F84-BB4A-8611-CDF75B6A737D}" type="slidenum">
-              <a:rPr lang="en-US" smtClean="0"/>
-              <a:pPr>
-                <a:defRPr/>
-              </a:pPr>
-              <a:t>16</a:t>
-            </a:fld>
-            <a:endParaRPr lang="en-US"/>
-          </a:p>
-        </p:txBody>
-      </p:sp>
-    </p:spTree>
-    <p:extLst>
-      <p:ext uri="{BB962C8B-B14F-4D97-AF65-F5344CB8AC3E}">
-        <p14:creationId xmlns:p14="http://schemas.microsoft.com/office/powerpoint/2010/main" val="1645652329"/>
-      </p:ext>
-    </p:extLst>
-  </p:cSld>
-  <p:clrMapOvr>
-    <a:masterClrMapping/>
-  </p:clrMapOvr>
-  <p:transition/>
-</p:sld>
-</file>
-
-<file path=ppt/slides/slide17.xml><?xml version="1.0" encoding="utf-8"?>
-<p:sld xmlns:a="http://schemas.openxmlformats.org/drawingml/2006/main" xmlns:r="http://schemas.openxmlformats.org/officeDocument/2006/relationships" xmlns:p="http://schemas.openxmlformats.org/presentationml/2006/main">
-  <p:cSld>
-    <p:spTree>
-      <p:nvGrpSpPr>
-        <p:cNvPr id="1" name=""/>
-        <p:cNvGrpSpPr/>
-        <p:nvPr/>
-      </p:nvGrpSpPr>
-      <p:grpSpPr>
-        <a:xfrm>
-          <a:off x="0" y="0"/>
-          <a:ext cx="0" cy="0"/>
-          <a:chOff x="0" y="0"/>
-          <a:chExt cx="0" cy="0"/>
-        </a:xfrm>
-      </p:grpSpPr>
-      <p:sp>
-        <p:nvSpPr>
           <p:cNvPr id="22530" name="Footer Placeholder 4"/>
           <p:cNvSpPr>
             <a:spLocks noGrp="1"/>
@@ -8648,7 +8395,7 @@
             <a:fld id="{CA9CF61F-D18B-5946-9F36-FA97BCA712E8}" type="slidenum">
               <a:rPr lang="en-US" smtClean="0"/>
               <a:pPr/>
-              <a:t>17</a:t>
+              <a:t>15</a:t>
             </a:fld>
             <a:endParaRPr lang="en-US"/>
           </a:p>
@@ -8703,16 +8450,6 @@
             </a:r>
           </a:p>
           <a:p>
-            <a:pPr lvl="1"/>
-            <a:r>
-              <a:rPr lang="en-US" dirty="0">
-                <a:ea typeface="ＭＳ Ｐゴシック" charset="-128"/>
-                <a:cs typeface="ＭＳ Ｐゴシック" charset="-128"/>
-              </a:rPr>
-              <a:t>Why study anomalies?</a:t>
-            </a:r>
-          </a:p>
-          <a:p>
             <a:r>
               <a:rPr lang="en-US" dirty="0">
                 <a:ea typeface="ＭＳ Ｐゴシック" charset="-128"/>
@@ -8739,6 +8476,36 @@
               <a:t>Future</a:t>
             </a:r>
           </a:p>
+          <a:p>
+            <a:pPr lvl="1"/>
+            <a:r>
+              <a:rPr lang="en-US" dirty="0">
+                <a:ea typeface="ＭＳ Ｐゴシック" charset="-128"/>
+                <a:cs typeface="ＭＳ Ｐゴシック" charset="-128"/>
+              </a:rPr>
+              <a:t>Q1) definition?</a:t>
+            </a:r>
+          </a:p>
+          <a:p>
+            <a:pPr lvl="1"/>
+            <a:r>
+              <a:rPr lang="en-US" dirty="0">
+                <a:ea typeface="ＭＳ Ｐゴシック" charset="-128"/>
+                <a:cs typeface="ＭＳ Ｐゴシック" charset="-128"/>
+              </a:rPr>
+              <a:t>Q2) automation?</a:t>
+            </a:r>
+          </a:p>
+          <a:p>
+            <a:pPr lvl="1"/>
+            <a:r>
+              <a:rPr lang="en-US" dirty="0">
+                <a:ea typeface="ＭＳ Ｐゴシック" charset="-128"/>
+                <a:cs typeface="ＭＳ Ｐゴシック" charset="-128"/>
+              </a:rPr>
+              <a:t>Q3) next steps?</a:t>
+            </a:r>
+          </a:p>
         </p:txBody>
       </p:sp>
       <p:sp>
@@ -8751,7 +8518,7 @@
         </p:nvSpPr>
         <p:spPr bwMode="auto">
           <a:xfrm>
-            <a:off x="201613" y="1641475"/>
+            <a:off x="307975" y="4480037"/>
             <a:ext cx="377825" cy="290513"/>
           </a:xfrm>
           <a:prstGeom prst="rightArrow">
@@ -8847,6 +8614,415 @@
         </p:spPr>
       </p:pic>
     </p:spTree>
+    <p:extLst>
+      <p:ext uri="{BB962C8B-B14F-4D97-AF65-F5344CB8AC3E}">
+        <p14:creationId xmlns:p14="http://schemas.microsoft.com/office/powerpoint/2010/main" val="832683480"/>
+      </p:ext>
+    </p:extLst>
+  </p:cSld>
+  <p:clrMapOvr>
+    <a:masterClrMapping/>
+  </p:clrMapOvr>
+  <p:transition/>
+</p:sld>
+</file>
+
+<file path=ppt/slides/slide16.xml><?xml version="1.0" encoding="utf-8"?>
+<p:sld xmlns:a="http://schemas.openxmlformats.org/drawingml/2006/main" xmlns:r="http://schemas.openxmlformats.org/officeDocument/2006/relationships" xmlns:p="http://schemas.openxmlformats.org/presentationml/2006/main">
+  <p:cSld>
+    <p:spTree>
+      <p:nvGrpSpPr>
+        <p:cNvPr id="1" name=""/>
+        <p:cNvGrpSpPr/>
+        <p:nvPr/>
+      </p:nvGrpSpPr>
+      <p:grpSpPr>
+        <a:xfrm>
+          <a:off x="0" y="0"/>
+          <a:ext cx="0" cy="0"/>
+          <a:chOff x="0" y="0"/>
+          <a:chExt cx="0" cy="0"/>
+        </a:xfrm>
+      </p:grpSpPr>
+      <p:sp>
+        <p:nvSpPr>
+          <p:cNvPr id="2" name="Title 1">
+            <a:extLst>
+              <a:ext uri="{FF2B5EF4-FFF2-40B4-BE49-F238E27FC236}">
+                <a16:creationId xmlns:a16="http://schemas.microsoft.com/office/drawing/2014/main" id="{4FFF780A-4AC0-E947-9E60-C651A93EFC53}"/>
+              </a:ext>
+            </a:extLst>
+          </p:cNvPr>
+          <p:cNvSpPr>
+            <a:spLocks noGrp="1"/>
+          </p:cNvSpPr>
+          <p:nvPr>
+            <p:ph type="title"/>
+          </p:nvPr>
+        </p:nvSpPr>
+        <p:spPr/>
+        <p:txBody>
+          <a:bodyPr/>
+          <a:lstStyle/>
+          <a:p>
+            <a:endParaRPr lang="en-US"/>
+          </a:p>
+        </p:txBody>
+      </p:sp>
+      <p:pic>
+        <p:nvPicPr>
+          <p:cNvPr id="8" name="Content Placeholder 7" descr="Text&#10;&#10;Description automatically generated">
+            <a:extLst>
+              <a:ext uri="{FF2B5EF4-FFF2-40B4-BE49-F238E27FC236}">
+                <a16:creationId xmlns:a16="http://schemas.microsoft.com/office/drawing/2014/main" id="{EA46362B-79B6-BC45-B817-6D187BCD94BC}"/>
+              </a:ext>
+            </a:extLst>
+          </p:cNvPr>
+          <p:cNvPicPr>
+            <a:picLocks noGrp="1" noChangeAspect="1"/>
+          </p:cNvPicPr>
+          <p:nvPr>
+            <p:ph idx="1"/>
+          </p:nvPr>
+        </p:nvPicPr>
+        <p:blipFill>
+          <a:blip r:embed="rId2"/>
+          <a:stretch>
+            <a:fillRect/>
+          </a:stretch>
+        </p:blipFill>
+        <p:spPr>
+          <a:xfrm>
+            <a:off x="685800" y="1920168"/>
+            <a:ext cx="7772400" cy="3703463"/>
+          </a:xfrm>
+        </p:spPr>
+      </p:pic>
+      <p:sp>
+        <p:nvSpPr>
+          <p:cNvPr id="4" name="Date Placeholder 3">
+            <a:extLst>
+              <a:ext uri="{FF2B5EF4-FFF2-40B4-BE49-F238E27FC236}">
+                <a16:creationId xmlns:a16="http://schemas.microsoft.com/office/drawing/2014/main" id="{184406FC-1EBE-C643-896C-C61F4BA7160A}"/>
+              </a:ext>
+            </a:extLst>
+          </p:cNvPr>
+          <p:cNvSpPr>
+            <a:spLocks noGrp="1"/>
+          </p:cNvSpPr>
+          <p:nvPr>
+            <p:ph type="dt" sz="half" idx="10"/>
+          </p:nvPr>
+        </p:nvSpPr>
+        <p:spPr/>
+        <p:txBody>
+          <a:bodyPr/>
+          <a:lstStyle/>
+          <a:p>
+            <a:pPr>
+              <a:defRPr/>
+            </a:pPr>
+            <a:r>
+              <a:rPr lang="en-US"/>
+              <a:t>PAKDD 2021</a:t>
+            </a:r>
+          </a:p>
+        </p:txBody>
+      </p:sp>
+      <p:sp>
+        <p:nvSpPr>
+          <p:cNvPr id="5" name="Footer Placeholder 4">
+            <a:extLst>
+              <a:ext uri="{FF2B5EF4-FFF2-40B4-BE49-F238E27FC236}">
+                <a16:creationId xmlns:a16="http://schemas.microsoft.com/office/drawing/2014/main" id="{858F08FC-69BA-A044-B568-2D5259DB1102}"/>
+              </a:ext>
+            </a:extLst>
+          </p:cNvPr>
+          <p:cNvSpPr>
+            <a:spLocks noGrp="1"/>
+          </p:cNvSpPr>
+          <p:nvPr>
+            <p:ph type="ftr" sz="quarter" idx="11"/>
+          </p:nvPr>
+        </p:nvSpPr>
+        <p:spPr/>
+        <p:txBody>
+          <a:bodyPr/>
+          <a:lstStyle/>
+          <a:p>
+            <a:pPr>
+              <a:defRPr/>
+            </a:pPr>
+            <a:r>
+              <a:rPr lang="fi-FI"/>
+              <a:t>L. Akoglu, M. McGlohon, C. Faloutsos</a:t>
+            </a:r>
+            <a:endParaRPr lang="en-US"/>
+          </a:p>
+        </p:txBody>
+      </p:sp>
+      <p:sp>
+        <p:nvSpPr>
+          <p:cNvPr id="6" name="Slide Number Placeholder 5">
+            <a:extLst>
+              <a:ext uri="{FF2B5EF4-FFF2-40B4-BE49-F238E27FC236}">
+                <a16:creationId xmlns:a16="http://schemas.microsoft.com/office/drawing/2014/main" id="{B0A39F98-FAD7-F443-84E7-BAD1EDADA6C8}"/>
+              </a:ext>
+            </a:extLst>
+          </p:cNvPr>
+          <p:cNvSpPr>
+            <a:spLocks noGrp="1"/>
+          </p:cNvSpPr>
+          <p:nvPr>
+            <p:ph type="sldNum" sz="quarter" idx="12"/>
+          </p:nvPr>
+        </p:nvSpPr>
+        <p:spPr/>
+        <p:txBody>
+          <a:bodyPr/>
+          <a:lstStyle/>
+          <a:p>
+            <a:pPr>
+              <a:defRPr/>
+            </a:pPr>
+            <a:fld id="{F9B43987-7F84-BB4A-8611-CDF75B6A737D}" type="slidenum">
+              <a:rPr lang="en-US" smtClean="0"/>
+              <a:pPr>
+                <a:defRPr/>
+              </a:pPr>
+              <a:t>16</a:t>
+            </a:fld>
+            <a:endParaRPr lang="en-US"/>
+          </a:p>
+        </p:txBody>
+      </p:sp>
+    </p:spTree>
+    <p:extLst>
+      <p:ext uri="{BB962C8B-B14F-4D97-AF65-F5344CB8AC3E}">
+        <p14:creationId xmlns:p14="http://schemas.microsoft.com/office/powerpoint/2010/main" val="3459234371"/>
+      </p:ext>
+    </p:extLst>
+  </p:cSld>
+  <p:clrMapOvr>
+    <a:masterClrMapping/>
+  </p:clrMapOvr>
+  <p:transition/>
+</p:sld>
+</file>
+
+<file path=ppt/slides/slide17.xml><?xml version="1.0" encoding="utf-8"?>
+<p:sld xmlns:a="http://schemas.openxmlformats.org/drawingml/2006/main" xmlns:r="http://schemas.openxmlformats.org/officeDocument/2006/relationships" xmlns:p="http://schemas.openxmlformats.org/presentationml/2006/main">
+  <p:cSld>
+    <p:spTree>
+      <p:nvGrpSpPr>
+        <p:cNvPr id="1" name=""/>
+        <p:cNvGrpSpPr/>
+        <p:nvPr/>
+      </p:nvGrpSpPr>
+      <p:grpSpPr>
+        <a:xfrm>
+          <a:off x="0" y="0"/>
+          <a:ext cx="0" cy="0"/>
+          <a:chOff x="0" y="0"/>
+          <a:chExt cx="0" cy="0"/>
+        </a:xfrm>
+      </p:grpSpPr>
+      <p:sp>
+        <p:nvSpPr>
+          <p:cNvPr id="2" name="Title 1">
+            <a:extLst>
+              <a:ext uri="{FF2B5EF4-FFF2-40B4-BE49-F238E27FC236}">
+                <a16:creationId xmlns:a16="http://schemas.microsoft.com/office/drawing/2014/main" id="{A346E43C-F6C6-1B4D-9558-AD0FB0D00F7A}"/>
+              </a:ext>
+            </a:extLst>
+          </p:cNvPr>
+          <p:cNvSpPr>
+            <a:spLocks noGrp="1"/>
+          </p:cNvSpPr>
+          <p:nvPr>
+            <p:ph type="title"/>
+          </p:nvPr>
+        </p:nvSpPr>
+        <p:spPr/>
+        <p:txBody>
+          <a:bodyPr/>
+          <a:lstStyle/>
+          <a:p>
+            <a:r>
+              <a:rPr lang="en-US" dirty="0"/>
+              <a:t>Examples of models</a:t>
+            </a:r>
+          </a:p>
+        </p:txBody>
+      </p:sp>
+      <p:sp>
+        <p:nvSpPr>
+          <p:cNvPr id="3" name="Content Placeholder 2">
+            <a:extLst>
+              <a:ext uri="{FF2B5EF4-FFF2-40B4-BE49-F238E27FC236}">
+                <a16:creationId xmlns:a16="http://schemas.microsoft.com/office/drawing/2014/main" id="{8FBFD09B-8DD5-5B4B-95ED-E36940DEC032}"/>
+              </a:ext>
+            </a:extLst>
+          </p:cNvPr>
+          <p:cNvSpPr>
+            <a:spLocks noGrp="1"/>
+          </p:cNvSpPr>
+          <p:nvPr>
+            <p:ph idx="1"/>
+          </p:nvPr>
+        </p:nvSpPr>
+        <p:spPr/>
+        <p:txBody>
+          <a:bodyPr/>
+          <a:lstStyle/>
+          <a:p>
+            <a:r>
+              <a:rPr lang="en-US" dirty="0"/>
+              <a:t>Fractals / self-similarity (Norway)</a:t>
+            </a:r>
+          </a:p>
+          <a:p>
+            <a:r>
+              <a:rPr lang="en-US" dirty="0"/>
+              <a:t>Logistic parabola (flies; covid)</a:t>
+            </a:r>
+          </a:p>
+          <a:p>
+            <a:r>
+              <a:rPr lang="en-US" dirty="0" err="1"/>
+              <a:t>Lotka</a:t>
+            </a:r>
+            <a:r>
+              <a:rPr lang="en-US" dirty="0"/>
+              <a:t>-Volterra</a:t>
+            </a:r>
+          </a:p>
+          <a:p>
+            <a:r>
+              <a:rPr lang="en-US" dirty="0"/>
+              <a:t>Lorenz attractor (laser / synthetic )</a:t>
+            </a:r>
+          </a:p>
+          <a:p>
+            <a:r>
+              <a:rPr lang="en-US" dirty="0"/>
+              <a:t>Van der Pol / </a:t>
+            </a:r>
+            <a:r>
+              <a:rPr lang="en-US" dirty="0" err="1"/>
+              <a:t>FitzHugh</a:t>
+            </a:r>
+            <a:r>
+              <a:rPr lang="en-US" dirty="0"/>
+              <a:t>-Nagumo</a:t>
+            </a:r>
+          </a:p>
+        </p:txBody>
+      </p:sp>
+      <p:sp>
+        <p:nvSpPr>
+          <p:cNvPr id="4" name="Date Placeholder 3">
+            <a:extLst>
+              <a:ext uri="{FF2B5EF4-FFF2-40B4-BE49-F238E27FC236}">
+                <a16:creationId xmlns:a16="http://schemas.microsoft.com/office/drawing/2014/main" id="{03951C1E-0BF0-C642-BCBD-EFC883CDF7A7}"/>
+              </a:ext>
+            </a:extLst>
+          </p:cNvPr>
+          <p:cNvSpPr>
+            <a:spLocks noGrp="1"/>
+          </p:cNvSpPr>
+          <p:nvPr>
+            <p:ph type="dt" sz="half" idx="10"/>
+          </p:nvPr>
+        </p:nvSpPr>
+        <p:spPr/>
+        <p:txBody>
+          <a:bodyPr/>
+          <a:lstStyle/>
+          <a:p>
+            <a:pPr>
+              <a:defRPr/>
+            </a:pPr>
+            <a:r>
+              <a:rPr lang="en-US"/>
+              <a:t>PAKDD 2021</a:t>
+            </a:r>
+          </a:p>
+        </p:txBody>
+      </p:sp>
+      <p:sp>
+        <p:nvSpPr>
+          <p:cNvPr id="5" name="Footer Placeholder 4">
+            <a:extLst>
+              <a:ext uri="{FF2B5EF4-FFF2-40B4-BE49-F238E27FC236}">
+                <a16:creationId xmlns:a16="http://schemas.microsoft.com/office/drawing/2014/main" id="{E8D6249B-43CE-FD4A-9032-FBEB8C04971B}"/>
+              </a:ext>
+            </a:extLst>
+          </p:cNvPr>
+          <p:cNvSpPr>
+            <a:spLocks noGrp="1"/>
+          </p:cNvSpPr>
+          <p:nvPr>
+            <p:ph type="ftr" sz="quarter" idx="11"/>
+          </p:nvPr>
+        </p:nvSpPr>
+        <p:spPr/>
+        <p:txBody>
+          <a:bodyPr/>
+          <a:lstStyle/>
+          <a:p>
+            <a:pPr>
+              <a:defRPr/>
+            </a:pPr>
+            <a:r>
+              <a:rPr lang="fi-FI"/>
+              <a:t>L. Akoglu, M. McGlohon, C. Faloutsos</a:t>
+            </a:r>
+            <a:endParaRPr lang="en-US"/>
+          </a:p>
+        </p:txBody>
+      </p:sp>
+      <p:sp>
+        <p:nvSpPr>
+          <p:cNvPr id="6" name="Slide Number Placeholder 5">
+            <a:extLst>
+              <a:ext uri="{FF2B5EF4-FFF2-40B4-BE49-F238E27FC236}">
+                <a16:creationId xmlns:a16="http://schemas.microsoft.com/office/drawing/2014/main" id="{A14DD527-1BCF-3747-81F3-8EE0D9AAB32E}"/>
+              </a:ext>
+            </a:extLst>
+          </p:cNvPr>
+          <p:cNvSpPr>
+            <a:spLocks noGrp="1"/>
+          </p:cNvSpPr>
+          <p:nvPr>
+            <p:ph type="sldNum" sz="quarter" idx="12"/>
+          </p:nvPr>
+        </p:nvSpPr>
+        <p:spPr/>
+        <p:txBody>
+          <a:bodyPr/>
+          <a:lstStyle/>
+          <a:p>
+            <a:pPr>
+              <a:defRPr/>
+            </a:pPr>
+            <a:fld id="{F9B43987-7F84-BB4A-8611-CDF75B6A737D}" type="slidenum">
+              <a:rPr lang="en-US" smtClean="0"/>
+              <a:pPr>
+                <a:defRPr/>
+              </a:pPr>
+              <a:t>17</a:t>
+            </a:fld>
+            <a:endParaRPr lang="en-US"/>
+          </a:p>
+        </p:txBody>
+      </p:sp>
+    </p:spTree>
+    <p:extLst>
+      <p:ext uri="{BB962C8B-B14F-4D97-AF65-F5344CB8AC3E}">
+        <p14:creationId xmlns:p14="http://schemas.microsoft.com/office/powerpoint/2010/main" val="2715658193"/>
+      </p:ext>
+    </p:extLst>
   </p:cSld>
   <p:clrMapOvr>
     <a:masterClrMapping/>
@@ -8874,467 +9050,6 @@
       </p:grpSpPr>
       <p:sp>
         <p:nvSpPr>
-          <p:cNvPr id="2" name="Title 1">
-            <a:extLst>
-              <a:ext uri="{FF2B5EF4-FFF2-40B4-BE49-F238E27FC236}">
-                <a16:creationId xmlns:a16="http://schemas.microsoft.com/office/drawing/2014/main" id="{DAF0DF69-948A-8149-A676-8D6EA2D37C94}"/>
-              </a:ext>
-            </a:extLst>
-          </p:cNvPr>
-          <p:cNvSpPr>
-            <a:spLocks noGrp="1"/>
-          </p:cNvSpPr>
-          <p:nvPr>
-            <p:ph type="title"/>
-          </p:nvPr>
-        </p:nvSpPr>
-        <p:spPr/>
-        <p:txBody>
-          <a:bodyPr/>
-          <a:lstStyle/>
-          <a:p>
-            <a:r>
-              <a:rPr lang="en-US" dirty="0"/>
-              <a:t>P1.3.1. Outliers</a:t>
-            </a:r>
-          </a:p>
-        </p:txBody>
-      </p:sp>
-      <p:sp>
-        <p:nvSpPr>
-          <p:cNvPr id="3" name="Content Placeholder 2">
-            <a:extLst>
-              <a:ext uri="{FF2B5EF4-FFF2-40B4-BE49-F238E27FC236}">
-                <a16:creationId xmlns:a16="http://schemas.microsoft.com/office/drawing/2014/main" id="{AF6D0B97-71DF-3147-9690-794FC3B99AF9}"/>
-              </a:ext>
-            </a:extLst>
-          </p:cNvPr>
-          <p:cNvSpPr>
-            <a:spLocks noGrp="1"/>
-          </p:cNvSpPr>
-          <p:nvPr>
-            <p:ph idx="1"/>
-          </p:nvPr>
-        </p:nvSpPr>
-        <p:spPr/>
-        <p:txBody>
-          <a:bodyPr/>
-          <a:lstStyle/>
-          <a:p>
-            <a:r>
-              <a:rPr lang="en-US" dirty="0"/>
-              <a:t>Which node(s) are strange?</a:t>
-            </a:r>
-          </a:p>
-          <a:p>
-            <a:pPr lvl="1"/>
-            <a:r>
-              <a:rPr lang="en-US" dirty="0"/>
-              <a:t>Q: How to start?</a:t>
-            </a:r>
-          </a:p>
-        </p:txBody>
-      </p:sp>
-      <p:sp>
-        <p:nvSpPr>
-          <p:cNvPr id="4" name="Date Placeholder 3">
-            <a:extLst>
-              <a:ext uri="{FF2B5EF4-FFF2-40B4-BE49-F238E27FC236}">
-                <a16:creationId xmlns:a16="http://schemas.microsoft.com/office/drawing/2014/main" id="{E4B24557-0ACD-5B41-9409-91BD3BE2A412}"/>
-              </a:ext>
-            </a:extLst>
-          </p:cNvPr>
-          <p:cNvSpPr>
-            <a:spLocks noGrp="1"/>
-          </p:cNvSpPr>
-          <p:nvPr>
-            <p:ph type="dt" sz="half" idx="10"/>
-          </p:nvPr>
-        </p:nvSpPr>
-        <p:spPr/>
-        <p:txBody>
-          <a:bodyPr/>
-          <a:lstStyle/>
-          <a:p>
-            <a:pPr>
-              <a:defRPr/>
-            </a:pPr>
-            <a:r>
-              <a:rPr lang="en-US" dirty="0"/>
-              <a:t>WWW'2021  Tutorial</a:t>
-            </a:r>
-          </a:p>
-        </p:txBody>
-      </p:sp>
-      <p:sp>
-        <p:nvSpPr>
-          <p:cNvPr id="5" name="Footer Placeholder 4">
-            <a:extLst>
-              <a:ext uri="{FF2B5EF4-FFF2-40B4-BE49-F238E27FC236}">
-                <a16:creationId xmlns:a16="http://schemas.microsoft.com/office/drawing/2014/main" id="{B2DBD683-4CC7-8F4F-97C0-75C45EBA1C66}"/>
-              </a:ext>
-            </a:extLst>
-          </p:cNvPr>
-          <p:cNvSpPr>
-            <a:spLocks noGrp="1"/>
-          </p:cNvSpPr>
-          <p:nvPr>
-            <p:ph type="ftr" sz="quarter" idx="11"/>
-          </p:nvPr>
-        </p:nvSpPr>
-        <p:spPr/>
-        <p:txBody>
-          <a:bodyPr/>
-          <a:lstStyle/>
-          <a:p>
-            <a:pPr>
-              <a:defRPr/>
-            </a:pPr>
-            <a:r>
-              <a:rPr lang="en-US"/>
-              <a:t>S. Fakhraei and  C. Faloutsos</a:t>
-            </a:r>
-          </a:p>
-        </p:txBody>
-      </p:sp>
-      <p:sp>
-        <p:nvSpPr>
-          <p:cNvPr id="6" name="Slide Number Placeholder 5">
-            <a:extLst>
-              <a:ext uri="{FF2B5EF4-FFF2-40B4-BE49-F238E27FC236}">
-                <a16:creationId xmlns:a16="http://schemas.microsoft.com/office/drawing/2014/main" id="{67C115BD-69E7-6348-814E-C851F3955C7C}"/>
-              </a:ext>
-            </a:extLst>
-          </p:cNvPr>
-          <p:cNvSpPr>
-            <a:spLocks noGrp="1"/>
-          </p:cNvSpPr>
-          <p:nvPr>
-            <p:ph type="sldNum" sz="quarter" idx="12"/>
-          </p:nvPr>
-        </p:nvSpPr>
-        <p:spPr/>
-        <p:txBody>
-          <a:bodyPr/>
-          <a:lstStyle/>
-          <a:p>
-            <a:pPr>
-              <a:defRPr/>
-            </a:pPr>
-            <a:fld id="{F9B43987-7F84-BB4A-8611-CDF75B6A737D}" type="slidenum">
-              <a:rPr lang="en-US" smtClean="0"/>
-              <a:pPr>
-                <a:defRPr/>
-              </a:pPr>
-              <a:t>18</a:t>
-            </a:fld>
-            <a:endParaRPr lang="en-US"/>
-          </a:p>
-        </p:txBody>
-      </p:sp>
-      <p:pic>
-        <p:nvPicPr>
-          <p:cNvPr id="9" name="Picture 8">
-            <a:extLst>
-              <a:ext uri="{FF2B5EF4-FFF2-40B4-BE49-F238E27FC236}">
-                <a16:creationId xmlns:a16="http://schemas.microsoft.com/office/drawing/2014/main" id="{BC404E6B-12D2-0E48-B0C4-910DA2DB02A2}"/>
-              </a:ext>
-            </a:extLst>
-          </p:cNvPr>
-          <p:cNvPicPr>
-            <a:picLocks noChangeAspect="1"/>
-          </p:cNvPicPr>
-          <p:nvPr/>
-        </p:nvPicPr>
-        <p:blipFill>
-          <a:blip r:embed="rId2" cstate="screen">
-            <a:extLst>
-              <a:ext uri="{28A0092B-C50C-407E-A947-70E740481C1C}">
-                <a14:useLocalDpi xmlns:a14="http://schemas.microsoft.com/office/drawing/2010/main"/>
-              </a:ext>
-            </a:extLst>
-          </a:blip>
-          <a:stretch>
-            <a:fillRect/>
-          </a:stretch>
-        </p:blipFill>
-        <p:spPr>
-          <a:xfrm>
-            <a:off x="573656" y="3571197"/>
-            <a:ext cx="2292836" cy="1715864"/>
-          </a:xfrm>
-          <a:prstGeom prst="rect">
-            <a:avLst/>
-          </a:prstGeom>
-        </p:spPr>
-      </p:pic>
-    </p:spTree>
-    <p:extLst>
-      <p:ext uri="{BB962C8B-B14F-4D97-AF65-F5344CB8AC3E}">
-        <p14:creationId xmlns:p14="http://schemas.microsoft.com/office/powerpoint/2010/main" val="2469548725"/>
-      </p:ext>
-    </p:extLst>
-  </p:cSld>
-  <p:clrMapOvr>
-    <a:masterClrMapping/>
-  </p:clrMapOvr>
-  <p:transition/>
-</p:sld>
-</file>
-
-<file path=ppt/slides/slide19.xml><?xml version="1.0" encoding="utf-8"?>
-<p:sld xmlns:a="http://schemas.openxmlformats.org/drawingml/2006/main" xmlns:r="http://schemas.openxmlformats.org/officeDocument/2006/relationships" xmlns:p="http://schemas.openxmlformats.org/presentationml/2006/main">
-  <p:cSld>
-    <p:spTree>
-      <p:nvGrpSpPr>
-        <p:cNvPr id="1" name=""/>
-        <p:cNvGrpSpPr/>
-        <p:nvPr/>
-      </p:nvGrpSpPr>
-      <p:grpSpPr>
-        <a:xfrm>
-          <a:off x="0" y="0"/>
-          <a:ext cx="0" cy="0"/>
-          <a:chOff x="0" y="0"/>
-          <a:chExt cx="0" cy="0"/>
-        </a:xfrm>
-      </p:grpSpPr>
-      <p:sp>
-        <p:nvSpPr>
-          <p:cNvPr id="2" name="Title 1">
-            <a:extLst>
-              <a:ext uri="{FF2B5EF4-FFF2-40B4-BE49-F238E27FC236}">
-                <a16:creationId xmlns:a16="http://schemas.microsoft.com/office/drawing/2014/main" id="{DAF0DF69-948A-8149-A676-8D6EA2D37C94}"/>
-              </a:ext>
-            </a:extLst>
-          </p:cNvPr>
-          <p:cNvSpPr>
-            <a:spLocks noGrp="1"/>
-          </p:cNvSpPr>
-          <p:nvPr>
-            <p:ph type="title"/>
-          </p:nvPr>
-        </p:nvSpPr>
-        <p:spPr/>
-        <p:txBody>
-          <a:bodyPr/>
-          <a:lstStyle/>
-          <a:p>
-            <a:r>
-              <a:rPr lang="en-US" dirty="0"/>
-              <a:t>P1.3.1. Outliers</a:t>
-            </a:r>
-          </a:p>
-        </p:txBody>
-      </p:sp>
-      <p:sp>
-        <p:nvSpPr>
-          <p:cNvPr id="3" name="Content Placeholder 2">
-            <a:extLst>
-              <a:ext uri="{FF2B5EF4-FFF2-40B4-BE49-F238E27FC236}">
-                <a16:creationId xmlns:a16="http://schemas.microsoft.com/office/drawing/2014/main" id="{AF6D0B97-71DF-3147-9690-794FC3B99AF9}"/>
-              </a:ext>
-            </a:extLst>
-          </p:cNvPr>
-          <p:cNvSpPr>
-            <a:spLocks noGrp="1"/>
-          </p:cNvSpPr>
-          <p:nvPr>
-            <p:ph idx="1"/>
-          </p:nvPr>
-        </p:nvSpPr>
-        <p:spPr/>
-        <p:txBody>
-          <a:bodyPr/>
-          <a:lstStyle/>
-          <a:p>
-            <a:r>
-              <a:rPr lang="en-US" dirty="0"/>
-              <a:t>Which node(s) are strange?</a:t>
-            </a:r>
-          </a:p>
-          <a:p>
-            <a:pPr lvl="1"/>
-            <a:r>
-              <a:rPr lang="en-US" dirty="0"/>
-              <a:t>Q: How to start?</a:t>
-            </a:r>
-          </a:p>
-          <a:p>
-            <a:pPr lvl="1"/>
-            <a:r>
-              <a:rPr lang="en-US" dirty="0"/>
-              <a:t>A1: egonet; and extract node features</a:t>
-            </a:r>
-          </a:p>
-        </p:txBody>
-      </p:sp>
-      <p:sp>
-        <p:nvSpPr>
-          <p:cNvPr id="4" name="Date Placeholder 3">
-            <a:extLst>
-              <a:ext uri="{FF2B5EF4-FFF2-40B4-BE49-F238E27FC236}">
-                <a16:creationId xmlns:a16="http://schemas.microsoft.com/office/drawing/2014/main" id="{E4B24557-0ACD-5B41-9409-91BD3BE2A412}"/>
-              </a:ext>
-            </a:extLst>
-          </p:cNvPr>
-          <p:cNvSpPr>
-            <a:spLocks noGrp="1"/>
-          </p:cNvSpPr>
-          <p:nvPr>
-            <p:ph type="dt" sz="half" idx="10"/>
-          </p:nvPr>
-        </p:nvSpPr>
-        <p:spPr/>
-        <p:txBody>
-          <a:bodyPr/>
-          <a:lstStyle/>
-          <a:p>
-            <a:pPr>
-              <a:defRPr/>
-            </a:pPr>
-            <a:r>
-              <a:rPr lang="en-US" dirty="0"/>
-              <a:t>WWW'2021  Tutorial</a:t>
-            </a:r>
-          </a:p>
-        </p:txBody>
-      </p:sp>
-      <p:sp>
-        <p:nvSpPr>
-          <p:cNvPr id="5" name="Footer Placeholder 4">
-            <a:extLst>
-              <a:ext uri="{FF2B5EF4-FFF2-40B4-BE49-F238E27FC236}">
-                <a16:creationId xmlns:a16="http://schemas.microsoft.com/office/drawing/2014/main" id="{B2DBD683-4CC7-8F4F-97C0-75C45EBA1C66}"/>
-              </a:ext>
-            </a:extLst>
-          </p:cNvPr>
-          <p:cNvSpPr>
-            <a:spLocks noGrp="1"/>
-          </p:cNvSpPr>
-          <p:nvPr>
-            <p:ph type="ftr" sz="quarter" idx="11"/>
-          </p:nvPr>
-        </p:nvSpPr>
-        <p:spPr/>
-        <p:txBody>
-          <a:bodyPr/>
-          <a:lstStyle/>
-          <a:p>
-            <a:pPr>
-              <a:defRPr/>
-            </a:pPr>
-            <a:r>
-              <a:rPr lang="en-US"/>
-              <a:t>S. Fakhraei and  C. Faloutsos</a:t>
-            </a:r>
-          </a:p>
-        </p:txBody>
-      </p:sp>
-      <p:sp>
-        <p:nvSpPr>
-          <p:cNvPr id="6" name="Slide Number Placeholder 5">
-            <a:extLst>
-              <a:ext uri="{FF2B5EF4-FFF2-40B4-BE49-F238E27FC236}">
-                <a16:creationId xmlns:a16="http://schemas.microsoft.com/office/drawing/2014/main" id="{67C115BD-69E7-6348-814E-C851F3955C7C}"/>
-              </a:ext>
-            </a:extLst>
-          </p:cNvPr>
-          <p:cNvSpPr>
-            <a:spLocks noGrp="1"/>
-          </p:cNvSpPr>
-          <p:nvPr>
-            <p:ph type="sldNum" sz="quarter" idx="12"/>
-          </p:nvPr>
-        </p:nvSpPr>
-        <p:spPr/>
-        <p:txBody>
-          <a:bodyPr/>
-          <a:lstStyle/>
-          <a:p>
-            <a:pPr>
-              <a:defRPr/>
-            </a:pPr>
-            <a:fld id="{F9B43987-7F84-BB4A-8611-CDF75B6A737D}" type="slidenum">
-              <a:rPr lang="en-US" smtClean="0"/>
-              <a:pPr>
-                <a:defRPr/>
-              </a:pPr>
-              <a:t>19</a:t>
-            </a:fld>
-            <a:endParaRPr lang="en-US"/>
-          </a:p>
-        </p:txBody>
-      </p:sp>
-      <p:pic>
-        <p:nvPicPr>
-          <p:cNvPr id="8" name="Picture 7">
-            <a:extLst>
-              <a:ext uri="{FF2B5EF4-FFF2-40B4-BE49-F238E27FC236}">
-                <a16:creationId xmlns:a16="http://schemas.microsoft.com/office/drawing/2014/main" id="{EFE2B29E-80CF-2F48-AC14-B5251FDF98CD}"/>
-              </a:ext>
-            </a:extLst>
-          </p:cNvPr>
-          <p:cNvPicPr>
-            <a:picLocks noChangeAspect="1"/>
-          </p:cNvPicPr>
-          <p:nvPr/>
-        </p:nvPicPr>
-        <p:blipFill>
-          <a:blip r:embed="rId2" cstate="screen">
-            <a:extLst>
-              <a:ext uri="{28A0092B-C50C-407E-A947-70E740481C1C}">
-                <a14:useLocalDpi xmlns:a14="http://schemas.microsoft.com/office/drawing/2010/main"/>
-              </a:ext>
-            </a:extLst>
-          </a:blip>
-          <a:stretch>
-            <a:fillRect/>
-          </a:stretch>
-        </p:blipFill>
-        <p:spPr>
-          <a:xfrm>
-            <a:off x="573656" y="3571197"/>
-            <a:ext cx="2292836" cy="1715864"/>
-          </a:xfrm>
-          <a:prstGeom prst="rect">
-            <a:avLst/>
-          </a:prstGeom>
-        </p:spPr>
-      </p:pic>
-    </p:spTree>
-    <p:extLst>
-      <p:ext uri="{BB962C8B-B14F-4D97-AF65-F5344CB8AC3E}">
-        <p14:creationId xmlns:p14="http://schemas.microsoft.com/office/powerpoint/2010/main" val="684378947"/>
-      </p:ext>
-    </p:extLst>
-  </p:cSld>
-  <p:clrMapOvr>
-    <a:masterClrMapping/>
-  </p:clrMapOvr>
-  <p:transition/>
-</p:sld>
-</file>
-
-<file path=ppt/slides/slide2.xml><?xml version="1.0" encoding="utf-8"?>
-<p:sld xmlns:a="http://schemas.openxmlformats.org/drawingml/2006/main" xmlns:r="http://schemas.openxmlformats.org/officeDocument/2006/relationships" xmlns:p="http://schemas.openxmlformats.org/presentationml/2006/main">
-  <p:cSld>
-    <p:spTree>
-      <p:nvGrpSpPr>
-        <p:cNvPr id="1" name=""/>
-        <p:cNvGrpSpPr/>
-        <p:nvPr/>
-      </p:nvGrpSpPr>
-      <p:grpSpPr>
-        <a:xfrm>
-          <a:off x="0" y="0"/>
-          <a:ext cx="0" cy="0"/>
-          <a:chOff x="0" y="0"/>
-          <a:chExt cx="0" cy="0"/>
-        </a:xfrm>
-      </p:grpSpPr>
-      <p:sp>
-        <p:nvSpPr>
           <p:cNvPr id="22530" name="Footer Placeholder 4"/>
           <p:cNvSpPr>
             <a:spLocks noGrp="1"/>
@@ -9378,266 +9093,7 @@
             <a:fld id="{CA9CF61F-D18B-5946-9F36-FA97BCA712E8}" type="slidenum">
               <a:rPr lang="en-US" smtClean="0"/>
               <a:pPr/>
-              <a:t>2</a:t>
-            </a:fld>
-            <a:endParaRPr lang="en-US"/>
-          </a:p>
-        </p:txBody>
-      </p:sp>
-      <p:sp>
-        <p:nvSpPr>
-          <p:cNvPr id="22532" name="Rectangle 2"/>
-          <p:cNvSpPr>
-            <a:spLocks noGrp="1" noChangeArrowheads="1"/>
-          </p:cNvSpPr>
-          <p:nvPr>
-            <p:ph type="title"/>
-          </p:nvPr>
-        </p:nvSpPr>
-        <p:spPr/>
-        <p:txBody>
-          <a:bodyPr/>
-          <a:lstStyle/>
-          <a:p>
-            <a:r>
-              <a:rPr lang="en-US" sz="3600" dirty="0">
-                <a:ea typeface="ＭＳ Ｐゴシック" charset="-128"/>
-                <a:cs typeface="ＭＳ Ｐゴシック" charset="-128"/>
-              </a:rPr>
-              <a:t>Roadmap</a:t>
-            </a:r>
-          </a:p>
-        </p:txBody>
-      </p:sp>
-      <p:sp>
-        <p:nvSpPr>
-          <p:cNvPr id="22533" name="Rectangle 3"/>
-          <p:cNvSpPr>
-            <a:spLocks noGrp="1" noChangeArrowheads="1"/>
-          </p:cNvSpPr>
-          <p:nvPr>
-            <p:ph type="body" idx="1"/>
-          </p:nvPr>
-        </p:nvSpPr>
-        <p:spPr/>
-        <p:txBody>
-          <a:bodyPr/>
-          <a:lstStyle/>
-          <a:p>
-            <a:r>
-              <a:rPr lang="en-US" dirty="0">
-                <a:ea typeface="ＭＳ Ｐゴシック" charset="-128"/>
-                <a:cs typeface="ＭＳ Ｐゴシック" charset="-128"/>
-              </a:rPr>
-              <a:t>Introduction – Motivation</a:t>
-            </a:r>
-          </a:p>
-          <a:p>
-            <a:r>
-              <a:rPr lang="en-US" dirty="0">
-                <a:ea typeface="ＭＳ Ｐゴシック" charset="-128"/>
-                <a:cs typeface="ＭＳ Ｐゴシック" charset="-128"/>
-              </a:rPr>
-              <a:t>Past</a:t>
-            </a:r>
-          </a:p>
-          <a:p>
-            <a:r>
-              <a:rPr lang="en-US" dirty="0">
-                <a:ea typeface="ＭＳ Ｐゴシック" charset="-128"/>
-                <a:cs typeface="ＭＳ Ｐゴシック" charset="-128"/>
-              </a:rPr>
-              <a:t>Present</a:t>
-            </a:r>
-          </a:p>
-          <a:p>
-            <a:r>
-              <a:rPr lang="en-US" dirty="0">
-                <a:ea typeface="ＭＳ Ｐゴシック" charset="-128"/>
-                <a:cs typeface="ＭＳ Ｐゴシック" charset="-128"/>
-              </a:rPr>
-              <a:t>Future</a:t>
-            </a:r>
-          </a:p>
-        </p:txBody>
-      </p:sp>
-      <p:sp>
-        <p:nvSpPr>
-          <p:cNvPr id="22534" name="AutoShape 4"/>
-          <p:cNvSpPr>
-            <a:spLocks noChangeArrowheads="1"/>
-          </p:cNvSpPr>
-          <p:nvPr/>
-        </p:nvSpPr>
-        <p:spPr bwMode="auto">
-          <a:xfrm>
-            <a:off x="230187" y="3355430"/>
-            <a:ext cx="377825" cy="290513"/>
-          </a:xfrm>
-          <a:prstGeom prst="rightArrow">
-            <a:avLst>
-              <a:gd name="adj1" fmla="val 50000"/>
-              <a:gd name="adj2" fmla="val 32514"/>
-            </a:avLst>
-          </a:prstGeom>
-          <a:solidFill>
-            <a:schemeClr val="tx2"/>
-          </a:solidFill>
-          <a:ln w="28575">
-            <a:solidFill>
-              <a:schemeClr val="tx2"/>
-            </a:solidFill>
-            <a:miter lim="800000"/>
-            <a:headEnd type="none" w="sm" len="sm"/>
-            <a:tailEnd/>
-          </a:ln>
-        </p:spPr>
-        <p:txBody>
-          <a:bodyPr wrap="none" anchor="ctr">
-            <a:prstTxWarp prst="textNoShape">
-              <a:avLst/>
-            </a:prstTxWarp>
-          </a:bodyPr>
-          <a:lstStyle/>
-          <a:p>
-            <a:endParaRPr lang="en-US"/>
-          </a:p>
-        </p:txBody>
-      </p:sp>
-      <p:sp>
-        <p:nvSpPr>
-          <p:cNvPr id="22535" name="Date Placeholder 7"/>
-          <p:cNvSpPr>
-            <a:spLocks noGrp="1"/>
-          </p:cNvSpPr>
-          <p:nvPr>
-            <p:ph type="dt" sz="quarter" idx="10"/>
-          </p:nvPr>
-        </p:nvSpPr>
-        <p:spPr>
-          <a:noFill/>
-        </p:spPr>
-        <p:txBody>
-          <a:bodyPr/>
-          <a:lstStyle/>
-          <a:p>
-            <a:r>
-              <a:rPr lang="en-US"/>
-              <a:t>PAKDD 2021</a:t>
-            </a:r>
-          </a:p>
-        </p:txBody>
-      </p:sp>
-      <p:pic>
-        <p:nvPicPr>
-          <p:cNvPr id="8" name="Picture 7" descr="energygen-roads.jpg"/>
-          <p:cNvPicPr>
-            <a:picLocks noChangeAspect="1"/>
-          </p:cNvPicPr>
-          <p:nvPr/>
-        </p:nvPicPr>
-        <p:blipFill>
-          <a:blip r:embed="rId3" cstate="screen">
-            <a:extLst>
-              <a:ext uri="{28A0092B-C50C-407E-A947-70E740481C1C}">
-                <a14:useLocalDpi xmlns:a14="http://schemas.microsoft.com/office/drawing/2010/main"/>
-              </a:ext>
-            </a:extLst>
-          </a:blip>
-          <a:srcRect/>
-          <a:stretch>
-            <a:fillRect/>
-          </a:stretch>
-        </p:blipFill>
-        <p:spPr bwMode="auto">
-          <a:xfrm>
-            <a:off x="6267450" y="1371600"/>
-            <a:ext cx="2457450" cy="1212850"/>
-          </a:xfrm>
-          <a:prstGeom prst="rect">
-            <a:avLst/>
-          </a:prstGeom>
-          <a:noFill/>
-          <a:ln w="9525">
-            <a:noFill/>
-            <a:miter lim="800000"/>
-            <a:headEnd/>
-            <a:tailEnd/>
-          </a:ln>
-        </p:spPr>
-      </p:pic>
-    </p:spTree>
-  </p:cSld>
-  <p:clrMapOvr>
-    <a:masterClrMapping/>
-  </p:clrMapOvr>
-  <p:transition/>
-</p:sld>
-</file>
-
-<file path=ppt/slides/slide20.xml><?xml version="1.0" encoding="utf-8"?>
-<p:sld xmlns:a="http://schemas.openxmlformats.org/drawingml/2006/main" xmlns:r="http://schemas.openxmlformats.org/officeDocument/2006/relationships" xmlns:p="http://schemas.openxmlformats.org/presentationml/2006/main">
-  <p:cSld>
-    <p:spTree>
-      <p:nvGrpSpPr>
-        <p:cNvPr id="1" name=""/>
-        <p:cNvGrpSpPr/>
-        <p:nvPr/>
-      </p:nvGrpSpPr>
-      <p:grpSpPr>
-        <a:xfrm>
-          <a:off x="0" y="0"/>
-          <a:ext cx="0" cy="0"/>
-          <a:chOff x="0" y="0"/>
-          <a:chExt cx="0" cy="0"/>
-        </a:xfrm>
-      </p:grpSpPr>
-      <p:sp>
-        <p:nvSpPr>
-          <p:cNvPr id="22530" name="Footer Placeholder 4"/>
-          <p:cNvSpPr>
-            <a:spLocks noGrp="1"/>
-          </p:cNvSpPr>
-          <p:nvPr>
-            <p:ph type="ftr" sz="quarter" idx="11"/>
-          </p:nvPr>
-        </p:nvSpPr>
-        <p:spPr>
-          <a:noFill/>
-        </p:spPr>
-        <p:txBody>
-          <a:bodyPr/>
-          <a:lstStyle/>
-          <a:p>
-            <a:r>
-              <a:rPr lang="fi-FI"/>
-              <a:t>L. Akoglu, M. McGlohon, C. Faloutsos</a:t>
-            </a:r>
-            <a:endParaRPr lang="en-US"/>
-          </a:p>
-        </p:txBody>
-      </p:sp>
-      <p:sp>
-        <p:nvSpPr>
-          <p:cNvPr id="22531" name="Slide Number Placeholder 5"/>
-          <p:cNvSpPr>
-            <a:spLocks noGrp="1"/>
-          </p:cNvSpPr>
-          <p:nvPr>
-            <p:ph type="sldNum" sz="quarter" idx="12"/>
-          </p:nvPr>
-        </p:nvSpPr>
-        <p:spPr>
-          <a:noFill/>
-        </p:spPr>
-        <p:txBody>
-          <a:bodyPr/>
-          <a:lstStyle/>
-          <a:p>
-            <a:fld id="{CA9CF61F-D18B-5946-9F36-FA97BCA712E8}" type="slidenum">
-              <a:rPr lang="en-US" smtClean="0"/>
-              <a:pPr/>
-              <a:t>20</a:t>
+              <a:t>18</a:t>
             </a:fld>
             <a:endParaRPr lang="en-US"/>
           </a:p>
@@ -9888,14 +9344,14 @@
           </a:ln>
           <a:extLst>
             <a:ext uri="{909E8E84-426E-40dd-AFC4-6F175D3DCCD1}">
-              <a14:hiddenFill xmlns="" xmlns:a14="http://schemas.microsoft.com/office/drawing/2010/main">
+              <a14:hiddenFill xmlns:a14="http://schemas.microsoft.com/office/drawing/2010/main" xmlns="">
                 <a:solidFill>
                   <a:srgbClr val="FFFFFF"/>
                 </a:solidFill>
               </a14:hiddenFill>
             </a:ext>
             <a:ext uri="{91240B29-F687-4f45-9708-019B960494DF}">
-              <a14:hiddenLine xmlns="" xmlns:a14="http://schemas.microsoft.com/office/drawing/2010/main" w="9525">
+              <a14:hiddenLine xmlns:a14="http://schemas.microsoft.com/office/drawing/2010/main" xmlns="" w="9525">
                 <a:solidFill>
                   <a:srgbClr val="000000"/>
                 </a:solidFill>
@@ -9921,6 +9377,265 @@
 </p:sld>
 </file>
 
+<file path=ppt/slides/slide2.xml><?xml version="1.0" encoding="utf-8"?>
+<p:sld xmlns:a="http://schemas.openxmlformats.org/drawingml/2006/main" xmlns:r="http://schemas.openxmlformats.org/officeDocument/2006/relationships" xmlns:p="http://schemas.openxmlformats.org/presentationml/2006/main">
+  <p:cSld>
+    <p:spTree>
+      <p:nvGrpSpPr>
+        <p:cNvPr id="1" name=""/>
+        <p:cNvGrpSpPr/>
+        <p:nvPr/>
+      </p:nvGrpSpPr>
+      <p:grpSpPr>
+        <a:xfrm>
+          <a:off x="0" y="0"/>
+          <a:ext cx="0" cy="0"/>
+          <a:chOff x="0" y="0"/>
+          <a:chExt cx="0" cy="0"/>
+        </a:xfrm>
+      </p:grpSpPr>
+      <p:sp>
+        <p:nvSpPr>
+          <p:cNvPr id="22530" name="Footer Placeholder 4"/>
+          <p:cNvSpPr>
+            <a:spLocks noGrp="1"/>
+          </p:cNvSpPr>
+          <p:nvPr>
+            <p:ph type="ftr" sz="quarter" idx="11"/>
+          </p:nvPr>
+        </p:nvSpPr>
+        <p:spPr>
+          <a:noFill/>
+        </p:spPr>
+        <p:txBody>
+          <a:bodyPr/>
+          <a:lstStyle/>
+          <a:p>
+            <a:r>
+              <a:rPr lang="fi-FI"/>
+              <a:t>L. Akoglu, M. McGlohon, C. Faloutsos</a:t>
+            </a:r>
+            <a:endParaRPr lang="en-US"/>
+          </a:p>
+        </p:txBody>
+      </p:sp>
+      <p:sp>
+        <p:nvSpPr>
+          <p:cNvPr id="22531" name="Slide Number Placeholder 5"/>
+          <p:cNvSpPr>
+            <a:spLocks noGrp="1"/>
+          </p:cNvSpPr>
+          <p:nvPr>
+            <p:ph type="sldNum" sz="quarter" idx="12"/>
+          </p:nvPr>
+        </p:nvSpPr>
+        <p:spPr>
+          <a:noFill/>
+        </p:spPr>
+        <p:txBody>
+          <a:bodyPr/>
+          <a:lstStyle/>
+          <a:p>
+            <a:fld id="{CA9CF61F-D18B-5946-9F36-FA97BCA712E8}" type="slidenum">
+              <a:rPr lang="en-US" smtClean="0"/>
+              <a:pPr/>
+              <a:t>2</a:t>
+            </a:fld>
+            <a:endParaRPr lang="en-US"/>
+          </a:p>
+        </p:txBody>
+      </p:sp>
+      <p:sp>
+        <p:nvSpPr>
+          <p:cNvPr id="22532" name="Rectangle 2"/>
+          <p:cNvSpPr>
+            <a:spLocks noGrp="1" noChangeArrowheads="1"/>
+          </p:cNvSpPr>
+          <p:nvPr>
+            <p:ph type="title"/>
+          </p:nvPr>
+        </p:nvSpPr>
+        <p:spPr/>
+        <p:txBody>
+          <a:bodyPr/>
+          <a:lstStyle/>
+          <a:p>
+            <a:r>
+              <a:rPr lang="en-US" sz="3600" dirty="0">
+                <a:ea typeface="ＭＳ Ｐゴシック" charset="-128"/>
+                <a:cs typeface="ＭＳ Ｐゴシック" charset="-128"/>
+              </a:rPr>
+              <a:t>Roadmap</a:t>
+            </a:r>
+          </a:p>
+        </p:txBody>
+      </p:sp>
+      <p:sp>
+        <p:nvSpPr>
+          <p:cNvPr id="22533" name="Rectangle 3"/>
+          <p:cNvSpPr>
+            <a:spLocks noGrp="1" noChangeArrowheads="1"/>
+          </p:cNvSpPr>
+          <p:nvPr>
+            <p:ph type="body" idx="1"/>
+          </p:nvPr>
+        </p:nvSpPr>
+        <p:spPr/>
+        <p:txBody>
+          <a:bodyPr/>
+          <a:lstStyle/>
+          <a:p>
+            <a:r>
+              <a:rPr lang="en-US" dirty="0">
+                <a:ea typeface="ＭＳ Ｐゴシック" charset="-128"/>
+                <a:cs typeface="ＭＳ Ｐゴシック" charset="-128"/>
+              </a:rPr>
+              <a:t>Introduction – Motivation</a:t>
+            </a:r>
+          </a:p>
+          <a:p>
+            <a:r>
+              <a:rPr lang="en-US" dirty="0">
+                <a:ea typeface="ＭＳ Ｐゴシック" charset="-128"/>
+                <a:cs typeface="ＭＳ Ｐゴシック" charset="-128"/>
+              </a:rPr>
+              <a:t>Past</a:t>
+            </a:r>
+          </a:p>
+          <a:p>
+            <a:r>
+              <a:rPr lang="en-US" dirty="0">
+                <a:ea typeface="ＭＳ Ｐゴシック" charset="-128"/>
+                <a:cs typeface="ＭＳ Ｐゴシック" charset="-128"/>
+              </a:rPr>
+              <a:t>Present</a:t>
+            </a:r>
+          </a:p>
+          <a:p>
+            <a:r>
+              <a:rPr lang="en-US" dirty="0">
+                <a:ea typeface="ＭＳ Ｐゴシック" charset="-128"/>
+                <a:cs typeface="ＭＳ Ｐゴシック" charset="-128"/>
+              </a:rPr>
+              <a:t>Future</a:t>
+            </a:r>
+          </a:p>
+        </p:txBody>
+      </p:sp>
+      <p:sp>
+        <p:nvSpPr>
+          <p:cNvPr id="22534" name="AutoShape 4"/>
+          <p:cNvSpPr>
+            <a:spLocks noChangeArrowheads="1"/>
+          </p:cNvSpPr>
+          <p:nvPr/>
+        </p:nvSpPr>
+        <p:spPr bwMode="auto">
+          <a:xfrm>
+            <a:off x="230187" y="3355430"/>
+            <a:ext cx="377825" cy="290513"/>
+          </a:xfrm>
+          <a:prstGeom prst="rightArrow">
+            <a:avLst>
+              <a:gd name="adj1" fmla="val 50000"/>
+              <a:gd name="adj2" fmla="val 32514"/>
+            </a:avLst>
+          </a:prstGeom>
+          <a:solidFill>
+            <a:schemeClr val="tx2"/>
+          </a:solidFill>
+          <a:ln w="28575">
+            <a:solidFill>
+              <a:schemeClr val="tx2"/>
+            </a:solidFill>
+            <a:miter lim="800000"/>
+            <a:headEnd type="none" w="sm" len="sm"/>
+            <a:tailEnd/>
+          </a:ln>
+        </p:spPr>
+        <p:txBody>
+          <a:bodyPr wrap="none" anchor="ctr">
+            <a:prstTxWarp prst="textNoShape">
+              <a:avLst/>
+            </a:prstTxWarp>
+          </a:bodyPr>
+          <a:lstStyle/>
+          <a:p>
+            <a:endParaRPr lang="en-US"/>
+          </a:p>
+        </p:txBody>
+      </p:sp>
+      <p:sp>
+        <p:nvSpPr>
+          <p:cNvPr id="22535" name="Date Placeholder 7"/>
+          <p:cNvSpPr>
+            <a:spLocks noGrp="1"/>
+          </p:cNvSpPr>
+          <p:nvPr>
+            <p:ph type="dt" sz="quarter" idx="10"/>
+          </p:nvPr>
+        </p:nvSpPr>
+        <p:spPr>
+          <a:noFill/>
+        </p:spPr>
+        <p:txBody>
+          <a:bodyPr/>
+          <a:lstStyle/>
+          <a:p>
+            <a:r>
+              <a:rPr lang="en-US"/>
+              <a:t>PAKDD 2021</a:t>
+            </a:r>
+          </a:p>
+        </p:txBody>
+      </p:sp>
+      <p:pic>
+        <p:nvPicPr>
+          <p:cNvPr id="8" name="Picture 7" descr="energygen-roads.jpg"/>
+          <p:cNvPicPr>
+            <a:picLocks noChangeAspect="1"/>
+          </p:cNvPicPr>
+          <p:nvPr/>
+        </p:nvPicPr>
+        <p:blipFill>
+          <a:blip r:embed="rId3" cstate="screen">
+            <a:extLst>
+              <a:ext uri="{28A0092B-C50C-407E-A947-70E740481C1C}">
+                <a14:useLocalDpi xmlns:a14="http://schemas.microsoft.com/office/drawing/2010/main"/>
+              </a:ext>
+            </a:extLst>
+          </a:blip>
+          <a:srcRect/>
+          <a:stretch>
+            <a:fillRect/>
+          </a:stretch>
+        </p:blipFill>
+        <p:spPr bwMode="auto">
+          <a:xfrm>
+            <a:off x="6267450" y="1371600"/>
+            <a:ext cx="2457450" cy="1212850"/>
+          </a:xfrm>
+          <a:prstGeom prst="rect">
+            <a:avLst/>
+          </a:prstGeom>
+          <a:noFill/>
+          <a:ln w="9525">
+            <a:noFill/>
+            <a:miter lim="800000"/>
+            <a:headEnd/>
+            <a:tailEnd/>
+          </a:ln>
+        </p:spPr>
+      </p:pic>
+    </p:spTree>
+  </p:cSld>
+  <p:clrMapOvr>
+    <a:masterClrMapping/>
+  </p:clrMapOvr>
+  <p:transition/>
+</p:sld>
+</file>
+
 <file path=ppt/slides/slide3.xml><?xml version="1.0" encoding="utf-8"?>
 <p:sld xmlns:a="http://schemas.openxmlformats.org/drawingml/2006/main" xmlns:r="http://schemas.openxmlformats.org/officeDocument/2006/relationships" xmlns:p="http://schemas.openxmlformats.org/presentationml/2006/main">
   <p:cSld>
@@ -10082,6 +9797,16 @@
                 <a:cs typeface="ＭＳ Ｐゴシック" charset="-128"/>
               </a:rPr>
               <a:t>Q2) automation?</a:t>
+            </a:r>
+          </a:p>
+          <a:p>
+            <a:pPr lvl="1"/>
+            <a:r>
+              <a:rPr lang="en-US" dirty="0">
+                <a:ea typeface="ＭＳ Ｐゴシック" charset="-128"/>
+                <a:cs typeface="ＭＳ Ｐゴシック" charset="-128"/>
+              </a:rPr>
+              <a:t>Q3) next steps?</a:t>
             </a:r>
           </a:p>
         </p:txBody>
@@ -10302,6 +10027,27 @@
             <a:r>
               <a:rPr lang="en-US" dirty="0"/>
               <a:t>A) no, but: look for better models/biases/priors</a:t>
+            </a:r>
+          </a:p>
+          <a:p>
+            <a:r>
+              <a:rPr lang="en-US" dirty="0"/>
+              <a:t>Q3) next steps?</a:t>
+            </a:r>
+          </a:p>
+          <a:p>
+            <a:pPr lvl="1"/>
+            <a:r>
+              <a:rPr lang="en-US" dirty="0"/>
+              <a:t>A) cross-disciplinarity -&gt; </a:t>
+            </a:r>
+            <a:r>
+              <a:rPr lang="en-US" dirty="0" err="1"/>
+              <a:t>new+better</a:t>
+            </a:r>
+            <a:r>
+              <a:rPr lang="en-US" dirty="0"/>
+              <a:t> models</a:t>
             </a:r>
           </a:p>
           <a:p>
@@ -11756,160 +11502,271 @@
       </p:grpSpPr>
       <p:sp>
         <p:nvSpPr>
-          <p:cNvPr id="2" name="Title 1">
+          <p:cNvPr id="22530" name="Footer Placeholder 4"/>
+          <p:cNvSpPr>
+            <a:spLocks noGrp="1"/>
+          </p:cNvSpPr>
+          <p:nvPr>
+            <p:ph type="ftr" sz="quarter" idx="11"/>
+          </p:nvPr>
+        </p:nvSpPr>
+        <p:spPr>
+          <a:noFill/>
+        </p:spPr>
+        <p:txBody>
+          <a:bodyPr/>
+          <a:lstStyle/>
+          <a:p>
+            <a:r>
+              <a:rPr lang="fi-FI"/>
+              <a:t>L. Akoglu, M. McGlohon, C. Faloutsos</a:t>
+            </a:r>
+            <a:endParaRPr lang="en-US"/>
+          </a:p>
+        </p:txBody>
+      </p:sp>
+      <p:sp>
+        <p:nvSpPr>
+          <p:cNvPr id="22531" name="Slide Number Placeholder 5"/>
+          <p:cNvSpPr>
+            <a:spLocks noGrp="1"/>
+          </p:cNvSpPr>
+          <p:nvPr>
+            <p:ph type="sldNum" sz="quarter" idx="12"/>
+          </p:nvPr>
+        </p:nvSpPr>
+        <p:spPr>
+          <a:noFill/>
+        </p:spPr>
+        <p:txBody>
+          <a:bodyPr/>
+          <a:lstStyle/>
+          <a:p>
+            <a:fld id="{CA9CF61F-D18B-5946-9F36-FA97BCA712E8}" type="slidenum">
+              <a:rPr lang="en-US" smtClean="0"/>
+              <a:pPr/>
+              <a:t>7</a:t>
+            </a:fld>
+            <a:endParaRPr lang="en-US"/>
+          </a:p>
+        </p:txBody>
+      </p:sp>
+      <p:sp>
+        <p:nvSpPr>
+          <p:cNvPr id="22532" name="Rectangle 2"/>
+          <p:cNvSpPr>
+            <a:spLocks noGrp="1" noChangeArrowheads="1"/>
+          </p:cNvSpPr>
+          <p:nvPr>
+            <p:ph type="title"/>
+          </p:nvPr>
+        </p:nvSpPr>
+        <p:spPr/>
+        <p:txBody>
+          <a:bodyPr/>
+          <a:lstStyle/>
+          <a:p>
+            <a:r>
+              <a:rPr lang="en-US" sz="3600" dirty="0">
+                <a:ea typeface="ＭＳ Ｐゴシック" charset="-128"/>
+                <a:cs typeface="ＭＳ Ｐゴシック" charset="-128"/>
+              </a:rPr>
+              <a:t>Roadmap</a:t>
+            </a:r>
+          </a:p>
+        </p:txBody>
+      </p:sp>
+      <p:sp>
+        <p:nvSpPr>
+          <p:cNvPr id="22533" name="Rectangle 3"/>
+          <p:cNvSpPr>
+            <a:spLocks noGrp="1" noChangeArrowheads="1"/>
+          </p:cNvSpPr>
+          <p:nvPr>
+            <p:ph type="body" idx="1"/>
+          </p:nvPr>
+        </p:nvSpPr>
+        <p:spPr/>
+        <p:txBody>
+          <a:bodyPr/>
+          <a:lstStyle/>
+          <a:p>
+            <a:r>
+              <a:rPr lang="en-US" dirty="0">
+                <a:ea typeface="ＭＳ Ｐゴシック" charset="-128"/>
+                <a:cs typeface="ＭＳ Ｐゴシック" charset="-128"/>
+              </a:rPr>
+              <a:t>Introduction – Motivation</a:t>
+            </a:r>
+          </a:p>
+          <a:p>
+            <a:r>
+              <a:rPr lang="en-US" dirty="0">
+                <a:ea typeface="ＭＳ Ｐゴシック" charset="-128"/>
+                <a:cs typeface="ＭＳ Ｐゴシック" charset="-128"/>
+              </a:rPr>
+              <a:t>Past</a:t>
+            </a:r>
+          </a:p>
+          <a:p>
+            <a:r>
+              <a:rPr lang="en-US" dirty="0">
+                <a:ea typeface="ＭＳ Ｐゴシック" charset="-128"/>
+                <a:cs typeface="ＭＳ Ｐゴシック" charset="-128"/>
+              </a:rPr>
+              <a:t>Present</a:t>
+            </a:r>
+          </a:p>
+          <a:p>
+            <a:r>
+              <a:rPr lang="en-US" dirty="0">
+                <a:ea typeface="ＭＳ Ｐゴシック" charset="-128"/>
+                <a:cs typeface="ＭＳ Ｐゴシック" charset="-128"/>
+              </a:rPr>
+              <a:t>Future</a:t>
+            </a:r>
+          </a:p>
+          <a:p>
+            <a:pPr lvl="1"/>
+            <a:r>
+              <a:rPr lang="en-US" dirty="0">
+                <a:ea typeface="ＭＳ Ｐゴシック" charset="-128"/>
+                <a:cs typeface="ＭＳ Ｐゴシック" charset="-128"/>
+              </a:rPr>
+              <a:t>Q1) definition?</a:t>
+            </a:r>
+          </a:p>
+          <a:p>
+            <a:pPr lvl="1"/>
+            <a:r>
+              <a:rPr lang="en-US" dirty="0">
+                <a:ea typeface="ＭＳ Ｐゴシック" charset="-128"/>
+                <a:cs typeface="ＭＳ Ｐゴシック" charset="-128"/>
+              </a:rPr>
+              <a:t>Q2) automation?</a:t>
+            </a:r>
+          </a:p>
+          <a:p>
+            <a:pPr lvl="1"/>
+            <a:r>
+              <a:rPr lang="en-US" dirty="0">
+                <a:ea typeface="ＭＳ Ｐゴシック" charset="-128"/>
+                <a:cs typeface="ＭＳ Ｐゴシック" charset="-128"/>
+              </a:rPr>
+              <a:t>Q3) next steps?</a:t>
+            </a:r>
+          </a:p>
+        </p:txBody>
+      </p:sp>
+      <p:sp>
+        <p:nvSpPr>
+          <p:cNvPr id="22534" name="AutoShape 4"/>
+          <p:cNvSpPr>
+            <a:spLocks noChangeArrowheads="1"/>
+          </p:cNvSpPr>
+          <p:nvPr/>
+        </p:nvSpPr>
+        <p:spPr bwMode="auto">
+          <a:xfrm>
+            <a:off x="307975" y="4480037"/>
+            <a:ext cx="377825" cy="290513"/>
+          </a:xfrm>
+          <a:prstGeom prst="rightArrow">
+            <a:avLst>
+              <a:gd name="adj1" fmla="val 50000"/>
+              <a:gd name="adj2" fmla="val 32514"/>
+            </a:avLst>
+          </a:prstGeom>
+          <a:solidFill>
+            <a:schemeClr val="tx2"/>
+          </a:solidFill>
+          <a:ln w="28575">
+            <a:solidFill>
+              <a:schemeClr val="tx2"/>
+            </a:solidFill>
+            <a:miter lim="800000"/>
+            <a:headEnd type="none" w="sm" len="sm"/>
+            <a:tailEnd/>
+          </a:ln>
+        </p:spPr>
+        <p:txBody>
+          <a:bodyPr wrap="none" anchor="ctr">
+            <a:prstTxWarp prst="textNoShape">
+              <a:avLst/>
+            </a:prstTxWarp>
+          </a:bodyPr>
+          <a:lstStyle/>
+          <a:p>
+            <a:endParaRPr lang="en-US"/>
+          </a:p>
+        </p:txBody>
+      </p:sp>
+      <p:sp>
+        <p:nvSpPr>
+          <p:cNvPr id="22535" name="Date Placeholder 7"/>
+          <p:cNvSpPr>
+            <a:spLocks noGrp="1"/>
+          </p:cNvSpPr>
+          <p:nvPr>
+            <p:ph type="dt" sz="quarter" idx="10"/>
+          </p:nvPr>
+        </p:nvSpPr>
+        <p:spPr>
+          <a:noFill/>
+        </p:spPr>
+        <p:txBody>
+          <a:bodyPr/>
+          <a:lstStyle/>
+          <a:p>
+            <a:r>
+              <a:rPr lang="en-US"/>
+              <a:t>PAKDD 2021</a:t>
+            </a:r>
+          </a:p>
+        </p:txBody>
+      </p:sp>
+      <p:pic>
+        <p:nvPicPr>
+          <p:cNvPr id="8" name="Picture 7" descr="energygen-roads.jpg"/>
+          <p:cNvPicPr>
+            <a:picLocks noChangeAspect="1"/>
+          </p:cNvPicPr>
+          <p:nvPr/>
+        </p:nvPicPr>
+        <p:blipFill>
+          <a:blip r:embed="rId3" cstate="screen">
             <a:extLst>
-              <a:ext uri="{FF2B5EF4-FFF2-40B4-BE49-F238E27FC236}">
-                <a16:creationId xmlns:a16="http://schemas.microsoft.com/office/drawing/2014/main" id="{73B7C5C5-1DB8-F74C-B24F-5BD97BE15399}"/>
+              <a:ext uri="{28A0092B-C50C-407E-A947-70E740481C1C}">
+                <a14:useLocalDpi xmlns:a14="http://schemas.microsoft.com/office/drawing/2010/main"/>
               </a:ext>
             </a:extLst>
-          </p:cNvPr>
-          <p:cNvSpPr>
-            <a:spLocks noGrp="1"/>
-          </p:cNvSpPr>
-          <p:nvPr>
-            <p:ph type="title"/>
-          </p:nvPr>
-        </p:nvSpPr>
-        <p:spPr/>
-        <p:txBody>
-          <a:bodyPr/>
-          <a:lstStyle/>
-          <a:p>
-            <a:endParaRPr lang="en-US"/>
-          </a:p>
-        </p:txBody>
-      </p:sp>
-      <p:pic>
-        <p:nvPicPr>
-          <p:cNvPr id="8" name="Content Placeholder 7" descr="Text&#10;&#10;Description automatically generated">
-            <a:extLst>
-              <a:ext uri="{FF2B5EF4-FFF2-40B4-BE49-F238E27FC236}">
-                <a16:creationId xmlns:a16="http://schemas.microsoft.com/office/drawing/2014/main" id="{5225C6C2-2195-C048-A777-D0024756A0B1}"/>
-              </a:ext>
-            </a:extLst>
-          </p:cNvPr>
-          <p:cNvPicPr>
-            <a:picLocks noGrp="1" noChangeAspect="1"/>
-          </p:cNvPicPr>
-          <p:nvPr>
-            <p:ph idx="1"/>
-          </p:nvPr>
-        </p:nvPicPr>
-        <p:blipFill>
-          <a:blip r:embed="rId2"/>
+          </a:blip>
+          <a:srcRect/>
           <a:stretch>
             <a:fillRect/>
           </a:stretch>
         </p:blipFill>
-        <p:spPr>
+        <p:spPr bwMode="auto">
           <a:xfrm>
-            <a:off x="825500" y="2749550"/>
-            <a:ext cx="7493000" cy="2044700"/>
+            <a:off x="6267450" y="1371600"/>
+            <a:ext cx="2457450" cy="1212850"/>
           </a:xfrm>
+          <a:prstGeom prst="rect">
+            <a:avLst/>
+          </a:prstGeom>
+          <a:noFill/>
+          <a:ln w="9525">
+            <a:noFill/>
+            <a:miter lim="800000"/>
+            <a:headEnd/>
+            <a:tailEnd/>
+          </a:ln>
         </p:spPr>
       </p:pic>
-      <p:sp>
-        <p:nvSpPr>
-          <p:cNvPr id="4" name="Date Placeholder 3">
-            <a:extLst>
-              <a:ext uri="{FF2B5EF4-FFF2-40B4-BE49-F238E27FC236}">
-                <a16:creationId xmlns:a16="http://schemas.microsoft.com/office/drawing/2014/main" id="{86D77B73-DE0B-CE4C-B495-E89EFCE54422}"/>
-              </a:ext>
-            </a:extLst>
-          </p:cNvPr>
-          <p:cNvSpPr>
-            <a:spLocks noGrp="1"/>
-          </p:cNvSpPr>
-          <p:nvPr>
-            <p:ph type="dt" sz="half" idx="10"/>
-          </p:nvPr>
-        </p:nvSpPr>
-        <p:spPr/>
-        <p:txBody>
-          <a:bodyPr/>
-          <a:lstStyle/>
-          <a:p>
-            <a:pPr>
-              <a:defRPr/>
-            </a:pPr>
-            <a:r>
-              <a:rPr lang="en-US"/>
-              <a:t>PAKDD 2021</a:t>
-            </a:r>
-          </a:p>
-        </p:txBody>
-      </p:sp>
-      <p:sp>
-        <p:nvSpPr>
-          <p:cNvPr id="5" name="Footer Placeholder 4">
-            <a:extLst>
-              <a:ext uri="{FF2B5EF4-FFF2-40B4-BE49-F238E27FC236}">
-                <a16:creationId xmlns:a16="http://schemas.microsoft.com/office/drawing/2014/main" id="{99BBAF31-59DE-B24B-A8EB-85E50ECF0F96}"/>
-              </a:ext>
-            </a:extLst>
-          </p:cNvPr>
-          <p:cNvSpPr>
-            <a:spLocks noGrp="1"/>
-          </p:cNvSpPr>
-          <p:nvPr>
-            <p:ph type="ftr" sz="quarter" idx="11"/>
-          </p:nvPr>
-        </p:nvSpPr>
-        <p:spPr/>
-        <p:txBody>
-          <a:bodyPr/>
-          <a:lstStyle/>
-          <a:p>
-            <a:pPr>
-              <a:defRPr/>
-            </a:pPr>
-            <a:r>
-              <a:rPr lang="fi-FI"/>
-              <a:t>L. Akoglu, M. McGlohon, C. Faloutsos</a:t>
-            </a:r>
-            <a:endParaRPr lang="en-US"/>
-          </a:p>
-        </p:txBody>
-      </p:sp>
-      <p:sp>
-        <p:nvSpPr>
-          <p:cNvPr id="6" name="Slide Number Placeholder 5">
-            <a:extLst>
-              <a:ext uri="{FF2B5EF4-FFF2-40B4-BE49-F238E27FC236}">
-                <a16:creationId xmlns:a16="http://schemas.microsoft.com/office/drawing/2014/main" id="{FFF1C959-FDC1-964E-A40E-B9241F8C8C86}"/>
-              </a:ext>
-            </a:extLst>
-          </p:cNvPr>
-          <p:cNvSpPr>
-            <a:spLocks noGrp="1"/>
-          </p:cNvSpPr>
-          <p:nvPr>
-            <p:ph type="sldNum" sz="quarter" idx="12"/>
-          </p:nvPr>
-        </p:nvSpPr>
-        <p:spPr/>
-        <p:txBody>
-          <a:bodyPr/>
-          <a:lstStyle/>
-          <a:p>
-            <a:pPr>
-              <a:defRPr/>
-            </a:pPr>
-            <a:fld id="{F9B43987-7F84-BB4A-8611-CDF75B6A737D}" type="slidenum">
-              <a:rPr lang="en-US" smtClean="0"/>
-              <a:pPr>
-                <a:defRPr/>
-              </a:pPr>
-              <a:t>7</a:t>
-            </a:fld>
-            <a:endParaRPr lang="en-US"/>
-          </a:p>
-        </p:txBody>
-      </p:sp>
     </p:spTree>
     <p:extLst>
       <p:ext uri="{BB962C8B-B14F-4D97-AF65-F5344CB8AC3E}">
-        <p14:creationId xmlns:p14="http://schemas.microsoft.com/office/powerpoint/2010/main" val="434287321"/>
+        <p14:creationId xmlns:p14="http://schemas.microsoft.com/office/powerpoint/2010/main" val="3222073294"/>
       </p:ext>
     </p:extLst>
   </p:cSld>
@@ -11942,7 +11799,7 @@
           <p:cNvPr id="2" name="Title 1">
             <a:extLst>
               <a:ext uri="{FF2B5EF4-FFF2-40B4-BE49-F238E27FC236}">
-                <a16:creationId xmlns:a16="http://schemas.microsoft.com/office/drawing/2014/main" id="{C8B244A8-199A-3549-A4F9-C1D2EBFB42FD}"/>
+                <a16:creationId xmlns:a16="http://schemas.microsoft.com/office/drawing/2014/main" id="{73B7C5C5-1DB8-F74C-B24F-5BD97BE15399}"/>
               </a:ext>
             </a:extLst>
           </p:cNvPr>
@@ -11958,16 +11815,19 @@
           <a:bodyPr/>
           <a:lstStyle/>
           <a:p>
-            <a:endParaRPr lang="en-US"/>
+            <a:r>
+              <a:rPr lang="en-US" dirty="0"/>
+              <a:t>Q2) automation?</a:t>
+            </a:r>
           </a:p>
         </p:txBody>
       </p:sp>
       <p:pic>
         <p:nvPicPr>
-          <p:cNvPr id="8" name="Content Placeholder 7" descr="Chart&#10;&#10;Description automatically generated with medium confidence">
+          <p:cNvPr id="8" name="Content Placeholder 7" descr="Text&#10;&#10;Description automatically generated">
             <a:extLst>
               <a:ext uri="{FF2B5EF4-FFF2-40B4-BE49-F238E27FC236}">
-                <a16:creationId xmlns:a16="http://schemas.microsoft.com/office/drawing/2014/main" id="{6BC27F11-3F73-4D41-8D35-36943EF56758}"/>
+                <a16:creationId xmlns:a16="http://schemas.microsoft.com/office/drawing/2014/main" id="{5225C6C2-2195-C048-A777-D0024756A0B1}"/>
               </a:ext>
             </a:extLst>
           </p:cNvPr>
@@ -11986,8 +11846,8 @@
         </p:blipFill>
         <p:spPr>
           <a:xfrm>
-            <a:off x="939800" y="2768600"/>
-            <a:ext cx="7264400" cy="2006600"/>
+            <a:off x="825500" y="2749550"/>
+            <a:ext cx="7493000" cy="2044700"/>
           </a:xfrm>
         </p:spPr>
       </p:pic>
@@ -11996,7 +11856,7 @@
           <p:cNvPr id="4" name="Date Placeholder 3">
             <a:extLst>
               <a:ext uri="{FF2B5EF4-FFF2-40B4-BE49-F238E27FC236}">
-                <a16:creationId xmlns:a16="http://schemas.microsoft.com/office/drawing/2014/main" id="{5EFA08A9-06B6-8547-A9A2-10B24806F635}"/>
+                <a16:creationId xmlns:a16="http://schemas.microsoft.com/office/drawing/2014/main" id="{86D77B73-DE0B-CE4C-B495-E89EFCE54422}"/>
               </a:ext>
             </a:extLst>
           </p:cNvPr>
@@ -12027,7 +11887,7 @@
           <p:cNvPr id="5" name="Footer Placeholder 4">
             <a:extLst>
               <a:ext uri="{FF2B5EF4-FFF2-40B4-BE49-F238E27FC236}">
-                <a16:creationId xmlns:a16="http://schemas.microsoft.com/office/drawing/2014/main" id="{66FD98B2-EDCA-BE4E-8565-93AE8D15716C}"/>
+                <a16:creationId xmlns:a16="http://schemas.microsoft.com/office/drawing/2014/main" id="{99BBAF31-59DE-B24B-A8EB-85E50ECF0F96}"/>
               </a:ext>
             </a:extLst>
           </p:cNvPr>
@@ -12059,7 +11919,7 @@
           <p:cNvPr id="6" name="Slide Number Placeholder 5">
             <a:extLst>
               <a:ext uri="{FF2B5EF4-FFF2-40B4-BE49-F238E27FC236}">
-                <a16:creationId xmlns:a16="http://schemas.microsoft.com/office/drawing/2014/main" id="{26E2CBF9-A6F2-2547-A0DD-41936837FC1C}"/>
+                <a16:creationId xmlns:a16="http://schemas.microsoft.com/office/drawing/2014/main" id="{FFF1C959-FDC1-964E-A40E-B9241F8C8C86}"/>
               </a:ext>
             </a:extLst>
           </p:cNvPr>
@@ -12092,7 +11952,7 @@
     </p:spTree>
     <p:extLst>
       <p:ext uri="{BB962C8B-B14F-4D97-AF65-F5344CB8AC3E}">
-        <p14:creationId xmlns:p14="http://schemas.microsoft.com/office/powerpoint/2010/main" val="1983870279"/>
+        <p14:creationId xmlns:p14="http://schemas.microsoft.com/office/powerpoint/2010/main" val="434287321"/>
       </p:ext>
     </p:extLst>
   </p:cSld>
@@ -12125,7 +11985,7 @@
           <p:cNvPr id="2" name="Title 1">
             <a:extLst>
               <a:ext uri="{FF2B5EF4-FFF2-40B4-BE49-F238E27FC236}">
-                <a16:creationId xmlns:a16="http://schemas.microsoft.com/office/drawing/2014/main" id="{5D7DDBE1-1E7A-E24F-AB5E-8960C93510EE}"/>
+                <a16:creationId xmlns:a16="http://schemas.microsoft.com/office/drawing/2014/main" id="{C8B244A8-199A-3549-A4F9-C1D2EBFB42FD}"/>
               </a:ext>
             </a:extLst>
           </p:cNvPr>
@@ -12147,10 +12007,10 @@
       </p:sp>
       <p:pic>
         <p:nvPicPr>
-          <p:cNvPr id="8" name="Content Placeholder 7" descr="Graphical user interface, application&#10;&#10;Description automatically generated">
+          <p:cNvPr id="8" name="Content Placeholder 7" descr="Chart&#10;&#10;Description automatically generated with medium confidence">
             <a:extLst>
               <a:ext uri="{FF2B5EF4-FFF2-40B4-BE49-F238E27FC236}">
-                <a16:creationId xmlns:a16="http://schemas.microsoft.com/office/drawing/2014/main" id="{2868651C-064D-CE40-A67A-52A8E24D28E9}"/>
+                <a16:creationId xmlns:a16="http://schemas.microsoft.com/office/drawing/2014/main" id="{6BC27F11-3F73-4D41-8D35-36943EF56758}"/>
               </a:ext>
             </a:extLst>
           </p:cNvPr>
@@ -12169,8 +12029,8 @@
         </p:blipFill>
         <p:spPr>
           <a:xfrm>
-            <a:off x="1250950" y="2813050"/>
-            <a:ext cx="6642100" cy="1917700"/>
+            <a:off x="-133531" y="2129220"/>
+            <a:ext cx="9411062" cy="2599559"/>
           </a:xfrm>
         </p:spPr>
       </p:pic>
@@ -12179,7 +12039,7 @@
           <p:cNvPr id="4" name="Date Placeholder 3">
             <a:extLst>
               <a:ext uri="{FF2B5EF4-FFF2-40B4-BE49-F238E27FC236}">
-                <a16:creationId xmlns:a16="http://schemas.microsoft.com/office/drawing/2014/main" id="{466486AD-A7A7-6241-8809-8974D84F31D2}"/>
+                <a16:creationId xmlns:a16="http://schemas.microsoft.com/office/drawing/2014/main" id="{5EFA08A9-06B6-8547-A9A2-10B24806F635}"/>
               </a:ext>
             </a:extLst>
           </p:cNvPr>
@@ -12210,7 +12070,7 @@
           <p:cNvPr id="5" name="Footer Placeholder 4">
             <a:extLst>
               <a:ext uri="{FF2B5EF4-FFF2-40B4-BE49-F238E27FC236}">
-                <a16:creationId xmlns:a16="http://schemas.microsoft.com/office/drawing/2014/main" id="{F398E5F7-3D25-CD47-80BD-A864D9A73436}"/>
+                <a16:creationId xmlns:a16="http://schemas.microsoft.com/office/drawing/2014/main" id="{66FD98B2-EDCA-BE4E-8565-93AE8D15716C}"/>
               </a:ext>
             </a:extLst>
           </p:cNvPr>
@@ -12242,7 +12102,7 @@
           <p:cNvPr id="6" name="Slide Number Placeholder 5">
             <a:extLst>
               <a:ext uri="{FF2B5EF4-FFF2-40B4-BE49-F238E27FC236}">
-                <a16:creationId xmlns:a16="http://schemas.microsoft.com/office/drawing/2014/main" id="{64514D71-7FD5-3F4D-AB73-1E2A43CF4716}"/>
+                <a16:creationId xmlns:a16="http://schemas.microsoft.com/office/drawing/2014/main" id="{26E2CBF9-A6F2-2547-A0DD-41936837FC1C}"/>
               </a:ext>
             </a:extLst>
           </p:cNvPr>
@@ -12275,7 +12135,7 @@
     </p:spTree>
     <p:extLst>
       <p:ext uri="{BB962C8B-B14F-4D97-AF65-F5344CB8AC3E}">
-        <p14:creationId xmlns:p14="http://schemas.microsoft.com/office/powerpoint/2010/main" val="743589915"/>
+        <p14:creationId xmlns:p14="http://schemas.microsoft.com/office/powerpoint/2010/main" val="1983870279"/>
       </p:ext>
     </p:extLst>
   </p:cSld>

--- a/P3_future_OddBall_ToT.pptx
+++ b/P3_future_OddBall_ToT.pptx
@@ -5,10 +5,10 @@
     <p:sldMasterId id="2147483656" r:id="rId1"/>
   </p:sldMasterIdLst>
   <p:notesMasterIdLst>
-    <p:notesMasterId r:id="rId62"/>
+    <p:notesMasterId r:id="rId63"/>
   </p:notesMasterIdLst>
   <p:handoutMasterIdLst>
-    <p:handoutMasterId r:id="rId63"/>
+    <p:handoutMasterId r:id="rId64"/>
   </p:handoutMasterIdLst>
   <p:sldIdLst>
     <p:sldId id="1334" r:id="rId2"/>
@@ -66,11 +66,12 @@
     <p:sldId id="3444" r:id="rId54"/>
     <p:sldId id="3460" r:id="rId55"/>
     <p:sldId id="659" r:id="rId56"/>
-    <p:sldId id="3455" r:id="rId57"/>
-    <p:sldId id="2516" r:id="rId58"/>
-    <p:sldId id="3463" r:id="rId59"/>
-    <p:sldId id="2994" r:id="rId60"/>
-    <p:sldId id="3470" r:id="rId61"/>
+    <p:sldId id="3471" r:id="rId57"/>
+    <p:sldId id="3455" r:id="rId58"/>
+    <p:sldId id="2516" r:id="rId59"/>
+    <p:sldId id="3463" r:id="rId60"/>
+    <p:sldId id="2994" r:id="rId61"/>
+    <p:sldId id="3470" r:id="rId62"/>
   </p:sldIdLst>
   <p:sldSz cx="9144000" cy="6858000" type="screen4x3"/>
   <p:notesSz cx="7315200" cy="9601200"/>
@@ -1150,7 +1151,7 @@
               <a:pPr>
                 <a:defRPr/>
               </a:pPr>
-              <a:t>60</a:t>
+              <a:t>61</a:t>
             </a:fld>
             <a:endParaRPr lang="en-US"/>
           </a:p>
@@ -1977,7 +1978,7 @@
             <a:fld id="{CFD20FB9-378C-F043-843C-480363C51D11}" type="slidenum">
               <a:rPr lang="en-US" smtClean="0"/>
               <a:pPr/>
-              <a:t>57</a:t>
+              <a:t>58</a:t>
             </a:fld>
             <a:endParaRPr lang="en-US"/>
           </a:p>
@@ -2118,7 +2119,7 @@
             <a:fld id="{CFD20FB9-378C-F043-843C-480363C51D11}" type="slidenum">
               <a:rPr lang="en-US" smtClean="0"/>
               <a:pPr/>
-              <a:t>58</a:t>
+              <a:t>59</a:t>
             </a:fld>
             <a:endParaRPr lang="en-US"/>
           </a:p>
@@ -2233,7 +2234,7 @@
               <a:pPr>
                 <a:defRPr/>
               </a:pPr>
-              <a:t>59</a:t>
+              <a:t>60</a:t>
             </a:fld>
             <a:endParaRPr lang="en-US"/>
           </a:p>
@@ -39894,7 +39895,7 @@
 </file>
 
 <file path=ppt/slides/slide51.xml><?xml version="1.0" encoding="utf-8"?>
-<p:sld xmlns:a="http://schemas.openxmlformats.org/drawingml/2006/main" xmlns:r="http://schemas.openxmlformats.org/officeDocument/2006/relationships" xmlns:p="http://schemas.openxmlformats.org/presentationml/2006/main">
+<p:sld xmlns:a="http://schemas.openxmlformats.org/drawingml/2006/main" xmlns:r="http://schemas.openxmlformats.org/officeDocument/2006/relationships" xmlns:p="http://schemas.openxmlformats.org/presentationml/2006/main" show="0">
   <p:cSld>
     <p:spTree>
       <p:nvGrpSpPr>
@@ -40200,7 +40201,7 @@
 </file>
 
 <file path=ppt/slides/slide52.xml><?xml version="1.0" encoding="utf-8"?>
-<p:sld xmlns:a="http://schemas.openxmlformats.org/drawingml/2006/main" xmlns:r="http://schemas.openxmlformats.org/officeDocument/2006/relationships" xmlns:p="http://schemas.openxmlformats.org/presentationml/2006/main">
+<p:sld xmlns:a="http://schemas.openxmlformats.org/drawingml/2006/main" xmlns:r="http://schemas.openxmlformats.org/officeDocument/2006/relationships" xmlns:p="http://schemas.openxmlformats.org/presentationml/2006/main" show="0">
   <p:cSld>
     <p:spTree>
       <p:nvGrpSpPr>
@@ -41137,7 +41138,7 @@
 </file>
 
 <file path=ppt/slides/slide53.xml><?xml version="1.0" encoding="utf-8"?>
-<p:sld xmlns:a="http://schemas.openxmlformats.org/drawingml/2006/main" xmlns:r="http://schemas.openxmlformats.org/officeDocument/2006/relationships" xmlns:p="http://schemas.openxmlformats.org/presentationml/2006/main">
+<p:sld xmlns:a="http://schemas.openxmlformats.org/drawingml/2006/main" xmlns:r="http://schemas.openxmlformats.org/officeDocument/2006/relationships" xmlns:p="http://schemas.openxmlformats.org/presentationml/2006/main" show="0">
   <p:cSld>
     <p:spTree>
       <p:nvGrpSpPr>
@@ -41365,14 +41366,14 @@
           </a:ln>
           <a:extLst>
             <a:ext uri="{909E8E84-426E-40dd-AFC4-6F175D3DCCD1}">
-              <a14:hiddenFill xmlns:a14="http://schemas.microsoft.com/office/drawing/2010/main" xmlns="">
+              <a14:hiddenFill xmlns="" xmlns:a14="http://schemas.microsoft.com/office/drawing/2010/main">
                 <a:solidFill>
                   <a:srgbClr val="FFFFFF"/>
                 </a:solidFill>
               </a14:hiddenFill>
             </a:ext>
             <a:ext uri="{91240B29-F687-4f45-9708-019B960494DF}">
-              <a14:hiddenLine xmlns:a14="http://schemas.microsoft.com/office/drawing/2010/main" xmlns="" w="9525">
+              <a14:hiddenLine xmlns="" xmlns:a14="http://schemas.microsoft.com/office/drawing/2010/main" w="9525">
                 <a:solidFill>
                   <a:srgbClr val="000000"/>
                 </a:solidFill>
@@ -41686,14 +41687,14 @@
             </a:ln>
             <a:extLst>
               <a:ext uri="{909E8E84-426E-40dd-AFC4-6F175D3DCCD1}">
-                <a14:hiddenFill xmlns:a14="http://schemas.microsoft.com/office/drawing/2010/main" xmlns="">
+                <a14:hiddenFill xmlns="" xmlns:a14="http://schemas.microsoft.com/office/drawing/2010/main">
                   <a:solidFill>
                     <a:srgbClr val="FFFFFF"/>
                   </a:solidFill>
                 </a14:hiddenFill>
               </a:ext>
               <a:ext uri="{91240B29-F687-4f45-9708-019B960494DF}">
-                <a14:hiddenLine xmlns:a14="http://schemas.microsoft.com/office/drawing/2010/main" xmlns="" w="9525">
+                <a14:hiddenLine xmlns="" xmlns:a14="http://schemas.microsoft.com/office/drawing/2010/main" w="9525">
                   <a:solidFill>
                     <a:srgbClr val="000000"/>
                   </a:solidFill>
@@ -41828,7 +41829,7 @@
 </file>
 
 <file path=ppt/slides/slide54.xml><?xml version="1.0" encoding="utf-8"?>
-<p:sld xmlns:a="http://schemas.openxmlformats.org/drawingml/2006/main" xmlns:r="http://schemas.openxmlformats.org/officeDocument/2006/relationships" xmlns:p="http://schemas.openxmlformats.org/presentationml/2006/main">
+<p:sld xmlns:a="http://schemas.openxmlformats.org/drawingml/2006/main" xmlns:r="http://schemas.openxmlformats.org/officeDocument/2006/relationships" xmlns:p="http://schemas.openxmlformats.org/presentationml/2006/main" show="0">
   <p:cSld>
     <p:spTree>
       <p:nvGrpSpPr>
@@ -42056,14 +42057,14 @@
           </a:ln>
           <a:extLst>
             <a:ext uri="{909E8E84-426E-40dd-AFC4-6F175D3DCCD1}">
-              <a14:hiddenFill xmlns:a14="http://schemas.microsoft.com/office/drawing/2010/main" xmlns="">
+              <a14:hiddenFill xmlns="" xmlns:a14="http://schemas.microsoft.com/office/drawing/2010/main">
                 <a:solidFill>
                   <a:srgbClr val="FFFFFF"/>
                 </a:solidFill>
               </a14:hiddenFill>
             </a:ext>
             <a:ext uri="{91240B29-F687-4f45-9708-019B960494DF}">
-              <a14:hiddenLine xmlns:a14="http://schemas.microsoft.com/office/drawing/2010/main" xmlns="" w="9525">
+              <a14:hiddenLine xmlns="" xmlns:a14="http://schemas.microsoft.com/office/drawing/2010/main" w="9525">
                 <a:solidFill>
                   <a:srgbClr val="000000"/>
                 </a:solidFill>
@@ -42411,7 +42412,7 @@
 </file>
 
 <file path=ppt/slides/slide55.xml><?xml version="1.0" encoding="utf-8"?>
-<p:sld xmlns:a="http://schemas.openxmlformats.org/drawingml/2006/main" xmlns:r="http://schemas.openxmlformats.org/officeDocument/2006/relationships" xmlns:p="http://schemas.openxmlformats.org/presentationml/2006/main">
+<p:sld xmlns:a="http://schemas.openxmlformats.org/drawingml/2006/main" xmlns:r="http://schemas.openxmlformats.org/officeDocument/2006/relationships" xmlns:p="http://schemas.openxmlformats.org/presentationml/2006/main" show="0">
   <p:cSld>
     <p:spTree>
       <p:nvGrpSpPr>
@@ -43064,14 +43065,14 @@
           </a:ln>
           <a:extLst>
             <a:ext uri="{909E8E84-426E-40dd-AFC4-6F175D3DCCD1}">
-              <a14:hiddenFill xmlns:a14="http://schemas.microsoft.com/office/drawing/2010/main" xmlns="">
+              <a14:hiddenFill xmlns="" xmlns:a14="http://schemas.microsoft.com/office/drawing/2010/main">
                 <a:solidFill>
                   <a:srgbClr val="FFFFFF"/>
                 </a:solidFill>
               </a14:hiddenFill>
             </a:ext>
             <a:ext uri="{91240B29-F687-4f45-9708-019B960494DF}">
-              <a14:hiddenLine xmlns:a14="http://schemas.microsoft.com/office/drawing/2010/main" xmlns="" w="9525">
+              <a14:hiddenLine xmlns="" xmlns:a14="http://schemas.microsoft.com/office/drawing/2010/main" w="9525">
                 <a:solidFill>
                   <a:srgbClr val="000000"/>
                 </a:solidFill>
@@ -43256,6 +43257,1138 @@
       </p:grpSpPr>
       <p:sp>
         <p:nvSpPr>
+          <p:cNvPr id="81922" name="Title 1">
+            <a:extLst>
+              <a:ext uri="{FF2B5EF4-FFF2-40B4-BE49-F238E27FC236}">
+                <a16:creationId xmlns:a16="http://schemas.microsoft.com/office/drawing/2014/main" id="{1BE0BAB2-3063-2749-B74D-240C4999B721}"/>
+              </a:ext>
+            </a:extLst>
+          </p:cNvPr>
+          <p:cNvSpPr>
+            <a:spLocks noGrp="1"/>
+          </p:cNvSpPr>
+          <p:nvPr>
+            <p:ph type="title"/>
+          </p:nvPr>
+        </p:nvSpPr>
+        <p:spPr/>
+        <p:txBody>
+          <a:bodyPr/>
+          <a:lstStyle/>
+          <a:p>
+            <a:r>
+              <a:rPr lang="en-US" altLang="en-US" dirty="0">
+                <a:ea typeface="ＭＳ Ｐゴシック" panose="020B0600070205080204" pitchFamily="34" charset="-128"/>
+              </a:rPr>
+              <a:t>Q3.2) How can we find better models?</a:t>
+            </a:r>
+          </a:p>
+        </p:txBody>
+      </p:sp>
+      <p:sp>
+        <p:nvSpPr>
+          <p:cNvPr id="81923" name="Content Placeholder 2">
+            <a:extLst>
+              <a:ext uri="{FF2B5EF4-FFF2-40B4-BE49-F238E27FC236}">
+                <a16:creationId xmlns:a16="http://schemas.microsoft.com/office/drawing/2014/main" id="{26B63CB6-7ACE-314D-8F3F-E273F467CD04}"/>
+              </a:ext>
+            </a:extLst>
+          </p:cNvPr>
+          <p:cNvSpPr>
+            <a:spLocks noGrp="1"/>
+          </p:cNvSpPr>
+          <p:nvPr>
+            <p:ph idx="1"/>
+          </p:nvPr>
+        </p:nvSpPr>
+        <p:spPr/>
+        <p:txBody>
+          <a:bodyPr/>
+          <a:lstStyle/>
+          <a:p>
+            <a:pPr marL="57150" indent="0">
+              <a:buNone/>
+            </a:pPr>
+            <a:endParaRPr lang="en-US" altLang="en-US" dirty="0">
+              <a:ea typeface="ＭＳ Ｐゴシック" panose="020B0600070205080204" pitchFamily="34" charset="-128"/>
+            </a:endParaRPr>
+          </a:p>
+          <a:p>
+            <a:pPr marL="57150" indent="0">
+              <a:buNone/>
+            </a:pPr>
+            <a:r>
+              <a:rPr lang="en-US" altLang="en-US" dirty="0">
+                <a:ea typeface="ＭＳ Ｐゴシック" panose="020B0600070205080204" pitchFamily="34" charset="-128"/>
+              </a:rPr>
+              <a:t>A3.2) Domain experts / cross-disciplinarity</a:t>
+            </a:r>
+          </a:p>
+        </p:txBody>
+      </p:sp>
+      <p:sp>
+        <p:nvSpPr>
+          <p:cNvPr id="81924" name="Date Placeholder 3">
+            <a:extLst>
+              <a:ext uri="{FF2B5EF4-FFF2-40B4-BE49-F238E27FC236}">
+                <a16:creationId xmlns:a16="http://schemas.microsoft.com/office/drawing/2014/main" id="{7A53E914-0B76-3A4F-A07E-75477A5E08A5}"/>
+              </a:ext>
+            </a:extLst>
+          </p:cNvPr>
+          <p:cNvSpPr>
+            <a:spLocks noGrp="1"/>
+          </p:cNvSpPr>
+          <p:nvPr>
+            <p:ph type="dt" sz="quarter" idx="10"/>
+          </p:nvPr>
+        </p:nvSpPr>
+        <p:spPr>
+          <a:noFill/>
+          <a:ln/>
+          <a:extLst>
+            <a:ext uri="{909E8E84-426E-40DD-AFC4-6F175D3DCCD1}">
+              <a14:hiddenFill xmlns:a14="http://schemas.microsoft.com/office/drawing/2010/main">
+                <a:solidFill>
+                  <a:srgbClr val="FFFFFF"/>
+                </a:solidFill>
+              </a14:hiddenFill>
+            </a:ext>
+            <a:ext uri="{91240B29-F687-4F45-9708-019B960494DF}">
+              <a14:hiddenLine xmlns:a14="http://schemas.microsoft.com/office/drawing/2010/main" w="9525">
+                <a:solidFill>
+                  <a:srgbClr val="000000"/>
+                </a:solidFill>
+                <a:miter lim="800000"/>
+                <a:headEnd/>
+                <a:tailEnd/>
+              </a14:hiddenLine>
+            </a:ext>
+          </a:extLst>
+        </p:spPr>
+        <p:txBody>
+          <a:bodyPr/>
+          <a:lstStyle>
+            <a:lvl1pPr>
+              <a:defRPr sz="2800" u="sng">
+                <a:solidFill>
+                  <a:schemeClr val="tx1"/>
+                </a:solidFill>
+                <a:latin typeface="Times New Roman" panose="02020603050405020304" pitchFamily="18" charset="0"/>
+                <a:ea typeface="ＭＳ Ｐゴシック" panose="020B0600070205080204" pitchFamily="34" charset="-128"/>
+              </a:defRPr>
+            </a:lvl1pPr>
+            <a:lvl2pPr marL="37931725" indent="-37474525">
+              <a:defRPr sz="2800" u="sng">
+                <a:solidFill>
+                  <a:schemeClr val="tx1"/>
+                </a:solidFill>
+                <a:latin typeface="Times New Roman" panose="02020603050405020304" pitchFamily="18" charset="0"/>
+                <a:ea typeface="ＭＳ Ｐゴシック" panose="020B0600070205080204" pitchFamily="34" charset="-128"/>
+              </a:defRPr>
+            </a:lvl2pPr>
+            <a:lvl3pPr>
+              <a:defRPr sz="2800" u="sng">
+                <a:solidFill>
+                  <a:schemeClr val="tx1"/>
+                </a:solidFill>
+                <a:latin typeface="Times New Roman" panose="02020603050405020304" pitchFamily="18" charset="0"/>
+                <a:ea typeface="ＭＳ Ｐゴシック" panose="020B0600070205080204" pitchFamily="34" charset="-128"/>
+              </a:defRPr>
+            </a:lvl3pPr>
+            <a:lvl4pPr>
+              <a:defRPr sz="2800" u="sng">
+                <a:solidFill>
+                  <a:schemeClr val="tx1"/>
+                </a:solidFill>
+                <a:latin typeface="Times New Roman" panose="02020603050405020304" pitchFamily="18" charset="0"/>
+                <a:ea typeface="ＭＳ Ｐゴシック" panose="020B0600070205080204" pitchFamily="34" charset="-128"/>
+              </a:defRPr>
+            </a:lvl4pPr>
+            <a:lvl5pPr>
+              <a:defRPr sz="2800" u="sng">
+                <a:solidFill>
+                  <a:schemeClr val="tx1"/>
+                </a:solidFill>
+                <a:latin typeface="Times New Roman" panose="02020603050405020304" pitchFamily="18" charset="0"/>
+                <a:ea typeface="ＭＳ Ｐゴシック" panose="020B0600070205080204" pitchFamily="34" charset="-128"/>
+              </a:defRPr>
+            </a:lvl5pPr>
+            <a:lvl6pPr marL="457200" eaLnBrk="0" fontAlgn="base" hangingPunct="0">
+              <a:spcBef>
+                <a:spcPct val="0"/>
+              </a:spcBef>
+              <a:spcAft>
+                <a:spcPct val="0"/>
+              </a:spcAft>
+              <a:defRPr sz="2800" u="sng">
+                <a:solidFill>
+                  <a:schemeClr val="tx1"/>
+                </a:solidFill>
+                <a:latin typeface="Times New Roman" panose="02020603050405020304" pitchFamily="18" charset="0"/>
+                <a:ea typeface="ＭＳ Ｐゴシック" panose="020B0600070205080204" pitchFamily="34" charset="-128"/>
+              </a:defRPr>
+            </a:lvl6pPr>
+            <a:lvl7pPr marL="914400" eaLnBrk="0" fontAlgn="base" hangingPunct="0">
+              <a:spcBef>
+                <a:spcPct val="0"/>
+              </a:spcBef>
+              <a:spcAft>
+                <a:spcPct val="0"/>
+              </a:spcAft>
+              <a:defRPr sz="2800" u="sng">
+                <a:solidFill>
+                  <a:schemeClr val="tx1"/>
+                </a:solidFill>
+                <a:latin typeface="Times New Roman" panose="02020603050405020304" pitchFamily="18" charset="0"/>
+                <a:ea typeface="ＭＳ Ｐゴシック" panose="020B0600070205080204" pitchFamily="34" charset="-128"/>
+              </a:defRPr>
+            </a:lvl7pPr>
+            <a:lvl8pPr marL="1371600" eaLnBrk="0" fontAlgn="base" hangingPunct="0">
+              <a:spcBef>
+                <a:spcPct val="0"/>
+              </a:spcBef>
+              <a:spcAft>
+                <a:spcPct val="0"/>
+              </a:spcAft>
+              <a:defRPr sz="2800" u="sng">
+                <a:solidFill>
+                  <a:schemeClr val="tx1"/>
+                </a:solidFill>
+                <a:latin typeface="Times New Roman" panose="02020603050405020304" pitchFamily="18" charset="0"/>
+                <a:ea typeface="ＭＳ Ｐゴシック" panose="020B0600070205080204" pitchFamily="34" charset="-128"/>
+              </a:defRPr>
+            </a:lvl8pPr>
+            <a:lvl9pPr marL="1828800" eaLnBrk="0" fontAlgn="base" hangingPunct="0">
+              <a:spcBef>
+                <a:spcPct val="0"/>
+              </a:spcBef>
+              <a:spcAft>
+                <a:spcPct val="0"/>
+              </a:spcAft>
+              <a:defRPr sz="2800" u="sng">
+                <a:solidFill>
+                  <a:schemeClr val="tx1"/>
+                </a:solidFill>
+                <a:latin typeface="Times New Roman" panose="02020603050405020304" pitchFamily="18" charset="0"/>
+                <a:ea typeface="ＭＳ Ｐゴシック" panose="020B0600070205080204" pitchFamily="34" charset="-128"/>
+              </a:defRPr>
+            </a:lvl9pPr>
+          </a:lstStyle>
+          <a:p>
+            <a:r>
+              <a:rPr lang="en-US" altLang="en-US" sz="1400" u="none"/>
+              <a:t>OddBall: PAKDD 2021 Most Influential Paper</a:t>
+            </a:r>
+          </a:p>
+        </p:txBody>
+      </p:sp>
+      <p:sp>
+        <p:nvSpPr>
+          <p:cNvPr id="81925" name="Footer Placeholder 4">
+            <a:extLst>
+              <a:ext uri="{FF2B5EF4-FFF2-40B4-BE49-F238E27FC236}">
+                <a16:creationId xmlns:a16="http://schemas.microsoft.com/office/drawing/2014/main" id="{00EF186C-3DFC-A04B-BDD5-11676550681C}"/>
+              </a:ext>
+            </a:extLst>
+          </p:cNvPr>
+          <p:cNvSpPr>
+            <a:spLocks noGrp="1"/>
+          </p:cNvSpPr>
+          <p:nvPr>
+            <p:ph type="ftr" sz="quarter" idx="11"/>
+          </p:nvPr>
+        </p:nvSpPr>
+        <p:spPr>
+          <a:noFill/>
+          <a:ln/>
+          <a:extLst>
+            <a:ext uri="{909E8E84-426E-40DD-AFC4-6F175D3DCCD1}">
+              <a14:hiddenFill xmlns:a14="http://schemas.microsoft.com/office/drawing/2010/main">
+                <a:solidFill>
+                  <a:srgbClr val="FFFFFF"/>
+                </a:solidFill>
+              </a14:hiddenFill>
+            </a:ext>
+            <a:ext uri="{91240B29-F687-4F45-9708-019B960494DF}">
+              <a14:hiddenLine xmlns:a14="http://schemas.microsoft.com/office/drawing/2010/main" w="9525">
+                <a:solidFill>
+                  <a:srgbClr val="000000"/>
+                </a:solidFill>
+                <a:miter lim="800000"/>
+                <a:headEnd/>
+                <a:tailEnd/>
+              </a14:hiddenLine>
+            </a:ext>
+          </a:extLst>
+        </p:spPr>
+        <p:txBody>
+          <a:bodyPr/>
+          <a:lstStyle>
+            <a:lvl1pPr>
+              <a:defRPr sz="2800" u="sng">
+                <a:solidFill>
+                  <a:schemeClr val="tx1"/>
+                </a:solidFill>
+                <a:latin typeface="Times New Roman" panose="02020603050405020304" pitchFamily="18" charset="0"/>
+                <a:ea typeface="ＭＳ Ｐゴシック" panose="020B0600070205080204" pitchFamily="34" charset="-128"/>
+              </a:defRPr>
+            </a:lvl1pPr>
+            <a:lvl2pPr marL="37931725" indent="-37474525">
+              <a:defRPr sz="2800" u="sng">
+                <a:solidFill>
+                  <a:schemeClr val="tx1"/>
+                </a:solidFill>
+                <a:latin typeface="Times New Roman" panose="02020603050405020304" pitchFamily="18" charset="0"/>
+                <a:ea typeface="ＭＳ Ｐゴシック" panose="020B0600070205080204" pitchFamily="34" charset="-128"/>
+              </a:defRPr>
+            </a:lvl2pPr>
+            <a:lvl3pPr>
+              <a:defRPr sz="2800" u="sng">
+                <a:solidFill>
+                  <a:schemeClr val="tx1"/>
+                </a:solidFill>
+                <a:latin typeface="Times New Roman" panose="02020603050405020304" pitchFamily="18" charset="0"/>
+                <a:ea typeface="ＭＳ Ｐゴシック" panose="020B0600070205080204" pitchFamily="34" charset="-128"/>
+              </a:defRPr>
+            </a:lvl3pPr>
+            <a:lvl4pPr>
+              <a:defRPr sz="2800" u="sng">
+                <a:solidFill>
+                  <a:schemeClr val="tx1"/>
+                </a:solidFill>
+                <a:latin typeface="Times New Roman" panose="02020603050405020304" pitchFamily="18" charset="0"/>
+                <a:ea typeface="ＭＳ Ｐゴシック" panose="020B0600070205080204" pitchFamily="34" charset="-128"/>
+              </a:defRPr>
+            </a:lvl4pPr>
+            <a:lvl5pPr>
+              <a:defRPr sz="2800" u="sng">
+                <a:solidFill>
+                  <a:schemeClr val="tx1"/>
+                </a:solidFill>
+                <a:latin typeface="Times New Roman" panose="02020603050405020304" pitchFamily="18" charset="0"/>
+                <a:ea typeface="ＭＳ Ｐゴシック" panose="020B0600070205080204" pitchFamily="34" charset="-128"/>
+              </a:defRPr>
+            </a:lvl5pPr>
+            <a:lvl6pPr marL="457200" eaLnBrk="0" fontAlgn="base" hangingPunct="0">
+              <a:spcBef>
+                <a:spcPct val="0"/>
+              </a:spcBef>
+              <a:spcAft>
+                <a:spcPct val="0"/>
+              </a:spcAft>
+              <a:defRPr sz="2800" u="sng">
+                <a:solidFill>
+                  <a:schemeClr val="tx1"/>
+                </a:solidFill>
+                <a:latin typeface="Times New Roman" panose="02020603050405020304" pitchFamily="18" charset="0"/>
+                <a:ea typeface="ＭＳ Ｐゴシック" panose="020B0600070205080204" pitchFamily="34" charset="-128"/>
+              </a:defRPr>
+            </a:lvl6pPr>
+            <a:lvl7pPr marL="914400" eaLnBrk="0" fontAlgn="base" hangingPunct="0">
+              <a:spcBef>
+                <a:spcPct val="0"/>
+              </a:spcBef>
+              <a:spcAft>
+                <a:spcPct val="0"/>
+              </a:spcAft>
+              <a:defRPr sz="2800" u="sng">
+                <a:solidFill>
+                  <a:schemeClr val="tx1"/>
+                </a:solidFill>
+                <a:latin typeface="Times New Roman" panose="02020603050405020304" pitchFamily="18" charset="0"/>
+                <a:ea typeface="ＭＳ Ｐゴシック" panose="020B0600070205080204" pitchFamily="34" charset="-128"/>
+              </a:defRPr>
+            </a:lvl7pPr>
+            <a:lvl8pPr marL="1371600" eaLnBrk="0" fontAlgn="base" hangingPunct="0">
+              <a:spcBef>
+                <a:spcPct val="0"/>
+              </a:spcBef>
+              <a:spcAft>
+                <a:spcPct val="0"/>
+              </a:spcAft>
+              <a:defRPr sz="2800" u="sng">
+                <a:solidFill>
+                  <a:schemeClr val="tx1"/>
+                </a:solidFill>
+                <a:latin typeface="Times New Roman" panose="02020603050405020304" pitchFamily="18" charset="0"/>
+                <a:ea typeface="ＭＳ Ｐゴシック" panose="020B0600070205080204" pitchFamily="34" charset="-128"/>
+              </a:defRPr>
+            </a:lvl8pPr>
+            <a:lvl9pPr marL="1828800" eaLnBrk="0" fontAlgn="base" hangingPunct="0">
+              <a:spcBef>
+                <a:spcPct val="0"/>
+              </a:spcBef>
+              <a:spcAft>
+                <a:spcPct val="0"/>
+              </a:spcAft>
+              <a:defRPr sz="2800" u="sng">
+                <a:solidFill>
+                  <a:schemeClr val="tx1"/>
+                </a:solidFill>
+                <a:latin typeface="Times New Roman" panose="02020603050405020304" pitchFamily="18" charset="0"/>
+                <a:ea typeface="ＭＳ Ｐゴシック" panose="020B0600070205080204" pitchFamily="34" charset="-128"/>
+              </a:defRPr>
+            </a:lvl9pPr>
+          </a:lstStyle>
+          <a:p>
+            <a:r>
+              <a:rPr lang="en-US" altLang="en-US" sz="1400" u="none"/>
+              <a:t>L. Akoglu, M. McGlohon, C. Faloutsos</a:t>
+            </a:r>
+          </a:p>
+        </p:txBody>
+      </p:sp>
+      <p:sp>
+        <p:nvSpPr>
+          <p:cNvPr id="81926" name="Slide Number Placeholder 5">
+            <a:extLst>
+              <a:ext uri="{FF2B5EF4-FFF2-40B4-BE49-F238E27FC236}">
+                <a16:creationId xmlns:a16="http://schemas.microsoft.com/office/drawing/2014/main" id="{B86CE34E-1E6B-0941-A62D-C616A794D21C}"/>
+              </a:ext>
+            </a:extLst>
+          </p:cNvPr>
+          <p:cNvSpPr>
+            <a:spLocks noGrp="1"/>
+          </p:cNvSpPr>
+          <p:nvPr>
+            <p:ph type="sldNum" sz="quarter" idx="12"/>
+          </p:nvPr>
+        </p:nvSpPr>
+        <p:spPr>
+          <a:noFill/>
+          <a:ln/>
+          <a:extLst>
+            <a:ext uri="{909E8E84-426E-40DD-AFC4-6F175D3DCCD1}">
+              <a14:hiddenFill xmlns:a14="http://schemas.microsoft.com/office/drawing/2010/main">
+                <a:solidFill>
+                  <a:srgbClr val="FFFFFF"/>
+                </a:solidFill>
+              </a14:hiddenFill>
+            </a:ext>
+            <a:ext uri="{91240B29-F687-4F45-9708-019B960494DF}">
+              <a14:hiddenLine xmlns:a14="http://schemas.microsoft.com/office/drawing/2010/main" w="9525">
+                <a:solidFill>
+                  <a:srgbClr val="000000"/>
+                </a:solidFill>
+                <a:miter lim="800000"/>
+                <a:headEnd/>
+                <a:tailEnd/>
+              </a14:hiddenLine>
+            </a:ext>
+          </a:extLst>
+        </p:spPr>
+        <p:txBody>
+          <a:bodyPr/>
+          <a:lstStyle>
+            <a:lvl1pPr>
+              <a:defRPr sz="2800" u="sng">
+                <a:solidFill>
+                  <a:schemeClr val="tx1"/>
+                </a:solidFill>
+                <a:latin typeface="Times New Roman" panose="02020603050405020304" pitchFamily="18" charset="0"/>
+                <a:ea typeface="ＭＳ Ｐゴシック" panose="020B0600070205080204" pitchFamily="34" charset="-128"/>
+              </a:defRPr>
+            </a:lvl1pPr>
+            <a:lvl2pPr marL="37931725" indent="-37474525">
+              <a:defRPr sz="2800" u="sng">
+                <a:solidFill>
+                  <a:schemeClr val="tx1"/>
+                </a:solidFill>
+                <a:latin typeface="Times New Roman" panose="02020603050405020304" pitchFamily="18" charset="0"/>
+                <a:ea typeface="ＭＳ Ｐゴシック" panose="020B0600070205080204" pitchFamily="34" charset="-128"/>
+              </a:defRPr>
+            </a:lvl2pPr>
+            <a:lvl3pPr>
+              <a:defRPr sz="2800" u="sng">
+                <a:solidFill>
+                  <a:schemeClr val="tx1"/>
+                </a:solidFill>
+                <a:latin typeface="Times New Roman" panose="02020603050405020304" pitchFamily="18" charset="0"/>
+                <a:ea typeface="ＭＳ Ｐゴシック" panose="020B0600070205080204" pitchFamily="34" charset="-128"/>
+              </a:defRPr>
+            </a:lvl3pPr>
+            <a:lvl4pPr>
+              <a:defRPr sz="2800" u="sng">
+                <a:solidFill>
+                  <a:schemeClr val="tx1"/>
+                </a:solidFill>
+                <a:latin typeface="Times New Roman" panose="02020603050405020304" pitchFamily="18" charset="0"/>
+                <a:ea typeface="ＭＳ Ｐゴシック" panose="020B0600070205080204" pitchFamily="34" charset="-128"/>
+              </a:defRPr>
+            </a:lvl4pPr>
+            <a:lvl5pPr>
+              <a:defRPr sz="2800" u="sng">
+                <a:solidFill>
+                  <a:schemeClr val="tx1"/>
+                </a:solidFill>
+                <a:latin typeface="Times New Roman" panose="02020603050405020304" pitchFamily="18" charset="0"/>
+                <a:ea typeface="ＭＳ Ｐゴシック" panose="020B0600070205080204" pitchFamily="34" charset="-128"/>
+              </a:defRPr>
+            </a:lvl5pPr>
+            <a:lvl6pPr marL="457200" eaLnBrk="0" fontAlgn="base" hangingPunct="0">
+              <a:spcBef>
+                <a:spcPct val="0"/>
+              </a:spcBef>
+              <a:spcAft>
+                <a:spcPct val="0"/>
+              </a:spcAft>
+              <a:defRPr sz="2800" u="sng">
+                <a:solidFill>
+                  <a:schemeClr val="tx1"/>
+                </a:solidFill>
+                <a:latin typeface="Times New Roman" panose="02020603050405020304" pitchFamily="18" charset="0"/>
+                <a:ea typeface="ＭＳ Ｐゴシック" panose="020B0600070205080204" pitchFamily="34" charset="-128"/>
+              </a:defRPr>
+            </a:lvl6pPr>
+            <a:lvl7pPr marL="914400" eaLnBrk="0" fontAlgn="base" hangingPunct="0">
+              <a:spcBef>
+                <a:spcPct val="0"/>
+              </a:spcBef>
+              <a:spcAft>
+                <a:spcPct val="0"/>
+              </a:spcAft>
+              <a:defRPr sz="2800" u="sng">
+                <a:solidFill>
+                  <a:schemeClr val="tx1"/>
+                </a:solidFill>
+                <a:latin typeface="Times New Roman" panose="02020603050405020304" pitchFamily="18" charset="0"/>
+                <a:ea typeface="ＭＳ Ｐゴシック" panose="020B0600070205080204" pitchFamily="34" charset="-128"/>
+              </a:defRPr>
+            </a:lvl7pPr>
+            <a:lvl8pPr marL="1371600" eaLnBrk="0" fontAlgn="base" hangingPunct="0">
+              <a:spcBef>
+                <a:spcPct val="0"/>
+              </a:spcBef>
+              <a:spcAft>
+                <a:spcPct val="0"/>
+              </a:spcAft>
+              <a:defRPr sz="2800" u="sng">
+                <a:solidFill>
+                  <a:schemeClr val="tx1"/>
+                </a:solidFill>
+                <a:latin typeface="Times New Roman" panose="02020603050405020304" pitchFamily="18" charset="0"/>
+                <a:ea typeface="ＭＳ Ｐゴシック" panose="020B0600070205080204" pitchFamily="34" charset="-128"/>
+              </a:defRPr>
+            </a:lvl8pPr>
+            <a:lvl9pPr marL="1828800" eaLnBrk="0" fontAlgn="base" hangingPunct="0">
+              <a:spcBef>
+                <a:spcPct val="0"/>
+              </a:spcBef>
+              <a:spcAft>
+                <a:spcPct val="0"/>
+              </a:spcAft>
+              <a:defRPr sz="2800" u="sng">
+                <a:solidFill>
+                  <a:schemeClr val="tx1"/>
+                </a:solidFill>
+                <a:latin typeface="Times New Roman" panose="02020603050405020304" pitchFamily="18" charset="0"/>
+                <a:ea typeface="ＭＳ Ｐゴシック" panose="020B0600070205080204" pitchFamily="34" charset="-128"/>
+              </a:defRPr>
+            </a:lvl9pPr>
+          </a:lstStyle>
+          <a:p>
+            <a:fld id="{8880FAFF-C85A-224E-866A-0FC20893F9CC}" type="slidenum">
+              <a:rPr lang="en-US" altLang="en-US" sz="1400" u="none"/>
+              <a:pPr/>
+              <a:t>56</a:t>
+            </a:fld>
+            <a:endParaRPr lang="en-US" altLang="en-US" sz="1400" u="none"/>
+          </a:p>
+        </p:txBody>
+      </p:sp>
+      <p:pic>
+        <p:nvPicPr>
+          <p:cNvPr id="7" name="Content Placeholder 7" descr="sierpinski.eps">
+            <a:extLst>
+              <a:ext uri="{FF2B5EF4-FFF2-40B4-BE49-F238E27FC236}">
+                <a16:creationId xmlns:a16="http://schemas.microsoft.com/office/drawing/2014/main" id="{D20C56BD-D569-544C-92CC-5174B99C5635}"/>
+              </a:ext>
+            </a:extLst>
+          </p:cNvPr>
+          <p:cNvPicPr>
+            <a:picLocks noChangeAspect="1"/>
+          </p:cNvPicPr>
+          <p:nvPr/>
+        </p:nvPicPr>
+        <p:blipFill>
+          <a:blip r:embed="rId2" cstate="screen">
+            <a:extLst>
+              <a:ext uri="{28A0092B-C50C-407E-A947-70E740481C1C}">
+                <a14:useLocalDpi xmlns:a14="http://schemas.microsoft.com/office/drawing/2010/main"/>
+              </a:ext>
+            </a:extLst>
+          </a:blip>
+          <a:srcRect l="-16112" r="-16112"/>
+          <a:stretch>
+            <a:fillRect/>
+          </a:stretch>
+        </p:blipFill>
+        <p:spPr bwMode="auto">
+          <a:xfrm>
+            <a:off x="570186" y="4301355"/>
+            <a:ext cx="3022641" cy="1600200"/>
+          </a:xfrm>
+          <a:prstGeom prst="rect">
+            <a:avLst/>
+          </a:prstGeom>
+          <a:noFill/>
+          <a:ln w="9525">
+            <a:noFill/>
+            <a:miter lim="800000"/>
+            <a:headEnd/>
+            <a:tailEnd/>
+          </a:ln>
+        </p:spPr>
+      </p:pic>
+      <p:pic>
+        <p:nvPicPr>
+          <p:cNvPr id="10" name="Picture 9">
+            <a:extLst>
+              <a:ext uri="{FF2B5EF4-FFF2-40B4-BE49-F238E27FC236}">
+                <a16:creationId xmlns:a16="http://schemas.microsoft.com/office/drawing/2014/main" id="{1984AC49-B239-FD46-BA94-753212073A85}"/>
+              </a:ext>
+            </a:extLst>
+          </p:cNvPr>
+          <p:cNvPicPr>
+            <a:picLocks noChangeAspect="1"/>
+          </p:cNvPicPr>
+          <p:nvPr/>
+        </p:nvPicPr>
+        <p:blipFill rotWithShape="1">
+          <a:blip r:embed="rId3" cstate="screen">
+            <a:extLst>
+              <a:ext uri="{28A0092B-C50C-407E-A947-70E740481C1C}">
+                <a14:useLocalDpi xmlns:a14="http://schemas.microsoft.com/office/drawing/2010/main"/>
+              </a:ext>
+            </a:extLst>
+          </a:blip>
+          <a:srcRect/>
+          <a:stretch/>
+        </p:blipFill>
+        <p:spPr>
+          <a:xfrm>
+            <a:off x="1186580" y="3532456"/>
+            <a:ext cx="803131" cy="793969"/>
+          </a:xfrm>
+          <a:prstGeom prst="rect">
+            <a:avLst/>
+          </a:prstGeom>
+        </p:spPr>
+      </p:pic>
+      <p:pic>
+        <p:nvPicPr>
+          <p:cNvPr id="3" name="Picture 2" descr="Shape&#10;&#10;Description automatically generated with low confidence">
+            <a:extLst>
+              <a:ext uri="{FF2B5EF4-FFF2-40B4-BE49-F238E27FC236}">
+                <a16:creationId xmlns:a16="http://schemas.microsoft.com/office/drawing/2014/main" id="{DF9E7DCA-9D91-3541-B34F-58A9481FACD8}"/>
+              </a:ext>
+            </a:extLst>
+          </p:cNvPr>
+          <p:cNvPicPr>
+            <a:picLocks noChangeAspect="1"/>
+          </p:cNvPicPr>
+          <p:nvPr/>
+        </p:nvPicPr>
+        <p:blipFill>
+          <a:blip r:embed="rId4" cstate="screen">
+            <a:extLst>
+              <a:ext uri="{28A0092B-C50C-407E-A947-70E740481C1C}">
+                <a14:useLocalDpi xmlns:a14="http://schemas.microsoft.com/office/drawing/2010/main"/>
+              </a:ext>
+              <a:ext uri="{837473B0-CC2E-450A-ABE3-18F120FF3D39}">
+                <a1611:picAttrSrcUrl xmlns:a1611="http://schemas.microsoft.com/office/drawing/2016/11/main" r:id="rId5"/>
+              </a:ext>
+            </a:extLst>
+          </a:blip>
+          <a:stretch>
+            <a:fillRect/>
+          </a:stretch>
+        </p:blipFill>
+        <p:spPr>
+          <a:xfrm>
+            <a:off x="3794401" y="4089429"/>
+            <a:ext cx="1483212" cy="1483212"/>
+          </a:xfrm>
+          <a:prstGeom prst="rect">
+            <a:avLst/>
+          </a:prstGeom>
+        </p:spPr>
+      </p:pic>
+      <p:pic>
+        <p:nvPicPr>
+          <p:cNvPr id="13" name="Picture 12">
+            <a:extLst>
+              <a:ext uri="{FF2B5EF4-FFF2-40B4-BE49-F238E27FC236}">
+                <a16:creationId xmlns:a16="http://schemas.microsoft.com/office/drawing/2014/main" id="{1A7BAD68-6431-9341-96B0-9EB4EB47DC82}"/>
+              </a:ext>
+            </a:extLst>
+          </p:cNvPr>
+          <p:cNvPicPr>
+            <a:picLocks noChangeAspect="1"/>
+          </p:cNvPicPr>
+          <p:nvPr/>
+        </p:nvPicPr>
+        <p:blipFill rotWithShape="1">
+          <a:blip r:embed="rId6"/>
+          <a:srcRect l="8672" r="8672" b="25220"/>
+          <a:stretch/>
+        </p:blipFill>
+        <p:spPr>
+          <a:xfrm>
+            <a:off x="2490490" y="3557525"/>
+            <a:ext cx="633709" cy="793969"/>
+          </a:xfrm>
+          <a:prstGeom prst="rect">
+            <a:avLst/>
+          </a:prstGeom>
+        </p:spPr>
+      </p:pic>
+      <p:grpSp>
+        <p:nvGrpSpPr>
+          <p:cNvPr id="14" name="Group 13">
+            <a:extLst>
+              <a:ext uri="{FF2B5EF4-FFF2-40B4-BE49-F238E27FC236}">
+                <a16:creationId xmlns:a16="http://schemas.microsoft.com/office/drawing/2014/main" id="{DF5F8504-D94E-284C-8C9B-EEBDA2A7D009}"/>
+              </a:ext>
+            </a:extLst>
+          </p:cNvPr>
+          <p:cNvGrpSpPr>
+            <a:grpSpLocks noChangeAspect="1"/>
+          </p:cNvGrpSpPr>
+          <p:nvPr/>
+        </p:nvGrpSpPr>
+        <p:grpSpPr>
+          <a:xfrm>
+            <a:off x="6202016" y="4359849"/>
+            <a:ext cx="1483212" cy="1483212"/>
+            <a:chOff x="3048000" y="2214563"/>
+            <a:chExt cx="3581400" cy="3581400"/>
+          </a:xfrm>
+        </p:grpSpPr>
+        <p:pic>
+          <p:nvPicPr>
+            <p:cNvPr id="15" name="Picture 4">
+              <a:extLst>
+                <a:ext uri="{FF2B5EF4-FFF2-40B4-BE49-F238E27FC236}">
+                  <a16:creationId xmlns:a16="http://schemas.microsoft.com/office/drawing/2014/main" id="{740657F7-DFFA-8F4B-9857-3C2B54C45ED3}"/>
+                </a:ext>
+              </a:extLst>
+            </p:cNvPr>
+            <p:cNvPicPr>
+              <a:picLocks noChangeAspect="1" noChangeArrowheads="1"/>
+            </p:cNvPicPr>
+            <p:nvPr/>
+          </p:nvPicPr>
+          <p:blipFill>
+            <a:blip r:embed="rId7"/>
+            <a:srcRect/>
+            <a:stretch>
+              <a:fillRect/>
+            </a:stretch>
+          </p:blipFill>
+          <p:spPr bwMode="auto">
+            <a:xfrm>
+              <a:off x="3048000" y="2214563"/>
+              <a:ext cx="3581400" cy="3581400"/>
+            </a:xfrm>
+            <a:prstGeom prst="rect">
+              <a:avLst/>
+            </a:prstGeom>
+            <a:noFill/>
+            <a:ln w="9525">
+              <a:noFill/>
+              <a:miter lim="800000"/>
+              <a:headEnd/>
+              <a:tailEnd/>
+            </a:ln>
+          </p:spPr>
+        </p:pic>
+        <p:sp>
+          <p:nvSpPr>
+            <p:cNvPr id="16" name="Line 6">
+              <a:extLst>
+                <a:ext uri="{FF2B5EF4-FFF2-40B4-BE49-F238E27FC236}">
+                  <a16:creationId xmlns:a16="http://schemas.microsoft.com/office/drawing/2014/main" id="{8EB00B61-BE5E-7845-8A7A-15983F9E8873}"/>
+                </a:ext>
+              </a:extLst>
+            </p:cNvPr>
+            <p:cNvSpPr>
+              <a:spLocks noChangeShapeType="1"/>
+            </p:cNvSpPr>
+            <p:nvPr/>
+          </p:nvSpPr>
+          <p:spPr bwMode="auto">
+            <a:xfrm>
+              <a:off x="4281488" y="2278063"/>
+              <a:ext cx="28575" cy="3382962"/>
+            </a:xfrm>
+            <a:prstGeom prst="line">
+              <a:avLst/>
+            </a:prstGeom>
+            <a:noFill/>
+            <a:ln w="28575">
+              <a:solidFill>
+                <a:schemeClr val="tx2"/>
+              </a:solidFill>
+              <a:round/>
+              <a:headEnd type="none" w="sm" len="sm"/>
+              <a:tailEnd/>
+            </a:ln>
+          </p:spPr>
+          <p:txBody>
+            <a:bodyPr wrap="none" anchor="ctr">
+              <a:prstTxWarp prst="textNoShape">
+                <a:avLst/>
+              </a:prstTxWarp>
+            </a:bodyPr>
+            <a:lstStyle/>
+            <a:p>
+              <a:endParaRPr lang="en-US"/>
+            </a:p>
+          </p:txBody>
+        </p:sp>
+        <p:sp>
+          <p:nvSpPr>
+            <p:cNvPr id="17" name="Line 7">
+              <a:extLst>
+                <a:ext uri="{FF2B5EF4-FFF2-40B4-BE49-F238E27FC236}">
+                  <a16:creationId xmlns:a16="http://schemas.microsoft.com/office/drawing/2014/main" id="{8F77E9CF-16AB-A34E-AE7B-E9EA5A1E2120}"/>
+                </a:ext>
+              </a:extLst>
+            </p:cNvPr>
+            <p:cNvSpPr>
+              <a:spLocks noChangeShapeType="1"/>
+            </p:cNvSpPr>
+            <p:nvPr/>
+          </p:nvSpPr>
+          <p:spPr bwMode="auto">
+            <a:xfrm>
+              <a:off x="5391150" y="2287588"/>
+              <a:ext cx="28575" cy="3382962"/>
+            </a:xfrm>
+            <a:prstGeom prst="line">
+              <a:avLst/>
+            </a:prstGeom>
+            <a:noFill/>
+            <a:ln w="28575">
+              <a:solidFill>
+                <a:schemeClr val="tx2"/>
+              </a:solidFill>
+              <a:round/>
+              <a:headEnd type="none" w="sm" len="sm"/>
+              <a:tailEnd/>
+            </a:ln>
+          </p:spPr>
+          <p:txBody>
+            <a:bodyPr wrap="none" anchor="ctr">
+              <a:prstTxWarp prst="textNoShape">
+                <a:avLst/>
+              </a:prstTxWarp>
+            </a:bodyPr>
+            <a:lstStyle/>
+            <a:p>
+              <a:endParaRPr lang="en-US"/>
+            </a:p>
+          </p:txBody>
+        </p:sp>
+        <p:sp>
+          <p:nvSpPr>
+            <p:cNvPr id="18" name="Line 8">
+              <a:extLst>
+                <a:ext uri="{FF2B5EF4-FFF2-40B4-BE49-F238E27FC236}">
+                  <a16:creationId xmlns:a16="http://schemas.microsoft.com/office/drawing/2014/main" id="{D6D5CB6C-04F5-9E45-953B-71F57DF8D0F0}"/>
+                </a:ext>
+              </a:extLst>
+            </p:cNvPr>
+            <p:cNvSpPr>
+              <a:spLocks noChangeShapeType="1"/>
+            </p:cNvSpPr>
+            <p:nvPr/>
+          </p:nvSpPr>
+          <p:spPr bwMode="auto">
+            <a:xfrm rot="-5400000">
+              <a:off x="4842669" y="1712119"/>
+              <a:ext cx="28575" cy="3382963"/>
+            </a:xfrm>
+            <a:prstGeom prst="line">
+              <a:avLst/>
+            </a:prstGeom>
+            <a:noFill/>
+            <a:ln w="28575">
+              <a:solidFill>
+                <a:schemeClr val="tx2"/>
+              </a:solidFill>
+              <a:round/>
+              <a:headEnd type="none" w="sm" len="sm"/>
+              <a:tailEnd/>
+            </a:ln>
+          </p:spPr>
+          <p:txBody>
+            <a:bodyPr wrap="none" anchor="ctr">
+              <a:prstTxWarp prst="textNoShape">
+                <a:avLst/>
+              </a:prstTxWarp>
+            </a:bodyPr>
+            <a:lstStyle/>
+            <a:p>
+              <a:endParaRPr lang="en-US"/>
+            </a:p>
+          </p:txBody>
+        </p:sp>
+        <p:sp>
+          <p:nvSpPr>
+            <p:cNvPr id="19" name="Line 9">
+              <a:extLst>
+                <a:ext uri="{FF2B5EF4-FFF2-40B4-BE49-F238E27FC236}">
+                  <a16:creationId xmlns:a16="http://schemas.microsoft.com/office/drawing/2014/main" id="{0C9F5F8D-D6DC-F74D-AF62-15E7B920138B}"/>
+                </a:ext>
+              </a:extLst>
+            </p:cNvPr>
+            <p:cNvSpPr>
+              <a:spLocks noChangeShapeType="1"/>
+            </p:cNvSpPr>
+            <p:nvPr/>
+          </p:nvSpPr>
+          <p:spPr bwMode="auto">
+            <a:xfrm rot="-5400000">
+              <a:off x="4823619" y="2850356"/>
+              <a:ext cx="28575" cy="3382963"/>
+            </a:xfrm>
+            <a:prstGeom prst="line">
+              <a:avLst/>
+            </a:prstGeom>
+            <a:noFill/>
+            <a:ln w="28575">
+              <a:solidFill>
+                <a:schemeClr val="tx2"/>
+              </a:solidFill>
+              <a:round/>
+              <a:headEnd type="none" w="sm" len="sm"/>
+              <a:tailEnd/>
+            </a:ln>
+          </p:spPr>
+          <p:txBody>
+            <a:bodyPr wrap="none" anchor="ctr">
+              <a:prstTxWarp prst="textNoShape">
+                <a:avLst/>
+              </a:prstTxWarp>
+            </a:bodyPr>
+            <a:lstStyle/>
+            <a:p>
+              <a:endParaRPr lang="en-US"/>
+            </a:p>
+          </p:txBody>
+        </p:sp>
+        <p:sp>
+          <p:nvSpPr>
+            <p:cNvPr id="20" name="Line 10">
+              <a:extLst>
+                <a:ext uri="{FF2B5EF4-FFF2-40B4-BE49-F238E27FC236}">
+                  <a16:creationId xmlns:a16="http://schemas.microsoft.com/office/drawing/2014/main" id="{F83F8480-48AA-6445-AF73-E454DC70504A}"/>
+                </a:ext>
+              </a:extLst>
+            </p:cNvPr>
+            <p:cNvSpPr>
+              <a:spLocks noChangeShapeType="1"/>
+            </p:cNvSpPr>
+            <p:nvPr/>
+          </p:nvSpPr>
+          <p:spPr bwMode="auto">
+            <a:xfrm>
+              <a:off x="3538538" y="2300288"/>
+              <a:ext cx="14287" cy="1074737"/>
+            </a:xfrm>
+            <a:prstGeom prst="line">
+              <a:avLst/>
+            </a:prstGeom>
+            <a:noFill/>
+            <a:ln w="28575">
+              <a:solidFill>
+                <a:schemeClr val="tx2"/>
+              </a:solidFill>
+              <a:round/>
+              <a:headEnd type="none" w="sm" len="sm"/>
+              <a:tailEnd/>
+            </a:ln>
+          </p:spPr>
+          <p:txBody>
+            <a:bodyPr wrap="none" anchor="ctr">
+              <a:prstTxWarp prst="textNoShape">
+                <a:avLst/>
+              </a:prstTxWarp>
+            </a:bodyPr>
+            <a:lstStyle/>
+            <a:p>
+              <a:endParaRPr lang="en-US"/>
+            </a:p>
+          </p:txBody>
+        </p:sp>
+        <p:sp>
+          <p:nvSpPr>
+            <p:cNvPr id="21" name="Line 11">
+              <a:extLst>
+                <a:ext uri="{FF2B5EF4-FFF2-40B4-BE49-F238E27FC236}">
+                  <a16:creationId xmlns:a16="http://schemas.microsoft.com/office/drawing/2014/main" id="{37EC6D42-1EDD-9047-B725-1540333F496C}"/>
+                </a:ext>
+              </a:extLst>
+            </p:cNvPr>
+            <p:cNvSpPr>
+              <a:spLocks noChangeShapeType="1"/>
+            </p:cNvSpPr>
+            <p:nvPr/>
+          </p:nvSpPr>
+          <p:spPr bwMode="auto">
+            <a:xfrm rot="-5400000">
+              <a:off x="3709988" y="2525713"/>
+              <a:ext cx="14287" cy="1074737"/>
+            </a:xfrm>
+            <a:prstGeom prst="line">
+              <a:avLst/>
+            </a:prstGeom>
+            <a:noFill/>
+            <a:ln w="28575">
+              <a:solidFill>
+                <a:schemeClr val="tx2"/>
+              </a:solidFill>
+              <a:round/>
+              <a:headEnd type="none" w="sm" len="sm"/>
+              <a:tailEnd/>
+            </a:ln>
+          </p:spPr>
+          <p:txBody>
+            <a:bodyPr wrap="none" anchor="ctr">
+              <a:prstTxWarp prst="textNoShape">
+                <a:avLst/>
+              </a:prstTxWarp>
+            </a:bodyPr>
+            <a:lstStyle/>
+            <a:p>
+              <a:endParaRPr lang="en-US"/>
+            </a:p>
+          </p:txBody>
+        </p:sp>
+        <p:sp>
+          <p:nvSpPr>
+            <p:cNvPr id="22" name="Line 12">
+              <a:extLst>
+                <a:ext uri="{FF2B5EF4-FFF2-40B4-BE49-F238E27FC236}">
+                  <a16:creationId xmlns:a16="http://schemas.microsoft.com/office/drawing/2014/main" id="{BE5EC5D7-251F-7B42-8852-418AB4B17A32}"/>
+                </a:ext>
+              </a:extLst>
+            </p:cNvPr>
+            <p:cNvSpPr>
+              <a:spLocks noChangeShapeType="1"/>
+            </p:cNvSpPr>
+            <p:nvPr/>
+          </p:nvSpPr>
+          <p:spPr bwMode="auto">
+            <a:xfrm>
+              <a:off x="3914775" y="2305050"/>
+              <a:ext cx="14288" cy="1074738"/>
+            </a:xfrm>
+            <a:prstGeom prst="line">
+              <a:avLst/>
+            </a:prstGeom>
+            <a:noFill/>
+            <a:ln w="28575">
+              <a:solidFill>
+                <a:schemeClr val="tx2"/>
+              </a:solidFill>
+              <a:round/>
+              <a:headEnd type="none" w="sm" len="sm"/>
+              <a:tailEnd/>
+            </a:ln>
+          </p:spPr>
+          <p:txBody>
+            <a:bodyPr wrap="none" anchor="ctr">
+              <a:prstTxWarp prst="textNoShape">
+                <a:avLst/>
+              </a:prstTxWarp>
+            </a:bodyPr>
+            <a:lstStyle/>
+            <a:p>
+              <a:endParaRPr lang="en-US"/>
+            </a:p>
+          </p:txBody>
+        </p:sp>
+        <p:sp>
+          <p:nvSpPr>
+            <p:cNvPr id="23" name="Line 13">
+              <a:extLst>
+                <a:ext uri="{FF2B5EF4-FFF2-40B4-BE49-F238E27FC236}">
+                  <a16:creationId xmlns:a16="http://schemas.microsoft.com/office/drawing/2014/main" id="{E26A9069-BC78-474C-81A9-68939F140CAA}"/>
+                </a:ext>
+              </a:extLst>
+            </p:cNvPr>
+            <p:cNvSpPr>
+              <a:spLocks noChangeShapeType="1"/>
+            </p:cNvSpPr>
+            <p:nvPr/>
+          </p:nvSpPr>
+          <p:spPr bwMode="auto">
+            <a:xfrm rot="-5400000">
+              <a:off x="3705225" y="2120900"/>
+              <a:ext cx="14288" cy="1074738"/>
+            </a:xfrm>
+            <a:prstGeom prst="line">
+              <a:avLst/>
+            </a:prstGeom>
+            <a:noFill/>
+            <a:ln w="28575">
+              <a:solidFill>
+                <a:schemeClr val="tx2"/>
+              </a:solidFill>
+              <a:round/>
+              <a:headEnd type="none" w="sm" len="sm"/>
+              <a:tailEnd/>
+            </a:ln>
+          </p:spPr>
+          <p:txBody>
+            <a:bodyPr wrap="none" anchor="ctr">
+              <a:prstTxWarp prst="textNoShape">
+                <a:avLst/>
+              </a:prstTxWarp>
+            </a:bodyPr>
+            <a:lstStyle/>
+            <a:p>
+              <a:endParaRPr lang="en-US"/>
+            </a:p>
+          </p:txBody>
+        </p:sp>
+      </p:grpSp>
+    </p:spTree>
+    <p:extLst>
+      <p:ext uri="{BB962C8B-B14F-4D97-AF65-F5344CB8AC3E}">
+        <p14:creationId xmlns:p14="http://schemas.microsoft.com/office/powerpoint/2010/main" val="1092308340"/>
+      </p:ext>
+    </p:extLst>
+  </p:cSld>
+  <p:clrMapOvr>
+    <a:masterClrMapping/>
+  </p:clrMapOvr>
+  <p:transition/>
+</p:sld>
+</file>
+
+<file path=ppt/slides/slide57.xml><?xml version="1.0" encoding="utf-8"?>
+<p:sld xmlns:a="http://schemas.openxmlformats.org/drawingml/2006/main" xmlns:r="http://schemas.openxmlformats.org/officeDocument/2006/relationships" xmlns:p="http://schemas.openxmlformats.org/presentationml/2006/main">
+  <p:cSld>
+    <p:spTree>
+      <p:nvGrpSpPr>
+        <p:cNvPr id="1" name=""/>
+        <p:cNvGrpSpPr/>
+        <p:nvPr/>
+      </p:nvGrpSpPr>
+      <p:grpSpPr>
+        <a:xfrm>
+          <a:off x="0" y="0"/>
+          <a:ext cx="0" cy="0"/>
+          <a:chOff x="0" y="0"/>
+          <a:chExt cx="0" cy="0"/>
+        </a:xfrm>
+      </p:grpSpPr>
+      <p:sp>
+        <p:nvSpPr>
           <p:cNvPr id="2" name="Title 1">
             <a:extLst>
               <a:ext uri="{FF2B5EF4-FFF2-40B4-BE49-F238E27FC236}">
@@ -43446,7 +44579,7 @@
               <a:pPr>
                 <a:defRPr/>
               </a:pPr>
-              <a:t>56</a:t>
+              <a:t>57</a:t>
             </a:fld>
             <a:endParaRPr lang="en-US"/>
           </a:p>
@@ -44341,7 +45474,7 @@
 </p:sld>
 </file>
 
-<file path=ppt/slides/slide57.xml><?xml version="1.0" encoding="utf-8"?>
+<file path=ppt/slides/slide58.xml><?xml version="1.0" encoding="utf-8"?>
 <p:sld xmlns:a="http://schemas.openxmlformats.org/drawingml/2006/main" xmlns:r="http://schemas.openxmlformats.org/officeDocument/2006/relationships" xmlns:p="http://schemas.openxmlformats.org/presentationml/2006/main">
   <p:cSld>
     <p:spTree>
@@ -44402,7 +45535,7 @@
             <a:fld id="{26337C36-4169-E34D-8EA6-104720BA7F78}" type="slidenum">
               <a:rPr lang="en-US" smtClean="0"/>
               <a:pPr/>
-              <a:t>57</a:t>
+              <a:t>58</a:t>
             </a:fld>
             <a:endParaRPr lang="en-US"/>
           </a:p>
@@ -44841,7 +45974,7 @@
 </p:sld>
 </file>
 
-<file path=ppt/slides/slide58.xml><?xml version="1.0" encoding="utf-8"?>
+<file path=ppt/slides/slide59.xml><?xml version="1.0" encoding="utf-8"?>
 <p:sld xmlns:a="http://schemas.openxmlformats.org/drawingml/2006/main" xmlns:r="http://schemas.openxmlformats.org/officeDocument/2006/relationships" xmlns:p="http://schemas.openxmlformats.org/presentationml/2006/main">
   <p:cSld>
     <p:spTree>
@@ -44902,7 +46035,7 @@
             <a:fld id="{26337C36-4169-E34D-8EA6-104720BA7F78}" type="slidenum">
               <a:rPr lang="en-US" smtClean="0"/>
               <a:pPr/>
-              <a:t>58</a:t>
+              <a:t>59</a:t>
             </a:fld>
             <a:endParaRPr lang="en-US"/>
           </a:p>
@@ -45366,7 +46499,7 @@
 </p:sld>
 </file>
 
-<file path=ppt/slides/slide59.xml><?xml version="1.0" encoding="utf-8"?>
+<file path=ppt/slides/slide6.xml><?xml version="1.0" encoding="utf-8"?>
 <p:sld xmlns:a="http://schemas.openxmlformats.org/drawingml/2006/main" xmlns:r="http://schemas.openxmlformats.org/officeDocument/2006/relationships" xmlns:p="http://schemas.openxmlformats.org/presentationml/2006/main">
   <p:cSld>
     <p:spTree>
@@ -45385,6 +46518,332 @@
       </p:grpSpPr>
       <p:sp>
         <p:nvSpPr>
+          <p:cNvPr id="2" name="Title 1">
+            <a:extLst>
+              <a:ext uri="{FF2B5EF4-FFF2-40B4-BE49-F238E27FC236}">
+                <a16:creationId xmlns:a16="http://schemas.microsoft.com/office/drawing/2014/main" id="{540B0215-4E57-AC49-BBF2-049D9965E57A}"/>
+              </a:ext>
+            </a:extLst>
+          </p:cNvPr>
+          <p:cNvSpPr>
+            <a:spLocks noGrp="1"/>
+          </p:cNvSpPr>
+          <p:nvPr>
+            <p:ph type="title"/>
+          </p:nvPr>
+        </p:nvSpPr>
+        <p:spPr>
+          <a:xfrm>
+            <a:off x="685800" y="609600"/>
+            <a:ext cx="7772400" cy="685800"/>
+          </a:xfrm>
+        </p:spPr>
+        <p:txBody>
+          <a:bodyPr wrap="square" anchor="ctr">
+            <a:normAutofit/>
+          </a:bodyPr>
+          <a:lstStyle/>
+          <a:p>
+            <a:pPr>
+              <a:lnSpc>
+                <a:spcPct val="90000"/>
+              </a:lnSpc>
+            </a:pPr>
+            <a:r>
+              <a:rPr lang="en-US" dirty="0"/>
+              <a:t>Q1) definition</a:t>
+            </a:r>
+            <a:endParaRPr lang="en-US"/>
+          </a:p>
+        </p:txBody>
+      </p:sp>
+      <p:sp>
+        <p:nvSpPr>
+          <p:cNvPr id="3" name="Content Placeholder 2">
+            <a:extLst>
+              <a:ext uri="{FF2B5EF4-FFF2-40B4-BE49-F238E27FC236}">
+                <a16:creationId xmlns:a16="http://schemas.microsoft.com/office/drawing/2014/main" id="{38399C24-119E-B646-BC9C-1C7988DF4724}"/>
+              </a:ext>
+            </a:extLst>
+          </p:cNvPr>
+          <p:cNvSpPr>
+            <a:spLocks noGrp="1"/>
+          </p:cNvSpPr>
+          <p:nvPr>
+            <p:ph type="body" sz="half" idx="1"/>
+          </p:nvPr>
+        </p:nvSpPr>
+        <p:spPr>
+          <a:xfrm>
+            <a:off x="685800" y="1447800"/>
+            <a:ext cx="3810000" cy="4648200"/>
+          </a:xfrm>
+        </p:spPr>
+        <p:txBody>
+          <a:bodyPr wrap="square" anchor="t">
+            <a:normAutofit/>
+          </a:bodyPr>
+          <a:lstStyle/>
+          <a:p>
+            <a:pPr marL="0" indent="0">
+              <a:buNone/>
+            </a:pPr>
+            <a:r>
+              <a:rPr lang="en-US" sz="2800" dirty="0"/>
+              <a:t>“an observation which deviates so much from the other observations as to arouse suspicions that it was generated by a different mechanism”</a:t>
+            </a:r>
+          </a:p>
+          <a:p>
+            <a:pPr marL="0" indent="0">
+              <a:buNone/>
+            </a:pPr>
+            <a:endParaRPr lang="en-US" sz="2800" dirty="0"/>
+          </a:p>
+          <a:p>
+            <a:pPr marL="0" indent="0">
+              <a:buNone/>
+            </a:pPr>
+            <a:r>
+              <a:rPr lang="en-US" sz="2600" i="1" dirty="0"/>
+              <a:t>D. M. Hawkins. Identification of outliers, volume 11. Springer, 1980.</a:t>
+            </a:r>
+          </a:p>
+        </p:txBody>
+      </p:sp>
+      <p:pic>
+        <p:nvPicPr>
+          <p:cNvPr id="11" name="Picture 10" descr="Chart, scatter chart&#10;&#10;Description automatically generated">
+            <a:extLst>
+              <a:ext uri="{FF2B5EF4-FFF2-40B4-BE49-F238E27FC236}">
+                <a16:creationId xmlns:a16="http://schemas.microsoft.com/office/drawing/2014/main" id="{194D41E1-9F57-0E4C-BCB2-AAC6DEB05AC5}"/>
+              </a:ext>
+            </a:extLst>
+          </p:cNvPr>
+          <p:cNvPicPr>
+            <a:picLocks noChangeAspect="1"/>
+          </p:cNvPicPr>
+          <p:nvPr/>
+        </p:nvPicPr>
+        <p:blipFill>
+          <a:blip r:embed="rId2" cstate="screen">
+            <a:extLst>
+              <a:ext uri="{28A0092B-C50C-407E-A947-70E740481C1C}">
+                <a14:useLocalDpi xmlns:a14="http://schemas.microsoft.com/office/drawing/2010/main"/>
+              </a:ext>
+            </a:extLst>
+          </a:blip>
+          <a:stretch>
+            <a:fillRect/>
+          </a:stretch>
+        </p:blipFill>
+        <p:spPr>
+          <a:xfrm>
+            <a:off x="5054600" y="1447800"/>
+            <a:ext cx="2997200" cy="2247900"/>
+          </a:xfrm>
+          <a:prstGeom prst="rect">
+            <a:avLst/>
+          </a:prstGeom>
+          <a:noFill/>
+        </p:spPr>
+      </p:pic>
+      <p:sp>
+        <p:nvSpPr>
+          <p:cNvPr id="16" name="Content Placeholder 4">
+            <a:extLst>
+              <a:ext uri="{FF2B5EF4-FFF2-40B4-BE49-F238E27FC236}">
+                <a16:creationId xmlns:a16="http://schemas.microsoft.com/office/drawing/2014/main" id="{BC449129-483C-4BF7-9E3D-8F86B73C991E}"/>
+              </a:ext>
+            </a:extLst>
+          </p:cNvPr>
+          <p:cNvSpPr>
+            <a:spLocks noGrp="1"/>
+          </p:cNvSpPr>
+          <p:nvPr>
+            <p:ph sz="quarter" idx="3"/>
+          </p:nvPr>
+        </p:nvSpPr>
+        <p:spPr>
+          <a:xfrm>
+            <a:off x="4648200" y="3848100"/>
+            <a:ext cx="3810000" cy="2247900"/>
+          </a:xfrm>
+        </p:spPr>
+        <p:txBody>
+          <a:bodyPr/>
+          <a:lstStyle/>
+          <a:p>
+            <a:pPr marL="0" indent="0">
+              <a:buNone/>
+            </a:pPr>
+            <a:endParaRPr lang="en-US" dirty="0"/>
+          </a:p>
+        </p:txBody>
+      </p:sp>
+      <p:sp>
+        <p:nvSpPr>
+          <p:cNvPr id="4" name="Date Placeholder 3">
+            <a:extLst>
+              <a:ext uri="{FF2B5EF4-FFF2-40B4-BE49-F238E27FC236}">
+                <a16:creationId xmlns:a16="http://schemas.microsoft.com/office/drawing/2014/main" id="{62C017FA-0DFA-E44D-B6C1-0739D1661257}"/>
+              </a:ext>
+            </a:extLst>
+          </p:cNvPr>
+          <p:cNvSpPr>
+            <a:spLocks noGrp="1"/>
+          </p:cNvSpPr>
+          <p:nvPr>
+            <p:ph type="dt" sz="half" idx="10"/>
+          </p:nvPr>
+        </p:nvSpPr>
+        <p:spPr>
+          <a:xfrm>
+            <a:off x="685800" y="6248400"/>
+            <a:ext cx="1905000" cy="457200"/>
+          </a:xfrm>
+        </p:spPr>
+        <p:txBody>
+          <a:bodyPr wrap="square" anchor="t">
+            <a:normAutofit fontScale="92500" lnSpcReduction="10000"/>
+          </a:bodyPr>
+          <a:lstStyle/>
+          <a:p>
+            <a:pPr>
+              <a:spcAft>
+                <a:spcPts val="600"/>
+              </a:spcAft>
+              <a:defRPr/>
+            </a:pPr>
+            <a:r>
+              <a:rPr lang="en-US"/>
+              <a:t>OddBall: PAKDD 2021 Most Influential Paper</a:t>
+            </a:r>
+          </a:p>
+        </p:txBody>
+      </p:sp>
+      <p:sp>
+        <p:nvSpPr>
+          <p:cNvPr id="5" name="Footer Placeholder 4">
+            <a:extLst>
+              <a:ext uri="{FF2B5EF4-FFF2-40B4-BE49-F238E27FC236}">
+                <a16:creationId xmlns:a16="http://schemas.microsoft.com/office/drawing/2014/main" id="{9AD9F948-0593-B94B-B4F1-6D24DA7653DA}"/>
+              </a:ext>
+            </a:extLst>
+          </p:cNvPr>
+          <p:cNvSpPr>
+            <a:spLocks noGrp="1"/>
+          </p:cNvSpPr>
+          <p:nvPr>
+            <p:ph type="ftr" sz="quarter" idx="11"/>
+          </p:nvPr>
+        </p:nvSpPr>
+        <p:spPr>
+          <a:xfrm>
+            <a:off x="3124200" y="6248400"/>
+            <a:ext cx="2895600" cy="457200"/>
+          </a:xfrm>
+        </p:spPr>
+        <p:txBody>
+          <a:bodyPr wrap="square" anchor="t">
+            <a:normAutofit/>
+          </a:bodyPr>
+          <a:lstStyle/>
+          <a:p>
+            <a:pPr>
+              <a:spcAft>
+                <a:spcPts val="600"/>
+              </a:spcAft>
+              <a:defRPr/>
+            </a:pPr>
+            <a:r>
+              <a:rPr lang="fi-FI" sz="1300"/>
+              <a:t>L. Akoglu, M. McGlohon, C. Faloutsos</a:t>
+            </a:r>
+            <a:endParaRPr lang="en-US" sz="1300"/>
+          </a:p>
+        </p:txBody>
+      </p:sp>
+      <p:sp>
+        <p:nvSpPr>
+          <p:cNvPr id="6" name="Slide Number Placeholder 5">
+            <a:extLst>
+              <a:ext uri="{FF2B5EF4-FFF2-40B4-BE49-F238E27FC236}">
+                <a16:creationId xmlns:a16="http://schemas.microsoft.com/office/drawing/2014/main" id="{F72C9912-8DA4-1141-9386-E74EBE44F78B}"/>
+              </a:ext>
+            </a:extLst>
+          </p:cNvPr>
+          <p:cNvSpPr>
+            <a:spLocks noGrp="1"/>
+          </p:cNvSpPr>
+          <p:nvPr>
+            <p:ph type="sldNum" sz="quarter" idx="12"/>
+          </p:nvPr>
+        </p:nvSpPr>
+        <p:spPr>
+          <a:xfrm>
+            <a:off x="6553200" y="6248400"/>
+            <a:ext cx="1905000" cy="457200"/>
+          </a:xfrm>
+        </p:spPr>
+        <p:txBody>
+          <a:bodyPr wrap="square" anchor="t">
+            <a:normAutofit/>
+          </a:bodyPr>
+          <a:lstStyle/>
+          <a:p>
+            <a:pPr>
+              <a:spcAft>
+                <a:spcPts val="600"/>
+              </a:spcAft>
+              <a:defRPr/>
+            </a:pPr>
+            <a:fld id="{F9B43987-7F84-BB4A-8611-CDF75B6A737D}" type="slidenum">
+              <a:rPr lang="en-US" smtClean="0"/>
+              <a:pPr>
+                <a:spcAft>
+                  <a:spcPts val="600"/>
+                </a:spcAft>
+                <a:defRPr/>
+              </a:pPr>
+              <a:t>6</a:t>
+            </a:fld>
+            <a:endParaRPr lang="en-US"/>
+          </a:p>
+        </p:txBody>
+      </p:sp>
+    </p:spTree>
+    <p:extLst>
+      <p:ext uri="{BB962C8B-B14F-4D97-AF65-F5344CB8AC3E}">
+        <p14:creationId xmlns:p14="http://schemas.microsoft.com/office/powerpoint/2010/main" val="2110749571"/>
+      </p:ext>
+    </p:extLst>
+  </p:cSld>
+  <p:clrMapOvr>
+    <a:masterClrMapping/>
+  </p:clrMapOvr>
+  <p:transition/>
+</p:sld>
+</file>
+
+<file path=ppt/slides/slide60.xml><?xml version="1.0" encoding="utf-8"?>
+<p:sld xmlns:a="http://schemas.openxmlformats.org/drawingml/2006/main" xmlns:r="http://schemas.openxmlformats.org/officeDocument/2006/relationships" xmlns:p="http://schemas.openxmlformats.org/presentationml/2006/main">
+  <p:cSld>
+    <p:spTree>
+      <p:nvGrpSpPr>
+        <p:cNvPr id="1" name=""/>
+        <p:cNvGrpSpPr/>
+        <p:nvPr/>
+      </p:nvGrpSpPr>
+      <p:grpSpPr>
+        <a:xfrm>
+          <a:off x="0" y="0"/>
+          <a:ext cx="0" cy="0"/>
+          <a:chOff x="0" y="0"/>
+          <a:chExt cx="0" cy="0"/>
+        </a:xfrm>
+      </p:grpSpPr>
+      <p:sp>
+        <p:nvSpPr>
           <p:cNvPr id="22530" name="Footer Placeholder 4"/>
           <p:cNvSpPr>
             <a:spLocks noGrp="1"/>
@@ -45428,7 +46887,7 @@
             <a:fld id="{CA9CF61F-D18B-5946-9F36-FA97BCA712E8}" type="slidenum">
               <a:rPr lang="en-US" smtClean="0"/>
               <a:pPr/>
-              <a:t>59</a:t>
+              <a:t>60</a:t>
             </a:fld>
             <a:endParaRPr lang="en-US"/>
           </a:p>
@@ -45631,14 +47090,14 @@
           </a:ln>
           <a:extLst>
             <a:ext uri="{909E8E84-426E-40dd-AFC4-6F175D3DCCD1}">
-              <a14:hiddenFill xmlns="" xmlns:a14="http://schemas.microsoft.com/office/drawing/2010/main">
+              <a14:hiddenFill xmlns:a14="http://schemas.microsoft.com/office/drawing/2010/main" xmlns="">
                 <a:solidFill>
                   <a:srgbClr val="FFFFFF"/>
                 </a:solidFill>
               </a14:hiddenFill>
             </a:ext>
             <a:ext uri="{91240B29-F687-4f45-9708-019B960494DF}">
-              <a14:hiddenLine xmlns="" xmlns:a14="http://schemas.microsoft.com/office/drawing/2010/main" w="9525">
+              <a14:hiddenLine xmlns:a14="http://schemas.microsoft.com/office/drawing/2010/main" xmlns="" w="9525">
                 <a:solidFill>
                   <a:srgbClr val="000000"/>
                 </a:solidFill>
@@ -46474,7 +47933,7 @@
 </p:sld>
 </file>
 
-<file path=ppt/slides/slide6.xml><?xml version="1.0" encoding="utf-8"?>
+<file path=ppt/slides/slide61.xml><?xml version="1.0" encoding="utf-8"?>
 <p:sld xmlns:a="http://schemas.openxmlformats.org/drawingml/2006/main" xmlns:r="http://schemas.openxmlformats.org/officeDocument/2006/relationships" xmlns:p="http://schemas.openxmlformats.org/presentationml/2006/main">
   <p:cSld>
     <p:spTree>
@@ -46493,332 +47952,6 @@
       </p:grpSpPr>
       <p:sp>
         <p:nvSpPr>
-          <p:cNvPr id="2" name="Title 1">
-            <a:extLst>
-              <a:ext uri="{FF2B5EF4-FFF2-40B4-BE49-F238E27FC236}">
-                <a16:creationId xmlns:a16="http://schemas.microsoft.com/office/drawing/2014/main" id="{540B0215-4E57-AC49-BBF2-049D9965E57A}"/>
-              </a:ext>
-            </a:extLst>
-          </p:cNvPr>
-          <p:cNvSpPr>
-            <a:spLocks noGrp="1"/>
-          </p:cNvSpPr>
-          <p:nvPr>
-            <p:ph type="title"/>
-          </p:nvPr>
-        </p:nvSpPr>
-        <p:spPr>
-          <a:xfrm>
-            <a:off x="685800" y="609600"/>
-            <a:ext cx="7772400" cy="685800"/>
-          </a:xfrm>
-        </p:spPr>
-        <p:txBody>
-          <a:bodyPr wrap="square" anchor="ctr">
-            <a:normAutofit/>
-          </a:bodyPr>
-          <a:lstStyle/>
-          <a:p>
-            <a:pPr>
-              <a:lnSpc>
-                <a:spcPct val="90000"/>
-              </a:lnSpc>
-            </a:pPr>
-            <a:r>
-              <a:rPr lang="en-US" dirty="0"/>
-              <a:t>Q1) definition</a:t>
-            </a:r>
-            <a:endParaRPr lang="en-US"/>
-          </a:p>
-        </p:txBody>
-      </p:sp>
-      <p:sp>
-        <p:nvSpPr>
-          <p:cNvPr id="3" name="Content Placeholder 2">
-            <a:extLst>
-              <a:ext uri="{FF2B5EF4-FFF2-40B4-BE49-F238E27FC236}">
-                <a16:creationId xmlns:a16="http://schemas.microsoft.com/office/drawing/2014/main" id="{38399C24-119E-B646-BC9C-1C7988DF4724}"/>
-              </a:ext>
-            </a:extLst>
-          </p:cNvPr>
-          <p:cNvSpPr>
-            <a:spLocks noGrp="1"/>
-          </p:cNvSpPr>
-          <p:nvPr>
-            <p:ph type="body" sz="half" idx="1"/>
-          </p:nvPr>
-        </p:nvSpPr>
-        <p:spPr>
-          <a:xfrm>
-            <a:off x="685800" y="1447800"/>
-            <a:ext cx="3810000" cy="4648200"/>
-          </a:xfrm>
-        </p:spPr>
-        <p:txBody>
-          <a:bodyPr wrap="square" anchor="t">
-            <a:normAutofit/>
-          </a:bodyPr>
-          <a:lstStyle/>
-          <a:p>
-            <a:pPr marL="0" indent="0">
-              <a:buNone/>
-            </a:pPr>
-            <a:r>
-              <a:rPr lang="en-US" sz="2800" dirty="0"/>
-              <a:t>“an observation which deviates so much from the other observations as to arouse suspicions that it was generated by a different mechanism”</a:t>
-            </a:r>
-          </a:p>
-          <a:p>
-            <a:pPr marL="0" indent="0">
-              <a:buNone/>
-            </a:pPr>
-            <a:endParaRPr lang="en-US" sz="2800" dirty="0"/>
-          </a:p>
-          <a:p>
-            <a:pPr marL="0" indent="0">
-              <a:buNone/>
-            </a:pPr>
-            <a:r>
-              <a:rPr lang="en-US" sz="2600" i="1" dirty="0"/>
-              <a:t>D. M. Hawkins. Identification of outliers, volume 11. Springer, 1980.</a:t>
-            </a:r>
-          </a:p>
-        </p:txBody>
-      </p:sp>
-      <p:pic>
-        <p:nvPicPr>
-          <p:cNvPr id="11" name="Picture 10" descr="Chart, scatter chart&#10;&#10;Description automatically generated">
-            <a:extLst>
-              <a:ext uri="{FF2B5EF4-FFF2-40B4-BE49-F238E27FC236}">
-                <a16:creationId xmlns:a16="http://schemas.microsoft.com/office/drawing/2014/main" id="{194D41E1-9F57-0E4C-BCB2-AAC6DEB05AC5}"/>
-              </a:ext>
-            </a:extLst>
-          </p:cNvPr>
-          <p:cNvPicPr>
-            <a:picLocks noChangeAspect="1"/>
-          </p:cNvPicPr>
-          <p:nvPr/>
-        </p:nvPicPr>
-        <p:blipFill>
-          <a:blip r:embed="rId2" cstate="screen">
-            <a:extLst>
-              <a:ext uri="{28A0092B-C50C-407E-A947-70E740481C1C}">
-                <a14:useLocalDpi xmlns:a14="http://schemas.microsoft.com/office/drawing/2010/main"/>
-              </a:ext>
-            </a:extLst>
-          </a:blip>
-          <a:stretch>
-            <a:fillRect/>
-          </a:stretch>
-        </p:blipFill>
-        <p:spPr>
-          <a:xfrm>
-            <a:off x="5054600" y="1447800"/>
-            <a:ext cx="2997200" cy="2247900"/>
-          </a:xfrm>
-          <a:prstGeom prst="rect">
-            <a:avLst/>
-          </a:prstGeom>
-          <a:noFill/>
-        </p:spPr>
-      </p:pic>
-      <p:sp>
-        <p:nvSpPr>
-          <p:cNvPr id="16" name="Content Placeholder 4">
-            <a:extLst>
-              <a:ext uri="{FF2B5EF4-FFF2-40B4-BE49-F238E27FC236}">
-                <a16:creationId xmlns:a16="http://schemas.microsoft.com/office/drawing/2014/main" id="{BC449129-483C-4BF7-9E3D-8F86B73C991E}"/>
-              </a:ext>
-            </a:extLst>
-          </p:cNvPr>
-          <p:cNvSpPr>
-            <a:spLocks noGrp="1"/>
-          </p:cNvSpPr>
-          <p:nvPr>
-            <p:ph sz="quarter" idx="3"/>
-          </p:nvPr>
-        </p:nvSpPr>
-        <p:spPr>
-          <a:xfrm>
-            <a:off x="4648200" y="3848100"/>
-            <a:ext cx="3810000" cy="2247900"/>
-          </a:xfrm>
-        </p:spPr>
-        <p:txBody>
-          <a:bodyPr/>
-          <a:lstStyle/>
-          <a:p>
-            <a:pPr marL="0" indent="0">
-              <a:buNone/>
-            </a:pPr>
-            <a:endParaRPr lang="en-US" dirty="0"/>
-          </a:p>
-        </p:txBody>
-      </p:sp>
-      <p:sp>
-        <p:nvSpPr>
-          <p:cNvPr id="4" name="Date Placeholder 3">
-            <a:extLst>
-              <a:ext uri="{FF2B5EF4-FFF2-40B4-BE49-F238E27FC236}">
-                <a16:creationId xmlns:a16="http://schemas.microsoft.com/office/drawing/2014/main" id="{62C017FA-0DFA-E44D-B6C1-0739D1661257}"/>
-              </a:ext>
-            </a:extLst>
-          </p:cNvPr>
-          <p:cNvSpPr>
-            <a:spLocks noGrp="1"/>
-          </p:cNvSpPr>
-          <p:nvPr>
-            <p:ph type="dt" sz="half" idx="10"/>
-          </p:nvPr>
-        </p:nvSpPr>
-        <p:spPr>
-          <a:xfrm>
-            <a:off x="685800" y="6248400"/>
-            <a:ext cx="1905000" cy="457200"/>
-          </a:xfrm>
-        </p:spPr>
-        <p:txBody>
-          <a:bodyPr wrap="square" anchor="t">
-            <a:normAutofit fontScale="92500" lnSpcReduction="10000"/>
-          </a:bodyPr>
-          <a:lstStyle/>
-          <a:p>
-            <a:pPr>
-              <a:spcAft>
-                <a:spcPts val="600"/>
-              </a:spcAft>
-              <a:defRPr/>
-            </a:pPr>
-            <a:r>
-              <a:rPr lang="en-US"/>
-              <a:t>OddBall: PAKDD 2021 Most Influential Paper</a:t>
-            </a:r>
-          </a:p>
-        </p:txBody>
-      </p:sp>
-      <p:sp>
-        <p:nvSpPr>
-          <p:cNvPr id="5" name="Footer Placeholder 4">
-            <a:extLst>
-              <a:ext uri="{FF2B5EF4-FFF2-40B4-BE49-F238E27FC236}">
-                <a16:creationId xmlns:a16="http://schemas.microsoft.com/office/drawing/2014/main" id="{9AD9F948-0593-B94B-B4F1-6D24DA7653DA}"/>
-              </a:ext>
-            </a:extLst>
-          </p:cNvPr>
-          <p:cNvSpPr>
-            <a:spLocks noGrp="1"/>
-          </p:cNvSpPr>
-          <p:nvPr>
-            <p:ph type="ftr" sz="quarter" idx="11"/>
-          </p:nvPr>
-        </p:nvSpPr>
-        <p:spPr>
-          <a:xfrm>
-            <a:off x="3124200" y="6248400"/>
-            <a:ext cx="2895600" cy="457200"/>
-          </a:xfrm>
-        </p:spPr>
-        <p:txBody>
-          <a:bodyPr wrap="square" anchor="t">
-            <a:normAutofit/>
-          </a:bodyPr>
-          <a:lstStyle/>
-          <a:p>
-            <a:pPr>
-              <a:spcAft>
-                <a:spcPts val="600"/>
-              </a:spcAft>
-              <a:defRPr/>
-            </a:pPr>
-            <a:r>
-              <a:rPr lang="fi-FI" sz="1300"/>
-              <a:t>L. Akoglu, M. McGlohon, C. Faloutsos</a:t>
-            </a:r>
-            <a:endParaRPr lang="en-US" sz="1300"/>
-          </a:p>
-        </p:txBody>
-      </p:sp>
-      <p:sp>
-        <p:nvSpPr>
-          <p:cNvPr id="6" name="Slide Number Placeholder 5">
-            <a:extLst>
-              <a:ext uri="{FF2B5EF4-FFF2-40B4-BE49-F238E27FC236}">
-                <a16:creationId xmlns:a16="http://schemas.microsoft.com/office/drawing/2014/main" id="{F72C9912-8DA4-1141-9386-E74EBE44F78B}"/>
-              </a:ext>
-            </a:extLst>
-          </p:cNvPr>
-          <p:cNvSpPr>
-            <a:spLocks noGrp="1"/>
-          </p:cNvSpPr>
-          <p:nvPr>
-            <p:ph type="sldNum" sz="quarter" idx="12"/>
-          </p:nvPr>
-        </p:nvSpPr>
-        <p:spPr>
-          <a:xfrm>
-            <a:off x="6553200" y="6248400"/>
-            <a:ext cx="1905000" cy="457200"/>
-          </a:xfrm>
-        </p:spPr>
-        <p:txBody>
-          <a:bodyPr wrap="square" anchor="t">
-            <a:normAutofit/>
-          </a:bodyPr>
-          <a:lstStyle/>
-          <a:p>
-            <a:pPr>
-              <a:spcAft>
-                <a:spcPts val="600"/>
-              </a:spcAft>
-              <a:defRPr/>
-            </a:pPr>
-            <a:fld id="{F9B43987-7F84-BB4A-8611-CDF75B6A737D}" type="slidenum">
-              <a:rPr lang="en-US" smtClean="0"/>
-              <a:pPr>
-                <a:spcAft>
-                  <a:spcPts val="600"/>
-                </a:spcAft>
-                <a:defRPr/>
-              </a:pPr>
-              <a:t>6</a:t>
-            </a:fld>
-            <a:endParaRPr lang="en-US"/>
-          </a:p>
-        </p:txBody>
-      </p:sp>
-    </p:spTree>
-    <p:extLst>
-      <p:ext uri="{BB962C8B-B14F-4D97-AF65-F5344CB8AC3E}">
-        <p14:creationId xmlns:p14="http://schemas.microsoft.com/office/powerpoint/2010/main" val="2110749571"/>
-      </p:ext>
-    </p:extLst>
-  </p:cSld>
-  <p:clrMapOvr>
-    <a:masterClrMapping/>
-  </p:clrMapOvr>
-  <p:transition/>
-</p:sld>
-</file>
-
-<file path=ppt/slides/slide60.xml><?xml version="1.0" encoding="utf-8"?>
-<p:sld xmlns:a="http://schemas.openxmlformats.org/drawingml/2006/main" xmlns:r="http://schemas.openxmlformats.org/officeDocument/2006/relationships" xmlns:p="http://schemas.openxmlformats.org/presentationml/2006/main">
-  <p:cSld>
-    <p:spTree>
-      <p:nvGrpSpPr>
-        <p:cNvPr id="1" name=""/>
-        <p:cNvGrpSpPr/>
-        <p:nvPr/>
-      </p:nvGrpSpPr>
-      <p:grpSpPr>
-        <a:xfrm>
-          <a:off x="0" y="0"/>
-          <a:ext cx="0" cy="0"/>
-          <a:chOff x="0" y="0"/>
-          <a:chExt cx="0" cy="0"/>
-        </a:xfrm>
-      </p:grpSpPr>
-      <p:sp>
-        <p:nvSpPr>
           <p:cNvPr id="22530" name="Footer Placeholder 4"/>
           <p:cNvSpPr>
             <a:spLocks noGrp="1"/>
@@ -46862,7 +47995,7 @@
             <a:fld id="{CA9CF61F-D18B-5946-9F36-FA97BCA712E8}" type="slidenum">
               <a:rPr lang="en-US" smtClean="0"/>
               <a:pPr/>
-              <a:t>60</a:t>
+              <a:t>61</a:t>
             </a:fld>
             <a:endParaRPr lang="en-US"/>
           </a:p>
@@ -47065,14 +48198,14 @@
           </a:ln>
           <a:extLst>
             <a:ext uri="{909E8E84-426E-40dd-AFC4-6F175D3DCCD1}">
-              <a14:hiddenFill xmlns="" xmlns:a14="http://schemas.microsoft.com/office/drawing/2010/main">
+              <a14:hiddenFill xmlns:a14="http://schemas.microsoft.com/office/drawing/2010/main" xmlns="">
                 <a:solidFill>
                   <a:srgbClr val="FFFFFF"/>
                 </a:solidFill>
               </a14:hiddenFill>
             </a:ext>
             <a:ext uri="{91240B29-F687-4f45-9708-019B960494DF}">
-              <a14:hiddenLine xmlns="" xmlns:a14="http://schemas.microsoft.com/office/drawing/2010/main" w="9525">
+              <a14:hiddenLine xmlns:a14="http://schemas.microsoft.com/office/drawing/2010/main" xmlns="" w="9525">
                 <a:solidFill>
                   <a:srgbClr val="000000"/>
                 </a:solidFill>

--- a/P3_future_OddBall_ToT.pptx
+++ b/P3_future_OddBall_ToT.pptx
@@ -5,10 +5,10 @@
     <p:sldMasterId id="2147483656" r:id="rId1"/>
   </p:sldMasterIdLst>
   <p:notesMasterIdLst>
-    <p:notesMasterId r:id="rId54"/>
+    <p:notesMasterId r:id="rId55"/>
   </p:notesMasterIdLst>
   <p:handoutMasterIdLst>
-    <p:handoutMasterId r:id="rId55"/>
+    <p:handoutMasterId r:id="rId56"/>
   </p:handoutMasterIdLst>
   <p:sldIdLst>
     <p:sldId id="1334" r:id="rId2"/>
@@ -54,15 +54,16 @@
     <p:sldId id="695" r:id="rId42"/>
     <p:sldId id="3453" r:id="rId43"/>
     <p:sldId id="687" r:id="rId44"/>
-    <p:sldId id="2337" r:id="rId45"/>
-    <p:sldId id="3454" r:id="rId46"/>
-    <p:sldId id="2348" r:id="rId47"/>
-    <p:sldId id="3471" r:id="rId48"/>
-    <p:sldId id="3455" r:id="rId49"/>
-    <p:sldId id="2516" r:id="rId50"/>
-    <p:sldId id="3463" r:id="rId51"/>
-    <p:sldId id="2994" r:id="rId52"/>
-    <p:sldId id="3470" r:id="rId53"/>
+    <p:sldId id="3474" r:id="rId45"/>
+    <p:sldId id="2337" r:id="rId46"/>
+    <p:sldId id="3454" r:id="rId47"/>
+    <p:sldId id="2348" r:id="rId48"/>
+    <p:sldId id="3471" r:id="rId49"/>
+    <p:sldId id="3455" r:id="rId50"/>
+    <p:sldId id="2516" r:id="rId51"/>
+    <p:sldId id="3463" r:id="rId52"/>
+    <p:sldId id="2994" r:id="rId53"/>
+    <p:sldId id="3470" r:id="rId54"/>
   </p:sldIdLst>
   <p:sldSz cx="9144000" cy="6858000" type="screen4x3"/>
   <p:notesSz cx="7315200" cy="9601200"/>
@@ -1518,7 +1519,7 @@
             <a:fld id="{CFD20FB9-378C-F043-843C-480363C51D11}" type="slidenum">
               <a:rPr lang="en-US" smtClean="0"/>
               <a:pPr/>
-              <a:t>49</a:t>
+              <a:t>50</a:t>
             </a:fld>
             <a:endParaRPr lang="en-US"/>
           </a:p>
@@ -1659,7 +1660,7 @@
             <a:fld id="{CFD20FB9-378C-F043-843C-480363C51D11}" type="slidenum">
               <a:rPr lang="en-US" smtClean="0"/>
               <a:pPr/>
-              <a:t>50</a:t>
+              <a:t>51</a:t>
             </a:fld>
             <a:endParaRPr lang="en-US"/>
           </a:p>
@@ -1774,7 +1775,7 @@
               <a:pPr>
                 <a:defRPr/>
               </a:pPr>
-              <a:t>51</a:t>
+              <a:t>52</a:t>
             </a:fld>
             <a:endParaRPr lang="en-US"/>
           </a:p>
@@ -1889,7 +1890,7 @@
               <a:pPr>
                 <a:defRPr/>
               </a:pPr>
-              <a:t>52</a:t>
+              <a:t>53</a:t>
             </a:fld>
             <a:endParaRPr lang="en-US"/>
           </a:p>
@@ -22873,8 +22874,8 @@
           </a:p>
         </p:txBody>
       </p:sp>
-      <mc:AlternateContent xmlns:mc="http://schemas.openxmlformats.org/markup-compatibility/2006">
-        <mc:Choice xmlns:a14="http://schemas.microsoft.com/office/drawing/2010/main" Requires="a14">
+      <mc:AlternateContent xmlns:mc="http://schemas.openxmlformats.org/markup-compatibility/2006" xmlns:a14="http://schemas.microsoft.com/office/drawing/2010/main">
+        <mc:Choice Requires="a14">
           <p:sp>
             <p:nvSpPr>
               <p:cNvPr id="8" name="Text Placeholder 2">
@@ -23189,7 +23190,7 @@
             </p:txBody>
           </p:sp>
         </mc:Choice>
-        <mc:Fallback>
+        <mc:Fallback xmlns="">
           <p:sp>
             <p:nvSpPr>
               <p:cNvPr id="8" name="Text Placeholder 2">
@@ -27640,6 +27641,84 @@
           <a:p>
             <a:pPr algn="ctr"/>
             <a:endParaRPr lang="en-US"/>
+          </a:p>
+        </p:txBody>
+      </p:sp>
+      <p:sp>
+        <p:nvSpPr>
+          <p:cNvPr id="2" name="Down Arrow 1">
+            <a:extLst>
+              <a:ext uri="{FF2B5EF4-FFF2-40B4-BE49-F238E27FC236}">
+                <a16:creationId xmlns:a16="http://schemas.microsoft.com/office/drawing/2014/main" id="{BFE17F33-2A6D-8949-BDD5-9472E3FD531B}"/>
+              </a:ext>
+            </a:extLst>
+          </p:cNvPr>
+          <p:cNvSpPr/>
+          <p:nvPr/>
+        </p:nvSpPr>
+        <p:spPr bwMode="auto">
+          <a:xfrm>
+            <a:off x="3124199" y="4519448"/>
+            <a:ext cx="249622" cy="367862"/>
+          </a:xfrm>
+          <a:prstGeom prst="downArrow">
+            <a:avLst/>
+          </a:prstGeom>
+          <a:solidFill>
+            <a:schemeClr val="tx1"/>
+          </a:solidFill>
+          <a:ln w="3175" cap="flat" cmpd="sng" algn="ctr">
+            <a:noFill/>
+            <a:prstDash val="solid"/>
+            <a:round/>
+            <a:headEnd type="none" w="sm" len="sm"/>
+            <a:tailEnd type="none" w="med" len="med"/>
+          </a:ln>
+          <a:effectLst/>
+        </p:spPr>
+        <p:txBody>
+          <a:bodyPr rtlCol="0" anchor="ctr"/>
+          <a:lstStyle/>
+          <a:p>
+            <a:pPr algn="ctr"/>
+            <a:endParaRPr lang="en-US"/>
+          </a:p>
+        </p:txBody>
+      </p:sp>
+      <p:sp>
+        <p:nvSpPr>
+          <p:cNvPr id="3" name="TextBox 2">
+            <a:extLst>
+              <a:ext uri="{FF2B5EF4-FFF2-40B4-BE49-F238E27FC236}">
+                <a16:creationId xmlns:a16="http://schemas.microsoft.com/office/drawing/2014/main" id="{FE5A8C28-802B-AD4A-8CE0-8123AAEEDD66}"/>
+              </a:ext>
+            </a:extLst>
+          </p:cNvPr>
+          <p:cNvSpPr txBox="1"/>
+          <p:nvPr/>
+        </p:nvSpPr>
+        <p:spPr>
+          <a:xfrm>
+            <a:off x="2215572" y="5011298"/>
+            <a:ext cx="1983236" cy="523220"/>
+          </a:xfrm>
+          <a:prstGeom prst="rect">
+            <a:avLst/>
+          </a:prstGeom>
+          <a:noFill/>
+        </p:spPr>
+        <p:txBody>
+          <a:bodyPr wrap="none" rtlCol="0">
+            <a:spAutoFit/>
+          </a:bodyPr>
+          <a:lstStyle/>
+          <a:p>
+            <a:r>
+              <a:rPr lang="en-US" sz="2800" dirty="0">
+                <a:latin typeface="+mn-lt"/>
+              </a:rPr>
+              <a:t>k-means, ++</a:t>
+            </a:r>
           </a:p>
         </p:txBody>
       </p:sp>
@@ -31769,53 +31848,6 @@
           </a:p>
         </p:txBody>
       </p:sp>
-      <p:pic>
-        <p:nvPicPr>
-          <p:cNvPr id="7" name="Picture 4" descr="Known, unknown road sign ⬇ Stock Photo, Image by © alexmillos #23717325">
-            <a:extLst>
-              <a:ext uri="{FF2B5EF4-FFF2-40B4-BE49-F238E27FC236}">
-                <a16:creationId xmlns:a16="http://schemas.microsoft.com/office/drawing/2014/main" id="{B4B91932-E03E-5F4E-9312-8BFF88994DFF}"/>
-              </a:ext>
-            </a:extLst>
-          </p:cNvPr>
-          <p:cNvPicPr>
-            <a:picLocks noChangeAspect="1" noChangeArrowheads="1"/>
-          </p:cNvPicPr>
-          <p:nvPr/>
-        </p:nvPicPr>
-        <p:blipFill>
-          <a:blip r:embed="rId2" cstate="screen">
-            <a:extLst>
-              <a:ext uri="{28A0092B-C50C-407E-A947-70E740481C1C}">
-                <a14:useLocalDpi xmlns:a14="http://schemas.microsoft.com/office/drawing/2010/main"/>
-              </a:ext>
-            </a:extLst>
-          </a:blip>
-          <a:srcRect/>
-          <a:stretch>
-            <a:fillRect/>
-          </a:stretch>
-        </p:blipFill>
-        <p:spPr bwMode="auto">
-          <a:xfrm>
-            <a:off x="7505700" y="4527469"/>
-            <a:ext cx="1453402" cy="1765461"/>
-          </a:xfrm>
-          <a:prstGeom prst="rect">
-            <a:avLst/>
-          </a:prstGeom>
-          <a:noFill/>
-          <a:extLst>
-            <a:ext uri="{909E8E84-426E-40DD-AFC4-6F175D3DCCD1}">
-              <a14:hiddenFill xmlns:a14="http://schemas.microsoft.com/office/drawing/2010/main">
-                <a:solidFill>
-                  <a:srgbClr val="FFFFFF"/>
-                </a:solidFill>
-              </a14:hiddenFill>
-            </a:ext>
-          </a:extLst>
-        </p:spPr>
-      </p:pic>
     </p:spTree>
     <p:extLst>
       <p:ext uri="{BB962C8B-B14F-4D97-AF65-F5344CB8AC3E}">
@@ -31827,84 +31859,6 @@
     <a:masterClrMapping/>
   </p:clrMapOvr>
   <p:transition/>
-  <p:timing>
-    <p:tnLst>
-      <p:par>
-        <p:cTn id="1" dur="indefinite" restart="never" nodeType="tmRoot">
-          <p:childTnLst>
-            <p:seq concurrent="1" nextAc="seek">
-              <p:cTn id="2" dur="indefinite" nodeType="mainSeq">
-                <p:childTnLst>
-                  <p:par>
-                    <p:cTn id="3" fill="hold">
-                      <p:stCondLst>
-                        <p:cond delay="indefinite"/>
-                        <p:cond evt="onBegin" delay="0">
-                          <p:tn val="2"/>
-                        </p:cond>
-                      </p:stCondLst>
-                      <p:childTnLst>
-                        <p:par>
-                          <p:cTn id="4" fill="hold">
-                            <p:stCondLst>
-                              <p:cond delay="0"/>
-                            </p:stCondLst>
-                            <p:childTnLst>
-                              <p:par>
-                                <p:cTn id="5" presetID="1" presetClass="entr" presetSubtype="0" fill="hold" nodeType="withEffect">
-                                  <p:stCondLst>
-                                    <p:cond delay="0"/>
-                                  </p:stCondLst>
-                                  <p:childTnLst>
-                                    <p:set>
-                                      <p:cBhvr>
-                                        <p:cTn id="6" dur="1" fill="hold">
-                                          <p:stCondLst>
-                                            <p:cond delay="0"/>
-                                          </p:stCondLst>
-                                        </p:cTn>
-                                        <p:tgtEl>
-                                          <p:spTgt spid="7"/>
-                                        </p:tgtEl>
-                                        <p:attrNameLst>
-                                          <p:attrName>style.visibility</p:attrName>
-                                        </p:attrNameLst>
-                                      </p:cBhvr>
-                                      <p:to>
-                                        <p:strVal val="visible"/>
-                                      </p:to>
-                                    </p:set>
-                                  </p:childTnLst>
-                                </p:cTn>
-                              </p:par>
-                            </p:childTnLst>
-                          </p:cTn>
-                        </p:par>
-                      </p:childTnLst>
-                    </p:cTn>
-                  </p:par>
-                </p:childTnLst>
-              </p:cTn>
-              <p:prevCondLst>
-                <p:cond evt="onPrev" delay="0">
-                  <p:tgtEl>
-                    <p:sldTgt/>
-                  </p:tgtEl>
-                </p:cond>
-              </p:prevCondLst>
-              <p:nextCondLst>
-                <p:cond evt="onNext" delay="0">
-                  <p:tgtEl>
-                    <p:sldTgt/>
-                  </p:tgtEl>
-                </p:cond>
-              </p:nextCondLst>
-            </p:seq>
-          </p:childTnLst>
-        </p:cTn>
-      </p:par>
-    </p:tnLst>
-  </p:timing>
 </p:sld>
 </file>
 
@@ -36344,7 +36298,7 @@
 </file>
 
 <file path=ppt/slides/slide44.xml><?xml version="1.0" encoding="utf-8"?>
-<p:sld xmlns:a="http://schemas.openxmlformats.org/drawingml/2006/main" xmlns:r="http://schemas.openxmlformats.org/officeDocument/2006/relationships" xmlns:p="http://schemas.openxmlformats.org/presentationml/2006/main">
+<p:sld xmlns:a="http://schemas.openxmlformats.org/drawingml/2006/main" xmlns:r="http://schemas.openxmlformats.org/officeDocument/2006/relationships" xmlns:p="http://schemas.openxmlformats.org/presentationml/2006/main" show="0">
   <p:cSld>
     <p:spTree>
       <p:nvGrpSpPr>
@@ -36362,7 +36316,13 @@
       </p:grpSpPr>
       <p:sp>
         <p:nvSpPr>
-          <p:cNvPr id="2" name="Title 1"/>
+          <p:cNvPr id="80899" name="Title 1">
+            <a:extLst>
+              <a:ext uri="{FF2B5EF4-FFF2-40B4-BE49-F238E27FC236}">
+                <a16:creationId xmlns:a16="http://schemas.microsoft.com/office/drawing/2014/main" id="{D3F47D2A-2323-B140-83AE-D257D6775BCC}"/>
+              </a:ext>
+            </a:extLst>
+          </p:cNvPr>
           <p:cNvSpPr>
             <a:spLocks noGrp="1"/>
           </p:cNvSpPr>
@@ -36375,19 +36335,18 @@
           <a:bodyPr/>
           <a:lstStyle/>
           <a:p>
-            <a:r>
-              <a:rPr lang="en-US" dirty="0"/>
-              <a:t>Q: Fractals and Graphs?</a:t>
-            </a:r>
-          </a:p>
-        </p:txBody>
-      </p:sp>
-      <p:sp>
-        <p:nvSpPr>
-          <p:cNvPr id="3" name="Date Placeholder 2">
+            <a:endParaRPr lang="en-US" altLang="en-US">
+              <a:ea typeface="ＭＳ Ｐゴシック" panose="020B0600070205080204" pitchFamily="34" charset="-128"/>
+            </a:endParaRPr>
+          </a:p>
+        </p:txBody>
+      </p:sp>
+      <p:sp>
+        <p:nvSpPr>
+          <p:cNvPr id="80900" name="Date Placeholder 3">
             <a:extLst>
               <a:ext uri="{FF2B5EF4-FFF2-40B4-BE49-F238E27FC236}">
-                <a16:creationId xmlns:a16="http://schemas.microsoft.com/office/drawing/2014/main" id="{E7CFA20C-0C15-3844-89E2-0F1F90353DEB}"/>
+                <a16:creationId xmlns:a16="http://schemas.microsoft.com/office/drawing/2014/main" id="{DABE3B6F-9301-4C41-997C-91AE9AF91962}"/>
               </a:ext>
             </a:extLst>
           </p:cNvPr>
@@ -36395,19 +36354,144 @@
             <a:spLocks noGrp="1"/>
           </p:cNvSpPr>
           <p:nvPr>
-            <p:ph type="dt" sz="half" idx="10"/>
+            <p:ph type="dt" sz="quarter" idx="10"/>
           </p:nvPr>
         </p:nvSpPr>
-        <p:spPr/>
+        <p:spPr>
+          <a:noFill/>
+          <a:ln/>
+          <a:extLst>
+            <a:ext uri="{909E8E84-426E-40DD-AFC4-6F175D3DCCD1}">
+              <a14:hiddenFill xmlns:a14="http://schemas.microsoft.com/office/drawing/2010/main">
+                <a:solidFill>
+                  <a:srgbClr val="FFFFFF"/>
+                </a:solidFill>
+              </a14:hiddenFill>
+            </a:ext>
+            <a:ext uri="{91240B29-F687-4F45-9708-019B960494DF}">
+              <a14:hiddenLine xmlns:a14="http://schemas.microsoft.com/office/drawing/2010/main" w="9525">
+                <a:solidFill>
+                  <a:srgbClr val="000000"/>
+                </a:solidFill>
+                <a:miter lim="800000"/>
+                <a:headEnd/>
+                <a:tailEnd/>
+              </a14:hiddenLine>
+            </a:ext>
+          </a:extLst>
+        </p:spPr>
         <p:txBody>
           <a:bodyPr/>
-          <a:lstStyle/>
-          <a:p>
-            <a:pPr>
-              <a:defRPr/>
-            </a:pPr>
-            <a:r>
-              <a:rPr lang="en-US"/>
+          <a:lstStyle>
+            <a:lvl1pPr>
+              <a:defRPr sz="2800" u="sng">
+                <a:solidFill>
+                  <a:schemeClr val="tx1"/>
+                </a:solidFill>
+                <a:latin typeface="Times New Roman" panose="02020603050405020304" pitchFamily="18" charset="0"/>
+                <a:ea typeface="ＭＳ Ｐゴシック" panose="020B0600070205080204" pitchFamily="34" charset="-128"/>
+              </a:defRPr>
+            </a:lvl1pPr>
+            <a:lvl2pPr marL="37931725" indent="-37474525">
+              <a:defRPr sz="2800" u="sng">
+                <a:solidFill>
+                  <a:schemeClr val="tx1"/>
+                </a:solidFill>
+                <a:latin typeface="Times New Roman" panose="02020603050405020304" pitchFamily="18" charset="0"/>
+                <a:ea typeface="ＭＳ Ｐゴシック" panose="020B0600070205080204" pitchFamily="34" charset="-128"/>
+              </a:defRPr>
+            </a:lvl2pPr>
+            <a:lvl3pPr>
+              <a:defRPr sz="2800" u="sng">
+                <a:solidFill>
+                  <a:schemeClr val="tx1"/>
+                </a:solidFill>
+                <a:latin typeface="Times New Roman" panose="02020603050405020304" pitchFamily="18" charset="0"/>
+                <a:ea typeface="ＭＳ Ｐゴシック" panose="020B0600070205080204" pitchFamily="34" charset="-128"/>
+              </a:defRPr>
+            </a:lvl3pPr>
+            <a:lvl4pPr>
+              <a:defRPr sz="2800" u="sng">
+                <a:solidFill>
+                  <a:schemeClr val="tx1"/>
+                </a:solidFill>
+                <a:latin typeface="Times New Roman" panose="02020603050405020304" pitchFamily="18" charset="0"/>
+                <a:ea typeface="ＭＳ Ｐゴシック" panose="020B0600070205080204" pitchFamily="34" charset="-128"/>
+              </a:defRPr>
+            </a:lvl4pPr>
+            <a:lvl5pPr>
+              <a:defRPr sz="2800" u="sng">
+                <a:solidFill>
+                  <a:schemeClr val="tx1"/>
+                </a:solidFill>
+                <a:latin typeface="Times New Roman" panose="02020603050405020304" pitchFamily="18" charset="0"/>
+                <a:ea typeface="ＭＳ Ｐゴシック" panose="020B0600070205080204" pitchFamily="34" charset="-128"/>
+              </a:defRPr>
+            </a:lvl5pPr>
+            <a:lvl6pPr marL="457200" eaLnBrk="0" fontAlgn="base" hangingPunct="0">
+              <a:spcBef>
+                <a:spcPct val="0"/>
+              </a:spcBef>
+              <a:spcAft>
+                <a:spcPct val="0"/>
+              </a:spcAft>
+              <a:defRPr sz="2800" u="sng">
+                <a:solidFill>
+                  <a:schemeClr val="tx1"/>
+                </a:solidFill>
+                <a:latin typeface="Times New Roman" panose="02020603050405020304" pitchFamily="18" charset="0"/>
+                <a:ea typeface="ＭＳ Ｐゴシック" panose="020B0600070205080204" pitchFamily="34" charset="-128"/>
+              </a:defRPr>
+            </a:lvl6pPr>
+            <a:lvl7pPr marL="914400" eaLnBrk="0" fontAlgn="base" hangingPunct="0">
+              <a:spcBef>
+                <a:spcPct val="0"/>
+              </a:spcBef>
+              <a:spcAft>
+                <a:spcPct val="0"/>
+              </a:spcAft>
+              <a:defRPr sz="2800" u="sng">
+                <a:solidFill>
+                  <a:schemeClr val="tx1"/>
+                </a:solidFill>
+                <a:latin typeface="Times New Roman" panose="02020603050405020304" pitchFamily="18" charset="0"/>
+                <a:ea typeface="ＭＳ Ｐゴシック" panose="020B0600070205080204" pitchFamily="34" charset="-128"/>
+              </a:defRPr>
+            </a:lvl7pPr>
+            <a:lvl8pPr marL="1371600" eaLnBrk="0" fontAlgn="base" hangingPunct="0">
+              <a:spcBef>
+                <a:spcPct val="0"/>
+              </a:spcBef>
+              <a:spcAft>
+                <a:spcPct val="0"/>
+              </a:spcAft>
+              <a:defRPr sz="2800" u="sng">
+                <a:solidFill>
+                  <a:schemeClr val="tx1"/>
+                </a:solidFill>
+                <a:latin typeface="Times New Roman" panose="02020603050405020304" pitchFamily="18" charset="0"/>
+                <a:ea typeface="ＭＳ Ｐゴシック" panose="020B0600070205080204" pitchFamily="34" charset="-128"/>
+              </a:defRPr>
+            </a:lvl8pPr>
+            <a:lvl9pPr marL="1828800" eaLnBrk="0" fontAlgn="base" hangingPunct="0">
+              <a:spcBef>
+                <a:spcPct val="0"/>
+              </a:spcBef>
+              <a:spcAft>
+                <a:spcPct val="0"/>
+              </a:spcAft>
+              <a:defRPr sz="2800" u="sng">
+                <a:solidFill>
+                  <a:schemeClr val="tx1"/>
+                </a:solidFill>
+                <a:latin typeface="Times New Roman" panose="02020603050405020304" pitchFamily="18" charset="0"/>
+                <a:ea typeface="ＭＳ Ｐゴシック" panose="020B0600070205080204" pitchFamily="34" charset="-128"/>
+              </a:defRPr>
+            </a:lvl9pPr>
+          </a:lstStyle>
+          <a:p>
+            <a:r>
+              <a:rPr lang="en-US" altLang="en-US" sz="1400" u="none"/>
               <a:t>OddBall: PAKDD 2021 Most Influential Paper</a:t>
             </a:r>
           </a:p>
@@ -36415,10 +36499,10 @@
       </p:sp>
       <p:sp>
         <p:nvSpPr>
-          <p:cNvPr id="4" name="Footer Placeholder 3">
+          <p:cNvPr id="80901" name="Footer Placeholder 4">
             <a:extLst>
               <a:ext uri="{FF2B5EF4-FFF2-40B4-BE49-F238E27FC236}">
-                <a16:creationId xmlns:a16="http://schemas.microsoft.com/office/drawing/2014/main" id="{078BFAE6-7537-3D42-8876-7AEEE950E720}"/>
+                <a16:creationId xmlns:a16="http://schemas.microsoft.com/office/drawing/2014/main" id="{E433B448-24B7-1B40-9985-4F14543DC67C}"/>
               </a:ext>
             </a:extLst>
           </p:cNvPr>
@@ -36429,28 +36513,152 @@
             <p:ph type="ftr" sz="quarter" idx="11"/>
           </p:nvPr>
         </p:nvSpPr>
-        <p:spPr/>
+        <p:spPr>
+          <a:noFill/>
+          <a:ln/>
+          <a:extLst>
+            <a:ext uri="{909E8E84-426E-40DD-AFC4-6F175D3DCCD1}">
+              <a14:hiddenFill xmlns:a14="http://schemas.microsoft.com/office/drawing/2010/main">
+                <a:solidFill>
+                  <a:srgbClr val="FFFFFF"/>
+                </a:solidFill>
+              </a14:hiddenFill>
+            </a:ext>
+            <a:ext uri="{91240B29-F687-4F45-9708-019B960494DF}">
+              <a14:hiddenLine xmlns:a14="http://schemas.microsoft.com/office/drawing/2010/main" w="9525">
+                <a:solidFill>
+                  <a:srgbClr val="000000"/>
+                </a:solidFill>
+                <a:miter lim="800000"/>
+                <a:headEnd/>
+                <a:tailEnd/>
+              </a14:hiddenLine>
+            </a:ext>
+          </a:extLst>
+        </p:spPr>
         <p:txBody>
           <a:bodyPr/>
-          <a:lstStyle/>
-          <a:p>
-            <a:pPr>
-              <a:defRPr/>
-            </a:pPr>
-            <a:r>
-              <a:rPr lang="fi-FI"/>
+          <a:lstStyle>
+            <a:lvl1pPr>
+              <a:defRPr sz="2800" u="sng">
+                <a:solidFill>
+                  <a:schemeClr val="tx1"/>
+                </a:solidFill>
+                <a:latin typeface="Times New Roman" panose="02020603050405020304" pitchFamily="18" charset="0"/>
+                <a:ea typeface="ＭＳ Ｐゴシック" panose="020B0600070205080204" pitchFamily="34" charset="-128"/>
+              </a:defRPr>
+            </a:lvl1pPr>
+            <a:lvl2pPr marL="37931725" indent="-37474525">
+              <a:defRPr sz="2800" u="sng">
+                <a:solidFill>
+                  <a:schemeClr val="tx1"/>
+                </a:solidFill>
+                <a:latin typeface="Times New Roman" panose="02020603050405020304" pitchFamily="18" charset="0"/>
+                <a:ea typeface="ＭＳ Ｐゴシック" panose="020B0600070205080204" pitchFamily="34" charset="-128"/>
+              </a:defRPr>
+            </a:lvl2pPr>
+            <a:lvl3pPr>
+              <a:defRPr sz="2800" u="sng">
+                <a:solidFill>
+                  <a:schemeClr val="tx1"/>
+                </a:solidFill>
+                <a:latin typeface="Times New Roman" panose="02020603050405020304" pitchFamily="18" charset="0"/>
+                <a:ea typeface="ＭＳ Ｐゴシック" panose="020B0600070205080204" pitchFamily="34" charset="-128"/>
+              </a:defRPr>
+            </a:lvl3pPr>
+            <a:lvl4pPr>
+              <a:defRPr sz="2800" u="sng">
+                <a:solidFill>
+                  <a:schemeClr val="tx1"/>
+                </a:solidFill>
+                <a:latin typeface="Times New Roman" panose="02020603050405020304" pitchFamily="18" charset="0"/>
+                <a:ea typeface="ＭＳ Ｐゴシック" panose="020B0600070205080204" pitchFamily="34" charset="-128"/>
+              </a:defRPr>
+            </a:lvl4pPr>
+            <a:lvl5pPr>
+              <a:defRPr sz="2800" u="sng">
+                <a:solidFill>
+                  <a:schemeClr val="tx1"/>
+                </a:solidFill>
+                <a:latin typeface="Times New Roman" panose="02020603050405020304" pitchFamily="18" charset="0"/>
+                <a:ea typeface="ＭＳ Ｐゴシック" panose="020B0600070205080204" pitchFamily="34" charset="-128"/>
+              </a:defRPr>
+            </a:lvl5pPr>
+            <a:lvl6pPr marL="457200" eaLnBrk="0" fontAlgn="base" hangingPunct="0">
+              <a:spcBef>
+                <a:spcPct val="0"/>
+              </a:spcBef>
+              <a:spcAft>
+                <a:spcPct val="0"/>
+              </a:spcAft>
+              <a:defRPr sz="2800" u="sng">
+                <a:solidFill>
+                  <a:schemeClr val="tx1"/>
+                </a:solidFill>
+                <a:latin typeface="Times New Roman" panose="02020603050405020304" pitchFamily="18" charset="0"/>
+                <a:ea typeface="ＭＳ Ｐゴシック" panose="020B0600070205080204" pitchFamily="34" charset="-128"/>
+              </a:defRPr>
+            </a:lvl6pPr>
+            <a:lvl7pPr marL="914400" eaLnBrk="0" fontAlgn="base" hangingPunct="0">
+              <a:spcBef>
+                <a:spcPct val="0"/>
+              </a:spcBef>
+              <a:spcAft>
+                <a:spcPct val="0"/>
+              </a:spcAft>
+              <a:defRPr sz="2800" u="sng">
+                <a:solidFill>
+                  <a:schemeClr val="tx1"/>
+                </a:solidFill>
+                <a:latin typeface="Times New Roman" panose="02020603050405020304" pitchFamily="18" charset="0"/>
+                <a:ea typeface="ＭＳ Ｐゴシック" panose="020B0600070205080204" pitchFamily="34" charset="-128"/>
+              </a:defRPr>
+            </a:lvl7pPr>
+            <a:lvl8pPr marL="1371600" eaLnBrk="0" fontAlgn="base" hangingPunct="0">
+              <a:spcBef>
+                <a:spcPct val="0"/>
+              </a:spcBef>
+              <a:spcAft>
+                <a:spcPct val="0"/>
+              </a:spcAft>
+              <a:defRPr sz="2800" u="sng">
+                <a:solidFill>
+                  <a:schemeClr val="tx1"/>
+                </a:solidFill>
+                <a:latin typeface="Times New Roman" panose="02020603050405020304" pitchFamily="18" charset="0"/>
+                <a:ea typeface="ＭＳ Ｐゴシック" panose="020B0600070205080204" pitchFamily="34" charset="-128"/>
+              </a:defRPr>
+            </a:lvl8pPr>
+            <a:lvl9pPr marL="1828800" eaLnBrk="0" fontAlgn="base" hangingPunct="0">
+              <a:spcBef>
+                <a:spcPct val="0"/>
+              </a:spcBef>
+              <a:spcAft>
+                <a:spcPct val="0"/>
+              </a:spcAft>
+              <a:defRPr sz="2800" u="sng">
+                <a:solidFill>
+                  <a:schemeClr val="tx1"/>
+                </a:solidFill>
+                <a:latin typeface="Times New Roman" panose="02020603050405020304" pitchFamily="18" charset="0"/>
+                <a:ea typeface="ＭＳ Ｐゴシック" panose="020B0600070205080204" pitchFamily="34" charset="-128"/>
+              </a:defRPr>
+            </a:lvl9pPr>
+          </a:lstStyle>
+          <a:p>
+            <a:r>
+              <a:rPr lang="en-US" altLang="en-US" sz="1400" u="none"/>
               <a:t>L. Akoglu, M. McGlohon, C. Faloutsos</a:t>
             </a:r>
-            <a:endParaRPr lang="en-US"/>
-          </a:p>
-        </p:txBody>
-      </p:sp>
-      <p:sp>
-        <p:nvSpPr>
-          <p:cNvPr id="5" name="Slide Number Placeholder 4">
+          </a:p>
+        </p:txBody>
+      </p:sp>
+      <p:sp>
+        <p:nvSpPr>
+          <p:cNvPr id="80902" name="Slide Number Placeholder 5">
             <a:extLst>
               <a:ext uri="{FF2B5EF4-FFF2-40B4-BE49-F238E27FC236}">
-                <a16:creationId xmlns:a16="http://schemas.microsoft.com/office/drawing/2014/main" id="{C4578EC1-513C-2844-82AB-9631ADDC8A36}"/>
+                <a16:creationId xmlns:a16="http://schemas.microsoft.com/office/drawing/2014/main" id="{64044177-F417-174C-B468-5154439CB754}"/>
               </a:ext>
             </a:extLst>
           </p:cNvPr>
@@ -36461,26 +36669,1198 @@
             <p:ph type="sldNum" sz="quarter" idx="12"/>
           </p:nvPr>
         </p:nvSpPr>
-        <p:spPr/>
+        <p:spPr>
+          <a:noFill/>
+          <a:ln/>
+          <a:extLst>
+            <a:ext uri="{909E8E84-426E-40DD-AFC4-6F175D3DCCD1}">
+              <a14:hiddenFill xmlns:a14="http://schemas.microsoft.com/office/drawing/2010/main">
+                <a:solidFill>
+                  <a:srgbClr val="FFFFFF"/>
+                </a:solidFill>
+              </a14:hiddenFill>
+            </a:ext>
+            <a:ext uri="{91240B29-F687-4F45-9708-019B960494DF}">
+              <a14:hiddenLine xmlns:a14="http://schemas.microsoft.com/office/drawing/2010/main" w="9525">
+                <a:solidFill>
+                  <a:srgbClr val="000000"/>
+                </a:solidFill>
+                <a:miter lim="800000"/>
+                <a:headEnd/>
+                <a:tailEnd/>
+              </a14:hiddenLine>
+            </a:ext>
+          </a:extLst>
+        </p:spPr>
         <p:txBody>
           <a:bodyPr/>
-          <a:lstStyle/>
-          <a:p>
-            <a:pPr>
-              <a:defRPr/>
-            </a:pPr>
-            <a:fld id="{F9B43987-7F84-BB4A-8611-CDF75B6A737D}" type="slidenum">
-              <a:rPr lang="en-US" smtClean="0"/>
-              <a:pPr>
-                <a:defRPr/>
-              </a:pPr>
+          <a:lstStyle>
+            <a:lvl1pPr>
+              <a:defRPr sz="2800" u="sng">
+                <a:solidFill>
+                  <a:schemeClr val="tx1"/>
+                </a:solidFill>
+                <a:latin typeface="Times New Roman" panose="02020603050405020304" pitchFamily="18" charset="0"/>
+                <a:ea typeface="ＭＳ Ｐゴシック" panose="020B0600070205080204" pitchFamily="34" charset="-128"/>
+              </a:defRPr>
+            </a:lvl1pPr>
+            <a:lvl2pPr marL="37931725" indent="-37474525">
+              <a:defRPr sz="2800" u="sng">
+                <a:solidFill>
+                  <a:schemeClr val="tx1"/>
+                </a:solidFill>
+                <a:latin typeface="Times New Roman" panose="02020603050405020304" pitchFamily="18" charset="0"/>
+                <a:ea typeface="ＭＳ Ｐゴシック" panose="020B0600070205080204" pitchFamily="34" charset="-128"/>
+              </a:defRPr>
+            </a:lvl2pPr>
+            <a:lvl3pPr>
+              <a:defRPr sz="2800" u="sng">
+                <a:solidFill>
+                  <a:schemeClr val="tx1"/>
+                </a:solidFill>
+                <a:latin typeface="Times New Roman" panose="02020603050405020304" pitchFamily="18" charset="0"/>
+                <a:ea typeface="ＭＳ Ｐゴシック" panose="020B0600070205080204" pitchFamily="34" charset="-128"/>
+              </a:defRPr>
+            </a:lvl3pPr>
+            <a:lvl4pPr>
+              <a:defRPr sz="2800" u="sng">
+                <a:solidFill>
+                  <a:schemeClr val="tx1"/>
+                </a:solidFill>
+                <a:latin typeface="Times New Roman" panose="02020603050405020304" pitchFamily="18" charset="0"/>
+                <a:ea typeface="ＭＳ Ｐゴシック" panose="020B0600070205080204" pitchFamily="34" charset="-128"/>
+              </a:defRPr>
+            </a:lvl4pPr>
+            <a:lvl5pPr>
+              <a:defRPr sz="2800" u="sng">
+                <a:solidFill>
+                  <a:schemeClr val="tx1"/>
+                </a:solidFill>
+                <a:latin typeface="Times New Roman" panose="02020603050405020304" pitchFamily="18" charset="0"/>
+                <a:ea typeface="ＭＳ Ｐゴシック" panose="020B0600070205080204" pitchFamily="34" charset="-128"/>
+              </a:defRPr>
+            </a:lvl5pPr>
+            <a:lvl6pPr marL="457200" eaLnBrk="0" fontAlgn="base" hangingPunct="0">
+              <a:spcBef>
+                <a:spcPct val="0"/>
+              </a:spcBef>
+              <a:spcAft>
+                <a:spcPct val="0"/>
+              </a:spcAft>
+              <a:defRPr sz="2800" u="sng">
+                <a:solidFill>
+                  <a:schemeClr val="tx1"/>
+                </a:solidFill>
+                <a:latin typeface="Times New Roman" panose="02020603050405020304" pitchFamily="18" charset="0"/>
+                <a:ea typeface="ＭＳ Ｐゴシック" panose="020B0600070205080204" pitchFamily="34" charset="-128"/>
+              </a:defRPr>
+            </a:lvl6pPr>
+            <a:lvl7pPr marL="914400" eaLnBrk="0" fontAlgn="base" hangingPunct="0">
+              <a:spcBef>
+                <a:spcPct val="0"/>
+              </a:spcBef>
+              <a:spcAft>
+                <a:spcPct val="0"/>
+              </a:spcAft>
+              <a:defRPr sz="2800" u="sng">
+                <a:solidFill>
+                  <a:schemeClr val="tx1"/>
+                </a:solidFill>
+                <a:latin typeface="Times New Roman" panose="02020603050405020304" pitchFamily="18" charset="0"/>
+                <a:ea typeface="ＭＳ Ｐゴシック" panose="020B0600070205080204" pitchFamily="34" charset="-128"/>
+              </a:defRPr>
+            </a:lvl7pPr>
+            <a:lvl8pPr marL="1371600" eaLnBrk="0" fontAlgn="base" hangingPunct="0">
+              <a:spcBef>
+                <a:spcPct val="0"/>
+              </a:spcBef>
+              <a:spcAft>
+                <a:spcPct val="0"/>
+              </a:spcAft>
+              <a:defRPr sz="2800" u="sng">
+                <a:solidFill>
+                  <a:schemeClr val="tx1"/>
+                </a:solidFill>
+                <a:latin typeface="Times New Roman" panose="02020603050405020304" pitchFamily="18" charset="0"/>
+                <a:ea typeface="ＭＳ Ｐゴシック" panose="020B0600070205080204" pitchFamily="34" charset="-128"/>
+              </a:defRPr>
+            </a:lvl8pPr>
+            <a:lvl9pPr marL="1828800" eaLnBrk="0" fontAlgn="base" hangingPunct="0">
+              <a:spcBef>
+                <a:spcPct val="0"/>
+              </a:spcBef>
+              <a:spcAft>
+                <a:spcPct val="0"/>
+              </a:spcAft>
+              <a:defRPr sz="2800" u="sng">
+                <a:solidFill>
+                  <a:schemeClr val="tx1"/>
+                </a:solidFill>
+                <a:latin typeface="Times New Roman" panose="02020603050405020304" pitchFamily="18" charset="0"/>
+                <a:ea typeface="ＭＳ Ｐゴシック" panose="020B0600070205080204" pitchFamily="34" charset="-128"/>
+              </a:defRPr>
+            </a:lvl9pPr>
+          </a:lstStyle>
+          <a:p>
+            <a:fld id="{D71487CD-2DEE-5B45-8AC0-1283CAD49386}" type="slidenum">
+              <a:rPr lang="en-US" altLang="en-US" sz="1400" u="none"/>
+              <a:pPr/>
               <a:t>44</a:t>
             </a:fld>
-            <a:endParaRPr lang="en-US"/>
+            <a:endParaRPr lang="en-US" altLang="en-US" sz="1400" u="none" dirty="0"/>
+          </a:p>
+        </p:txBody>
+      </p:sp>
+      <p:sp>
+        <p:nvSpPr>
+          <p:cNvPr id="80904" name="TextBox 8">
+            <a:extLst>
+              <a:ext uri="{FF2B5EF4-FFF2-40B4-BE49-F238E27FC236}">
+                <a16:creationId xmlns:a16="http://schemas.microsoft.com/office/drawing/2014/main" id="{3FC50A08-00B8-1245-B37D-251E593A4343}"/>
+              </a:ext>
+            </a:extLst>
+          </p:cNvPr>
+          <p:cNvSpPr txBox="1">
+            <a:spLocks noChangeArrowheads="1"/>
+          </p:cNvSpPr>
+          <p:nvPr/>
+        </p:nvSpPr>
+        <p:spPr bwMode="auto">
+          <a:xfrm>
+            <a:off x="133215" y="1467873"/>
+            <a:ext cx="4114799" cy="1384995"/>
+          </a:xfrm>
+          <a:prstGeom prst="rect">
+            <a:avLst/>
+          </a:prstGeom>
+          <a:noFill/>
+          <a:ln>
+            <a:noFill/>
+          </a:ln>
+          <a:extLst>
+            <a:ext uri="{909E8E84-426E-40DD-AFC4-6F175D3DCCD1}">
+              <a14:hiddenFill xmlns:a14="http://schemas.microsoft.com/office/drawing/2010/main">
+                <a:solidFill>
+                  <a:srgbClr val="FFFFFF"/>
+                </a:solidFill>
+              </a14:hiddenFill>
+            </a:ext>
+            <a:ext uri="{91240B29-F687-4F45-9708-019B960494DF}">
+              <a14:hiddenLine xmlns:a14="http://schemas.microsoft.com/office/drawing/2010/main" w="9525">
+                <a:solidFill>
+                  <a:srgbClr val="000000"/>
+                </a:solidFill>
+                <a:miter lim="800000"/>
+                <a:headEnd/>
+                <a:tailEnd/>
+              </a14:hiddenLine>
+            </a:ext>
+          </a:extLst>
+        </p:spPr>
+        <p:txBody>
+          <a:bodyPr wrap="square">
+            <a:spAutoFit/>
+          </a:bodyPr>
+          <a:lstStyle>
+            <a:lvl1pPr>
+              <a:defRPr sz="2800" u="sng">
+                <a:solidFill>
+                  <a:schemeClr val="tx1"/>
+                </a:solidFill>
+                <a:latin typeface="Times New Roman" panose="02020603050405020304" pitchFamily="18" charset="0"/>
+                <a:ea typeface="ＭＳ Ｐゴシック" panose="020B0600070205080204" pitchFamily="34" charset="-128"/>
+              </a:defRPr>
+            </a:lvl1pPr>
+            <a:lvl2pPr marL="37931725" indent="-37474525">
+              <a:defRPr sz="2800" u="sng">
+                <a:solidFill>
+                  <a:schemeClr val="tx1"/>
+                </a:solidFill>
+                <a:latin typeface="Times New Roman" panose="02020603050405020304" pitchFamily="18" charset="0"/>
+                <a:ea typeface="ＭＳ Ｐゴシック" panose="020B0600070205080204" pitchFamily="34" charset="-128"/>
+              </a:defRPr>
+            </a:lvl2pPr>
+            <a:lvl3pPr>
+              <a:defRPr sz="2800" u="sng">
+                <a:solidFill>
+                  <a:schemeClr val="tx1"/>
+                </a:solidFill>
+                <a:latin typeface="Times New Roman" panose="02020603050405020304" pitchFamily="18" charset="0"/>
+                <a:ea typeface="ＭＳ Ｐゴシック" panose="020B0600070205080204" pitchFamily="34" charset="-128"/>
+              </a:defRPr>
+            </a:lvl3pPr>
+            <a:lvl4pPr>
+              <a:defRPr sz="2800" u="sng">
+                <a:solidFill>
+                  <a:schemeClr val="tx1"/>
+                </a:solidFill>
+                <a:latin typeface="Times New Roman" panose="02020603050405020304" pitchFamily="18" charset="0"/>
+                <a:ea typeface="ＭＳ Ｐゴシック" panose="020B0600070205080204" pitchFamily="34" charset="-128"/>
+              </a:defRPr>
+            </a:lvl4pPr>
+            <a:lvl5pPr>
+              <a:defRPr sz="2800" u="sng">
+                <a:solidFill>
+                  <a:schemeClr val="tx1"/>
+                </a:solidFill>
+                <a:latin typeface="Times New Roman" panose="02020603050405020304" pitchFamily="18" charset="0"/>
+                <a:ea typeface="ＭＳ Ｐゴシック" panose="020B0600070205080204" pitchFamily="34" charset="-128"/>
+              </a:defRPr>
+            </a:lvl5pPr>
+            <a:lvl6pPr marL="457200" eaLnBrk="0" fontAlgn="base" hangingPunct="0">
+              <a:spcBef>
+                <a:spcPct val="0"/>
+              </a:spcBef>
+              <a:spcAft>
+                <a:spcPct val="0"/>
+              </a:spcAft>
+              <a:defRPr sz="2800" u="sng">
+                <a:solidFill>
+                  <a:schemeClr val="tx1"/>
+                </a:solidFill>
+                <a:latin typeface="Times New Roman" panose="02020603050405020304" pitchFamily="18" charset="0"/>
+                <a:ea typeface="ＭＳ Ｐゴシック" panose="020B0600070205080204" pitchFamily="34" charset="-128"/>
+              </a:defRPr>
+            </a:lvl6pPr>
+            <a:lvl7pPr marL="914400" eaLnBrk="0" fontAlgn="base" hangingPunct="0">
+              <a:spcBef>
+                <a:spcPct val="0"/>
+              </a:spcBef>
+              <a:spcAft>
+                <a:spcPct val="0"/>
+              </a:spcAft>
+              <a:defRPr sz="2800" u="sng">
+                <a:solidFill>
+                  <a:schemeClr val="tx1"/>
+                </a:solidFill>
+                <a:latin typeface="Times New Roman" panose="02020603050405020304" pitchFamily="18" charset="0"/>
+                <a:ea typeface="ＭＳ Ｐゴシック" panose="020B0600070205080204" pitchFamily="34" charset="-128"/>
+              </a:defRPr>
+            </a:lvl7pPr>
+            <a:lvl8pPr marL="1371600" eaLnBrk="0" fontAlgn="base" hangingPunct="0">
+              <a:spcBef>
+                <a:spcPct val="0"/>
+              </a:spcBef>
+              <a:spcAft>
+                <a:spcPct val="0"/>
+              </a:spcAft>
+              <a:defRPr sz="2800" u="sng">
+                <a:solidFill>
+                  <a:schemeClr val="tx1"/>
+                </a:solidFill>
+                <a:latin typeface="Times New Roman" panose="02020603050405020304" pitchFamily="18" charset="0"/>
+                <a:ea typeface="ＭＳ Ｐゴシック" panose="020B0600070205080204" pitchFamily="34" charset="-128"/>
+              </a:defRPr>
+            </a:lvl8pPr>
+            <a:lvl9pPr marL="1828800" eaLnBrk="0" fontAlgn="base" hangingPunct="0">
+              <a:spcBef>
+                <a:spcPct val="0"/>
+              </a:spcBef>
+              <a:spcAft>
+                <a:spcPct val="0"/>
+              </a:spcAft>
+              <a:defRPr sz="2800" u="sng">
+                <a:solidFill>
+                  <a:schemeClr val="tx1"/>
+                </a:solidFill>
+                <a:latin typeface="Times New Roman" panose="02020603050405020304" pitchFamily="18" charset="0"/>
+                <a:ea typeface="ＭＳ Ｐゴシック" panose="020B0600070205080204" pitchFamily="34" charset="-128"/>
+              </a:defRPr>
+            </a:lvl9pPr>
+          </a:lstStyle>
+          <a:p>
+            <a:pPr algn="just"/>
+            <a:r>
+              <a:rPr lang="en-US" u="none" dirty="0"/>
+              <a:t>The Fractal Geometry of Nature</a:t>
+            </a:r>
+          </a:p>
+          <a:p>
+            <a:pPr algn="just">
+              <a:buFont typeface="Arial" panose="020B0604020202020204" pitchFamily="34" charset="0"/>
+              <a:buChar char="•"/>
+            </a:pPr>
+            <a:endParaRPr lang="en-US" altLang="en-US" u="none" dirty="0"/>
+          </a:p>
+        </p:txBody>
+      </p:sp>
+      <p:sp>
+        <p:nvSpPr>
+          <p:cNvPr id="80905" name="Rectangle 9">
+            <a:extLst>
+              <a:ext uri="{FF2B5EF4-FFF2-40B4-BE49-F238E27FC236}">
+                <a16:creationId xmlns:a16="http://schemas.microsoft.com/office/drawing/2014/main" id="{983D9220-D110-E247-A6B3-279CC2A63E3C}"/>
+              </a:ext>
+            </a:extLst>
+          </p:cNvPr>
+          <p:cNvSpPr>
+            <a:spLocks noChangeArrowheads="1"/>
+          </p:cNvSpPr>
+          <p:nvPr/>
+        </p:nvSpPr>
+        <p:spPr bwMode="auto">
+          <a:xfrm>
+            <a:off x="6858000" y="457200"/>
+            <a:ext cx="1981200" cy="685800"/>
+          </a:xfrm>
+          <a:prstGeom prst="rect">
+            <a:avLst/>
+          </a:prstGeom>
+          <a:solidFill>
+            <a:schemeClr val="bg1"/>
+          </a:solidFill>
+          <a:ln>
+            <a:noFill/>
+          </a:ln>
+          <a:extLst>
+            <a:ext uri="{91240B29-F687-4F45-9708-019B960494DF}">
+              <a14:hiddenLine xmlns:a14="http://schemas.microsoft.com/office/drawing/2010/main" w="28575">
+                <a:solidFill>
+                  <a:srgbClr val="000000"/>
+                </a:solidFill>
+                <a:round/>
+                <a:headEnd type="none" w="sm" len="sm"/>
+                <a:tailEnd type="triangle" w="med" len="med"/>
+              </a14:hiddenLine>
+            </a:ext>
+          </a:extLst>
+        </p:spPr>
+        <p:txBody>
+          <a:bodyPr wrap="none" anchor="ctr"/>
+          <a:lstStyle>
+            <a:lvl1pPr>
+              <a:defRPr sz="2800" u="sng">
+                <a:solidFill>
+                  <a:schemeClr val="tx1"/>
+                </a:solidFill>
+                <a:latin typeface="Times New Roman" panose="02020603050405020304" pitchFamily="18" charset="0"/>
+                <a:ea typeface="ＭＳ Ｐゴシック" panose="020B0600070205080204" pitchFamily="34" charset="-128"/>
+              </a:defRPr>
+            </a:lvl1pPr>
+            <a:lvl2pPr marL="37931725" indent="-37474525">
+              <a:defRPr sz="2800" u="sng">
+                <a:solidFill>
+                  <a:schemeClr val="tx1"/>
+                </a:solidFill>
+                <a:latin typeface="Times New Roman" panose="02020603050405020304" pitchFamily="18" charset="0"/>
+                <a:ea typeface="ＭＳ Ｐゴシック" panose="020B0600070205080204" pitchFamily="34" charset="-128"/>
+              </a:defRPr>
+            </a:lvl2pPr>
+            <a:lvl3pPr>
+              <a:defRPr sz="2800" u="sng">
+                <a:solidFill>
+                  <a:schemeClr val="tx1"/>
+                </a:solidFill>
+                <a:latin typeface="Times New Roman" panose="02020603050405020304" pitchFamily="18" charset="0"/>
+                <a:ea typeface="ＭＳ Ｐゴシック" panose="020B0600070205080204" pitchFamily="34" charset="-128"/>
+              </a:defRPr>
+            </a:lvl3pPr>
+            <a:lvl4pPr>
+              <a:defRPr sz="2800" u="sng">
+                <a:solidFill>
+                  <a:schemeClr val="tx1"/>
+                </a:solidFill>
+                <a:latin typeface="Times New Roman" panose="02020603050405020304" pitchFamily="18" charset="0"/>
+                <a:ea typeface="ＭＳ Ｐゴシック" panose="020B0600070205080204" pitchFamily="34" charset="-128"/>
+              </a:defRPr>
+            </a:lvl4pPr>
+            <a:lvl5pPr>
+              <a:defRPr sz="2800" u="sng">
+                <a:solidFill>
+                  <a:schemeClr val="tx1"/>
+                </a:solidFill>
+                <a:latin typeface="Times New Roman" panose="02020603050405020304" pitchFamily="18" charset="0"/>
+                <a:ea typeface="ＭＳ Ｐゴシック" panose="020B0600070205080204" pitchFamily="34" charset="-128"/>
+              </a:defRPr>
+            </a:lvl5pPr>
+            <a:lvl6pPr marL="457200" eaLnBrk="0" fontAlgn="base" hangingPunct="0">
+              <a:spcBef>
+                <a:spcPct val="0"/>
+              </a:spcBef>
+              <a:spcAft>
+                <a:spcPct val="0"/>
+              </a:spcAft>
+              <a:defRPr sz="2800" u="sng">
+                <a:solidFill>
+                  <a:schemeClr val="tx1"/>
+                </a:solidFill>
+                <a:latin typeface="Times New Roman" panose="02020603050405020304" pitchFamily="18" charset="0"/>
+                <a:ea typeface="ＭＳ Ｐゴシック" panose="020B0600070205080204" pitchFamily="34" charset="-128"/>
+              </a:defRPr>
+            </a:lvl6pPr>
+            <a:lvl7pPr marL="914400" eaLnBrk="0" fontAlgn="base" hangingPunct="0">
+              <a:spcBef>
+                <a:spcPct val="0"/>
+              </a:spcBef>
+              <a:spcAft>
+                <a:spcPct val="0"/>
+              </a:spcAft>
+              <a:defRPr sz="2800" u="sng">
+                <a:solidFill>
+                  <a:schemeClr val="tx1"/>
+                </a:solidFill>
+                <a:latin typeface="Times New Roman" panose="02020603050405020304" pitchFamily="18" charset="0"/>
+                <a:ea typeface="ＭＳ Ｐゴシック" panose="020B0600070205080204" pitchFamily="34" charset="-128"/>
+              </a:defRPr>
+            </a:lvl7pPr>
+            <a:lvl8pPr marL="1371600" eaLnBrk="0" fontAlgn="base" hangingPunct="0">
+              <a:spcBef>
+                <a:spcPct val="0"/>
+              </a:spcBef>
+              <a:spcAft>
+                <a:spcPct val="0"/>
+              </a:spcAft>
+              <a:defRPr sz="2800" u="sng">
+                <a:solidFill>
+                  <a:schemeClr val="tx1"/>
+                </a:solidFill>
+                <a:latin typeface="Times New Roman" panose="02020603050405020304" pitchFamily="18" charset="0"/>
+                <a:ea typeface="ＭＳ Ｐゴシック" panose="020B0600070205080204" pitchFamily="34" charset="-128"/>
+              </a:defRPr>
+            </a:lvl8pPr>
+            <a:lvl9pPr marL="1828800" eaLnBrk="0" fontAlgn="base" hangingPunct="0">
+              <a:spcBef>
+                <a:spcPct val="0"/>
+              </a:spcBef>
+              <a:spcAft>
+                <a:spcPct val="0"/>
+              </a:spcAft>
+              <a:defRPr sz="2800" u="sng">
+                <a:solidFill>
+                  <a:schemeClr val="tx1"/>
+                </a:solidFill>
+                <a:latin typeface="Times New Roman" panose="02020603050405020304" pitchFamily="18" charset="0"/>
+                <a:ea typeface="ＭＳ Ｐゴシック" panose="020B0600070205080204" pitchFamily="34" charset="-128"/>
+              </a:defRPr>
+            </a:lvl9pPr>
+          </a:lstStyle>
+          <a:p>
+            <a:endParaRPr lang="en-US" altLang="en-US"/>
+          </a:p>
+        </p:txBody>
+      </p:sp>
+      <p:pic>
+        <p:nvPicPr>
+          <p:cNvPr id="2" name="Picture 1">
+            <a:extLst>
+              <a:ext uri="{FF2B5EF4-FFF2-40B4-BE49-F238E27FC236}">
+                <a16:creationId xmlns:a16="http://schemas.microsoft.com/office/drawing/2014/main" id="{76ADAAE2-7921-E344-9544-6DA07DE3DF47}"/>
+              </a:ext>
+            </a:extLst>
+          </p:cNvPr>
+          <p:cNvPicPr>
+            <a:picLocks noChangeAspect="1"/>
+          </p:cNvPicPr>
+          <p:nvPr/>
+        </p:nvPicPr>
+        <p:blipFill rotWithShape="1">
+          <a:blip r:embed="rId2" cstate="screen">
+            <a:extLst>
+              <a:ext uri="{28A0092B-C50C-407E-A947-70E740481C1C}">
+                <a14:useLocalDpi xmlns:a14="http://schemas.microsoft.com/office/drawing/2010/main"/>
+              </a:ext>
+            </a:extLst>
+          </a:blip>
+          <a:srcRect/>
+          <a:stretch/>
+        </p:blipFill>
+        <p:spPr>
+          <a:xfrm>
+            <a:off x="613713" y="4023273"/>
+            <a:ext cx="1475138" cy="1458310"/>
+          </a:xfrm>
+          <a:prstGeom prst="rect">
+            <a:avLst/>
+          </a:prstGeom>
+        </p:spPr>
+      </p:pic>
+      <p:sp>
+        <p:nvSpPr>
+          <p:cNvPr id="3" name="TextBox 2">
+            <a:extLst>
+              <a:ext uri="{FF2B5EF4-FFF2-40B4-BE49-F238E27FC236}">
+                <a16:creationId xmlns:a16="http://schemas.microsoft.com/office/drawing/2014/main" id="{38EC9858-BFF8-A143-B0B6-03A7E3743C81}"/>
+              </a:ext>
+            </a:extLst>
+          </p:cNvPr>
+          <p:cNvSpPr txBox="1"/>
+          <p:nvPr/>
+        </p:nvSpPr>
+        <p:spPr>
+          <a:xfrm>
+            <a:off x="511950" y="5481583"/>
+            <a:ext cx="1678665" cy="1046440"/>
+          </a:xfrm>
+          <a:prstGeom prst="rect">
+            <a:avLst/>
+          </a:prstGeom>
+          <a:noFill/>
+        </p:spPr>
+        <p:txBody>
+          <a:bodyPr wrap="none" rtlCol="0">
+            <a:spAutoFit/>
+          </a:bodyPr>
+          <a:lstStyle/>
+          <a:p>
+            <a:r>
+              <a:rPr lang="en-US" sz="2000" dirty="0">
+                <a:latin typeface="+mn-lt"/>
+              </a:rPr>
+              <a:t>B. Mandelbrot</a:t>
+            </a:r>
+          </a:p>
+          <a:p>
+            <a:r>
+              <a:rPr lang="en-US" sz="1600" dirty="0" err="1">
+                <a:latin typeface="+mn-lt"/>
+              </a:rPr>
+              <a:t>math.yale.edu</a:t>
+            </a:r>
+            <a:endParaRPr lang="en-US" sz="1600" dirty="0">
+              <a:latin typeface="+mn-lt"/>
+            </a:endParaRPr>
+          </a:p>
+          <a:p>
+            <a:endParaRPr lang="en-US" dirty="0"/>
+          </a:p>
+        </p:txBody>
+      </p:sp>
+      <p:pic>
+        <p:nvPicPr>
+          <p:cNvPr id="4" name="Picture 3">
+            <a:extLst>
+              <a:ext uri="{FF2B5EF4-FFF2-40B4-BE49-F238E27FC236}">
+                <a16:creationId xmlns:a16="http://schemas.microsoft.com/office/drawing/2014/main" id="{8FE12B28-54E6-B24D-9386-1C84B10AE81B}"/>
+              </a:ext>
+            </a:extLst>
+          </p:cNvPr>
+          <p:cNvPicPr>
+            <a:picLocks noChangeAspect="1"/>
+          </p:cNvPicPr>
+          <p:nvPr/>
+        </p:nvPicPr>
+        <p:blipFill>
+          <a:blip r:embed="rId3" cstate="screen">
+            <a:extLst>
+              <a:ext uri="{28A0092B-C50C-407E-A947-70E740481C1C}">
+                <a14:useLocalDpi xmlns:a14="http://schemas.microsoft.com/office/drawing/2010/main"/>
+              </a:ext>
+            </a:extLst>
+          </a:blip>
+          <a:stretch>
+            <a:fillRect/>
+          </a:stretch>
+        </p:blipFill>
+        <p:spPr>
+          <a:xfrm>
+            <a:off x="2353879" y="4613660"/>
+            <a:ext cx="1130300" cy="844055"/>
+          </a:xfrm>
+          <a:prstGeom prst="rect">
+            <a:avLst/>
+          </a:prstGeom>
+        </p:spPr>
+      </p:pic>
+      <p:sp>
+        <p:nvSpPr>
+          <p:cNvPr id="5" name="TextBox 4">
+            <a:extLst>
+              <a:ext uri="{FF2B5EF4-FFF2-40B4-BE49-F238E27FC236}">
+                <a16:creationId xmlns:a16="http://schemas.microsoft.com/office/drawing/2014/main" id="{240E60FF-D0FB-434E-972B-745487769337}"/>
+              </a:ext>
+            </a:extLst>
+          </p:cNvPr>
+          <p:cNvSpPr txBox="1"/>
+          <p:nvPr/>
+        </p:nvSpPr>
+        <p:spPr>
+          <a:xfrm>
+            <a:off x="2362489" y="5791200"/>
+            <a:ext cx="1388457" cy="307777"/>
+          </a:xfrm>
+          <a:prstGeom prst="rect">
+            <a:avLst/>
+          </a:prstGeom>
+          <a:noFill/>
+        </p:spPr>
+        <p:txBody>
+          <a:bodyPr wrap="none" rtlCol="0">
+            <a:spAutoFit/>
+          </a:bodyPr>
+          <a:lstStyle/>
+          <a:p>
+            <a:r>
+              <a:rPr lang="en-US" sz="1400" dirty="0" err="1">
+                <a:latin typeface="+mn-lt"/>
+              </a:rPr>
+              <a:t>en.wikipedia.org</a:t>
+            </a:r>
+            <a:endParaRPr lang="en-US" sz="1400" dirty="0">
+              <a:latin typeface="+mn-lt"/>
+            </a:endParaRPr>
+          </a:p>
+        </p:txBody>
+      </p:sp>
+      <p:pic>
+        <p:nvPicPr>
+          <p:cNvPr id="6" name="Picture 5">
+            <a:extLst>
+              <a:ext uri="{FF2B5EF4-FFF2-40B4-BE49-F238E27FC236}">
+                <a16:creationId xmlns:a16="http://schemas.microsoft.com/office/drawing/2014/main" id="{17DE47CD-A12E-3F4B-A9FA-A47E41CE8742}"/>
+              </a:ext>
+            </a:extLst>
+          </p:cNvPr>
+          <p:cNvPicPr>
+            <a:picLocks noChangeAspect="1"/>
+          </p:cNvPicPr>
+          <p:nvPr/>
+        </p:nvPicPr>
+        <p:blipFill>
+          <a:blip r:embed="rId4"/>
+          <a:stretch>
+            <a:fillRect/>
+          </a:stretch>
+        </p:blipFill>
+        <p:spPr>
+          <a:xfrm>
+            <a:off x="613713" y="2500950"/>
+            <a:ext cx="1196641" cy="1372295"/>
+          </a:xfrm>
+          <a:prstGeom prst="rect">
+            <a:avLst/>
+          </a:prstGeom>
+        </p:spPr>
+      </p:pic>
+      <p:pic>
+        <p:nvPicPr>
+          <p:cNvPr id="17" name="Picture 3">
+            <a:extLst>
+              <a:ext uri="{FF2B5EF4-FFF2-40B4-BE49-F238E27FC236}">
+                <a16:creationId xmlns:a16="http://schemas.microsoft.com/office/drawing/2014/main" id="{DF69FDDD-ADFA-D74D-B231-886A3AFB25A9}"/>
+              </a:ext>
+            </a:extLst>
+          </p:cNvPr>
+          <p:cNvPicPr>
+            <a:picLocks noChangeAspect="1" noChangeArrowheads="1"/>
+          </p:cNvPicPr>
+          <p:nvPr/>
+        </p:nvPicPr>
+        <p:blipFill>
+          <a:blip r:embed="rId5" cstate="screen">
+            <a:extLst>
+              <a:ext uri="{28A0092B-C50C-407E-A947-70E740481C1C}">
+                <a14:useLocalDpi xmlns:a14="http://schemas.microsoft.com/office/drawing/2010/main"/>
+              </a:ext>
+            </a:extLst>
+          </a:blip>
+          <a:srcRect/>
+          <a:stretch>
+            <a:fillRect/>
+          </a:stretch>
+        </p:blipFill>
+        <p:spPr bwMode="auto">
+          <a:xfrm>
+            <a:off x="6669126" y="2092078"/>
+            <a:ext cx="983635" cy="1336922"/>
+          </a:xfrm>
+          <a:prstGeom prst="rect">
+            <a:avLst/>
+          </a:prstGeom>
+          <a:noFill/>
+          <a:ln>
+            <a:noFill/>
+          </a:ln>
+          <a:extLst>
+            <a:ext uri="{909E8E84-426E-40DD-AFC4-6F175D3DCCD1}">
+              <a14:hiddenFill xmlns:a14="http://schemas.microsoft.com/office/drawing/2010/main">
+                <a:solidFill>
+                  <a:srgbClr val="FFFFFF"/>
+                </a:solidFill>
+              </a14:hiddenFill>
+            </a:ext>
+            <a:ext uri="{91240B29-F687-4F45-9708-019B960494DF}">
+              <a14:hiddenLine xmlns:a14="http://schemas.microsoft.com/office/drawing/2010/main" w="9525">
+                <a:solidFill>
+                  <a:srgbClr val="000000"/>
+                </a:solidFill>
+                <a:miter lim="800000"/>
+                <a:headEnd/>
+                <a:tailEnd/>
+              </a14:hiddenLine>
+            </a:ext>
+          </a:extLst>
+        </p:spPr>
+      </p:pic>
+      <p:pic>
+        <p:nvPicPr>
+          <p:cNvPr id="18" name="Picture 4" descr="Topo-Rivers-Stations10-bw2">
+            <a:extLst>
+              <a:ext uri="{FF2B5EF4-FFF2-40B4-BE49-F238E27FC236}">
+                <a16:creationId xmlns:a16="http://schemas.microsoft.com/office/drawing/2014/main" id="{1A839BD0-F026-3A46-B6BC-87884E93BD6D}"/>
+              </a:ext>
+            </a:extLst>
+          </p:cNvPr>
+          <p:cNvPicPr>
+            <a:picLocks noChangeAspect="1" noChangeArrowheads="1"/>
+          </p:cNvPicPr>
+          <p:nvPr/>
+        </p:nvPicPr>
+        <p:blipFill>
+          <a:blip r:embed="rId6" cstate="screen">
+            <a:extLst>
+              <a:ext uri="{28A0092B-C50C-407E-A947-70E740481C1C}">
+                <a14:useLocalDpi xmlns:a14="http://schemas.microsoft.com/office/drawing/2010/main"/>
+              </a:ext>
+            </a:extLst>
+          </a:blip>
+          <a:srcRect/>
+          <a:stretch>
+            <a:fillRect/>
+          </a:stretch>
+        </p:blipFill>
+        <p:spPr bwMode="auto">
+          <a:xfrm>
+            <a:off x="6354275" y="3491362"/>
+            <a:ext cx="1613336" cy="841352"/>
+          </a:xfrm>
+          <a:prstGeom prst="rect">
+            <a:avLst/>
+          </a:prstGeom>
+          <a:noFill/>
+          <a:ln>
+            <a:noFill/>
+          </a:ln>
+          <a:extLst>
+            <a:ext uri="{909E8E84-426E-40DD-AFC4-6F175D3DCCD1}">
+              <a14:hiddenFill xmlns:a14="http://schemas.microsoft.com/office/drawing/2010/main">
+                <a:solidFill>
+                  <a:srgbClr val="FFFFFF"/>
+                </a:solidFill>
+              </a14:hiddenFill>
+            </a:ext>
+            <a:ext uri="{91240B29-F687-4F45-9708-019B960494DF}">
+              <a14:hiddenLine xmlns:a14="http://schemas.microsoft.com/office/drawing/2010/main" w="9525">
+                <a:solidFill>
+                  <a:srgbClr val="000000"/>
+                </a:solidFill>
+                <a:miter lim="800000"/>
+                <a:headEnd/>
+                <a:tailEnd/>
+              </a14:hiddenLine>
+            </a:ext>
+          </a:extLst>
+        </p:spPr>
+      </p:pic>
+      <p:pic>
+        <p:nvPicPr>
+          <p:cNvPr id="19" name="Picture 4" descr="dx-ntall1-surf-pv">
+            <a:extLst>
+              <a:ext uri="{FF2B5EF4-FFF2-40B4-BE49-F238E27FC236}">
+                <a16:creationId xmlns:a16="http://schemas.microsoft.com/office/drawing/2014/main" id="{E4665E26-C66A-FE4E-B507-18C288CCB02E}"/>
+              </a:ext>
+            </a:extLst>
+          </p:cNvPr>
+          <p:cNvPicPr>
+            <a:picLocks noChangeAspect="1" noChangeArrowheads="1"/>
+          </p:cNvPicPr>
+          <p:nvPr/>
+        </p:nvPicPr>
+        <p:blipFill>
+          <a:blip r:embed="rId7">
+            <a:extLst>
+              <a:ext uri="{28A0092B-C50C-407E-A947-70E740481C1C}">
+                <a14:useLocalDpi xmlns:a14="http://schemas.microsoft.com/office/drawing/2010/main"/>
+              </a:ext>
+            </a:extLst>
+          </a:blip>
+          <a:srcRect/>
+          <a:stretch>
+            <a:fillRect/>
+          </a:stretch>
+        </p:blipFill>
+        <p:spPr bwMode="auto">
+          <a:xfrm>
+            <a:off x="6499564" y="4718922"/>
+            <a:ext cx="1322760" cy="1046440"/>
+          </a:xfrm>
+          <a:prstGeom prst="rect">
+            <a:avLst/>
+          </a:prstGeom>
+          <a:noFill/>
+          <a:ln>
+            <a:noFill/>
+          </a:ln>
+          <a:extLst>
+            <a:ext uri="{909E8E84-426E-40DD-AFC4-6F175D3DCCD1}">
+              <a14:hiddenFill xmlns:a14="http://schemas.microsoft.com/office/drawing/2010/main">
+                <a:solidFill>
+                  <a:srgbClr val="FFFFFF"/>
+                </a:solidFill>
+              </a14:hiddenFill>
+            </a:ext>
+            <a:ext uri="{91240B29-F687-4F45-9708-019B960494DF}">
+              <a14:hiddenLine xmlns:a14="http://schemas.microsoft.com/office/drawing/2010/main" w="9525">
+                <a:solidFill>
+                  <a:srgbClr val="000000"/>
+                </a:solidFill>
+                <a:miter lim="800000"/>
+                <a:headEnd/>
+                <a:tailEnd/>
+              </a14:hiddenLine>
+            </a:ext>
+          </a:extLst>
+        </p:spPr>
+      </p:pic>
+      <p:sp>
+        <p:nvSpPr>
+          <p:cNvPr id="9" name="TextBox 8">
+            <a:extLst>
+              <a:ext uri="{FF2B5EF4-FFF2-40B4-BE49-F238E27FC236}">
+                <a16:creationId xmlns:a16="http://schemas.microsoft.com/office/drawing/2014/main" id="{CF176C2F-D4F4-A445-88CF-83347D26AC36}"/>
+              </a:ext>
+            </a:extLst>
+          </p:cNvPr>
+          <p:cNvSpPr txBox="1"/>
+          <p:nvPr/>
+        </p:nvSpPr>
+        <p:spPr>
+          <a:xfrm>
+            <a:off x="8065245" y="2360425"/>
+            <a:ext cx="633508" cy="523220"/>
+          </a:xfrm>
+          <a:prstGeom prst="rect">
+            <a:avLst/>
+          </a:prstGeom>
+          <a:noFill/>
+        </p:spPr>
+        <p:txBody>
+          <a:bodyPr wrap="none" rtlCol="0">
+            <a:spAutoFit/>
+          </a:bodyPr>
+          <a:lstStyle/>
+          <a:p>
+            <a:r>
+              <a:rPr lang="en-US" sz="2800" dirty="0">
+                <a:latin typeface="+mn-lt"/>
+              </a:rPr>
+              <a:t>1.7</a:t>
+            </a:r>
+          </a:p>
+        </p:txBody>
+      </p:sp>
+      <p:sp>
+        <p:nvSpPr>
+          <p:cNvPr id="21" name="TextBox 20">
+            <a:extLst>
+              <a:ext uri="{FF2B5EF4-FFF2-40B4-BE49-F238E27FC236}">
+                <a16:creationId xmlns:a16="http://schemas.microsoft.com/office/drawing/2014/main" id="{406711AA-C7E4-A447-8C81-5220FB744345}"/>
+              </a:ext>
+            </a:extLst>
+          </p:cNvPr>
+          <p:cNvSpPr txBox="1"/>
+          <p:nvPr/>
+        </p:nvSpPr>
+        <p:spPr>
+          <a:xfrm>
+            <a:off x="8135005" y="3577850"/>
+            <a:ext cx="633508" cy="523220"/>
+          </a:xfrm>
+          <a:prstGeom prst="rect">
+            <a:avLst/>
+          </a:prstGeom>
+          <a:noFill/>
+        </p:spPr>
+        <p:txBody>
+          <a:bodyPr wrap="none" rtlCol="0">
+            <a:spAutoFit/>
+          </a:bodyPr>
+          <a:lstStyle/>
+          <a:p>
+            <a:r>
+              <a:rPr lang="en-US" sz="2800" dirty="0">
+                <a:latin typeface="+mn-lt"/>
+              </a:rPr>
+              <a:t>1.8</a:t>
+            </a:r>
+          </a:p>
+        </p:txBody>
+      </p:sp>
+      <p:sp>
+        <p:nvSpPr>
+          <p:cNvPr id="22" name="TextBox 21">
+            <a:extLst>
+              <a:ext uri="{FF2B5EF4-FFF2-40B4-BE49-F238E27FC236}">
+                <a16:creationId xmlns:a16="http://schemas.microsoft.com/office/drawing/2014/main" id="{EA873AA7-2858-A841-839C-D9744D02C0C8}"/>
+              </a:ext>
+            </a:extLst>
+          </p:cNvPr>
+          <p:cNvSpPr txBox="1"/>
+          <p:nvPr/>
+        </p:nvSpPr>
+        <p:spPr>
+          <a:xfrm>
+            <a:off x="8120683" y="4913125"/>
+            <a:ext cx="633508" cy="523220"/>
+          </a:xfrm>
+          <a:prstGeom prst="rect">
+            <a:avLst/>
+          </a:prstGeom>
+          <a:noFill/>
+        </p:spPr>
+        <p:txBody>
+          <a:bodyPr wrap="none" rtlCol="0">
+            <a:spAutoFit/>
+          </a:bodyPr>
+          <a:lstStyle/>
+          <a:p>
+            <a:r>
+              <a:rPr lang="en-US" sz="2800" dirty="0">
+                <a:latin typeface="+mn-lt"/>
+              </a:rPr>
+              <a:t>2.7</a:t>
+            </a:r>
+          </a:p>
+        </p:txBody>
+      </p:sp>
+      <p:cxnSp>
+        <p:nvCxnSpPr>
+          <p:cNvPr id="11" name="Straight Connector 10">
+            <a:extLst>
+              <a:ext uri="{FF2B5EF4-FFF2-40B4-BE49-F238E27FC236}">
+                <a16:creationId xmlns:a16="http://schemas.microsoft.com/office/drawing/2014/main" id="{E7510CF8-D32F-664A-B878-9F600DC05AA7}"/>
+              </a:ext>
+            </a:extLst>
+          </p:cNvPr>
+          <p:cNvCxnSpPr/>
+          <p:nvPr/>
+        </p:nvCxnSpPr>
+        <p:spPr bwMode="auto">
+          <a:xfrm>
+            <a:off x="4494942" y="1731430"/>
+            <a:ext cx="0" cy="3920358"/>
+          </a:xfrm>
+          <a:prstGeom prst="line">
+            <a:avLst/>
+          </a:prstGeom>
+          <a:solidFill>
+            <a:schemeClr val="accent1"/>
+          </a:solidFill>
+          <a:ln w="3175" cap="flat" cmpd="sng" algn="ctr">
+            <a:solidFill>
+              <a:schemeClr val="tx1"/>
+            </a:solidFill>
+            <a:prstDash val="solid"/>
+            <a:round/>
+            <a:headEnd type="none" w="sm" len="sm"/>
+            <a:tailEnd type="none" w="med" len="med"/>
+          </a:ln>
+          <a:effectLst/>
+        </p:spPr>
+      </p:cxnSp>
+      <p:sp>
+        <p:nvSpPr>
+          <p:cNvPr id="25" name="TextBox 24">
+            <a:extLst>
+              <a:ext uri="{FF2B5EF4-FFF2-40B4-BE49-F238E27FC236}">
+                <a16:creationId xmlns:a16="http://schemas.microsoft.com/office/drawing/2014/main" id="{6568866C-C0AF-E043-A310-16CE42E783B8}"/>
+              </a:ext>
+            </a:extLst>
+          </p:cNvPr>
+          <p:cNvSpPr txBox="1"/>
+          <p:nvPr/>
+        </p:nvSpPr>
+        <p:spPr>
+          <a:xfrm>
+            <a:off x="4895382" y="3491362"/>
+            <a:ext cx="1226618" cy="830997"/>
+          </a:xfrm>
+          <a:prstGeom prst="rect">
+            <a:avLst/>
+          </a:prstGeom>
+          <a:noFill/>
+        </p:spPr>
+        <p:txBody>
+          <a:bodyPr wrap="none" rtlCol="0">
+            <a:spAutoFit/>
+          </a:bodyPr>
+          <a:lstStyle/>
+          <a:p>
+            <a:r>
+              <a:rPr lang="en-US" sz="2400" dirty="0">
+                <a:latin typeface="+mn-lt"/>
+              </a:rPr>
+              <a:t>Amazon</a:t>
+            </a:r>
+          </a:p>
+          <a:p>
+            <a:r>
+              <a:rPr lang="en-US" sz="2400" dirty="0">
+                <a:latin typeface="+mn-lt"/>
+              </a:rPr>
+              <a:t>delta</a:t>
+            </a:r>
+          </a:p>
+        </p:txBody>
+      </p:sp>
+      <p:sp>
+        <p:nvSpPr>
+          <p:cNvPr id="26" name="TextBox 25">
+            <a:extLst>
+              <a:ext uri="{FF2B5EF4-FFF2-40B4-BE49-F238E27FC236}">
+                <a16:creationId xmlns:a16="http://schemas.microsoft.com/office/drawing/2014/main" id="{5AB355A1-E115-6045-BA29-D5E6C57049E0}"/>
+              </a:ext>
+            </a:extLst>
+          </p:cNvPr>
+          <p:cNvSpPr txBox="1"/>
+          <p:nvPr/>
+        </p:nvSpPr>
+        <p:spPr>
+          <a:xfrm>
+            <a:off x="4746814" y="4697681"/>
+            <a:ext cx="1669047" cy="830997"/>
+          </a:xfrm>
+          <a:prstGeom prst="rect">
+            <a:avLst/>
+          </a:prstGeom>
+          <a:noFill/>
+        </p:spPr>
+        <p:txBody>
+          <a:bodyPr wrap="none" rtlCol="0">
+            <a:spAutoFit/>
+          </a:bodyPr>
+          <a:lstStyle/>
+          <a:p>
+            <a:r>
+              <a:rPr lang="en-US" sz="2400" dirty="0">
+                <a:latin typeface="+mn-lt"/>
+              </a:rPr>
+              <a:t>Mammalian</a:t>
+            </a:r>
+          </a:p>
+          <a:p>
+            <a:r>
+              <a:rPr lang="en-US" sz="2400" dirty="0">
+                <a:latin typeface="+mn-lt"/>
+              </a:rPr>
+              <a:t>brain</a:t>
+            </a:r>
+          </a:p>
+        </p:txBody>
+      </p:sp>
+      <p:sp>
+        <p:nvSpPr>
+          <p:cNvPr id="27" name="TextBox 26">
+            <a:extLst>
+              <a:ext uri="{FF2B5EF4-FFF2-40B4-BE49-F238E27FC236}">
+                <a16:creationId xmlns:a16="http://schemas.microsoft.com/office/drawing/2014/main" id="{2E4A4C0C-0B87-1C41-9656-3DD35F3F701A}"/>
+              </a:ext>
+            </a:extLst>
+          </p:cNvPr>
+          <p:cNvSpPr txBox="1"/>
+          <p:nvPr/>
+        </p:nvSpPr>
+        <p:spPr>
+          <a:xfrm>
+            <a:off x="4712059" y="2391202"/>
+            <a:ext cx="1587294" cy="461665"/>
+          </a:xfrm>
+          <a:prstGeom prst="rect">
+            <a:avLst/>
+          </a:prstGeom>
+          <a:noFill/>
+        </p:spPr>
+        <p:txBody>
+          <a:bodyPr wrap="none" rtlCol="0">
+            <a:spAutoFit/>
+          </a:bodyPr>
+          <a:lstStyle/>
+          <a:p>
+            <a:r>
+              <a:rPr lang="en-US" sz="2400" dirty="0">
+                <a:latin typeface="+mn-lt"/>
+              </a:rPr>
+              <a:t>cross-roads</a:t>
+            </a:r>
+          </a:p>
+        </p:txBody>
+      </p:sp>
+      <p:pic>
+        <p:nvPicPr>
+          <p:cNvPr id="28" name="Content Placeholder 10" descr="gmaps-norway.gif">
+            <a:extLst>
+              <a:ext uri="{FF2B5EF4-FFF2-40B4-BE49-F238E27FC236}">
+                <a16:creationId xmlns:a16="http://schemas.microsoft.com/office/drawing/2014/main" id="{8F33DC6E-CDA6-7C42-870B-178850F520B3}"/>
+              </a:ext>
+            </a:extLst>
+          </p:cNvPr>
+          <p:cNvPicPr>
+            <a:picLocks noGrp="1" noChangeAspect="1"/>
+          </p:cNvPicPr>
+          <p:nvPr>
+            <p:ph idx="1"/>
+          </p:nvPr>
+        </p:nvPicPr>
+        <p:blipFill rotWithShape="1">
+          <a:blip r:embed="rId8">
+            <a:extLst>
+              <a:ext uri="{28A0092B-C50C-407E-A947-70E740481C1C}">
+                <a14:useLocalDpi xmlns:a14="http://schemas.microsoft.com/office/drawing/2010/main"/>
+              </a:ext>
+            </a:extLst>
+          </a:blip>
+          <a:srcRect l="33017" t="23873" r="33335" b="30058"/>
+          <a:stretch/>
+        </p:blipFill>
+        <p:spPr>
+          <a:xfrm>
+            <a:off x="6552341" y="317278"/>
+            <a:ext cx="1132636" cy="1550719"/>
+          </a:xfrm>
+        </p:spPr>
+      </p:pic>
+      <p:sp>
+        <p:nvSpPr>
+          <p:cNvPr id="29" name="TextBox 28">
+            <a:extLst>
+              <a:ext uri="{FF2B5EF4-FFF2-40B4-BE49-F238E27FC236}">
+                <a16:creationId xmlns:a16="http://schemas.microsoft.com/office/drawing/2014/main" id="{4B62EA30-4F97-F44C-988D-31DB1CEE552E}"/>
+              </a:ext>
+            </a:extLst>
+          </p:cNvPr>
+          <p:cNvSpPr txBox="1"/>
+          <p:nvPr/>
+        </p:nvSpPr>
+        <p:spPr>
+          <a:xfrm>
+            <a:off x="8065246" y="857672"/>
+            <a:ext cx="633507" cy="523220"/>
+          </a:xfrm>
+          <a:prstGeom prst="rect">
+            <a:avLst/>
+          </a:prstGeom>
+          <a:noFill/>
+        </p:spPr>
+        <p:txBody>
+          <a:bodyPr wrap="none" rtlCol="0">
+            <a:spAutoFit/>
+          </a:bodyPr>
+          <a:lstStyle/>
+          <a:p>
+            <a:r>
+              <a:rPr lang="en-US" sz="2800" dirty="0">
+                <a:latin typeface="+mn-lt"/>
+              </a:rPr>
+              <a:t>1.5</a:t>
+            </a:r>
           </a:p>
         </p:txBody>
       </p:sp>
     </p:spTree>
+    <p:extLst>
+      <p:ext uri="{BB962C8B-B14F-4D97-AF65-F5344CB8AC3E}">
+        <p14:creationId xmlns:p14="http://schemas.microsoft.com/office/powerpoint/2010/main" val="3117009679"/>
+      </p:ext>
+    </p:extLst>
   </p:cSld>
   <p:clrMapOvr>
     <a:masterClrMapping/>
@@ -36523,47 +37903,20 @@
           <a:p>
             <a:r>
               <a:rPr lang="en-US" dirty="0"/>
-              <a:t>Fractals and Graphs</a:t>
-            </a:r>
-          </a:p>
-        </p:txBody>
-      </p:sp>
-      <p:sp>
-        <p:nvSpPr>
-          <p:cNvPr id="3" name="Content Placeholder 2"/>
-          <p:cNvSpPr>
-            <a:spLocks noGrp="1"/>
-          </p:cNvSpPr>
-          <p:nvPr>
-            <p:ph idx="1"/>
-          </p:nvPr>
-        </p:nvSpPr>
-        <p:spPr>
-          <a:xfrm>
-            <a:off x="685800" y="1358900"/>
-            <a:ext cx="7772400" cy="4648200"/>
-          </a:xfrm>
-        </p:spPr>
-        <p:txBody>
-          <a:bodyPr/>
-          <a:lstStyle/>
-          <a:p>
-            <a:r>
-              <a:rPr lang="en-US" dirty="0"/>
-              <a:t>A: RMAT/Kronecker generators</a:t>
-            </a:r>
-          </a:p>
-          <a:p>
-            <a:endParaRPr lang="en-US" dirty="0"/>
-          </a:p>
-          <a:p>
-            <a:endParaRPr lang="en-US" dirty="0"/>
-          </a:p>
-        </p:txBody>
-      </p:sp>
-      <p:sp>
-        <p:nvSpPr>
-          <p:cNvPr id="4" name="Date Placeholder 3"/>
+              <a:t>Q: Fractals and Graphs?</a:t>
+            </a:r>
+          </a:p>
+        </p:txBody>
+      </p:sp>
+      <p:sp>
+        <p:nvSpPr>
+          <p:cNvPr id="3" name="Date Placeholder 2">
+            <a:extLst>
+              <a:ext uri="{FF2B5EF4-FFF2-40B4-BE49-F238E27FC236}">
+                <a16:creationId xmlns:a16="http://schemas.microsoft.com/office/drawing/2014/main" id="{E7CFA20C-0C15-3844-89E2-0F1F90353DEB}"/>
+              </a:ext>
+            </a:extLst>
+          </p:cNvPr>
           <p:cNvSpPr>
             <a:spLocks noGrp="1"/>
           </p:cNvSpPr>
@@ -36588,7 +37941,13 @@
       </p:sp>
       <p:sp>
         <p:nvSpPr>
-          <p:cNvPr id="5" name="Footer Placeholder 4"/>
+          <p:cNvPr id="4" name="Footer Placeholder 3">
+            <a:extLst>
+              <a:ext uri="{FF2B5EF4-FFF2-40B4-BE49-F238E27FC236}">
+                <a16:creationId xmlns:a16="http://schemas.microsoft.com/office/drawing/2014/main" id="{078BFAE6-7537-3D42-8876-7AEEE950E720}"/>
+              </a:ext>
+            </a:extLst>
+          </p:cNvPr>
           <p:cNvSpPr>
             <a:spLocks noGrp="1"/>
           </p:cNvSpPr>
@@ -36605,15 +37964,22 @@
               <a:defRPr/>
             </a:pPr>
             <a:r>
-              <a:rPr lang="en-US"/>
+              <a:rPr lang="fi-FI"/>
               <a:t>L. Akoglu, M. McGlohon, C. Faloutsos</a:t>
             </a:r>
-          </a:p>
-        </p:txBody>
-      </p:sp>
-      <p:sp>
-        <p:nvSpPr>
-          <p:cNvPr id="6" name="Slide Number Placeholder 5"/>
+            <a:endParaRPr lang="en-US"/>
+          </a:p>
+        </p:txBody>
+      </p:sp>
+      <p:sp>
+        <p:nvSpPr>
+          <p:cNvPr id="5" name="Slide Number Placeholder 4">
+            <a:extLst>
+              <a:ext uri="{FF2B5EF4-FFF2-40B4-BE49-F238E27FC236}">
+                <a16:creationId xmlns:a16="http://schemas.microsoft.com/office/drawing/2014/main" id="{C4578EC1-513C-2844-82AB-9631ADDC8A36}"/>
+              </a:ext>
+            </a:extLst>
+          </p:cNvPr>
           <p:cNvSpPr>
             <a:spLocks noGrp="1"/>
           </p:cNvSpPr>
@@ -36640,369 +38006,7 @@
           </a:p>
         </p:txBody>
       </p:sp>
-      <p:sp>
-        <p:nvSpPr>
-          <p:cNvPr id="7" name="TextBox 6"/>
-          <p:cNvSpPr txBox="1"/>
-          <p:nvPr/>
-        </p:nvSpPr>
-        <p:spPr>
-          <a:xfrm>
-            <a:off x="0" y="3863538"/>
-            <a:ext cx="9144000" cy="1292662"/>
-          </a:xfrm>
-          <a:prstGeom prst="rect">
-            <a:avLst/>
-          </a:prstGeom>
-          <a:solidFill>
-            <a:srgbClr val="FF6600"/>
-          </a:solidFill>
-        </p:spPr>
-        <p:txBody>
-          <a:bodyPr wrap="square" rtlCol="0">
-            <a:spAutoFit/>
-          </a:bodyPr>
-          <a:lstStyle/>
-          <a:p>
-            <a:pPr algn="l"/>
-            <a:r>
-              <a:rPr lang="en-US" i="1" dirty="0">
-                <a:solidFill>
-                  <a:schemeClr val="bg1"/>
-                </a:solidFill>
-                <a:latin typeface="+mn-lt"/>
-              </a:rPr>
-              <a:t>R-MAT: A Recursive Model for Graph Mining</a:t>
-            </a:r>
-            <a:r>
-              <a:rPr lang="en-US" dirty="0">
-                <a:solidFill>
-                  <a:schemeClr val="bg1"/>
-                </a:solidFill>
-                <a:latin typeface="+mn-lt"/>
-              </a:rPr>
-              <a:t>, </a:t>
-            </a:r>
-          </a:p>
-          <a:p>
-            <a:pPr algn="l"/>
-            <a:r>
-              <a:rPr lang="en-US" dirty="0">
-                <a:solidFill>
-                  <a:schemeClr val="bg1"/>
-                </a:solidFill>
-                <a:latin typeface="+mn-lt"/>
-              </a:rPr>
-              <a:t>by D. Chakrabarti, Y. Zhan and C. Faloutsos, </a:t>
-            </a:r>
-          </a:p>
-          <a:p>
-            <a:pPr algn="l"/>
-            <a:r>
-              <a:rPr lang="en-US" dirty="0">
-                <a:solidFill>
-                  <a:schemeClr val="bg1"/>
-                </a:solidFill>
-                <a:latin typeface="+mn-lt"/>
-              </a:rPr>
-              <a:t>SDM 2004, Orlando, Florida, USA</a:t>
-            </a:r>
-          </a:p>
-        </p:txBody>
-      </p:sp>
-      <p:sp>
-        <p:nvSpPr>
-          <p:cNvPr id="8" name="TextBox 7"/>
-          <p:cNvSpPr txBox="1"/>
-          <p:nvPr/>
-        </p:nvSpPr>
-        <p:spPr>
-          <a:xfrm>
-            <a:off x="0" y="5165229"/>
-            <a:ext cx="9144000" cy="1692771"/>
-          </a:xfrm>
-          <a:prstGeom prst="rect">
-            <a:avLst/>
-          </a:prstGeom>
-          <a:solidFill>
-            <a:srgbClr val="FFFF00"/>
-          </a:solidFill>
-        </p:spPr>
-        <p:txBody>
-          <a:bodyPr wrap="square" rtlCol="0">
-            <a:spAutoFit/>
-          </a:bodyPr>
-          <a:lstStyle/>
-          <a:p>
-            <a:pPr algn="l"/>
-            <a:r>
-              <a:rPr lang="en-US" i="1" dirty="0">
-                <a:latin typeface="+mn-lt"/>
-              </a:rPr>
-              <a:t>Realistic, Mathematically Tractable Graph Generation </a:t>
-            </a:r>
-          </a:p>
-          <a:p>
-            <a:pPr algn="l"/>
-            <a:r>
-              <a:rPr lang="en-US" i="1" dirty="0">
-                <a:latin typeface="+mn-lt"/>
-              </a:rPr>
-              <a:t>and Evolution, Using Kronecker Multiplication,</a:t>
-            </a:r>
-          </a:p>
-          <a:p>
-            <a:pPr algn="l"/>
-            <a:r>
-              <a:rPr lang="en-US" dirty="0">
-                <a:latin typeface="+mn-lt"/>
-              </a:rPr>
-              <a:t>by J. Leskovec, D. Chakrabarti, J. Kleinberg, </a:t>
-            </a:r>
-          </a:p>
-          <a:p>
-            <a:pPr algn="l"/>
-            <a:r>
-              <a:rPr lang="en-US" dirty="0">
-                <a:latin typeface="+mn-lt"/>
-              </a:rPr>
-              <a:t>and C. Faloutsos, in PKDD 2005, Porto, Portugal </a:t>
-            </a:r>
-          </a:p>
-        </p:txBody>
-      </p:sp>
-      <p:pic>
-        <p:nvPicPr>
-          <p:cNvPr id="9" name="Picture 8">
-            <a:extLst>
-              <a:ext uri="{FF2B5EF4-FFF2-40B4-BE49-F238E27FC236}">
-                <a16:creationId xmlns:a16="http://schemas.microsoft.com/office/drawing/2014/main" id="{C14307E6-0D06-B441-8BCE-FB9EC826EC0C}"/>
-              </a:ext>
-            </a:extLst>
-          </p:cNvPr>
-          <p:cNvPicPr>
-            <a:picLocks noChangeAspect="1"/>
-          </p:cNvPicPr>
-          <p:nvPr/>
-        </p:nvPicPr>
-        <p:blipFill rotWithShape="1">
-          <a:blip r:embed="rId2" cstate="screen">
-            <a:extLst>
-              <a:ext uri="{28A0092B-C50C-407E-A947-70E740481C1C}">
-                <a14:useLocalDpi xmlns:a14="http://schemas.microsoft.com/office/drawing/2010/main"/>
-              </a:ext>
-            </a:extLst>
-          </a:blip>
-          <a:srcRect/>
-          <a:stretch/>
-        </p:blipFill>
-        <p:spPr>
-          <a:xfrm>
-            <a:off x="523866" y="2370319"/>
-            <a:ext cx="957267" cy="944897"/>
-          </a:xfrm>
-          <a:prstGeom prst="rect">
-            <a:avLst/>
-          </a:prstGeom>
-        </p:spPr>
-      </p:pic>
-      <p:pic>
-        <p:nvPicPr>
-          <p:cNvPr id="10" name="Picture 9">
-            <a:extLst>
-              <a:ext uri="{FF2B5EF4-FFF2-40B4-BE49-F238E27FC236}">
-                <a16:creationId xmlns:a16="http://schemas.microsoft.com/office/drawing/2014/main" id="{6ED50875-DF2B-0340-9489-9D6BD71E8C6E}"/>
-              </a:ext>
-            </a:extLst>
-          </p:cNvPr>
-          <p:cNvPicPr>
-            <a:picLocks noChangeAspect="1"/>
-          </p:cNvPicPr>
-          <p:nvPr/>
-        </p:nvPicPr>
-        <p:blipFill>
-          <a:blip r:embed="rId3" cstate="screen">
-            <a:extLst>
-              <a:ext uri="{28A0092B-C50C-407E-A947-70E740481C1C}">
-                <a14:useLocalDpi xmlns:a14="http://schemas.microsoft.com/office/drawing/2010/main"/>
-              </a:ext>
-            </a:extLst>
-          </a:blip>
-          <a:stretch>
-            <a:fillRect/>
-          </a:stretch>
-        </p:blipFill>
-        <p:spPr>
-          <a:xfrm>
-            <a:off x="2834383" y="2346496"/>
-            <a:ext cx="957267" cy="957267"/>
-          </a:xfrm>
-          <a:prstGeom prst="rect">
-            <a:avLst/>
-          </a:prstGeom>
-        </p:spPr>
-      </p:pic>
-      <p:pic>
-        <p:nvPicPr>
-          <p:cNvPr id="11" name="Picture 10">
-            <a:extLst>
-              <a:ext uri="{FF2B5EF4-FFF2-40B4-BE49-F238E27FC236}">
-                <a16:creationId xmlns:a16="http://schemas.microsoft.com/office/drawing/2014/main" id="{754D7110-8A30-0944-A159-15F2E0942E11}"/>
-              </a:ext>
-            </a:extLst>
-          </p:cNvPr>
-          <p:cNvPicPr>
-            <a:picLocks noChangeAspect="1"/>
-          </p:cNvPicPr>
-          <p:nvPr/>
-        </p:nvPicPr>
-        <p:blipFill rotWithShape="1">
-          <a:blip r:embed="rId4" cstate="screen">
-            <a:extLst>
-              <a:ext uri="{28A0092B-C50C-407E-A947-70E740481C1C}">
-                <a14:useLocalDpi xmlns:a14="http://schemas.microsoft.com/office/drawing/2010/main"/>
-              </a:ext>
-            </a:extLst>
-          </a:blip>
-          <a:srcRect b="19607"/>
-          <a:stretch/>
-        </p:blipFill>
-        <p:spPr>
-          <a:xfrm>
-            <a:off x="4999618" y="2359700"/>
-            <a:ext cx="957267" cy="1026099"/>
-          </a:xfrm>
-          <a:prstGeom prst="rect">
-            <a:avLst/>
-          </a:prstGeom>
-        </p:spPr>
-      </p:pic>
-      <p:sp>
-        <p:nvSpPr>
-          <p:cNvPr id="12" name="TextBox 11">
-            <a:extLst>
-              <a:ext uri="{FF2B5EF4-FFF2-40B4-BE49-F238E27FC236}">
-                <a16:creationId xmlns:a16="http://schemas.microsoft.com/office/drawing/2014/main" id="{86A8D5FC-77ED-2145-8469-DBBA01D4A940}"/>
-              </a:ext>
-            </a:extLst>
-          </p:cNvPr>
-          <p:cNvSpPr txBox="1"/>
-          <p:nvPr/>
-        </p:nvSpPr>
-        <p:spPr>
-          <a:xfrm>
-            <a:off x="148739" y="3422828"/>
-            <a:ext cx="1707520" cy="400110"/>
-          </a:xfrm>
-          <a:prstGeom prst="rect">
-            <a:avLst/>
-          </a:prstGeom>
-          <a:noFill/>
-        </p:spPr>
-        <p:txBody>
-          <a:bodyPr wrap="none" rtlCol="0">
-            <a:spAutoFit/>
-          </a:bodyPr>
-          <a:lstStyle/>
-          <a:p>
-            <a:r>
-              <a:rPr lang="en-US" sz="2000" dirty="0">
-                <a:latin typeface="+mn-lt"/>
-              </a:rPr>
-              <a:t>D. Chakrabarti</a:t>
-            </a:r>
-            <a:endParaRPr lang="en-US" dirty="0">
-              <a:latin typeface="+mn-lt"/>
-            </a:endParaRPr>
-          </a:p>
-        </p:txBody>
-      </p:sp>
-      <p:sp>
-        <p:nvSpPr>
-          <p:cNvPr id="13" name="TextBox 12">
-            <a:extLst>
-              <a:ext uri="{FF2B5EF4-FFF2-40B4-BE49-F238E27FC236}">
-                <a16:creationId xmlns:a16="http://schemas.microsoft.com/office/drawing/2014/main" id="{0BB8F641-48BE-7E40-B772-FF900EFB372D}"/>
-              </a:ext>
-            </a:extLst>
-          </p:cNvPr>
-          <p:cNvSpPr txBox="1"/>
-          <p:nvPr/>
-        </p:nvSpPr>
-        <p:spPr>
-          <a:xfrm>
-            <a:off x="2590800" y="3385799"/>
-            <a:ext cx="1394934" cy="400110"/>
-          </a:xfrm>
-          <a:prstGeom prst="rect">
-            <a:avLst/>
-          </a:prstGeom>
-          <a:noFill/>
-        </p:spPr>
-        <p:txBody>
-          <a:bodyPr wrap="none" rtlCol="0">
-            <a:spAutoFit/>
-          </a:bodyPr>
-          <a:lstStyle/>
-          <a:p>
-            <a:r>
-              <a:rPr lang="en-US" sz="2000" dirty="0">
-                <a:latin typeface="+mn-lt"/>
-              </a:rPr>
-              <a:t>J. Leskovec</a:t>
-            </a:r>
-            <a:endParaRPr lang="en-US" dirty="0">
-              <a:latin typeface="+mn-lt"/>
-            </a:endParaRPr>
-          </a:p>
-        </p:txBody>
-      </p:sp>
-      <p:sp>
-        <p:nvSpPr>
-          <p:cNvPr id="14" name="TextBox 13">
-            <a:extLst>
-              <a:ext uri="{FF2B5EF4-FFF2-40B4-BE49-F238E27FC236}">
-                <a16:creationId xmlns:a16="http://schemas.microsoft.com/office/drawing/2014/main" id="{A7203CC3-6D99-0A41-BE01-87015F97724A}"/>
-              </a:ext>
-            </a:extLst>
-          </p:cNvPr>
-          <p:cNvSpPr txBox="1"/>
-          <p:nvPr/>
-        </p:nvSpPr>
-        <p:spPr>
-          <a:xfrm>
-            <a:off x="4720275" y="3435790"/>
-            <a:ext cx="1431995" cy="400110"/>
-          </a:xfrm>
-          <a:prstGeom prst="rect">
-            <a:avLst/>
-          </a:prstGeom>
-          <a:noFill/>
-        </p:spPr>
-        <p:txBody>
-          <a:bodyPr wrap="none" rtlCol="0">
-            <a:spAutoFit/>
-          </a:bodyPr>
-          <a:lstStyle/>
-          <a:p>
-            <a:r>
-              <a:rPr lang="en-US" sz="2000" dirty="0">
-                <a:latin typeface="+mn-lt"/>
-              </a:rPr>
-              <a:t>J. Kleinberg</a:t>
-            </a:r>
-            <a:endParaRPr lang="en-US" dirty="0">
-              <a:latin typeface="+mn-lt"/>
-            </a:endParaRPr>
-          </a:p>
-        </p:txBody>
-      </p:sp>
     </p:spTree>
-    <p:extLst>
-      <p:ext uri="{BB962C8B-B14F-4D97-AF65-F5344CB8AC3E}">
-        <p14:creationId xmlns:p14="http://schemas.microsoft.com/office/powerpoint/2010/main" val="1600248501"/>
-      </p:ext>
-    </p:extLst>
   </p:cSld>
   <p:clrMapOvr>
     <a:masterClrMapping/>
@@ -37030,6 +38034,528 @@
       </p:grpSpPr>
       <p:sp>
         <p:nvSpPr>
+          <p:cNvPr id="2" name="Title 1"/>
+          <p:cNvSpPr>
+            <a:spLocks noGrp="1"/>
+          </p:cNvSpPr>
+          <p:nvPr>
+            <p:ph type="title"/>
+          </p:nvPr>
+        </p:nvSpPr>
+        <p:spPr/>
+        <p:txBody>
+          <a:bodyPr/>
+          <a:lstStyle/>
+          <a:p>
+            <a:r>
+              <a:rPr lang="en-US" dirty="0"/>
+              <a:t>Fractals and Graphs</a:t>
+            </a:r>
+          </a:p>
+        </p:txBody>
+      </p:sp>
+      <p:sp>
+        <p:nvSpPr>
+          <p:cNvPr id="3" name="Content Placeholder 2"/>
+          <p:cNvSpPr>
+            <a:spLocks noGrp="1"/>
+          </p:cNvSpPr>
+          <p:nvPr>
+            <p:ph idx="1"/>
+          </p:nvPr>
+        </p:nvSpPr>
+        <p:spPr>
+          <a:xfrm>
+            <a:off x="685800" y="1358900"/>
+            <a:ext cx="7772400" cy="4648200"/>
+          </a:xfrm>
+        </p:spPr>
+        <p:txBody>
+          <a:bodyPr/>
+          <a:lstStyle/>
+          <a:p>
+            <a:r>
+              <a:rPr lang="en-US" dirty="0"/>
+              <a:t>A: RMAT/Kronecker generators</a:t>
+            </a:r>
+          </a:p>
+          <a:p>
+            <a:endParaRPr lang="en-US" dirty="0"/>
+          </a:p>
+          <a:p>
+            <a:endParaRPr lang="en-US" dirty="0"/>
+          </a:p>
+        </p:txBody>
+      </p:sp>
+      <p:sp>
+        <p:nvSpPr>
+          <p:cNvPr id="4" name="Date Placeholder 3"/>
+          <p:cNvSpPr>
+            <a:spLocks noGrp="1"/>
+          </p:cNvSpPr>
+          <p:nvPr>
+            <p:ph type="dt" sz="half" idx="10"/>
+          </p:nvPr>
+        </p:nvSpPr>
+        <p:spPr/>
+        <p:txBody>
+          <a:bodyPr/>
+          <a:lstStyle/>
+          <a:p>
+            <a:pPr>
+              <a:defRPr/>
+            </a:pPr>
+            <a:r>
+              <a:rPr lang="en-US"/>
+              <a:t>OddBall: PAKDD 2021 Most Influential Paper</a:t>
+            </a:r>
+          </a:p>
+        </p:txBody>
+      </p:sp>
+      <p:sp>
+        <p:nvSpPr>
+          <p:cNvPr id="5" name="Footer Placeholder 4"/>
+          <p:cNvSpPr>
+            <a:spLocks noGrp="1"/>
+          </p:cNvSpPr>
+          <p:nvPr>
+            <p:ph type="ftr" sz="quarter" idx="11"/>
+          </p:nvPr>
+        </p:nvSpPr>
+        <p:spPr/>
+        <p:txBody>
+          <a:bodyPr/>
+          <a:lstStyle/>
+          <a:p>
+            <a:pPr>
+              <a:defRPr/>
+            </a:pPr>
+            <a:r>
+              <a:rPr lang="en-US"/>
+              <a:t>L. Akoglu, M. McGlohon, C. Faloutsos</a:t>
+            </a:r>
+          </a:p>
+        </p:txBody>
+      </p:sp>
+      <p:sp>
+        <p:nvSpPr>
+          <p:cNvPr id="6" name="Slide Number Placeholder 5"/>
+          <p:cNvSpPr>
+            <a:spLocks noGrp="1"/>
+          </p:cNvSpPr>
+          <p:nvPr>
+            <p:ph type="sldNum" sz="quarter" idx="12"/>
+          </p:nvPr>
+        </p:nvSpPr>
+        <p:spPr/>
+        <p:txBody>
+          <a:bodyPr/>
+          <a:lstStyle/>
+          <a:p>
+            <a:pPr>
+              <a:defRPr/>
+            </a:pPr>
+            <a:fld id="{F9B43987-7F84-BB4A-8611-CDF75B6A737D}" type="slidenum">
+              <a:rPr lang="en-US" smtClean="0"/>
+              <a:pPr>
+                <a:defRPr/>
+              </a:pPr>
+              <a:t>46</a:t>
+            </a:fld>
+            <a:endParaRPr lang="en-US"/>
+          </a:p>
+        </p:txBody>
+      </p:sp>
+      <p:sp>
+        <p:nvSpPr>
+          <p:cNvPr id="7" name="TextBox 6"/>
+          <p:cNvSpPr txBox="1"/>
+          <p:nvPr/>
+        </p:nvSpPr>
+        <p:spPr>
+          <a:xfrm>
+            <a:off x="0" y="3863538"/>
+            <a:ext cx="9144000" cy="1292662"/>
+          </a:xfrm>
+          <a:prstGeom prst="rect">
+            <a:avLst/>
+          </a:prstGeom>
+          <a:solidFill>
+            <a:srgbClr val="FF6600"/>
+          </a:solidFill>
+        </p:spPr>
+        <p:txBody>
+          <a:bodyPr wrap="square" rtlCol="0">
+            <a:spAutoFit/>
+          </a:bodyPr>
+          <a:lstStyle/>
+          <a:p>
+            <a:pPr algn="l"/>
+            <a:r>
+              <a:rPr lang="en-US" i="1" dirty="0">
+                <a:solidFill>
+                  <a:schemeClr val="bg1"/>
+                </a:solidFill>
+                <a:latin typeface="+mn-lt"/>
+              </a:rPr>
+              <a:t>R-MAT: A Recursive Model for Graph Mining</a:t>
+            </a:r>
+            <a:r>
+              <a:rPr lang="en-US" dirty="0">
+                <a:solidFill>
+                  <a:schemeClr val="bg1"/>
+                </a:solidFill>
+                <a:latin typeface="+mn-lt"/>
+              </a:rPr>
+              <a:t>, </a:t>
+            </a:r>
+          </a:p>
+          <a:p>
+            <a:pPr algn="l"/>
+            <a:r>
+              <a:rPr lang="en-US" dirty="0">
+                <a:solidFill>
+                  <a:schemeClr val="bg1"/>
+                </a:solidFill>
+                <a:latin typeface="+mn-lt"/>
+              </a:rPr>
+              <a:t>by D. Chakrabarti, Y. Zhan and C. Faloutsos, </a:t>
+            </a:r>
+          </a:p>
+          <a:p>
+            <a:pPr algn="l"/>
+            <a:r>
+              <a:rPr lang="en-US" dirty="0">
+                <a:solidFill>
+                  <a:schemeClr val="bg1"/>
+                </a:solidFill>
+                <a:latin typeface="+mn-lt"/>
+              </a:rPr>
+              <a:t>SDM 2004, Orlando, Florida, USA</a:t>
+            </a:r>
+          </a:p>
+        </p:txBody>
+      </p:sp>
+      <p:sp>
+        <p:nvSpPr>
+          <p:cNvPr id="8" name="TextBox 7"/>
+          <p:cNvSpPr txBox="1"/>
+          <p:nvPr/>
+        </p:nvSpPr>
+        <p:spPr>
+          <a:xfrm>
+            <a:off x="0" y="5165229"/>
+            <a:ext cx="9144000" cy="1692771"/>
+          </a:xfrm>
+          <a:prstGeom prst="rect">
+            <a:avLst/>
+          </a:prstGeom>
+          <a:solidFill>
+            <a:srgbClr val="FFFF00"/>
+          </a:solidFill>
+        </p:spPr>
+        <p:txBody>
+          <a:bodyPr wrap="square" rtlCol="0">
+            <a:spAutoFit/>
+          </a:bodyPr>
+          <a:lstStyle/>
+          <a:p>
+            <a:pPr algn="l"/>
+            <a:r>
+              <a:rPr lang="en-US" i="1" dirty="0">
+                <a:latin typeface="+mn-lt"/>
+              </a:rPr>
+              <a:t>Realistic, Mathematically Tractable Graph Generation </a:t>
+            </a:r>
+          </a:p>
+          <a:p>
+            <a:pPr algn="l"/>
+            <a:r>
+              <a:rPr lang="en-US" i="1" dirty="0">
+                <a:latin typeface="+mn-lt"/>
+              </a:rPr>
+              <a:t>and Evolution, Using Kronecker Multiplication,</a:t>
+            </a:r>
+          </a:p>
+          <a:p>
+            <a:pPr algn="l"/>
+            <a:r>
+              <a:rPr lang="en-US" dirty="0">
+                <a:latin typeface="+mn-lt"/>
+              </a:rPr>
+              <a:t>by J. Leskovec, D. Chakrabarti, J. Kleinberg, </a:t>
+            </a:r>
+          </a:p>
+          <a:p>
+            <a:pPr algn="l"/>
+            <a:r>
+              <a:rPr lang="en-US" dirty="0">
+                <a:latin typeface="+mn-lt"/>
+              </a:rPr>
+              <a:t>and C. Faloutsos, in PKDD 2005, Porto, Portugal </a:t>
+            </a:r>
+          </a:p>
+        </p:txBody>
+      </p:sp>
+      <p:pic>
+        <p:nvPicPr>
+          <p:cNvPr id="9" name="Picture 8">
+            <a:extLst>
+              <a:ext uri="{FF2B5EF4-FFF2-40B4-BE49-F238E27FC236}">
+                <a16:creationId xmlns:a16="http://schemas.microsoft.com/office/drawing/2014/main" id="{C14307E6-0D06-B441-8BCE-FB9EC826EC0C}"/>
+              </a:ext>
+            </a:extLst>
+          </p:cNvPr>
+          <p:cNvPicPr>
+            <a:picLocks noChangeAspect="1"/>
+          </p:cNvPicPr>
+          <p:nvPr/>
+        </p:nvPicPr>
+        <p:blipFill rotWithShape="1">
+          <a:blip r:embed="rId2" cstate="screen">
+            <a:extLst>
+              <a:ext uri="{28A0092B-C50C-407E-A947-70E740481C1C}">
+                <a14:useLocalDpi xmlns:a14="http://schemas.microsoft.com/office/drawing/2010/main"/>
+              </a:ext>
+            </a:extLst>
+          </a:blip>
+          <a:srcRect/>
+          <a:stretch/>
+        </p:blipFill>
+        <p:spPr>
+          <a:xfrm>
+            <a:off x="523866" y="2370319"/>
+            <a:ext cx="957267" cy="944897"/>
+          </a:xfrm>
+          <a:prstGeom prst="rect">
+            <a:avLst/>
+          </a:prstGeom>
+        </p:spPr>
+      </p:pic>
+      <p:pic>
+        <p:nvPicPr>
+          <p:cNvPr id="10" name="Picture 9">
+            <a:extLst>
+              <a:ext uri="{FF2B5EF4-FFF2-40B4-BE49-F238E27FC236}">
+                <a16:creationId xmlns:a16="http://schemas.microsoft.com/office/drawing/2014/main" id="{6ED50875-DF2B-0340-9489-9D6BD71E8C6E}"/>
+              </a:ext>
+            </a:extLst>
+          </p:cNvPr>
+          <p:cNvPicPr>
+            <a:picLocks noChangeAspect="1"/>
+          </p:cNvPicPr>
+          <p:nvPr/>
+        </p:nvPicPr>
+        <p:blipFill>
+          <a:blip r:embed="rId3" cstate="screen">
+            <a:extLst>
+              <a:ext uri="{28A0092B-C50C-407E-A947-70E740481C1C}">
+                <a14:useLocalDpi xmlns:a14="http://schemas.microsoft.com/office/drawing/2010/main"/>
+              </a:ext>
+            </a:extLst>
+          </a:blip>
+          <a:stretch>
+            <a:fillRect/>
+          </a:stretch>
+        </p:blipFill>
+        <p:spPr>
+          <a:xfrm>
+            <a:off x="2834383" y="2346496"/>
+            <a:ext cx="957267" cy="957267"/>
+          </a:xfrm>
+          <a:prstGeom prst="rect">
+            <a:avLst/>
+          </a:prstGeom>
+        </p:spPr>
+      </p:pic>
+      <p:pic>
+        <p:nvPicPr>
+          <p:cNvPr id="11" name="Picture 10">
+            <a:extLst>
+              <a:ext uri="{FF2B5EF4-FFF2-40B4-BE49-F238E27FC236}">
+                <a16:creationId xmlns:a16="http://schemas.microsoft.com/office/drawing/2014/main" id="{754D7110-8A30-0944-A159-15F2E0942E11}"/>
+              </a:ext>
+            </a:extLst>
+          </p:cNvPr>
+          <p:cNvPicPr>
+            <a:picLocks noChangeAspect="1"/>
+          </p:cNvPicPr>
+          <p:nvPr/>
+        </p:nvPicPr>
+        <p:blipFill rotWithShape="1">
+          <a:blip r:embed="rId4" cstate="screen">
+            <a:extLst>
+              <a:ext uri="{28A0092B-C50C-407E-A947-70E740481C1C}">
+                <a14:useLocalDpi xmlns:a14="http://schemas.microsoft.com/office/drawing/2010/main"/>
+              </a:ext>
+            </a:extLst>
+          </a:blip>
+          <a:srcRect b="19607"/>
+          <a:stretch/>
+        </p:blipFill>
+        <p:spPr>
+          <a:xfrm>
+            <a:off x="4999618" y="2359700"/>
+            <a:ext cx="957267" cy="1026099"/>
+          </a:xfrm>
+          <a:prstGeom prst="rect">
+            <a:avLst/>
+          </a:prstGeom>
+        </p:spPr>
+      </p:pic>
+      <p:sp>
+        <p:nvSpPr>
+          <p:cNvPr id="12" name="TextBox 11">
+            <a:extLst>
+              <a:ext uri="{FF2B5EF4-FFF2-40B4-BE49-F238E27FC236}">
+                <a16:creationId xmlns:a16="http://schemas.microsoft.com/office/drawing/2014/main" id="{86A8D5FC-77ED-2145-8469-DBBA01D4A940}"/>
+              </a:ext>
+            </a:extLst>
+          </p:cNvPr>
+          <p:cNvSpPr txBox="1"/>
+          <p:nvPr/>
+        </p:nvSpPr>
+        <p:spPr>
+          <a:xfrm>
+            <a:off x="148739" y="3422828"/>
+            <a:ext cx="1707520" cy="400110"/>
+          </a:xfrm>
+          <a:prstGeom prst="rect">
+            <a:avLst/>
+          </a:prstGeom>
+          <a:noFill/>
+        </p:spPr>
+        <p:txBody>
+          <a:bodyPr wrap="none" rtlCol="0">
+            <a:spAutoFit/>
+          </a:bodyPr>
+          <a:lstStyle/>
+          <a:p>
+            <a:r>
+              <a:rPr lang="en-US" sz="2000" dirty="0">
+                <a:latin typeface="+mn-lt"/>
+              </a:rPr>
+              <a:t>D. Chakrabarti</a:t>
+            </a:r>
+            <a:endParaRPr lang="en-US" dirty="0">
+              <a:latin typeface="+mn-lt"/>
+            </a:endParaRPr>
+          </a:p>
+        </p:txBody>
+      </p:sp>
+      <p:sp>
+        <p:nvSpPr>
+          <p:cNvPr id="13" name="TextBox 12">
+            <a:extLst>
+              <a:ext uri="{FF2B5EF4-FFF2-40B4-BE49-F238E27FC236}">
+                <a16:creationId xmlns:a16="http://schemas.microsoft.com/office/drawing/2014/main" id="{0BB8F641-48BE-7E40-B772-FF900EFB372D}"/>
+              </a:ext>
+            </a:extLst>
+          </p:cNvPr>
+          <p:cNvSpPr txBox="1"/>
+          <p:nvPr/>
+        </p:nvSpPr>
+        <p:spPr>
+          <a:xfrm>
+            <a:off x="2590800" y="3385799"/>
+            <a:ext cx="1394934" cy="400110"/>
+          </a:xfrm>
+          <a:prstGeom prst="rect">
+            <a:avLst/>
+          </a:prstGeom>
+          <a:noFill/>
+        </p:spPr>
+        <p:txBody>
+          <a:bodyPr wrap="none" rtlCol="0">
+            <a:spAutoFit/>
+          </a:bodyPr>
+          <a:lstStyle/>
+          <a:p>
+            <a:r>
+              <a:rPr lang="en-US" sz="2000" dirty="0">
+                <a:latin typeface="+mn-lt"/>
+              </a:rPr>
+              <a:t>J. Leskovec</a:t>
+            </a:r>
+            <a:endParaRPr lang="en-US" dirty="0">
+              <a:latin typeface="+mn-lt"/>
+            </a:endParaRPr>
+          </a:p>
+        </p:txBody>
+      </p:sp>
+      <p:sp>
+        <p:nvSpPr>
+          <p:cNvPr id="14" name="TextBox 13">
+            <a:extLst>
+              <a:ext uri="{FF2B5EF4-FFF2-40B4-BE49-F238E27FC236}">
+                <a16:creationId xmlns:a16="http://schemas.microsoft.com/office/drawing/2014/main" id="{A7203CC3-6D99-0A41-BE01-87015F97724A}"/>
+              </a:ext>
+            </a:extLst>
+          </p:cNvPr>
+          <p:cNvSpPr txBox="1"/>
+          <p:nvPr/>
+        </p:nvSpPr>
+        <p:spPr>
+          <a:xfrm>
+            <a:off x="4720275" y="3435790"/>
+            <a:ext cx="1431995" cy="400110"/>
+          </a:xfrm>
+          <a:prstGeom prst="rect">
+            <a:avLst/>
+          </a:prstGeom>
+          <a:noFill/>
+        </p:spPr>
+        <p:txBody>
+          <a:bodyPr wrap="none" rtlCol="0">
+            <a:spAutoFit/>
+          </a:bodyPr>
+          <a:lstStyle/>
+          <a:p>
+            <a:r>
+              <a:rPr lang="en-US" sz="2000" dirty="0">
+                <a:latin typeface="+mn-lt"/>
+              </a:rPr>
+              <a:t>J. Kleinberg</a:t>
+            </a:r>
+            <a:endParaRPr lang="en-US" dirty="0">
+              <a:latin typeface="+mn-lt"/>
+            </a:endParaRPr>
+          </a:p>
+        </p:txBody>
+      </p:sp>
+    </p:spTree>
+    <p:extLst>
+      <p:ext uri="{BB962C8B-B14F-4D97-AF65-F5344CB8AC3E}">
+        <p14:creationId xmlns:p14="http://schemas.microsoft.com/office/powerpoint/2010/main" val="1600248501"/>
+      </p:ext>
+    </p:extLst>
+  </p:cSld>
+  <p:clrMapOvr>
+    <a:masterClrMapping/>
+  </p:clrMapOvr>
+  <p:transition/>
+</p:sld>
+</file>
+
+<file path=ppt/slides/slide47.xml><?xml version="1.0" encoding="utf-8"?>
+<p:sld xmlns:a="http://schemas.openxmlformats.org/drawingml/2006/main" xmlns:r="http://schemas.openxmlformats.org/officeDocument/2006/relationships" xmlns:p="http://schemas.openxmlformats.org/presentationml/2006/main">
+  <p:cSld>
+    <p:spTree>
+      <p:nvGrpSpPr>
+        <p:cNvPr id="1" name=""/>
+        <p:cNvGrpSpPr/>
+        <p:nvPr/>
+      </p:nvGrpSpPr>
+      <p:grpSpPr>
+        <a:xfrm>
+          <a:off x="0" y="0"/>
+          <a:ext cx="0" cy="0"/>
+          <a:chOff x="0" y="0"/>
+          <a:chExt cx="0" cy="0"/>
+        </a:xfrm>
+      </p:grpSpPr>
+      <p:sp>
+        <p:nvSpPr>
           <p:cNvPr id="14" name="Date Placeholder 3"/>
           <p:cNvSpPr>
             <a:spLocks noGrp="1"/>
@@ -37101,7 +38627,7 @@
               <a:pPr>
                 <a:defRPr/>
               </a:pPr>
-              <a:t>46</a:t>
+              <a:t>47</a:t>
             </a:fld>
             <a:endParaRPr lang="en-US"/>
           </a:p>
@@ -37662,7 +39188,7 @@
 </p:sld>
 </file>
 
-<file path=ppt/slides/slide47.xml><?xml version="1.0" encoding="utf-8"?>
+<file path=ppt/slides/slide48.xml><?xml version="1.0" encoding="utf-8"?>
 <p:sld xmlns:a="http://schemas.openxmlformats.org/drawingml/2006/main" xmlns:r="http://schemas.openxmlformats.org/officeDocument/2006/relationships" xmlns:p="http://schemas.openxmlformats.org/presentationml/2006/main">
   <p:cSld>
     <p:spTree>
@@ -38214,7 +39740,7 @@
             <a:fld id="{8880FAFF-C85A-224E-866A-0FC20893F9CC}" type="slidenum">
               <a:rPr lang="en-US" altLang="en-US" sz="1400" u="none"/>
               <a:pPr/>
-              <a:t>47</a:t>
+              <a:t>48</a:t>
             </a:fld>
             <a:endParaRPr lang="en-US" altLang="en-US" sz="1400" u="none"/>
           </a:p>
@@ -38794,7 +40320,7 @@
 </p:sld>
 </file>
 
-<file path=ppt/slides/slide48.xml><?xml version="1.0" encoding="utf-8"?>
+<file path=ppt/slides/slide49.xml><?xml version="1.0" encoding="utf-8"?>
 <p:sld xmlns:a="http://schemas.openxmlformats.org/drawingml/2006/main" xmlns:r="http://schemas.openxmlformats.org/officeDocument/2006/relationships" xmlns:p="http://schemas.openxmlformats.org/presentationml/2006/main">
   <p:cSld>
     <p:spTree>
@@ -39003,7 +40529,7 @@
               <a:pPr>
                 <a:defRPr/>
               </a:pPr>
-              <a:t>48</a:t>
+              <a:t>49</a:t>
             </a:fld>
             <a:endParaRPr lang="en-US"/>
           </a:p>
@@ -39919,506 +41445,6 @@
 </p:sld>
 </file>
 
-<file path=ppt/slides/slide49.xml><?xml version="1.0" encoding="utf-8"?>
-<p:sld xmlns:a="http://schemas.openxmlformats.org/drawingml/2006/main" xmlns:r="http://schemas.openxmlformats.org/officeDocument/2006/relationships" xmlns:p="http://schemas.openxmlformats.org/presentationml/2006/main">
-  <p:cSld>
-    <p:spTree>
-      <p:nvGrpSpPr>
-        <p:cNvPr id="1" name=""/>
-        <p:cNvGrpSpPr/>
-        <p:nvPr/>
-      </p:nvGrpSpPr>
-      <p:grpSpPr>
-        <a:xfrm>
-          <a:off x="0" y="0"/>
-          <a:ext cx="0" cy="0"/>
-          <a:chOff x="0" y="0"/>
-          <a:chExt cx="0" cy="0"/>
-        </a:xfrm>
-      </p:grpSpPr>
-      <p:sp>
-        <p:nvSpPr>
-          <p:cNvPr id="259074" name="Footer Placeholder 4"/>
-          <p:cNvSpPr>
-            <a:spLocks noGrp="1"/>
-          </p:cNvSpPr>
-          <p:nvPr>
-            <p:ph type="ftr" sz="quarter" idx="11"/>
-          </p:nvPr>
-        </p:nvSpPr>
-        <p:spPr>
-          <a:noFill/>
-        </p:spPr>
-        <p:txBody>
-          <a:bodyPr/>
-          <a:lstStyle/>
-          <a:p>
-            <a:r>
-              <a:rPr lang="en-US"/>
-              <a:t>L. Akoglu, M. McGlohon, C. Faloutsos</a:t>
-            </a:r>
-          </a:p>
-        </p:txBody>
-      </p:sp>
-      <p:sp>
-        <p:nvSpPr>
-          <p:cNvPr id="259075" name="Slide Number Placeholder 5"/>
-          <p:cNvSpPr>
-            <a:spLocks noGrp="1"/>
-          </p:cNvSpPr>
-          <p:nvPr>
-            <p:ph type="sldNum" sz="quarter" idx="12"/>
-          </p:nvPr>
-        </p:nvSpPr>
-        <p:spPr>
-          <a:noFill/>
-        </p:spPr>
-        <p:txBody>
-          <a:bodyPr/>
-          <a:lstStyle/>
-          <a:p>
-            <a:fld id="{26337C36-4169-E34D-8EA6-104720BA7F78}" type="slidenum">
-              <a:rPr lang="en-US" smtClean="0"/>
-              <a:pPr/>
-              <a:t>49</a:t>
-            </a:fld>
-            <a:endParaRPr lang="en-US"/>
-          </a:p>
-        </p:txBody>
-      </p:sp>
-      <p:sp>
-        <p:nvSpPr>
-          <p:cNvPr id="259076" name="Rectangle 2"/>
-          <p:cNvSpPr>
-            <a:spLocks noGrp="1" noChangeArrowheads="1"/>
-          </p:cNvSpPr>
-          <p:nvPr>
-            <p:ph type="title"/>
-          </p:nvPr>
-        </p:nvSpPr>
-        <p:spPr>
-          <a:xfrm>
-            <a:off x="685800" y="304800"/>
-            <a:ext cx="7772400" cy="685800"/>
-          </a:xfrm>
-        </p:spPr>
-        <p:txBody>
-          <a:bodyPr/>
-          <a:lstStyle/>
-          <a:p>
-            <a:r>
-              <a:rPr lang="en-US" sz="4400" dirty="0">
-                <a:ea typeface="ＭＳ Ｐゴシック" charset="-128"/>
-                <a:cs typeface="ＭＳ Ｐゴシック" charset="-128"/>
-              </a:rPr>
-              <a:t>Thanks</a:t>
-            </a:r>
-            <a:endParaRPr lang="en-US" sz="3600" dirty="0">
-              <a:ea typeface="ＭＳ Ｐゴシック" charset="-128"/>
-              <a:cs typeface="ＭＳ Ｐゴシック" charset="-128"/>
-            </a:endParaRPr>
-          </a:p>
-        </p:txBody>
-      </p:sp>
-      <p:sp>
-        <p:nvSpPr>
-          <p:cNvPr id="259090" name="Date Placeholder 22"/>
-          <p:cNvSpPr>
-            <a:spLocks noGrp="1"/>
-          </p:cNvSpPr>
-          <p:nvPr>
-            <p:ph type="dt" sz="quarter" idx="10"/>
-          </p:nvPr>
-        </p:nvSpPr>
-        <p:spPr>
-          <a:noFill/>
-        </p:spPr>
-        <p:txBody>
-          <a:bodyPr/>
-          <a:lstStyle/>
-          <a:p>
-            <a:r>
-              <a:rPr lang="en-US"/>
-              <a:t>OddBall: PAKDD 2021 Most Influential Paper</a:t>
-            </a:r>
-          </a:p>
-        </p:txBody>
-      </p:sp>
-      <p:sp>
-        <p:nvSpPr>
-          <p:cNvPr id="26" name="Text Box 5"/>
-          <p:cNvSpPr txBox="1">
-            <a:spLocks noChangeArrowheads="1"/>
-          </p:cNvSpPr>
-          <p:nvPr/>
-        </p:nvSpPr>
-        <p:spPr bwMode="auto">
-          <a:xfrm>
-            <a:off x="0" y="5226050"/>
-            <a:ext cx="9144000" cy="1631950"/>
-          </a:xfrm>
-          <a:prstGeom prst="rect">
-            <a:avLst/>
-          </a:prstGeom>
-          <a:solidFill>
-            <a:schemeClr val="accent4">
-              <a:lumMod val="10000"/>
-              <a:lumOff val="90000"/>
-            </a:schemeClr>
-          </a:solidFill>
-          <a:ln w="28575">
-            <a:noFill/>
-            <a:miter lim="800000"/>
-            <a:headEnd type="none" w="sm" len="sm"/>
-            <a:tailEnd/>
-          </a:ln>
-        </p:spPr>
-        <p:txBody>
-          <a:bodyPr>
-            <a:prstTxWarp prst="textNoShape">
-              <a:avLst/>
-            </a:prstTxWarp>
-            <a:spAutoFit/>
-          </a:bodyPr>
-          <a:lstStyle/>
-          <a:p>
-            <a:pPr algn="l">
-              <a:defRPr/>
-            </a:pPr>
-            <a:r>
-              <a:rPr kumimoji="0" lang="en-US" sz="3600" dirty="0">
-                <a:latin typeface="Times New Roman" charset="0"/>
-              </a:rPr>
-              <a:t>Thanks to: </a:t>
-            </a:r>
-            <a:r>
-              <a:rPr kumimoji="0" lang="en-US" sz="3200" dirty="0">
-                <a:latin typeface="Times New Roman" charset="0"/>
-              </a:rPr>
-              <a:t>NSF IIS-0705359, IIS-0534205, </a:t>
-            </a:r>
-          </a:p>
-          <a:p>
-            <a:pPr algn="l">
-              <a:defRPr/>
-            </a:pPr>
-            <a:r>
-              <a:rPr kumimoji="0" lang="en-US" sz="3200" dirty="0">
-                <a:latin typeface="Times New Roman" charset="0"/>
-              </a:rPr>
-              <a:t>CTA-INARC</a:t>
-            </a:r>
-            <a:r>
-              <a:rPr kumimoji="0" lang="en-US" sz="2800" dirty="0">
-                <a:latin typeface="Times New Roman" charset="0"/>
-              </a:rPr>
-              <a:t>; </a:t>
-            </a:r>
-            <a:r>
-              <a:rPr kumimoji="0" lang="en-US" sz="3200" dirty="0">
-                <a:latin typeface="Times New Roman" charset="0"/>
-              </a:rPr>
-              <a:t>Yahoo (M45), LLNL, IBM, SPRINT, Google, INTEL, HP, </a:t>
-            </a:r>
-            <a:r>
-              <a:rPr kumimoji="0" lang="en-US" sz="3200" dirty="0" err="1">
-                <a:latin typeface="Times New Roman" charset="0"/>
-              </a:rPr>
-              <a:t>iLab</a:t>
-            </a:r>
-            <a:endParaRPr kumimoji="0" lang="en-US" sz="3200" dirty="0">
-              <a:latin typeface="Times New Roman" charset="0"/>
-            </a:endParaRPr>
-          </a:p>
-        </p:txBody>
-      </p:sp>
-      <p:sp>
-        <p:nvSpPr>
-          <p:cNvPr id="10" name="TextBox 9"/>
-          <p:cNvSpPr txBox="1"/>
-          <p:nvPr/>
-        </p:nvSpPr>
-        <p:spPr>
-          <a:xfrm>
-            <a:off x="60966" y="4127500"/>
-            <a:ext cx="9083034" cy="892552"/>
-          </a:xfrm>
-          <a:prstGeom prst="rect">
-            <a:avLst/>
-          </a:prstGeom>
-          <a:noFill/>
-        </p:spPr>
-        <p:txBody>
-          <a:bodyPr wrap="square" rtlCol="0">
-            <a:spAutoFit/>
-          </a:bodyPr>
-          <a:lstStyle/>
-          <a:p>
-            <a:pPr algn="l"/>
-            <a:r>
-              <a:rPr lang="en-US" i="1" dirty="0"/>
-              <a:t>Disclaimer: All opinions are mine; not necessarily reflecting the opinions of the funding agencies</a:t>
-            </a:r>
-          </a:p>
-        </p:txBody>
-      </p:sp>
-      <p:pic>
-        <p:nvPicPr>
-          <p:cNvPr id="12" name="Picture 8" descr="http://t0.gstatic.com/images?q=tbn:ANd9GcQwW9RUUz_lvl3egp8FAlbWHHU3Wy5q-UydlG30DVwo5lUBYlm-"/>
-          <p:cNvPicPr>
-            <a:picLocks noChangeAspect="1" noChangeArrowheads="1"/>
-          </p:cNvPicPr>
-          <p:nvPr/>
-        </p:nvPicPr>
-        <p:blipFill>
-          <a:blip r:embed="rId3"/>
-          <a:srcRect/>
-          <a:stretch>
-            <a:fillRect/>
-          </a:stretch>
-        </p:blipFill>
-        <p:spPr bwMode="auto">
-          <a:xfrm>
-            <a:off x="495300" y="2146300"/>
-            <a:ext cx="1282700" cy="1282700"/>
-          </a:xfrm>
-          <a:prstGeom prst="rect">
-            <a:avLst/>
-          </a:prstGeom>
-          <a:noFill/>
-          <a:ln w="9525">
-            <a:noFill/>
-            <a:miter lim="800000"/>
-            <a:headEnd/>
-            <a:tailEnd/>
-          </a:ln>
-        </p:spPr>
-      </p:pic>
-      <p:pic>
-        <p:nvPicPr>
-          <p:cNvPr id="13" name="Picture 2" descr="http://t0.gstatic.com/images?q=tbn:ANd9GcQpH156shFzSx1HmAKxsBrk_sUtGWXvGLHm6T2QYpOnRxkrEmDtwQ"/>
-          <p:cNvPicPr>
-            <a:picLocks noChangeAspect="1" noChangeArrowheads="1"/>
-          </p:cNvPicPr>
-          <p:nvPr/>
-        </p:nvPicPr>
-        <p:blipFill>
-          <a:blip r:embed="rId4" cstate="screen">
-            <a:extLst>
-              <a:ext uri="{28A0092B-C50C-407E-A947-70E740481C1C}">
-                <a14:useLocalDpi xmlns:a14="http://schemas.microsoft.com/office/drawing/2010/main"/>
-              </a:ext>
-            </a:extLst>
-          </a:blip>
-          <a:srcRect/>
-          <a:stretch>
-            <a:fillRect/>
-          </a:stretch>
-        </p:blipFill>
-        <p:spPr bwMode="auto">
-          <a:xfrm>
-            <a:off x="482601" y="1181101"/>
-            <a:ext cx="1003300" cy="1003300"/>
-          </a:xfrm>
-          <a:prstGeom prst="rect">
-            <a:avLst/>
-          </a:prstGeom>
-          <a:noFill/>
-          <a:ln w="9525">
-            <a:noFill/>
-            <a:miter lim="800000"/>
-            <a:headEnd/>
-            <a:tailEnd/>
-          </a:ln>
-        </p:spPr>
-      </p:pic>
-      <p:pic>
-        <p:nvPicPr>
-          <p:cNvPr id="14" name="Picture 4" descr="http://t3.gstatic.com/images?q=tbn:ANd9GcTng4xTWHY93yuRDj-Bedx1eiVD1y21bFp2PJksa0lvz_EEgRCT"/>
-          <p:cNvPicPr>
-            <a:picLocks noChangeAspect="1" noChangeArrowheads="1"/>
-          </p:cNvPicPr>
-          <p:nvPr/>
-        </p:nvPicPr>
-        <p:blipFill>
-          <a:blip r:embed="rId5"/>
-          <a:srcRect/>
-          <a:stretch>
-            <a:fillRect/>
-          </a:stretch>
-        </p:blipFill>
-        <p:spPr bwMode="auto">
-          <a:xfrm>
-            <a:off x="3200400" y="1231900"/>
-            <a:ext cx="725786" cy="939800"/>
-          </a:xfrm>
-          <a:prstGeom prst="rect">
-            <a:avLst/>
-          </a:prstGeom>
-          <a:noFill/>
-          <a:ln w="9525">
-            <a:noFill/>
-            <a:miter lim="800000"/>
-            <a:headEnd/>
-            <a:tailEnd/>
-          </a:ln>
-        </p:spPr>
-      </p:pic>
-      <p:pic>
-        <p:nvPicPr>
-          <p:cNvPr id="15" name="Picture 6" descr="http://t3.gstatic.com/images?q=tbn:ANd9GcRyhsRNATG9Oqs9nIruJrm_NKgmSXntnuDzccqbfYZXSEOGlU7Sdg"/>
-          <p:cNvPicPr>
-            <a:picLocks noChangeAspect="1" noChangeArrowheads="1"/>
-          </p:cNvPicPr>
-          <p:nvPr/>
-        </p:nvPicPr>
-        <p:blipFill>
-          <a:blip r:embed="rId6" cstate="screen">
-            <a:extLst>
-              <a:ext uri="{28A0092B-C50C-407E-A947-70E740481C1C}">
-                <a14:useLocalDpi xmlns:a14="http://schemas.microsoft.com/office/drawing/2010/main"/>
-              </a:ext>
-            </a:extLst>
-          </a:blip>
-          <a:srcRect/>
-          <a:stretch>
-            <a:fillRect/>
-          </a:stretch>
-        </p:blipFill>
-        <p:spPr bwMode="auto">
-          <a:xfrm>
-            <a:off x="1841500" y="1346200"/>
-            <a:ext cx="1219200" cy="667684"/>
-          </a:xfrm>
-          <a:prstGeom prst="rect">
-            <a:avLst/>
-          </a:prstGeom>
-          <a:noFill/>
-          <a:ln w="9525">
-            <a:noFill/>
-            <a:miter lim="800000"/>
-            <a:headEnd/>
-            <a:tailEnd/>
-          </a:ln>
-        </p:spPr>
-      </p:pic>
-      <p:pic>
-        <p:nvPicPr>
-          <p:cNvPr id="16" name="Picture 8" descr="http://t0.gstatic.com/images?q=tbn:ANd9GcSNeH3e6ds0bO1wz-uyNnvXZK8hcSs_GDAZuIi5zZzLBk_Rje8U-g"/>
-          <p:cNvPicPr>
-            <a:picLocks noChangeAspect="1" noChangeArrowheads="1"/>
-          </p:cNvPicPr>
-          <p:nvPr/>
-        </p:nvPicPr>
-        <p:blipFill>
-          <a:blip r:embed="rId7" cstate="screen">
-            <a:extLst>
-              <a:ext uri="{28A0092B-C50C-407E-A947-70E740481C1C}">
-                <a14:useLocalDpi xmlns:a14="http://schemas.microsoft.com/office/drawing/2010/main"/>
-              </a:ext>
-            </a:extLst>
-          </a:blip>
-          <a:srcRect/>
-          <a:stretch>
-            <a:fillRect/>
-          </a:stretch>
-        </p:blipFill>
-        <p:spPr bwMode="auto">
-          <a:xfrm>
-            <a:off x="5664200" y="1395408"/>
-            <a:ext cx="1485900" cy="738192"/>
-          </a:xfrm>
-          <a:prstGeom prst="rect">
-            <a:avLst/>
-          </a:prstGeom>
-          <a:noFill/>
-          <a:ln w="9525">
-            <a:noFill/>
-            <a:miter lim="800000"/>
-            <a:headEnd/>
-            <a:tailEnd/>
-          </a:ln>
-        </p:spPr>
-      </p:pic>
-      <p:pic>
-        <p:nvPicPr>
-          <p:cNvPr id="17" name="Picture 12" descr="http://t0.gstatic.com/images?q=tbn:ANd9GcTwsTT-JitD4771zdQJllgCbZvgmetUu28V59auEze3ysUMA5hb"/>
-          <p:cNvPicPr>
-            <a:picLocks noChangeAspect="1" noChangeArrowheads="1"/>
-          </p:cNvPicPr>
-          <p:nvPr/>
-        </p:nvPicPr>
-        <p:blipFill>
-          <a:blip r:embed="rId8"/>
-          <a:srcRect/>
-          <a:stretch>
-            <a:fillRect/>
-          </a:stretch>
-        </p:blipFill>
-        <p:spPr bwMode="auto">
-          <a:xfrm>
-            <a:off x="4292600" y="1419225"/>
-            <a:ext cx="1137476" cy="600075"/>
-          </a:xfrm>
-          <a:prstGeom prst="rect">
-            <a:avLst/>
-          </a:prstGeom>
-          <a:noFill/>
-          <a:ln w="9525">
-            <a:noFill/>
-            <a:miter lim="800000"/>
-            <a:headEnd/>
-            <a:tailEnd/>
-          </a:ln>
-        </p:spPr>
-      </p:pic>
-      <p:pic>
-        <p:nvPicPr>
-          <p:cNvPr id="18" name="Picture 12" descr="http://t1.gstatic.com/images?q=tbn:ANd9GcSR3_6yIokeQSlPL-KSrCEEZj_lZw4UJspnJMK1dfzAlXRQoa_K"/>
-          <p:cNvPicPr>
-            <a:picLocks noChangeAspect="1" noChangeArrowheads="1"/>
-          </p:cNvPicPr>
-          <p:nvPr/>
-        </p:nvPicPr>
-        <p:blipFill>
-          <a:blip r:embed="rId9" cstate="screen">
-            <a:extLst>
-              <a:ext uri="{28A0092B-C50C-407E-A947-70E740481C1C}">
-                <a14:useLocalDpi xmlns:a14="http://schemas.microsoft.com/office/drawing/2010/main"/>
-              </a:ext>
-            </a:extLst>
-          </a:blip>
-          <a:srcRect/>
-          <a:stretch>
-            <a:fillRect/>
-          </a:stretch>
-        </p:blipFill>
-        <p:spPr bwMode="auto">
-          <a:xfrm>
-            <a:off x="7493000" y="1527180"/>
-            <a:ext cx="1328850" cy="314320"/>
-          </a:xfrm>
-          <a:prstGeom prst="rect">
-            <a:avLst/>
-          </a:prstGeom>
-          <a:noFill/>
-          <a:ln w="9525">
-            <a:noFill/>
-            <a:miter lim="800000"/>
-            <a:headEnd/>
-            <a:tailEnd/>
-          </a:ln>
-        </p:spPr>
-      </p:pic>
-    </p:spTree>
-  </p:cSld>
-  <p:clrMapOvr>
-    <a:masterClrMapping/>
-  </p:clrMapOvr>
-  <p:transition/>
-</p:sld>
-</file>
-
 <file path=ppt/slides/slide5.xml><?xml version="1.0" encoding="utf-8"?>
 <p:sld xmlns:a="http://schemas.openxmlformats.org/drawingml/2006/main" xmlns:r="http://schemas.openxmlformats.org/officeDocument/2006/relationships" xmlns:p="http://schemas.openxmlformats.org/presentationml/2006/main">
   <p:cSld>
@@ -41213,22 +42239,141 @@
       </p:sp>
       <p:sp>
         <p:nvSpPr>
-          <p:cNvPr id="19" name="Google Shape;165;p2">
-            <a:extLst>
-              <a:ext uri="{FF2B5EF4-FFF2-40B4-BE49-F238E27FC236}">
-                <a16:creationId xmlns:a16="http://schemas.microsoft.com/office/drawing/2014/main" id="{B5D91D04-FDA4-BF41-BC09-F7E262E83ED6}"/>
-              </a:ext>
-            </a:extLst>
-          </p:cNvPr>
+          <p:cNvPr id="26" name="Text Box 5"/>
           <p:cNvSpPr txBox="1">
-            <a:spLocks/>
+            <a:spLocks noChangeArrowheads="1"/>
           </p:cNvSpPr>
           <p:nvPr/>
         </p:nvSpPr>
         <p:spPr bwMode="auto">
           <a:xfrm>
-            <a:off x="1093077" y="1524000"/>
-            <a:ext cx="7546426" cy="4648200"/>
+            <a:off x="0" y="5226050"/>
+            <a:ext cx="9144000" cy="1631950"/>
+          </a:xfrm>
+          <a:prstGeom prst="rect">
+            <a:avLst/>
+          </a:prstGeom>
+          <a:solidFill>
+            <a:schemeClr val="accent4">
+              <a:lumMod val="10000"/>
+              <a:lumOff val="90000"/>
+            </a:schemeClr>
+          </a:solidFill>
+          <a:ln w="28575">
+            <a:noFill/>
+            <a:miter lim="800000"/>
+            <a:headEnd type="none" w="sm" len="sm"/>
+            <a:tailEnd/>
+          </a:ln>
+        </p:spPr>
+        <p:txBody>
+          <a:bodyPr>
+            <a:prstTxWarp prst="textNoShape">
+              <a:avLst/>
+            </a:prstTxWarp>
+            <a:spAutoFit/>
+          </a:bodyPr>
+          <a:lstStyle/>
+          <a:p>
+            <a:pPr algn="l">
+              <a:defRPr/>
+            </a:pPr>
+            <a:r>
+              <a:rPr kumimoji="0" lang="en-US" sz="3600" dirty="0">
+                <a:latin typeface="Times New Roman" charset="0"/>
+              </a:rPr>
+              <a:t>Thanks to: </a:t>
+            </a:r>
+            <a:r>
+              <a:rPr kumimoji="0" lang="en-US" sz="3200" dirty="0">
+                <a:latin typeface="Times New Roman" charset="0"/>
+              </a:rPr>
+              <a:t>NSF IIS-0705359, IIS-0534205, </a:t>
+            </a:r>
+          </a:p>
+          <a:p>
+            <a:pPr algn="l">
+              <a:defRPr/>
+            </a:pPr>
+            <a:r>
+              <a:rPr kumimoji="0" lang="en-US" sz="3200" dirty="0">
+                <a:latin typeface="Times New Roman" charset="0"/>
+              </a:rPr>
+              <a:t>CTA-INARC</a:t>
+            </a:r>
+            <a:r>
+              <a:rPr kumimoji="0" lang="en-US" sz="2800" dirty="0">
+                <a:latin typeface="Times New Roman" charset="0"/>
+              </a:rPr>
+              <a:t>; </a:t>
+            </a:r>
+            <a:r>
+              <a:rPr kumimoji="0" lang="en-US" sz="3200" dirty="0">
+                <a:latin typeface="Times New Roman" charset="0"/>
+              </a:rPr>
+              <a:t>Yahoo (M45), LLNL, IBM, SPRINT, Google, INTEL, HP, </a:t>
+            </a:r>
+            <a:r>
+              <a:rPr kumimoji="0" lang="en-US" sz="3200" dirty="0" err="1">
+                <a:latin typeface="Times New Roman" charset="0"/>
+              </a:rPr>
+              <a:t>iLab</a:t>
+            </a:r>
+            <a:endParaRPr kumimoji="0" lang="en-US" sz="3200" dirty="0">
+              <a:latin typeface="Times New Roman" charset="0"/>
+            </a:endParaRPr>
+          </a:p>
+        </p:txBody>
+      </p:sp>
+      <p:sp>
+        <p:nvSpPr>
+          <p:cNvPr id="10" name="TextBox 9"/>
+          <p:cNvSpPr txBox="1"/>
+          <p:nvPr/>
+        </p:nvSpPr>
+        <p:spPr>
+          <a:xfrm>
+            <a:off x="60966" y="4127500"/>
+            <a:ext cx="9083034" cy="892552"/>
+          </a:xfrm>
+          <a:prstGeom prst="rect">
+            <a:avLst/>
+          </a:prstGeom>
+          <a:noFill/>
+        </p:spPr>
+        <p:txBody>
+          <a:bodyPr wrap="square" rtlCol="0">
+            <a:spAutoFit/>
+          </a:bodyPr>
+          <a:lstStyle/>
+          <a:p>
+            <a:pPr algn="l"/>
+            <a:r>
+              <a:rPr lang="en-US" i="1" dirty="0"/>
+              <a:t>Disclaimer: All opinions are mine; not necessarily reflecting the opinions of the funding agencies</a:t>
+            </a:r>
+          </a:p>
+        </p:txBody>
+      </p:sp>
+      <p:pic>
+        <p:nvPicPr>
+          <p:cNvPr id="12" name="Picture 8" descr="http://t0.gstatic.com/images?q=tbn:ANd9GcQwW9RUUz_lvl3egp8FAlbWHHU3Wy5q-UydlG30DVwo5lUBYlm-"/>
+          <p:cNvPicPr>
+            <a:picLocks noChangeAspect="1" noChangeArrowheads="1"/>
+          </p:cNvPicPr>
+          <p:nvPr/>
+        </p:nvPicPr>
+        <p:blipFill>
+          <a:blip r:embed="rId3"/>
+          <a:srcRect/>
+          <a:stretch>
+            <a:fillRect/>
+          </a:stretch>
+        </p:blipFill>
+        <p:spPr bwMode="auto">
+          <a:xfrm>
+            <a:off x="495300" y="2146300"/>
+            <a:ext cx="1282700" cy="1282700"/>
           </a:xfrm>
           <a:prstGeom prst="rect">
             <a:avLst/>
@@ -41241,292 +42386,12 @@
             <a:tailEnd/>
           </a:ln>
         </p:spPr>
-        <p:txBody>
-          <a:bodyPr spcFirstLastPara="1" vert="horz" wrap="square" lIns="91425" tIns="45700" rIns="91425" bIns="45700" numCol="1" anchor="t" anchorCtr="0" compatLnSpc="1">
-            <a:prstTxWarp prst="textNoShape">
-              <a:avLst/>
-            </a:prstTxWarp>
-            <a:noAutofit/>
-          </a:bodyPr>
-          <a:lstStyle>
-            <a:lvl1pPr marL="342900" indent="-342900" algn="l" rtl="0" eaLnBrk="0" fontAlgn="base" hangingPunct="0">
-              <a:spcBef>
-                <a:spcPct val="20000"/>
-              </a:spcBef>
-              <a:spcAft>
-                <a:spcPct val="0"/>
-              </a:spcAft>
-              <a:buChar char="•"/>
-              <a:defRPr sz="3200">
-                <a:solidFill>
-                  <a:schemeClr val="tx1"/>
-                </a:solidFill>
-                <a:latin typeface="+mn-lt"/>
-                <a:ea typeface="ＭＳ Ｐゴシック" pitchFamily="-112" charset="-128"/>
-                <a:cs typeface="ＭＳ Ｐゴシック" pitchFamily="-112" charset="-128"/>
-              </a:defRPr>
-            </a:lvl1pPr>
-            <a:lvl2pPr marL="742950" indent="-285750" algn="l" rtl="0" eaLnBrk="0" fontAlgn="base" hangingPunct="0">
-              <a:spcBef>
-                <a:spcPct val="20000"/>
-              </a:spcBef>
-              <a:spcAft>
-                <a:spcPct val="0"/>
-              </a:spcAft>
-              <a:buChar char="–"/>
-              <a:defRPr sz="2800">
-                <a:solidFill>
-                  <a:schemeClr val="tx1"/>
-                </a:solidFill>
-                <a:latin typeface="+mn-lt"/>
-                <a:ea typeface="ＭＳ Ｐゴシック" pitchFamily="-112" charset="-128"/>
-              </a:defRPr>
-            </a:lvl2pPr>
-            <a:lvl3pPr marL="1143000" indent="-228600" algn="l" rtl="0" eaLnBrk="0" fontAlgn="base" hangingPunct="0">
-              <a:spcBef>
-                <a:spcPct val="20000"/>
-              </a:spcBef>
-              <a:spcAft>
-                <a:spcPct val="0"/>
-              </a:spcAft>
-              <a:buChar char="•"/>
-              <a:defRPr sz="2400">
-                <a:solidFill>
-                  <a:schemeClr val="tx1"/>
-                </a:solidFill>
-                <a:latin typeface="+mn-lt"/>
-                <a:ea typeface="ＭＳ Ｐゴシック" pitchFamily="-112" charset="-128"/>
-              </a:defRPr>
-            </a:lvl3pPr>
-            <a:lvl4pPr marL="1600200" indent="-228600" algn="l" rtl="0" eaLnBrk="0" fontAlgn="base" hangingPunct="0">
-              <a:spcBef>
-                <a:spcPct val="20000"/>
-              </a:spcBef>
-              <a:spcAft>
-                <a:spcPct val="0"/>
-              </a:spcAft>
-              <a:buChar char="–"/>
-              <a:defRPr sz="2000">
-                <a:solidFill>
-                  <a:schemeClr val="tx1"/>
-                </a:solidFill>
-                <a:latin typeface="+mn-lt"/>
-                <a:ea typeface="ＭＳ Ｐゴシック" pitchFamily="-112" charset="-128"/>
-              </a:defRPr>
-            </a:lvl4pPr>
-            <a:lvl5pPr marL="2057400" indent="-228600" algn="l" rtl="0" eaLnBrk="0" fontAlgn="base" hangingPunct="0">
-              <a:spcBef>
-                <a:spcPct val="20000"/>
-              </a:spcBef>
-              <a:spcAft>
-                <a:spcPct val="0"/>
-              </a:spcAft>
-              <a:buChar char="»"/>
-              <a:defRPr sz="2000">
-                <a:solidFill>
-                  <a:schemeClr val="tx1"/>
-                </a:solidFill>
-                <a:latin typeface="+mn-lt"/>
-                <a:ea typeface="ＭＳ Ｐゴシック" pitchFamily="-112" charset="-128"/>
-              </a:defRPr>
-            </a:lvl5pPr>
-            <a:lvl6pPr marL="2514600" indent="-228600" algn="l" rtl="0" eaLnBrk="0" fontAlgn="base" hangingPunct="0">
-              <a:spcBef>
-                <a:spcPct val="20000"/>
-              </a:spcBef>
-              <a:spcAft>
-                <a:spcPct val="0"/>
-              </a:spcAft>
-              <a:buChar char="»"/>
-              <a:defRPr sz="2000">
-                <a:solidFill>
-                  <a:schemeClr val="tx1"/>
-                </a:solidFill>
-                <a:latin typeface="+mn-lt"/>
-                <a:ea typeface="ＭＳ Ｐゴシック" pitchFamily="-112" charset="-128"/>
-              </a:defRPr>
-            </a:lvl6pPr>
-            <a:lvl7pPr marL="2971800" indent="-228600" algn="l" rtl="0" eaLnBrk="0" fontAlgn="base" hangingPunct="0">
-              <a:spcBef>
-                <a:spcPct val="20000"/>
-              </a:spcBef>
-              <a:spcAft>
-                <a:spcPct val="0"/>
-              </a:spcAft>
-              <a:buChar char="»"/>
-              <a:defRPr sz="2000">
-                <a:solidFill>
-                  <a:schemeClr val="tx1"/>
-                </a:solidFill>
-                <a:latin typeface="+mn-lt"/>
-                <a:ea typeface="ＭＳ Ｐゴシック" pitchFamily="-112" charset="-128"/>
-              </a:defRPr>
-            </a:lvl7pPr>
-            <a:lvl8pPr marL="3429000" indent="-228600" algn="l" rtl="0" eaLnBrk="0" fontAlgn="base" hangingPunct="0">
-              <a:spcBef>
-                <a:spcPct val="20000"/>
-              </a:spcBef>
-              <a:spcAft>
-                <a:spcPct val="0"/>
-              </a:spcAft>
-              <a:buChar char="»"/>
-              <a:defRPr sz="2000">
-                <a:solidFill>
-                  <a:schemeClr val="tx1"/>
-                </a:solidFill>
-                <a:latin typeface="+mn-lt"/>
-                <a:ea typeface="ＭＳ Ｐゴシック" pitchFamily="-112" charset="-128"/>
-              </a:defRPr>
-            </a:lvl8pPr>
-            <a:lvl9pPr marL="3886200" indent="-228600" algn="l" rtl="0" eaLnBrk="0" fontAlgn="base" hangingPunct="0">
-              <a:spcBef>
-                <a:spcPct val="20000"/>
-              </a:spcBef>
-              <a:spcAft>
-                <a:spcPct val="0"/>
-              </a:spcAft>
-              <a:buChar char="»"/>
-              <a:defRPr sz="2000">
-                <a:solidFill>
-                  <a:schemeClr val="tx1"/>
-                </a:solidFill>
-                <a:latin typeface="+mn-lt"/>
-                <a:ea typeface="ＭＳ Ｐゴシック" pitchFamily="-112" charset="-128"/>
-              </a:defRPr>
-            </a:lvl9pPr>
-          </a:lstStyle>
-          <a:p>
-            <a:pPr indent="-139700">
-              <a:spcBef>
-                <a:spcPts val="0"/>
-              </a:spcBef>
-              <a:spcAft>
-                <a:spcPts val="0"/>
-              </a:spcAft>
-              <a:buClr>
-                <a:schemeClr val="dk1"/>
-              </a:buClr>
-              <a:buSzPts val="3200"/>
-              <a:buFont typeface="Times New Roman"/>
-              <a:buNone/>
-            </a:pPr>
-            <a:endParaRPr kumimoji="0" lang="en-US" kern="0" dirty="0"/>
-          </a:p>
-          <a:p>
-            <a:r>
-              <a:rPr kumimoji="0" lang="en-US" kern="0" dirty="0"/>
-              <a:t>Prof. R.K. Agrawal </a:t>
-            </a:r>
-          </a:p>
-          <a:p>
-            <a:endParaRPr kumimoji="0" lang="en-US" kern="0" dirty="0"/>
-          </a:p>
-          <a:p>
-            <a:r>
-              <a:rPr kumimoji="0" lang="en-US" kern="0" dirty="0"/>
-              <a:t>Prof. P. Krishna Reddy</a:t>
-            </a:r>
-          </a:p>
-          <a:p>
-            <a:pPr marL="0" indent="0">
-              <a:buNone/>
-            </a:pPr>
-            <a:endParaRPr kumimoji="0" lang="en-US" kern="0" dirty="0"/>
-          </a:p>
-          <a:p>
-            <a:r>
-              <a:rPr kumimoji="0" lang="en-US" kern="0" dirty="0"/>
-              <a:t>Prof. Jaideep Srivastava </a:t>
-            </a:r>
-          </a:p>
-          <a:p>
-            <a:pPr marL="0" indent="0">
-              <a:spcBef>
-                <a:spcPts val="640"/>
-              </a:spcBef>
-              <a:spcAft>
-                <a:spcPts val="0"/>
-              </a:spcAft>
-              <a:buClr>
-                <a:schemeClr val="dk1"/>
-              </a:buClr>
-              <a:buSzPts val="3200"/>
-              <a:buFontTx/>
-              <a:buNone/>
-            </a:pPr>
-            <a:endParaRPr kumimoji="0" lang="en-US" kern="0" dirty="0"/>
-          </a:p>
-          <a:p>
-            <a:pPr indent="-139700">
-              <a:spcBef>
-                <a:spcPts val="640"/>
-              </a:spcBef>
-              <a:spcAft>
-                <a:spcPts val="0"/>
-              </a:spcAft>
-              <a:buClr>
-                <a:schemeClr val="dk1"/>
-              </a:buClr>
-              <a:buSzPts val="3200"/>
-              <a:buFont typeface="Times New Roman"/>
-              <a:buNone/>
-            </a:pPr>
-            <a:endParaRPr kumimoji="0" lang="en-US" kern="0" dirty="0"/>
-          </a:p>
-        </p:txBody>
-      </p:sp>
-      <p:pic>
-        <p:nvPicPr>
-          <p:cNvPr id="2" name="Picture 1">
-            <a:extLst>
-              <a:ext uri="{FF2B5EF4-FFF2-40B4-BE49-F238E27FC236}">
-                <a16:creationId xmlns:a16="http://schemas.microsoft.com/office/drawing/2014/main" id="{60E8BA9C-F266-C346-B0E0-74D619645A21}"/>
-              </a:ext>
-            </a:extLst>
-          </p:cNvPr>
-          <p:cNvPicPr>
-            <a:picLocks noChangeAspect="1"/>
-          </p:cNvPicPr>
-          <p:nvPr/>
-        </p:nvPicPr>
-        <p:blipFill>
-          <a:blip r:embed="rId3" cstate="screen">
-            <a:extLst>
-              <a:ext uri="{28A0092B-C50C-407E-A947-70E740481C1C}">
-                <a14:useLocalDpi xmlns:a14="http://schemas.microsoft.com/office/drawing/2010/main"/>
-              </a:ext>
-            </a:extLst>
-          </a:blip>
-          <a:stretch>
-            <a:fillRect/>
-          </a:stretch>
-        </p:blipFill>
-        <p:spPr>
-          <a:xfrm>
-            <a:off x="6256066" y="1572173"/>
-            <a:ext cx="985228" cy="1152634"/>
-          </a:xfrm>
-          <a:prstGeom prst="rect">
-            <a:avLst/>
-          </a:prstGeom>
-          <a:ln>
-            <a:solidFill>
-              <a:schemeClr val="tx1"/>
-            </a:solidFill>
-          </a:ln>
-        </p:spPr>
       </p:pic>
       <p:pic>
         <p:nvPicPr>
-          <p:cNvPr id="3" name="Picture 2">
-            <a:extLst>
-              <a:ext uri="{FF2B5EF4-FFF2-40B4-BE49-F238E27FC236}">
-                <a16:creationId xmlns:a16="http://schemas.microsoft.com/office/drawing/2014/main" id="{DD914B67-5026-7545-9AA4-A171B1913B22}"/>
-              </a:ext>
-            </a:extLst>
-          </p:cNvPr>
+          <p:cNvPr id="13" name="Picture 2" descr="http://t0.gstatic.com/images?q=tbn:ANd9GcQpH156shFzSx1HmAKxsBrk_sUtGWXvGLHm6T2QYpOnRxkrEmDtwQ"/>
           <p:cNvPicPr>
-            <a:picLocks noChangeAspect="1"/>
+            <a:picLocks noChangeAspect="1" noChangeArrowheads="1"/>
           </p:cNvPicPr>
           <p:nvPr/>
         </p:nvPicPr>
@@ -41538,71 +42403,207 @@
               </a:ext>
             </a:extLst>
           </a:blip>
+          <a:srcRect/>
           <a:stretch>
             <a:fillRect/>
           </a:stretch>
         </p:blipFill>
-        <p:spPr>
+        <p:spPr bwMode="auto">
           <a:xfrm>
-            <a:off x="6256066" y="2997092"/>
-            <a:ext cx="987752" cy="987752"/>
+            <a:off x="482601" y="1181101"/>
+            <a:ext cx="1003300" cy="1003300"/>
           </a:xfrm>
           <a:prstGeom prst="rect">
             <a:avLst/>
           </a:prstGeom>
-          <a:ln>
-            <a:solidFill>
-              <a:schemeClr val="tx1"/>
-            </a:solidFill>
+          <a:noFill/>
+          <a:ln w="9525">
+            <a:noFill/>
+            <a:miter lim="800000"/>
+            <a:headEnd/>
+            <a:tailEnd/>
           </a:ln>
         </p:spPr>
       </p:pic>
       <p:pic>
         <p:nvPicPr>
-          <p:cNvPr id="4" name="Picture 3">
-            <a:extLst>
-              <a:ext uri="{FF2B5EF4-FFF2-40B4-BE49-F238E27FC236}">
-                <a16:creationId xmlns:a16="http://schemas.microsoft.com/office/drawing/2014/main" id="{88A25C07-8E95-A14B-A0FC-ED3AE1DFDBCA}"/>
-              </a:ext>
-            </a:extLst>
-          </p:cNvPr>
+          <p:cNvPr id="14" name="Picture 4" descr="http://t3.gstatic.com/images?q=tbn:ANd9GcTng4xTWHY93yuRDj-Bedx1eiVD1y21bFp2PJksa0lvz_EEgRCT"/>
           <p:cNvPicPr>
-            <a:picLocks noChangeAspect="1"/>
+            <a:picLocks noChangeAspect="1" noChangeArrowheads="1"/>
           </p:cNvPicPr>
           <p:nvPr/>
         </p:nvPicPr>
-        <p:blipFill rotWithShape="1">
-          <a:blip r:embed="rId5" cstate="screen">
-            <a:extLst>
-              <a:ext uri="{28A0092B-C50C-407E-A947-70E740481C1C}">
-                <a14:useLocalDpi xmlns:a14="http://schemas.microsoft.com/office/drawing/2010/main"/>
-              </a:ext>
-            </a:extLst>
-          </a:blip>
+        <p:blipFill>
+          <a:blip r:embed="rId5"/>
           <a:srcRect/>
-          <a:stretch/>
+          <a:stretch>
+            <a:fillRect/>
+          </a:stretch>
         </p:blipFill>
-        <p:spPr>
+        <p:spPr bwMode="auto">
           <a:xfrm>
-            <a:off x="6256066" y="4257129"/>
-            <a:ext cx="987752" cy="1056508"/>
+            <a:off x="3200400" y="1231900"/>
+            <a:ext cx="725786" cy="939800"/>
           </a:xfrm>
           <a:prstGeom prst="rect">
             <a:avLst/>
           </a:prstGeom>
-          <a:ln>
-            <a:solidFill>
-              <a:schemeClr val="tx1"/>
-            </a:solidFill>
+          <a:noFill/>
+          <a:ln w="9525">
+            <a:noFill/>
+            <a:miter lim="800000"/>
+            <a:headEnd/>
+            <a:tailEnd/>
+          </a:ln>
+        </p:spPr>
+      </p:pic>
+      <p:pic>
+        <p:nvPicPr>
+          <p:cNvPr id="15" name="Picture 6" descr="http://t3.gstatic.com/images?q=tbn:ANd9GcRyhsRNATG9Oqs9nIruJrm_NKgmSXntnuDzccqbfYZXSEOGlU7Sdg"/>
+          <p:cNvPicPr>
+            <a:picLocks noChangeAspect="1" noChangeArrowheads="1"/>
+          </p:cNvPicPr>
+          <p:nvPr/>
+        </p:nvPicPr>
+        <p:blipFill>
+          <a:blip r:embed="rId6" cstate="screen">
+            <a:extLst>
+              <a:ext uri="{28A0092B-C50C-407E-A947-70E740481C1C}">
+                <a14:useLocalDpi xmlns:a14="http://schemas.microsoft.com/office/drawing/2010/main"/>
+              </a:ext>
+            </a:extLst>
+          </a:blip>
+          <a:srcRect/>
+          <a:stretch>
+            <a:fillRect/>
+          </a:stretch>
+        </p:blipFill>
+        <p:spPr bwMode="auto">
+          <a:xfrm>
+            <a:off x="1841500" y="1346200"/>
+            <a:ext cx="1219200" cy="667684"/>
+          </a:xfrm>
+          <a:prstGeom prst="rect">
+            <a:avLst/>
+          </a:prstGeom>
+          <a:noFill/>
+          <a:ln w="9525">
+            <a:noFill/>
+            <a:miter lim="800000"/>
+            <a:headEnd/>
+            <a:tailEnd/>
+          </a:ln>
+        </p:spPr>
+      </p:pic>
+      <p:pic>
+        <p:nvPicPr>
+          <p:cNvPr id="16" name="Picture 8" descr="http://t0.gstatic.com/images?q=tbn:ANd9GcSNeH3e6ds0bO1wz-uyNnvXZK8hcSs_GDAZuIi5zZzLBk_Rje8U-g"/>
+          <p:cNvPicPr>
+            <a:picLocks noChangeAspect="1" noChangeArrowheads="1"/>
+          </p:cNvPicPr>
+          <p:nvPr/>
+        </p:nvPicPr>
+        <p:blipFill>
+          <a:blip r:embed="rId7" cstate="screen">
+            <a:extLst>
+              <a:ext uri="{28A0092B-C50C-407E-A947-70E740481C1C}">
+                <a14:useLocalDpi xmlns:a14="http://schemas.microsoft.com/office/drawing/2010/main"/>
+              </a:ext>
+            </a:extLst>
+          </a:blip>
+          <a:srcRect/>
+          <a:stretch>
+            <a:fillRect/>
+          </a:stretch>
+        </p:blipFill>
+        <p:spPr bwMode="auto">
+          <a:xfrm>
+            <a:off x="5664200" y="1395408"/>
+            <a:ext cx="1485900" cy="738192"/>
+          </a:xfrm>
+          <a:prstGeom prst="rect">
+            <a:avLst/>
+          </a:prstGeom>
+          <a:noFill/>
+          <a:ln w="9525">
+            <a:noFill/>
+            <a:miter lim="800000"/>
+            <a:headEnd/>
+            <a:tailEnd/>
+          </a:ln>
+        </p:spPr>
+      </p:pic>
+      <p:pic>
+        <p:nvPicPr>
+          <p:cNvPr id="17" name="Picture 12" descr="http://t0.gstatic.com/images?q=tbn:ANd9GcTwsTT-JitD4771zdQJllgCbZvgmetUu28V59auEze3ysUMA5hb"/>
+          <p:cNvPicPr>
+            <a:picLocks noChangeAspect="1" noChangeArrowheads="1"/>
+          </p:cNvPicPr>
+          <p:nvPr/>
+        </p:nvPicPr>
+        <p:blipFill>
+          <a:blip r:embed="rId8"/>
+          <a:srcRect/>
+          <a:stretch>
+            <a:fillRect/>
+          </a:stretch>
+        </p:blipFill>
+        <p:spPr bwMode="auto">
+          <a:xfrm>
+            <a:off x="4292600" y="1419225"/>
+            <a:ext cx="1137476" cy="600075"/>
+          </a:xfrm>
+          <a:prstGeom prst="rect">
+            <a:avLst/>
+          </a:prstGeom>
+          <a:noFill/>
+          <a:ln w="9525">
+            <a:noFill/>
+            <a:miter lim="800000"/>
+            <a:headEnd/>
+            <a:tailEnd/>
+          </a:ln>
+        </p:spPr>
+      </p:pic>
+      <p:pic>
+        <p:nvPicPr>
+          <p:cNvPr id="18" name="Picture 12" descr="http://t1.gstatic.com/images?q=tbn:ANd9GcSR3_6yIokeQSlPL-KSrCEEZj_lZw4UJspnJMK1dfzAlXRQoa_K"/>
+          <p:cNvPicPr>
+            <a:picLocks noChangeAspect="1" noChangeArrowheads="1"/>
+          </p:cNvPicPr>
+          <p:nvPr/>
+        </p:nvPicPr>
+        <p:blipFill>
+          <a:blip r:embed="rId9" cstate="screen">
+            <a:extLst>
+              <a:ext uri="{28A0092B-C50C-407E-A947-70E740481C1C}">
+                <a14:useLocalDpi xmlns:a14="http://schemas.microsoft.com/office/drawing/2010/main"/>
+              </a:ext>
+            </a:extLst>
+          </a:blip>
+          <a:srcRect/>
+          <a:stretch>
+            <a:fillRect/>
+          </a:stretch>
+        </p:blipFill>
+        <p:spPr bwMode="auto">
+          <a:xfrm>
+            <a:off x="7493000" y="1527180"/>
+            <a:ext cx="1328850" cy="314320"/>
+          </a:xfrm>
+          <a:prstGeom prst="rect">
+            <a:avLst/>
+          </a:prstGeom>
+          <a:noFill/>
+          <a:ln w="9525">
+            <a:noFill/>
+            <a:miter lim="800000"/>
+            <a:headEnd/>
+            <a:tailEnd/>
           </a:ln>
         </p:spPr>
       </p:pic>
     </p:spTree>
-    <p:extLst>
-      <p:ext uri="{BB962C8B-B14F-4D97-AF65-F5344CB8AC3E}">
-        <p14:creationId xmlns:p14="http://schemas.microsoft.com/office/powerpoint/2010/main" val="259579433"/>
-      </p:ext>
-    </p:extLst>
   </p:cSld>
   <p:clrMapOvr>
     <a:masterClrMapping/>
@@ -41630,6 +42631,531 @@
       </p:grpSpPr>
       <p:sp>
         <p:nvSpPr>
+          <p:cNvPr id="259074" name="Footer Placeholder 4"/>
+          <p:cNvSpPr>
+            <a:spLocks noGrp="1"/>
+          </p:cNvSpPr>
+          <p:nvPr>
+            <p:ph type="ftr" sz="quarter" idx="11"/>
+          </p:nvPr>
+        </p:nvSpPr>
+        <p:spPr>
+          <a:noFill/>
+        </p:spPr>
+        <p:txBody>
+          <a:bodyPr/>
+          <a:lstStyle/>
+          <a:p>
+            <a:r>
+              <a:rPr lang="en-US"/>
+              <a:t>L. Akoglu, M. McGlohon, C. Faloutsos</a:t>
+            </a:r>
+          </a:p>
+        </p:txBody>
+      </p:sp>
+      <p:sp>
+        <p:nvSpPr>
+          <p:cNvPr id="259075" name="Slide Number Placeholder 5"/>
+          <p:cNvSpPr>
+            <a:spLocks noGrp="1"/>
+          </p:cNvSpPr>
+          <p:nvPr>
+            <p:ph type="sldNum" sz="quarter" idx="12"/>
+          </p:nvPr>
+        </p:nvSpPr>
+        <p:spPr>
+          <a:noFill/>
+        </p:spPr>
+        <p:txBody>
+          <a:bodyPr/>
+          <a:lstStyle/>
+          <a:p>
+            <a:fld id="{26337C36-4169-E34D-8EA6-104720BA7F78}" type="slidenum">
+              <a:rPr lang="en-US" smtClean="0"/>
+              <a:pPr/>
+              <a:t>51</a:t>
+            </a:fld>
+            <a:endParaRPr lang="en-US"/>
+          </a:p>
+        </p:txBody>
+      </p:sp>
+      <p:sp>
+        <p:nvSpPr>
+          <p:cNvPr id="259076" name="Rectangle 2"/>
+          <p:cNvSpPr>
+            <a:spLocks noGrp="1" noChangeArrowheads="1"/>
+          </p:cNvSpPr>
+          <p:nvPr>
+            <p:ph type="title"/>
+          </p:nvPr>
+        </p:nvSpPr>
+        <p:spPr>
+          <a:xfrm>
+            <a:off x="685800" y="304800"/>
+            <a:ext cx="7772400" cy="685800"/>
+          </a:xfrm>
+        </p:spPr>
+        <p:txBody>
+          <a:bodyPr/>
+          <a:lstStyle/>
+          <a:p>
+            <a:r>
+              <a:rPr lang="en-US" sz="4400" dirty="0">
+                <a:ea typeface="ＭＳ Ｐゴシック" charset="-128"/>
+                <a:cs typeface="ＭＳ Ｐゴシック" charset="-128"/>
+              </a:rPr>
+              <a:t>Thanks</a:t>
+            </a:r>
+            <a:endParaRPr lang="en-US" sz="3600" dirty="0">
+              <a:ea typeface="ＭＳ Ｐゴシック" charset="-128"/>
+              <a:cs typeface="ＭＳ Ｐゴシック" charset="-128"/>
+            </a:endParaRPr>
+          </a:p>
+        </p:txBody>
+      </p:sp>
+      <p:sp>
+        <p:nvSpPr>
+          <p:cNvPr id="259090" name="Date Placeholder 22"/>
+          <p:cNvSpPr>
+            <a:spLocks noGrp="1"/>
+          </p:cNvSpPr>
+          <p:nvPr>
+            <p:ph type="dt" sz="quarter" idx="10"/>
+          </p:nvPr>
+        </p:nvSpPr>
+        <p:spPr>
+          <a:noFill/>
+        </p:spPr>
+        <p:txBody>
+          <a:bodyPr/>
+          <a:lstStyle/>
+          <a:p>
+            <a:r>
+              <a:rPr lang="en-US"/>
+              <a:t>OddBall: PAKDD 2021 Most Influential Paper</a:t>
+            </a:r>
+          </a:p>
+        </p:txBody>
+      </p:sp>
+      <p:sp>
+        <p:nvSpPr>
+          <p:cNvPr id="19" name="Google Shape;165;p2">
+            <a:extLst>
+              <a:ext uri="{FF2B5EF4-FFF2-40B4-BE49-F238E27FC236}">
+                <a16:creationId xmlns:a16="http://schemas.microsoft.com/office/drawing/2014/main" id="{B5D91D04-FDA4-BF41-BC09-F7E262E83ED6}"/>
+              </a:ext>
+            </a:extLst>
+          </p:cNvPr>
+          <p:cNvSpPr txBox="1">
+            <a:spLocks/>
+          </p:cNvSpPr>
+          <p:nvPr/>
+        </p:nvSpPr>
+        <p:spPr bwMode="auto">
+          <a:xfrm>
+            <a:off x="1093077" y="1524000"/>
+            <a:ext cx="7546426" cy="4648200"/>
+          </a:xfrm>
+          <a:prstGeom prst="rect">
+            <a:avLst/>
+          </a:prstGeom>
+          <a:noFill/>
+          <a:ln w="9525">
+            <a:noFill/>
+            <a:miter lim="800000"/>
+            <a:headEnd/>
+            <a:tailEnd/>
+          </a:ln>
+        </p:spPr>
+        <p:txBody>
+          <a:bodyPr spcFirstLastPara="1" vert="horz" wrap="square" lIns="91425" tIns="45700" rIns="91425" bIns="45700" numCol="1" anchor="t" anchorCtr="0" compatLnSpc="1">
+            <a:prstTxWarp prst="textNoShape">
+              <a:avLst/>
+            </a:prstTxWarp>
+            <a:noAutofit/>
+          </a:bodyPr>
+          <a:lstStyle>
+            <a:lvl1pPr marL="342900" indent="-342900" algn="l" rtl="0" eaLnBrk="0" fontAlgn="base" hangingPunct="0">
+              <a:spcBef>
+                <a:spcPct val="20000"/>
+              </a:spcBef>
+              <a:spcAft>
+                <a:spcPct val="0"/>
+              </a:spcAft>
+              <a:buChar char="•"/>
+              <a:defRPr sz="3200">
+                <a:solidFill>
+                  <a:schemeClr val="tx1"/>
+                </a:solidFill>
+                <a:latin typeface="+mn-lt"/>
+                <a:ea typeface="ＭＳ Ｐゴシック" pitchFamily="-112" charset="-128"/>
+                <a:cs typeface="ＭＳ Ｐゴシック" pitchFamily="-112" charset="-128"/>
+              </a:defRPr>
+            </a:lvl1pPr>
+            <a:lvl2pPr marL="742950" indent="-285750" algn="l" rtl="0" eaLnBrk="0" fontAlgn="base" hangingPunct="0">
+              <a:spcBef>
+                <a:spcPct val="20000"/>
+              </a:spcBef>
+              <a:spcAft>
+                <a:spcPct val="0"/>
+              </a:spcAft>
+              <a:buChar char="–"/>
+              <a:defRPr sz="2800">
+                <a:solidFill>
+                  <a:schemeClr val="tx1"/>
+                </a:solidFill>
+                <a:latin typeface="+mn-lt"/>
+                <a:ea typeface="ＭＳ Ｐゴシック" pitchFamily="-112" charset="-128"/>
+              </a:defRPr>
+            </a:lvl2pPr>
+            <a:lvl3pPr marL="1143000" indent="-228600" algn="l" rtl="0" eaLnBrk="0" fontAlgn="base" hangingPunct="0">
+              <a:spcBef>
+                <a:spcPct val="20000"/>
+              </a:spcBef>
+              <a:spcAft>
+                <a:spcPct val="0"/>
+              </a:spcAft>
+              <a:buChar char="•"/>
+              <a:defRPr sz="2400">
+                <a:solidFill>
+                  <a:schemeClr val="tx1"/>
+                </a:solidFill>
+                <a:latin typeface="+mn-lt"/>
+                <a:ea typeface="ＭＳ Ｐゴシック" pitchFamily="-112" charset="-128"/>
+              </a:defRPr>
+            </a:lvl3pPr>
+            <a:lvl4pPr marL="1600200" indent="-228600" algn="l" rtl="0" eaLnBrk="0" fontAlgn="base" hangingPunct="0">
+              <a:spcBef>
+                <a:spcPct val="20000"/>
+              </a:spcBef>
+              <a:spcAft>
+                <a:spcPct val="0"/>
+              </a:spcAft>
+              <a:buChar char="–"/>
+              <a:defRPr sz="2000">
+                <a:solidFill>
+                  <a:schemeClr val="tx1"/>
+                </a:solidFill>
+                <a:latin typeface="+mn-lt"/>
+                <a:ea typeface="ＭＳ Ｐゴシック" pitchFamily="-112" charset="-128"/>
+              </a:defRPr>
+            </a:lvl4pPr>
+            <a:lvl5pPr marL="2057400" indent="-228600" algn="l" rtl="0" eaLnBrk="0" fontAlgn="base" hangingPunct="0">
+              <a:spcBef>
+                <a:spcPct val="20000"/>
+              </a:spcBef>
+              <a:spcAft>
+                <a:spcPct val="0"/>
+              </a:spcAft>
+              <a:buChar char="»"/>
+              <a:defRPr sz="2000">
+                <a:solidFill>
+                  <a:schemeClr val="tx1"/>
+                </a:solidFill>
+                <a:latin typeface="+mn-lt"/>
+                <a:ea typeface="ＭＳ Ｐゴシック" pitchFamily="-112" charset="-128"/>
+              </a:defRPr>
+            </a:lvl5pPr>
+            <a:lvl6pPr marL="2514600" indent="-228600" algn="l" rtl="0" eaLnBrk="0" fontAlgn="base" hangingPunct="0">
+              <a:spcBef>
+                <a:spcPct val="20000"/>
+              </a:spcBef>
+              <a:spcAft>
+                <a:spcPct val="0"/>
+              </a:spcAft>
+              <a:buChar char="»"/>
+              <a:defRPr sz="2000">
+                <a:solidFill>
+                  <a:schemeClr val="tx1"/>
+                </a:solidFill>
+                <a:latin typeface="+mn-lt"/>
+                <a:ea typeface="ＭＳ Ｐゴシック" pitchFamily="-112" charset="-128"/>
+              </a:defRPr>
+            </a:lvl6pPr>
+            <a:lvl7pPr marL="2971800" indent="-228600" algn="l" rtl="0" eaLnBrk="0" fontAlgn="base" hangingPunct="0">
+              <a:spcBef>
+                <a:spcPct val="20000"/>
+              </a:spcBef>
+              <a:spcAft>
+                <a:spcPct val="0"/>
+              </a:spcAft>
+              <a:buChar char="»"/>
+              <a:defRPr sz="2000">
+                <a:solidFill>
+                  <a:schemeClr val="tx1"/>
+                </a:solidFill>
+                <a:latin typeface="+mn-lt"/>
+                <a:ea typeface="ＭＳ Ｐゴシック" pitchFamily="-112" charset="-128"/>
+              </a:defRPr>
+            </a:lvl7pPr>
+            <a:lvl8pPr marL="3429000" indent="-228600" algn="l" rtl="0" eaLnBrk="0" fontAlgn="base" hangingPunct="0">
+              <a:spcBef>
+                <a:spcPct val="20000"/>
+              </a:spcBef>
+              <a:spcAft>
+                <a:spcPct val="0"/>
+              </a:spcAft>
+              <a:buChar char="»"/>
+              <a:defRPr sz="2000">
+                <a:solidFill>
+                  <a:schemeClr val="tx1"/>
+                </a:solidFill>
+                <a:latin typeface="+mn-lt"/>
+                <a:ea typeface="ＭＳ Ｐゴシック" pitchFamily="-112" charset="-128"/>
+              </a:defRPr>
+            </a:lvl8pPr>
+            <a:lvl9pPr marL="3886200" indent="-228600" algn="l" rtl="0" eaLnBrk="0" fontAlgn="base" hangingPunct="0">
+              <a:spcBef>
+                <a:spcPct val="20000"/>
+              </a:spcBef>
+              <a:spcAft>
+                <a:spcPct val="0"/>
+              </a:spcAft>
+              <a:buChar char="»"/>
+              <a:defRPr sz="2000">
+                <a:solidFill>
+                  <a:schemeClr val="tx1"/>
+                </a:solidFill>
+                <a:latin typeface="+mn-lt"/>
+                <a:ea typeface="ＭＳ Ｐゴシック" pitchFamily="-112" charset="-128"/>
+              </a:defRPr>
+            </a:lvl9pPr>
+          </a:lstStyle>
+          <a:p>
+            <a:pPr indent="-139700">
+              <a:spcBef>
+                <a:spcPts val="0"/>
+              </a:spcBef>
+              <a:spcAft>
+                <a:spcPts val="0"/>
+              </a:spcAft>
+              <a:buClr>
+                <a:schemeClr val="dk1"/>
+              </a:buClr>
+              <a:buSzPts val="3200"/>
+              <a:buFont typeface="Times New Roman"/>
+              <a:buNone/>
+            </a:pPr>
+            <a:endParaRPr kumimoji="0" lang="en-US" kern="0" dirty="0"/>
+          </a:p>
+          <a:p>
+            <a:r>
+              <a:rPr kumimoji="0" lang="en-US" kern="0" dirty="0"/>
+              <a:t>Prof. R.K. Agrawal </a:t>
+            </a:r>
+          </a:p>
+          <a:p>
+            <a:endParaRPr kumimoji="0" lang="en-US" kern="0" dirty="0"/>
+          </a:p>
+          <a:p>
+            <a:r>
+              <a:rPr kumimoji="0" lang="en-US" kern="0" dirty="0"/>
+              <a:t>Prof. P. Krishna Reddy</a:t>
+            </a:r>
+          </a:p>
+          <a:p>
+            <a:pPr marL="0" indent="0">
+              <a:buNone/>
+            </a:pPr>
+            <a:endParaRPr kumimoji="0" lang="en-US" kern="0" dirty="0"/>
+          </a:p>
+          <a:p>
+            <a:r>
+              <a:rPr kumimoji="0" lang="en-US" kern="0" dirty="0"/>
+              <a:t>Prof. Jaideep Srivastava </a:t>
+            </a:r>
+          </a:p>
+          <a:p>
+            <a:pPr marL="0" indent="0">
+              <a:spcBef>
+                <a:spcPts val="640"/>
+              </a:spcBef>
+              <a:spcAft>
+                <a:spcPts val="0"/>
+              </a:spcAft>
+              <a:buClr>
+                <a:schemeClr val="dk1"/>
+              </a:buClr>
+              <a:buSzPts val="3200"/>
+              <a:buFontTx/>
+              <a:buNone/>
+            </a:pPr>
+            <a:endParaRPr kumimoji="0" lang="en-US" kern="0" dirty="0"/>
+          </a:p>
+          <a:p>
+            <a:pPr indent="-139700">
+              <a:spcBef>
+                <a:spcPts val="640"/>
+              </a:spcBef>
+              <a:spcAft>
+                <a:spcPts val="0"/>
+              </a:spcAft>
+              <a:buClr>
+                <a:schemeClr val="dk1"/>
+              </a:buClr>
+              <a:buSzPts val="3200"/>
+              <a:buFont typeface="Times New Roman"/>
+              <a:buNone/>
+            </a:pPr>
+            <a:endParaRPr kumimoji="0" lang="en-US" kern="0" dirty="0"/>
+          </a:p>
+        </p:txBody>
+      </p:sp>
+      <p:pic>
+        <p:nvPicPr>
+          <p:cNvPr id="2" name="Picture 1">
+            <a:extLst>
+              <a:ext uri="{FF2B5EF4-FFF2-40B4-BE49-F238E27FC236}">
+                <a16:creationId xmlns:a16="http://schemas.microsoft.com/office/drawing/2014/main" id="{60E8BA9C-F266-C346-B0E0-74D619645A21}"/>
+              </a:ext>
+            </a:extLst>
+          </p:cNvPr>
+          <p:cNvPicPr>
+            <a:picLocks noChangeAspect="1"/>
+          </p:cNvPicPr>
+          <p:nvPr/>
+        </p:nvPicPr>
+        <p:blipFill>
+          <a:blip r:embed="rId3" cstate="screen">
+            <a:extLst>
+              <a:ext uri="{28A0092B-C50C-407E-A947-70E740481C1C}">
+                <a14:useLocalDpi xmlns:a14="http://schemas.microsoft.com/office/drawing/2010/main"/>
+              </a:ext>
+            </a:extLst>
+          </a:blip>
+          <a:stretch>
+            <a:fillRect/>
+          </a:stretch>
+        </p:blipFill>
+        <p:spPr>
+          <a:xfrm>
+            <a:off x="6256066" y="1572173"/>
+            <a:ext cx="985228" cy="1152634"/>
+          </a:xfrm>
+          <a:prstGeom prst="rect">
+            <a:avLst/>
+          </a:prstGeom>
+          <a:ln>
+            <a:solidFill>
+              <a:schemeClr val="tx1"/>
+            </a:solidFill>
+          </a:ln>
+        </p:spPr>
+      </p:pic>
+      <p:pic>
+        <p:nvPicPr>
+          <p:cNvPr id="3" name="Picture 2">
+            <a:extLst>
+              <a:ext uri="{FF2B5EF4-FFF2-40B4-BE49-F238E27FC236}">
+                <a16:creationId xmlns:a16="http://schemas.microsoft.com/office/drawing/2014/main" id="{DD914B67-5026-7545-9AA4-A171B1913B22}"/>
+              </a:ext>
+            </a:extLst>
+          </p:cNvPr>
+          <p:cNvPicPr>
+            <a:picLocks noChangeAspect="1"/>
+          </p:cNvPicPr>
+          <p:nvPr/>
+        </p:nvPicPr>
+        <p:blipFill>
+          <a:blip r:embed="rId4" cstate="screen">
+            <a:extLst>
+              <a:ext uri="{28A0092B-C50C-407E-A947-70E740481C1C}">
+                <a14:useLocalDpi xmlns:a14="http://schemas.microsoft.com/office/drawing/2010/main"/>
+              </a:ext>
+            </a:extLst>
+          </a:blip>
+          <a:stretch>
+            <a:fillRect/>
+          </a:stretch>
+        </p:blipFill>
+        <p:spPr>
+          <a:xfrm>
+            <a:off x="6256066" y="2997092"/>
+            <a:ext cx="987752" cy="987752"/>
+          </a:xfrm>
+          <a:prstGeom prst="rect">
+            <a:avLst/>
+          </a:prstGeom>
+          <a:ln>
+            <a:solidFill>
+              <a:schemeClr val="tx1"/>
+            </a:solidFill>
+          </a:ln>
+        </p:spPr>
+      </p:pic>
+      <p:pic>
+        <p:nvPicPr>
+          <p:cNvPr id="4" name="Picture 3">
+            <a:extLst>
+              <a:ext uri="{FF2B5EF4-FFF2-40B4-BE49-F238E27FC236}">
+                <a16:creationId xmlns:a16="http://schemas.microsoft.com/office/drawing/2014/main" id="{88A25C07-8E95-A14B-A0FC-ED3AE1DFDBCA}"/>
+              </a:ext>
+            </a:extLst>
+          </p:cNvPr>
+          <p:cNvPicPr>
+            <a:picLocks noChangeAspect="1"/>
+          </p:cNvPicPr>
+          <p:nvPr/>
+        </p:nvPicPr>
+        <p:blipFill rotWithShape="1">
+          <a:blip r:embed="rId5" cstate="screen">
+            <a:extLst>
+              <a:ext uri="{28A0092B-C50C-407E-A947-70E740481C1C}">
+                <a14:useLocalDpi xmlns:a14="http://schemas.microsoft.com/office/drawing/2010/main"/>
+              </a:ext>
+            </a:extLst>
+          </a:blip>
+          <a:srcRect/>
+          <a:stretch/>
+        </p:blipFill>
+        <p:spPr>
+          <a:xfrm>
+            <a:off x="6256066" y="4257129"/>
+            <a:ext cx="987752" cy="1056508"/>
+          </a:xfrm>
+          <a:prstGeom prst="rect">
+            <a:avLst/>
+          </a:prstGeom>
+          <a:ln>
+            <a:solidFill>
+              <a:schemeClr val="tx1"/>
+            </a:solidFill>
+          </a:ln>
+        </p:spPr>
+      </p:pic>
+    </p:spTree>
+    <p:extLst>
+      <p:ext uri="{BB962C8B-B14F-4D97-AF65-F5344CB8AC3E}">
+        <p14:creationId xmlns:p14="http://schemas.microsoft.com/office/powerpoint/2010/main" val="259579433"/>
+      </p:ext>
+    </p:extLst>
+  </p:cSld>
+  <p:clrMapOvr>
+    <a:masterClrMapping/>
+  </p:clrMapOvr>
+  <p:transition/>
+</p:sld>
+</file>
+
+<file path=ppt/slides/slide52.xml><?xml version="1.0" encoding="utf-8"?>
+<p:sld xmlns:a="http://schemas.openxmlformats.org/drawingml/2006/main" xmlns:r="http://schemas.openxmlformats.org/officeDocument/2006/relationships" xmlns:p="http://schemas.openxmlformats.org/presentationml/2006/main">
+  <p:cSld>
+    <p:spTree>
+      <p:nvGrpSpPr>
+        <p:cNvPr id="1" name=""/>
+        <p:cNvGrpSpPr/>
+        <p:nvPr/>
+      </p:nvGrpSpPr>
+      <p:grpSpPr>
+        <a:xfrm>
+          <a:off x="0" y="0"/>
+          <a:ext cx="0" cy="0"/>
+          <a:chOff x="0" y="0"/>
+          <a:chExt cx="0" cy="0"/>
+        </a:xfrm>
+      </p:grpSpPr>
+      <p:sp>
+        <p:nvSpPr>
           <p:cNvPr id="22530" name="Footer Placeholder 4"/>
           <p:cNvSpPr>
             <a:spLocks noGrp="1"/>
@@ -41673,7 +43199,7 @@
             <a:fld id="{CA9CF61F-D18B-5946-9F36-FA97BCA712E8}" type="slidenum">
               <a:rPr lang="en-US" smtClean="0"/>
               <a:pPr/>
-              <a:t>51</a:t>
+              <a:t>52</a:t>
             </a:fld>
             <a:endParaRPr lang="en-US"/>
           </a:p>
@@ -42719,7 +44245,7 @@
 </p:sld>
 </file>
 
-<file path=ppt/slides/slide52.xml><?xml version="1.0" encoding="utf-8"?>
+<file path=ppt/slides/slide53.xml><?xml version="1.0" encoding="utf-8"?>
 <p:sld xmlns:a="http://schemas.openxmlformats.org/drawingml/2006/main" xmlns:r="http://schemas.openxmlformats.org/officeDocument/2006/relationships" xmlns:p="http://schemas.openxmlformats.org/presentationml/2006/main">
   <p:cSld>
     <p:spTree>
@@ -42781,7 +44307,7 @@
             <a:fld id="{CA9CF61F-D18B-5946-9F36-FA97BCA712E8}" type="slidenum">
               <a:rPr lang="en-US" smtClean="0"/>
               <a:pPr/>
-              <a:t>52</a:t>
+              <a:t>53</a:t>
             </a:fld>
             <a:endParaRPr lang="en-US"/>
           </a:p>

--- a/P3_future_OddBall_ToT.pptx
+++ b/P3_future_OddBall_ToT.pptx
@@ -36298,7 +36298,7 @@
 </file>
 
 <file path=ppt/slides/slide44.xml><?xml version="1.0" encoding="utf-8"?>
-<p:sld xmlns:a="http://schemas.openxmlformats.org/drawingml/2006/main" xmlns:r="http://schemas.openxmlformats.org/officeDocument/2006/relationships" xmlns:p="http://schemas.openxmlformats.org/presentationml/2006/main" show="0">
+<p:sld xmlns:a="http://schemas.openxmlformats.org/drawingml/2006/main" xmlns:r="http://schemas.openxmlformats.org/officeDocument/2006/relationships" xmlns:p="http://schemas.openxmlformats.org/presentationml/2006/main">
   <p:cSld>
     <p:spTree>
       <p:nvGrpSpPr>

--- a/P3_future_OddBall_ToT.pptx
+++ b/P3_future_OddBall_ToT.pptx
@@ -16943,8 +16943,8 @@
         </p:nvSpPr>
         <p:spPr>
           <a:xfrm>
-            <a:off x="1175626" y="956849"/>
-            <a:ext cx="2656496" cy="892552"/>
+            <a:off x="980060" y="956849"/>
+            <a:ext cx="3047629" cy="892552"/>
           </a:xfrm>
           <a:prstGeom prst="rect">
             <a:avLst/>
@@ -16958,10 +16958,14 @@
           <a:lstStyle/>
           <a:p>
             <a:r>
+              <a:rPr lang="en-US" dirty="0"/>
+              <a:t> </a:t>
+            </a:r>
+            <a:r>
               <a:rPr lang="en-US" dirty="0">
                 <a:latin typeface="+mn-lt"/>
               </a:rPr>
-              <a:t>Linear scales -&gt;</a:t>
+              <a:t>uniform/Gaussian -&gt;</a:t>
             </a:r>
           </a:p>
           <a:p>
@@ -16969,7 +16973,7 @@
               <a:rPr lang="en-US" dirty="0">
                 <a:latin typeface="+mn-lt"/>
               </a:rPr>
-              <a:t> uniform/Gaussian</a:t>
+              <a:t>linear scales</a:t>
             </a:r>
           </a:p>
         </p:txBody>
@@ -16988,8 +16992,8 @@
         </p:nvSpPr>
         <p:spPr>
           <a:xfrm>
-            <a:off x="5321837" y="870145"/>
-            <a:ext cx="2648482" cy="892552"/>
+            <a:off x="5131080" y="870145"/>
+            <a:ext cx="3029997" cy="892552"/>
           </a:xfrm>
           <a:prstGeom prst="rect">
             <a:avLst/>
@@ -17006,7 +17010,7 @@
               <a:rPr lang="en-US" dirty="0">
                 <a:latin typeface="+mn-lt"/>
               </a:rPr>
-              <a:t>Log scales -&gt;</a:t>
+              <a:t>Pareto/log-logistic -&gt;</a:t>
             </a:r>
           </a:p>
           <a:p>
@@ -17014,7 +17018,7 @@
               <a:rPr lang="en-US" dirty="0">
                 <a:latin typeface="+mn-lt"/>
               </a:rPr>
-              <a:t>Pareto/log-logistic</a:t>
+              <a:t>log scales</a:t>
             </a:r>
           </a:p>
         </p:txBody>
@@ -36860,8 +36864,8 @@
         </p:nvSpPr>
         <p:spPr>
           <a:xfrm>
-            <a:off x="4746814" y="4697681"/>
-            <a:ext cx="1669047" cy="830997"/>
+            <a:off x="4764449" y="4697681"/>
+            <a:ext cx="1633782" cy="1200329"/>
           </a:xfrm>
           <a:prstGeom prst="rect">
             <a:avLst/>
@@ -36878,7 +36882,15 @@
               <a:rPr lang="en-US" sz="2400" dirty="0">
                 <a:latin typeface="+mn-lt"/>
               </a:rPr>
-              <a:t>Mammalian</a:t>
+              <a:t>Surface of</a:t>
+            </a:r>
+          </a:p>
+          <a:p>
+            <a:r>
+              <a:rPr lang="en-US" sz="2400" dirty="0">
+                <a:latin typeface="+mn-lt"/>
+              </a:rPr>
+              <a:t>mammalian</a:t>
             </a:r>
           </a:p>
           <a:p>
@@ -42502,14 +42514,14 @@
           </a:ln>
           <a:extLst>
             <a:ext uri="{909E8E84-426E-40dd-AFC4-6F175D3DCCD1}">
-              <a14:hiddenFill xmlns="" xmlns:a14="http://schemas.microsoft.com/office/drawing/2010/main">
+              <a14:hiddenFill xmlns:a14="http://schemas.microsoft.com/office/drawing/2010/main" xmlns="">
                 <a:solidFill>
                   <a:srgbClr val="FFFFFF"/>
                 </a:solidFill>
               </a14:hiddenFill>
             </a:ext>
             <a:ext uri="{91240B29-F687-4f45-9708-019B960494DF}">
-              <a14:hiddenLine xmlns="" xmlns:a14="http://schemas.microsoft.com/office/drawing/2010/main" w="9525">
+              <a14:hiddenLine xmlns:a14="http://schemas.microsoft.com/office/drawing/2010/main" xmlns="" w="9525">
                 <a:solidFill>
                   <a:srgbClr val="000000"/>
                 </a:solidFill>
@@ -43610,14 +43622,14 @@
           </a:ln>
           <a:extLst>
             <a:ext uri="{909E8E84-426E-40dd-AFC4-6F175D3DCCD1}">
-              <a14:hiddenFill xmlns="" xmlns:a14="http://schemas.microsoft.com/office/drawing/2010/main">
+              <a14:hiddenFill xmlns:a14="http://schemas.microsoft.com/office/drawing/2010/main" xmlns="">
                 <a:solidFill>
                   <a:srgbClr val="FFFFFF"/>
                 </a:solidFill>
               </a14:hiddenFill>
             </a:ext>
             <a:ext uri="{91240B29-F687-4f45-9708-019B960494DF}">
-              <a14:hiddenLine xmlns="" xmlns:a14="http://schemas.microsoft.com/office/drawing/2010/main" w="9525">
+              <a14:hiddenLine xmlns:a14="http://schemas.microsoft.com/office/drawing/2010/main" xmlns="" w="9525">
                 <a:solidFill>
                   <a:srgbClr val="000000"/>
                 </a:solidFill>

--- a/P3_future_OddBall_ToT.pptx
+++ b/P3_future_OddBall_ToT.pptx
@@ -42514,14 +42514,14 @@
           </a:ln>
           <a:extLst>
             <a:ext uri="{909E8E84-426E-40dd-AFC4-6F175D3DCCD1}">
-              <a14:hiddenFill xmlns:a14="http://schemas.microsoft.com/office/drawing/2010/main" xmlns="">
+              <a14:hiddenFill xmlns="" xmlns:a14="http://schemas.microsoft.com/office/drawing/2010/main">
                 <a:solidFill>
                   <a:srgbClr val="FFFFFF"/>
                 </a:solidFill>
               </a14:hiddenFill>
             </a:ext>
             <a:ext uri="{91240B29-F687-4f45-9708-019B960494DF}">
-              <a14:hiddenLine xmlns:a14="http://schemas.microsoft.com/office/drawing/2010/main" xmlns="" w="9525">
+              <a14:hiddenLine xmlns="" xmlns:a14="http://schemas.microsoft.com/office/drawing/2010/main" w="9525">
                 <a:solidFill>
                   <a:srgbClr val="000000"/>
                 </a:solidFill>
@@ -43622,14 +43622,14 @@
           </a:ln>
           <a:extLst>
             <a:ext uri="{909E8E84-426E-40dd-AFC4-6F175D3DCCD1}">
-              <a14:hiddenFill xmlns:a14="http://schemas.microsoft.com/office/drawing/2010/main" xmlns="">
+              <a14:hiddenFill xmlns="" xmlns:a14="http://schemas.microsoft.com/office/drawing/2010/main">
                 <a:solidFill>
                   <a:srgbClr val="FFFFFF"/>
                 </a:solidFill>
               </a14:hiddenFill>
             </a:ext>
             <a:ext uri="{91240B29-F687-4f45-9708-019B960494DF}">
-              <a14:hiddenLine xmlns:a14="http://schemas.microsoft.com/office/drawing/2010/main" xmlns="" w="9525">
+              <a14:hiddenLine xmlns="" xmlns:a14="http://schemas.microsoft.com/office/drawing/2010/main" w="9525">
                 <a:solidFill>
                   <a:srgbClr val="000000"/>
                 </a:solidFill>

--- a/P3_future_OddBall_ToT.pptx
+++ b/P3_future_OddBall_ToT.pptx
@@ -34219,8 +34219,14 @@
           <p:nvPr/>
         </p:nvPicPr>
         <p:blipFill rotWithShape="1">
-          <a:blip r:embed="rId4"/>
-          <a:srcRect l="8672" r="8672" b="25220"/>
+          <a:blip r:embed="rId4" cstate="screen">
+            <a:extLst>
+              <a:ext uri="{28A0092B-C50C-407E-A947-70E740481C1C}">
+                <a14:useLocalDpi xmlns:a14="http://schemas.microsoft.com/office/drawing/2010/main"/>
+              </a:ext>
+            </a:extLst>
+          </a:blip>
+          <a:srcRect/>
           <a:stretch/>
         </p:blipFill>
         <p:spPr>
@@ -36561,7 +36567,13 @@
           <p:nvPr/>
         </p:nvPicPr>
         <p:blipFill>
-          <a:blip r:embed="rId4"/>
+          <a:blip r:embed="rId4" cstate="screen">
+            <a:extLst>
+              <a:ext uri="{28A0092B-C50C-407E-A947-70E740481C1C}">
+                <a14:useLocalDpi xmlns:a14="http://schemas.microsoft.com/office/drawing/2010/main"/>
+              </a:ext>
+            </a:extLst>
+          </a:blip>
           <a:stretch>
             <a:fillRect/>
           </a:stretch>
@@ -36651,7 +36663,7 @@
           <p:nvPr/>
         </p:nvPicPr>
         <p:blipFill>
-          <a:blip r:embed="rId6">
+          <a:blip r:embed="rId6" cstate="screen">
             <a:extLst>
               <a:ext uri="{28A0092B-C50C-407E-A947-70E740481C1C}">
                 <a14:useLocalDpi xmlns:a14="http://schemas.microsoft.com/office/drawing/2010/main"/>
@@ -36920,14 +36932,14 @@
           </p:nvPr>
         </p:nvPicPr>
         <p:blipFill rotWithShape="1">
-          <a:blip r:embed="rId7">
+          <a:blip r:embed="rId7" cstate="screen">
             <a:extLst>
               <a:ext uri="{28A0092B-C50C-407E-A947-70E740481C1C}">
                 <a14:useLocalDpi xmlns:a14="http://schemas.microsoft.com/office/drawing/2010/main"/>
               </a:ext>
             </a:extLst>
           </a:blip>
-          <a:srcRect l="33017" t="23873" r="33335" b="30058"/>
+          <a:srcRect/>
           <a:stretch/>
         </p:blipFill>
         <p:spPr>
@@ -38278,8 +38290,14 @@
           <p:nvPr/>
         </p:nvPicPr>
         <p:blipFill rotWithShape="1">
-          <a:blip r:embed="rId5"/>
-          <a:srcRect b="34370"/>
+          <a:blip r:embed="rId5" cstate="screen">
+            <a:extLst>
+              <a:ext uri="{28A0092B-C50C-407E-A947-70E740481C1C}">
+                <a14:useLocalDpi xmlns:a14="http://schemas.microsoft.com/office/drawing/2010/main"/>
+              </a:ext>
+            </a:extLst>
+          </a:blip>
+          <a:srcRect/>
           <a:stretch/>
         </p:blipFill>
         <p:spPr>
@@ -38991,8 +39009,14 @@
           <p:nvPr/>
         </p:nvPicPr>
         <p:blipFill rotWithShape="1">
-          <a:blip r:embed="rId6"/>
-          <a:srcRect l="8672" r="8672" b="25220"/>
+          <a:blip r:embed="rId6" cstate="screen">
+            <a:extLst>
+              <a:ext uri="{28A0092B-C50C-407E-A947-70E740481C1C}">
+                <a14:useLocalDpi xmlns:a14="http://schemas.microsoft.com/office/drawing/2010/main"/>
+              </a:ext>
+            </a:extLst>
+          </a:blip>
+          <a:srcRect/>
           <a:stretch/>
         </p:blipFill>
         <p:spPr>
@@ -39042,7 +39066,13 @@
             <p:nvPr/>
           </p:nvPicPr>
           <p:blipFill>
-            <a:blip r:embed="rId7"/>
+            <a:blip r:embed="rId7" cstate="screen">
+              <a:extLst>
+                <a:ext uri="{28A0092B-C50C-407E-A947-70E740481C1C}">
+                  <a14:useLocalDpi xmlns:a14="http://schemas.microsoft.com/office/drawing/2010/main"/>
+                </a:ext>
+              </a:extLst>
+            </a:blip>
             <a:srcRect/>
             <a:stretch>
               <a:fillRect/>
@@ -39900,7 +39930,13 @@
             <p:nvPr/>
           </p:nvPicPr>
           <p:blipFill>
-            <a:blip r:embed="rId5"/>
+            <a:blip r:embed="rId5" cstate="screen">
+              <a:extLst>
+                <a:ext uri="{28A0092B-C50C-407E-A947-70E740481C1C}">
+                  <a14:useLocalDpi xmlns:a14="http://schemas.microsoft.com/office/drawing/2010/main"/>
+                </a:ext>
+              </a:extLst>
+            </a:blip>
             <a:srcRect/>
             <a:stretch>
               <a:fillRect/>
@@ -42514,14 +42550,14 @@
           </a:ln>
           <a:extLst>
             <a:ext uri="{909E8E84-426E-40dd-AFC4-6F175D3DCCD1}">
-              <a14:hiddenFill xmlns="" xmlns:a14="http://schemas.microsoft.com/office/drawing/2010/main">
+              <a14:hiddenFill xmlns:a14="http://schemas.microsoft.com/office/drawing/2010/main" xmlns="">
                 <a:solidFill>
                   <a:srgbClr val="FFFFFF"/>
                 </a:solidFill>
               </a14:hiddenFill>
             </a:ext>
             <a:ext uri="{91240B29-F687-4f45-9708-019B960494DF}">
-              <a14:hiddenLine xmlns="" xmlns:a14="http://schemas.microsoft.com/office/drawing/2010/main" w="9525">
+              <a14:hiddenLine xmlns:a14="http://schemas.microsoft.com/office/drawing/2010/main" xmlns="" w="9525">
                 <a:solidFill>
                   <a:srgbClr val="000000"/>
                 </a:solidFill>
@@ -42923,7 +42959,13 @@
             <p:nvPr/>
           </p:nvPicPr>
           <p:blipFill>
-            <a:blip r:embed="rId11"/>
+            <a:blip r:embed="rId11" cstate="screen">
+              <a:extLst>
+                <a:ext uri="{28A0092B-C50C-407E-A947-70E740481C1C}">
+                  <a14:useLocalDpi xmlns:a14="http://schemas.microsoft.com/office/drawing/2010/main"/>
+                </a:ext>
+              </a:extLst>
+            </a:blip>
             <a:srcRect/>
             <a:stretch>
               <a:fillRect/>
@@ -43622,14 +43664,14 @@
           </a:ln>
           <a:extLst>
             <a:ext uri="{909E8E84-426E-40dd-AFC4-6F175D3DCCD1}">
-              <a14:hiddenFill xmlns="" xmlns:a14="http://schemas.microsoft.com/office/drawing/2010/main">
+              <a14:hiddenFill xmlns:a14="http://schemas.microsoft.com/office/drawing/2010/main" xmlns="">
                 <a:solidFill>
                   <a:srgbClr val="FFFFFF"/>
                 </a:solidFill>
               </a14:hiddenFill>
             </a:ext>
             <a:ext uri="{91240B29-F687-4f45-9708-019B960494DF}">
-              <a14:hiddenLine xmlns="" xmlns:a14="http://schemas.microsoft.com/office/drawing/2010/main" w="9525">
+              <a14:hiddenLine xmlns:a14="http://schemas.microsoft.com/office/drawing/2010/main" xmlns="" w="9525">
                 <a:solidFill>
                   <a:srgbClr val="000000"/>
                 </a:solidFill>
@@ -44031,7 +44073,13 @@
             <p:nvPr/>
           </p:nvPicPr>
           <p:blipFill>
-            <a:blip r:embed="rId11"/>
+            <a:blip r:embed="rId11" cstate="screen">
+              <a:extLst>
+                <a:ext uri="{28A0092B-C50C-407E-A947-70E740481C1C}">
+                  <a14:useLocalDpi xmlns:a14="http://schemas.microsoft.com/office/drawing/2010/main"/>
+                </a:ext>
+              </a:extLst>
+            </a:blip>
             <a:srcRect/>
             <a:stretch>
               <a:fillRect/>

--- a/P3_future_OddBall_ToT.pptx
+++ b/P3_future_OddBall_ToT.pptx
@@ -1492,7 +1492,7 @@
             <a:fld id="{6D38D273-E09B-A444-98FA-3F679B15186E}" type="datetime1">
               <a:rPr lang="en-US" smtClean="0"/>
               <a:pPr/>
-              <a:t>5/9/21</a:t>
+              <a:t>5/10/21</a:t>
             </a:fld>
             <a:endParaRPr lang="en-US"/>
           </a:p>
@@ -1633,7 +1633,7 @@
             <a:fld id="{6D38D273-E09B-A444-98FA-3F679B15186E}" type="datetime1">
               <a:rPr lang="en-US" smtClean="0"/>
               <a:pPr/>
-              <a:t>5/9/21</a:t>
+              <a:t>5/10/21</a:t>
             </a:fld>
             <a:endParaRPr lang="en-US"/>
           </a:p>
@@ -27940,7 +27940,7 @@
           <a:p>
             <a:r>
               <a:rPr lang="en-US" dirty="0"/>
-              <a:t>Q3.1 Examples of (surprising) models</a:t>
+              <a:t>Q3.1 Example of (surprising) models</a:t>
             </a:r>
           </a:p>
         </p:txBody>
@@ -28126,8 +28126,8 @@
         </p:nvSpPr>
         <p:spPr bwMode="auto">
           <a:xfrm>
-            <a:off x="210207" y="2049517"/>
-            <a:ext cx="8618483" cy="2890345"/>
+            <a:off x="210207" y="1531881"/>
+            <a:ext cx="8618483" cy="3407982"/>
           </a:xfrm>
           <a:prstGeom prst="roundRect">
             <a:avLst/>
@@ -29395,7 +29395,7 @@
 </file>
 
 <file path=ppt/slides/slide37.xml><?xml version="1.0" encoding="utf-8"?>
-<p:sld xmlns:a="http://schemas.openxmlformats.org/drawingml/2006/main" xmlns:r="http://schemas.openxmlformats.org/officeDocument/2006/relationships" xmlns:p="http://schemas.openxmlformats.org/presentationml/2006/main">
+<p:sld xmlns:a="http://schemas.openxmlformats.org/drawingml/2006/main" xmlns:r="http://schemas.openxmlformats.org/officeDocument/2006/relationships" xmlns:p="http://schemas.openxmlformats.org/presentationml/2006/main" show="0">
   <p:cSld>
     <p:spTree>
       <p:nvGrpSpPr>
@@ -30022,7 +30022,7 @@
 </file>
 
 <file path=ppt/slides/slide38.xml><?xml version="1.0" encoding="utf-8"?>
-<p:sld xmlns:a="http://schemas.openxmlformats.org/drawingml/2006/main" xmlns:r="http://schemas.openxmlformats.org/officeDocument/2006/relationships" xmlns:p="http://schemas.openxmlformats.org/presentationml/2006/main">
+<p:sld xmlns:a="http://schemas.openxmlformats.org/drawingml/2006/main" xmlns:r="http://schemas.openxmlformats.org/officeDocument/2006/relationships" xmlns:p="http://schemas.openxmlformats.org/presentationml/2006/main" show="0">
   <p:cSld>
     <p:spTree>
       <p:nvGrpSpPr>
@@ -30879,7 +30879,7 @@
 </file>
 
 <file path=ppt/slides/slide39.xml><?xml version="1.0" encoding="utf-8"?>
-<p:sld xmlns:a="http://schemas.openxmlformats.org/drawingml/2006/main" xmlns:r="http://schemas.openxmlformats.org/officeDocument/2006/relationships" xmlns:p="http://schemas.openxmlformats.org/presentationml/2006/main">
+<p:sld xmlns:a="http://schemas.openxmlformats.org/drawingml/2006/main" xmlns:r="http://schemas.openxmlformats.org/officeDocument/2006/relationships" xmlns:p="http://schemas.openxmlformats.org/presentationml/2006/main" show="0">
   <p:cSld>
     <p:spTree>
       <p:nvGrpSpPr>
@@ -36222,7 +36222,7 @@
           <a:p>
             <a:pPr algn="just"/>
             <a:r>
-              <a:rPr lang="en-US" u="none" dirty="0"/>
+              <a:rPr lang="en-US" i="1" u="none" dirty="0"/>
               <a:t>The Fractal Geometry of Nature</a:t>
             </a:r>
           </a:p>
@@ -36386,7 +36386,7 @@
             </a:lvl9pPr>
           </a:lstStyle>
           <a:p>
-            <a:endParaRPr lang="en-US" altLang="en-US"/>
+            <a:endParaRPr lang="en-US" altLang="en-US" dirty="0"/>
           </a:p>
         </p:txBody>
       </p:sp>
@@ -37137,6 +37137,88 @@
           </a:p>
         </p:txBody>
       </p:sp>
+      <p:pic>
+        <p:nvPicPr>
+          <p:cNvPr id="6" name="Google Shape;251;gd6d94ea843_0_90" descr="1_2">
+            <a:extLst>
+              <a:ext uri="{FF2B5EF4-FFF2-40B4-BE49-F238E27FC236}">
+                <a16:creationId xmlns:a16="http://schemas.microsoft.com/office/drawing/2014/main" id="{1F4243C3-E2D6-7B4B-AB0F-0E6AAC76BE8F}"/>
+              </a:ext>
+            </a:extLst>
+          </p:cNvPr>
+          <p:cNvPicPr preferRelativeResize="0"/>
+          <p:nvPr/>
+        </p:nvPicPr>
+        <p:blipFill rotWithShape="1">
+          <a:blip r:embed="rId2" cstate="screen">
+            <a:alphaModFix/>
+            <a:extLst>
+              <a:ext uri="{28A0092B-C50C-407E-A947-70E740481C1C}">
+                <a14:useLocalDpi xmlns:a14="http://schemas.microsoft.com/office/drawing/2010/main"/>
+              </a:ext>
+            </a:extLst>
+          </a:blip>
+          <a:srcRect/>
+          <a:stretch/>
+        </p:blipFill>
+        <p:spPr>
+          <a:xfrm>
+            <a:off x="5834602" y="2487497"/>
+            <a:ext cx="1437195" cy="1194847"/>
+          </a:xfrm>
+          <a:prstGeom prst="rect">
+            <a:avLst/>
+          </a:prstGeom>
+          <a:noFill/>
+          <a:ln>
+            <a:noFill/>
+          </a:ln>
+        </p:spPr>
+      </p:pic>
+      <p:pic>
+        <p:nvPicPr>
+          <p:cNvPr id="7" name="Content Placeholder 7" descr="sierpinski.eps">
+            <a:extLst>
+              <a:ext uri="{FF2B5EF4-FFF2-40B4-BE49-F238E27FC236}">
+                <a16:creationId xmlns:a16="http://schemas.microsoft.com/office/drawing/2014/main" id="{893C5AB9-A9CD-F14B-B310-4401A1A408C3}"/>
+              </a:ext>
+            </a:extLst>
+          </p:cNvPr>
+          <p:cNvPicPr>
+            <a:picLocks noChangeAspect="1"/>
+          </p:cNvPicPr>
+          <p:nvPr/>
+        </p:nvPicPr>
+        <p:blipFill>
+          <a:blip r:embed="rId3" cstate="screen">
+            <a:extLst>
+              <a:ext uri="{28A0092B-C50C-407E-A947-70E740481C1C}">
+                <a14:useLocalDpi xmlns:a14="http://schemas.microsoft.com/office/drawing/2010/main"/>
+              </a:ext>
+            </a:extLst>
+          </a:blip>
+          <a:srcRect l="-16112" r="-16112"/>
+          <a:stretch>
+            <a:fillRect/>
+          </a:stretch>
+        </p:blipFill>
+        <p:spPr bwMode="auto">
+          <a:xfrm>
+            <a:off x="1079479" y="2139156"/>
+            <a:ext cx="3022641" cy="1600200"/>
+          </a:xfrm>
+          <a:prstGeom prst="rect">
+            <a:avLst/>
+          </a:prstGeom>
+          <a:noFill/>
+          <a:ln w="9525">
+            <a:noFill/>
+            <a:miter lim="800000"/>
+            <a:headEnd/>
+            <a:tailEnd/>
+          </a:ln>
+        </p:spPr>
+      </p:pic>
     </p:spTree>
   </p:cSld>
   <p:clrMapOvr>
@@ -38310,6 +38392,168 @@
           </a:prstGeom>
         </p:spPr>
       </p:pic>
+      <p:sp>
+        <p:nvSpPr>
+          <p:cNvPr id="4" name="Oval 3">
+            <a:extLst>
+              <a:ext uri="{FF2B5EF4-FFF2-40B4-BE49-F238E27FC236}">
+                <a16:creationId xmlns:a16="http://schemas.microsoft.com/office/drawing/2014/main" id="{60C46D37-737E-F348-8F22-F6F74414AE9A}"/>
+              </a:ext>
+            </a:extLst>
+          </p:cNvPr>
+          <p:cNvSpPr/>
+          <p:nvPr/>
+        </p:nvSpPr>
+        <p:spPr bwMode="auto">
+          <a:xfrm>
+            <a:off x="2422689" y="5250730"/>
+            <a:ext cx="320511" cy="141402"/>
+          </a:xfrm>
+          <a:prstGeom prst="ellipse">
+            <a:avLst/>
+          </a:prstGeom>
+          <a:noFill/>
+          <a:ln w="3175" cap="flat" cmpd="sng" algn="ctr">
+            <a:solidFill>
+              <a:schemeClr val="tx1"/>
+            </a:solidFill>
+            <a:prstDash val="solid"/>
+            <a:round/>
+            <a:headEnd type="none" w="sm" len="sm"/>
+            <a:tailEnd type="none" w="med" len="med"/>
+          </a:ln>
+          <a:effectLst/>
+        </p:spPr>
+        <p:txBody>
+          <a:bodyPr rtlCol="0" anchor="ctr"/>
+          <a:lstStyle/>
+          <a:p>
+            <a:pPr algn="ctr"/>
+            <a:endParaRPr lang="en-US"/>
+          </a:p>
+        </p:txBody>
+      </p:sp>
+      <p:sp>
+        <p:nvSpPr>
+          <p:cNvPr id="21" name="Oval 20">
+            <a:extLst>
+              <a:ext uri="{FF2B5EF4-FFF2-40B4-BE49-F238E27FC236}">
+                <a16:creationId xmlns:a16="http://schemas.microsoft.com/office/drawing/2014/main" id="{1D9BF263-D5E3-7E47-AD8F-78732752372E}"/>
+              </a:ext>
+            </a:extLst>
+          </p:cNvPr>
+          <p:cNvSpPr/>
+          <p:nvPr/>
+        </p:nvSpPr>
+        <p:spPr bwMode="auto">
+          <a:xfrm>
+            <a:off x="3670728" y="4364610"/>
+            <a:ext cx="1385460" cy="886120"/>
+          </a:xfrm>
+          <a:prstGeom prst="ellipse">
+            <a:avLst/>
+          </a:prstGeom>
+          <a:noFill/>
+          <a:ln w="3175" cap="flat" cmpd="sng" algn="ctr">
+            <a:solidFill>
+              <a:schemeClr val="tx1"/>
+            </a:solidFill>
+            <a:prstDash val="solid"/>
+            <a:round/>
+            <a:headEnd type="none" w="sm" len="sm"/>
+            <a:tailEnd type="none" w="med" len="med"/>
+          </a:ln>
+          <a:effectLst/>
+        </p:spPr>
+        <p:txBody>
+          <a:bodyPr rtlCol="0" anchor="ctr"/>
+          <a:lstStyle/>
+          <a:p>
+            <a:pPr algn="ctr"/>
+            <a:r>
+              <a:rPr lang="en-US" sz="2000" dirty="0">
+                <a:latin typeface="+mn-lt"/>
+              </a:rPr>
+              <a:t>RIKEN</a:t>
+            </a:r>
+          </a:p>
+        </p:txBody>
+      </p:sp>
+      <p:cxnSp>
+        <p:nvCxnSpPr>
+          <p:cNvPr id="7" name="Straight Connector 6">
+            <a:extLst>
+              <a:ext uri="{FF2B5EF4-FFF2-40B4-BE49-F238E27FC236}">
+                <a16:creationId xmlns:a16="http://schemas.microsoft.com/office/drawing/2014/main" id="{156BB0E6-1D3B-1843-A54C-11B965D2F055}"/>
+              </a:ext>
+            </a:extLst>
+          </p:cNvPr>
+          <p:cNvCxnSpPr>
+            <a:stCxn id="4" idx="0"/>
+            <a:endCxn id="21" idx="1"/>
+          </p:cNvCxnSpPr>
+          <p:nvPr/>
+        </p:nvCxnSpPr>
+        <p:spPr bwMode="auto">
+          <a:xfrm flipV="1">
+            <a:off x="2582945" y="4494379"/>
+            <a:ext cx="1290679" cy="756351"/>
+          </a:xfrm>
+          <a:prstGeom prst="line">
+            <a:avLst/>
+          </a:prstGeom>
+          <a:solidFill>
+            <a:schemeClr val="accent1"/>
+          </a:solidFill>
+          <a:ln w="3175" cap="flat" cmpd="sng" algn="ctr">
+            <a:solidFill>
+              <a:schemeClr val="tx1"/>
+            </a:solidFill>
+            <a:prstDash val="solid"/>
+            <a:round/>
+            <a:headEnd type="none" w="sm" len="sm"/>
+            <a:tailEnd type="none" w="med" len="med"/>
+          </a:ln>
+          <a:effectLst/>
+        </p:spPr>
+      </p:cxnSp>
+      <p:cxnSp>
+        <p:nvCxnSpPr>
+          <p:cNvPr id="9" name="Straight Connector 8">
+            <a:extLst>
+              <a:ext uri="{FF2B5EF4-FFF2-40B4-BE49-F238E27FC236}">
+                <a16:creationId xmlns:a16="http://schemas.microsoft.com/office/drawing/2014/main" id="{8F7D2FCC-7A37-9C41-A252-29E06DA7880B}"/>
+              </a:ext>
+            </a:extLst>
+          </p:cNvPr>
+          <p:cNvCxnSpPr>
+            <a:stCxn id="4" idx="5"/>
+          </p:cNvCxnSpPr>
+          <p:nvPr/>
+        </p:nvCxnSpPr>
+        <p:spPr bwMode="auto">
+          <a:xfrm flipV="1">
+            <a:off x="2696262" y="5250730"/>
+            <a:ext cx="1646646" cy="120694"/>
+          </a:xfrm>
+          <a:prstGeom prst="line">
+            <a:avLst/>
+          </a:prstGeom>
+          <a:solidFill>
+            <a:schemeClr val="accent1"/>
+          </a:solidFill>
+          <a:ln w="3175" cap="flat" cmpd="sng" algn="ctr">
+            <a:solidFill>
+              <a:schemeClr val="tx1"/>
+            </a:solidFill>
+            <a:prstDash val="solid"/>
+            <a:round/>
+            <a:headEnd type="none" w="sm" len="sm"/>
+            <a:tailEnd type="none" w="med" len="med"/>
+          </a:ln>
+          <a:effectLst/>
+        </p:spPr>
+      </p:cxnSp>
     </p:spTree>
   </p:cSld>
   <p:clrMapOvr>
@@ -41133,7 +41377,7 @@
           <a:p>
             <a:r>
               <a:rPr lang="en-US" dirty="0"/>
-              <a:t>Graphs &lt;-&gt; points &lt;-&gt; time-series</a:t>
+              <a:t>Graphs &lt;-&gt; points</a:t>
             </a:r>
           </a:p>
         </p:txBody>
@@ -41328,7 +41572,7 @@
         </p:blipFill>
         <p:spPr>
           <a:xfrm>
-            <a:off x="1066800" y="3347767"/>
+            <a:off x="2235724" y="2746179"/>
             <a:ext cx="1143000" cy="979487"/>
           </a:xfrm>
           <a:prstGeom prst="rect">
@@ -41366,7 +41610,7 @@
         </p:blipFill>
         <p:spPr>
           <a:xfrm>
-            <a:off x="2808061" y="3196021"/>
+            <a:off x="3976985" y="2594433"/>
             <a:ext cx="1931277" cy="1364155"/>
           </a:xfrm>
           <a:prstGeom prst="rect">
@@ -41382,10 +41626,45 @@
       </p:pic>
       <p:pic>
         <p:nvPicPr>
-          <p:cNvPr id="11" name="Picture 11">
+          <p:cNvPr id="13" name="Picture 12" descr="A picture containing person, wall, indoor, clothing&#10;&#10;Description automatically generated">
             <a:extLst>
               <a:ext uri="{FF2B5EF4-FFF2-40B4-BE49-F238E27FC236}">
-                <a16:creationId xmlns:a16="http://schemas.microsoft.com/office/drawing/2014/main" id="{5264351D-1BB3-8847-BADF-B2187D9FB816}"/>
+                <a16:creationId xmlns:a16="http://schemas.microsoft.com/office/drawing/2014/main" id="{B559AC11-6EFA-5D4F-9DDA-DC12C73EFB6C}"/>
+              </a:ext>
+            </a:extLst>
+          </p:cNvPr>
+          <p:cNvPicPr>
+            <a:picLocks noChangeAspect="1"/>
+          </p:cNvPicPr>
+          <p:nvPr/>
+        </p:nvPicPr>
+        <p:blipFill rotWithShape="1">
+          <a:blip r:embed="rId4" cstate="screen">
+            <a:extLst>
+              <a:ext uri="{28A0092B-C50C-407E-A947-70E740481C1C}">
+                <a14:useLocalDpi xmlns:a14="http://schemas.microsoft.com/office/drawing/2010/main"/>
+              </a:ext>
+            </a:extLst>
+          </a:blip>
+          <a:srcRect/>
+          <a:stretch/>
+        </p:blipFill>
+        <p:spPr>
+          <a:xfrm>
+            <a:off x="4547828" y="4752969"/>
+            <a:ext cx="789590" cy="734642"/>
+          </a:xfrm>
+          <a:prstGeom prst="rect">
+            <a:avLst/>
+          </a:prstGeom>
+        </p:spPr>
+      </p:pic>
+      <p:pic>
+        <p:nvPicPr>
+          <p:cNvPr id="18" name="Picture 17">
+            <a:extLst>
+              <a:ext uri="{FF2B5EF4-FFF2-40B4-BE49-F238E27FC236}">
+                <a16:creationId xmlns:a16="http://schemas.microsoft.com/office/drawing/2014/main" id="{73962A79-436D-0A43-8DC9-9C0FA1B61B21}"/>
               </a:ext>
             </a:extLst>
           </p:cNvPr>
@@ -41395,266 +41674,7 @@
           <p:nvPr/>
         </p:nvPicPr>
         <p:blipFill>
-          <a:blip r:embed="rId4" cstate="screen">
-            <a:extLst>
-              <a:ext uri="{28A0092B-C50C-407E-A947-70E740481C1C}">
-                <a14:useLocalDpi xmlns:a14="http://schemas.microsoft.com/office/drawing/2010/main"/>
-              </a:ext>
-            </a:extLst>
-          </a:blip>
-          <a:srcRect/>
-          <a:stretch>
-            <a:fillRect/>
-          </a:stretch>
-        </p:blipFill>
-        <p:spPr bwMode="auto">
-          <a:xfrm>
-            <a:off x="5017262" y="3196021"/>
-            <a:ext cx="3440938" cy="1364156"/>
-          </a:xfrm>
-          <a:prstGeom prst="rect">
-            <a:avLst/>
-          </a:prstGeom>
-          <a:noFill/>
-          <a:ln w="12700">
-            <a:solidFill>
-              <a:srgbClr val="000000"/>
-            </a:solidFill>
-            <a:miter lim="800000"/>
-            <a:headEnd/>
-            <a:tailEnd/>
-          </a:ln>
-          <a:extLst>
-            <a:ext uri="{909E8E84-426E-40DD-AFC4-6F175D3DCCD1}">
-              <a14:hiddenFill xmlns:a14="http://schemas.microsoft.com/office/drawing/2010/main">
-                <a:solidFill>
-                  <a:srgbClr val="FFFFFF"/>
-                </a:solidFill>
-              </a14:hiddenFill>
-            </a:ext>
-          </a:extLst>
-        </p:spPr>
-      </p:pic>
-      <p:sp>
-        <p:nvSpPr>
-          <p:cNvPr id="12" name="TextBox 16">
-            <a:extLst>
-              <a:ext uri="{FF2B5EF4-FFF2-40B4-BE49-F238E27FC236}">
-                <a16:creationId xmlns:a16="http://schemas.microsoft.com/office/drawing/2014/main" id="{921201F6-2C5E-D847-BD50-EDA014241EA1}"/>
-              </a:ext>
-            </a:extLst>
-          </p:cNvPr>
-          <p:cNvSpPr txBox="1">
-            <a:spLocks noChangeAspect="1" noChangeArrowheads="1"/>
-          </p:cNvSpPr>
-          <p:nvPr/>
-        </p:nvSpPr>
-        <p:spPr bwMode="auto">
-          <a:xfrm>
-            <a:off x="5468019" y="4190844"/>
-            <a:ext cx="595035" cy="369332"/>
-          </a:xfrm>
-          <a:prstGeom prst="rect">
-            <a:avLst/>
-          </a:prstGeom>
-          <a:noFill/>
-          <a:ln>
-            <a:noFill/>
-          </a:ln>
-          <a:extLst>
-            <a:ext uri="{909E8E84-426E-40DD-AFC4-6F175D3DCCD1}">
-              <a14:hiddenFill xmlns:a14="http://schemas.microsoft.com/office/drawing/2010/main">
-                <a:solidFill>
-                  <a:srgbClr val="FFFFFF"/>
-                </a:solidFill>
-              </a14:hiddenFill>
-            </a:ext>
-            <a:ext uri="{91240B29-F687-4F45-9708-019B960494DF}">
-              <a14:hiddenLine xmlns:a14="http://schemas.microsoft.com/office/drawing/2010/main" w="9525">
-                <a:solidFill>
-                  <a:srgbClr val="000000"/>
-                </a:solidFill>
-                <a:miter lim="800000"/>
-                <a:headEnd/>
-                <a:tailEnd/>
-              </a14:hiddenLine>
-            </a:ext>
-          </a:extLst>
-        </p:spPr>
-        <p:txBody>
-          <a:bodyPr wrap="none">
-            <a:spAutoFit/>
-          </a:bodyPr>
-          <a:lstStyle>
-            <a:lvl1pPr eaLnBrk="0" hangingPunct="0">
-              <a:defRPr>
-                <a:solidFill>
-                  <a:schemeClr val="tx1"/>
-                </a:solidFill>
-                <a:latin typeface="Arial" panose="020B0604020202020204" pitchFamily="34" charset="0"/>
-                <a:ea typeface="ＭＳ Ｐゴシック" panose="020B0600070205080204" pitchFamily="34" charset="-128"/>
-              </a:defRPr>
-            </a:lvl1pPr>
-            <a:lvl2pPr marL="742950" indent="-285750" eaLnBrk="0" hangingPunct="0">
-              <a:defRPr>
-                <a:solidFill>
-                  <a:schemeClr val="tx1"/>
-                </a:solidFill>
-                <a:latin typeface="Arial" panose="020B0604020202020204" pitchFamily="34" charset="0"/>
-                <a:ea typeface="ＭＳ Ｐゴシック" panose="020B0600070205080204" pitchFamily="34" charset="-128"/>
-              </a:defRPr>
-            </a:lvl2pPr>
-            <a:lvl3pPr marL="1143000" indent="-228600" eaLnBrk="0" hangingPunct="0">
-              <a:defRPr>
-                <a:solidFill>
-                  <a:schemeClr val="tx1"/>
-                </a:solidFill>
-                <a:latin typeface="Arial" panose="020B0604020202020204" pitchFamily="34" charset="0"/>
-                <a:ea typeface="ＭＳ Ｐゴシック" panose="020B0600070205080204" pitchFamily="34" charset="-128"/>
-              </a:defRPr>
-            </a:lvl3pPr>
-            <a:lvl4pPr marL="1600200" indent="-228600" eaLnBrk="0" hangingPunct="0">
-              <a:defRPr>
-                <a:solidFill>
-                  <a:schemeClr val="tx1"/>
-                </a:solidFill>
-                <a:latin typeface="Arial" panose="020B0604020202020204" pitchFamily="34" charset="0"/>
-                <a:ea typeface="ＭＳ Ｐゴシック" panose="020B0600070205080204" pitchFamily="34" charset="-128"/>
-              </a:defRPr>
-            </a:lvl4pPr>
-            <a:lvl5pPr marL="2057400" indent="-228600" eaLnBrk="0" hangingPunct="0">
-              <a:defRPr>
-                <a:solidFill>
-                  <a:schemeClr val="tx1"/>
-                </a:solidFill>
-                <a:latin typeface="Arial" panose="020B0604020202020204" pitchFamily="34" charset="0"/>
-                <a:ea typeface="ＭＳ Ｐゴシック" panose="020B0600070205080204" pitchFamily="34" charset="-128"/>
-              </a:defRPr>
-            </a:lvl5pPr>
-            <a:lvl6pPr marL="2514600" indent="-228600" eaLnBrk="0" fontAlgn="base" hangingPunct="0">
-              <a:spcBef>
-                <a:spcPct val="0"/>
-              </a:spcBef>
-              <a:spcAft>
-                <a:spcPct val="0"/>
-              </a:spcAft>
-              <a:defRPr>
-                <a:solidFill>
-                  <a:schemeClr val="tx1"/>
-                </a:solidFill>
-                <a:latin typeface="Arial" panose="020B0604020202020204" pitchFamily="34" charset="0"/>
-                <a:ea typeface="ＭＳ Ｐゴシック" panose="020B0600070205080204" pitchFamily="34" charset="-128"/>
-              </a:defRPr>
-            </a:lvl6pPr>
-            <a:lvl7pPr marL="2971800" indent="-228600" eaLnBrk="0" fontAlgn="base" hangingPunct="0">
-              <a:spcBef>
-                <a:spcPct val="0"/>
-              </a:spcBef>
-              <a:spcAft>
-                <a:spcPct val="0"/>
-              </a:spcAft>
-              <a:defRPr>
-                <a:solidFill>
-                  <a:schemeClr val="tx1"/>
-                </a:solidFill>
-                <a:latin typeface="Arial" panose="020B0604020202020204" pitchFamily="34" charset="0"/>
-                <a:ea typeface="ＭＳ Ｐゴシック" panose="020B0600070205080204" pitchFamily="34" charset="-128"/>
-              </a:defRPr>
-            </a:lvl7pPr>
-            <a:lvl8pPr marL="3429000" indent="-228600" eaLnBrk="0" fontAlgn="base" hangingPunct="0">
-              <a:spcBef>
-                <a:spcPct val="0"/>
-              </a:spcBef>
-              <a:spcAft>
-                <a:spcPct val="0"/>
-              </a:spcAft>
-              <a:defRPr>
-                <a:solidFill>
-                  <a:schemeClr val="tx1"/>
-                </a:solidFill>
-                <a:latin typeface="Arial" panose="020B0604020202020204" pitchFamily="34" charset="0"/>
-                <a:ea typeface="ＭＳ Ｐゴシック" panose="020B0600070205080204" pitchFamily="34" charset="-128"/>
-              </a:defRPr>
-            </a:lvl8pPr>
-            <a:lvl9pPr marL="3886200" indent="-228600" eaLnBrk="0" fontAlgn="base" hangingPunct="0">
-              <a:spcBef>
-                <a:spcPct val="0"/>
-              </a:spcBef>
-              <a:spcAft>
-                <a:spcPct val="0"/>
-              </a:spcAft>
-              <a:defRPr>
-                <a:solidFill>
-                  <a:schemeClr val="tx1"/>
-                </a:solidFill>
-                <a:latin typeface="Arial" panose="020B0604020202020204" pitchFamily="34" charset="0"/>
-                <a:ea typeface="ＭＳ Ｐゴシック" panose="020B0600070205080204" pitchFamily="34" charset="-128"/>
-              </a:defRPr>
-            </a:lvl9pPr>
-          </a:lstStyle>
-          <a:p>
-            <a:pPr eaLnBrk="1" hangingPunct="1"/>
-            <a:r>
-              <a:rPr lang="en-US" altLang="en-US" sz="1800" dirty="0">
-                <a:latin typeface="+mn-lt"/>
-                <a:cs typeface="Gill Sans" panose="020B0502020104020203" pitchFamily="34" charset="-79"/>
-              </a:rPr>
-              <a:t>time</a:t>
-            </a:r>
-          </a:p>
-        </p:txBody>
-      </p:sp>
-      <p:pic>
-        <p:nvPicPr>
-          <p:cNvPr id="13" name="Picture 12" descr="A picture containing person, wall, indoor, clothing&#10;&#10;Description automatically generated">
-            <a:extLst>
-              <a:ext uri="{FF2B5EF4-FFF2-40B4-BE49-F238E27FC236}">
-                <a16:creationId xmlns:a16="http://schemas.microsoft.com/office/drawing/2014/main" id="{B559AC11-6EFA-5D4F-9DDA-DC12C73EFB6C}"/>
-              </a:ext>
-            </a:extLst>
-          </p:cNvPr>
-          <p:cNvPicPr>
-            <a:picLocks noChangeAspect="1"/>
-          </p:cNvPicPr>
-          <p:nvPr/>
-        </p:nvPicPr>
-        <p:blipFill rotWithShape="1">
           <a:blip r:embed="rId5" cstate="screen">
-            <a:extLst>
-              <a:ext uri="{28A0092B-C50C-407E-A947-70E740481C1C}">
-                <a14:useLocalDpi xmlns:a14="http://schemas.microsoft.com/office/drawing/2010/main"/>
-              </a:ext>
-            </a:extLst>
-          </a:blip>
-          <a:srcRect/>
-          <a:stretch/>
-        </p:blipFill>
-        <p:spPr>
-          <a:xfrm>
-            <a:off x="3378904" y="5354557"/>
-            <a:ext cx="789590" cy="734642"/>
-          </a:xfrm>
-          <a:prstGeom prst="rect">
-            <a:avLst/>
-          </a:prstGeom>
-        </p:spPr>
-      </p:pic>
-      <p:pic>
-        <p:nvPicPr>
-          <p:cNvPr id="14" name="Picture 13">
-            <a:extLst>
-              <a:ext uri="{FF2B5EF4-FFF2-40B4-BE49-F238E27FC236}">
-                <a16:creationId xmlns:a16="http://schemas.microsoft.com/office/drawing/2014/main" id="{156FD22D-CF62-9B4F-B9E8-327F52A50CD6}"/>
-              </a:ext>
-            </a:extLst>
-          </p:cNvPr>
-          <p:cNvPicPr>
-            <a:picLocks noChangeAspect="1"/>
-          </p:cNvPicPr>
-          <p:nvPr/>
-        </p:nvPicPr>
-        <p:blipFill>
-          <a:blip r:embed="rId6" cstate="screen">
             <a:extLst>
               <a:ext uri="{28A0092B-C50C-407E-A947-70E740481C1C}">
                 <a14:useLocalDpi xmlns:a14="http://schemas.microsoft.com/office/drawing/2010/main"/>
@@ -41667,79 +41687,8 @@
         </p:blipFill>
         <p:spPr>
           <a:xfrm>
-            <a:off x="6342936" y="5279479"/>
-            <a:ext cx="789589" cy="789589"/>
-          </a:xfrm>
-          <a:prstGeom prst="rect">
-            <a:avLst/>
-          </a:prstGeom>
-        </p:spPr>
-      </p:pic>
-      <p:cxnSp>
-        <p:nvCxnSpPr>
-          <p:cNvPr id="16" name="Straight Arrow Connector 15">
-            <a:extLst>
-              <a:ext uri="{FF2B5EF4-FFF2-40B4-BE49-F238E27FC236}">
-                <a16:creationId xmlns:a16="http://schemas.microsoft.com/office/drawing/2014/main" id="{8184142A-0CAA-3F47-9AA3-7DAFC9214AB2}"/>
-              </a:ext>
-            </a:extLst>
-          </p:cNvPr>
-          <p:cNvCxnSpPr/>
-          <p:nvPr/>
-        </p:nvCxnSpPr>
-        <p:spPr bwMode="auto">
-          <a:xfrm>
-            <a:off x="6202016" y="4431821"/>
-            <a:ext cx="1266497" cy="0"/>
-          </a:xfrm>
-          <a:prstGeom prst="straightConnector1">
-            <a:avLst/>
-          </a:prstGeom>
-          <a:solidFill>
-            <a:schemeClr val="accent1"/>
-          </a:solidFill>
-          <a:ln w="3175" cap="flat" cmpd="sng" algn="ctr">
-            <a:solidFill>
-              <a:schemeClr val="tx1"/>
-            </a:solidFill>
-            <a:prstDash val="solid"/>
-            <a:round/>
-            <a:headEnd type="none" w="sm" len="sm"/>
-            <a:tailEnd type="triangle"/>
-          </a:ln>
-          <a:effectLst/>
-        </p:spPr>
-      </p:cxnSp>
-      <p:pic>
-        <p:nvPicPr>
-          <p:cNvPr id="17" name="Content Placeholder 12" descr="Chart, histogram&#10;&#10;Description automatically generated">
-            <a:extLst>
-              <a:ext uri="{FF2B5EF4-FFF2-40B4-BE49-F238E27FC236}">
-                <a16:creationId xmlns:a16="http://schemas.microsoft.com/office/drawing/2014/main" id="{8D5EBEEB-B6C3-9340-AC6C-D87053A0BB82}"/>
-              </a:ext>
-            </a:extLst>
-          </p:cNvPr>
-          <p:cNvPicPr>
-            <a:picLocks noChangeAspect="1"/>
-          </p:cNvPicPr>
-          <p:nvPr/>
-        </p:nvPicPr>
-        <p:blipFill>
-          <a:blip r:embed="rId7" cstate="screen">
-            <a:extLst>
-              <a:ext uri="{28A0092B-C50C-407E-A947-70E740481C1C}">
-                <a14:useLocalDpi xmlns:a14="http://schemas.microsoft.com/office/drawing/2010/main"/>
-              </a:ext>
-            </a:extLst>
-          </a:blip>
-          <a:stretch>
-            <a:fillRect/>
-          </a:stretch>
-        </p:blipFill>
-        <p:spPr>
-          <a:xfrm>
-            <a:off x="5808477" y="1899319"/>
-            <a:ext cx="1660036" cy="1245027"/>
+            <a:off x="6202017" y="4770353"/>
+            <a:ext cx="717258" cy="717258"/>
           </a:xfrm>
           <a:prstGeom prst="rect">
             <a:avLst/>
